--- a/TDDExamples/Persentation/TDD.pptx
+++ b/TDDExamples/Persentation/TDD.pptx
@@ -5,50 +5,42 @@
     <p:sldMasterId id="2147483648" r:id="rId1"/>
   </p:sldMasterIdLst>
   <p:notesMasterIdLst>
-    <p:notesMasterId r:id="rId43"/>
+    <p:notesMasterId r:id="rId35"/>
   </p:notesMasterIdLst>
   <p:sldIdLst>
     <p:sldId id="256" r:id="rId2"/>
-    <p:sldId id="257" r:id="rId3"/>
-    <p:sldId id="263" r:id="rId4"/>
-    <p:sldId id="264" r:id="rId5"/>
-    <p:sldId id="271" r:id="rId6"/>
-    <p:sldId id="272" r:id="rId7"/>
-    <p:sldId id="273" r:id="rId8"/>
-    <p:sldId id="275" r:id="rId9"/>
-    <p:sldId id="276" r:id="rId10"/>
-    <p:sldId id="277" r:id="rId11"/>
-    <p:sldId id="278" r:id="rId12"/>
-    <p:sldId id="258" r:id="rId13"/>
-    <p:sldId id="265" r:id="rId14"/>
-    <p:sldId id="259" r:id="rId15"/>
-    <p:sldId id="267" r:id="rId16"/>
-    <p:sldId id="270" r:id="rId17"/>
-    <p:sldId id="261" r:id="rId18"/>
-    <p:sldId id="268" r:id="rId19"/>
-    <p:sldId id="260" r:id="rId20"/>
-    <p:sldId id="269" r:id="rId21"/>
-    <p:sldId id="279" r:id="rId22"/>
-    <p:sldId id="266" r:id="rId23"/>
-    <p:sldId id="281" r:id="rId24"/>
-    <p:sldId id="283" r:id="rId25"/>
-    <p:sldId id="284" r:id="rId26"/>
-    <p:sldId id="285" r:id="rId27"/>
-    <p:sldId id="286" r:id="rId28"/>
-    <p:sldId id="287" r:id="rId29"/>
-    <p:sldId id="288" r:id="rId30"/>
-    <p:sldId id="289" r:id="rId31"/>
-    <p:sldId id="290" r:id="rId32"/>
-    <p:sldId id="291" r:id="rId33"/>
-    <p:sldId id="292" r:id="rId34"/>
-    <p:sldId id="293" r:id="rId35"/>
-    <p:sldId id="294" r:id="rId36"/>
-    <p:sldId id="295" r:id="rId37"/>
-    <p:sldId id="296" r:id="rId38"/>
-    <p:sldId id="297" r:id="rId39"/>
-    <p:sldId id="280" r:id="rId40"/>
-    <p:sldId id="282" r:id="rId41"/>
-    <p:sldId id="262" r:id="rId42"/>
+    <p:sldId id="299" r:id="rId3"/>
+    <p:sldId id="257" r:id="rId4"/>
+    <p:sldId id="298" r:id="rId5"/>
+    <p:sldId id="272" r:id="rId6"/>
+    <p:sldId id="264" r:id="rId7"/>
+    <p:sldId id="275" r:id="rId8"/>
+    <p:sldId id="300" r:id="rId9"/>
+    <p:sldId id="301" r:id="rId10"/>
+    <p:sldId id="302" r:id="rId11"/>
+    <p:sldId id="303" r:id="rId12"/>
+    <p:sldId id="304" r:id="rId13"/>
+    <p:sldId id="305" r:id="rId14"/>
+    <p:sldId id="306" r:id="rId15"/>
+    <p:sldId id="307" r:id="rId16"/>
+    <p:sldId id="276" r:id="rId17"/>
+    <p:sldId id="277" r:id="rId18"/>
+    <p:sldId id="278" r:id="rId19"/>
+    <p:sldId id="267" r:id="rId20"/>
+    <p:sldId id="268" r:id="rId21"/>
+    <p:sldId id="270" r:id="rId22"/>
+    <p:sldId id="308" r:id="rId23"/>
+    <p:sldId id="309" r:id="rId24"/>
+    <p:sldId id="310" r:id="rId25"/>
+    <p:sldId id="269" r:id="rId26"/>
+    <p:sldId id="279" r:id="rId27"/>
+    <p:sldId id="266" r:id="rId28"/>
+    <p:sldId id="281" r:id="rId29"/>
+    <p:sldId id="282" r:id="rId30"/>
+    <p:sldId id="280" r:id="rId31"/>
+    <p:sldId id="311" r:id="rId32"/>
+    <p:sldId id="312" r:id="rId33"/>
+    <p:sldId id="262" r:id="rId34"/>
   </p:sldIdLst>
   <p:sldSz cx="12192000" cy="6858000"/>
   <p:notesSz cx="6858000" cy="9144000"/>
@@ -1227,373 +1219,6 @@
       <dsp:cNvGrpSpPr/>
     </dsp:nvGrpSpPr>
     <dsp:grpSpPr/>
-    <dsp:sp modelId="{D4F671A0-009C-4A65-AC3A-14063918E045}">
-      <dsp:nvSpPr>
-        <dsp:cNvPr id="0" name=""/>
-        <dsp:cNvSpPr/>
-      </dsp:nvSpPr>
-      <dsp:spPr>
-        <a:xfrm>
-          <a:off x="1364379" y="255354"/>
-          <a:ext cx="3299967" cy="3299967"/>
-        </a:xfrm>
-        <a:prstGeom prst="pie">
-          <a:avLst>
-            <a:gd name="adj1" fmla="val 16200000"/>
-            <a:gd name="adj2" fmla="val 1800000"/>
-          </a:avLst>
-        </a:prstGeom>
-        <a:solidFill>
-          <a:schemeClr val="accent6">
-            <a:lumMod val="75000"/>
-          </a:schemeClr>
-        </a:solidFill>
-        <a:ln>
-          <a:noFill/>
-        </a:ln>
-        <a:effectLst>
-          <a:outerShdw blurRad="57150" dist="19050" dir="5400000" algn="ctr" rotWithShape="0">
-            <a:srgbClr val="000000">
-              <a:alpha val="63000"/>
-            </a:srgbClr>
-          </a:outerShdw>
-        </a:effectLst>
-      </dsp:spPr>
-      <dsp:style>
-        <a:lnRef idx="0">
-          <a:scrgbClr r="0" g="0" b="0"/>
-        </a:lnRef>
-        <a:fillRef idx="3">
-          <a:scrgbClr r="0" g="0" b="0"/>
-        </a:fillRef>
-        <a:effectRef idx="3">
-          <a:scrgbClr r="0" g="0" b="0"/>
-        </a:effectRef>
-        <a:fontRef idx="minor">
-          <a:schemeClr val="lt1"/>
-        </a:fontRef>
-      </dsp:style>
-      <dsp:txBody>
-        <a:bodyPr spcFirstLastPara="0" vert="horz" wrap="square" lIns="43180" tIns="43180" rIns="43180" bIns="43180" numCol="1" spcCol="1270" anchor="ctr" anchorCtr="0">
-          <a:noAutofit/>
-        </a:bodyPr>
-        <a:lstStyle/>
-        <a:p>
-          <a:pPr lvl="0" algn="ctr" defTabSz="1511300">
-            <a:lnSpc>
-              <a:spcPct val="90000"/>
-            </a:lnSpc>
-            <a:spcBef>
-              <a:spcPct val="0"/>
-            </a:spcBef>
-            <a:spcAft>
-              <a:spcPct val="35000"/>
-            </a:spcAft>
-          </a:pPr>
-          <a:r>
-            <a:rPr lang="en-US" sz="3400" kern="1200" dirty="0" smtClean="0"/>
-            <a:t>Green</a:t>
-          </a:r>
-          <a:endParaRPr lang="en-US" sz="3400" kern="1200" dirty="0"/>
-        </a:p>
-      </dsp:txBody>
-      <dsp:txXfrm>
-        <a:off x="3103541" y="954633"/>
-        <a:ext cx="1178559" cy="982133"/>
-      </dsp:txXfrm>
-    </dsp:sp>
-    <dsp:sp modelId="{5B50B858-5013-4D50-B4AF-133E7F0F35C5}">
-      <dsp:nvSpPr>
-        <dsp:cNvPr id="0" name=""/>
-        <dsp:cNvSpPr/>
-      </dsp:nvSpPr>
-      <dsp:spPr>
-        <a:xfrm>
-          <a:off x="1296416" y="373210"/>
-          <a:ext cx="3299967" cy="3299967"/>
-        </a:xfrm>
-        <a:prstGeom prst="pie">
-          <a:avLst>
-            <a:gd name="adj1" fmla="val 1800000"/>
-            <a:gd name="adj2" fmla="val 9000000"/>
-          </a:avLst>
-        </a:prstGeom>
-        <a:solidFill>
-          <a:schemeClr val="accent1">
-            <a:lumMod val="50000"/>
-          </a:schemeClr>
-        </a:solidFill>
-        <a:ln>
-          <a:noFill/>
-        </a:ln>
-        <a:effectLst>
-          <a:outerShdw blurRad="57150" dist="19050" dir="5400000" algn="ctr" rotWithShape="0">
-            <a:srgbClr val="000000">
-              <a:alpha val="63000"/>
-            </a:srgbClr>
-          </a:outerShdw>
-        </a:effectLst>
-      </dsp:spPr>
-      <dsp:style>
-        <a:lnRef idx="0">
-          <a:scrgbClr r="0" g="0" b="0"/>
-        </a:lnRef>
-        <a:fillRef idx="3">
-          <a:scrgbClr r="0" g="0" b="0"/>
-        </a:fillRef>
-        <a:effectRef idx="3">
-          <a:scrgbClr r="0" g="0" b="0"/>
-        </a:effectRef>
-        <a:fontRef idx="minor">
-          <a:schemeClr val="lt1"/>
-        </a:fontRef>
-      </dsp:style>
-      <dsp:txBody>
-        <a:bodyPr spcFirstLastPara="0" vert="horz" wrap="square" lIns="43180" tIns="43180" rIns="43180" bIns="43180" numCol="1" spcCol="1270" anchor="ctr" anchorCtr="0">
-          <a:noAutofit/>
-        </a:bodyPr>
-        <a:lstStyle/>
-        <a:p>
-          <a:pPr lvl="0" algn="ctr" defTabSz="1511300">
-            <a:lnSpc>
-              <a:spcPct val="90000"/>
-            </a:lnSpc>
-            <a:spcBef>
-              <a:spcPct val="0"/>
-            </a:spcBef>
-            <a:spcAft>
-              <a:spcPct val="35000"/>
-            </a:spcAft>
-          </a:pPr>
-          <a:r>
-            <a:rPr lang="en-US" sz="3400" kern="1200" dirty="0" smtClean="0"/>
-            <a:t>Refactor</a:t>
-          </a:r>
-          <a:endParaRPr lang="en-US" sz="3400" kern="1200" dirty="0"/>
-        </a:p>
-      </dsp:txBody>
-      <dsp:txXfrm>
-        <a:off x="2082122" y="2514261"/>
-        <a:ext cx="1767839" cy="864277"/>
-      </dsp:txXfrm>
-    </dsp:sp>
-    <dsp:sp modelId="{9F2647CE-CE71-47CD-AA69-7E85CD6D13E9}">
-      <dsp:nvSpPr>
-        <dsp:cNvPr id="0" name=""/>
-        <dsp:cNvSpPr/>
-      </dsp:nvSpPr>
-      <dsp:spPr>
-        <a:xfrm>
-          <a:off x="1228452" y="255354"/>
-          <a:ext cx="3299967" cy="3299967"/>
-        </a:xfrm>
-        <a:prstGeom prst="pie">
-          <a:avLst>
-            <a:gd name="adj1" fmla="val 9000000"/>
-            <a:gd name="adj2" fmla="val 16200000"/>
-          </a:avLst>
-        </a:prstGeom>
-        <a:solidFill>
-          <a:srgbClr val="C00000"/>
-        </a:solidFill>
-        <a:ln>
-          <a:noFill/>
-        </a:ln>
-        <a:effectLst>
-          <a:outerShdw blurRad="57150" dist="19050" dir="5400000" algn="ctr" rotWithShape="0">
-            <a:srgbClr val="000000">
-              <a:alpha val="63000"/>
-            </a:srgbClr>
-          </a:outerShdw>
-        </a:effectLst>
-      </dsp:spPr>
-      <dsp:style>
-        <a:lnRef idx="0">
-          <a:scrgbClr r="0" g="0" b="0"/>
-        </a:lnRef>
-        <a:fillRef idx="3">
-          <a:scrgbClr r="0" g="0" b="0"/>
-        </a:fillRef>
-        <a:effectRef idx="3">
-          <a:scrgbClr r="0" g="0" b="0"/>
-        </a:effectRef>
-        <a:fontRef idx="minor">
-          <a:schemeClr val="lt1"/>
-        </a:fontRef>
-      </dsp:style>
-      <dsp:txBody>
-        <a:bodyPr spcFirstLastPara="0" vert="horz" wrap="square" lIns="43180" tIns="43180" rIns="43180" bIns="43180" numCol="1" spcCol="1270" anchor="ctr" anchorCtr="0">
-          <a:noAutofit/>
-        </a:bodyPr>
-        <a:lstStyle/>
-        <a:p>
-          <a:pPr lvl="0" algn="ctr" defTabSz="1511300">
-            <a:lnSpc>
-              <a:spcPct val="90000"/>
-            </a:lnSpc>
-            <a:spcBef>
-              <a:spcPct val="0"/>
-            </a:spcBef>
-            <a:spcAft>
-              <a:spcPct val="35000"/>
-            </a:spcAft>
-          </a:pPr>
-          <a:r>
-            <a:rPr lang="en-US" sz="3400" kern="1200" dirty="0" smtClean="0"/>
-            <a:t>Red</a:t>
-          </a:r>
-          <a:endParaRPr lang="en-US" sz="3400" kern="1200" dirty="0"/>
-        </a:p>
-      </dsp:txBody>
-      <dsp:txXfrm>
-        <a:off x="1610698" y="954633"/>
-        <a:ext cx="1178559" cy="982133"/>
-      </dsp:txXfrm>
-    </dsp:sp>
-    <dsp:sp modelId="{CB9D437E-F7C8-41BD-9470-7D6391F80B05}">
-      <dsp:nvSpPr>
-        <dsp:cNvPr id="0" name=""/>
-        <dsp:cNvSpPr/>
-      </dsp:nvSpPr>
-      <dsp:spPr>
-        <a:xfrm>
-          <a:off x="1160368" y="51070"/>
-          <a:ext cx="3708535" cy="3708535"/>
-        </a:xfrm>
-        <a:prstGeom prst="circularArrow">
-          <a:avLst>
-            <a:gd name="adj1" fmla="val 5085"/>
-            <a:gd name="adj2" fmla="val 327528"/>
-            <a:gd name="adj3" fmla="val 1472472"/>
-            <a:gd name="adj4" fmla="val 16199432"/>
-            <a:gd name="adj5" fmla="val 5932"/>
-          </a:avLst>
-        </a:prstGeom>
-        <a:solidFill>
-          <a:srgbClr val="92D050"/>
-        </a:solidFill>
-        <a:ln>
-          <a:noFill/>
-        </a:ln>
-        <a:effectLst>
-          <a:outerShdw blurRad="57150" dist="19050" dir="5400000" algn="ctr" rotWithShape="0">
-            <a:srgbClr val="000000">
-              <a:alpha val="63000"/>
-            </a:srgbClr>
-          </a:outerShdw>
-        </a:effectLst>
-      </dsp:spPr>
-      <dsp:style>
-        <a:lnRef idx="0">
-          <a:scrgbClr r="0" g="0" b="0"/>
-        </a:lnRef>
-        <a:fillRef idx="3">
-          <a:scrgbClr r="0" g="0" b="0"/>
-        </a:fillRef>
-        <a:effectRef idx="3">
-          <a:scrgbClr r="0" g="0" b="0"/>
-        </a:effectRef>
-        <a:fontRef idx="minor">
-          <a:schemeClr val="lt1"/>
-        </a:fontRef>
-      </dsp:style>
-    </dsp:sp>
-    <dsp:sp modelId="{24820461-3287-4E66-BA24-94C63396FC69}">
-      <dsp:nvSpPr>
-        <dsp:cNvPr id="0" name=""/>
-        <dsp:cNvSpPr/>
-      </dsp:nvSpPr>
-      <dsp:spPr>
-        <a:xfrm>
-          <a:off x="1092132" y="168718"/>
-          <a:ext cx="3708535" cy="3708535"/>
-        </a:xfrm>
-        <a:prstGeom prst="circularArrow">
-          <a:avLst>
-            <a:gd name="adj1" fmla="val 5085"/>
-            <a:gd name="adj2" fmla="val 327528"/>
-            <a:gd name="adj3" fmla="val 8671970"/>
-            <a:gd name="adj4" fmla="val 1800502"/>
-            <a:gd name="adj5" fmla="val 5932"/>
-          </a:avLst>
-        </a:prstGeom>
-        <a:solidFill>
-          <a:srgbClr val="0070C0"/>
-        </a:solidFill>
-        <a:ln>
-          <a:noFill/>
-        </a:ln>
-        <a:effectLst>
-          <a:outerShdw blurRad="57150" dist="19050" dir="5400000" algn="ctr" rotWithShape="0">
-            <a:srgbClr val="000000">
-              <a:alpha val="63000"/>
-            </a:srgbClr>
-          </a:outerShdw>
-        </a:effectLst>
-      </dsp:spPr>
-      <dsp:style>
-        <a:lnRef idx="0">
-          <a:scrgbClr r="0" g="0" b="0"/>
-        </a:lnRef>
-        <a:fillRef idx="3">
-          <a:scrgbClr r="0" g="0" b="0"/>
-        </a:fillRef>
-        <a:effectRef idx="3">
-          <a:scrgbClr r="0" g="0" b="0"/>
-        </a:effectRef>
-        <a:fontRef idx="minor">
-          <a:schemeClr val="lt1"/>
-        </a:fontRef>
-      </dsp:style>
-    </dsp:sp>
-    <dsp:sp modelId="{7304B2EA-FA59-4299-B7D5-7DDEA726B87F}">
-      <dsp:nvSpPr>
-        <dsp:cNvPr id="0" name=""/>
-        <dsp:cNvSpPr/>
-      </dsp:nvSpPr>
-      <dsp:spPr>
-        <a:xfrm>
-          <a:off x="1023896" y="51070"/>
-          <a:ext cx="3708535" cy="3708535"/>
-        </a:xfrm>
-        <a:prstGeom prst="circularArrow">
-          <a:avLst>
-            <a:gd name="adj1" fmla="val 5085"/>
-            <a:gd name="adj2" fmla="val 327528"/>
-            <a:gd name="adj3" fmla="val 15873039"/>
-            <a:gd name="adj4" fmla="val 9000000"/>
-            <a:gd name="adj5" fmla="val 5932"/>
-          </a:avLst>
-        </a:prstGeom>
-        <a:solidFill>
-          <a:srgbClr val="FF0000"/>
-        </a:solidFill>
-        <a:ln>
-          <a:noFill/>
-        </a:ln>
-        <a:effectLst>
-          <a:outerShdw blurRad="57150" dist="19050" dir="5400000" algn="ctr" rotWithShape="0">
-            <a:srgbClr val="000000">
-              <a:alpha val="63000"/>
-            </a:srgbClr>
-          </a:outerShdw>
-        </a:effectLst>
-      </dsp:spPr>
-      <dsp:style>
-        <a:lnRef idx="0">
-          <a:scrgbClr r="0" g="0" b="0"/>
-        </a:lnRef>
-        <a:fillRef idx="3">
-          <a:scrgbClr r="0" g="0" b="0"/>
-        </a:fillRef>
-        <a:effectRef idx="3">
-          <a:scrgbClr r="0" g="0" b="0"/>
-        </a:effectRef>
-        <a:fontRef idx="minor">
-          <a:schemeClr val="lt1"/>
-        </a:fontRef>
-      </dsp:style>
-    </dsp:sp>
   </dsp:spTree>
 </dsp:drawing>
 </file>
@@ -4474,7 +4099,7 @@
           <a:p>
             <a:fld id="{4F7E7F73-5EFF-46DD-A427-B77AFDF8D1FD}" type="datetimeFigureOut">
               <a:rPr lang="en-US" smtClean="0"/>
-              <a:t>5/19/2018</a:t>
+              <a:t>5/22/2018</a:t>
             </a:fld>
             <a:endParaRPr lang="en-US"/>
           </a:p>
@@ -4786,37 +4411,63 @@
           <a:bodyPr/>
           <a:lstStyle/>
           <a:p>
+            <a:r>
+              <a:rPr lang="en-US" dirty="0" smtClean="0"/>
+              <a:t>Question</a:t>
+            </a:r>
+            <a:r>
+              <a:rPr lang="en-US" baseline="0" dirty="0" smtClean="0"/>
+              <a:t> audience why test then based on the answer explain </a:t>
+            </a:r>
+          </a:p>
+          <a:p>
+            <a:r>
+              <a:rPr lang="en-US" baseline="0" dirty="0" smtClean="0"/>
+              <a:t> </a:t>
+            </a:r>
+          </a:p>
+          <a:p>
+            <a:r>
+              <a:rPr lang="en-US" baseline="0" dirty="0" smtClean="0"/>
+              <a:t>	Requirement validation using tests</a:t>
+            </a:r>
+          </a:p>
+          <a:p>
+            <a:r>
+              <a:rPr lang="en-US" baseline="0" dirty="0" smtClean="0"/>
+              <a:t>	Feedback loop</a:t>
+            </a:r>
+            <a:endParaRPr lang="en-US" dirty="0"/>
+          </a:p>
+        </p:txBody>
+      </p:sp>
+      <p:sp>
+        <p:nvSpPr>
+          <p:cNvPr id="4" name="Slide Number Placeholder 3"/>
+          <p:cNvSpPr>
+            <a:spLocks noGrp="1"/>
+          </p:cNvSpPr>
+          <p:nvPr>
+            <p:ph type="sldNum" sz="quarter" idx="10"/>
+          </p:nvPr>
+        </p:nvSpPr>
+        <p:spPr/>
+        <p:txBody>
+          <a:bodyPr/>
+          <a:lstStyle/>
+          <a:p>
+            <a:fld id="{3F54E12A-92D0-47AC-AF21-2897E92B62D5}" type="slidenum">
+              <a:rPr lang="en-US" smtClean="0"/>
+              <a:t>4</a:t>
+            </a:fld>
             <a:endParaRPr lang="en-US"/>
-          </a:p>
-        </p:txBody>
-      </p:sp>
-      <p:sp>
-        <p:nvSpPr>
-          <p:cNvPr id="4" name="Slide Number Placeholder 3"/>
-          <p:cNvSpPr>
-            <a:spLocks noGrp="1"/>
-          </p:cNvSpPr>
-          <p:nvPr>
-            <p:ph type="sldNum" sz="quarter" idx="10"/>
-          </p:nvPr>
-        </p:nvSpPr>
-        <p:spPr/>
-        <p:txBody>
-          <a:bodyPr/>
-          <a:lstStyle/>
-          <a:p>
-            <a:fld id="{6047A338-E989-4FB8-9E79-C7D1C907295C}" type="slidenum">
-              <a:rPr lang="de-DE" smtClean="0"/>
-              <a:t>3</a:t>
-            </a:fld>
-            <a:endParaRPr lang="de-DE"/>
           </a:p>
         </p:txBody>
       </p:sp>
     </p:spTree>
     <p:extLst>
       <p:ext uri="{BB962C8B-B14F-4D97-AF65-F5344CB8AC3E}">
-        <p14:creationId xmlns:p14="http://schemas.microsoft.com/office/powerpoint/2010/main" val="1885532216"/>
+        <p14:creationId xmlns:p14="http://schemas.microsoft.com/office/powerpoint/2010/main" val="2755744972"/>
       </p:ext>
     </p:extLst>
   </p:cSld>
@@ -4845,7 +4496,7 @@
       </p:grpSpPr>
       <p:sp>
         <p:nvSpPr>
-          <p:cNvPr id="2" name="Slide Image Placeholder 1"/>
+          <p:cNvPr id="2" name="Folienbildplatzhalter 1"/>
           <p:cNvSpPr>
             <a:spLocks noGrp="1" noRot="1" noChangeAspect="1"/>
           </p:cNvSpPr>
@@ -4857,7 +4508,7 @@
       </p:sp>
       <p:sp>
         <p:nvSpPr>
-          <p:cNvPr id="3" name="Notes Placeholder 2"/>
+          <p:cNvPr id="3" name="Notizenplatzhalter 2"/>
           <p:cNvSpPr>
             <a:spLocks noGrp="1"/>
           </p:cNvSpPr>
@@ -4867,381 +4518,25 @@
         </p:nvSpPr>
         <p:spPr/>
         <p:txBody>
-          <a:bodyPr>
-            <a:normAutofit fontScale="85000" lnSpcReduction="20000"/>
-          </a:bodyPr>
-          <a:lstStyle/>
-          <a:p>
-            <a:r>
-              <a:rPr lang="en-US" sz="1200" b="1" i="0" u="none" strike="noStrike" kern="1200" baseline="0" dirty="0" smtClean="0">
-                <a:solidFill>
-                  <a:schemeClr val="tx1"/>
-                </a:solidFill>
-                <a:latin typeface="+mn-lt"/>
-                <a:ea typeface="+mn-ea"/>
-                <a:cs typeface="+mn-cs"/>
-              </a:rPr>
-              <a:t>Dependencies</a:t>
-            </a:r>
-          </a:p>
-          <a:p>
-            <a:r>
-              <a:rPr lang="en-US" sz="1200" b="0" i="0" u="none" strike="noStrike" kern="1200" baseline="0" dirty="0" smtClean="0">
-                <a:solidFill>
-                  <a:schemeClr val="tx1"/>
-                </a:solidFill>
-                <a:latin typeface="+mn-lt"/>
-                <a:ea typeface="+mn-ea"/>
-                <a:cs typeface="+mn-cs"/>
-              </a:rPr>
-              <a:t>Services that the object requires from its peers so it can perform its responsibilities.</a:t>
-            </a:r>
-          </a:p>
-          <a:p>
-            <a:r>
-              <a:rPr lang="en-US" sz="1200" b="0" i="0" u="none" strike="noStrike" kern="1200" baseline="0" dirty="0" smtClean="0">
-                <a:solidFill>
-                  <a:schemeClr val="tx1"/>
-                </a:solidFill>
-                <a:latin typeface="+mn-lt"/>
-                <a:ea typeface="+mn-ea"/>
-                <a:cs typeface="+mn-cs"/>
-              </a:rPr>
-              <a:t>The object cannot function without these services. It should not be</a:t>
-            </a:r>
-          </a:p>
-          <a:p>
-            <a:r>
-              <a:rPr lang="en-US" sz="1200" b="0" i="0" u="none" strike="noStrike" kern="1200" baseline="0" dirty="0" smtClean="0">
-                <a:solidFill>
-                  <a:schemeClr val="tx1"/>
-                </a:solidFill>
-                <a:latin typeface="+mn-lt"/>
-                <a:ea typeface="+mn-ea"/>
-                <a:cs typeface="+mn-cs"/>
-              </a:rPr>
-              <a:t>possible to create the object without them. For example, a graphics package</a:t>
-            </a:r>
-          </a:p>
-          <a:p>
-            <a:r>
-              <a:rPr lang="en-US" sz="1200" b="0" i="0" u="none" strike="noStrike" kern="1200" baseline="0" dirty="0" smtClean="0">
-                <a:solidFill>
-                  <a:schemeClr val="tx1"/>
-                </a:solidFill>
-                <a:latin typeface="+mn-lt"/>
-                <a:ea typeface="+mn-ea"/>
-                <a:cs typeface="+mn-cs"/>
-              </a:rPr>
-              <a:t>will need something like a screen or canvas to draw on—it doesn’t make</a:t>
-            </a:r>
-          </a:p>
-          <a:p>
-            <a:r>
-              <a:rPr lang="en-US" sz="1200" b="0" i="0" u="none" strike="noStrike" kern="1200" baseline="0" dirty="0" smtClean="0">
-                <a:solidFill>
-                  <a:schemeClr val="tx1"/>
-                </a:solidFill>
-                <a:latin typeface="+mn-lt"/>
-                <a:ea typeface="+mn-ea"/>
-                <a:cs typeface="+mn-cs"/>
-              </a:rPr>
-              <a:t>sense without one.</a:t>
-            </a:r>
-          </a:p>
-          <a:p>
-            <a:r>
-              <a:rPr lang="en-US" sz="1200" b="1" i="0" u="none" strike="noStrike" kern="1200" baseline="0" dirty="0" smtClean="0">
-                <a:solidFill>
-                  <a:schemeClr val="tx1"/>
-                </a:solidFill>
-                <a:latin typeface="+mn-lt"/>
-                <a:ea typeface="+mn-ea"/>
-                <a:cs typeface="+mn-cs"/>
-              </a:rPr>
-              <a:t>Notifications</a:t>
-            </a:r>
-          </a:p>
-          <a:p>
-            <a:r>
-              <a:rPr lang="en-US" sz="1200" b="0" i="0" u="none" strike="noStrike" kern="1200" baseline="0" dirty="0" smtClean="0">
-                <a:solidFill>
-                  <a:schemeClr val="tx1"/>
-                </a:solidFill>
-                <a:latin typeface="+mn-lt"/>
-                <a:ea typeface="+mn-ea"/>
-                <a:cs typeface="+mn-cs"/>
-              </a:rPr>
-              <a:t>Peers that need to be kept up to date with the object’s activity. The object</a:t>
-            </a:r>
-          </a:p>
-          <a:p>
-            <a:r>
-              <a:rPr lang="en-US" sz="1200" b="0" i="0" u="none" strike="noStrike" kern="1200" baseline="0" dirty="0" smtClean="0">
-                <a:solidFill>
-                  <a:schemeClr val="tx1"/>
-                </a:solidFill>
-                <a:latin typeface="+mn-lt"/>
-                <a:ea typeface="+mn-ea"/>
-                <a:cs typeface="+mn-cs"/>
-              </a:rPr>
-              <a:t>will notify interested peers whenever it changes state or performs a significant</a:t>
-            </a:r>
-          </a:p>
-          <a:p>
-            <a:r>
-              <a:rPr lang="en-US" sz="1200" b="0" i="0" u="none" strike="noStrike" kern="1200" baseline="0" dirty="0" smtClean="0">
-                <a:solidFill>
-                  <a:schemeClr val="tx1"/>
-                </a:solidFill>
-                <a:latin typeface="+mn-lt"/>
-                <a:ea typeface="+mn-ea"/>
-                <a:cs typeface="+mn-cs"/>
-              </a:rPr>
-              <a:t>action. Notifications are “fire and forget”; the object neither knows nor cares</a:t>
-            </a:r>
-          </a:p>
-          <a:p>
-            <a:r>
-              <a:rPr lang="en-US" sz="1200" b="0" i="0" u="none" strike="noStrike" kern="1200" baseline="0" dirty="0" smtClean="0">
-                <a:solidFill>
-                  <a:schemeClr val="tx1"/>
-                </a:solidFill>
-                <a:latin typeface="+mn-lt"/>
-                <a:ea typeface="+mn-ea"/>
-                <a:cs typeface="+mn-cs"/>
-              </a:rPr>
-              <a:t>which peers are listening. Notifications are so useful because they decouple</a:t>
-            </a:r>
-          </a:p>
-          <a:p>
-            <a:r>
-              <a:rPr lang="en-US" sz="1200" b="0" i="0" u="none" strike="noStrike" kern="1200" baseline="0" dirty="0" smtClean="0">
-                <a:solidFill>
-                  <a:schemeClr val="tx1"/>
-                </a:solidFill>
-                <a:latin typeface="+mn-lt"/>
-                <a:ea typeface="+mn-ea"/>
-                <a:cs typeface="+mn-cs"/>
-              </a:rPr>
-              <a:t>objects from each other. For example, in a user interface system, a button</a:t>
-            </a:r>
-          </a:p>
-          <a:p>
-            <a:r>
-              <a:rPr lang="en-US" sz="1200" b="0" i="0" u="none" strike="noStrike" kern="1200" baseline="0" dirty="0" smtClean="0">
-                <a:solidFill>
-                  <a:schemeClr val="tx1"/>
-                </a:solidFill>
-                <a:latin typeface="+mn-lt"/>
-                <a:ea typeface="+mn-ea"/>
-                <a:cs typeface="+mn-cs"/>
-              </a:rPr>
-              <a:t>component promises to notify any registered listeners when it’s clicked, but</a:t>
-            </a:r>
-          </a:p>
-          <a:p>
-            <a:r>
-              <a:rPr lang="en-US" sz="1200" b="0" i="0" u="none" strike="noStrike" kern="1200" baseline="0" dirty="0" smtClean="0">
-                <a:solidFill>
-                  <a:schemeClr val="tx1"/>
-                </a:solidFill>
-                <a:latin typeface="+mn-lt"/>
-                <a:ea typeface="+mn-ea"/>
-                <a:cs typeface="+mn-cs"/>
-              </a:rPr>
-              <a:t>does not know what those listeners will do. Similarly, the listeners expect to</a:t>
-            </a:r>
-          </a:p>
-          <a:p>
-            <a:r>
-              <a:rPr lang="en-US" sz="1200" b="0" i="0" u="none" strike="noStrike" kern="1200" baseline="0" dirty="0" smtClean="0">
-                <a:solidFill>
-                  <a:schemeClr val="tx1"/>
-                </a:solidFill>
-                <a:latin typeface="+mn-lt"/>
-                <a:ea typeface="+mn-ea"/>
-                <a:cs typeface="+mn-cs"/>
-              </a:rPr>
-              <a:t>be called but know nothing of the way the user interface dispatches its events.</a:t>
-            </a:r>
-          </a:p>
-          <a:p>
-            <a:r>
-              <a:rPr lang="en-US" sz="1200" b="1" i="0" u="none" strike="noStrike" kern="1200" baseline="0" dirty="0" smtClean="0">
-                <a:solidFill>
-                  <a:schemeClr val="tx1"/>
-                </a:solidFill>
-                <a:latin typeface="+mn-lt"/>
-                <a:ea typeface="+mn-ea"/>
-                <a:cs typeface="+mn-cs"/>
-              </a:rPr>
-              <a:t>Adjustments</a:t>
-            </a:r>
-          </a:p>
-          <a:p>
-            <a:r>
-              <a:rPr lang="en-US" sz="1200" b="0" i="0" u="none" strike="noStrike" kern="1200" baseline="0" dirty="0" smtClean="0">
-                <a:solidFill>
-                  <a:schemeClr val="tx1"/>
-                </a:solidFill>
-                <a:latin typeface="+mn-lt"/>
-                <a:ea typeface="+mn-ea"/>
-                <a:cs typeface="+mn-cs"/>
-              </a:rPr>
-              <a:t>Peers that adjust the object’s behavior to the wider needs of the system. This</a:t>
-            </a:r>
-          </a:p>
-          <a:p>
-            <a:r>
-              <a:rPr lang="en-US" sz="1200" b="0" i="0" u="none" strike="noStrike" kern="1200" baseline="0" dirty="0" smtClean="0">
-                <a:solidFill>
-                  <a:schemeClr val="tx1"/>
-                </a:solidFill>
-                <a:latin typeface="+mn-lt"/>
-                <a:ea typeface="+mn-ea"/>
-                <a:cs typeface="+mn-cs"/>
-              </a:rPr>
-              <a:t>includes policy objects that make decisions on the object’s behalf (the Strategy</a:t>
-            </a:r>
-          </a:p>
-          <a:p>
-            <a:r>
-              <a:rPr lang="en-US" sz="1200" b="0" i="0" u="none" strike="noStrike" kern="1200" baseline="0" dirty="0" smtClean="0">
-                <a:solidFill>
-                  <a:schemeClr val="tx1"/>
-                </a:solidFill>
-                <a:latin typeface="+mn-lt"/>
-                <a:ea typeface="+mn-ea"/>
-                <a:cs typeface="+mn-cs"/>
-              </a:rPr>
-              <a:t>pattern in [Gamma94]) and component parts of the object if it’s a composite.</a:t>
-            </a:r>
-          </a:p>
-          <a:p>
-            <a:r>
-              <a:rPr lang="en-US" sz="1200" b="0" i="0" u="none" strike="noStrike" kern="1200" baseline="0" dirty="0" smtClean="0">
-                <a:solidFill>
-                  <a:schemeClr val="tx1"/>
-                </a:solidFill>
-                <a:latin typeface="+mn-lt"/>
-                <a:ea typeface="+mn-ea"/>
-                <a:cs typeface="+mn-cs"/>
-              </a:rPr>
-              <a:t>For example, a Swing </a:t>
-            </a:r>
-            <a:r>
-              <a:rPr lang="en-US" sz="1200" b="0" i="0" u="none" strike="noStrike" kern="1200" baseline="0" dirty="0" err="1" smtClean="0">
-                <a:solidFill>
-                  <a:schemeClr val="tx1"/>
-                </a:solidFill>
-                <a:latin typeface="+mn-lt"/>
-                <a:ea typeface="+mn-ea"/>
-                <a:cs typeface="+mn-cs"/>
-              </a:rPr>
-              <a:t>JTable</a:t>
-            </a:r>
-            <a:r>
-              <a:rPr lang="en-US" sz="1200" b="0" i="0" u="none" strike="noStrike" kern="1200" baseline="0" dirty="0" smtClean="0">
-                <a:solidFill>
-                  <a:schemeClr val="tx1"/>
-                </a:solidFill>
-                <a:latin typeface="+mn-lt"/>
-                <a:ea typeface="+mn-ea"/>
-                <a:cs typeface="+mn-cs"/>
-              </a:rPr>
-              <a:t> will ask a </a:t>
-            </a:r>
-            <a:r>
-              <a:rPr lang="en-US" sz="1200" b="0" i="0" u="none" strike="noStrike" kern="1200" baseline="0" dirty="0" err="1" smtClean="0">
-                <a:solidFill>
-                  <a:schemeClr val="tx1"/>
-                </a:solidFill>
-                <a:latin typeface="+mn-lt"/>
-                <a:ea typeface="+mn-ea"/>
-                <a:cs typeface="+mn-cs"/>
-              </a:rPr>
-              <a:t>TableCellRenderer</a:t>
-            </a:r>
-            <a:r>
-              <a:rPr lang="en-US" sz="1200" b="0" i="0" u="none" strike="noStrike" kern="1200" baseline="0" dirty="0" smtClean="0">
-                <a:solidFill>
-                  <a:schemeClr val="tx1"/>
-                </a:solidFill>
-                <a:latin typeface="+mn-lt"/>
-                <a:ea typeface="+mn-ea"/>
-                <a:cs typeface="+mn-cs"/>
-              </a:rPr>
-              <a:t> to draw</a:t>
-            </a:r>
-          </a:p>
-          <a:p>
-            <a:r>
-              <a:rPr lang="en-US" sz="1200" b="0" i="0" u="none" strike="noStrike" kern="1200" baseline="0" dirty="0" smtClean="0">
-                <a:solidFill>
-                  <a:schemeClr val="tx1"/>
-                </a:solidFill>
-                <a:latin typeface="+mn-lt"/>
-                <a:ea typeface="+mn-ea"/>
-                <a:cs typeface="+mn-cs"/>
-              </a:rPr>
-              <a:t>a cell’s value, perhaps as RGB (Red, Green, Blue) values for a color. If we</a:t>
-            </a:r>
-          </a:p>
-          <a:p>
-            <a:r>
-              <a:rPr lang="en-US" sz="1200" b="0" i="0" u="none" strike="noStrike" kern="1200" baseline="0" dirty="0" smtClean="0">
-                <a:solidFill>
-                  <a:schemeClr val="tx1"/>
-                </a:solidFill>
-                <a:latin typeface="+mn-lt"/>
-                <a:ea typeface="+mn-ea"/>
-                <a:cs typeface="+mn-cs"/>
-              </a:rPr>
-              <a:t>change the renderer, the table will change its</a:t>
-            </a:r>
-          </a:p>
-          <a:p>
-            <a:endParaRPr lang="en-US" sz="1200" b="0" i="0" u="none" strike="noStrike" kern="1200" baseline="0" dirty="0" smtClean="0">
-              <a:solidFill>
-                <a:schemeClr val="tx1"/>
-              </a:solidFill>
-              <a:latin typeface="+mn-lt"/>
-              <a:ea typeface="+mn-ea"/>
-              <a:cs typeface="+mn-cs"/>
-            </a:endParaRPr>
-          </a:p>
-          <a:p>
-            <a:pPr marL="0" marR="0" lvl="0" indent="0" algn="l" defTabSz="914400" rtl="0" eaLnBrk="1" fontAlgn="auto" latinLnBrk="0" hangingPunct="1">
-              <a:lnSpc>
-                <a:spcPct val="100000"/>
-              </a:lnSpc>
-              <a:spcBef>
-                <a:spcPts val="0"/>
-              </a:spcBef>
-              <a:spcAft>
-                <a:spcPts val="0"/>
-              </a:spcAft>
-              <a:buClrTx/>
-              <a:buSzTx/>
-              <a:buFontTx/>
-              <a:buNone/>
-              <a:tabLst/>
-              <a:defRPr/>
-            </a:pPr>
-            <a:r>
-              <a:rPr lang="en-US" dirty="0" smtClean="0"/>
-              <a:t>Tests that highlight an object’s neighbors help us to see whether they are peers, or should instead be internal to the target object. A test that is clumsy or unclear might be a hint that we’ve exposed too much implementation, and that we should rebalance the responsibilities between the object and its neighbors.</a:t>
-            </a:r>
-          </a:p>
-          <a:p>
-            <a:endParaRPr lang="en-US" dirty="0"/>
-          </a:p>
-        </p:txBody>
-      </p:sp>
-      <p:sp>
-        <p:nvSpPr>
-          <p:cNvPr id="4" name="Slide Number Placeholder 3"/>
+          <a:bodyPr/>
+          <a:lstStyle/>
+          <a:p>
+            <a:endParaRPr lang="de-DE" dirty="0" smtClean="0"/>
+          </a:p>
+          <a:p>
+            <a:r>
+              <a:rPr lang="de-DE" dirty="0" smtClean="0"/>
+              <a:t>Discuss about feedback loop</a:t>
+            </a:r>
+          </a:p>
+          <a:p>
+            <a:endParaRPr lang="de-DE" dirty="0"/>
+          </a:p>
+        </p:txBody>
+      </p:sp>
+      <p:sp>
+        <p:nvSpPr>
+          <p:cNvPr id="4" name="Foliennummernplatzhalter 3"/>
           <p:cNvSpPr>
             <a:spLocks noGrp="1"/>
           </p:cNvSpPr>
@@ -5254,19 +4549,18 @@
           <a:bodyPr/>
           <a:lstStyle/>
           <a:p>
-            <a:fld id="{5783D7AA-6A74-42C9-8D9C-C1060C84B8E4}" type="slidenum">
-              <a:rPr lang="en-US" smtClean="0"/>
-              <a:pPr/>
+            <a:fld id="{6047A338-E989-4FB8-9E79-C7D1C907295C}" type="slidenum">
+              <a:rPr lang="de-DE" smtClean="0"/>
               <a:t>25</a:t>
             </a:fld>
-            <a:endParaRPr lang="en-US"/>
+            <a:endParaRPr lang="de-DE"/>
           </a:p>
         </p:txBody>
       </p:sp>
     </p:spTree>
     <p:extLst>
       <p:ext uri="{BB962C8B-B14F-4D97-AF65-F5344CB8AC3E}">
-        <p14:creationId xmlns:p14="http://schemas.microsoft.com/office/powerpoint/2010/main" val="1586125911"/>
+        <p14:creationId xmlns:p14="http://schemas.microsoft.com/office/powerpoint/2010/main" val="3132763107"/>
       </p:ext>
     </p:extLst>
   </p:cSld>
@@ -5295,7 +4589,7 @@
       </p:grpSpPr>
       <p:sp>
         <p:nvSpPr>
-          <p:cNvPr id="2" name="Slide Image Placeholder 1"/>
+          <p:cNvPr id="2" name="Folienbildplatzhalter 1"/>
           <p:cNvSpPr>
             <a:spLocks noGrp="1" noRot="1" noChangeAspect="1"/>
           </p:cNvSpPr>
@@ -5307,7 +4601,7 @@
       </p:sp>
       <p:sp>
         <p:nvSpPr>
-          <p:cNvPr id="3" name="Notes Placeholder 2"/>
+          <p:cNvPr id="3" name="Notizenplatzhalter 2"/>
           <p:cNvSpPr>
             <a:spLocks noGrp="1"/>
           </p:cNvSpPr>
@@ -5320,17 +4614,13 @@
           <a:bodyPr/>
           <a:lstStyle/>
           <a:p>
-            <a:r>
-              <a:rPr lang="en-US" dirty="0" smtClean="0"/>
-              <a:t>https://github.com/testdouble/contributing-tests/wiki/Don%27t-mock-what-you-don%27t-own</a:t>
-            </a:r>
-            <a:endParaRPr lang="en-US" dirty="0"/>
-          </a:p>
-        </p:txBody>
-      </p:sp>
-      <p:sp>
-        <p:nvSpPr>
-          <p:cNvPr id="4" name="Slide Number Placeholder 3"/>
+            <a:endParaRPr lang="de-DE" dirty="0"/>
+          </a:p>
+        </p:txBody>
+      </p:sp>
+      <p:sp>
+        <p:nvSpPr>
+          <p:cNvPr id="4" name="Foliennummernplatzhalter 3"/>
           <p:cNvSpPr>
             <a:spLocks noGrp="1"/>
           </p:cNvSpPr>
@@ -5343,19 +4633,18 @@
           <a:bodyPr/>
           <a:lstStyle/>
           <a:p>
-            <a:fld id="{5783D7AA-6A74-42C9-8D9C-C1060C84B8E4}" type="slidenum">
-              <a:rPr lang="en-US" smtClean="0"/>
-              <a:pPr/>
+            <a:fld id="{6047A338-E989-4FB8-9E79-C7D1C907295C}" type="slidenum">
+              <a:rPr lang="de-DE" smtClean="0"/>
               <a:t>26</a:t>
             </a:fld>
-            <a:endParaRPr lang="en-US"/>
+            <a:endParaRPr lang="de-DE"/>
           </a:p>
         </p:txBody>
       </p:sp>
     </p:spTree>
     <p:extLst>
       <p:ext uri="{BB962C8B-B14F-4D97-AF65-F5344CB8AC3E}">
-        <p14:creationId xmlns:p14="http://schemas.microsoft.com/office/powerpoint/2010/main" val="2060750806"/>
+        <p14:creationId xmlns:p14="http://schemas.microsoft.com/office/powerpoint/2010/main" val="1342595930"/>
       </p:ext>
     </p:extLst>
   </p:cSld>
@@ -5409,10 +4698,6 @@
           <a:bodyPr/>
           <a:lstStyle/>
           <a:p>
-            <a:r>
-              <a:rPr lang="en-US" dirty="0" smtClean="0"/>
-              <a:t>but with differences in style since the two types of code serve different purposes. Test code should describe what the production code does. That means that it tends to be concrete about the values it uses as examples of what results to expect, but abstract about how the code works</a:t>
-            </a:r>
             <a:endParaRPr lang="en-US" dirty="0"/>
           </a:p>
         </p:txBody>
@@ -5432,19 +4717,18 @@
           <a:bodyPr/>
           <a:lstStyle/>
           <a:p>
-            <a:fld id="{5783D7AA-6A74-42C9-8D9C-C1060C84B8E4}" type="slidenum">
-              <a:rPr lang="en-US" smtClean="0"/>
-              <a:pPr/>
+            <a:fld id="{6047A338-E989-4FB8-9E79-C7D1C907295C}" type="slidenum">
+              <a:rPr lang="de-DE" smtClean="0"/>
               <a:t>27</a:t>
             </a:fld>
-            <a:endParaRPr lang="en-US"/>
+            <a:endParaRPr lang="de-DE"/>
           </a:p>
         </p:txBody>
       </p:sp>
     </p:spTree>
     <p:extLst>
       <p:ext uri="{BB962C8B-B14F-4D97-AF65-F5344CB8AC3E}">
-        <p14:creationId xmlns:p14="http://schemas.microsoft.com/office/powerpoint/2010/main" val="2253781351"/>
+        <p14:creationId xmlns:p14="http://schemas.microsoft.com/office/powerpoint/2010/main" val="3816378359"/>
       </p:ext>
     </p:extLst>
   </p:cSld>
@@ -5495,25 +4779,26 @@
         </p:nvSpPr>
         <p:spPr/>
         <p:txBody>
-          <a:bodyPr>
-            <a:normAutofit/>
-          </a:bodyPr>
+          <a:bodyPr/>
           <a:lstStyle/>
           <a:p>
             <a:r>
               <a:rPr lang="en-US" dirty="0" smtClean="0"/>
-              <a:t>If test is not readable , it’s difficult to understand for new developer . We write test so that it fail in the future when something goes wrong so readability is very important  so that we can fix it easily</a:t>
-            </a:r>
-          </a:p>
-          <a:p>
-            <a:endParaRPr lang="en-US" dirty="0" smtClean="0"/>
-          </a:p>
-          <a:p>
-            <a:r>
-              <a:rPr lang="en-US" dirty="0" smtClean="0"/>
-              <a:t>Follow “Arrange , Act , Assert”</a:t>
-            </a:r>
-            <a:endParaRPr lang="en-GB" dirty="0"/>
+              <a:t>Feedback</a:t>
+            </a:r>
+            <a:r>
+              <a:rPr lang="en-US" baseline="0" dirty="0" smtClean="0"/>
+              <a:t> about architecture</a:t>
+            </a:r>
+          </a:p>
+          <a:p>
+            <a:r>
+              <a:rPr lang="en-US" baseline="0" dirty="0" smtClean="0"/>
+              <a:t>Unit test takes too long to execute which indicates that tests Is not unit test </a:t>
+            </a:r>
+          </a:p>
+          <a:p>
+            <a:endParaRPr lang="en-US" dirty="0"/>
           </a:p>
         </p:txBody>
       </p:sp>
@@ -5532,10 +4817,9 @@
           <a:bodyPr/>
           <a:lstStyle/>
           <a:p>
-            <a:fld id="{5783D7AA-6A74-42C9-8D9C-C1060C84B8E4}" type="slidenum">
+            <a:fld id="{3F54E12A-92D0-47AC-AF21-2897E92B62D5}" type="slidenum">
               <a:rPr lang="en-US" smtClean="0"/>
-              <a:pPr/>
-              <a:t>35</a:t>
+              <a:t>28</a:t>
             </a:fld>
             <a:endParaRPr lang="en-US"/>
           </a:p>
@@ -5544,7 +4828,892 @@
     </p:spTree>
     <p:extLst>
       <p:ext uri="{BB962C8B-B14F-4D97-AF65-F5344CB8AC3E}">
-        <p14:creationId xmlns:p14="http://schemas.microsoft.com/office/powerpoint/2010/main" val="1523480370"/>
+        <p14:creationId xmlns:p14="http://schemas.microsoft.com/office/powerpoint/2010/main" val="4245845182"/>
+      </p:ext>
+    </p:extLst>
+  </p:cSld>
+  <p:clrMapOvr>
+    <a:masterClrMapping/>
+  </p:clrMapOvr>
+</p:notes>
+</file>
+
+<file path=ppt/notesSlides/notesSlide14.xml><?xml version="1.0" encoding="utf-8"?>
+<p:notes xmlns:a="http://schemas.openxmlformats.org/drawingml/2006/main" xmlns:r="http://schemas.openxmlformats.org/officeDocument/2006/relationships" xmlns:p="http://schemas.openxmlformats.org/presentationml/2006/main">
+  <p:cSld>
+    <p:spTree>
+      <p:nvGrpSpPr>
+        <p:cNvPr id="1" name=""/>
+        <p:cNvGrpSpPr/>
+        <p:nvPr/>
+      </p:nvGrpSpPr>
+      <p:grpSpPr>
+        <a:xfrm>
+          <a:off x="0" y="0"/>
+          <a:ext cx="0" cy="0"/>
+          <a:chOff x="0" y="0"/>
+          <a:chExt cx="0" cy="0"/>
+        </a:xfrm>
+      </p:grpSpPr>
+      <p:sp>
+        <p:nvSpPr>
+          <p:cNvPr id="2" name="Slide Image Placeholder 1"/>
+          <p:cNvSpPr>
+            <a:spLocks noGrp="1" noRot="1" noChangeAspect="1"/>
+          </p:cNvSpPr>
+          <p:nvPr>
+            <p:ph type="sldImg"/>
+          </p:nvPr>
+        </p:nvSpPr>
+        <p:spPr/>
+      </p:sp>
+      <p:sp>
+        <p:nvSpPr>
+          <p:cNvPr id="3" name="Notes Placeholder 2"/>
+          <p:cNvSpPr>
+            <a:spLocks noGrp="1"/>
+          </p:cNvSpPr>
+          <p:nvPr>
+            <p:ph type="body" idx="1"/>
+          </p:nvPr>
+        </p:nvSpPr>
+        <p:spPr/>
+        <p:txBody>
+          <a:bodyPr/>
+          <a:lstStyle/>
+          <a:p>
+            <a:pPr marL="0" marR="0" lvl="0" indent="0" algn="l" defTabSz="914400" rtl="0" eaLnBrk="1" fontAlgn="auto" latinLnBrk="0" hangingPunct="1">
+              <a:lnSpc>
+                <a:spcPct val="100000"/>
+              </a:lnSpc>
+              <a:spcBef>
+                <a:spcPts val="0"/>
+              </a:spcBef>
+              <a:spcAft>
+                <a:spcPts val="0"/>
+              </a:spcAft>
+              <a:buClrTx/>
+              <a:buSzTx/>
+              <a:buFontTx/>
+              <a:buNone/>
+              <a:tabLst/>
+              <a:defRPr/>
+            </a:pPr>
+            <a:r>
+              <a:rPr lang="en-US" b="1" dirty="0" smtClean="0"/>
+              <a:t>Hard-to-Test Code</a:t>
+            </a:r>
+          </a:p>
+          <a:p>
+            <a:endParaRPr lang="en-US" dirty="0"/>
+          </a:p>
+        </p:txBody>
+      </p:sp>
+      <p:sp>
+        <p:nvSpPr>
+          <p:cNvPr id="4" name="Slide Number Placeholder 3"/>
+          <p:cNvSpPr>
+            <a:spLocks noGrp="1"/>
+          </p:cNvSpPr>
+          <p:nvPr>
+            <p:ph type="sldNum" sz="quarter" idx="10"/>
+          </p:nvPr>
+        </p:nvSpPr>
+        <p:spPr/>
+        <p:txBody>
+          <a:bodyPr/>
+          <a:lstStyle/>
+          <a:p>
+            <a:fld id="{3F54E12A-92D0-47AC-AF21-2897E92B62D5}" type="slidenum">
+              <a:rPr lang="en-US" smtClean="0"/>
+              <a:t>29</a:t>
+            </a:fld>
+            <a:endParaRPr lang="en-US"/>
+          </a:p>
+        </p:txBody>
+      </p:sp>
+    </p:spTree>
+    <p:extLst>
+      <p:ext uri="{BB962C8B-B14F-4D97-AF65-F5344CB8AC3E}">
+        <p14:creationId xmlns:p14="http://schemas.microsoft.com/office/powerpoint/2010/main" val="1233668928"/>
+      </p:ext>
+    </p:extLst>
+  </p:cSld>
+  <p:clrMapOvr>
+    <a:masterClrMapping/>
+  </p:clrMapOvr>
+</p:notes>
+</file>
+
+<file path=ppt/notesSlides/notesSlide15.xml><?xml version="1.0" encoding="utf-8"?>
+<p:notes xmlns:a="http://schemas.openxmlformats.org/drawingml/2006/main" xmlns:r="http://schemas.openxmlformats.org/officeDocument/2006/relationships" xmlns:p="http://schemas.openxmlformats.org/presentationml/2006/main">
+  <p:cSld>
+    <p:spTree>
+      <p:nvGrpSpPr>
+        <p:cNvPr id="1" name=""/>
+        <p:cNvGrpSpPr/>
+        <p:nvPr/>
+      </p:nvGrpSpPr>
+      <p:grpSpPr>
+        <a:xfrm>
+          <a:off x="0" y="0"/>
+          <a:ext cx="0" cy="0"/>
+          <a:chOff x="0" y="0"/>
+          <a:chExt cx="0" cy="0"/>
+        </a:xfrm>
+      </p:grpSpPr>
+      <p:sp>
+        <p:nvSpPr>
+          <p:cNvPr id="2" name="Slide Image Placeholder 1"/>
+          <p:cNvSpPr>
+            <a:spLocks noGrp="1" noRot="1" noChangeAspect="1"/>
+          </p:cNvSpPr>
+          <p:nvPr>
+            <p:ph type="sldImg"/>
+          </p:nvPr>
+        </p:nvSpPr>
+        <p:spPr/>
+      </p:sp>
+      <p:sp>
+        <p:nvSpPr>
+          <p:cNvPr id="3" name="Notes Placeholder 2"/>
+          <p:cNvSpPr>
+            <a:spLocks noGrp="1"/>
+          </p:cNvSpPr>
+          <p:nvPr>
+            <p:ph type="body" idx="1"/>
+          </p:nvPr>
+        </p:nvSpPr>
+        <p:spPr/>
+        <p:txBody>
+          <a:bodyPr/>
+          <a:lstStyle/>
+          <a:p>
+            <a:r>
+              <a:rPr lang="en-US" sz="1200" b="0" i="0" kern="1200" dirty="0" smtClean="0">
+                <a:solidFill>
+                  <a:schemeClr val="tx1"/>
+                </a:solidFill>
+                <a:effectLst/>
+                <a:latin typeface="+mn-lt"/>
+                <a:ea typeface="+mn-ea"/>
+                <a:cs typeface="+mn-cs"/>
+              </a:rPr>
+              <a:t>If you make a certain level of coverage a target, people will try to attain it. The trouble is that high coverage numbers are too easy to reach with low quality testing. At the most absurd level you have </a:t>
+            </a:r>
+            <a:r>
+              <a:rPr lang="en-US" sz="1200" b="0" i="0" u="none" strike="noStrike" kern="1200" dirty="0" err="1" smtClean="0">
+                <a:solidFill>
+                  <a:schemeClr val="tx1"/>
+                </a:solidFill>
+                <a:effectLst/>
+                <a:latin typeface="+mn-lt"/>
+                <a:ea typeface="+mn-ea"/>
+                <a:cs typeface="+mn-cs"/>
+                <a:hlinkClick r:id="rId3"/>
+              </a:rPr>
+              <a:t>AssertionFreeTesting</a:t>
+            </a:r>
+            <a:r>
+              <a:rPr lang="en-US" sz="1200" b="0" i="0" kern="1200" dirty="0" smtClean="0">
+                <a:solidFill>
+                  <a:schemeClr val="tx1"/>
+                </a:solidFill>
+                <a:effectLst/>
+                <a:latin typeface="+mn-lt"/>
+                <a:ea typeface="+mn-ea"/>
+                <a:cs typeface="+mn-cs"/>
+              </a:rPr>
+              <a:t>. But even without that you get lots of tests looking for things that rarely go wrong distracting you from testing the things that really matter.</a:t>
+            </a:r>
+          </a:p>
+          <a:p>
+            <a:r>
+              <a:rPr lang="en-US" sz="1200" b="0" i="0" kern="1200" dirty="0" smtClean="0">
+                <a:solidFill>
+                  <a:schemeClr val="tx1"/>
+                </a:solidFill>
+                <a:effectLst/>
+                <a:latin typeface="+mn-lt"/>
+                <a:ea typeface="+mn-ea"/>
+                <a:cs typeface="+mn-cs"/>
+              </a:rPr>
+              <a:t>TDD is a very useful, but certainly not sufficient, tool to help you get good tests</a:t>
+            </a:r>
+          </a:p>
+          <a:p>
+            <a:endParaRPr lang="en-US" sz="1200" b="0" i="0" kern="1200" dirty="0" smtClean="0">
+              <a:solidFill>
+                <a:schemeClr val="tx1"/>
+              </a:solidFill>
+              <a:effectLst/>
+              <a:latin typeface="+mn-lt"/>
+              <a:ea typeface="+mn-ea"/>
+              <a:cs typeface="+mn-cs"/>
+            </a:endParaRPr>
+          </a:p>
+          <a:p>
+            <a:r>
+              <a:rPr lang="en-US" sz="1200" b="0" i="0" kern="1200" dirty="0" smtClean="0">
+                <a:solidFill>
+                  <a:schemeClr val="tx1"/>
+                </a:solidFill>
+                <a:effectLst/>
+                <a:latin typeface="+mn-lt"/>
+                <a:ea typeface="+mn-ea"/>
+                <a:cs typeface="+mn-cs"/>
+              </a:rPr>
+              <a:t>I would say you are doing enough testing if the following is true:</a:t>
+            </a:r>
+          </a:p>
+          <a:p>
+            <a:endParaRPr lang="en-US" sz="1200" b="0" i="0" kern="1200" dirty="0" smtClean="0">
+              <a:solidFill>
+                <a:schemeClr val="tx1"/>
+              </a:solidFill>
+              <a:effectLst/>
+              <a:latin typeface="+mn-lt"/>
+              <a:ea typeface="+mn-ea"/>
+              <a:cs typeface="+mn-cs"/>
+            </a:endParaRPr>
+          </a:p>
+          <a:p>
+            <a:pPr marL="0" marR="0" lvl="0" indent="0" algn="l" defTabSz="914400" rtl="0" eaLnBrk="1" fontAlgn="auto" latinLnBrk="0" hangingPunct="1">
+              <a:lnSpc>
+                <a:spcPct val="100000"/>
+              </a:lnSpc>
+              <a:spcBef>
+                <a:spcPts val="0"/>
+              </a:spcBef>
+              <a:spcAft>
+                <a:spcPts val="0"/>
+              </a:spcAft>
+              <a:buClrTx/>
+              <a:buSzTx/>
+              <a:buFontTx/>
+              <a:buNone/>
+              <a:tabLst/>
+              <a:defRPr/>
+            </a:pPr>
+            <a:r>
+              <a:rPr lang="en-US" sz="1200" b="0" i="0" kern="1200" dirty="0" smtClean="0">
+                <a:solidFill>
+                  <a:schemeClr val="tx1"/>
+                </a:solidFill>
+                <a:effectLst/>
+                <a:latin typeface="+mn-lt"/>
+                <a:ea typeface="+mn-ea"/>
+                <a:cs typeface="+mn-cs"/>
+              </a:rPr>
+              <a:t>You rarely get bugs that escape into production, </a:t>
+            </a:r>
+            <a:r>
+              <a:rPr lang="en-US" sz="1200" b="1" i="0" kern="1200" dirty="0" smtClean="0">
+                <a:solidFill>
+                  <a:schemeClr val="tx1"/>
+                </a:solidFill>
+                <a:effectLst/>
+                <a:latin typeface="+mn-lt"/>
+                <a:ea typeface="+mn-ea"/>
+                <a:cs typeface="+mn-cs"/>
+              </a:rPr>
+              <a:t>and</a:t>
+            </a:r>
+            <a:endParaRPr lang="en-US" sz="1200" b="0" i="0" kern="1200" dirty="0" smtClean="0">
+              <a:solidFill>
+                <a:schemeClr val="tx1"/>
+              </a:solidFill>
+              <a:effectLst/>
+              <a:latin typeface="+mn-lt"/>
+              <a:ea typeface="+mn-ea"/>
+              <a:cs typeface="+mn-cs"/>
+            </a:endParaRPr>
+          </a:p>
+          <a:p>
+            <a:pPr marL="0" marR="0" lvl="0" indent="0" algn="l" defTabSz="914400" rtl="0" eaLnBrk="1" fontAlgn="auto" latinLnBrk="0" hangingPunct="1">
+              <a:lnSpc>
+                <a:spcPct val="100000"/>
+              </a:lnSpc>
+              <a:spcBef>
+                <a:spcPts val="0"/>
+              </a:spcBef>
+              <a:spcAft>
+                <a:spcPts val="0"/>
+              </a:spcAft>
+              <a:buClrTx/>
+              <a:buSzTx/>
+              <a:buFontTx/>
+              <a:buNone/>
+              <a:tabLst/>
+              <a:defRPr/>
+            </a:pPr>
+            <a:r>
+              <a:rPr lang="en-US" sz="1200" b="0" i="0" kern="1200" dirty="0" smtClean="0">
+                <a:solidFill>
+                  <a:schemeClr val="tx1"/>
+                </a:solidFill>
+                <a:effectLst/>
+                <a:latin typeface="+mn-lt"/>
+                <a:ea typeface="+mn-ea"/>
+                <a:cs typeface="+mn-cs"/>
+              </a:rPr>
+              <a:t>You are rarely hesitant to change some code for fear it will cause production bugs.</a:t>
+            </a:r>
+          </a:p>
+          <a:p>
+            <a:endParaRPr lang="en-US" dirty="0" smtClean="0"/>
+          </a:p>
+          <a:p>
+            <a:r>
+              <a:rPr lang="en-US" dirty="0" smtClean="0"/>
+              <a:t>http://www.developertesting.com/archives/month200705/20070504-000425.html</a:t>
+            </a:r>
+          </a:p>
+          <a:p>
+            <a:endParaRPr lang="en-US" dirty="0" smtClean="0"/>
+          </a:p>
+          <a:p>
+            <a:r>
+              <a:rPr lang="en-US" sz="1200" b="1" i="0" kern="1200" dirty="0" err="1" smtClean="0">
+                <a:solidFill>
+                  <a:schemeClr val="tx1"/>
+                </a:solidFill>
+                <a:effectLst/>
+                <a:latin typeface="+mn-lt"/>
+                <a:ea typeface="+mn-ea"/>
+                <a:cs typeface="+mn-cs"/>
+              </a:rPr>
+              <a:t>Testivus</a:t>
+            </a:r>
+            <a:r>
+              <a:rPr lang="en-US" sz="1200" b="1" i="0" kern="1200" dirty="0" smtClean="0">
+                <a:solidFill>
+                  <a:schemeClr val="tx1"/>
+                </a:solidFill>
+                <a:effectLst/>
+                <a:latin typeface="+mn-lt"/>
+                <a:ea typeface="+mn-ea"/>
+                <a:cs typeface="+mn-cs"/>
+              </a:rPr>
+              <a:t> On Test Coverage</a:t>
+            </a:r>
+            <a:endParaRPr lang="en-US" sz="1200" b="0" i="0" kern="1200" dirty="0" smtClean="0">
+              <a:solidFill>
+                <a:schemeClr val="tx1"/>
+              </a:solidFill>
+              <a:effectLst/>
+              <a:latin typeface="+mn-lt"/>
+              <a:ea typeface="+mn-ea"/>
+              <a:cs typeface="+mn-cs"/>
+            </a:endParaRPr>
+          </a:p>
+          <a:p>
+            <a:r>
+              <a:rPr lang="en-US" sz="1200" b="0" i="0" kern="1200" dirty="0" smtClean="0">
+                <a:solidFill>
+                  <a:schemeClr val="tx1"/>
+                </a:solidFill>
+                <a:effectLst/>
+                <a:latin typeface="+mn-lt"/>
+                <a:ea typeface="+mn-ea"/>
+                <a:cs typeface="+mn-cs"/>
+              </a:rPr>
+              <a:t>Early one morning, a programmer asked the great master:</a:t>
+            </a:r>
+          </a:p>
+          <a:p>
+            <a:r>
+              <a:rPr lang="en-US" sz="1200" b="0" i="0" kern="1200" dirty="0" smtClean="0">
+                <a:solidFill>
+                  <a:schemeClr val="tx1"/>
+                </a:solidFill>
+                <a:effectLst/>
+                <a:latin typeface="+mn-lt"/>
+                <a:ea typeface="+mn-ea"/>
+                <a:cs typeface="+mn-cs"/>
+              </a:rPr>
+              <a:t/>
+            </a:r>
+            <a:br>
+              <a:rPr lang="en-US" sz="1200" b="0" i="0" kern="1200" dirty="0" smtClean="0">
+                <a:solidFill>
+                  <a:schemeClr val="tx1"/>
+                </a:solidFill>
+                <a:effectLst/>
+                <a:latin typeface="+mn-lt"/>
+                <a:ea typeface="+mn-ea"/>
+                <a:cs typeface="+mn-cs"/>
+              </a:rPr>
+            </a:br>
+            <a:r>
+              <a:rPr lang="en-US" sz="1200" b="0" i="0" kern="1200" dirty="0" smtClean="0">
+                <a:solidFill>
+                  <a:schemeClr val="tx1"/>
+                </a:solidFill>
+                <a:effectLst/>
+                <a:latin typeface="+mn-lt"/>
+                <a:ea typeface="+mn-ea"/>
+                <a:cs typeface="+mn-cs"/>
+              </a:rPr>
+              <a:t>“I am ready to write some unit tests. What code coverage should I aim for?”</a:t>
+            </a:r>
+          </a:p>
+          <a:p>
+            <a:r>
+              <a:rPr lang="en-US" sz="1200" b="0" i="0" kern="1200" dirty="0" smtClean="0">
+                <a:solidFill>
+                  <a:schemeClr val="tx1"/>
+                </a:solidFill>
+                <a:effectLst/>
+                <a:latin typeface="+mn-lt"/>
+                <a:ea typeface="+mn-ea"/>
+                <a:cs typeface="+mn-cs"/>
+              </a:rPr>
+              <a:t/>
+            </a:r>
+            <a:br>
+              <a:rPr lang="en-US" sz="1200" b="0" i="0" kern="1200" dirty="0" smtClean="0">
+                <a:solidFill>
+                  <a:schemeClr val="tx1"/>
+                </a:solidFill>
+                <a:effectLst/>
+                <a:latin typeface="+mn-lt"/>
+                <a:ea typeface="+mn-ea"/>
+                <a:cs typeface="+mn-cs"/>
+              </a:rPr>
+            </a:br>
+            <a:r>
+              <a:rPr lang="en-US" sz="1200" b="0" i="0" kern="1200" dirty="0" smtClean="0">
+                <a:solidFill>
+                  <a:schemeClr val="tx1"/>
+                </a:solidFill>
+                <a:effectLst/>
+                <a:latin typeface="+mn-lt"/>
+                <a:ea typeface="+mn-ea"/>
+                <a:cs typeface="+mn-cs"/>
+              </a:rPr>
+              <a:t>The great master replied:</a:t>
+            </a:r>
+          </a:p>
+          <a:p>
+            <a:r>
+              <a:rPr lang="en-US" sz="1200" b="0" i="0" kern="1200" dirty="0" smtClean="0">
+                <a:solidFill>
+                  <a:schemeClr val="tx1"/>
+                </a:solidFill>
+                <a:effectLst/>
+                <a:latin typeface="+mn-lt"/>
+                <a:ea typeface="+mn-ea"/>
+                <a:cs typeface="+mn-cs"/>
+              </a:rPr>
+              <a:t>“Don’t worry about coverage, just write some good tests.”</a:t>
+            </a:r>
+          </a:p>
+          <a:p>
+            <a:r>
+              <a:rPr lang="en-US" sz="1200" b="0" i="0" kern="1200" dirty="0" smtClean="0">
+                <a:solidFill>
+                  <a:schemeClr val="tx1"/>
+                </a:solidFill>
+                <a:effectLst/>
+                <a:latin typeface="+mn-lt"/>
+                <a:ea typeface="+mn-ea"/>
+                <a:cs typeface="+mn-cs"/>
+              </a:rPr>
+              <a:t>The programmer smiled, bowed, and left.</a:t>
+            </a:r>
+          </a:p>
+          <a:p>
+            <a:r>
+              <a:rPr lang="en-US" sz="1200" b="0" i="0" kern="1200" dirty="0" smtClean="0">
+                <a:solidFill>
+                  <a:schemeClr val="tx1"/>
+                </a:solidFill>
+                <a:effectLst/>
+                <a:latin typeface="+mn-lt"/>
+                <a:ea typeface="+mn-ea"/>
+                <a:cs typeface="+mn-cs"/>
+              </a:rPr>
+              <a:t>...</a:t>
+            </a:r>
+          </a:p>
+          <a:p>
+            <a:r>
+              <a:rPr lang="en-US" sz="1200" b="0" i="0" kern="1200" dirty="0" smtClean="0">
+                <a:solidFill>
+                  <a:schemeClr val="tx1"/>
+                </a:solidFill>
+                <a:effectLst/>
+                <a:latin typeface="+mn-lt"/>
+                <a:ea typeface="+mn-ea"/>
+                <a:cs typeface="+mn-cs"/>
+              </a:rPr>
+              <a:t/>
+            </a:r>
+            <a:br>
+              <a:rPr lang="en-US" sz="1200" b="0" i="0" kern="1200" dirty="0" smtClean="0">
+                <a:solidFill>
+                  <a:schemeClr val="tx1"/>
+                </a:solidFill>
+                <a:effectLst/>
+                <a:latin typeface="+mn-lt"/>
+                <a:ea typeface="+mn-ea"/>
+                <a:cs typeface="+mn-cs"/>
+              </a:rPr>
+            </a:br>
+            <a:r>
+              <a:rPr lang="en-US" sz="1200" b="0" i="0" kern="1200" dirty="0" smtClean="0">
+                <a:solidFill>
+                  <a:schemeClr val="tx1"/>
+                </a:solidFill>
+                <a:effectLst/>
+                <a:latin typeface="+mn-lt"/>
+                <a:ea typeface="+mn-ea"/>
+                <a:cs typeface="+mn-cs"/>
+              </a:rPr>
+              <a:t>Later that day, a second programmer asked the same question.</a:t>
+            </a:r>
+          </a:p>
+          <a:p>
+            <a:r>
+              <a:rPr lang="en-US" sz="1200" b="0" i="0" kern="1200" dirty="0" smtClean="0">
+                <a:solidFill>
+                  <a:schemeClr val="tx1"/>
+                </a:solidFill>
+                <a:effectLst/>
+                <a:latin typeface="+mn-lt"/>
+                <a:ea typeface="+mn-ea"/>
+                <a:cs typeface="+mn-cs"/>
+              </a:rPr>
+              <a:t>The great master pointed at a pot of boiling water and said:</a:t>
+            </a:r>
+          </a:p>
+          <a:p>
+            <a:r>
+              <a:rPr lang="en-US" sz="1200" b="0" i="0" kern="1200" dirty="0" smtClean="0">
+                <a:solidFill>
+                  <a:schemeClr val="tx1"/>
+                </a:solidFill>
+                <a:effectLst/>
+                <a:latin typeface="+mn-lt"/>
+                <a:ea typeface="+mn-ea"/>
+                <a:cs typeface="+mn-cs"/>
+              </a:rPr>
+              <a:t>“How many grains of rice should put in that pot?”</a:t>
+            </a:r>
+          </a:p>
+          <a:p>
+            <a:r>
+              <a:rPr lang="en-US" sz="1200" b="0" i="0" kern="1200" dirty="0" smtClean="0">
+                <a:solidFill>
+                  <a:schemeClr val="tx1"/>
+                </a:solidFill>
+                <a:effectLst/>
+                <a:latin typeface="+mn-lt"/>
+                <a:ea typeface="+mn-ea"/>
+                <a:cs typeface="+mn-cs"/>
+              </a:rPr>
+              <a:t>The programmer, looking puzzled, replied:</a:t>
+            </a:r>
+          </a:p>
+          <a:p>
+            <a:r>
+              <a:rPr lang="en-US" sz="1200" b="0" i="0" kern="1200" dirty="0" smtClean="0">
+                <a:solidFill>
+                  <a:schemeClr val="tx1"/>
+                </a:solidFill>
+                <a:effectLst/>
+                <a:latin typeface="+mn-lt"/>
+                <a:ea typeface="+mn-ea"/>
+                <a:cs typeface="+mn-cs"/>
+              </a:rPr>
+              <a:t>“How can I possibly tell you? It depends on how many people you need to feed, how hungry they are, what other food you are serving, how much rice you have available, and so on.”</a:t>
+            </a:r>
+          </a:p>
+          <a:p>
+            <a:r>
+              <a:rPr lang="en-US" sz="1200" b="0" i="0" kern="1200" dirty="0" smtClean="0">
+                <a:solidFill>
+                  <a:schemeClr val="tx1"/>
+                </a:solidFill>
+                <a:effectLst/>
+                <a:latin typeface="+mn-lt"/>
+                <a:ea typeface="+mn-ea"/>
+                <a:cs typeface="+mn-cs"/>
+              </a:rPr>
+              <a:t>“Exactly,” said the great master.</a:t>
+            </a:r>
+          </a:p>
+          <a:p>
+            <a:r>
+              <a:rPr lang="en-US" sz="1200" b="0" i="0" kern="1200" dirty="0" smtClean="0">
+                <a:solidFill>
+                  <a:schemeClr val="tx1"/>
+                </a:solidFill>
+                <a:effectLst/>
+                <a:latin typeface="+mn-lt"/>
+                <a:ea typeface="+mn-ea"/>
+                <a:cs typeface="+mn-cs"/>
+              </a:rPr>
+              <a:t>The second programmer smiled, bowed, and left.</a:t>
+            </a:r>
+          </a:p>
+          <a:p>
+            <a:r>
+              <a:rPr lang="en-US" sz="1200" b="0" i="0" kern="1200" dirty="0" smtClean="0">
+                <a:solidFill>
+                  <a:schemeClr val="tx1"/>
+                </a:solidFill>
+                <a:effectLst/>
+                <a:latin typeface="+mn-lt"/>
+                <a:ea typeface="+mn-ea"/>
+                <a:cs typeface="+mn-cs"/>
+              </a:rPr>
+              <a:t>...</a:t>
+            </a:r>
+          </a:p>
+          <a:p>
+            <a:r>
+              <a:rPr lang="en-US" sz="1200" b="0" i="0" kern="1200" dirty="0" smtClean="0">
+                <a:solidFill>
+                  <a:schemeClr val="tx1"/>
+                </a:solidFill>
+                <a:effectLst/>
+                <a:latin typeface="+mn-lt"/>
+                <a:ea typeface="+mn-ea"/>
+                <a:cs typeface="+mn-cs"/>
+              </a:rPr>
+              <a:t>Toward the end of the day, a third programmer came and asked the same question about code coverage.</a:t>
+            </a:r>
+          </a:p>
+          <a:p>
+            <a:r>
+              <a:rPr lang="en-US" sz="1200" b="0" i="0" kern="1200" dirty="0" smtClean="0">
+                <a:solidFill>
+                  <a:schemeClr val="tx1"/>
+                </a:solidFill>
+                <a:effectLst/>
+                <a:latin typeface="+mn-lt"/>
+                <a:ea typeface="+mn-ea"/>
+                <a:cs typeface="+mn-cs"/>
+              </a:rPr>
+              <a:t>“Eighty percent and no less!” Replied the master in a stern voice, pounding his fist on the table.</a:t>
+            </a:r>
+          </a:p>
+          <a:p>
+            <a:r>
+              <a:rPr lang="en-US" sz="1200" b="0" i="0" kern="1200" dirty="0" smtClean="0">
+                <a:solidFill>
+                  <a:schemeClr val="tx1"/>
+                </a:solidFill>
+                <a:effectLst/>
+                <a:latin typeface="+mn-lt"/>
+                <a:ea typeface="+mn-ea"/>
+                <a:cs typeface="+mn-cs"/>
+              </a:rPr>
+              <a:t>The third programmer smiled, bowed, and left.</a:t>
+            </a:r>
+          </a:p>
+          <a:p>
+            <a:r>
+              <a:rPr lang="en-US" sz="1200" b="0" i="0" kern="1200" dirty="0" smtClean="0">
+                <a:solidFill>
+                  <a:schemeClr val="tx1"/>
+                </a:solidFill>
+                <a:effectLst/>
+                <a:latin typeface="+mn-lt"/>
+                <a:ea typeface="+mn-ea"/>
+                <a:cs typeface="+mn-cs"/>
+              </a:rPr>
+              <a:t>...</a:t>
+            </a:r>
+          </a:p>
+          <a:p>
+            <a:r>
+              <a:rPr lang="en-US" sz="1200" b="0" i="0" kern="1200" dirty="0" smtClean="0">
+                <a:solidFill>
+                  <a:schemeClr val="tx1"/>
+                </a:solidFill>
+                <a:effectLst/>
+                <a:latin typeface="+mn-lt"/>
+                <a:ea typeface="+mn-ea"/>
+                <a:cs typeface="+mn-cs"/>
+              </a:rPr>
+              <a:t>After this last reply, a young apprentice approached the great master:</a:t>
+            </a:r>
+          </a:p>
+          <a:p>
+            <a:r>
+              <a:rPr lang="en-US" sz="1200" b="0" i="0" kern="1200" dirty="0" smtClean="0">
+                <a:solidFill>
+                  <a:schemeClr val="tx1"/>
+                </a:solidFill>
+                <a:effectLst/>
+                <a:latin typeface="+mn-lt"/>
+                <a:ea typeface="+mn-ea"/>
+                <a:cs typeface="+mn-cs"/>
+              </a:rPr>
+              <a:t>“Great master, today I overheard you answer the same question about code coverage with three different answers. Why?”</a:t>
+            </a:r>
+          </a:p>
+          <a:p>
+            <a:r>
+              <a:rPr lang="en-US" sz="1200" b="0" i="0" kern="1200" dirty="0" smtClean="0">
+                <a:solidFill>
+                  <a:schemeClr val="tx1"/>
+                </a:solidFill>
+                <a:effectLst/>
+                <a:latin typeface="+mn-lt"/>
+                <a:ea typeface="+mn-ea"/>
+                <a:cs typeface="+mn-cs"/>
+              </a:rPr>
+              <a:t>The great master stood up from his chair:</a:t>
+            </a:r>
+          </a:p>
+          <a:p>
+            <a:r>
+              <a:rPr lang="en-US" sz="1200" b="0" i="0" kern="1200" dirty="0" smtClean="0">
+                <a:solidFill>
+                  <a:schemeClr val="tx1"/>
+                </a:solidFill>
+                <a:effectLst/>
+                <a:latin typeface="+mn-lt"/>
+                <a:ea typeface="+mn-ea"/>
+                <a:cs typeface="+mn-cs"/>
+              </a:rPr>
+              <a:t>“Come get some fresh tea with me and let’s talk about it.”</a:t>
+            </a:r>
+          </a:p>
+          <a:p>
+            <a:r>
+              <a:rPr lang="en-US" sz="1200" b="0" i="0" kern="1200" dirty="0" smtClean="0">
+                <a:solidFill>
+                  <a:schemeClr val="tx1"/>
+                </a:solidFill>
+                <a:effectLst/>
+                <a:latin typeface="+mn-lt"/>
+                <a:ea typeface="+mn-ea"/>
+                <a:cs typeface="+mn-cs"/>
+              </a:rPr>
+              <a:t>After they filled their cups with smoking hot green tea, the great master began to answer:</a:t>
+            </a:r>
+          </a:p>
+          <a:p>
+            <a:r>
+              <a:rPr lang="en-US" sz="1200" b="0" i="0" kern="1200" dirty="0" smtClean="0">
+                <a:solidFill>
+                  <a:schemeClr val="tx1"/>
+                </a:solidFill>
+                <a:effectLst/>
+                <a:latin typeface="+mn-lt"/>
+                <a:ea typeface="+mn-ea"/>
+                <a:cs typeface="+mn-cs"/>
+              </a:rPr>
+              <a:t>“The first programmer is new and just getting started with testing. Right now he has a lot of code and no tests. He has a long way to go; focusing on code coverage at this time would be depressing and quite useless. He’s better off just getting used to writing and running some tests. He can worry about coverage later.”</a:t>
+            </a:r>
+          </a:p>
+          <a:p>
+            <a:r>
+              <a:rPr lang="en-US" sz="1200" b="0" i="0" kern="1200" dirty="0" smtClean="0">
+                <a:solidFill>
+                  <a:schemeClr val="tx1"/>
+                </a:solidFill>
+                <a:effectLst/>
+                <a:latin typeface="+mn-lt"/>
+                <a:ea typeface="+mn-ea"/>
+                <a:cs typeface="+mn-cs"/>
+              </a:rPr>
+              <a:t>“The second programmer, on the other hand, is quite experience both at programming and testing. When I replied by asking her how many grains of rice I should put in a pot, I helped her realize that the amount of testing necessary depends on a number of factors, and she knows those factors better than I do – it’s her code after all. There is no single, simple, answer, and she’s smart enough to handle the truth and work with that.”</a:t>
+            </a:r>
+          </a:p>
+          <a:p>
+            <a:r>
+              <a:rPr lang="en-US" sz="1200" b="0" i="0" kern="1200" dirty="0" smtClean="0">
+                <a:solidFill>
+                  <a:schemeClr val="tx1"/>
+                </a:solidFill>
+                <a:effectLst/>
+                <a:latin typeface="+mn-lt"/>
+                <a:ea typeface="+mn-ea"/>
+                <a:cs typeface="+mn-cs"/>
+              </a:rPr>
+              <a:t>“I see,” said the young apprentice, “but if there is no single simple answer, then why did you answer the third programmer ‘Eighty percent and no less’?”</a:t>
+            </a:r>
+          </a:p>
+          <a:p>
+            <a:r>
+              <a:rPr lang="en-US" sz="1200" b="0" i="0" kern="1200" dirty="0" smtClean="0">
+                <a:solidFill>
+                  <a:schemeClr val="tx1"/>
+                </a:solidFill>
+                <a:effectLst/>
+                <a:latin typeface="+mn-lt"/>
+                <a:ea typeface="+mn-ea"/>
+                <a:cs typeface="+mn-cs"/>
+              </a:rPr>
+              <a:t>The great master laughed so hard and loud that his belly, evidence that he drank more than just green tea, flopped up and down.</a:t>
+            </a:r>
+          </a:p>
+          <a:p>
+            <a:r>
+              <a:rPr lang="en-US" sz="1200" b="0" i="0" kern="1200" dirty="0" smtClean="0">
+                <a:solidFill>
+                  <a:schemeClr val="tx1"/>
+                </a:solidFill>
+                <a:effectLst/>
+                <a:latin typeface="+mn-lt"/>
+                <a:ea typeface="+mn-ea"/>
+                <a:cs typeface="+mn-cs"/>
+              </a:rPr>
+              <a:t>“The third programmer wants only simple answers – even when there are no simple answers … and then does not follow them anyway.”</a:t>
+            </a:r>
+          </a:p>
+          <a:p>
+            <a:r>
+              <a:rPr lang="en-US" sz="1200" b="0" i="0" kern="1200" dirty="0" smtClean="0">
+                <a:solidFill>
+                  <a:schemeClr val="tx1"/>
+                </a:solidFill>
+                <a:effectLst/>
+                <a:latin typeface="+mn-lt"/>
+                <a:ea typeface="+mn-ea"/>
+                <a:cs typeface="+mn-cs"/>
+              </a:rPr>
+              <a:t>The young apprentice and the grizzled great master finished drinking their tea in contemplative silence.</a:t>
+            </a:r>
+          </a:p>
+          <a:p>
+            <a:endParaRPr lang="en-US" dirty="0"/>
+          </a:p>
+        </p:txBody>
+      </p:sp>
+      <p:sp>
+        <p:nvSpPr>
+          <p:cNvPr id="4" name="Slide Number Placeholder 3"/>
+          <p:cNvSpPr>
+            <a:spLocks noGrp="1"/>
+          </p:cNvSpPr>
+          <p:nvPr>
+            <p:ph type="sldNum" sz="quarter" idx="10"/>
+          </p:nvPr>
+        </p:nvSpPr>
+        <p:spPr/>
+        <p:txBody>
+          <a:bodyPr/>
+          <a:lstStyle/>
+          <a:p>
+            <a:fld id="{3F54E12A-92D0-47AC-AF21-2897E92B62D5}" type="slidenum">
+              <a:rPr lang="en-US" smtClean="0"/>
+              <a:t>32</a:t>
+            </a:fld>
+            <a:endParaRPr lang="en-US"/>
+          </a:p>
+        </p:txBody>
+      </p:sp>
+    </p:spTree>
+    <p:extLst>
+      <p:ext uri="{BB962C8B-B14F-4D97-AF65-F5344CB8AC3E}">
+        <p14:creationId xmlns:p14="http://schemas.microsoft.com/office/powerpoint/2010/main" val="1167396142"/>
       </p:ext>
     </p:extLst>
   </p:cSld>
@@ -5573,7 +5742,7 @@
       </p:grpSpPr>
       <p:sp>
         <p:nvSpPr>
-          <p:cNvPr id="2" name="Folienbildplatzhalter 1"/>
+          <p:cNvPr id="2" name="Slide Image Placeholder 1"/>
           <p:cNvSpPr>
             <a:spLocks noGrp="1" noRot="1" noChangeAspect="1"/>
           </p:cNvSpPr>
@@ -5585,7 +5754,7 @@
       </p:sp>
       <p:sp>
         <p:nvSpPr>
-          <p:cNvPr id="3" name="Notizenplatzhalter 2"/>
+          <p:cNvPr id="3" name="Notes Placeholder 2"/>
           <p:cNvSpPr>
             <a:spLocks noGrp="1"/>
           </p:cNvSpPr>
@@ -5599,19 +5768,70 @@
           <a:lstStyle/>
           <a:p>
             <a:r>
+              <a:rPr lang="en-US" dirty="0" smtClean="0"/>
+              <a:t>Explain</a:t>
+            </a:r>
+            <a:r>
               <a:rPr lang="en-US" baseline="0" dirty="0" smtClean="0"/>
-              <a:t/>
-            </a:r>
-            <a:br>
-              <a:rPr lang="en-US" baseline="0" dirty="0" smtClean="0"/>
-            </a:br>
+              <a:t> feedback loops created by tests</a:t>
+            </a:r>
+          </a:p>
+          <a:p>
+            <a:endParaRPr lang="en-US" baseline="0" dirty="0" smtClean="0"/>
+          </a:p>
+          <a:p>
+            <a:pPr marL="0" indent="0">
+              <a:buNone/>
+            </a:pPr>
+            <a:r>
+              <a:rPr lang="en-US" dirty="0" smtClean="0"/>
+              <a:t>The ideal feedback loop has several properties:</a:t>
+            </a:r>
+          </a:p>
+          <a:p>
+            <a:pPr marL="0" indent="0">
+              <a:buNone/>
+            </a:pPr>
+            <a:endParaRPr lang="en-US" u="sng" dirty="0" smtClean="0"/>
+          </a:p>
+          <a:p>
+            <a:r>
+              <a:rPr lang="en-US" u="sng" dirty="0" smtClean="0"/>
+              <a:t>It's fast</a:t>
+            </a:r>
+            <a:r>
+              <a:rPr lang="en-US" dirty="0" smtClean="0"/>
+              <a:t>. No developer wants to wait hours or days to find out if their change works. Sometimes the change does not work - nobody is perfect - and the feedback loop needs to run multiple times. A faster feedback loop leads to faster fixes. If the loop is fast enough, developers may even run tests before checking in a change. </a:t>
+            </a:r>
+          </a:p>
+          <a:p>
+            <a:r>
+              <a:rPr lang="en-US" u="sng" dirty="0" smtClean="0"/>
+              <a:t>It's reliable</a:t>
+            </a:r>
+            <a:r>
+              <a:rPr lang="en-US" dirty="0" smtClean="0"/>
+              <a:t>. No developer wants to spend hours debugging a test, only to find out it was a flaky test. Flaky tests reduce the developer's trust in the test, and as a result flaky tests are often ignored, even when they find real product issues. </a:t>
+            </a:r>
+          </a:p>
+          <a:p>
+            <a:r>
+              <a:rPr lang="en-US" u="sng" dirty="0" smtClean="0"/>
+              <a:t>It isolates failures</a:t>
+            </a:r>
+            <a:r>
+              <a:rPr lang="en-US" dirty="0" smtClean="0"/>
+              <a:t>. To fix a bug, developers need to find the specific lines of code causing the bug. When a product contains millions of lines of codes, and the bug could be anywhere, it's like trying to find a needle in a haystack. </a:t>
+            </a:r>
+          </a:p>
+          <a:p>
             <a:endParaRPr lang="en-US" dirty="0"/>
           </a:p>
         </p:txBody>
       </p:sp>
       <p:sp>
         <p:nvSpPr>
-          <p:cNvPr id="4" name="Foliennummernplatzhalter 3"/>
+          <p:cNvPr id="4" name="Slide Number Placeholder 3"/>
           <p:cNvSpPr>
             <a:spLocks noGrp="1"/>
           </p:cNvSpPr>
@@ -5624,18 +5844,18 @@
           <a:bodyPr/>
           <a:lstStyle/>
           <a:p>
-            <a:fld id="{6047A338-E989-4FB8-9E79-C7D1C907295C}" type="slidenum">
-              <a:rPr lang="de-DE" smtClean="0"/>
-              <a:t>4</a:t>
+            <a:fld id="{3F54E12A-92D0-47AC-AF21-2897E92B62D5}" type="slidenum">
+              <a:rPr lang="en-US" smtClean="0"/>
+              <a:t>5</a:t>
             </a:fld>
-            <a:endParaRPr lang="de-DE"/>
+            <a:endParaRPr lang="en-US"/>
           </a:p>
         </p:txBody>
       </p:sp>
     </p:spTree>
     <p:extLst>
       <p:ext uri="{BB962C8B-B14F-4D97-AF65-F5344CB8AC3E}">
-        <p14:creationId xmlns:p14="http://schemas.microsoft.com/office/powerpoint/2010/main" val="613361642"/>
+        <p14:creationId xmlns:p14="http://schemas.microsoft.com/office/powerpoint/2010/main" val="1782462670"/>
       </p:ext>
     </p:extLst>
   </p:cSld>
@@ -5664,7 +5884,7 @@
       </p:grpSpPr>
       <p:sp>
         <p:nvSpPr>
-          <p:cNvPr id="2" name="Slide Image Placeholder 1"/>
+          <p:cNvPr id="2" name="Folienbildplatzhalter 1"/>
           <p:cNvSpPr>
             <a:spLocks noGrp="1" noRot="1" noChangeAspect="1"/>
           </p:cNvSpPr>
@@ -5676,7 +5896,7 @@
       </p:sp>
       <p:sp>
         <p:nvSpPr>
-          <p:cNvPr id="3" name="Notes Placeholder 2"/>
+          <p:cNvPr id="3" name="Notizenplatzhalter 2"/>
           <p:cNvSpPr>
             <a:spLocks noGrp="1"/>
           </p:cNvSpPr>
@@ -5690,156 +5910,40 @@
           <a:lstStyle/>
           <a:p>
             <a:r>
-              <a:rPr lang="en-GB" sz="1200" b="0" i="0" kern="1200" dirty="0" smtClean="0">
-                <a:solidFill>
-                  <a:schemeClr val="tx1"/>
-                </a:solidFill>
-                <a:latin typeface="+mn-lt"/>
-                <a:ea typeface="+mn-ea"/>
-                <a:cs typeface="+mn-cs"/>
-              </a:rPr>
-              <a:t>Why don’t you fix bad code when you see it? Your first reaction upon seeing a messy function is “This is a mess, it needs to be cleaned.” Your second reaction is “I’m not touching it!” Why? Because you know that if you touch it you risk breaking it; and if you break it, it becomes yours.</a:t>
-            </a:r>
-          </a:p>
-          <a:p>
-            <a:r>
-              <a:rPr lang="en-GB" sz="1200" b="0" i="0" kern="1200" dirty="0" smtClean="0">
-                <a:solidFill>
-                  <a:schemeClr val="tx1"/>
-                </a:solidFill>
-                <a:latin typeface="+mn-lt"/>
-                <a:ea typeface="+mn-ea"/>
-                <a:cs typeface="+mn-cs"/>
-              </a:rPr>
-              <a:t>But what if you could be </a:t>
-            </a:r>
-            <a:r>
-              <a:rPr lang="en-GB" sz="1200" b="0" i="1" kern="1200" dirty="0" smtClean="0">
-                <a:solidFill>
-                  <a:schemeClr val="tx1"/>
-                </a:solidFill>
-                <a:latin typeface="+mn-lt"/>
-                <a:ea typeface="+mn-ea"/>
-                <a:cs typeface="+mn-cs"/>
-              </a:rPr>
-              <a:t>sure</a:t>
-            </a:r>
-            <a:r>
-              <a:rPr lang="en-GB" sz="1200" b="0" i="0" kern="1200" dirty="0" smtClean="0">
-                <a:solidFill>
-                  <a:schemeClr val="tx1"/>
-                </a:solidFill>
-                <a:latin typeface="+mn-lt"/>
-                <a:ea typeface="+mn-ea"/>
-                <a:cs typeface="+mn-cs"/>
-              </a:rPr>
-              <a:t> that your cleaning did not break anything? What if you had the kind of certainty that I just mentioned? What if you could click a button and </a:t>
-            </a:r>
-            <a:r>
-              <a:rPr lang="en-GB" sz="1200" b="0" i="1" kern="1200" dirty="0" smtClean="0">
-                <a:solidFill>
-                  <a:schemeClr val="tx1"/>
-                </a:solidFill>
-                <a:latin typeface="+mn-lt"/>
-                <a:ea typeface="+mn-ea"/>
-                <a:cs typeface="+mn-cs"/>
-              </a:rPr>
-              <a:t>know</a:t>
-            </a:r>
-            <a:r>
-              <a:rPr lang="en-GB" sz="1200" b="0" i="0" kern="1200" dirty="0" smtClean="0">
-                <a:solidFill>
-                  <a:schemeClr val="tx1"/>
-                </a:solidFill>
-                <a:latin typeface="+mn-lt"/>
-                <a:ea typeface="+mn-ea"/>
-                <a:cs typeface="+mn-cs"/>
-              </a:rPr>
-              <a:t> within 90 seconds that your changes had broken nothing, </a:t>
-            </a:r>
-            <a:r>
-              <a:rPr lang="en-GB" sz="1200" b="0" i="1" kern="1200" dirty="0" smtClean="0">
-                <a:solidFill>
-                  <a:schemeClr val="tx1"/>
-                </a:solidFill>
-                <a:latin typeface="+mn-lt"/>
-                <a:ea typeface="+mn-ea"/>
-                <a:cs typeface="+mn-cs"/>
-              </a:rPr>
-              <a:t>and had only done good?</a:t>
-            </a:r>
-            <a:endParaRPr lang="en-GB" sz="1200" b="0" i="0" kern="1200" dirty="0" smtClean="0">
-              <a:solidFill>
-                <a:schemeClr val="tx1"/>
-              </a:solidFill>
-              <a:latin typeface="+mn-lt"/>
-              <a:ea typeface="+mn-ea"/>
-              <a:cs typeface="+mn-cs"/>
-            </a:endParaRPr>
-          </a:p>
-          <a:p>
-            <a:r>
-              <a:rPr lang="en-GB" sz="1200" b="0" i="0" kern="1200" dirty="0" smtClean="0">
-                <a:solidFill>
-                  <a:schemeClr val="tx1"/>
-                </a:solidFill>
-                <a:latin typeface="+mn-lt"/>
-                <a:ea typeface="+mn-ea"/>
-                <a:cs typeface="+mn-cs"/>
-              </a:rPr>
-              <a:t>This is one of the most powerful benefits of TDD. When you have a suite of tests that you trust, then you lose all fear of making changes. When you see bad code, you simply clean it on the spot. The code becomes clay that you can safely sculpt into simple and pleasing structures.</a:t>
-            </a:r>
-          </a:p>
-          <a:p>
-            <a:r>
-              <a:rPr lang="en-GB" sz="1200" b="0" i="0" kern="1200" dirty="0" smtClean="0">
-                <a:solidFill>
-                  <a:schemeClr val="tx1"/>
-                </a:solidFill>
-                <a:latin typeface="+mn-lt"/>
-                <a:ea typeface="+mn-ea"/>
-                <a:cs typeface="+mn-cs"/>
-              </a:rPr>
-              <a:t>When programmers lose the fear of cleaning, they clean! And clean code is easier to understand, easier to change, and easier to extend. Defects become even less likely because the code gets simpler. And the code base steadily </a:t>
-            </a:r>
-            <a:r>
-              <a:rPr lang="en-GB" sz="1200" b="0" i="1" kern="1200" dirty="0" smtClean="0">
-                <a:solidFill>
-                  <a:schemeClr val="tx1"/>
-                </a:solidFill>
-                <a:latin typeface="+mn-lt"/>
-                <a:ea typeface="+mn-ea"/>
-                <a:cs typeface="+mn-cs"/>
-              </a:rPr>
-              <a:t>improves</a:t>
-            </a:r>
-            <a:r>
-              <a:rPr lang="en-GB" sz="1200" b="0" i="0" kern="1200" dirty="0" smtClean="0">
-                <a:solidFill>
-                  <a:schemeClr val="tx1"/>
-                </a:solidFill>
-                <a:latin typeface="+mn-lt"/>
-                <a:ea typeface="+mn-ea"/>
-                <a:cs typeface="+mn-cs"/>
-              </a:rPr>
-              <a:t> instead of the normal rotting that our industry has become used to.</a:t>
-            </a:r>
-          </a:p>
-          <a:p>
-            <a:r>
-              <a:rPr lang="en-GB" sz="1200" b="0" i="0" kern="1200" dirty="0" smtClean="0">
-                <a:solidFill>
-                  <a:schemeClr val="tx1"/>
-                </a:solidFill>
-                <a:latin typeface="+mn-lt"/>
-                <a:ea typeface="+mn-ea"/>
-                <a:cs typeface="+mn-cs"/>
-              </a:rPr>
-              <a:t>What professional programmer would allow the rotting to continue?</a:t>
-            </a:r>
-          </a:p>
-          <a:p>
-            <a:endParaRPr lang="en-GB" dirty="0" smtClean="0"/>
+              <a:rPr lang="en-US" baseline="0" dirty="0" smtClean="0"/>
+              <a:t>Why automated tests</a:t>
+            </a:r>
+          </a:p>
+          <a:p>
+            <a:r>
+              <a:rPr lang="en-US" baseline="0" dirty="0" smtClean="0"/>
+              <a:t/>
+            </a:r>
+            <a:br>
+              <a:rPr lang="en-US" baseline="0" dirty="0" smtClean="0"/>
+            </a:br>
+            <a:r>
+              <a:rPr lang="en-US" dirty="0" smtClean="0"/>
+              <a:t>Humans are bad in repetitive tasks</a:t>
+            </a:r>
+          </a:p>
+          <a:p>
+            <a:r>
+              <a:rPr lang="en-US" dirty="0" smtClean="0"/>
+              <a:t>Tests document behavior of SW</a:t>
+            </a:r>
+          </a:p>
+          <a:p>
+            <a:r>
+              <a:rPr lang="en-US" dirty="0" smtClean="0"/>
+              <a:t>Unit tests lead to more testable code which usually is less coupled and cleaner</a:t>
+            </a:r>
+          </a:p>
+          <a:p>
+            <a:r>
+              <a:rPr lang="en-US" dirty="0" smtClean="0"/>
+              <a:t>Tests save from breaking code, i.e. when refactoring</a:t>
+            </a:r>
           </a:p>
           <a:p>
             <a:endParaRPr lang="en-US" dirty="0"/>
@@ -5848,7 +5952,7 @@
       </p:sp>
       <p:sp>
         <p:nvSpPr>
-          <p:cNvPr id="4" name="Slide Number Placeholder 3"/>
+          <p:cNvPr id="4" name="Foliennummernplatzhalter 3"/>
           <p:cNvSpPr>
             <a:spLocks noGrp="1"/>
           </p:cNvSpPr>
@@ -5861,18 +5965,18 @@
           <a:bodyPr/>
           <a:lstStyle/>
           <a:p>
-            <a:fld id="{3F54E12A-92D0-47AC-AF21-2897E92B62D5}" type="slidenum">
-              <a:rPr lang="en-US" smtClean="0"/>
-              <a:t>8</a:t>
+            <a:fld id="{6047A338-E989-4FB8-9E79-C7D1C907295C}" type="slidenum">
+              <a:rPr lang="de-DE" smtClean="0"/>
+              <a:t>6</a:t>
             </a:fld>
-            <a:endParaRPr lang="en-US"/>
+            <a:endParaRPr lang="de-DE"/>
           </a:p>
         </p:txBody>
       </p:sp>
     </p:spTree>
     <p:extLst>
       <p:ext uri="{BB962C8B-B14F-4D97-AF65-F5344CB8AC3E}">
-        <p14:creationId xmlns:p14="http://schemas.microsoft.com/office/powerpoint/2010/main" val="1064045778"/>
+        <p14:creationId xmlns:p14="http://schemas.microsoft.com/office/powerpoint/2010/main" val="613361642"/>
       </p:ext>
     </p:extLst>
   </p:cSld>
@@ -5901,7 +6005,7 @@
       </p:grpSpPr>
       <p:sp>
         <p:nvSpPr>
-          <p:cNvPr id="2" name="Folienbildplatzhalter 1"/>
+          <p:cNvPr id="2" name="Slide Image Placeholder 1"/>
           <p:cNvSpPr>
             <a:spLocks noGrp="1" noRot="1" noChangeAspect="1"/>
           </p:cNvSpPr>
@@ -5913,7 +6017,7 @@
       </p:sp>
       <p:sp>
         <p:nvSpPr>
-          <p:cNvPr id="3" name="Notizenplatzhalter 2"/>
+          <p:cNvPr id="3" name="Notes Placeholder 2"/>
           <p:cNvSpPr>
             <a:spLocks noGrp="1"/>
           </p:cNvSpPr>
@@ -5926,13 +6030,166 @@
           <a:bodyPr/>
           <a:lstStyle/>
           <a:p>
-            <a:endParaRPr lang="de-DE" dirty="0"/>
-          </a:p>
-        </p:txBody>
-      </p:sp>
-      <p:sp>
-        <p:nvSpPr>
-          <p:cNvPr id="4" name="Foliennummernplatzhalter 3"/>
+            <a:r>
+              <a:rPr lang="en-GB" sz="1200" b="0" i="0" kern="1200" dirty="0" smtClean="0">
+                <a:solidFill>
+                  <a:schemeClr val="tx1"/>
+                </a:solidFill>
+                <a:latin typeface="+mn-lt"/>
+                <a:ea typeface="+mn-ea"/>
+                <a:cs typeface="+mn-cs"/>
+              </a:rPr>
+              <a:t>Why don’t you fix bad code when you see it? Your first reaction upon seeing a messy function is “This is a mess, it needs to be cleaned.” Your second reaction is “I’m not touching it!” Why? Because you know that if you touch it you risk breaking it; and if you break it, it becomes yours.</a:t>
+            </a:r>
+          </a:p>
+          <a:p>
+            <a:r>
+              <a:rPr lang="en-GB" sz="1200" b="0" i="0" kern="1200" dirty="0" smtClean="0">
+                <a:solidFill>
+                  <a:schemeClr val="tx1"/>
+                </a:solidFill>
+                <a:latin typeface="+mn-lt"/>
+                <a:ea typeface="+mn-ea"/>
+                <a:cs typeface="+mn-cs"/>
+              </a:rPr>
+              <a:t>But what if you could be </a:t>
+            </a:r>
+            <a:r>
+              <a:rPr lang="en-GB" sz="1200" b="0" i="1" kern="1200" dirty="0" smtClean="0">
+                <a:solidFill>
+                  <a:schemeClr val="tx1"/>
+                </a:solidFill>
+                <a:latin typeface="+mn-lt"/>
+                <a:ea typeface="+mn-ea"/>
+                <a:cs typeface="+mn-cs"/>
+              </a:rPr>
+              <a:t>sure</a:t>
+            </a:r>
+            <a:r>
+              <a:rPr lang="en-GB" sz="1200" b="0" i="0" kern="1200" dirty="0" smtClean="0">
+                <a:solidFill>
+                  <a:schemeClr val="tx1"/>
+                </a:solidFill>
+                <a:latin typeface="+mn-lt"/>
+                <a:ea typeface="+mn-ea"/>
+                <a:cs typeface="+mn-cs"/>
+              </a:rPr>
+              <a:t> that your cleaning did not break anything? What if you had the kind of certainty that I just mentioned? What if you could click a button and </a:t>
+            </a:r>
+            <a:r>
+              <a:rPr lang="en-GB" sz="1200" b="0" i="1" kern="1200" dirty="0" smtClean="0">
+                <a:solidFill>
+                  <a:schemeClr val="tx1"/>
+                </a:solidFill>
+                <a:latin typeface="+mn-lt"/>
+                <a:ea typeface="+mn-ea"/>
+                <a:cs typeface="+mn-cs"/>
+              </a:rPr>
+              <a:t>know</a:t>
+            </a:r>
+            <a:r>
+              <a:rPr lang="en-GB" sz="1200" b="0" i="0" kern="1200" dirty="0" smtClean="0">
+                <a:solidFill>
+                  <a:schemeClr val="tx1"/>
+                </a:solidFill>
+                <a:latin typeface="+mn-lt"/>
+                <a:ea typeface="+mn-ea"/>
+                <a:cs typeface="+mn-cs"/>
+              </a:rPr>
+              <a:t> within 90 seconds that your changes had broken nothing, </a:t>
+            </a:r>
+            <a:r>
+              <a:rPr lang="en-GB" sz="1200" b="0" i="1" kern="1200" dirty="0" smtClean="0">
+                <a:solidFill>
+                  <a:schemeClr val="tx1"/>
+                </a:solidFill>
+                <a:latin typeface="+mn-lt"/>
+                <a:ea typeface="+mn-ea"/>
+                <a:cs typeface="+mn-cs"/>
+              </a:rPr>
+              <a:t>and had only done good?</a:t>
+            </a:r>
+            <a:endParaRPr lang="en-GB" sz="1200" b="0" i="0" kern="1200" dirty="0" smtClean="0">
+              <a:solidFill>
+                <a:schemeClr val="tx1"/>
+              </a:solidFill>
+              <a:latin typeface="+mn-lt"/>
+              <a:ea typeface="+mn-ea"/>
+              <a:cs typeface="+mn-cs"/>
+            </a:endParaRPr>
+          </a:p>
+          <a:p>
+            <a:r>
+              <a:rPr lang="en-GB" sz="1200" b="0" i="0" kern="1200" dirty="0" smtClean="0">
+                <a:solidFill>
+                  <a:schemeClr val="tx1"/>
+                </a:solidFill>
+                <a:latin typeface="+mn-lt"/>
+                <a:ea typeface="+mn-ea"/>
+                <a:cs typeface="+mn-cs"/>
+              </a:rPr>
+              <a:t>This is one of the most powerful benefits of TDD. When you have a suite of tests that you trust, then you lose all fear of making changes. When you see bad code, you simply clean it on the spot. The code becomes clay that you can safely sculpt into simple and pleasing structures.</a:t>
+            </a:r>
+          </a:p>
+          <a:p>
+            <a:r>
+              <a:rPr lang="en-GB" sz="1200" b="0" i="0" kern="1200" dirty="0" smtClean="0">
+                <a:solidFill>
+                  <a:schemeClr val="tx1"/>
+                </a:solidFill>
+                <a:latin typeface="+mn-lt"/>
+                <a:ea typeface="+mn-ea"/>
+                <a:cs typeface="+mn-cs"/>
+              </a:rPr>
+              <a:t>When programmers lose the fear of cleaning, they clean! And clean code is easier to understand, easier to change, and easier to extend. Defects become even less likely because the code gets simpler. And the code base steadily </a:t>
+            </a:r>
+            <a:r>
+              <a:rPr lang="en-GB" sz="1200" b="0" i="1" kern="1200" dirty="0" smtClean="0">
+                <a:solidFill>
+                  <a:schemeClr val="tx1"/>
+                </a:solidFill>
+                <a:latin typeface="+mn-lt"/>
+                <a:ea typeface="+mn-ea"/>
+                <a:cs typeface="+mn-cs"/>
+              </a:rPr>
+              <a:t>improves</a:t>
+            </a:r>
+            <a:r>
+              <a:rPr lang="en-GB" sz="1200" b="0" i="0" kern="1200" dirty="0" smtClean="0">
+                <a:solidFill>
+                  <a:schemeClr val="tx1"/>
+                </a:solidFill>
+                <a:latin typeface="+mn-lt"/>
+                <a:ea typeface="+mn-ea"/>
+                <a:cs typeface="+mn-cs"/>
+              </a:rPr>
+              <a:t> instead of the normal rotting that our industry has become used to.</a:t>
+            </a:r>
+          </a:p>
+          <a:p>
+            <a:r>
+              <a:rPr lang="en-GB" sz="1200" b="0" i="0" kern="1200" dirty="0" smtClean="0">
+                <a:solidFill>
+                  <a:schemeClr val="tx1"/>
+                </a:solidFill>
+                <a:latin typeface="+mn-lt"/>
+                <a:ea typeface="+mn-ea"/>
+                <a:cs typeface="+mn-cs"/>
+              </a:rPr>
+              <a:t>What professional programmer would allow the rotting to continue?</a:t>
+            </a:r>
+          </a:p>
+          <a:p>
+            <a:endParaRPr lang="en-GB" dirty="0" smtClean="0"/>
+          </a:p>
+          <a:p>
+            <a:endParaRPr lang="en-US" dirty="0"/>
+          </a:p>
+        </p:txBody>
+      </p:sp>
+      <p:sp>
+        <p:nvSpPr>
+          <p:cNvPr id="4" name="Slide Number Placeholder 3"/>
           <p:cNvSpPr>
             <a:spLocks noGrp="1"/>
           </p:cNvSpPr>
@@ -5945,18 +6202,18 @@
           <a:bodyPr/>
           <a:lstStyle/>
           <a:p>
-            <a:fld id="{6047A338-E989-4FB8-9E79-C7D1C907295C}" type="slidenum">
-              <a:rPr lang="de-DE" smtClean="0"/>
-              <a:t>13</a:t>
+            <a:fld id="{3F54E12A-92D0-47AC-AF21-2897E92B62D5}" type="slidenum">
+              <a:rPr lang="en-US" smtClean="0"/>
+              <a:t>7</a:t>
             </a:fld>
-            <a:endParaRPr lang="de-DE"/>
+            <a:endParaRPr lang="en-US"/>
           </a:p>
         </p:txBody>
       </p:sp>
     </p:spTree>
     <p:extLst>
       <p:ext uri="{BB962C8B-B14F-4D97-AF65-F5344CB8AC3E}">
-        <p14:creationId xmlns:p14="http://schemas.microsoft.com/office/powerpoint/2010/main" val="1115997659"/>
+        <p14:creationId xmlns:p14="http://schemas.microsoft.com/office/powerpoint/2010/main" val="1064045778"/>
       </p:ext>
     </p:extLst>
   </p:cSld>
@@ -5985,7 +6242,7 @@
       </p:grpSpPr>
       <p:sp>
         <p:nvSpPr>
-          <p:cNvPr id="2" name="Folienbildplatzhalter 1"/>
+          <p:cNvPr id="2" name="Slide Image Placeholder 1"/>
           <p:cNvSpPr>
             <a:spLocks noGrp="1" noRot="1" noChangeAspect="1"/>
           </p:cNvSpPr>
@@ -5997,7 +6254,7 @@
       </p:sp>
       <p:sp>
         <p:nvSpPr>
-          <p:cNvPr id="3" name="Notizenplatzhalter 2"/>
+          <p:cNvPr id="3" name="Notes Placeholder 2"/>
           <p:cNvSpPr>
             <a:spLocks noGrp="1"/>
           </p:cNvSpPr>
@@ -6010,13 +6267,21 @@
           <a:bodyPr/>
           <a:lstStyle/>
           <a:p>
-            <a:endParaRPr lang="de-DE" dirty="0"/>
-          </a:p>
-        </p:txBody>
-      </p:sp>
-      <p:sp>
-        <p:nvSpPr>
-          <p:cNvPr id="4" name="Foliennummernplatzhalter 3"/>
+            <a:r>
+              <a:rPr lang="en-US" dirty="0" smtClean="0"/>
+              <a:t>You should be able to delete all your code and rebuild it using</a:t>
+            </a:r>
+            <a:r>
+              <a:rPr lang="en-US" baseline="0" dirty="0" smtClean="0"/>
+              <a:t> understanding of your tests .</a:t>
+            </a:r>
+            <a:endParaRPr lang="en-US" dirty="0"/>
+          </a:p>
+        </p:txBody>
+      </p:sp>
+      <p:sp>
+        <p:nvSpPr>
+          <p:cNvPr id="4" name="Slide Number Placeholder 3"/>
           <p:cNvSpPr>
             <a:spLocks noGrp="1"/>
           </p:cNvSpPr>
@@ -6029,18 +6294,18 @@
           <a:bodyPr/>
           <a:lstStyle/>
           <a:p>
-            <a:fld id="{6047A338-E989-4FB8-9E79-C7D1C907295C}" type="slidenum">
-              <a:rPr lang="de-DE" smtClean="0"/>
-              <a:t>16</a:t>
+            <a:fld id="{3F54E12A-92D0-47AC-AF21-2897E92B62D5}" type="slidenum">
+              <a:rPr lang="en-US" smtClean="0"/>
+              <a:t>8</a:t>
             </a:fld>
-            <a:endParaRPr lang="de-DE"/>
+            <a:endParaRPr lang="en-US"/>
           </a:p>
         </p:txBody>
       </p:sp>
     </p:spTree>
     <p:extLst>
       <p:ext uri="{BB962C8B-B14F-4D97-AF65-F5344CB8AC3E}">
-        <p14:creationId xmlns:p14="http://schemas.microsoft.com/office/powerpoint/2010/main" val="3892738945"/>
+        <p14:creationId xmlns:p14="http://schemas.microsoft.com/office/powerpoint/2010/main" val="2161750148"/>
       </p:ext>
     </p:extLst>
   </p:cSld>
@@ -6091,381 +6356,24 @@
         </p:nvSpPr>
         <p:spPr/>
         <p:txBody>
-          <a:bodyPr>
-            <a:normAutofit fontScale="77500" lnSpcReduction="20000"/>
-          </a:bodyPr>
-          <a:lstStyle/>
-          <a:p>
-            <a:pPr fontAlgn="base"/>
-            <a:r>
-              <a:rPr lang="en-US" sz="1200" b="0" i="0" kern="1200" dirty="0" smtClean="0">
-                <a:solidFill>
-                  <a:schemeClr val="tx1"/>
-                </a:solidFill>
-                <a:effectLst/>
-                <a:latin typeface="+mn-lt"/>
-                <a:ea typeface="+mn-ea"/>
-                <a:cs typeface="+mn-cs"/>
-              </a:rPr>
-              <a:t>For much of my career test automation meant tests that drove an application through its user-interface. Such tools would often provide the facility to record an interaction with the application and then allow you to play back that interaction, checking that the application returned the same results. Such an approach works well initially. It's easy to record tests, and the tests can be recorded by people with no knowledge of programming.</a:t>
-            </a:r>
-          </a:p>
-          <a:p>
-            <a:pPr fontAlgn="base"/>
-            <a:r>
-              <a:rPr lang="en-US" sz="1200" b="0" i="0" kern="1200" dirty="0" smtClean="0">
-                <a:solidFill>
-                  <a:schemeClr val="tx1"/>
-                </a:solidFill>
-                <a:effectLst/>
-                <a:latin typeface="+mn-lt"/>
-                <a:ea typeface="+mn-ea"/>
-                <a:cs typeface="+mn-cs"/>
-              </a:rPr>
-              <a:t>But this kind of approach quickly runs into trouble, becoming an </a:t>
-            </a:r>
-            <a:r>
-              <a:rPr lang="en-US" sz="1200" b="0" i="0" u="none" strike="noStrike" kern="1200" dirty="0" smtClean="0">
-                <a:solidFill>
-                  <a:schemeClr val="tx1"/>
-                </a:solidFill>
-                <a:effectLst/>
-                <a:latin typeface="+mn-lt"/>
-                <a:ea typeface="+mn-ea"/>
-                <a:cs typeface="+mn-cs"/>
-                <a:hlinkClick r:id="rId3"/>
-              </a:rPr>
-              <a:t>ice-cream cone</a:t>
-            </a:r>
-            <a:r>
-              <a:rPr lang="en-US" sz="1200" b="0" i="0" kern="1200" dirty="0" smtClean="0">
-                <a:solidFill>
-                  <a:schemeClr val="tx1"/>
-                </a:solidFill>
-                <a:effectLst/>
-                <a:latin typeface="+mn-lt"/>
-                <a:ea typeface="+mn-ea"/>
-                <a:cs typeface="+mn-cs"/>
-              </a:rPr>
-              <a:t>. Testing through the UI like this is slow, increasing build times. Often it requires installed </a:t>
-            </a:r>
-            <a:r>
-              <a:rPr lang="en-US" sz="1200" b="0" i="0" kern="1200" dirty="0" err="1" smtClean="0">
-                <a:solidFill>
-                  <a:schemeClr val="tx1"/>
-                </a:solidFill>
-                <a:effectLst/>
-                <a:latin typeface="+mn-lt"/>
-                <a:ea typeface="+mn-ea"/>
-                <a:cs typeface="+mn-cs"/>
-              </a:rPr>
-              <a:t>licences</a:t>
-            </a:r>
-            <a:r>
-              <a:rPr lang="en-US" sz="1200" b="0" i="0" kern="1200" dirty="0" smtClean="0">
-                <a:solidFill>
-                  <a:schemeClr val="tx1"/>
-                </a:solidFill>
-                <a:effectLst/>
-                <a:latin typeface="+mn-lt"/>
-                <a:ea typeface="+mn-ea"/>
-                <a:cs typeface="+mn-cs"/>
-              </a:rPr>
-              <a:t> for the test automation software, which means it can only be done on particular machines. Usually these cannot easily be run in a "headless" mode, monitored by scripts to put in a proper deployment pipeline.</a:t>
-            </a:r>
-          </a:p>
-          <a:p>
-            <a:pPr fontAlgn="base"/>
-            <a:r>
-              <a:rPr lang="en-US" sz="1200" b="0" i="0" kern="1200" dirty="0" smtClean="0">
-                <a:solidFill>
-                  <a:schemeClr val="tx1"/>
-                </a:solidFill>
-                <a:effectLst/>
-                <a:latin typeface="+mn-lt"/>
-                <a:ea typeface="+mn-ea"/>
-                <a:cs typeface="+mn-cs"/>
-              </a:rPr>
-              <a:t>Most importantly such tests are very brittle. An enhancement to the system can easily end up breaking lots of such tests, which then have to be re-recorded. You can reduce this problem by abandoning record-playback tools, but that makes the tests harder to write. </a:t>
-            </a:r>
-            <a:r>
-              <a:rPr lang="en-US" sz="1200" b="0" i="0" u="none" strike="noStrike" kern="1200" dirty="0" smtClean="0">
-                <a:solidFill>
-                  <a:schemeClr val="tx1"/>
-                </a:solidFill>
-                <a:effectLst/>
-                <a:latin typeface="+mn-lt"/>
-                <a:ea typeface="+mn-ea"/>
-                <a:cs typeface="+mn-cs"/>
-                <a:hlinkClick r:id="rId4"/>
-              </a:rPr>
-              <a:t>[1]</a:t>
-            </a:r>
-            <a:r>
-              <a:rPr lang="en-US" sz="1200" b="0" i="0" kern="1200" dirty="0" smtClean="0">
-                <a:solidFill>
-                  <a:schemeClr val="tx1"/>
-                </a:solidFill>
-                <a:effectLst/>
-                <a:latin typeface="+mn-lt"/>
-                <a:ea typeface="+mn-ea"/>
-                <a:cs typeface="+mn-cs"/>
-              </a:rPr>
-              <a:t> Even with good practices on writing them, end-to-end tests are more prone to </a:t>
-            </a:r>
-            <a:r>
-              <a:rPr lang="en-US" sz="1200" b="0" i="0" u="none" strike="noStrike" kern="1200" dirty="0" smtClean="0">
-                <a:solidFill>
-                  <a:schemeClr val="tx1"/>
-                </a:solidFill>
-                <a:effectLst/>
-                <a:latin typeface="+mn-lt"/>
-                <a:ea typeface="+mn-ea"/>
-                <a:cs typeface="+mn-cs"/>
-                <a:hlinkClick r:id="rId5"/>
-              </a:rPr>
-              <a:t>non-determinism problems</a:t>
-            </a:r>
-            <a:r>
-              <a:rPr lang="en-US" sz="1200" b="0" i="0" kern="1200" dirty="0" smtClean="0">
-                <a:solidFill>
-                  <a:schemeClr val="tx1"/>
-                </a:solidFill>
-                <a:effectLst/>
-                <a:latin typeface="+mn-lt"/>
-                <a:ea typeface="+mn-ea"/>
-                <a:cs typeface="+mn-cs"/>
-              </a:rPr>
-              <a:t>, which can undermine trust in them. In short, tests that run end-to-end through the UI are: brittle, expensive to write, and time consuming to run. So the pyramid argues that you should do much more automated testing through unit tests than you should through traditional GUI based testing. </a:t>
-            </a:r>
-            <a:r>
-              <a:rPr lang="en-US" sz="1200" b="0" i="0" u="none" strike="noStrike" kern="1200" dirty="0" smtClean="0">
-                <a:solidFill>
-                  <a:schemeClr val="tx1"/>
-                </a:solidFill>
-                <a:effectLst/>
-                <a:latin typeface="+mn-lt"/>
-                <a:ea typeface="+mn-ea"/>
-                <a:cs typeface="+mn-cs"/>
-                <a:hlinkClick r:id="rId6"/>
-              </a:rPr>
-              <a:t>[2]</a:t>
-            </a:r>
-            <a:endParaRPr lang="en-US" sz="1200" b="0" i="0" kern="1200" dirty="0" smtClean="0">
-              <a:solidFill>
-                <a:schemeClr val="tx1"/>
-              </a:solidFill>
-              <a:effectLst/>
-              <a:latin typeface="+mn-lt"/>
-              <a:ea typeface="+mn-ea"/>
-              <a:cs typeface="+mn-cs"/>
-            </a:endParaRPr>
-          </a:p>
-          <a:p>
-            <a:pPr fontAlgn="base"/>
-            <a:r>
-              <a:rPr lang="en-US" sz="1200" b="0" i="0" kern="1200" dirty="0" smtClean="0">
-                <a:solidFill>
-                  <a:schemeClr val="tx1"/>
-                </a:solidFill>
-                <a:effectLst/>
-                <a:latin typeface="+mn-lt"/>
-                <a:ea typeface="+mn-ea"/>
-                <a:cs typeface="+mn-cs"/>
-              </a:rPr>
-              <a:t>The pyramid also argues for an intermediate layer of tests that act through a service layer of an application, what I refer to </a:t>
-            </a:r>
-            <a:r>
-              <a:rPr lang="en-US" sz="1200" b="0" i="0" kern="1200" dirty="0" err="1" smtClean="0">
-                <a:solidFill>
-                  <a:schemeClr val="tx1"/>
-                </a:solidFill>
-                <a:effectLst/>
-                <a:latin typeface="+mn-lt"/>
-                <a:ea typeface="+mn-ea"/>
-                <a:cs typeface="+mn-cs"/>
-              </a:rPr>
-              <a:t>as</a:t>
-            </a:r>
-            <a:r>
-              <a:rPr lang="en-US" sz="1200" b="0" i="0" u="none" strike="noStrike" kern="1200" dirty="0" err="1" smtClean="0">
-                <a:solidFill>
-                  <a:schemeClr val="tx1"/>
-                </a:solidFill>
-                <a:effectLst/>
-                <a:latin typeface="+mn-lt"/>
-                <a:ea typeface="+mn-ea"/>
-                <a:cs typeface="+mn-cs"/>
-                <a:hlinkClick r:id="rId7"/>
-              </a:rPr>
-              <a:t>SubcutaneousTests</a:t>
-            </a:r>
-            <a:r>
-              <a:rPr lang="en-US" sz="1200" b="0" i="0" kern="1200" dirty="0" smtClean="0">
-                <a:solidFill>
-                  <a:schemeClr val="tx1"/>
-                </a:solidFill>
-                <a:effectLst/>
-                <a:latin typeface="+mn-lt"/>
-                <a:ea typeface="+mn-ea"/>
-                <a:cs typeface="+mn-cs"/>
-              </a:rPr>
-              <a:t>. These can provide many of the advantages of end-to-end tests but avoid many of the complexities of dealing with UI frameworks. In web applications this would correspond to testing through an API layer while the top UI part of the pyramid would correspond to tests using something like </a:t>
-            </a:r>
-            <a:r>
-              <a:rPr lang="en-US" sz="1200" b="0" i="0" u="none" strike="noStrike" kern="1200" dirty="0" smtClean="0">
-                <a:solidFill>
-                  <a:schemeClr val="tx1"/>
-                </a:solidFill>
-                <a:effectLst/>
-                <a:latin typeface="+mn-lt"/>
-                <a:ea typeface="+mn-ea"/>
-                <a:cs typeface="+mn-cs"/>
-                <a:hlinkClick r:id="rId8"/>
-              </a:rPr>
-              <a:t>Selenium</a:t>
-            </a:r>
-            <a:r>
-              <a:rPr lang="en-US" sz="1200" b="0" i="0" kern="1200" dirty="0" smtClean="0">
-                <a:solidFill>
-                  <a:schemeClr val="tx1"/>
-                </a:solidFill>
-                <a:effectLst/>
-                <a:latin typeface="+mn-lt"/>
-                <a:ea typeface="+mn-ea"/>
-                <a:cs typeface="+mn-cs"/>
-              </a:rPr>
-              <a:t> or </a:t>
-            </a:r>
-            <a:r>
-              <a:rPr lang="en-US" sz="1200" b="0" i="0" kern="1200" dirty="0" err="1" smtClean="0">
-                <a:solidFill>
-                  <a:schemeClr val="tx1"/>
-                </a:solidFill>
-                <a:effectLst/>
-                <a:latin typeface="+mn-lt"/>
-                <a:ea typeface="+mn-ea"/>
-                <a:cs typeface="+mn-cs"/>
-              </a:rPr>
-              <a:t>Sahi</a:t>
-            </a:r>
-            <a:r>
-              <a:rPr lang="en-US" sz="1200" b="0" i="0" kern="1200" dirty="0" smtClean="0">
-                <a:solidFill>
-                  <a:schemeClr val="tx1"/>
-                </a:solidFill>
-                <a:effectLst/>
-                <a:latin typeface="+mn-lt"/>
-                <a:ea typeface="+mn-ea"/>
-                <a:cs typeface="+mn-cs"/>
-              </a:rPr>
-              <a:t>.</a:t>
-            </a:r>
-          </a:p>
-          <a:p>
-            <a:pPr fontAlgn="base"/>
-            <a:r>
-              <a:rPr lang="en-US" sz="1200" b="0" i="0" kern="1200" dirty="0" smtClean="0">
-                <a:solidFill>
-                  <a:schemeClr val="tx1"/>
-                </a:solidFill>
-                <a:effectLst/>
-                <a:latin typeface="+mn-lt"/>
-                <a:ea typeface="+mn-ea"/>
-                <a:cs typeface="+mn-cs"/>
-              </a:rPr>
-              <a:t>The test pyramid comes up a lot in Agile testing circles and while its core message is sound, there is much more to say about building a well-balanced test portfolio. A common problem is that teams conflate the concepts of end-to-end tests, UI tests, and customer facing tests. These are all orthogonal characteristics. For example a rich </a:t>
-            </a:r>
-            <a:r>
-              <a:rPr lang="en-US" sz="1200" b="0" i="0" kern="1200" dirty="0" err="1" smtClean="0">
-                <a:solidFill>
-                  <a:schemeClr val="tx1"/>
-                </a:solidFill>
-                <a:effectLst/>
-                <a:latin typeface="+mn-lt"/>
-                <a:ea typeface="+mn-ea"/>
-                <a:cs typeface="+mn-cs"/>
-              </a:rPr>
-              <a:t>javascript</a:t>
-            </a:r>
-            <a:r>
-              <a:rPr lang="en-US" sz="1200" b="0" i="0" kern="1200" dirty="0" smtClean="0">
-                <a:solidFill>
-                  <a:schemeClr val="tx1"/>
-                </a:solidFill>
-                <a:effectLst/>
-                <a:latin typeface="+mn-lt"/>
-                <a:ea typeface="+mn-ea"/>
-                <a:cs typeface="+mn-cs"/>
-              </a:rPr>
-              <a:t> UI should have most of its UI behavior tested with </a:t>
-            </a:r>
-            <a:r>
-              <a:rPr lang="en-US" sz="1200" b="0" i="0" kern="1200" dirty="0" err="1" smtClean="0">
-                <a:solidFill>
-                  <a:schemeClr val="tx1"/>
-                </a:solidFill>
-                <a:effectLst/>
-                <a:latin typeface="+mn-lt"/>
-                <a:ea typeface="+mn-ea"/>
-                <a:cs typeface="+mn-cs"/>
-              </a:rPr>
-              <a:t>javascript</a:t>
-            </a:r>
-            <a:r>
-              <a:rPr lang="en-US" sz="1200" b="0" i="0" kern="1200" dirty="0" smtClean="0">
-                <a:solidFill>
-                  <a:schemeClr val="tx1"/>
-                </a:solidFill>
-                <a:effectLst/>
-                <a:latin typeface="+mn-lt"/>
-                <a:ea typeface="+mn-ea"/>
-                <a:cs typeface="+mn-cs"/>
-              </a:rPr>
-              <a:t> unit tests using something like </a:t>
-            </a:r>
-            <a:r>
-              <a:rPr lang="en-US" sz="1200" b="0" i="0" u="none" strike="noStrike" kern="1200" dirty="0" smtClean="0">
-                <a:solidFill>
-                  <a:schemeClr val="tx1"/>
-                </a:solidFill>
-                <a:effectLst/>
-                <a:latin typeface="+mn-lt"/>
-                <a:ea typeface="+mn-ea"/>
-                <a:cs typeface="+mn-cs"/>
-                <a:hlinkClick r:id="rId9"/>
-              </a:rPr>
-              <a:t>Jasmine</a:t>
-            </a:r>
-            <a:r>
-              <a:rPr lang="en-US" sz="1200" b="0" i="0" kern="1200" dirty="0" smtClean="0">
-                <a:solidFill>
-                  <a:schemeClr val="tx1"/>
-                </a:solidFill>
-                <a:effectLst/>
-                <a:latin typeface="+mn-lt"/>
-                <a:ea typeface="+mn-ea"/>
-                <a:cs typeface="+mn-cs"/>
-              </a:rPr>
-              <a:t>. A complex set of business rules could have tests captured in a customer-facing form, but run just on the relevant module much as unit tests are.</a:t>
-            </a:r>
-          </a:p>
-          <a:p>
-            <a:pPr fontAlgn="base"/>
-            <a:r>
-              <a:rPr lang="en-US" sz="1200" b="0" i="0" kern="1200" dirty="0" smtClean="0">
-                <a:solidFill>
-                  <a:schemeClr val="tx1"/>
-                </a:solidFill>
-                <a:effectLst/>
-                <a:latin typeface="+mn-lt"/>
-                <a:ea typeface="+mn-ea"/>
-                <a:cs typeface="+mn-cs"/>
-              </a:rPr>
-              <a:t>I always argue that high-level tests are there as a second line of test defense. If you get a failure in a high level test, not just do you have a bug in your functional code, you also have a missing or incorrect unit test. Thus I advise that before fixing a bug exposed by a high level test, you should replicate the bug with a unit test. Then the unit test ensures the bug stays dead</a:t>
-            </a:r>
-          </a:p>
-          <a:p>
+          <a:bodyPr/>
+          <a:lstStyle/>
+          <a:p>
+            <a:r>
+              <a:rPr lang="en-US" dirty="0" smtClean="0"/>
+              <a:t>but with differences in style since the two types of code serve different purposes. Test code should describe what the production code does. </a:t>
+            </a:r>
+            <a:endParaRPr lang="en-US" dirty="0" smtClean="0"/>
+          </a:p>
+          <a:p>
+            <a:r>
+              <a:rPr lang="en-US" dirty="0" smtClean="0"/>
+              <a:t>That </a:t>
+            </a:r>
+            <a:r>
+              <a:rPr lang="en-US" dirty="0" smtClean="0"/>
+              <a:t>means that it tends to be concrete about the values it uses as examples of what results to expect, but abstract about how the code works</a:t>
+            </a:r>
             <a:endParaRPr lang="en-US" dirty="0"/>
           </a:p>
         </p:txBody>
@@ -6488,7 +6396,7 @@
             <a:fld id="{5783D7AA-6A74-42C9-8D9C-C1060C84B8E4}" type="slidenum">
               <a:rPr lang="en-US" smtClean="0"/>
               <a:pPr/>
-              <a:t>18</a:t>
+              <a:t>9</a:t>
             </a:fld>
             <a:endParaRPr lang="en-US"/>
           </a:p>
@@ -6497,7 +6405,7 @@
     </p:spTree>
     <p:extLst>
       <p:ext uri="{BB962C8B-B14F-4D97-AF65-F5344CB8AC3E}">
-        <p14:creationId xmlns:p14="http://schemas.microsoft.com/office/powerpoint/2010/main" val="4164075983"/>
+        <p14:creationId xmlns:p14="http://schemas.microsoft.com/office/powerpoint/2010/main" val="2030991960"/>
       </p:ext>
     </p:extLst>
   </p:cSld>
@@ -6526,7 +6434,7 @@
       </p:grpSpPr>
       <p:sp>
         <p:nvSpPr>
-          <p:cNvPr id="2" name="Folienbildplatzhalter 1"/>
+          <p:cNvPr id="2" name="Slide Image Placeholder 1"/>
           <p:cNvSpPr>
             <a:spLocks noGrp="1" noRot="1" noChangeAspect="1"/>
           </p:cNvSpPr>
@@ -6538,7 +6446,7 @@
       </p:sp>
       <p:sp>
         <p:nvSpPr>
-          <p:cNvPr id="3" name="Notizenplatzhalter 2"/>
+          <p:cNvPr id="3" name="Notes Placeholder 2"/>
           <p:cNvSpPr>
             <a:spLocks noGrp="1"/>
           </p:cNvSpPr>
@@ -6548,40 +6456,56 @@
         </p:nvSpPr>
         <p:spPr/>
         <p:txBody>
+          <a:bodyPr>
+            <a:normAutofit/>
+          </a:bodyPr>
+          <a:lstStyle/>
+          <a:p>
+            <a:r>
+              <a:rPr lang="en-US" dirty="0" smtClean="0"/>
+              <a:t>If test is not readable , it’s difficult to understand for new developer . We write test so that it fail in the future when something goes wrong so readability is very important  so that we can fix it easily</a:t>
+            </a:r>
+          </a:p>
+          <a:p>
+            <a:endParaRPr lang="en-US" dirty="0" smtClean="0"/>
+          </a:p>
+          <a:p>
+            <a:r>
+              <a:rPr lang="en-US" dirty="0" smtClean="0"/>
+              <a:t>Follow “Arrange , Act , Assert”</a:t>
+            </a:r>
+            <a:endParaRPr lang="en-GB" dirty="0"/>
+          </a:p>
+        </p:txBody>
+      </p:sp>
+      <p:sp>
+        <p:nvSpPr>
+          <p:cNvPr id="4" name="Slide Number Placeholder 3"/>
+          <p:cNvSpPr>
+            <a:spLocks noGrp="1"/>
+          </p:cNvSpPr>
+          <p:nvPr>
+            <p:ph type="sldNum" sz="quarter" idx="10"/>
+          </p:nvPr>
+        </p:nvSpPr>
+        <p:spPr/>
+        <p:txBody>
           <a:bodyPr/>
           <a:lstStyle/>
           <a:p>
-            <a:endParaRPr lang="de-DE" dirty="0"/>
-          </a:p>
-        </p:txBody>
-      </p:sp>
-      <p:sp>
-        <p:nvSpPr>
-          <p:cNvPr id="4" name="Foliennummernplatzhalter 3"/>
-          <p:cNvSpPr>
-            <a:spLocks noGrp="1"/>
-          </p:cNvSpPr>
-          <p:nvPr>
-            <p:ph type="sldNum" sz="quarter" idx="10"/>
-          </p:nvPr>
-        </p:nvSpPr>
-        <p:spPr/>
-        <p:txBody>
-          <a:bodyPr/>
-          <a:lstStyle/>
-          <a:p>
-            <a:fld id="{6047A338-E989-4FB8-9E79-C7D1C907295C}" type="slidenum">
-              <a:rPr lang="de-DE" smtClean="0"/>
-              <a:t>20</a:t>
+            <a:fld id="{5783D7AA-6A74-42C9-8D9C-C1060C84B8E4}" type="slidenum">
+              <a:rPr lang="en-US" smtClean="0"/>
+              <a:pPr/>
+              <a:t>15</a:t>
             </a:fld>
-            <a:endParaRPr lang="de-DE"/>
+            <a:endParaRPr lang="en-US"/>
           </a:p>
         </p:txBody>
       </p:sp>
     </p:spTree>
     <p:extLst>
       <p:ext uri="{BB962C8B-B14F-4D97-AF65-F5344CB8AC3E}">
-        <p14:creationId xmlns:p14="http://schemas.microsoft.com/office/powerpoint/2010/main" val="3132763107"/>
+        <p14:creationId xmlns:p14="http://schemas.microsoft.com/office/powerpoint/2010/main" val="593884257"/>
       </p:ext>
     </p:extLst>
   </p:cSld>
@@ -6610,7 +6534,7 @@
       </p:grpSpPr>
       <p:sp>
         <p:nvSpPr>
-          <p:cNvPr id="2" name="Folienbildplatzhalter 1"/>
+          <p:cNvPr id="2" name="Slide Image Placeholder 1"/>
           <p:cNvSpPr>
             <a:spLocks noGrp="1" noRot="1" noChangeAspect="1"/>
           </p:cNvSpPr>
@@ -6622,7 +6546,7 @@
       </p:sp>
       <p:sp>
         <p:nvSpPr>
-          <p:cNvPr id="3" name="Notizenplatzhalter 2"/>
+          <p:cNvPr id="3" name="Notes Placeholder 2"/>
           <p:cNvSpPr>
             <a:spLocks noGrp="1"/>
           </p:cNvSpPr>
@@ -6632,40 +6556,413 @@
         </p:nvSpPr>
         <p:spPr/>
         <p:txBody>
+          <a:bodyPr>
+            <a:normAutofit fontScale="77500" lnSpcReduction="20000"/>
+          </a:bodyPr>
+          <a:lstStyle/>
+          <a:p>
+            <a:pPr fontAlgn="base"/>
+            <a:r>
+              <a:rPr lang="en-US" sz="1200" b="0" i="0" kern="1200" dirty="0" smtClean="0">
+                <a:solidFill>
+                  <a:schemeClr val="tx1"/>
+                </a:solidFill>
+                <a:effectLst/>
+                <a:latin typeface="+mn-lt"/>
+                <a:ea typeface="+mn-ea"/>
+                <a:cs typeface="+mn-cs"/>
+              </a:rPr>
+              <a:t>For much of my career test automation meant tests that drove an application through its user-interface. Such tools would often provide the facility to record an interaction with the application and then allow you to play back that interaction, checking that the application returned the same results. Such an approach works well initially. It's easy to record tests, and the tests can be recorded by people with no knowledge of programming.</a:t>
+            </a:r>
+          </a:p>
+          <a:p>
+            <a:pPr fontAlgn="base"/>
+            <a:r>
+              <a:rPr lang="en-US" sz="1200" b="0" i="0" kern="1200" dirty="0" smtClean="0">
+                <a:solidFill>
+                  <a:schemeClr val="tx1"/>
+                </a:solidFill>
+                <a:effectLst/>
+                <a:latin typeface="+mn-lt"/>
+                <a:ea typeface="+mn-ea"/>
+                <a:cs typeface="+mn-cs"/>
+              </a:rPr>
+              <a:t>But this kind of approach quickly runs into trouble, becoming an </a:t>
+            </a:r>
+            <a:r>
+              <a:rPr lang="en-US" sz="1200" b="0" i="0" u="none" strike="noStrike" kern="1200" dirty="0" smtClean="0">
+                <a:solidFill>
+                  <a:schemeClr val="tx1"/>
+                </a:solidFill>
+                <a:effectLst/>
+                <a:latin typeface="+mn-lt"/>
+                <a:ea typeface="+mn-ea"/>
+                <a:cs typeface="+mn-cs"/>
+                <a:hlinkClick r:id="rId3"/>
+              </a:rPr>
+              <a:t>ice-cream cone</a:t>
+            </a:r>
+            <a:r>
+              <a:rPr lang="en-US" sz="1200" b="0" i="0" kern="1200" dirty="0" smtClean="0">
+                <a:solidFill>
+                  <a:schemeClr val="tx1"/>
+                </a:solidFill>
+                <a:effectLst/>
+                <a:latin typeface="+mn-lt"/>
+                <a:ea typeface="+mn-ea"/>
+                <a:cs typeface="+mn-cs"/>
+              </a:rPr>
+              <a:t>. Testing through the UI like this is slow, increasing build times. Often it requires installed </a:t>
+            </a:r>
+            <a:r>
+              <a:rPr lang="en-US" sz="1200" b="0" i="0" kern="1200" dirty="0" err="1" smtClean="0">
+                <a:solidFill>
+                  <a:schemeClr val="tx1"/>
+                </a:solidFill>
+                <a:effectLst/>
+                <a:latin typeface="+mn-lt"/>
+                <a:ea typeface="+mn-ea"/>
+                <a:cs typeface="+mn-cs"/>
+              </a:rPr>
+              <a:t>licences</a:t>
+            </a:r>
+            <a:r>
+              <a:rPr lang="en-US" sz="1200" b="0" i="0" kern="1200" dirty="0" smtClean="0">
+                <a:solidFill>
+                  <a:schemeClr val="tx1"/>
+                </a:solidFill>
+                <a:effectLst/>
+                <a:latin typeface="+mn-lt"/>
+                <a:ea typeface="+mn-ea"/>
+                <a:cs typeface="+mn-cs"/>
+              </a:rPr>
+              <a:t> for the test automation software, which means it can only be done on particular machines. Usually these cannot easily be run in a "headless" mode, monitored by scripts to put in a proper deployment pipeline.</a:t>
+            </a:r>
+          </a:p>
+          <a:p>
+            <a:pPr fontAlgn="base"/>
+            <a:r>
+              <a:rPr lang="en-US" sz="1200" b="0" i="0" kern="1200" dirty="0" smtClean="0">
+                <a:solidFill>
+                  <a:schemeClr val="tx1"/>
+                </a:solidFill>
+                <a:effectLst/>
+                <a:latin typeface="+mn-lt"/>
+                <a:ea typeface="+mn-ea"/>
+                <a:cs typeface="+mn-cs"/>
+              </a:rPr>
+              <a:t>Most importantly such tests are very brittle. An enhancement to the system can easily end up breaking lots of such tests, which then have to be re-recorded. You can reduce this problem by abandoning record-playback tools, but that makes the tests harder to write. </a:t>
+            </a:r>
+            <a:r>
+              <a:rPr lang="en-US" sz="1200" b="0" i="0" u="none" strike="noStrike" kern="1200" dirty="0" smtClean="0">
+                <a:solidFill>
+                  <a:schemeClr val="tx1"/>
+                </a:solidFill>
+                <a:effectLst/>
+                <a:latin typeface="+mn-lt"/>
+                <a:ea typeface="+mn-ea"/>
+                <a:cs typeface="+mn-cs"/>
+                <a:hlinkClick r:id="rId4"/>
+              </a:rPr>
+              <a:t>[1]</a:t>
+            </a:r>
+            <a:r>
+              <a:rPr lang="en-US" sz="1200" b="0" i="0" kern="1200" dirty="0" smtClean="0">
+                <a:solidFill>
+                  <a:schemeClr val="tx1"/>
+                </a:solidFill>
+                <a:effectLst/>
+                <a:latin typeface="+mn-lt"/>
+                <a:ea typeface="+mn-ea"/>
+                <a:cs typeface="+mn-cs"/>
+              </a:rPr>
+              <a:t> Even with good practices on writing them, end-to-end tests are more prone to </a:t>
+            </a:r>
+            <a:r>
+              <a:rPr lang="en-US" sz="1200" b="0" i="0" u="none" strike="noStrike" kern="1200" dirty="0" smtClean="0">
+                <a:solidFill>
+                  <a:schemeClr val="tx1"/>
+                </a:solidFill>
+                <a:effectLst/>
+                <a:latin typeface="+mn-lt"/>
+                <a:ea typeface="+mn-ea"/>
+                <a:cs typeface="+mn-cs"/>
+                <a:hlinkClick r:id="rId5"/>
+              </a:rPr>
+              <a:t>non-determinism problems</a:t>
+            </a:r>
+            <a:r>
+              <a:rPr lang="en-US" sz="1200" b="0" i="0" kern="1200" dirty="0" smtClean="0">
+                <a:solidFill>
+                  <a:schemeClr val="tx1"/>
+                </a:solidFill>
+                <a:effectLst/>
+                <a:latin typeface="+mn-lt"/>
+                <a:ea typeface="+mn-ea"/>
+                <a:cs typeface="+mn-cs"/>
+              </a:rPr>
+              <a:t>, which can undermine trust in them. In short, tests that run end-to-end through the UI are: brittle, expensive to write, and time consuming to run. So the pyramid argues that you should do much more automated testing through unit tests than you should through traditional GUI based testing. </a:t>
+            </a:r>
+            <a:r>
+              <a:rPr lang="en-US" sz="1200" b="0" i="0" u="none" strike="noStrike" kern="1200" dirty="0" smtClean="0">
+                <a:solidFill>
+                  <a:schemeClr val="tx1"/>
+                </a:solidFill>
+                <a:effectLst/>
+                <a:latin typeface="+mn-lt"/>
+                <a:ea typeface="+mn-ea"/>
+                <a:cs typeface="+mn-cs"/>
+                <a:hlinkClick r:id="rId6"/>
+              </a:rPr>
+              <a:t>[2]</a:t>
+            </a:r>
+            <a:endParaRPr lang="en-US" sz="1200" b="0" i="0" kern="1200" dirty="0" smtClean="0">
+              <a:solidFill>
+                <a:schemeClr val="tx1"/>
+              </a:solidFill>
+              <a:effectLst/>
+              <a:latin typeface="+mn-lt"/>
+              <a:ea typeface="+mn-ea"/>
+              <a:cs typeface="+mn-cs"/>
+            </a:endParaRPr>
+          </a:p>
+          <a:p>
+            <a:pPr fontAlgn="base"/>
+            <a:r>
+              <a:rPr lang="en-US" sz="1200" b="0" i="0" kern="1200" dirty="0" smtClean="0">
+                <a:solidFill>
+                  <a:schemeClr val="tx1"/>
+                </a:solidFill>
+                <a:effectLst/>
+                <a:latin typeface="+mn-lt"/>
+                <a:ea typeface="+mn-ea"/>
+                <a:cs typeface="+mn-cs"/>
+              </a:rPr>
+              <a:t>The pyramid also argues for an intermediate layer of tests that act through a service layer of an application, what I refer to </a:t>
+            </a:r>
+            <a:r>
+              <a:rPr lang="en-US" sz="1200" b="0" i="0" kern="1200" dirty="0" err="1" smtClean="0">
+                <a:solidFill>
+                  <a:schemeClr val="tx1"/>
+                </a:solidFill>
+                <a:effectLst/>
+                <a:latin typeface="+mn-lt"/>
+                <a:ea typeface="+mn-ea"/>
+                <a:cs typeface="+mn-cs"/>
+              </a:rPr>
+              <a:t>as</a:t>
+            </a:r>
+            <a:r>
+              <a:rPr lang="en-US" sz="1200" b="0" i="0" u="none" strike="noStrike" kern="1200" dirty="0" err="1" smtClean="0">
+                <a:solidFill>
+                  <a:schemeClr val="tx1"/>
+                </a:solidFill>
+                <a:effectLst/>
+                <a:latin typeface="+mn-lt"/>
+                <a:ea typeface="+mn-ea"/>
+                <a:cs typeface="+mn-cs"/>
+                <a:hlinkClick r:id="rId7"/>
+              </a:rPr>
+              <a:t>SubcutaneousTests</a:t>
+            </a:r>
+            <a:r>
+              <a:rPr lang="en-US" sz="1200" b="0" i="0" kern="1200" dirty="0" smtClean="0">
+                <a:solidFill>
+                  <a:schemeClr val="tx1"/>
+                </a:solidFill>
+                <a:effectLst/>
+                <a:latin typeface="+mn-lt"/>
+                <a:ea typeface="+mn-ea"/>
+                <a:cs typeface="+mn-cs"/>
+              </a:rPr>
+              <a:t>. These can provide many of the advantages of end-to-end tests but avoid many of the complexities of dealing with UI frameworks. In web applications this would correspond to testing through an API layer while the top UI part of the pyramid would correspond to tests using something like </a:t>
+            </a:r>
+            <a:r>
+              <a:rPr lang="en-US" sz="1200" b="0" i="0" u="none" strike="noStrike" kern="1200" dirty="0" smtClean="0">
+                <a:solidFill>
+                  <a:schemeClr val="tx1"/>
+                </a:solidFill>
+                <a:effectLst/>
+                <a:latin typeface="+mn-lt"/>
+                <a:ea typeface="+mn-ea"/>
+                <a:cs typeface="+mn-cs"/>
+                <a:hlinkClick r:id="rId8"/>
+              </a:rPr>
+              <a:t>Selenium</a:t>
+            </a:r>
+            <a:r>
+              <a:rPr lang="en-US" sz="1200" b="0" i="0" kern="1200" dirty="0" smtClean="0">
+                <a:solidFill>
+                  <a:schemeClr val="tx1"/>
+                </a:solidFill>
+                <a:effectLst/>
+                <a:latin typeface="+mn-lt"/>
+                <a:ea typeface="+mn-ea"/>
+                <a:cs typeface="+mn-cs"/>
+              </a:rPr>
+              <a:t> or </a:t>
+            </a:r>
+            <a:r>
+              <a:rPr lang="en-US" sz="1200" b="0" i="0" kern="1200" dirty="0" err="1" smtClean="0">
+                <a:solidFill>
+                  <a:schemeClr val="tx1"/>
+                </a:solidFill>
+                <a:effectLst/>
+                <a:latin typeface="+mn-lt"/>
+                <a:ea typeface="+mn-ea"/>
+                <a:cs typeface="+mn-cs"/>
+              </a:rPr>
+              <a:t>Sahi</a:t>
+            </a:r>
+            <a:r>
+              <a:rPr lang="en-US" sz="1200" b="0" i="0" kern="1200" dirty="0" smtClean="0">
+                <a:solidFill>
+                  <a:schemeClr val="tx1"/>
+                </a:solidFill>
+                <a:effectLst/>
+                <a:latin typeface="+mn-lt"/>
+                <a:ea typeface="+mn-ea"/>
+                <a:cs typeface="+mn-cs"/>
+              </a:rPr>
+              <a:t>.</a:t>
+            </a:r>
+          </a:p>
+          <a:p>
+            <a:pPr fontAlgn="base"/>
+            <a:r>
+              <a:rPr lang="en-US" sz="1200" b="0" i="0" kern="1200" dirty="0" smtClean="0">
+                <a:solidFill>
+                  <a:schemeClr val="tx1"/>
+                </a:solidFill>
+                <a:effectLst/>
+                <a:latin typeface="+mn-lt"/>
+                <a:ea typeface="+mn-ea"/>
+                <a:cs typeface="+mn-cs"/>
+              </a:rPr>
+              <a:t>The test pyramid comes up a lot in Agile testing circles and while its core message is sound, there is much more to say about building a well-balanced test portfolio. A common problem is that teams conflate the concepts of end-to-end tests, UI tests, and customer facing tests. These are all orthogonal characteristics. For example a rich </a:t>
+            </a:r>
+            <a:r>
+              <a:rPr lang="en-US" sz="1200" b="0" i="0" kern="1200" dirty="0" err="1" smtClean="0">
+                <a:solidFill>
+                  <a:schemeClr val="tx1"/>
+                </a:solidFill>
+                <a:effectLst/>
+                <a:latin typeface="+mn-lt"/>
+                <a:ea typeface="+mn-ea"/>
+                <a:cs typeface="+mn-cs"/>
+              </a:rPr>
+              <a:t>javascript</a:t>
+            </a:r>
+            <a:r>
+              <a:rPr lang="en-US" sz="1200" b="0" i="0" kern="1200" dirty="0" smtClean="0">
+                <a:solidFill>
+                  <a:schemeClr val="tx1"/>
+                </a:solidFill>
+                <a:effectLst/>
+                <a:latin typeface="+mn-lt"/>
+                <a:ea typeface="+mn-ea"/>
+                <a:cs typeface="+mn-cs"/>
+              </a:rPr>
+              <a:t> UI should have most of its UI behavior tested with </a:t>
+            </a:r>
+            <a:r>
+              <a:rPr lang="en-US" sz="1200" b="0" i="0" kern="1200" dirty="0" err="1" smtClean="0">
+                <a:solidFill>
+                  <a:schemeClr val="tx1"/>
+                </a:solidFill>
+                <a:effectLst/>
+                <a:latin typeface="+mn-lt"/>
+                <a:ea typeface="+mn-ea"/>
+                <a:cs typeface="+mn-cs"/>
+              </a:rPr>
+              <a:t>javascript</a:t>
+            </a:r>
+            <a:r>
+              <a:rPr lang="en-US" sz="1200" b="0" i="0" kern="1200" dirty="0" smtClean="0">
+                <a:solidFill>
+                  <a:schemeClr val="tx1"/>
+                </a:solidFill>
+                <a:effectLst/>
+                <a:latin typeface="+mn-lt"/>
+                <a:ea typeface="+mn-ea"/>
+                <a:cs typeface="+mn-cs"/>
+              </a:rPr>
+              <a:t> unit tests using something like </a:t>
+            </a:r>
+            <a:r>
+              <a:rPr lang="en-US" sz="1200" b="0" i="0" u="none" strike="noStrike" kern="1200" dirty="0" smtClean="0">
+                <a:solidFill>
+                  <a:schemeClr val="tx1"/>
+                </a:solidFill>
+                <a:effectLst/>
+                <a:latin typeface="+mn-lt"/>
+                <a:ea typeface="+mn-ea"/>
+                <a:cs typeface="+mn-cs"/>
+                <a:hlinkClick r:id="rId9"/>
+              </a:rPr>
+              <a:t>Jasmine</a:t>
+            </a:r>
+            <a:r>
+              <a:rPr lang="en-US" sz="1200" b="0" i="0" kern="1200" dirty="0" smtClean="0">
+                <a:solidFill>
+                  <a:schemeClr val="tx1"/>
+                </a:solidFill>
+                <a:effectLst/>
+                <a:latin typeface="+mn-lt"/>
+                <a:ea typeface="+mn-ea"/>
+                <a:cs typeface="+mn-cs"/>
+              </a:rPr>
+              <a:t>. A complex set of business rules could have tests captured in a customer-facing form, but run just on the relevant module much as unit tests are.</a:t>
+            </a:r>
+          </a:p>
+          <a:p>
+            <a:pPr fontAlgn="base"/>
+            <a:r>
+              <a:rPr lang="en-US" sz="1200" b="0" i="0" kern="1200" dirty="0" smtClean="0">
+                <a:solidFill>
+                  <a:schemeClr val="tx1"/>
+                </a:solidFill>
+                <a:effectLst/>
+                <a:latin typeface="+mn-lt"/>
+                <a:ea typeface="+mn-ea"/>
+                <a:cs typeface="+mn-cs"/>
+              </a:rPr>
+              <a:t>I always argue that high-level tests are there as a second line of test defense. If you get a failure in a high level test, not just do you have a bug in your functional code, you also have a missing or incorrect unit test. Thus I advise that before fixing a bug exposed by a high level test, you should replicate the bug with a unit test. Then the unit test ensures the bug stays dead</a:t>
+            </a:r>
+          </a:p>
+          <a:p>
+            <a:endParaRPr lang="en-US" dirty="0"/>
+          </a:p>
+        </p:txBody>
+      </p:sp>
+      <p:sp>
+        <p:nvSpPr>
+          <p:cNvPr id="4" name="Slide Number Placeholder 3"/>
+          <p:cNvSpPr>
+            <a:spLocks noGrp="1"/>
+          </p:cNvSpPr>
+          <p:nvPr>
+            <p:ph type="sldNum" sz="quarter" idx="10"/>
+          </p:nvPr>
+        </p:nvSpPr>
+        <p:spPr/>
+        <p:txBody>
           <a:bodyPr/>
           <a:lstStyle/>
           <a:p>
-            <a:endParaRPr lang="de-DE" dirty="0"/>
-          </a:p>
-        </p:txBody>
-      </p:sp>
-      <p:sp>
-        <p:nvSpPr>
-          <p:cNvPr id="4" name="Foliennummernplatzhalter 3"/>
-          <p:cNvSpPr>
-            <a:spLocks noGrp="1"/>
-          </p:cNvSpPr>
-          <p:nvPr>
-            <p:ph type="sldNum" sz="quarter" idx="10"/>
-          </p:nvPr>
-        </p:nvSpPr>
-        <p:spPr/>
-        <p:txBody>
-          <a:bodyPr/>
-          <a:lstStyle/>
-          <a:p>
-            <a:fld id="{6047A338-E989-4FB8-9E79-C7D1C907295C}" type="slidenum">
-              <a:rPr lang="de-DE" smtClean="0"/>
-              <a:t>21</a:t>
+            <a:fld id="{5783D7AA-6A74-42C9-8D9C-C1060C84B8E4}" type="slidenum">
+              <a:rPr lang="en-US" smtClean="0"/>
+              <a:pPr/>
+              <a:t>20</a:t>
             </a:fld>
-            <a:endParaRPr lang="de-DE"/>
+            <a:endParaRPr lang="en-US"/>
           </a:p>
         </p:txBody>
       </p:sp>
     </p:spTree>
     <p:extLst>
       <p:ext uri="{BB962C8B-B14F-4D97-AF65-F5344CB8AC3E}">
-        <p14:creationId xmlns:p14="http://schemas.microsoft.com/office/powerpoint/2010/main" val="1342595930"/>
+        <p14:creationId xmlns:p14="http://schemas.microsoft.com/office/powerpoint/2010/main" val="4164075983"/>
       </p:ext>
     </p:extLst>
   </p:cSld>
@@ -6694,7 +6991,7 @@
       </p:grpSpPr>
       <p:sp>
         <p:nvSpPr>
-          <p:cNvPr id="2" name="Slide Image Placeholder 1"/>
+          <p:cNvPr id="2" name="Folienbildplatzhalter 1"/>
           <p:cNvSpPr>
             <a:spLocks noGrp="1" noRot="1" noChangeAspect="1"/>
           </p:cNvSpPr>
@@ -6706,7 +7003,7 @@
       </p:sp>
       <p:sp>
         <p:nvSpPr>
-          <p:cNvPr id="3" name="Notes Placeholder 2"/>
+          <p:cNvPr id="3" name="Notizenplatzhalter 2"/>
           <p:cNvSpPr>
             <a:spLocks noGrp="1"/>
           </p:cNvSpPr>
@@ -6719,13 +7016,13 @@
           <a:bodyPr/>
           <a:lstStyle/>
           <a:p>
-            <a:endParaRPr lang="en-US" dirty="0"/>
-          </a:p>
-        </p:txBody>
-      </p:sp>
-      <p:sp>
-        <p:nvSpPr>
-          <p:cNvPr id="4" name="Slide Number Placeholder 3"/>
+            <a:endParaRPr lang="de-DE" dirty="0"/>
+          </a:p>
+        </p:txBody>
+      </p:sp>
+      <p:sp>
+        <p:nvSpPr>
+          <p:cNvPr id="4" name="Foliennummernplatzhalter 3"/>
           <p:cNvSpPr>
             <a:spLocks noGrp="1"/>
           </p:cNvSpPr>
@@ -6740,7 +7037,7 @@
           <a:p>
             <a:fld id="{6047A338-E989-4FB8-9E79-C7D1C907295C}" type="slidenum">
               <a:rPr lang="de-DE" smtClean="0"/>
-              <a:t>22</a:t>
+              <a:t>21</a:t>
             </a:fld>
             <a:endParaRPr lang="de-DE"/>
           </a:p>
@@ -6749,7 +7046,7 @@
     </p:spTree>
     <p:extLst>
       <p:ext uri="{BB962C8B-B14F-4D97-AF65-F5344CB8AC3E}">
-        <p14:creationId xmlns:p14="http://schemas.microsoft.com/office/powerpoint/2010/main" val="3816378359"/>
+        <p14:creationId xmlns:p14="http://schemas.microsoft.com/office/powerpoint/2010/main" val="3892738945"/>
       </p:ext>
     </p:extLst>
   </p:cSld>
@@ -6890,7 +7187,7 @@
           <a:p>
             <a:fld id="{3E2A1FAC-2E91-4528-8096-544E336C46C0}" type="datetimeFigureOut">
               <a:rPr lang="en-US" smtClean="0"/>
-              <a:t>5/19/2018</a:t>
+              <a:t>5/22/2018</a:t>
             </a:fld>
             <a:endParaRPr lang="en-US"/>
           </a:p>
@@ -7060,7 +7357,7 @@
           <a:p>
             <a:fld id="{3E2A1FAC-2E91-4528-8096-544E336C46C0}" type="datetimeFigureOut">
               <a:rPr lang="en-US" smtClean="0"/>
-              <a:t>5/19/2018</a:t>
+              <a:t>5/22/2018</a:t>
             </a:fld>
             <a:endParaRPr lang="en-US"/>
           </a:p>
@@ -7240,7 +7537,7 @@
           <a:p>
             <a:fld id="{3E2A1FAC-2E91-4528-8096-544E336C46C0}" type="datetimeFigureOut">
               <a:rPr lang="en-US" smtClean="0"/>
-              <a:t>5/19/2018</a:t>
+              <a:t>5/22/2018</a:t>
             </a:fld>
             <a:endParaRPr lang="en-US"/>
           </a:p>
@@ -7410,7 +7707,7 @@
           <a:p>
             <a:fld id="{3E2A1FAC-2E91-4528-8096-544E336C46C0}" type="datetimeFigureOut">
               <a:rPr lang="en-US" smtClean="0"/>
-              <a:t>5/19/2018</a:t>
+              <a:t>5/22/2018</a:t>
             </a:fld>
             <a:endParaRPr lang="en-US"/>
           </a:p>
@@ -7656,7 +7953,7 @@
           <a:p>
             <a:fld id="{3E2A1FAC-2E91-4528-8096-544E336C46C0}" type="datetimeFigureOut">
               <a:rPr lang="en-US" smtClean="0"/>
-              <a:t>5/19/2018</a:t>
+              <a:t>5/22/2018</a:t>
             </a:fld>
             <a:endParaRPr lang="en-US"/>
           </a:p>
@@ -7888,7 +8185,7 @@
           <a:p>
             <a:fld id="{3E2A1FAC-2E91-4528-8096-544E336C46C0}" type="datetimeFigureOut">
               <a:rPr lang="en-US" smtClean="0"/>
-              <a:t>5/19/2018</a:t>
+              <a:t>5/22/2018</a:t>
             </a:fld>
             <a:endParaRPr lang="en-US"/>
           </a:p>
@@ -8255,7 +8552,7 @@
           <a:p>
             <a:fld id="{3E2A1FAC-2E91-4528-8096-544E336C46C0}" type="datetimeFigureOut">
               <a:rPr lang="en-US" smtClean="0"/>
-              <a:t>5/19/2018</a:t>
+              <a:t>5/22/2018</a:t>
             </a:fld>
             <a:endParaRPr lang="en-US"/>
           </a:p>
@@ -8373,7 +8670,7 @@
           <a:p>
             <a:fld id="{3E2A1FAC-2E91-4528-8096-544E336C46C0}" type="datetimeFigureOut">
               <a:rPr lang="en-US" smtClean="0"/>
-              <a:t>5/19/2018</a:t>
+              <a:t>5/22/2018</a:t>
             </a:fld>
             <a:endParaRPr lang="en-US"/>
           </a:p>
@@ -8468,7 +8765,7 @@
           <a:p>
             <a:fld id="{3E2A1FAC-2E91-4528-8096-544E336C46C0}" type="datetimeFigureOut">
               <a:rPr lang="en-US" smtClean="0"/>
-              <a:t>5/19/2018</a:t>
+              <a:t>5/22/2018</a:t>
             </a:fld>
             <a:endParaRPr lang="en-US"/>
           </a:p>
@@ -8745,7 +9042,7 @@
           <a:p>
             <a:fld id="{3E2A1FAC-2E91-4528-8096-544E336C46C0}" type="datetimeFigureOut">
               <a:rPr lang="en-US" smtClean="0"/>
-              <a:t>5/19/2018</a:t>
+              <a:t>5/22/2018</a:t>
             </a:fld>
             <a:endParaRPr lang="en-US"/>
           </a:p>
@@ -8998,7 +9295,7 @@
           <a:p>
             <a:fld id="{3E2A1FAC-2E91-4528-8096-544E336C46C0}" type="datetimeFigureOut">
               <a:rPr lang="en-US" smtClean="0"/>
-              <a:t>5/19/2018</a:t>
+              <a:t>5/22/2018</a:t>
             </a:fld>
             <a:endParaRPr lang="en-US"/>
           </a:p>
@@ -9211,7 +9508,7 @@
           <a:p>
             <a:fld id="{3E2A1FAC-2E91-4528-8096-544E336C46C0}" type="datetimeFigureOut">
               <a:rPr lang="en-US" smtClean="0"/>
-              <a:t>5/19/2018</a:t>
+              <a:t>5/22/2018</a:t>
             </a:fld>
             <a:endParaRPr lang="en-US"/>
           </a:p>
@@ -9787,118 +10084,49 @@
           <a:lstStyle/>
           <a:p>
             <a:r>
-              <a:rPr lang="en-US" dirty="0"/>
-              <a:t>Continuous integration</a:t>
+              <a:rPr lang="en-US" dirty="0" smtClean="0"/>
+              <a:t>Code Example</a:t>
             </a:r>
             <a:endParaRPr lang="en-US" dirty="0"/>
           </a:p>
         </p:txBody>
       </p:sp>
-      <p:sp>
-        <p:nvSpPr>
-          <p:cNvPr id="3" name="Content Placeholder 2"/>
-          <p:cNvSpPr>
-            <a:spLocks noGrp="1"/>
-          </p:cNvSpPr>
+      <p:pic>
+        <p:nvPicPr>
+          <p:cNvPr id="4" name="Content Placeholder 3"/>
+          <p:cNvPicPr>
+            <a:picLocks noGrp="1" noChangeAspect="1"/>
+          </p:cNvPicPr>
           <p:nvPr>
             <p:ph idx="1"/>
           </p:nvPr>
-        </p:nvSpPr>
-        <p:spPr/>
-        <p:txBody>
-          <a:bodyPr>
-            <a:normAutofit/>
-          </a:bodyPr>
-          <a:lstStyle/>
-          <a:p>
-            <a:pPr>
-              <a:buNone/>
-            </a:pPr>
-            <a:r>
-              <a:rPr lang="en-US" i="1" dirty="0" smtClean="0"/>
-              <a:t>	Continuous Integration is a software development practice where members of a team integrate their work frequently</a:t>
-            </a:r>
-          </a:p>
-          <a:p>
-            <a:pPr>
-              <a:buNone/>
-            </a:pPr>
-            <a:r>
-              <a:rPr lang="en-US" i="1" dirty="0" smtClean="0"/>
-              <a:t>	</a:t>
-            </a:r>
-          </a:p>
-          <a:p>
-            <a:pPr>
-              <a:buNone/>
-            </a:pPr>
-            <a:r>
-              <a:rPr lang="en-US" i="1" dirty="0" smtClean="0"/>
-              <a:t>	each person integrates at least daily - leading to multiple integrations per day. </a:t>
-            </a:r>
-          </a:p>
-          <a:p>
-            <a:pPr>
-              <a:buNone/>
-            </a:pPr>
-            <a:r>
-              <a:rPr lang="en-US" i="1" dirty="0" smtClean="0"/>
-              <a:t>	</a:t>
-            </a:r>
-          </a:p>
-          <a:p>
-            <a:pPr>
-              <a:buNone/>
-            </a:pPr>
-            <a:r>
-              <a:rPr lang="en-US" i="1" dirty="0" smtClean="0"/>
-              <a:t>	Each integration is verified by an automated build (including test) to detect integration errors as quickly as possible. 	</a:t>
-            </a:r>
-            <a:endParaRPr lang="en-US" dirty="0"/>
-          </a:p>
-        </p:txBody>
-      </p:sp>
-      <p:sp>
-        <p:nvSpPr>
-          <p:cNvPr id="4" name="Slide Number Placeholder 3"/>
-          <p:cNvSpPr>
-            <a:spLocks noGrp="1"/>
-          </p:cNvSpPr>
-          <p:nvPr>
-            <p:ph type="sldNum" sz="quarter" idx="12"/>
-          </p:nvPr>
-        </p:nvSpPr>
-        <p:spPr/>
-        <p:txBody>
-          <a:bodyPr/>
-          <a:lstStyle/>
-          <a:p>
-            <a:fld id="{2387B7E2-7538-4163-9310-D5E6EE1BC12A}" type="slidenum">
-              <a:rPr lang="en-US" smtClean="0"/>
-              <a:pPr/>
-              <a:t>10</a:t>
-            </a:fld>
-            <a:endParaRPr lang="en-US"/>
-          </a:p>
-        </p:txBody>
-      </p:sp>
+        </p:nvPicPr>
+        <p:blipFill>
+          <a:blip r:embed="rId2"/>
+          <a:stretch>
+            <a:fillRect/>
+          </a:stretch>
+        </p:blipFill>
+        <p:spPr>
+          <a:xfrm>
+            <a:off x="2056494" y="2133600"/>
+            <a:ext cx="8154306" cy="3733800"/>
+          </a:xfrm>
+          <a:prstGeom prst="rect">
+            <a:avLst/>
+          </a:prstGeom>
+        </p:spPr>
+      </p:pic>
     </p:spTree>
     <p:extLst>
       <p:ext uri="{BB962C8B-B14F-4D97-AF65-F5344CB8AC3E}">
-        <p14:creationId xmlns:p14="http://schemas.microsoft.com/office/powerpoint/2010/main" val="1460856270"/>
+        <p14:creationId xmlns:p14="http://schemas.microsoft.com/office/powerpoint/2010/main" val="4078076412"/>
       </p:ext>
     </p:extLst>
   </p:cSld>
   <p:clrMapOvr>
     <a:masterClrMapping/>
   </p:clrMapOvr>
-  <p:timing>
-    <p:tnLst>
-      <p:par>
-        <p:cTn id="1" dur="indefinite" restart="never" nodeType="tmRoot"/>
-      </p:par>
-    </p:tnLst>
-  </p:timing>
 </p:sld>
 </file>
 
@@ -9934,10 +10162,7 @@
           <a:bodyPr/>
           <a:lstStyle/>
           <a:p>
-            <a:r>
-              <a:rPr lang="en-US" dirty="0"/>
-              <a:t>continuous delivery</a:t>
-            </a:r>
+            <a:endParaRPr lang="en-US"/>
           </a:p>
         </p:txBody>
       </p:sp>
@@ -9953,99 +10178,49 @@
         </p:nvSpPr>
         <p:spPr/>
         <p:txBody>
-          <a:bodyPr/>
-          <a:lstStyle/>
-          <a:p>
-            <a:pPr>
+          <a:bodyPr>
+            <a:normAutofit/>
+          </a:bodyPr>
+          <a:lstStyle/>
+          <a:p>
+            <a:pPr marL="0" indent="0">
               <a:buNone/>
             </a:pPr>
             <a:r>
-              <a:rPr lang="en-US" dirty="0"/>
-              <a:t> </a:t>
-            </a:r>
-            <a:r>
-              <a:rPr lang="en-US" b="1" dirty="0"/>
-              <a:t>reduce</a:t>
-            </a:r>
-            <a:r>
-              <a:rPr lang="en-US" dirty="0"/>
-              <a:t> the </a:t>
-            </a:r>
-            <a:r>
-              <a:rPr lang="en-US" b="1" dirty="0"/>
-              <a:t>cost</a:t>
-            </a:r>
-            <a:r>
-              <a:rPr lang="en-US" dirty="0"/>
-              <a:t> , </a:t>
-            </a:r>
-            <a:r>
-              <a:rPr lang="en-US" b="1" dirty="0"/>
-              <a:t>time</a:t>
-            </a:r>
-            <a:r>
-              <a:rPr lang="en-US" dirty="0"/>
-              <a:t> , </a:t>
-            </a:r>
-            <a:r>
-              <a:rPr lang="en-US" b="1" dirty="0"/>
-              <a:t>and risk </a:t>
-            </a:r>
-            <a:r>
-              <a:rPr lang="en-US" dirty="0"/>
-              <a:t>of </a:t>
-            </a:r>
-          </a:p>
-          <a:p>
-            <a:pPr>
+              <a:rPr lang="en-US" dirty="0" smtClean="0"/>
+              <a:t>such names duplicate the information a developer could get just by looking at the target class; they break the “Don’t Repeat Yourself” principle [Hunt99]. </a:t>
+            </a:r>
+          </a:p>
+          <a:p>
+            <a:pPr marL="0" indent="0">
               <a:buNone/>
             </a:pPr>
-            <a:r>
-              <a:rPr lang="en-US" dirty="0"/>
-              <a:t>   delivering </a:t>
-            </a:r>
-            <a:r>
-              <a:rPr lang="en-US" b="1" dirty="0"/>
-              <a:t>incremental changes </a:t>
-            </a:r>
-          </a:p>
-          <a:p>
-            <a:pPr>
+            <a:endParaRPr lang="en-US" dirty="0"/>
+          </a:p>
+          <a:p>
+            <a:pPr marL="0" indent="0">
               <a:buNone/>
             </a:pPr>
             <a:r>
-              <a:rPr lang="en-US" b="1" dirty="0"/>
-              <a:t>   </a:t>
-            </a:r>
-            <a:r>
-              <a:rPr lang="en-US" dirty="0"/>
-              <a:t>to users</a:t>
-            </a:r>
-          </a:p>
-          <a:p>
-            <a:pPr>
-              <a:buNone/>
-            </a:pPr>
-            <a:r>
-              <a:rPr lang="en-US" dirty="0"/>
-              <a:t>	</a:t>
-            </a:r>
-          </a:p>
-          <a:p>
-            <a:pPr>
-              <a:buNone/>
-            </a:pPr>
-            <a:r>
-              <a:rPr lang="en-US" dirty="0"/>
-              <a:t>	every requirement is a hypothesis</a:t>
-            </a:r>
+              <a:rPr lang="en-US" dirty="0" smtClean="0"/>
+              <a:t>We don’t need to know that </a:t>
+            </a:r>
+            <a:r>
+              <a:rPr lang="en-US" dirty="0" err="1" smtClean="0"/>
+              <a:t>TargetObject</a:t>
+            </a:r>
+            <a:r>
+              <a:rPr lang="en-US" dirty="0" smtClean="0"/>
+              <a:t> has a choose() method—we need to know what the object does in different situations, what the method is for.</a:t>
+            </a:r>
+            <a:endParaRPr lang="en-US" dirty="0"/>
           </a:p>
         </p:txBody>
       </p:sp>
     </p:spTree>
     <p:extLst>
       <p:ext uri="{BB962C8B-B14F-4D97-AF65-F5344CB8AC3E}">
-        <p14:creationId xmlns:p14="http://schemas.microsoft.com/office/powerpoint/2010/main" val="436287599"/>
+        <p14:creationId xmlns:p14="http://schemas.microsoft.com/office/powerpoint/2010/main" val="2810859202"/>
       </p:ext>
     </p:extLst>
   </p:cSld>
@@ -10087,37 +10262,90 @@
           <a:bodyPr/>
           <a:lstStyle/>
           <a:p>
+            <a:endParaRPr lang="en-US"/>
+          </a:p>
+        </p:txBody>
+      </p:sp>
+      <p:sp>
+        <p:nvSpPr>
+          <p:cNvPr id="3" name="Content Placeholder 2"/>
+          <p:cNvSpPr>
+            <a:spLocks noGrp="1"/>
+          </p:cNvSpPr>
+          <p:nvPr>
+            <p:ph idx="1"/>
+          </p:nvPr>
+        </p:nvSpPr>
+        <p:spPr/>
+        <p:txBody>
+          <a:bodyPr>
+            <a:normAutofit lnSpcReduction="10000"/>
+          </a:bodyPr>
+          <a:lstStyle/>
+          <a:p>
+            <a:pPr marL="0" indent="0">
+              <a:buNone/>
+            </a:pPr>
             <a:r>
               <a:rPr lang="en-US" dirty="0" smtClean="0"/>
-              <a:t>Why automated tests</a:t>
-            </a:r>
+              <a:t>A better alternative is to name tests in terms of the features that the target object provides. </a:t>
+            </a:r>
+          </a:p>
+          <a:p>
+            <a:pPr marL="0" indent="0">
+              <a:buNone/>
+            </a:pPr>
             <a:endParaRPr lang="en-US" dirty="0"/>
           </a:p>
-        </p:txBody>
-      </p:sp>
-      <p:sp>
-        <p:nvSpPr>
-          <p:cNvPr id="3" name="Content Placeholder 2"/>
-          <p:cNvSpPr>
-            <a:spLocks noGrp="1"/>
-          </p:cNvSpPr>
-          <p:nvPr>
-            <p:ph idx="1"/>
-          </p:nvPr>
-        </p:nvSpPr>
-        <p:spPr/>
-        <p:txBody>
-          <a:bodyPr/>
-          <a:lstStyle/>
-          <a:p>
-            <a:endParaRPr lang="en-US"/>
+          <a:p>
+            <a:pPr marL="0" indent="0">
+              <a:buNone/>
+            </a:pPr>
+            <a:r>
+              <a:rPr lang="en-US" dirty="0" smtClean="0"/>
+              <a:t>For example, </a:t>
+            </a:r>
+          </a:p>
+          <a:p>
+            <a:r>
+              <a:rPr lang="en-US" dirty="0" smtClean="0"/>
+              <a:t>A List holds items in the order they were added.</a:t>
+            </a:r>
+          </a:p>
+          <a:p>
+            <a:r>
+              <a:rPr lang="en-US" dirty="0" smtClean="0"/>
+              <a:t>A List can hold multiple references to the same item. </a:t>
+            </a:r>
+          </a:p>
+          <a:p>
+            <a:r>
+              <a:rPr lang="en-US" dirty="0" smtClean="0"/>
+              <a:t>A List throws an exception when removing an item it doesn’t hold. </a:t>
+            </a:r>
+          </a:p>
+          <a:p>
+            <a:pPr marL="0" indent="0">
+              <a:buNone/>
+            </a:pPr>
+            <a:endParaRPr lang="en-US" dirty="0"/>
+          </a:p>
+          <a:p>
+            <a:pPr marL="0" indent="0">
+              <a:buNone/>
+            </a:pPr>
+            <a:r>
+              <a:rPr lang="en-US" dirty="0" smtClean="0"/>
+              <a:t>We can translate these directly to method names.</a:t>
+            </a:r>
+            <a:endParaRPr lang="en-US" dirty="0"/>
           </a:p>
         </p:txBody>
       </p:sp>
     </p:spTree>
     <p:extLst>
       <p:ext uri="{BB962C8B-B14F-4D97-AF65-F5344CB8AC3E}">
-        <p14:creationId xmlns:p14="http://schemas.microsoft.com/office/powerpoint/2010/main" val="3189026464"/>
+        <p14:creationId xmlns:p14="http://schemas.microsoft.com/office/powerpoint/2010/main" val="3121465668"/>
       </p:ext>
     </p:extLst>
   </p:cSld>
@@ -10146,7 +10374,7 @@
       </p:grpSpPr>
       <p:sp>
         <p:nvSpPr>
-          <p:cNvPr id="2" name="Titel 1"/>
+          <p:cNvPr id="2" name="Title 1"/>
           <p:cNvSpPr>
             <a:spLocks noGrp="1"/>
           </p:cNvSpPr>
@@ -10159,83 +10387,46 @@
           <a:bodyPr/>
           <a:lstStyle/>
           <a:p>
-            <a:r>
-              <a:rPr lang="en-US" dirty="0" smtClean="0"/>
-              <a:t>Why automated tests?</a:t>
-            </a:r>
-            <a:endParaRPr lang="en-US" dirty="0"/>
-          </a:p>
-        </p:txBody>
-      </p:sp>
-      <p:sp>
-        <p:nvSpPr>
-          <p:cNvPr id="3" name="Inhaltsplatzhalter 2"/>
-          <p:cNvSpPr>
-            <a:spLocks noGrp="1"/>
-          </p:cNvSpPr>
+            <a:endParaRPr lang="en-US"/>
+          </a:p>
+        </p:txBody>
+      </p:sp>
+      <p:pic>
+        <p:nvPicPr>
+          <p:cNvPr id="4" name="Content Placeholder 3"/>
+          <p:cNvPicPr>
+            <a:picLocks noGrp="1" noChangeAspect="1"/>
+          </p:cNvPicPr>
           <p:nvPr>
             <p:ph idx="1"/>
           </p:nvPr>
-        </p:nvSpPr>
-        <p:spPr/>
-        <p:txBody>
-          <a:bodyPr/>
-          <a:lstStyle/>
-          <a:p>
-            <a:r>
-              <a:rPr lang="en-US" dirty="0" smtClean="0"/>
-              <a:t>Humans are bad in repetitive tasks</a:t>
-            </a:r>
-          </a:p>
-          <a:p>
-            <a:r>
-              <a:rPr lang="en-US" dirty="0" smtClean="0"/>
-              <a:t>Tests document behavior of SW</a:t>
-            </a:r>
-          </a:p>
-          <a:p>
-            <a:r>
-              <a:rPr lang="en-US" dirty="0" smtClean="0"/>
-              <a:t>Unit tests </a:t>
-            </a:r>
-            <a:r>
-              <a:rPr lang="en-US" dirty="0" smtClean="0"/>
-              <a:t>lead to more testable code which usually is less coupled and cleaner</a:t>
-            </a:r>
-          </a:p>
-          <a:p>
-            <a:r>
-              <a:rPr lang="en-US" dirty="0" smtClean="0"/>
-              <a:t>Tests save from breaking code, i.e. when refactoring</a:t>
-            </a:r>
-          </a:p>
-        </p:txBody>
-      </p:sp>
+        </p:nvPicPr>
+        <p:blipFill>
+          <a:blip r:embed="rId2"/>
+          <a:stretch>
+            <a:fillRect/>
+          </a:stretch>
+        </p:blipFill>
+        <p:spPr>
+          <a:xfrm>
+            <a:off x="1879187" y="1752600"/>
+            <a:ext cx="7950613" cy="2667000"/>
+          </a:xfrm>
+          <a:prstGeom prst="rect">
+            <a:avLst/>
+          </a:prstGeom>
+        </p:spPr>
+      </p:pic>
     </p:spTree>
     <p:extLst>
       <p:ext uri="{BB962C8B-B14F-4D97-AF65-F5344CB8AC3E}">
-        <p14:creationId xmlns:p14="http://schemas.microsoft.com/office/powerpoint/2010/main" val="206913992"/>
+        <p14:creationId xmlns:p14="http://schemas.microsoft.com/office/powerpoint/2010/main" val="4144184546"/>
       </p:ext>
     </p:extLst>
   </p:cSld>
   <p:clrMapOvr>
     <a:masterClrMapping/>
   </p:clrMapOvr>
-  <mc:AlternateContent xmlns:mc="http://schemas.openxmlformats.org/markup-compatibility/2006" xmlns:p14="http://schemas.microsoft.com/office/powerpoint/2010/main">
-    <mc:Choice Requires="p14">
-      <p:transition p14:dur="0"/>
-    </mc:Choice>
-    <mc:Fallback xmlns="">
-      <p:transition/>
-    </mc:Fallback>
-  </mc:AlternateContent>
-  <p:timing>
-    <p:tnLst>
-      <p:par>
-        <p:cTn id="1" dur="indefinite" restart="never" nodeType="tmRoot"/>
-      </p:par>
-    </p:tnLst>
-  </p:timing>
 </p:sld>
 </file>
 
@@ -10271,37 +10462,55 @@
           <a:bodyPr/>
           <a:lstStyle/>
           <a:p>
+            <a:endParaRPr lang="en-US"/>
+          </a:p>
+        </p:txBody>
+      </p:sp>
+      <p:sp>
+        <p:nvSpPr>
+          <p:cNvPr id="3" name="Content Placeholder 2"/>
+          <p:cNvSpPr>
+            <a:spLocks noGrp="1"/>
+          </p:cNvSpPr>
+          <p:nvPr>
+            <p:ph idx="1"/>
+          </p:nvPr>
+        </p:nvSpPr>
+        <p:spPr/>
+        <p:txBody>
+          <a:bodyPr/>
+          <a:lstStyle/>
+          <a:p>
+            <a:pPr marL="0" indent="0">
+              <a:buNone/>
+            </a:pPr>
             <a:r>
               <a:rPr lang="en-US" dirty="0" smtClean="0"/>
-              <a:t>Unit test , Integration tests , acceptance tests</a:t>
-            </a:r>
+              <a:t>These names can be as long as we like because they’re only called through reflection—we never have to type them in to call them. </a:t>
+            </a:r>
+          </a:p>
+          <a:p>
+            <a:pPr marL="0" indent="0">
+              <a:buNone/>
+            </a:pPr>
             <a:endParaRPr lang="en-US" dirty="0"/>
           </a:p>
-        </p:txBody>
-      </p:sp>
-      <p:sp>
-        <p:nvSpPr>
-          <p:cNvPr id="3" name="Content Placeholder 2"/>
-          <p:cNvSpPr>
-            <a:spLocks noGrp="1"/>
-          </p:cNvSpPr>
-          <p:nvPr>
-            <p:ph idx="1"/>
-          </p:nvPr>
-        </p:nvSpPr>
-        <p:spPr/>
-        <p:txBody>
-          <a:bodyPr/>
-          <a:lstStyle/>
-          <a:p>
-            <a:endParaRPr lang="en-US"/>
+          <a:p>
+            <a:pPr marL="0" indent="0">
+              <a:buNone/>
+            </a:pPr>
+            <a:r>
+              <a:rPr lang="en-US" dirty="0" smtClean="0"/>
+              <a:t>The point of the convention is to encourage the developer to think in terms of what the target object does, not what it is.</a:t>
+            </a:r>
+            <a:endParaRPr lang="en-US" dirty="0"/>
           </a:p>
         </p:txBody>
       </p:sp>
     </p:spTree>
     <p:extLst>
       <p:ext uri="{BB962C8B-B14F-4D97-AF65-F5344CB8AC3E}">
-        <p14:creationId xmlns:p14="http://schemas.microsoft.com/office/powerpoint/2010/main" val="1337313233"/>
+        <p14:creationId xmlns:p14="http://schemas.microsoft.com/office/powerpoint/2010/main" val="3047531515"/>
       </p:ext>
     </p:extLst>
   </p:cSld>
@@ -10340,13 +10549,18 @@
         </p:nvSpPr>
         <p:spPr/>
         <p:txBody>
-          <a:bodyPr/>
+          <a:bodyPr>
+            <a:normAutofit/>
+          </a:bodyPr>
           <a:lstStyle/>
           <a:p>
             <a:r>
               <a:rPr lang="en-US" dirty="0" smtClean="0"/>
-              <a:t>Different type of Test</a:t>
-            </a:r>
+              <a:t>Keeping Test Clean</a:t>
+            </a:r>
+            <a:br>
+              <a:rPr lang="en-US" dirty="0" smtClean="0"/>
+            </a:br>
             <a:endParaRPr lang="en-US" dirty="0"/>
           </a:p>
         </p:txBody>
@@ -10363,42 +10577,50 @@
         </p:nvSpPr>
         <p:spPr/>
         <p:txBody>
-          <a:bodyPr/>
-          <a:lstStyle/>
-          <a:p>
-            <a:r>
-              <a:rPr lang="en-US" b="1" dirty="0"/>
-              <a:t>Acceptance: </a:t>
-            </a:r>
-            <a:r>
-              <a:rPr lang="en-US" dirty="0"/>
-              <a:t>Does the whole system work?</a:t>
-            </a:r>
-          </a:p>
-          <a:p>
-            <a:r>
-              <a:rPr lang="en-US" b="1" dirty="0"/>
-              <a:t>Integration: </a:t>
-            </a:r>
-            <a:r>
-              <a:rPr lang="en-US" dirty="0"/>
-              <a:t>Does our code work against the code we can't change?</a:t>
-            </a:r>
-          </a:p>
-          <a:p>
-            <a:r>
-              <a:rPr lang="en-US" b="1" dirty="0"/>
-              <a:t>Unit: </a:t>
-            </a:r>
-            <a:r>
-              <a:rPr lang="en-US" dirty="0"/>
-              <a:t>Do our objects do the right thing, are they convenient to work with?</a:t>
-            </a:r>
-          </a:p>
-          <a:p>
-            <a:pPr marL="0" indent="0">
+          <a:bodyPr>
+            <a:normAutofit/>
+          </a:bodyPr>
+          <a:lstStyle/>
+          <a:p>
+            <a:pPr marL="0" lvl="1" indent="0">
               <a:buNone/>
             </a:pPr>
+            <a:r>
+              <a:rPr lang="en-US" dirty="0" smtClean="0"/>
+              <a:t>Test code is just as important as production code. It is not second class citizen.</a:t>
+            </a:r>
+          </a:p>
+          <a:p>
+            <a:pPr marL="0" lvl="1" indent="0">
+              <a:buNone/>
+            </a:pPr>
+            <a:endParaRPr lang="en-US" dirty="0" smtClean="0"/>
+          </a:p>
+          <a:p>
+            <a:pPr marL="0" lvl="1" indent="0">
+              <a:buNone/>
+            </a:pPr>
+            <a:r>
+              <a:rPr lang="en-US" sz="3200" b="1" u="sng" dirty="0"/>
+              <a:t>What makes test clean </a:t>
+            </a:r>
+          </a:p>
+          <a:p>
+            <a:pPr marL="0" lvl="1" indent="0">
+              <a:buNone/>
+            </a:pPr>
+            <a:endParaRPr lang="en-US" dirty="0" smtClean="0"/>
+          </a:p>
+          <a:p>
+            <a:pPr marL="0" lvl="1" indent="0">
+              <a:buNone/>
+            </a:pPr>
+            <a:r>
+              <a:rPr lang="en-US" dirty="0" smtClean="0"/>
+              <a:t>Readability ,  Clarity , simplicity and density of  expression</a:t>
+            </a:r>
+          </a:p>
+          <a:p>
             <a:endParaRPr lang="en-US" dirty="0"/>
           </a:p>
         </p:txBody>
@@ -10430,7 +10652,7 @@
     </p:spTree>
     <p:extLst>
       <p:ext uri="{BB962C8B-B14F-4D97-AF65-F5344CB8AC3E}">
-        <p14:creationId xmlns:p14="http://schemas.microsoft.com/office/powerpoint/2010/main" val="1286820738"/>
+        <p14:creationId xmlns:p14="http://schemas.microsoft.com/office/powerpoint/2010/main" val="3023593956"/>
       </p:ext>
     </p:extLst>
   </p:cSld>
@@ -10466,7 +10688,7 @@
       </p:grpSpPr>
       <p:sp>
         <p:nvSpPr>
-          <p:cNvPr id="2" name="Titel 1"/>
+          <p:cNvPr id="2" name="Title 1"/>
           <p:cNvSpPr>
             <a:spLocks noGrp="1"/>
           </p:cNvSpPr>
@@ -10476,22 +10698,20 @@
         </p:nvSpPr>
         <p:spPr/>
         <p:txBody>
-          <a:bodyPr>
-            <a:normAutofit/>
-          </a:bodyPr>
-          <a:lstStyle/>
-          <a:p>
-            <a:r>
-              <a:rPr lang="de-DE" dirty="0" smtClean="0"/>
-              <a:t>Unit Tests</a:t>
-            </a:r>
-            <a:endParaRPr lang="de-DE" dirty="0"/>
-          </a:p>
-        </p:txBody>
-      </p:sp>
-      <p:sp>
-        <p:nvSpPr>
-          <p:cNvPr id="3" name="Inhaltsplatzhalter 2"/>
+          <a:bodyPr/>
+          <a:lstStyle/>
+          <a:p>
+            <a:r>
+              <a:rPr lang="en-US" dirty="0" smtClean="0"/>
+              <a:t>Continuous integration and Continuous delivery</a:t>
+            </a:r>
+            <a:endParaRPr lang="en-US" dirty="0"/>
+          </a:p>
+        </p:txBody>
+      </p:sp>
+      <p:sp>
+        <p:nvSpPr>
+          <p:cNvPr id="3" name="Content Placeholder 2"/>
           <p:cNvSpPr>
             <a:spLocks noGrp="1"/>
           </p:cNvSpPr>
@@ -10501,102 +10721,23 @@
         </p:nvSpPr>
         <p:spPr/>
         <p:txBody>
-          <a:bodyPr>
-            <a:normAutofit fontScale="77500" lnSpcReduction="20000"/>
-          </a:bodyPr>
-          <a:lstStyle/>
-          <a:p>
-            <a:pPr marL="0" indent="0">
-              <a:buNone/>
-            </a:pPr>
-            <a:r>
-              <a:rPr lang="en-US" dirty="0" smtClean="0"/>
-              <a:t>A test is not a unit test if: </a:t>
-            </a:r>
-          </a:p>
-          <a:p>
-            <a:r>
-              <a:rPr lang="en-US" sz="4133" dirty="0"/>
-              <a:t>It talks to the database </a:t>
-            </a:r>
-          </a:p>
-          <a:p>
-            <a:r>
-              <a:rPr lang="en-US" sz="4133" dirty="0"/>
-              <a:t>It communicates across the network </a:t>
-            </a:r>
-          </a:p>
-          <a:p>
-            <a:r>
-              <a:rPr lang="en-US" sz="4133" dirty="0"/>
-              <a:t>It touches the file system </a:t>
-            </a:r>
-          </a:p>
-          <a:p>
-            <a:r>
-              <a:rPr lang="en-US" sz="4133" dirty="0"/>
-              <a:t>It can't run at the same time as any of your other unit tests </a:t>
-            </a:r>
-          </a:p>
-          <a:p>
-            <a:r>
-              <a:rPr lang="en-US" sz="4133" dirty="0"/>
-              <a:t>You have to do special things to your environment (such as editing </a:t>
-            </a:r>
-            <a:r>
-              <a:rPr lang="en-US" sz="4133" dirty="0" err="1"/>
-              <a:t>config</a:t>
-            </a:r>
-            <a:r>
-              <a:rPr lang="en-US" sz="4133" dirty="0"/>
-              <a:t> files) to run it.</a:t>
-            </a:r>
-          </a:p>
-          <a:p>
-            <a:pPr marL="0" indent="0" algn="r">
-              <a:buNone/>
-            </a:pPr>
-            <a:endParaRPr lang="en-US" dirty="0" smtClean="0"/>
-          </a:p>
-          <a:p>
-            <a:pPr marL="0" indent="0" algn="r">
-              <a:buNone/>
-            </a:pPr>
-            <a:r>
-              <a:rPr lang="en-US" sz="3467" dirty="0"/>
-              <a:t>Michael Feathers, "A Set of Unit Testing Rules" </a:t>
-            </a:r>
-          </a:p>
-          <a:p>
-            <a:endParaRPr lang="en-US" dirty="0"/>
+          <a:bodyPr/>
+          <a:lstStyle/>
+          <a:p>
+            <a:endParaRPr lang="en-US"/>
           </a:p>
         </p:txBody>
       </p:sp>
     </p:spTree>
     <p:extLst>
       <p:ext uri="{BB962C8B-B14F-4D97-AF65-F5344CB8AC3E}">
-        <p14:creationId xmlns:p14="http://schemas.microsoft.com/office/powerpoint/2010/main" val="4048085851"/>
+        <p14:creationId xmlns:p14="http://schemas.microsoft.com/office/powerpoint/2010/main" val="4007826864"/>
       </p:ext>
     </p:extLst>
   </p:cSld>
   <p:clrMapOvr>
     <a:masterClrMapping/>
   </p:clrMapOvr>
-  <mc:AlternateContent xmlns:mc="http://schemas.openxmlformats.org/markup-compatibility/2006" xmlns:p14="http://schemas.microsoft.com/office/powerpoint/2010/main">
-    <mc:Choice Requires="p14">
-      <p:transition p14:dur="0"/>
-    </mc:Choice>
-    <mc:Fallback xmlns="">
-      <p:transition/>
-    </mc:Fallback>
-  </mc:AlternateContent>
-  <p:timing>
-    <p:tnLst>
-      <p:par>
-        <p:cTn id="1" dur="indefinite" restart="never" nodeType="tmRoot"/>
-      </p:par>
-    </p:tnLst>
-  </p:timing>
 </p:sld>
 </file>
 
@@ -10633,8 +10774,71 @@
           <a:lstStyle/>
           <a:p>
             <a:r>
-              <a:rPr lang="en-US" dirty="0" smtClean="0"/>
-              <a:t>Test pyramid</a:t>
+              <a:rPr lang="en-US" dirty="0"/>
+              <a:t>Continuous integration</a:t>
+            </a:r>
+          </a:p>
+        </p:txBody>
+      </p:sp>
+      <p:sp>
+        <p:nvSpPr>
+          <p:cNvPr id="3" name="Content Placeholder 2"/>
+          <p:cNvSpPr>
+            <a:spLocks noGrp="1"/>
+          </p:cNvSpPr>
+          <p:nvPr>
+            <p:ph idx="1"/>
+          </p:nvPr>
+        </p:nvSpPr>
+        <p:spPr/>
+        <p:txBody>
+          <a:bodyPr>
+            <a:normAutofit/>
+          </a:bodyPr>
+          <a:lstStyle/>
+          <a:p>
+            <a:pPr>
+              <a:buNone/>
+            </a:pPr>
+            <a:r>
+              <a:rPr lang="en-US" i="1" dirty="0" smtClean="0"/>
+              <a:t>	Continuous Integration is a software development practice where members of a team integrate their work frequently</a:t>
+            </a:r>
+          </a:p>
+          <a:p>
+            <a:pPr>
+              <a:buNone/>
+            </a:pPr>
+            <a:r>
+              <a:rPr lang="en-US" i="1" dirty="0" smtClean="0"/>
+              <a:t>	</a:t>
+            </a:r>
+          </a:p>
+          <a:p>
+            <a:pPr>
+              <a:buNone/>
+            </a:pPr>
+            <a:r>
+              <a:rPr lang="en-US" i="1" dirty="0" smtClean="0"/>
+              <a:t>	each person integrates at least daily - leading to multiple integrations per day. </a:t>
+            </a:r>
+          </a:p>
+          <a:p>
+            <a:pPr>
+              <a:buNone/>
+            </a:pPr>
+            <a:r>
+              <a:rPr lang="en-US" i="1" dirty="0" smtClean="0"/>
+              <a:t>	</a:t>
+            </a:r>
+          </a:p>
+          <a:p>
+            <a:pPr>
+              <a:buNone/>
+            </a:pPr>
+            <a:r>
+              <a:rPr lang="en-US" i="1" dirty="0" smtClean="0"/>
+              <a:t>	Each integration is verified by an automated build (including test) to detect integration errors as quickly as possible. 	</a:t>
             </a:r>
             <a:endParaRPr lang="en-US" dirty="0"/>
           </a:p>
@@ -10642,12 +10846,12 @@
       </p:sp>
       <p:sp>
         <p:nvSpPr>
-          <p:cNvPr id="3" name="Content Placeholder 2"/>
-          <p:cNvSpPr>
-            <a:spLocks noGrp="1"/>
-          </p:cNvSpPr>
-          <p:nvPr>
-            <p:ph idx="1"/>
+          <p:cNvPr id="4" name="Slide Number Placeholder 3"/>
+          <p:cNvSpPr>
+            <a:spLocks noGrp="1"/>
+          </p:cNvSpPr>
+          <p:nvPr>
+            <p:ph type="sldNum" sz="quarter" idx="12"/>
           </p:nvPr>
         </p:nvSpPr>
         <p:spPr/>
@@ -10655,20 +10859,32 @@
           <a:bodyPr/>
           <a:lstStyle/>
           <a:p>
-            <a:endParaRPr lang="en-US" dirty="0"/>
+            <a:fld id="{2387B7E2-7538-4163-9310-D5E6EE1BC12A}" type="slidenum">
+              <a:rPr lang="en-US" smtClean="0"/>
+              <a:pPr/>
+              <a:t>17</a:t>
+            </a:fld>
+            <a:endParaRPr lang="en-US"/>
           </a:p>
         </p:txBody>
       </p:sp>
     </p:spTree>
     <p:extLst>
       <p:ext uri="{BB962C8B-B14F-4D97-AF65-F5344CB8AC3E}">
-        <p14:creationId xmlns:p14="http://schemas.microsoft.com/office/powerpoint/2010/main" val="427710968"/>
+        <p14:creationId xmlns:p14="http://schemas.microsoft.com/office/powerpoint/2010/main" val="1460856270"/>
       </p:ext>
     </p:extLst>
   </p:cSld>
   <p:clrMapOvr>
     <a:masterClrMapping/>
   </p:clrMapOvr>
+  <p:timing>
+    <p:tnLst>
+      <p:par>
+        <p:cTn id="1" dur="indefinite" restart="never" nodeType="tmRoot"/>
+      </p:par>
+    </p:tnLst>
+  </p:timing>
 </p:sld>
 </file>
 
@@ -10705,8 +10921,373 @@
           <a:lstStyle/>
           <a:p>
             <a:r>
+              <a:rPr lang="en-US" dirty="0"/>
+              <a:t>continuous delivery</a:t>
+            </a:r>
+          </a:p>
+        </p:txBody>
+      </p:sp>
+      <p:sp>
+        <p:nvSpPr>
+          <p:cNvPr id="3" name="Content Placeholder 2"/>
+          <p:cNvSpPr>
+            <a:spLocks noGrp="1"/>
+          </p:cNvSpPr>
+          <p:nvPr>
+            <p:ph idx="1"/>
+          </p:nvPr>
+        </p:nvSpPr>
+        <p:spPr/>
+        <p:txBody>
+          <a:bodyPr/>
+          <a:lstStyle/>
+          <a:p>
+            <a:pPr>
+              <a:buNone/>
+            </a:pPr>
+            <a:r>
+              <a:rPr lang="en-US" dirty="0"/>
+              <a:t> </a:t>
+            </a:r>
+            <a:r>
+              <a:rPr lang="en-US" b="1" dirty="0"/>
+              <a:t>reduce</a:t>
+            </a:r>
+            <a:r>
+              <a:rPr lang="en-US" dirty="0"/>
+              <a:t> the </a:t>
+            </a:r>
+            <a:r>
+              <a:rPr lang="en-US" b="1" dirty="0"/>
+              <a:t>cost</a:t>
+            </a:r>
+            <a:r>
+              <a:rPr lang="en-US" dirty="0"/>
+              <a:t> , </a:t>
+            </a:r>
+            <a:r>
+              <a:rPr lang="en-US" b="1" dirty="0"/>
+              <a:t>time</a:t>
+            </a:r>
+            <a:r>
+              <a:rPr lang="en-US" dirty="0"/>
+              <a:t> , </a:t>
+            </a:r>
+            <a:r>
+              <a:rPr lang="en-US" b="1" dirty="0"/>
+              <a:t>and risk </a:t>
+            </a:r>
+            <a:r>
+              <a:rPr lang="en-US" dirty="0"/>
+              <a:t>of </a:t>
+            </a:r>
+          </a:p>
+          <a:p>
+            <a:pPr>
+              <a:buNone/>
+            </a:pPr>
+            <a:r>
+              <a:rPr lang="en-US" dirty="0"/>
+              <a:t>   delivering </a:t>
+            </a:r>
+            <a:r>
+              <a:rPr lang="en-US" b="1" dirty="0"/>
+              <a:t>incremental changes </a:t>
+            </a:r>
+          </a:p>
+          <a:p>
+            <a:pPr>
+              <a:buNone/>
+            </a:pPr>
+            <a:r>
+              <a:rPr lang="en-US" b="1" dirty="0"/>
+              <a:t>   </a:t>
+            </a:r>
+            <a:r>
+              <a:rPr lang="en-US" dirty="0"/>
+              <a:t>to users</a:t>
+            </a:r>
+          </a:p>
+          <a:p>
+            <a:pPr>
+              <a:buNone/>
+            </a:pPr>
+            <a:r>
+              <a:rPr lang="en-US" dirty="0"/>
+              <a:t>	</a:t>
+            </a:r>
+          </a:p>
+          <a:p>
+            <a:pPr>
+              <a:buNone/>
+            </a:pPr>
+            <a:r>
+              <a:rPr lang="en-US" dirty="0"/>
+              <a:t>	every requirement is a hypothesis</a:t>
+            </a:r>
+          </a:p>
+        </p:txBody>
+      </p:sp>
+    </p:spTree>
+    <p:extLst>
+      <p:ext uri="{BB962C8B-B14F-4D97-AF65-F5344CB8AC3E}">
+        <p14:creationId xmlns:p14="http://schemas.microsoft.com/office/powerpoint/2010/main" val="436287599"/>
+      </p:ext>
+    </p:extLst>
+  </p:cSld>
+  <p:clrMapOvr>
+    <a:masterClrMapping/>
+  </p:clrMapOvr>
+</p:sld>
+</file>
+
+<file path=ppt/slides/slide19.xml><?xml version="1.0" encoding="utf-8"?>
+<p:sld xmlns:a="http://schemas.openxmlformats.org/drawingml/2006/main" xmlns:r="http://schemas.openxmlformats.org/officeDocument/2006/relationships" xmlns:p="http://schemas.openxmlformats.org/presentationml/2006/main">
+  <p:cSld>
+    <p:spTree>
+      <p:nvGrpSpPr>
+        <p:cNvPr id="1" name=""/>
+        <p:cNvGrpSpPr/>
+        <p:nvPr/>
+      </p:nvGrpSpPr>
+      <p:grpSpPr>
+        <a:xfrm>
+          <a:off x="0" y="0"/>
+          <a:ext cx="0" cy="0"/>
+          <a:chOff x="0" y="0"/>
+          <a:chExt cx="0" cy="0"/>
+        </a:xfrm>
+      </p:grpSpPr>
+      <p:sp>
+        <p:nvSpPr>
+          <p:cNvPr id="2" name="Title 1"/>
+          <p:cNvSpPr>
+            <a:spLocks noGrp="1"/>
+          </p:cNvSpPr>
+          <p:nvPr>
+            <p:ph type="title"/>
+          </p:nvPr>
+        </p:nvSpPr>
+        <p:spPr/>
+        <p:txBody>
+          <a:bodyPr/>
+          <a:lstStyle/>
+          <a:p>
+            <a:r>
               <a:rPr lang="en-US" dirty="0" smtClean="0"/>
-              <a:t>Test Pyramid</a:t>
+              <a:t>Different type of Test</a:t>
+            </a:r>
+            <a:endParaRPr lang="en-US" dirty="0"/>
+          </a:p>
+        </p:txBody>
+      </p:sp>
+      <p:sp>
+        <p:nvSpPr>
+          <p:cNvPr id="3" name="Content Placeholder 2"/>
+          <p:cNvSpPr>
+            <a:spLocks noGrp="1"/>
+          </p:cNvSpPr>
+          <p:nvPr>
+            <p:ph idx="1"/>
+          </p:nvPr>
+        </p:nvSpPr>
+        <p:spPr/>
+        <p:txBody>
+          <a:bodyPr/>
+          <a:lstStyle/>
+          <a:p>
+            <a:r>
+              <a:rPr lang="en-US" b="1" dirty="0"/>
+              <a:t>Acceptance: </a:t>
+            </a:r>
+            <a:r>
+              <a:rPr lang="en-US" dirty="0"/>
+              <a:t>Does the whole system work?</a:t>
+            </a:r>
+          </a:p>
+          <a:p>
+            <a:r>
+              <a:rPr lang="en-US" b="1" dirty="0"/>
+              <a:t>Integration: </a:t>
+            </a:r>
+            <a:r>
+              <a:rPr lang="en-US" dirty="0"/>
+              <a:t>Does our code work against the code we can't change?</a:t>
+            </a:r>
+          </a:p>
+          <a:p>
+            <a:r>
+              <a:rPr lang="en-US" b="1" dirty="0"/>
+              <a:t>Unit: </a:t>
+            </a:r>
+            <a:r>
+              <a:rPr lang="en-US" dirty="0"/>
+              <a:t>Do our objects do the right thing, are they convenient to work with?</a:t>
+            </a:r>
+          </a:p>
+          <a:p>
+            <a:pPr marL="0" indent="0">
+              <a:buNone/>
+            </a:pPr>
+            <a:endParaRPr lang="en-US" dirty="0"/>
+          </a:p>
+        </p:txBody>
+      </p:sp>
+      <p:sp>
+        <p:nvSpPr>
+          <p:cNvPr id="4" name="Slide Number Placeholder 3"/>
+          <p:cNvSpPr>
+            <a:spLocks noGrp="1"/>
+          </p:cNvSpPr>
+          <p:nvPr>
+            <p:ph type="sldNum" sz="quarter" idx="12"/>
+          </p:nvPr>
+        </p:nvSpPr>
+        <p:spPr/>
+        <p:txBody>
+          <a:bodyPr/>
+          <a:lstStyle/>
+          <a:p>
+            <a:fld id="{2387B7E2-7538-4163-9310-D5E6EE1BC12A}" type="slidenum">
+              <a:rPr lang="en-US" smtClean="0"/>
+              <a:pPr/>
+              <a:t>19</a:t>
+            </a:fld>
+            <a:endParaRPr lang="en-US"/>
+          </a:p>
+        </p:txBody>
+      </p:sp>
+    </p:spTree>
+    <p:extLst>
+      <p:ext uri="{BB962C8B-B14F-4D97-AF65-F5344CB8AC3E}">
+        <p14:creationId xmlns:p14="http://schemas.microsoft.com/office/powerpoint/2010/main" val="1286820738"/>
+      </p:ext>
+    </p:extLst>
+  </p:cSld>
+  <p:clrMapOvr>
+    <a:masterClrMapping/>
+  </p:clrMapOvr>
+  <p:timing>
+    <p:tnLst>
+      <p:par>
+        <p:cTn id="1" dur="indefinite" restart="never" nodeType="tmRoot"/>
+      </p:par>
+    </p:tnLst>
+  </p:timing>
+</p:sld>
+</file>
+
+<file path=ppt/slides/slide2.xml><?xml version="1.0" encoding="utf-8"?>
+<p:sld xmlns:a="http://schemas.openxmlformats.org/drawingml/2006/main" xmlns:r="http://schemas.openxmlformats.org/officeDocument/2006/relationships" xmlns:p="http://schemas.openxmlformats.org/presentationml/2006/main">
+  <p:cSld>
+    <p:spTree>
+      <p:nvGrpSpPr>
+        <p:cNvPr id="1" name=""/>
+        <p:cNvGrpSpPr/>
+        <p:nvPr/>
+      </p:nvGrpSpPr>
+      <p:grpSpPr>
+        <a:xfrm>
+          <a:off x="0" y="0"/>
+          <a:ext cx="0" cy="0"/>
+          <a:chOff x="0" y="0"/>
+          <a:chExt cx="0" cy="0"/>
+        </a:xfrm>
+      </p:grpSpPr>
+      <p:sp>
+        <p:nvSpPr>
+          <p:cNvPr id="2" name="Title 1"/>
+          <p:cNvSpPr>
+            <a:spLocks noGrp="1"/>
+          </p:cNvSpPr>
+          <p:nvPr>
+            <p:ph type="title"/>
+          </p:nvPr>
+        </p:nvSpPr>
+        <p:spPr/>
+        <p:txBody>
+          <a:bodyPr/>
+          <a:lstStyle/>
+          <a:p>
+            <a:r>
+              <a:rPr lang="en-US" dirty="0" smtClean="0"/>
+              <a:t>Agenda</a:t>
+            </a:r>
+            <a:endParaRPr lang="en-US" dirty="0"/>
+          </a:p>
+        </p:txBody>
+      </p:sp>
+      <p:sp>
+        <p:nvSpPr>
+          <p:cNvPr id="3" name="Content Placeholder 2"/>
+          <p:cNvSpPr>
+            <a:spLocks noGrp="1"/>
+          </p:cNvSpPr>
+          <p:nvPr>
+            <p:ph idx="1"/>
+          </p:nvPr>
+        </p:nvSpPr>
+        <p:spPr/>
+        <p:txBody>
+          <a:bodyPr/>
+          <a:lstStyle/>
+          <a:p>
+            <a:r>
+              <a:rPr lang="en-US" dirty="0" smtClean="0"/>
+              <a:t>Why test</a:t>
+            </a:r>
+            <a:endParaRPr lang="en-US" dirty="0"/>
+          </a:p>
+        </p:txBody>
+      </p:sp>
+    </p:spTree>
+    <p:extLst>
+      <p:ext uri="{BB962C8B-B14F-4D97-AF65-F5344CB8AC3E}">
+        <p14:creationId xmlns:p14="http://schemas.microsoft.com/office/powerpoint/2010/main" val="1039031001"/>
+      </p:ext>
+    </p:extLst>
+  </p:cSld>
+  <p:clrMapOvr>
+    <a:masterClrMapping/>
+  </p:clrMapOvr>
+</p:sld>
+</file>
+
+<file path=ppt/slides/slide20.xml><?xml version="1.0" encoding="utf-8"?>
+<p:sld xmlns:a="http://schemas.openxmlformats.org/drawingml/2006/main" xmlns:r="http://schemas.openxmlformats.org/officeDocument/2006/relationships" xmlns:p="http://schemas.openxmlformats.org/presentationml/2006/main">
+  <p:cSld>
+    <p:spTree>
+      <p:nvGrpSpPr>
+        <p:cNvPr id="1" name=""/>
+        <p:cNvGrpSpPr/>
+        <p:nvPr/>
+      </p:nvGrpSpPr>
+      <p:grpSpPr>
+        <a:xfrm>
+          <a:off x="0" y="0"/>
+          <a:ext cx="0" cy="0"/>
+          <a:chOff x="0" y="0"/>
+          <a:chExt cx="0" cy="0"/>
+        </a:xfrm>
+      </p:grpSpPr>
+      <p:sp>
+        <p:nvSpPr>
+          <p:cNvPr id="2" name="Title 1"/>
+          <p:cNvSpPr>
+            <a:spLocks noGrp="1"/>
+          </p:cNvSpPr>
+          <p:nvPr>
+            <p:ph type="title"/>
+          </p:nvPr>
+        </p:nvSpPr>
+        <p:spPr/>
+        <p:txBody>
+          <a:bodyPr/>
+          <a:lstStyle/>
+          <a:p>
+            <a:r>
+              <a:rPr lang="en-US" dirty="0" smtClean="0"/>
+              <a:t>Test pyramid</a:t>
             </a:r>
             <a:endParaRPr lang="en-US" dirty="0"/>
           </a:p>
@@ -10765,7 +11346,7 @@
             <a:fld id="{2387B7E2-7538-4163-9310-D5E6EE1BC12A}" type="slidenum">
               <a:rPr lang="en-US" smtClean="0"/>
               <a:pPr/>
-              <a:t>18</a:t>
+              <a:t>20</a:t>
             </a:fld>
             <a:endParaRPr lang="en-US"/>
           </a:p>
@@ -10815,353 +11396,6 @@
 </p:sld>
 </file>
 
-<file path=ppt/slides/slide19.xml><?xml version="1.0" encoding="utf-8"?>
-<p:sld xmlns:a="http://schemas.openxmlformats.org/drawingml/2006/main" xmlns:r="http://schemas.openxmlformats.org/officeDocument/2006/relationships" xmlns:p="http://schemas.openxmlformats.org/presentationml/2006/main">
-  <p:cSld>
-    <p:spTree>
-      <p:nvGrpSpPr>
-        <p:cNvPr id="1" name=""/>
-        <p:cNvGrpSpPr/>
-        <p:nvPr/>
-      </p:nvGrpSpPr>
-      <p:grpSpPr>
-        <a:xfrm>
-          <a:off x="0" y="0"/>
-          <a:ext cx="0" cy="0"/>
-          <a:chOff x="0" y="0"/>
-          <a:chExt cx="0" cy="0"/>
-        </a:xfrm>
-      </p:grpSpPr>
-      <p:sp>
-        <p:nvSpPr>
-          <p:cNvPr id="2" name="Title 1"/>
-          <p:cNvSpPr>
-            <a:spLocks noGrp="1"/>
-          </p:cNvSpPr>
-          <p:nvPr>
-            <p:ph type="title"/>
-          </p:nvPr>
-        </p:nvSpPr>
-        <p:spPr/>
-        <p:txBody>
-          <a:bodyPr/>
-          <a:lstStyle/>
-          <a:p>
-            <a:r>
-              <a:rPr lang="en-US" dirty="0" smtClean="0"/>
-              <a:t>TDD Mantra</a:t>
-            </a:r>
-            <a:endParaRPr lang="en-US" dirty="0"/>
-          </a:p>
-        </p:txBody>
-      </p:sp>
-      <p:sp>
-        <p:nvSpPr>
-          <p:cNvPr id="3" name="Content Placeholder 2"/>
-          <p:cNvSpPr>
-            <a:spLocks noGrp="1"/>
-          </p:cNvSpPr>
-          <p:nvPr>
-            <p:ph idx="1"/>
-          </p:nvPr>
-        </p:nvSpPr>
-        <p:spPr/>
-        <p:txBody>
-          <a:bodyPr/>
-          <a:lstStyle/>
-          <a:p>
-            <a:endParaRPr lang="en-US"/>
-          </a:p>
-        </p:txBody>
-      </p:sp>
-    </p:spTree>
-    <p:extLst>
-      <p:ext uri="{BB962C8B-B14F-4D97-AF65-F5344CB8AC3E}">
-        <p14:creationId xmlns:p14="http://schemas.microsoft.com/office/powerpoint/2010/main" val="378958990"/>
-      </p:ext>
-    </p:extLst>
-  </p:cSld>
-  <p:clrMapOvr>
-    <a:masterClrMapping/>
-  </p:clrMapOvr>
-</p:sld>
-</file>
-
-<file path=ppt/slides/slide2.xml><?xml version="1.0" encoding="utf-8"?>
-<p:sld xmlns:a="http://schemas.openxmlformats.org/drawingml/2006/main" xmlns:r="http://schemas.openxmlformats.org/officeDocument/2006/relationships" xmlns:p="http://schemas.openxmlformats.org/presentationml/2006/main">
-  <p:cSld>
-    <p:spTree>
-      <p:nvGrpSpPr>
-        <p:cNvPr id="1" name=""/>
-        <p:cNvGrpSpPr/>
-        <p:nvPr/>
-      </p:nvGrpSpPr>
-      <p:grpSpPr>
-        <a:xfrm>
-          <a:off x="0" y="0"/>
-          <a:ext cx="0" cy="0"/>
-          <a:chOff x="0" y="0"/>
-          <a:chExt cx="0" cy="0"/>
-        </a:xfrm>
-      </p:grpSpPr>
-      <p:sp>
-        <p:nvSpPr>
-          <p:cNvPr id="2" name="Title 1"/>
-          <p:cNvSpPr>
-            <a:spLocks noGrp="1"/>
-          </p:cNvSpPr>
-          <p:nvPr>
-            <p:ph type="title"/>
-          </p:nvPr>
-        </p:nvSpPr>
-        <p:spPr/>
-        <p:txBody>
-          <a:bodyPr/>
-          <a:lstStyle/>
-          <a:p>
-            <a:r>
-              <a:rPr lang="en-US" dirty="0" smtClean="0"/>
-              <a:t>Why Tests</a:t>
-            </a:r>
-            <a:endParaRPr lang="en-US" dirty="0"/>
-          </a:p>
-        </p:txBody>
-      </p:sp>
-      <p:sp>
-        <p:nvSpPr>
-          <p:cNvPr id="3" name="Content Placeholder 2"/>
-          <p:cNvSpPr>
-            <a:spLocks noGrp="1"/>
-          </p:cNvSpPr>
-          <p:nvPr>
-            <p:ph idx="1"/>
-          </p:nvPr>
-        </p:nvSpPr>
-        <p:spPr/>
-        <p:txBody>
-          <a:bodyPr/>
-          <a:lstStyle/>
-          <a:p>
-            <a:endParaRPr lang="en-US"/>
-          </a:p>
-        </p:txBody>
-      </p:sp>
-    </p:spTree>
-    <p:extLst>
-      <p:ext uri="{BB962C8B-B14F-4D97-AF65-F5344CB8AC3E}">
-        <p14:creationId xmlns:p14="http://schemas.microsoft.com/office/powerpoint/2010/main" val="2472922407"/>
-      </p:ext>
-    </p:extLst>
-  </p:cSld>
-  <p:clrMapOvr>
-    <a:masterClrMapping/>
-  </p:clrMapOvr>
-</p:sld>
-</file>
-
-<file path=ppt/slides/slide20.xml><?xml version="1.0" encoding="utf-8"?>
-<p:sld xmlns:a="http://schemas.openxmlformats.org/drawingml/2006/main" xmlns:r="http://schemas.openxmlformats.org/officeDocument/2006/relationships" xmlns:p="http://schemas.openxmlformats.org/presentationml/2006/main">
-  <p:cSld>
-    <p:spTree>
-      <p:nvGrpSpPr>
-        <p:cNvPr id="1" name=""/>
-        <p:cNvGrpSpPr/>
-        <p:nvPr/>
-      </p:nvGrpSpPr>
-      <p:grpSpPr>
-        <a:xfrm>
-          <a:off x="0" y="0"/>
-          <a:ext cx="0" cy="0"/>
-          <a:chOff x="0" y="0"/>
-          <a:chExt cx="0" cy="0"/>
-        </a:xfrm>
-      </p:grpSpPr>
-      <p:sp>
-        <p:nvSpPr>
-          <p:cNvPr id="2" name="Titel 1"/>
-          <p:cNvSpPr>
-            <a:spLocks noGrp="1"/>
-          </p:cNvSpPr>
-          <p:nvPr>
-            <p:ph type="title"/>
-          </p:nvPr>
-        </p:nvSpPr>
-        <p:spPr/>
-        <p:txBody>
-          <a:bodyPr/>
-          <a:lstStyle/>
-          <a:p>
-            <a:r>
-              <a:rPr lang="en-US" dirty="0" smtClean="0"/>
-              <a:t>The TDD mantra</a:t>
-            </a:r>
-            <a:endParaRPr lang="en-US" dirty="0"/>
-          </a:p>
-        </p:txBody>
-      </p:sp>
-      <p:graphicFrame>
-        <p:nvGraphicFramePr>
-          <p:cNvPr id="3" name="Diagram 2"/>
-          <p:cNvGraphicFramePr/>
-          <p:nvPr>
-            <p:extLst/>
-          </p:nvPr>
-        </p:nvGraphicFramePr>
-        <p:xfrm>
-          <a:off x="3149600" y="1295400"/>
-          <a:ext cx="5892800" cy="3928533"/>
-        </p:xfrm>
-        <a:graphic>
-          <a:graphicData uri="http://schemas.openxmlformats.org/drawingml/2006/diagram">
-            <dgm:relIds xmlns:dgm="http://schemas.openxmlformats.org/drawingml/2006/diagram" xmlns:r="http://schemas.openxmlformats.org/officeDocument/2006/relationships" r:dm="rId3" r:lo="rId4" r:qs="rId5" r:cs="rId6"/>
-          </a:graphicData>
-        </a:graphic>
-      </p:graphicFrame>
-      <p:sp>
-        <p:nvSpPr>
-          <p:cNvPr id="4" name="TextBox 3"/>
-          <p:cNvSpPr txBox="1"/>
-          <p:nvPr/>
-        </p:nvSpPr>
-        <p:spPr>
-          <a:xfrm>
-            <a:off x="1828800" y="1625361"/>
-            <a:ext cx="2743200" cy="1569660"/>
-          </a:xfrm>
-          <a:prstGeom prst="rect">
-            <a:avLst/>
-          </a:prstGeom>
-          <a:noFill/>
-        </p:spPr>
-        <p:txBody>
-          <a:bodyPr wrap="square" rtlCol="0">
-            <a:spAutoFit/>
-          </a:bodyPr>
-          <a:lstStyle/>
-          <a:p>
-            <a:r>
-              <a:rPr lang="en-US" sz="2400" dirty="0"/>
-              <a:t>Write </a:t>
-            </a:r>
-            <a:r>
-              <a:rPr lang="en-US" sz="2400" dirty="0"/>
-              <a:t>a failing test for a new feature, i.e., specify a new </a:t>
-            </a:r>
-            <a:r>
-              <a:rPr lang="en-US" sz="2400" dirty="0"/>
-              <a:t>behavior</a:t>
-            </a:r>
-            <a:endParaRPr lang="en-US" sz="2400" dirty="0"/>
-          </a:p>
-        </p:txBody>
-      </p:sp>
-      <p:sp>
-        <p:nvSpPr>
-          <p:cNvPr id="6" name="TextBox 5"/>
-          <p:cNvSpPr txBox="1"/>
-          <p:nvPr/>
-        </p:nvSpPr>
-        <p:spPr>
-          <a:xfrm>
-            <a:off x="7924800" y="2441995"/>
-            <a:ext cx="2743200" cy="830997"/>
-          </a:xfrm>
-          <a:prstGeom prst="rect">
-            <a:avLst/>
-          </a:prstGeom>
-          <a:noFill/>
-        </p:spPr>
-        <p:txBody>
-          <a:bodyPr wrap="square" rtlCol="0">
-            <a:spAutoFit/>
-          </a:bodyPr>
-          <a:lstStyle/>
-          <a:p>
-            <a:r>
-              <a:rPr lang="en-US" sz="2400" dirty="0"/>
-              <a:t>Write </a:t>
-            </a:r>
-            <a:r>
-              <a:rPr lang="en-US" sz="2400" dirty="0"/>
-              <a:t>enough code to pass the </a:t>
-            </a:r>
-            <a:r>
-              <a:rPr lang="en-US" sz="2400" dirty="0"/>
-              <a:t>test</a:t>
-            </a:r>
-            <a:endParaRPr lang="en-US" sz="2400" dirty="0"/>
-          </a:p>
-        </p:txBody>
-      </p:sp>
-      <p:sp>
-        <p:nvSpPr>
-          <p:cNvPr id="7" name="TextBox 6"/>
-          <p:cNvSpPr txBox="1"/>
-          <p:nvPr/>
-        </p:nvSpPr>
-        <p:spPr>
-          <a:xfrm>
-            <a:off x="4292600" y="5054600"/>
-            <a:ext cx="3606800" cy="830997"/>
-          </a:xfrm>
-          <a:prstGeom prst="rect">
-            <a:avLst/>
-          </a:prstGeom>
-          <a:noFill/>
-        </p:spPr>
-        <p:txBody>
-          <a:bodyPr wrap="square" rtlCol="0">
-            <a:spAutoFit/>
-          </a:bodyPr>
-          <a:lstStyle/>
-          <a:p>
-            <a:r>
-              <a:rPr lang="en-US" sz="2400" dirty="0"/>
-              <a:t>Simplify</a:t>
-            </a:r>
-            <a:r>
-              <a:rPr lang="en-US" sz="2400" dirty="0"/>
-              <a:t>, consolidate and </a:t>
-            </a:r>
-            <a:r>
-              <a:rPr lang="en-US" sz="2400" dirty="0"/>
-              <a:t>generalize </a:t>
-            </a:r>
-            <a:r>
-              <a:rPr lang="en-US" sz="2400" dirty="0"/>
-              <a:t>code and tests </a:t>
-            </a:r>
-          </a:p>
-        </p:txBody>
-      </p:sp>
-    </p:spTree>
-    <p:extLst>
-      <p:ext uri="{BB962C8B-B14F-4D97-AF65-F5344CB8AC3E}">
-        <p14:creationId xmlns:p14="http://schemas.microsoft.com/office/powerpoint/2010/main" val="2111518073"/>
-      </p:ext>
-    </p:extLst>
-  </p:cSld>
-  <p:clrMapOvr>
-    <a:masterClrMapping/>
-  </p:clrMapOvr>
-  <mc:AlternateContent xmlns:mc="http://schemas.openxmlformats.org/markup-compatibility/2006" xmlns:p14="http://schemas.microsoft.com/office/powerpoint/2010/main">
-    <mc:Choice Requires="p14">
-      <p:transition p14:dur="0"/>
-    </mc:Choice>
-    <mc:Fallback xmlns="">
-      <p:transition/>
-    </mc:Fallback>
-  </mc:AlternateContent>
-  <p:timing>
-    <p:tnLst>
-      <p:par>
-        <p:cTn id="1" dur="indefinite" restart="never" nodeType="tmRoot"/>
-      </p:par>
-    </p:tnLst>
-  </p:timing>
-</p:sld>
-</file>
-
 <file path=ppt/slides/slide21.xml><?xml version="1.0" encoding="utf-8"?>
 <p:sld xmlns:a="http://schemas.openxmlformats.org/drawingml/2006/main" xmlns:r="http://schemas.openxmlformats.org/officeDocument/2006/relationships" xmlns:p="http://schemas.openxmlformats.org/presentationml/2006/main">
   <p:cSld>
@@ -11191,14 +11425,16 @@
         </p:nvSpPr>
         <p:spPr/>
         <p:txBody>
-          <a:bodyPr/>
-          <a:lstStyle/>
-          <a:p>
-            <a:r>
-              <a:rPr lang="en-US" dirty="0" smtClean="0"/>
-              <a:t>TDD step size</a:t>
-            </a:r>
-            <a:endParaRPr lang="en-US" dirty="0"/>
+          <a:bodyPr>
+            <a:normAutofit/>
+          </a:bodyPr>
+          <a:lstStyle/>
+          <a:p>
+            <a:r>
+              <a:rPr lang="de-DE" dirty="0" smtClean="0"/>
+              <a:t>Unit Tests</a:t>
+            </a:r>
+            <a:endParaRPr lang="de-DE" dirty="0"/>
           </a:p>
         </p:txBody>
       </p:sp>
@@ -11214,38 +11450,81 @@
         </p:nvSpPr>
         <p:spPr/>
         <p:txBody>
-          <a:bodyPr/>
-          <a:lstStyle/>
-          <a:p>
-            <a:r>
-              <a:rPr lang="en-US" dirty="0" smtClean="0"/>
-              <a:t>Do not write more code than you need</a:t>
-            </a:r>
-          </a:p>
-          <a:p>
-            <a:r>
-              <a:rPr lang="en-US" dirty="0" smtClean="0"/>
-              <a:t>Write tests that test small portions of functionality</a:t>
-            </a:r>
-          </a:p>
-          <a:p>
-            <a:r>
-              <a:rPr lang="en-US" dirty="0" smtClean="0"/>
-              <a:t>Step “size“ can be adjusted according to convenience</a:t>
-            </a:r>
-          </a:p>
+          <a:bodyPr>
+            <a:normAutofit fontScale="77500" lnSpcReduction="20000"/>
+          </a:bodyPr>
+          <a:lstStyle/>
           <a:p>
             <a:pPr marL="0" indent="0">
               <a:buNone/>
             </a:pPr>
-            <a:endParaRPr lang="en-US" b="1" dirty="0"/>
+            <a:r>
+              <a:rPr lang="en-US" dirty="0" smtClean="0"/>
+              <a:t>A test is not a unit test if: </a:t>
+            </a:r>
+          </a:p>
+          <a:p>
+            <a:r>
+              <a:rPr lang="en-US" sz="4133" dirty="0"/>
+              <a:t>It talks to the database </a:t>
+            </a:r>
+          </a:p>
+          <a:p>
+            <a:r>
+              <a:rPr lang="en-US" sz="4133" dirty="0"/>
+              <a:t>It communicates across the network </a:t>
+            </a:r>
+          </a:p>
+          <a:p>
+            <a:r>
+              <a:rPr lang="en-US" sz="4133" dirty="0"/>
+              <a:t>It touches the file system </a:t>
+            </a:r>
+          </a:p>
+          <a:p>
+            <a:r>
+              <a:rPr lang="en-US" sz="4133" dirty="0"/>
+              <a:t>It can't run at the same time as any of your other unit tests </a:t>
+            </a:r>
+          </a:p>
+          <a:p>
+            <a:r>
+              <a:rPr lang="en-US" sz="4133" dirty="0"/>
+              <a:t>You have to do special things to your environment (such as editing </a:t>
+            </a:r>
+            <a:r>
+              <a:rPr lang="en-US" sz="4133" dirty="0" err="1"/>
+              <a:t>config</a:t>
+            </a:r>
+            <a:r>
+              <a:rPr lang="en-US" sz="4133" dirty="0"/>
+              <a:t> files) to run it.</a:t>
+            </a:r>
+          </a:p>
+          <a:p>
+            <a:pPr marL="0" indent="0" algn="r">
+              <a:buNone/>
+            </a:pPr>
+            <a:endParaRPr lang="en-US" dirty="0" smtClean="0"/>
+          </a:p>
+          <a:p>
+            <a:pPr marL="0" indent="0" algn="r">
+              <a:buNone/>
+            </a:pPr>
+            <a:r>
+              <a:rPr lang="en-US" sz="3467" dirty="0"/>
+              <a:t>Michael Feathers, "A Set of Unit Testing Rules" </a:t>
+            </a:r>
+          </a:p>
+          <a:p>
+            <a:endParaRPr lang="en-US" dirty="0"/>
           </a:p>
         </p:txBody>
       </p:sp>
     </p:spTree>
     <p:extLst>
       <p:ext uri="{BB962C8B-B14F-4D97-AF65-F5344CB8AC3E}">
-        <p14:creationId xmlns:p14="http://schemas.microsoft.com/office/powerpoint/2010/main" val="1352476767"/>
+        <p14:creationId xmlns:p14="http://schemas.microsoft.com/office/powerpoint/2010/main" val="4048085851"/>
       </p:ext>
     </p:extLst>
   </p:cSld>
@@ -11289,6 +11568,798 @@
       </p:grpSpPr>
       <p:sp>
         <p:nvSpPr>
+          <p:cNvPr id="2" name="Title 1"/>
+          <p:cNvSpPr>
+            <a:spLocks noGrp="1"/>
+          </p:cNvSpPr>
+          <p:nvPr>
+            <p:ph type="title"/>
+          </p:nvPr>
+        </p:nvSpPr>
+        <p:spPr>
+          <a:xfrm>
+            <a:off x="1981200" y="274638"/>
+            <a:ext cx="8229600" cy="792162"/>
+          </a:xfrm>
+        </p:spPr>
+        <p:txBody>
+          <a:bodyPr>
+            <a:normAutofit fontScale="90000"/>
+          </a:bodyPr>
+          <a:lstStyle/>
+          <a:p>
+            <a:r>
+              <a:rPr lang="en-US" dirty="0" smtClean="0"/>
+              <a:t>F.I.R.S.T</a:t>
+            </a:r>
+            <a:br>
+              <a:rPr lang="en-US" dirty="0" smtClean="0"/>
+            </a:br>
+            <a:endParaRPr lang="en-US" dirty="0"/>
+          </a:p>
+        </p:txBody>
+      </p:sp>
+      <p:sp>
+        <p:nvSpPr>
+          <p:cNvPr id="3" name="Content Placeholder 2"/>
+          <p:cNvSpPr>
+            <a:spLocks noGrp="1"/>
+          </p:cNvSpPr>
+          <p:nvPr>
+            <p:ph idx="1"/>
+          </p:nvPr>
+        </p:nvSpPr>
+        <p:spPr>
+          <a:xfrm>
+            <a:off x="1905000" y="1219200"/>
+            <a:ext cx="8229600" cy="5638800"/>
+          </a:xfrm>
+        </p:spPr>
+        <p:txBody>
+          <a:bodyPr>
+            <a:noAutofit/>
+          </a:bodyPr>
+          <a:lstStyle/>
+          <a:p>
+            <a:pPr>
+              <a:buNone/>
+            </a:pPr>
+            <a:r>
+              <a:rPr lang="en-US" sz="1900" b="1" i="1" u="sng" dirty="0"/>
+              <a:t>Fast </a:t>
+            </a:r>
+          </a:p>
+          <a:p>
+            <a:pPr>
+              <a:buNone/>
+            </a:pPr>
+            <a:r>
+              <a:rPr lang="en-US" sz="1900" b="1" dirty="0"/>
+              <a:t>    </a:t>
+            </a:r>
+            <a:r>
+              <a:rPr lang="en-US" sz="1900" dirty="0"/>
+              <a:t>Tests should be fast. They should run quickly. </a:t>
+            </a:r>
+          </a:p>
+          <a:p>
+            <a:pPr>
+              <a:buNone/>
+            </a:pPr>
+            <a:endParaRPr lang="en-US" sz="1900" dirty="0"/>
+          </a:p>
+          <a:p>
+            <a:pPr>
+              <a:buNone/>
+            </a:pPr>
+            <a:r>
+              <a:rPr lang="en-US" sz="1900" dirty="0"/>
+              <a:t>	When tests run slow, you won’t want to run them frequently. If you don’t run them frequently, you won’t find problems early enough to fix them easily. You won’t feel as free to clean up the code. Eventually the code will begin to rot.</a:t>
+            </a:r>
+          </a:p>
+          <a:p>
+            <a:pPr>
+              <a:buNone/>
+            </a:pPr>
+            <a:endParaRPr lang="en-US" sz="1900" dirty="0"/>
+          </a:p>
+          <a:p>
+            <a:pPr>
+              <a:buNone/>
+            </a:pPr>
+            <a:r>
+              <a:rPr lang="en-US" sz="1900" b="1" i="1" u="sng" dirty="0"/>
+              <a:t>Independent </a:t>
+            </a:r>
+          </a:p>
+          <a:p>
+            <a:pPr>
+              <a:buNone/>
+            </a:pPr>
+            <a:r>
+              <a:rPr lang="en-US" sz="1900" b="1" dirty="0"/>
+              <a:t>     </a:t>
+            </a:r>
+            <a:r>
+              <a:rPr lang="en-US" sz="1900" dirty="0"/>
+              <a:t>Tests should not depend on each other. </a:t>
+            </a:r>
+          </a:p>
+          <a:p>
+            <a:pPr>
+              <a:buNone/>
+            </a:pPr>
+            <a:r>
+              <a:rPr lang="en-US" sz="1900" dirty="0"/>
+              <a:t>	</a:t>
+            </a:r>
+          </a:p>
+          <a:p>
+            <a:pPr>
+              <a:buNone/>
+            </a:pPr>
+            <a:r>
+              <a:rPr lang="en-US" sz="1900" dirty="0"/>
+              <a:t>	One test should not set up the conditions for the next test. You should be able to run each test independently and run the tests in any order you like. </a:t>
+            </a:r>
+          </a:p>
+          <a:p>
+            <a:pPr>
+              <a:buNone/>
+            </a:pPr>
+            <a:endParaRPr lang="en-US" sz="1900" dirty="0"/>
+          </a:p>
+          <a:p>
+            <a:pPr>
+              <a:buNone/>
+            </a:pPr>
+            <a:r>
+              <a:rPr lang="en-US" sz="1900" dirty="0"/>
+              <a:t>	When tests depend on each other, then the first one to fail causes a cascade of downstream failures, making diagnosis difficult and hiding downstream defects.</a:t>
+            </a:r>
+          </a:p>
+        </p:txBody>
+      </p:sp>
+      <p:sp>
+        <p:nvSpPr>
+          <p:cNvPr id="4" name="Slide Number Placeholder 3"/>
+          <p:cNvSpPr>
+            <a:spLocks noGrp="1"/>
+          </p:cNvSpPr>
+          <p:nvPr>
+            <p:ph type="sldNum" sz="quarter" idx="12"/>
+          </p:nvPr>
+        </p:nvSpPr>
+        <p:spPr/>
+        <p:txBody>
+          <a:bodyPr/>
+          <a:lstStyle/>
+          <a:p>
+            <a:fld id="{2387B7E2-7538-4163-9310-D5E6EE1BC12A}" type="slidenum">
+              <a:rPr lang="en-US" smtClean="0"/>
+              <a:pPr/>
+              <a:t>22</a:t>
+            </a:fld>
+            <a:endParaRPr lang="en-US"/>
+          </a:p>
+        </p:txBody>
+      </p:sp>
+    </p:spTree>
+    <p:extLst>
+      <p:ext uri="{BB962C8B-B14F-4D97-AF65-F5344CB8AC3E}">
+        <p14:creationId xmlns:p14="http://schemas.microsoft.com/office/powerpoint/2010/main" val="2219544754"/>
+      </p:ext>
+    </p:extLst>
+  </p:cSld>
+  <p:clrMapOvr>
+    <a:masterClrMapping/>
+  </p:clrMapOvr>
+  <p:timing>
+    <p:tnLst>
+      <p:par>
+        <p:cTn id="1" dur="indefinite" restart="never" nodeType="tmRoot"/>
+      </p:par>
+    </p:tnLst>
+  </p:timing>
+</p:sld>
+</file>
+
+<file path=ppt/slides/slide23.xml><?xml version="1.0" encoding="utf-8"?>
+<p:sld xmlns:a="http://schemas.openxmlformats.org/drawingml/2006/main" xmlns:r="http://schemas.openxmlformats.org/officeDocument/2006/relationships" xmlns:p="http://schemas.openxmlformats.org/presentationml/2006/main">
+  <p:cSld>
+    <p:spTree>
+      <p:nvGrpSpPr>
+        <p:cNvPr id="1" name=""/>
+        <p:cNvGrpSpPr/>
+        <p:nvPr/>
+      </p:nvGrpSpPr>
+      <p:grpSpPr>
+        <a:xfrm>
+          <a:off x="0" y="0"/>
+          <a:ext cx="0" cy="0"/>
+          <a:chOff x="0" y="0"/>
+          <a:chExt cx="0" cy="0"/>
+        </a:xfrm>
+      </p:grpSpPr>
+      <p:sp>
+        <p:nvSpPr>
+          <p:cNvPr id="3" name="Content Placeholder 2"/>
+          <p:cNvSpPr>
+            <a:spLocks noGrp="1"/>
+          </p:cNvSpPr>
+          <p:nvPr>
+            <p:ph idx="1"/>
+          </p:nvPr>
+        </p:nvSpPr>
+        <p:spPr>
+          <a:xfrm>
+            <a:off x="2133600" y="228600"/>
+            <a:ext cx="7772400" cy="6248400"/>
+          </a:xfrm>
+        </p:spPr>
+        <p:txBody>
+          <a:bodyPr>
+            <a:noAutofit/>
+          </a:bodyPr>
+          <a:lstStyle/>
+          <a:p>
+            <a:pPr>
+              <a:lnSpc>
+                <a:spcPct val="80000"/>
+              </a:lnSpc>
+              <a:buNone/>
+            </a:pPr>
+            <a:r>
+              <a:rPr lang="en-US" sz="1900" b="1" i="1" u="sng" dirty="0"/>
+              <a:t>Repeatable </a:t>
+            </a:r>
+            <a:endParaRPr lang="en-US" sz="1900" dirty="0"/>
+          </a:p>
+          <a:p>
+            <a:pPr marL="0" indent="0">
+              <a:buNone/>
+            </a:pPr>
+            <a:r>
+              <a:rPr lang="en-US" sz="1900" dirty="0"/>
+              <a:t>Tests should be repeatable in any environment. You should be able to run the tests in the production environment, in the QA environment, without a network.</a:t>
+            </a:r>
+          </a:p>
+          <a:p>
+            <a:pPr marL="0" indent="0">
+              <a:buNone/>
+            </a:pPr>
+            <a:endParaRPr lang="en-US" sz="1900" dirty="0"/>
+          </a:p>
+          <a:p>
+            <a:pPr marL="0" indent="0">
+              <a:buNone/>
+            </a:pPr>
+            <a:r>
+              <a:rPr lang="en-US" sz="1900" dirty="0"/>
+              <a:t> If your tests aren’t repeatable in any environment, then you’ll always have an excuse for why they fail. You’ll also find yourself unable  to run the tests when the environment isn’t available.</a:t>
+            </a:r>
+          </a:p>
+          <a:p>
+            <a:pPr>
+              <a:lnSpc>
+                <a:spcPct val="80000"/>
+              </a:lnSpc>
+              <a:buNone/>
+            </a:pPr>
+            <a:endParaRPr lang="en-US" sz="1900" b="1" i="1" u="sng" dirty="0"/>
+          </a:p>
+          <a:p>
+            <a:pPr>
+              <a:lnSpc>
+                <a:spcPct val="80000"/>
+              </a:lnSpc>
+              <a:buNone/>
+            </a:pPr>
+            <a:r>
+              <a:rPr lang="en-US" sz="1900" b="1" i="1" u="sng" dirty="0"/>
+              <a:t>Self-Validating </a:t>
+            </a:r>
+          </a:p>
+          <a:p>
+            <a:pPr marL="0" indent="0">
+              <a:buNone/>
+            </a:pPr>
+            <a:r>
+              <a:rPr lang="en-US" sz="1900" dirty="0"/>
+              <a:t>The tests should have a </a:t>
+            </a:r>
+            <a:r>
+              <a:rPr lang="en-US" sz="1900" dirty="0" err="1"/>
+              <a:t>boolean</a:t>
+            </a:r>
+            <a:r>
+              <a:rPr lang="en-US" sz="1900" dirty="0"/>
+              <a:t> output. Either they pass or fail. </a:t>
+            </a:r>
+          </a:p>
+          <a:p>
+            <a:pPr marL="0" indent="0">
+              <a:buNone/>
+            </a:pPr>
+            <a:endParaRPr lang="en-US" sz="1900" dirty="0"/>
+          </a:p>
+          <a:p>
+            <a:pPr marL="0" indent="0">
+              <a:buNone/>
+            </a:pPr>
+            <a:r>
+              <a:rPr lang="en-US" sz="1900" dirty="0"/>
+              <a:t>You should not have to read through a log file to tell whether the tests pass. If the tests aren’t self-validating, then failure can become subjective and running the tests can require a long manual evaluation.</a:t>
+            </a:r>
+          </a:p>
+        </p:txBody>
+      </p:sp>
+      <p:sp>
+        <p:nvSpPr>
+          <p:cNvPr id="4" name="Slide Number Placeholder 3"/>
+          <p:cNvSpPr>
+            <a:spLocks noGrp="1"/>
+          </p:cNvSpPr>
+          <p:nvPr>
+            <p:ph type="sldNum" sz="quarter" idx="12"/>
+          </p:nvPr>
+        </p:nvSpPr>
+        <p:spPr/>
+        <p:txBody>
+          <a:bodyPr/>
+          <a:lstStyle/>
+          <a:p>
+            <a:fld id="{2387B7E2-7538-4163-9310-D5E6EE1BC12A}" type="slidenum">
+              <a:rPr lang="en-US" smtClean="0"/>
+              <a:pPr/>
+              <a:t>23</a:t>
+            </a:fld>
+            <a:endParaRPr lang="en-US"/>
+          </a:p>
+        </p:txBody>
+      </p:sp>
+    </p:spTree>
+    <p:extLst>
+      <p:ext uri="{BB962C8B-B14F-4D97-AF65-F5344CB8AC3E}">
+        <p14:creationId xmlns:p14="http://schemas.microsoft.com/office/powerpoint/2010/main" val="377192542"/>
+      </p:ext>
+    </p:extLst>
+  </p:cSld>
+  <p:clrMapOvr>
+    <a:masterClrMapping/>
+  </p:clrMapOvr>
+  <p:timing>
+    <p:tnLst>
+      <p:par>
+        <p:cTn id="1" dur="indefinite" restart="never" nodeType="tmRoot"/>
+      </p:par>
+    </p:tnLst>
+  </p:timing>
+</p:sld>
+</file>
+
+<file path=ppt/slides/slide24.xml><?xml version="1.0" encoding="utf-8"?>
+<p:sld xmlns:a="http://schemas.openxmlformats.org/drawingml/2006/main" xmlns:r="http://schemas.openxmlformats.org/officeDocument/2006/relationships" xmlns:p="http://schemas.openxmlformats.org/presentationml/2006/main">
+  <p:cSld>
+    <p:spTree>
+      <p:nvGrpSpPr>
+        <p:cNvPr id="1" name=""/>
+        <p:cNvGrpSpPr/>
+        <p:nvPr/>
+      </p:nvGrpSpPr>
+      <p:grpSpPr>
+        <a:xfrm>
+          <a:off x="0" y="0"/>
+          <a:ext cx="0" cy="0"/>
+          <a:chOff x="0" y="0"/>
+          <a:chExt cx="0" cy="0"/>
+        </a:xfrm>
+      </p:grpSpPr>
+      <p:sp>
+        <p:nvSpPr>
+          <p:cNvPr id="3" name="Content Placeholder 2"/>
+          <p:cNvSpPr>
+            <a:spLocks noGrp="1"/>
+          </p:cNvSpPr>
+          <p:nvPr>
+            <p:ph idx="1"/>
+          </p:nvPr>
+        </p:nvSpPr>
+        <p:spPr>
+          <a:xfrm>
+            <a:off x="1981200" y="1066800"/>
+            <a:ext cx="8229600" cy="5257800"/>
+          </a:xfrm>
+        </p:spPr>
+        <p:txBody>
+          <a:bodyPr/>
+          <a:lstStyle/>
+          <a:p>
+            <a:pPr>
+              <a:buNone/>
+            </a:pPr>
+            <a:r>
+              <a:rPr lang="en-US" sz="2500" b="1" i="1" u="sng" dirty="0"/>
+              <a:t>Timely </a:t>
+            </a:r>
+          </a:p>
+          <a:p>
+            <a:pPr>
+              <a:buNone/>
+            </a:pPr>
+            <a:r>
+              <a:rPr lang="en-US" dirty="0" smtClean="0"/>
+              <a:t>	</a:t>
+            </a:r>
+            <a:r>
+              <a:rPr lang="en-US" sz="2500" dirty="0"/>
+              <a:t>The tests need to be written in a timely fashion. Unit tests should be written just before the production code that makes them pass.</a:t>
+            </a:r>
+          </a:p>
+          <a:p>
+            <a:pPr>
+              <a:buNone/>
+            </a:pPr>
+            <a:endParaRPr lang="en-US" sz="2500" dirty="0"/>
+          </a:p>
+          <a:p>
+            <a:pPr>
+              <a:buNone/>
+            </a:pPr>
+            <a:r>
+              <a:rPr lang="en-US" sz="2500" dirty="0"/>
+              <a:t>	 If you write tests after the production code, then you may find the production code to be hard to test. You may decide that some production code is too hard to test. You may not design the production code to be testable.</a:t>
+            </a:r>
+          </a:p>
+          <a:p>
+            <a:endParaRPr lang="en-GB" dirty="0"/>
+          </a:p>
+        </p:txBody>
+      </p:sp>
+      <p:sp>
+        <p:nvSpPr>
+          <p:cNvPr id="4" name="Slide Number Placeholder 3"/>
+          <p:cNvSpPr>
+            <a:spLocks noGrp="1"/>
+          </p:cNvSpPr>
+          <p:nvPr>
+            <p:ph type="sldNum" sz="quarter" idx="12"/>
+          </p:nvPr>
+        </p:nvSpPr>
+        <p:spPr/>
+        <p:txBody>
+          <a:bodyPr/>
+          <a:lstStyle/>
+          <a:p>
+            <a:fld id="{2387B7E2-7538-4163-9310-D5E6EE1BC12A}" type="slidenum">
+              <a:rPr lang="en-US" smtClean="0"/>
+              <a:pPr/>
+              <a:t>24</a:t>
+            </a:fld>
+            <a:endParaRPr lang="en-US"/>
+          </a:p>
+        </p:txBody>
+      </p:sp>
+    </p:spTree>
+    <p:extLst>
+      <p:ext uri="{BB962C8B-B14F-4D97-AF65-F5344CB8AC3E}">
+        <p14:creationId xmlns:p14="http://schemas.microsoft.com/office/powerpoint/2010/main" val="841361684"/>
+      </p:ext>
+    </p:extLst>
+  </p:cSld>
+  <p:clrMapOvr>
+    <a:masterClrMapping/>
+  </p:clrMapOvr>
+  <p:timing>
+    <p:tnLst>
+      <p:par>
+        <p:cTn id="1" dur="indefinite" restart="never" nodeType="tmRoot"/>
+      </p:par>
+    </p:tnLst>
+  </p:timing>
+</p:sld>
+</file>
+
+<file path=ppt/slides/slide25.xml><?xml version="1.0" encoding="utf-8"?>
+<p:sld xmlns:a="http://schemas.openxmlformats.org/drawingml/2006/main" xmlns:r="http://schemas.openxmlformats.org/officeDocument/2006/relationships" xmlns:p="http://schemas.openxmlformats.org/presentationml/2006/main">
+  <p:cSld>
+    <p:spTree>
+      <p:nvGrpSpPr>
+        <p:cNvPr id="1" name=""/>
+        <p:cNvGrpSpPr/>
+        <p:nvPr/>
+      </p:nvGrpSpPr>
+      <p:grpSpPr>
+        <a:xfrm>
+          <a:off x="0" y="0"/>
+          <a:ext cx="0" cy="0"/>
+          <a:chOff x="0" y="0"/>
+          <a:chExt cx="0" cy="0"/>
+        </a:xfrm>
+      </p:grpSpPr>
+      <p:sp>
+        <p:nvSpPr>
+          <p:cNvPr id="2" name="Titel 1"/>
+          <p:cNvSpPr>
+            <a:spLocks noGrp="1"/>
+          </p:cNvSpPr>
+          <p:nvPr>
+            <p:ph type="title"/>
+          </p:nvPr>
+        </p:nvSpPr>
+        <p:spPr/>
+        <p:txBody>
+          <a:bodyPr/>
+          <a:lstStyle/>
+          <a:p>
+            <a:r>
+              <a:rPr lang="en-US" dirty="0" smtClean="0"/>
+              <a:t>The TDD mantra</a:t>
+            </a:r>
+            <a:endParaRPr lang="en-US" dirty="0"/>
+          </a:p>
+        </p:txBody>
+      </p:sp>
+      <p:graphicFrame>
+        <p:nvGraphicFramePr>
+          <p:cNvPr id="3" name="Diagram 2"/>
+          <p:cNvGraphicFramePr/>
+          <p:nvPr>
+            <p:extLst/>
+          </p:nvPr>
+        </p:nvGraphicFramePr>
+        <p:xfrm>
+          <a:off x="3149600" y="1295400"/>
+          <a:ext cx="5892800" cy="3928533"/>
+        </p:xfrm>
+        <a:graphic>
+          <a:graphicData uri="http://schemas.openxmlformats.org/drawingml/2006/diagram">
+            <dgm:relIds xmlns:dgm="http://schemas.openxmlformats.org/drawingml/2006/diagram" xmlns:r="http://schemas.openxmlformats.org/officeDocument/2006/relationships" r:dm="rId3" r:lo="rId4" r:qs="rId5" r:cs="rId6"/>
+          </a:graphicData>
+        </a:graphic>
+      </p:graphicFrame>
+      <p:sp>
+        <p:nvSpPr>
+          <p:cNvPr id="4" name="TextBox 3"/>
+          <p:cNvSpPr txBox="1"/>
+          <p:nvPr/>
+        </p:nvSpPr>
+        <p:spPr>
+          <a:xfrm>
+            <a:off x="1828800" y="1625361"/>
+            <a:ext cx="2743200" cy="1569660"/>
+          </a:xfrm>
+          <a:prstGeom prst="rect">
+            <a:avLst/>
+          </a:prstGeom>
+          <a:noFill/>
+        </p:spPr>
+        <p:txBody>
+          <a:bodyPr wrap="square" rtlCol="0">
+            <a:spAutoFit/>
+          </a:bodyPr>
+          <a:lstStyle/>
+          <a:p>
+            <a:r>
+              <a:rPr lang="en-US" sz="2400" dirty="0"/>
+              <a:t>Write a failing test for a new feature, i.e., specify a new behavior</a:t>
+            </a:r>
+          </a:p>
+        </p:txBody>
+      </p:sp>
+      <p:sp>
+        <p:nvSpPr>
+          <p:cNvPr id="6" name="TextBox 5"/>
+          <p:cNvSpPr txBox="1"/>
+          <p:nvPr/>
+        </p:nvSpPr>
+        <p:spPr>
+          <a:xfrm>
+            <a:off x="7924800" y="2441995"/>
+            <a:ext cx="2743200" cy="830997"/>
+          </a:xfrm>
+          <a:prstGeom prst="rect">
+            <a:avLst/>
+          </a:prstGeom>
+          <a:noFill/>
+        </p:spPr>
+        <p:txBody>
+          <a:bodyPr wrap="square" rtlCol="0">
+            <a:spAutoFit/>
+          </a:bodyPr>
+          <a:lstStyle/>
+          <a:p>
+            <a:r>
+              <a:rPr lang="en-US" sz="2400" dirty="0"/>
+              <a:t>Write enough code to pass the test</a:t>
+            </a:r>
+          </a:p>
+        </p:txBody>
+      </p:sp>
+      <p:sp>
+        <p:nvSpPr>
+          <p:cNvPr id="7" name="TextBox 6"/>
+          <p:cNvSpPr txBox="1"/>
+          <p:nvPr/>
+        </p:nvSpPr>
+        <p:spPr>
+          <a:xfrm>
+            <a:off x="4292600" y="5054600"/>
+            <a:ext cx="3606800" cy="830997"/>
+          </a:xfrm>
+          <a:prstGeom prst="rect">
+            <a:avLst/>
+          </a:prstGeom>
+          <a:noFill/>
+        </p:spPr>
+        <p:txBody>
+          <a:bodyPr wrap="square" rtlCol="0">
+            <a:spAutoFit/>
+          </a:bodyPr>
+          <a:lstStyle/>
+          <a:p>
+            <a:r>
+              <a:rPr lang="en-US" sz="2400" dirty="0"/>
+              <a:t>Simplify, consolidate and generalize code and tests </a:t>
+            </a:r>
+          </a:p>
+        </p:txBody>
+      </p:sp>
+    </p:spTree>
+    <p:extLst>
+      <p:ext uri="{BB962C8B-B14F-4D97-AF65-F5344CB8AC3E}">
+        <p14:creationId xmlns:p14="http://schemas.microsoft.com/office/powerpoint/2010/main" val="2111518073"/>
+      </p:ext>
+    </p:extLst>
+  </p:cSld>
+  <p:clrMapOvr>
+    <a:masterClrMapping/>
+  </p:clrMapOvr>
+  <mc:AlternateContent xmlns:mc="http://schemas.openxmlformats.org/markup-compatibility/2006" xmlns:p14="http://schemas.microsoft.com/office/powerpoint/2010/main">
+    <mc:Choice Requires="p14">
+      <p:transition p14:dur="0"/>
+    </mc:Choice>
+    <mc:Fallback xmlns="">
+      <p:transition/>
+    </mc:Fallback>
+  </mc:AlternateContent>
+  <p:timing>
+    <p:tnLst>
+      <p:par>
+        <p:cTn id="1" dur="indefinite" restart="never" nodeType="tmRoot"/>
+      </p:par>
+    </p:tnLst>
+  </p:timing>
+</p:sld>
+</file>
+
+<file path=ppt/slides/slide26.xml><?xml version="1.0" encoding="utf-8"?>
+<p:sld xmlns:a="http://schemas.openxmlformats.org/drawingml/2006/main" xmlns:r="http://schemas.openxmlformats.org/officeDocument/2006/relationships" xmlns:p="http://schemas.openxmlformats.org/presentationml/2006/main">
+  <p:cSld>
+    <p:spTree>
+      <p:nvGrpSpPr>
+        <p:cNvPr id="1" name=""/>
+        <p:cNvGrpSpPr/>
+        <p:nvPr/>
+      </p:nvGrpSpPr>
+      <p:grpSpPr>
+        <a:xfrm>
+          <a:off x="0" y="0"/>
+          <a:ext cx="0" cy="0"/>
+          <a:chOff x="0" y="0"/>
+          <a:chExt cx="0" cy="0"/>
+        </a:xfrm>
+      </p:grpSpPr>
+      <p:sp>
+        <p:nvSpPr>
+          <p:cNvPr id="2" name="Titel 1"/>
+          <p:cNvSpPr>
+            <a:spLocks noGrp="1"/>
+          </p:cNvSpPr>
+          <p:nvPr>
+            <p:ph type="title"/>
+          </p:nvPr>
+        </p:nvSpPr>
+        <p:spPr/>
+        <p:txBody>
+          <a:bodyPr/>
+          <a:lstStyle/>
+          <a:p>
+            <a:r>
+              <a:rPr lang="en-US" dirty="0" smtClean="0"/>
+              <a:t>TDD step size</a:t>
+            </a:r>
+            <a:endParaRPr lang="en-US" dirty="0"/>
+          </a:p>
+        </p:txBody>
+      </p:sp>
+      <p:sp>
+        <p:nvSpPr>
+          <p:cNvPr id="3" name="Inhaltsplatzhalter 2"/>
+          <p:cNvSpPr>
+            <a:spLocks noGrp="1"/>
+          </p:cNvSpPr>
+          <p:nvPr>
+            <p:ph idx="1"/>
+          </p:nvPr>
+        </p:nvSpPr>
+        <p:spPr/>
+        <p:txBody>
+          <a:bodyPr/>
+          <a:lstStyle/>
+          <a:p>
+            <a:r>
+              <a:rPr lang="en-US" dirty="0" smtClean="0"/>
+              <a:t>Do not write more code than you need</a:t>
+            </a:r>
+          </a:p>
+          <a:p>
+            <a:r>
+              <a:rPr lang="en-US" dirty="0" smtClean="0"/>
+              <a:t>Write tests that test small portions of functionality</a:t>
+            </a:r>
+          </a:p>
+          <a:p>
+            <a:r>
+              <a:rPr lang="en-US" dirty="0" smtClean="0"/>
+              <a:t>Step “size“ can be adjusted according to convenience</a:t>
+            </a:r>
+          </a:p>
+          <a:p>
+            <a:pPr marL="0" indent="0">
+              <a:buNone/>
+            </a:pPr>
+            <a:endParaRPr lang="en-US" b="1" dirty="0"/>
+          </a:p>
+        </p:txBody>
+      </p:sp>
+    </p:spTree>
+    <p:extLst>
+      <p:ext uri="{BB962C8B-B14F-4D97-AF65-F5344CB8AC3E}">
+        <p14:creationId xmlns:p14="http://schemas.microsoft.com/office/powerpoint/2010/main" val="1352476767"/>
+      </p:ext>
+    </p:extLst>
+  </p:cSld>
+  <p:clrMapOvr>
+    <a:masterClrMapping/>
+  </p:clrMapOvr>
+  <mc:AlternateContent xmlns:mc="http://schemas.openxmlformats.org/markup-compatibility/2006" xmlns:p14="http://schemas.microsoft.com/office/powerpoint/2010/main">
+    <mc:Choice Requires="p14">
+      <p:transition p14:dur="0"/>
+    </mc:Choice>
+    <mc:Fallback xmlns="">
+      <p:transition/>
+    </mc:Fallback>
+  </mc:AlternateContent>
+  <p:timing>
+    <p:tnLst>
+      <p:par>
+        <p:cTn id="1" dur="indefinite" restart="never" nodeType="tmRoot"/>
+      </p:par>
+    </p:tnLst>
+  </p:timing>
+</p:sld>
+</file>
+
+<file path=ppt/slides/slide27.xml><?xml version="1.0" encoding="utf-8"?>
+<p:sld xmlns:a="http://schemas.openxmlformats.org/drawingml/2006/main" xmlns:r="http://schemas.openxmlformats.org/officeDocument/2006/relationships" xmlns:p="http://schemas.openxmlformats.org/presentationml/2006/main">
+  <p:cSld>
+    <p:spTree>
+      <p:nvGrpSpPr>
+        <p:cNvPr id="1" name=""/>
+        <p:cNvGrpSpPr/>
+        <p:nvPr/>
+      </p:nvGrpSpPr>
+      <p:grpSpPr>
+        <a:xfrm>
+          <a:off x="0" y="0"/>
+          <a:ext cx="0" cy="0"/>
+          <a:chOff x="0" y="0"/>
+          <a:chExt cx="0" cy="0"/>
+        </a:xfrm>
+      </p:grpSpPr>
+      <p:sp>
+        <p:nvSpPr>
           <p:cNvPr id="2" name="Titel 1"/>
           <p:cNvSpPr>
             <a:spLocks noGrp="1"/>
@@ -11369,644 +12440,6 @@
 </p:sld>
 </file>
 
-<file path=ppt/slides/slide23.xml><?xml version="1.0" encoding="utf-8"?>
-<p:sld xmlns:a="http://schemas.openxmlformats.org/drawingml/2006/main" xmlns:r="http://schemas.openxmlformats.org/officeDocument/2006/relationships" xmlns:p="http://schemas.openxmlformats.org/presentationml/2006/main">
-  <p:cSld>
-    <p:spTree>
-      <p:nvGrpSpPr>
-        <p:cNvPr id="1" name=""/>
-        <p:cNvGrpSpPr/>
-        <p:nvPr/>
-      </p:nvGrpSpPr>
-      <p:grpSpPr>
-        <a:xfrm>
-          <a:off x="0" y="0"/>
-          <a:ext cx="0" cy="0"/>
-          <a:chOff x="0" y="0"/>
-          <a:chExt cx="0" cy="0"/>
-        </a:xfrm>
-      </p:grpSpPr>
-      <p:sp>
-        <p:nvSpPr>
-          <p:cNvPr id="2" name="Title 1"/>
-          <p:cNvSpPr>
-            <a:spLocks noGrp="1"/>
-          </p:cNvSpPr>
-          <p:nvPr>
-            <p:ph type="title"/>
-          </p:nvPr>
-        </p:nvSpPr>
-        <p:spPr/>
-        <p:txBody>
-          <a:bodyPr/>
-          <a:lstStyle/>
-          <a:p>
-            <a:r>
-              <a:rPr lang="en-US" dirty="0" smtClean="0"/>
-              <a:t>Why TDD</a:t>
-            </a:r>
-            <a:endParaRPr lang="en-US" dirty="0"/>
-          </a:p>
-        </p:txBody>
-      </p:sp>
-      <p:sp>
-        <p:nvSpPr>
-          <p:cNvPr id="3" name="Content Placeholder 2"/>
-          <p:cNvSpPr>
-            <a:spLocks noGrp="1"/>
-          </p:cNvSpPr>
-          <p:nvPr>
-            <p:ph idx="1"/>
-          </p:nvPr>
-        </p:nvSpPr>
-        <p:spPr/>
-        <p:txBody>
-          <a:bodyPr/>
-          <a:lstStyle/>
-          <a:p>
-            <a:r>
-              <a:rPr lang="en-US" dirty="0" smtClean="0"/>
-              <a:t>TDD sets priority for tests</a:t>
-            </a:r>
-          </a:p>
-          <a:p>
-            <a:r>
-              <a:rPr lang="en-US" dirty="0" smtClean="0"/>
-              <a:t>Clean and simple design</a:t>
-            </a:r>
-          </a:p>
-          <a:p>
-            <a:r>
-              <a:rPr lang="en-US" dirty="0" smtClean="0"/>
-              <a:t>Continuous refactoring</a:t>
-            </a:r>
-          </a:p>
-          <a:p>
-            <a:r>
-              <a:rPr lang="en-US" dirty="0" smtClean="0"/>
-              <a:t>Documentation</a:t>
-            </a:r>
-            <a:endParaRPr lang="en-US" dirty="0"/>
-          </a:p>
-        </p:txBody>
-      </p:sp>
-    </p:spTree>
-    <p:extLst>
-      <p:ext uri="{BB962C8B-B14F-4D97-AF65-F5344CB8AC3E}">
-        <p14:creationId xmlns:p14="http://schemas.microsoft.com/office/powerpoint/2010/main" val="2804702029"/>
-      </p:ext>
-    </p:extLst>
-  </p:cSld>
-  <p:clrMapOvr>
-    <a:masterClrMapping/>
-  </p:clrMapOvr>
-</p:sld>
-</file>
-
-<file path=ppt/slides/slide24.xml><?xml version="1.0" encoding="utf-8"?>
-<p:sld xmlns:a="http://schemas.openxmlformats.org/drawingml/2006/main" xmlns:r="http://schemas.openxmlformats.org/officeDocument/2006/relationships" xmlns:p="http://schemas.openxmlformats.org/presentationml/2006/main">
-  <p:cSld>
-    <p:spTree>
-      <p:nvGrpSpPr>
-        <p:cNvPr id="1" name=""/>
-        <p:cNvGrpSpPr/>
-        <p:nvPr/>
-      </p:nvGrpSpPr>
-      <p:grpSpPr>
-        <a:xfrm>
-          <a:off x="0" y="0"/>
-          <a:ext cx="0" cy="0"/>
-          <a:chOff x="0" y="0"/>
-          <a:chExt cx="0" cy="0"/>
-        </a:xfrm>
-      </p:grpSpPr>
-      <p:sp>
-        <p:nvSpPr>
-          <p:cNvPr id="2" name="Title 1"/>
-          <p:cNvSpPr>
-            <a:spLocks noGrp="1"/>
-          </p:cNvSpPr>
-          <p:nvPr>
-            <p:ph type="title"/>
-          </p:nvPr>
-        </p:nvSpPr>
-        <p:spPr/>
-        <p:txBody>
-          <a:bodyPr/>
-          <a:lstStyle/>
-          <a:p>
-            <a:r>
-              <a:rPr lang="en-US" dirty="0" smtClean="0"/>
-              <a:t>TDD Techniques</a:t>
-            </a:r>
-            <a:endParaRPr lang="en-US" dirty="0"/>
-          </a:p>
-        </p:txBody>
-      </p:sp>
-      <p:sp>
-        <p:nvSpPr>
-          <p:cNvPr id="3" name="Content Placeholder 2"/>
-          <p:cNvSpPr>
-            <a:spLocks noGrp="1"/>
-          </p:cNvSpPr>
-          <p:nvPr>
-            <p:ph idx="1"/>
-          </p:nvPr>
-        </p:nvSpPr>
-        <p:spPr/>
-        <p:txBody>
-          <a:bodyPr/>
-          <a:lstStyle/>
-          <a:p>
-            <a:r>
-              <a:rPr lang="en-US" dirty="0"/>
-              <a:t>TDD with mock </a:t>
-            </a:r>
-            <a:r>
-              <a:rPr lang="en-US" dirty="0" smtClean="0"/>
-              <a:t>objects</a:t>
-            </a:r>
-          </a:p>
-          <a:p>
-            <a:r>
-              <a:rPr lang="en-US" dirty="0"/>
-              <a:t>Building on third party </a:t>
-            </a:r>
-            <a:r>
-              <a:rPr lang="en-US" dirty="0" smtClean="0"/>
-              <a:t>code</a:t>
-            </a:r>
-          </a:p>
-          <a:p>
-            <a:r>
-              <a:rPr lang="en-US" dirty="0"/>
-              <a:t>Test </a:t>
-            </a:r>
-            <a:r>
-              <a:rPr lang="en-US" dirty="0" smtClean="0"/>
-              <a:t>Readability</a:t>
-            </a:r>
-          </a:p>
-          <a:p>
-            <a:r>
-              <a:rPr lang="en-US" dirty="0"/>
-              <a:t>Use Structure to share</a:t>
-            </a:r>
-          </a:p>
-        </p:txBody>
-      </p:sp>
-      <p:sp>
-        <p:nvSpPr>
-          <p:cNvPr id="4" name="Slide Number Placeholder 3"/>
-          <p:cNvSpPr>
-            <a:spLocks noGrp="1"/>
-          </p:cNvSpPr>
-          <p:nvPr>
-            <p:ph type="sldNum" sz="quarter" idx="12"/>
-          </p:nvPr>
-        </p:nvSpPr>
-        <p:spPr/>
-        <p:txBody>
-          <a:bodyPr/>
-          <a:lstStyle/>
-          <a:p>
-            <a:fld id="{2387B7E2-7538-4163-9310-D5E6EE1BC12A}" type="slidenum">
-              <a:rPr lang="en-US" smtClean="0"/>
-              <a:pPr/>
-              <a:t>24</a:t>
-            </a:fld>
-            <a:endParaRPr lang="en-US"/>
-          </a:p>
-        </p:txBody>
-      </p:sp>
-    </p:spTree>
-    <p:extLst>
-      <p:ext uri="{BB962C8B-B14F-4D97-AF65-F5344CB8AC3E}">
-        <p14:creationId xmlns:p14="http://schemas.microsoft.com/office/powerpoint/2010/main" val="2367129752"/>
-      </p:ext>
-    </p:extLst>
-  </p:cSld>
-  <p:clrMapOvr>
-    <a:masterClrMapping/>
-  </p:clrMapOvr>
-</p:sld>
-</file>
-
-<file path=ppt/slides/slide25.xml><?xml version="1.0" encoding="utf-8"?>
-<p:sld xmlns:a="http://schemas.openxmlformats.org/drawingml/2006/main" xmlns:r="http://schemas.openxmlformats.org/officeDocument/2006/relationships" xmlns:p="http://schemas.openxmlformats.org/presentationml/2006/main">
-  <p:cSld>
-    <p:spTree>
-      <p:nvGrpSpPr>
-        <p:cNvPr id="1" name=""/>
-        <p:cNvGrpSpPr/>
-        <p:nvPr/>
-      </p:nvGrpSpPr>
-      <p:grpSpPr>
-        <a:xfrm>
-          <a:off x="0" y="0"/>
-          <a:ext cx="0" cy="0"/>
-          <a:chOff x="0" y="0"/>
-          <a:chExt cx="0" cy="0"/>
-        </a:xfrm>
-      </p:grpSpPr>
-      <p:sp>
-        <p:nvSpPr>
-          <p:cNvPr id="2" name="Title 1"/>
-          <p:cNvSpPr>
-            <a:spLocks noGrp="1"/>
-          </p:cNvSpPr>
-          <p:nvPr>
-            <p:ph type="title"/>
-          </p:nvPr>
-        </p:nvSpPr>
-        <p:spPr/>
-        <p:txBody>
-          <a:bodyPr>
-            <a:normAutofit/>
-          </a:bodyPr>
-          <a:lstStyle/>
-          <a:p>
-            <a:r>
-              <a:rPr lang="en-US" dirty="0"/>
-              <a:t>TDD with mock objects</a:t>
-            </a:r>
-            <a:br>
-              <a:rPr lang="en-US" dirty="0"/>
-            </a:br>
-            <a:endParaRPr lang="en-US" dirty="0"/>
-          </a:p>
-        </p:txBody>
-      </p:sp>
-      <p:sp>
-        <p:nvSpPr>
-          <p:cNvPr id="3" name="Content Placeholder 2"/>
-          <p:cNvSpPr>
-            <a:spLocks noGrp="1"/>
-          </p:cNvSpPr>
-          <p:nvPr>
-            <p:ph idx="1"/>
-          </p:nvPr>
-        </p:nvSpPr>
-        <p:spPr/>
-        <p:txBody>
-          <a:bodyPr>
-            <a:normAutofit/>
-          </a:bodyPr>
-          <a:lstStyle/>
-          <a:p>
-            <a:pPr marL="0" indent="0">
-              <a:buNone/>
-            </a:pPr>
-            <a:r>
-              <a:rPr lang="en-US" dirty="0" smtClean="0"/>
-              <a:t>TDD </a:t>
-            </a:r>
-            <a:r>
-              <a:rPr lang="en-US" dirty="0"/>
-              <a:t>with mock objects </a:t>
-            </a:r>
-            <a:r>
-              <a:rPr lang="en-US" dirty="0" smtClean="0"/>
-              <a:t>encourages </a:t>
-            </a:r>
-            <a:r>
-              <a:rPr lang="en-US" dirty="0"/>
-              <a:t>information hiding. We should mock an object’s peers—its dependencies, notifications, and </a:t>
-            </a:r>
-            <a:r>
-              <a:rPr lang="en-US" dirty="0" smtClean="0"/>
-              <a:t>adjustments but not it’s internals .</a:t>
-            </a:r>
-          </a:p>
-          <a:p>
-            <a:pPr marL="0" indent="0">
-              <a:buNone/>
-            </a:pPr>
-            <a:endParaRPr lang="en-US" dirty="0"/>
-          </a:p>
-          <a:p>
-            <a:pPr marL="0" indent="0">
-              <a:buNone/>
-            </a:pPr>
-            <a:endParaRPr lang="en-US" dirty="0"/>
-          </a:p>
-          <a:p>
-            <a:pPr marL="0" indent="0">
-              <a:buNone/>
-            </a:pPr>
-            <a:endParaRPr lang="en-US" dirty="0">
-              <a:solidFill>
-                <a:srgbClr val="FF0000"/>
-              </a:solidFill>
-            </a:endParaRPr>
-          </a:p>
-          <a:p>
-            <a:endParaRPr lang="en-US" dirty="0"/>
-          </a:p>
-        </p:txBody>
-      </p:sp>
-    </p:spTree>
-    <p:extLst>
-      <p:ext uri="{BB962C8B-B14F-4D97-AF65-F5344CB8AC3E}">
-        <p14:creationId xmlns:p14="http://schemas.microsoft.com/office/powerpoint/2010/main" val="535331599"/>
-      </p:ext>
-    </p:extLst>
-  </p:cSld>
-  <p:clrMapOvr>
-    <a:masterClrMapping/>
-  </p:clrMapOvr>
-  <p:timing>
-    <p:tnLst>
-      <p:par>
-        <p:cTn id="1" dur="indefinite" restart="never" nodeType="tmRoot"/>
-      </p:par>
-    </p:tnLst>
-  </p:timing>
-</p:sld>
-</file>
-
-<file path=ppt/slides/slide26.xml><?xml version="1.0" encoding="utf-8"?>
-<p:sld xmlns:a="http://schemas.openxmlformats.org/drawingml/2006/main" xmlns:r="http://schemas.openxmlformats.org/officeDocument/2006/relationships" xmlns:p="http://schemas.openxmlformats.org/presentationml/2006/main">
-  <p:cSld>
-    <p:spTree>
-      <p:nvGrpSpPr>
-        <p:cNvPr id="1" name=""/>
-        <p:cNvGrpSpPr/>
-        <p:nvPr/>
-      </p:nvGrpSpPr>
-      <p:grpSpPr>
-        <a:xfrm>
-          <a:off x="0" y="0"/>
-          <a:ext cx="0" cy="0"/>
-          <a:chOff x="0" y="0"/>
-          <a:chExt cx="0" cy="0"/>
-        </a:xfrm>
-      </p:grpSpPr>
-      <p:sp>
-        <p:nvSpPr>
-          <p:cNvPr id="2" name="Title 1"/>
-          <p:cNvSpPr>
-            <a:spLocks noGrp="1"/>
-          </p:cNvSpPr>
-          <p:nvPr>
-            <p:ph type="title"/>
-          </p:nvPr>
-        </p:nvSpPr>
-        <p:spPr/>
-        <p:txBody>
-          <a:bodyPr>
-            <a:normAutofit/>
-          </a:bodyPr>
-          <a:lstStyle/>
-          <a:p>
-            <a:r>
-              <a:rPr lang="en-US" dirty="0"/>
-              <a:t>Building on third party code</a:t>
-            </a:r>
-            <a:br>
-              <a:rPr lang="en-US" dirty="0"/>
-            </a:br>
-            <a:endParaRPr lang="en-US" dirty="0"/>
-          </a:p>
-        </p:txBody>
-      </p:sp>
-      <p:sp>
-        <p:nvSpPr>
-          <p:cNvPr id="3" name="Content Placeholder 2"/>
-          <p:cNvSpPr>
-            <a:spLocks noGrp="1"/>
-          </p:cNvSpPr>
-          <p:nvPr>
-            <p:ph idx="1"/>
-          </p:nvPr>
-        </p:nvSpPr>
-        <p:spPr/>
-        <p:txBody>
-          <a:bodyPr>
-            <a:normAutofit/>
-          </a:bodyPr>
-          <a:lstStyle/>
-          <a:p>
-            <a:pPr marL="0" indent="0">
-              <a:buNone/>
-            </a:pPr>
-            <a:r>
-              <a:rPr lang="en-US" dirty="0" smtClean="0"/>
-              <a:t>Providing </a:t>
-            </a:r>
-            <a:r>
-              <a:rPr lang="en-US" dirty="0"/>
-              <a:t>mock implementations of third-party types is of limited use when unit-testing the objects that call them. </a:t>
-            </a:r>
-            <a:r>
-              <a:rPr lang="en-US" dirty="0" smtClean="0"/>
-              <a:t>Tests </a:t>
-            </a:r>
-            <a:r>
-              <a:rPr lang="en-US" dirty="0"/>
-              <a:t>that mock external libraries often need to be complex to get the code into the right state for the functionality we need to </a:t>
-            </a:r>
-            <a:r>
-              <a:rPr lang="en-US" dirty="0" smtClean="0"/>
-              <a:t>exercise.</a:t>
-            </a:r>
-          </a:p>
-          <a:p>
-            <a:pPr marL="0" indent="0">
-              <a:buNone/>
-            </a:pPr>
-            <a:endParaRPr lang="en-US" dirty="0"/>
-          </a:p>
-          <a:p>
-            <a:pPr marL="0" indent="0">
-              <a:buNone/>
-            </a:pPr>
-            <a:r>
-              <a:rPr lang="en-US" dirty="0"/>
-              <a:t>Write an Adapter Layer </a:t>
-            </a:r>
-            <a:r>
-              <a:rPr lang="en-US" dirty="0" smtClean="0"/>
-              <a:t>.We </a:t>
-            </a:r>
-            <a:r>
-              <a:rPr lang="en-US" dirty="0"/>
-              <a:t>keep this layer as thin as possible, to minimize the amount of potentially brittle and </a:t>
-            </a:r>
-            <a:r>
-              <a:rPr lang="en-US" smtClean="0"/>
-              <a:t>hard to test </a:t>
-            </a:r>
-            <a:r>
-              <a:rPr lang="en-US" dirty="0"/>
-              <a:t>code. </a:t>
-            </a:r>
-            <a:endParaRPr lang="en-US" dirty="0" smtClean="0"/>
-          </a:p>
-          <a:p>
-            <a:pPr marL="0" indent="0">
-              <a:buNone/>
-            </a:pPr>
-            <a:endParaRPr lang="en-US" dirty="0" smtClean="0"/>
-          </a:p>
-          <a:p>
-            <a:pPr marL="0" indent="0">
-              <a:buNone/>
-            </a:pPr>
-            <a:r>
-              <a:rPr lang="en-US" i="1" dirty="0" smtClean="0"/>
-              <a:t>*Don't </a:t>
-            </a:r>
-            <a:r>
-              <a:rPr lang="en-US" i="1" dirty="0"/>
-              <a:t>mock what you don't own</a:t>
-            </a:r>
-          </a:p>
-          <a:p>
-            <a:pPr marL="0" indent="0">
-              <a:buNone/>
-            </a:pPr>
-            <a:endParaRPr lang="en-US" dirty="0" smtClean="0"/>
-          </a:p>
-          <a:p>
-            <a:pPr marL="0" indent="0">
-              <a:buNone/>
-            </a:pPr>
-            <a:endParaRPr lang="en-US" dirty="0"/>
-          </a:p>
-          <a:p>
-            <a:pPr marL="0" indent="0">
-              <a:buNone/>
-            </a:pPr>
-            <a:endParaRPr lang="en-US" dirty="0"/>
-          </a:p>
-          <a:p>
-            <a:pPr marL="0" indent="0">
-              <a:buNone/>
-            </a:pPr>
-            <a:endParaRPr lang="en-US" dirty="0"/>
-          </a:p>
-        </p:txBody>
-      </p:sp>
-    </p:spTree>
-    <p:extLst>
-      <p:ext uri="{BB962C8B-B14F-4D97-AF65-F5344CB8AC3E}">
-        <p14:creationId xmlns:p14="http://schemas.microsoft.com/office/powerpoint/2010/main" val="2152095591"/>
-      </p:ext>
-    </p:extLst>
-  </p:cSld>
-  <p:clrMapOvr>
-    <a:masterClrMapping/>
-  </p:clrMapOvr>
-  <p:timing>
-    <p:tnLst>
-      <p:par>
-        <p:cTn id="1" dur="indefinite" restart="never" nodeType="tmRoot"/>
-      </p:par>
-    </p:tnLst>
-  </p:timing>
-</p:sld>
-</file>
-
-<file path=ppt/slides/slide27.xml><?xml version="1.0" encoding="utf-8"?>
-<p:sld xmlns:a="http://schemas.openxmlformats.org/drawingml/2006/main" xmlns:r="http://schemas.openxmlformats.org/officeDocument/2006/relationships" xmlns:p="http://schemas.openxmlformats.org/presentationml/2006/main">
-  <p:cSld>
-    <p:spTree>
-      <p:nvGrpSpPr>
-        <p:cNvPr id="1" name=""/>
-        <p:cNvGrpSpPr/>
-        <p:nvPr/>
-      </p:nvGrpSpPr>
-      <p:grpSpPr>
-        <a:xfrm>
-          <a:off x="0" y="0"/>
-          <a:ext cx="0" cy="0"/>
-          <a:chOff x="0" y="0"/>
-          <a:chExt cx="0" cy="0"/>
-        </a:xfrm>
-      </p:grpSpPr>
-      <p:sp>
-        <p:nvSpPr>
-          <p:cNvPr id="2" name="Title 1"/>
-          <p:cNvSpPr>
-            <a:spLocks noGrp="1"/>
-          </p:cNvSpPr>
-          <p:nvPr>
-            <p:ph type="title"/>
-          </p:nvPr>
-        </p:nvSpPr>
-        <p:spPr/>
-        <p:txBody>
-          <a:bodyPr/>
-          <a:lstStyle/>
-          <a:p>
-            <a:r>
-              <a:rPr lang="en-US" dirty="0" smtClean="0"/>
-              <a:t>Test Readability</a:t>
-            </a:r>
-            <a:endParaRPr lang="en-US" dirty="0"/>
-          </a:p>
-        </p:txBody>
-      </p:sp>
-      <p:sp>
-        <p:nvSpPr>
-          <p:cNvPr id="3" name="Content Placeholder 2"/>
-          <p:cNvSpPr>
-            <a:spLocks noGrp="1"/>
-          </p:cNvSpPr>
-          <p:nvPr>
-            <p:ph idx="1"/>
-          </p:nvPr>
-        </p:nvSpPr>
-        <p:spPr/>
-        <p:txBody>
-          <a:bodyPr>
-            <a:normAutofit fontScale="92500" lnSpcReduction="10000"/>
-          </a:bodyPr>
-          <a:lstStyle/>
-          <a:p>
-            <a:r>
-              <a:rPr lang="en-US" dirty="0" smtClean="0"/>
-              <a:t>Teams that adopt TDD usually see an early boost in productivity because the tests let them add features with confidence and catch errors immediately. </a:t>
-            </a:r>
-          </a:p>
-          <a:p>
-            <a:endParaRPr lang="en-US" dirty="0"/>
-          </a:p>
-          <a:p>
-            <a:r>
-              <a:rPr lang="en-US" dirty="0" smtClean="0"/>
-              <a:t>For some teams, the pace then slows down as the tests themselves become a maintenance burden. For TDD to be sustainable, the tests must do more than verify the behavior of the code; they must also express that behavior clearly—they must be readable</a:t>
-            </a:r>
-          </a:p>
-          <a:p>
-            <a:endParaRPr lang="en-US" dirty="0"/>
-          </a:p>
-          <a:p>
-            <a:r>
-              <a:rPr lang="en-US" dirty="0" smtClean="0"/>
-              <a:t>We should take as much care about writing our test code as about production code</a:t>
-            </a:r>
-            <a:r>
-              <a:rPr lang="en-US" dirty="0"/>
-              <a:t>.</a:t>
-            </a:r>
-          </a:p>
-        </p:txBody>
-      </p:sp>
-    </p:spTree>
-    <p:extLst>
-      <p:ext uri="{BB962C8B-B14F-4D97-AF65-F5344CB8AC3E}">
-        <p14:creationId xmlns:p14="http://schemas.microsoft.com/office/powerpoint/2010/main" val="2915612650"/>
-      </p:ext>
-    </p:extLst>
-  </p:cSld>
-  <p:clrMapOvr>
-    <a:masterClrMapping/>
-  </p:clrMapOvr>
-</p:sld>
-</file>
-
 <file path=ppt/slides/slide28.xml><?xml version="1.0" encoding="utf-8"?>
 <p:sld xmlns:a="http://schemas.openxmlformats.org/drawingml/2006/main" xmlns:r="http://schemas.openxmlformats.org/officeDocument/2006/relationships" xmlns:p="http://schemas.openxmlformats.org/presentationml/2006/main">
   <p:cSld>
@@ -12041,42 +12474,52 @@
           <a:p>
             <a:r>
               <a:rPr lang="en-US" dirty="0" smtClean="0"/>
-              <a:t>Code Example</a:t>
+              <a:t>Why TDD</a:t>
             </a:r>
             <a:endParaRPr lang="en-US" dirty="0"/>
           </a:p>
         </p:txBody>
       </p:sp>
-      <p:pic>
-        <p:nvPicPr>
-          <p:cNvPr id="4" name="Content Placeholder 3"/>
-          <p:cNvPicPr>
-            <a:picLocks noGrp="1" noChangeAspect="1"/>
-          </p:cNvPicPr>
+      <p:sp>
+        <p:nvSpPr>
+          <p:cNvPr id="3" name="Content Placeholder 2"/>
+          <p:cNvSpPr>
+            <a:spLocks noGrp="1"/>
+          </p:cNvSpPr>
           <p:nvPr>
             <p:ph idx="1"/>
           </p:nvPr>
-        </p:nvPicPr>
-        <p:blipFill>
-          <a:blip r:embed="rId2"/>
-          <a:stretch>
-            <a:fillRect/>
-          </a:stretch>
-        </p:blipFill>
-        <p:spPr>
-          <a:xfrm>
-            <a:off x="2056494" y="2133600"/>
-            <a:ext cx="8154306" cy="3733800"/>
-          </a:xfrm>
-          <a:prstGeom prst="rect">
-            <a:avLst/>
-          </a:prstGeom>
-        </p:spPr>
-      </p:pic>
+        </p:nvSpPr>
+        <p:spPr/>
+        <p:txBody>
+          <a:bodyPr/>
+          <a:lstStyle/>
+          <a:p>
+            <a:r>
+              <a:rPr lang="en-US" dirty="0" smtClean="0"/>
+              <a:t>TDD sets </a:t>
+            </a:r>
+            <a:r>
+              <a:rPr lang="en-US" b="1" dirty="0" smtClean="0"/>
+              <a:t>priority</a:t>
+            </a:r>
+            <a:r>
+              <a:rPr lang="en-US" dirty="0" smtClean="0"/>
+              <a:t> for tests</a:t>
+            </a:r>
+          </a:p>
+          <a:p>
+            <a:r>
+              <a:rPr lang="en-US" dirty="0" smtClean="0"/>
+              <a:t>Deign feedback</a:t>
+            </a:r>
+          </a:p>
+        </p:txBody>
+      </p:sp>
     </p:spTree>
     <p:extLst>
       <p:ext uri="{BB962C8B-B14F-4D97-AF65-F5344CB8AC3E}">
-        <p14:creationId xmlns:p14="http://schemas.microsoft.com/office/powerpoint/2010/main" val="2836571936"/>
+        <p14:creationId xmlns:p14="http://schemas.microsoft.com/office/powerpoint/2010/main" val="2804702029"/>
       </p:ext>
     </p:extLst>
   </p:cSld>
@@ -12118,7 +12561,11 @@
           <a:bodyPr/>
           <a:lstStyle/>
           <a:p>
-            <a:endParaRPr lang="en-US"/>
+            <a:r>
+              <a:rPr lang="en-US" dirty="0" smtClean="0"/>
+              <a:t>Testable design</a:t>
+            </a:r>
+            <a:endParaRPr lang="en-US" dirty="0"/>
           </a:p>
         </p:txBody>
       </p:sp>
@@ -12134,40 +12581,30 @@
         </p:nvSpPr>
         <p:spPr/>
         <p:txBody>
-          <a:bodyPr>
-            <a:normAutofit/>
-          </a:bodyPr>
-          <a:lstStyle/>
-          <a:p>
-            <a:pPr marL="0" indent="0">
-              <a:buNone/>
-            </a:pPr>
+          <a:bodyPr/>
+          <a:lstStyle/>
+          <a:p>
             <a:r>
               <a:rPr lang="en-US" dirty="0" smtClean="0"/>
-              <a:t>such names duplicate the information a developer could get just by looking at the target class; they break the “Don’t Repeat Yourself” principle [Hunt99]. </a:t>
-            </a:r>
-          </a:p>
-          <a:p>
-            <a:pPr marL="0" indent="0">
-              <a:buNone/>
-            </a:pPr>
-            <a:endParaRPr lang="en-US" dirty="0"/>
-          </a:p>
-          <a:p>
-            <a:pPr marL="0" indent="0">
-              <a:buNone/>
-            </a:pPr>
+              <a:t>Dependency injection</a:t>
+            </a:r>
+          </a:p>
+          <a:p>
             <a:r>
               <a:rPr lang="en-US" dirty="0" smtClean="0"/>
-              <a:t>We don’t need to know that </a:t>
-            </a:r>
-            <a:r>
-              <a:rPr lang="en-US" dirty="0" err="1" smtClean="0"/>
-              <a:t>TargetObject</a:t>
-            </a:r>
+              <a:t>Programming to interface</a:t>
+            </a:r>
+          </a:p>
+          <a:p>
             <a:r>
               <a:rPr lang="en-US" dirty="0" smtClean="0"/>
-              <a:t> has a choose() method—we need to know what the object does in different situations, what the method is for.</a:t>
+              <a:t>Simple Code : SOLID</a:t>
+            </a:r>
+          </a:p>
+          <a:p>
+            <a:r>
+              <a:rPr lang="en-US" dirty="0" smtClean="0"/>
+              <a:t>Adapter</a:t>
             </a:r>
             <a:endParaRPr lang="en-US" dirty="0"/>
           </a:p>
@@ -12176,7 +12613,7 @@
     </p:spTree>
     <p:extLst>
       <p:ext uri="{BB962C8B-B14F-4D97-AF65-F5344CB8AC3E}">
-        <p14:creationId xmlns:p14="http://schemas.microsoft.com/office/powerpoint/2010/main" val="2678281575"/>
+        <p14:creationId xmlns:p14="http://schemas.microsoft.com/office/powerpoint/2010/main" val="2809479746"/>
       </p:ext>
     </p:extLst>
   </p:cSld>
@@ -12205,7 +12642,7 @@
       </p:grpSpPr>
       <p:sp>
         <p:nvSpPr>
-          <p:cNvPr id="2" name="Titel 1"/>
+          <p:cNvPr id="2" name="Title 1"/>
           <p:cNvSpPr>
             <a:spLocks noGrp="1"/>
           </p:cNvSpPr>
@@ -12215,22 +12652,12 @@
         </p:nvSpPr>
         <p:spPr/>
         <p:txBody>
-          <a:bodyPr>
-            <a:normAutofit/>
-          </a:bodyPr>
+          <a:bodyPr/>
           <a:lstStyle/>
           <a:p>
             <a:r>
               <a:rPr lang="en-US" dirty="0" smtClean="0"/>
-              <a:t>Testing</a:t>
-            </a:r>
-            <a:r>
-              <a:rPr lang="de-DE" dirty="0" smtClean="0"/>
-              <a:t> </a:t>
-            </a:r>
-            <a:r>
-              <a:rPr lang="en-US" dirty="0" smtClean="0"/>
-              <a:t>principles</a:t>
+              <a:t>Why Tests</a:t>
             </a:r>
             <a:endParaRPr lang="en-US" dirty="0"/>
           </a:p>
@@ -12238,7 +12665,7 @@
       </p:sp>
       <p:sp>
         <p:nvSpPr>
-          <p:cNvPr id="3" name="Inhaltsplatzhalter 2"/>
+          <p:cNvPr id="3" name="Content Placeholder 2"/>
           <p:cNvSpPr>
             <a:spLocks noGrp="1"/>
           </p:cNvSpPr>
@@ -12247,121 +12674,24 @@
           </p:nvPr>
         </p:nvSpPr>
         <p:spPr/>
-        <p:style>
-          <a:lnRef idx="1">
-            <a:schemeClr val="accent3"/>
-          </a:lnRef>
-          <a:fillRef idx="2">
-            <a:schemeClr val="accent3"/>
-          </a:fillRef>
-          <a:effectRef idx="1">
-            <a:schemeClr val="accent3"/>
-          </a:effectRef>
-          <a:fontRef idx="minor">
-            <a:schemeClr val="dk1"/>
-          </a:fontRef>
-        </p:style>
-        <p:txBody>
-          <a:bodyPr>
-            <a:normAutofit/>
-          </a:bodyPr>
-          <a:lstStyle/>
-          <a:p>
-            <a:pPr marL="0" indent="0">
-              <a:buNone/>
-            </a:pPr>
-            <a:r>
-              <a:rPr lang="en-US" dirty="0" smtClean="0"/>
-              <a:t>“If </a:t>
-            </a:r>
-            <a:r>
-              <a:rPr lang="en-US" dirty="0"/>
-              <a:t>it's worth building, it's worth </a:t>
-            </a:r>
-            <a:r>
-              <a:rPr lang="en-US" dirty="0" smtClean="0"/>
-              <a:t>testing. </a:t>
-            </a:r>
-            <a:br>
-              <a:rPr lang="en-US" dirty="0" smtClean="0"/>
-            </a:br>
-            <a:r>
-              <a:rPr lang="en-US" dirty="0" smtClean="0"/>
-              <a:t>If </a:t>
-            </a:r>
-            <a:r>
-              <a:rPr lang="en-US" dirty="0"/>
-              <a:t>it's not worth testing, why are you wasting your time working on it</a:t>
-            </a:r>
-            <a:r>
-              <a:rPr lang="en-US" dirty="0" smtClean="0"/>
-              <a:t>?“</a:t>
-            </a:r>
-            <a:endParaRPr lang="en-US" dirty="0"/>
-          </a:p>
-          <a:p>
-            <a:pPr marL="0" indent="0">
-              <a:buNone/>
-            </a:pPr>
-            <a:endParaRPr lang="de-DE" b="1" i="1" dirty="0"/>
-          </a:p>
-          <a:p>
-            <a:pPr marL="0" indent="0">
-              <a:buNone/>
-            </a:pPr>
-            <a:endParaRPr lang="de-DE" b="1" i="1" dirty="0" smtClean="0"/>
-          </a:p>
-          <a:p>
-            <a:pPr marL="0" indent="0">
-              <a:buNone/>
-            </a:pPr>
-            <a:endParaRPr lang="de-DE" b="1" i="1" dirty="0" smtClean="0"/>
-          </a:p>
-          <a:p>
-            <a:pPr marL="0" indent="0" algn="r">
-              <a:buNone/>
-            </a:pPr>
-            <a:r>
-              <a:rPr lang="de-DE" sz="2667" dirty="0"/>
-              <a:t>http</a:t>
-            </a:r>
-            <a:r>
-              <a:rPr lang="de-DE" sz="2667" dirty="0"/>
-              <a:t>://</a:t>
-            </a:r>
-            <a:r>
-              <a:rPr lang="de-DE" sz="2667" dirty="0"/>
-              <a:t>www.agiledata.org/essays/tdd.html</a:t>
-            </a:r>
-            <a:endParaRPr lang="de-DE" sz="2667" dirty="0"/>
+        <p:txBody>
+          <a:bodyPr/>
+          <a:lstStyle/>
+          <a:p>
+            <a:endParaRPr lang="en-US"/>
           </a:p>
         </p:txBody>
       </p:sp>
     </p:spTree>
     <p:extLst>
       <p:ext uri="{BB962C8B-B14F-4D97-AF65-F5344CB8AC3E}">
-        <p14:creationId xmlns:p14="http://schemas.microsoft.com/office/powerpoint/2010/main" val="4294963674"/>
+        <p14:creationId xmlns:p14="http://schemas.microsoft.com/office/powerpoint/2010/main" val="2472922407"/>
       </p:ext>
     </p:extLst>
   </p:cSld>
   <p:clrMapOvr>
     <a:masterClrMapping/>
   </p:clrMapOvr>
-  <mc:AlternateContent xmlns:mc="http://schemas.openxmlformats.org/markup-compatibility/2006" xmlns:p14="http://schemas.microsoft.com/office/powerpoint/2010/main">
-    <mc:Choice Requires="p14">
-      <p:transition p14:dur="0"/>
-    </mc:Choice>
-    <mc:Fallback xmlns="">
-      <p:transition/>
-    </mc:Fallback>
-  </mc:AlternateContent>
-  <p:timing>
-    <p:tnLst>
-      <p:par>
-        <p:cTn id="1" dur="indefinite" restart="never" nodeType="tmRoot"/>
-      </p:par>
-    </p:tnLst>
-  </p:timing>
 </p:sld>
 </file>
 
@@ -12397,90 +12727,112 @@
           <a:bodyPr/>
           <a:lstStyle/>
           <a:p>
+            <a:r>
+              <a:rPr lang="en-US" dirty="0" smtClean="0"/>
+              <a:t>Common test smells</a:t>
+            </a:r>
+            <a:endParaRPr lang="en-US" dirty="0"/>
+          </a:p>
+        </p:txBody>
+      </p:sp>
+      <p:sp>
+        <p:nvSpPr>
+          <p:cNvPr id="3" name="Content Placeholder 2"/>
+          <p:cNvSpPr>
+            <a:spLocks noGrp="1"/>
+          </p:cNvSpPr>
+          <p:nvPr>
+            <p:ph idx="1"/>
+          </p:nvPr>
+        </p:nvSpPr>
+        <p:spPr/>
+        <p:txBody>
+          <a:bodyPr/>
+          <a:lstStyle/>
+          <a:p>
+            <a:r>
+              <a:rPr lang="en-US" b="1" dirty="0" smtClean="0"/>
+              <a:t>Hard-to-Test Code</a:t>
+            </a:r>
+          </a:p>
+          <a:p>
+            <a:r>
+              <a:rPr lang="en-US" b="1" dirty="0"/>
+              <a:t>Fragile Test</a:t>
+            </a:r>
+          </a:p>
+          <a:p>
+            <a:r>
+              <a:rPr lang="en-US" b="1" dirty="0"/>
+              <a:t>Test Code </a:t>
+            </a:r>
+            <a:r>
+              <a:rPr lang="en-US" b="1" dirty="0" smtClean="0"/>
+              <a:t>Duplication</a:t>
+            </a:r>
+          </a:p>
+          <a:p>
+            <a:r>
+              <a:rPr lang="en-US" b="1" dirty="0"/>
+              <a:t>Slow </a:t>
+            </a:r>
+            <a:r>
+              <a:rPr lang="en-US" b="1" dirty="0" smtClean="0"/>
+              <a:t>Tests</a:t>
+            </a:r>
+          </a:p>
+          <a:p>
+            <a:r>
+              <a:rPr lang="en-US" b="1" dirty="0" smtClean="0"/>
+              <a:t>Conditional </a:t>
+            </a:r>
+            <a:r>
+              <a:rPr lang="en-US" b="1" dirty="0"/>
+              <a:t>Test Logic</a:t>
+            </a:r>
+          </a:p>
+          <a:p>
+            <a:endParaRPr lang="en-US" b="1" dirty="0" smtClean="0"/>
+          </a:p>
+          <a:p>
+            <a:endParaRPr lang="en-US" b="1" dirty="0" smtClean="0"/>
+          </a:p>
+          <a:p>
+            <a:endParaRPr lang="en-US" b="1" dirty="0" smtClean="0"/>
+          </a:p>
+          <a:p>
+            <a:endParaRPr lang="en-US" dirty="0"/>
+          </a:p>
+        </p:txBody>
+      </p:sp>
+      <p:sp>
+        <p:nvSpPr>
+          <p:cNvPr id="4" name="Slide Number Placeholder 3"/>
+          <p:cNvSpPr>
+            <a:spLocks noGrp="1"/>
+          </p:cNvSpPr>
+          <p:nvPr>
+            <p:ph type="sldNum" sz="quarter" idx="12"/>
+          </p:nvPr>
+        </p:nvSpPr>
+        <p:spPr/>
+        <p:txBody>
+          <a:bodyPr/>
+          <a:lstStyle/>
+          <a:p>
+            <a:fld id="{2387B7E2-7538-4163-9310-D5E6EE1BC12A}" type="slidenum">
+              <a:rPr lang="en-US" smtClean="0"/>
+              <a:pPr/>
+              <a:t>30</a:t>
+            </a:fld>
             <a:endParaRPr lang="en-US"/>
-          </a:p>
-        </p:txBody>
-      </p:sp>
-      <p:sp>
-        <p:nvSpPr>
-          <p:cNvPr id="3" name="Content Placeholder 2"/>
-          <p:cNvSpPr>
-            <a:spLocks noGrp="1"/>
-          </p:cNvSpPr>
-          <p:nvPr>
-            <p:ph idx="1"/>
-          </p:nvPr>
-        </p:nvSpPr>
-        <p:spPr/>
-        <p:txBody>
-          <a:bodyPr>
-            <a:normAutofit lnSpcReduction="10000"/>
-          </a:bodyPr>
-          <a:lstStyle/>
-          <a:p>
-            <a:pPr marL="0" indent="0">
-              <a:buNone/>
-            </a:pPr>
-            <a:r>
-              <a:rPr lang="en-US" dirty="0" smtClean="0"/>
-              <a:t>A better alternative is to name tests in terms of the features that the target object provides. </a:t>
-            </a:r>
-          </a:p>
-          <a:p>
-            <a:pPr marL="0" indent="0">
-              <a:buNone/>
-            </a:pPr>
-            <a:endParaRPr lang="en-US" dirty="0"/>
-          </a:p>
-          <a:p>
-            <a:pPr marL="0" indent="0">
-              <a:buNone/>
-            </a:pPr>
-            <a:r>
-              <a:rPr lang="en-US" dirty="0" smtClean="0"/>
-              <a:t>For example, </a:t>
-            </a:r>
-          </a:p>
-          <a:p>
-            <a:r>
-              <a:rPr lang="en-US" dirty="0" smtClean="0"/>
-              <a:t>A List holds items in the order they were added.</a:t>
-            </a:r>
-          </a:p>
-          <a:p>
-            <a:r>
-              <a:rPr lang="en-US" dirty="0" smtClean="0"/>
-              <a:t>A List can hold multiple references to the same item. </a:t>
-            </a:r>
-          </a:p>
-          <a:p>
-            <a:r>
-              <a:rPr lang="en-US" dirty="0" smtClean="0"/>
-              <a:t>A List throws an exception when removing an item it doesn’t hold. </a:t>
-            </a:r>
-          </a:p>
-          <a:p>
-            <a:pPr marL="0" indent="0">
-              <a:buNone/>
-            </a:pPr>
-            <a:endParaRPr lang="en-US" dirty="0"/>
-          </a:p>
-          <a:p>
-            <a:pPr marL="0" indent="0">
-              <a:buNone/>
-            </a:pPr>
-            <a:r>
-              <a:rPr lang="en-US" dirty="0" smtClean="0"/>
-              <a:t>We can translate these directly to method names.</a:t>
-            </a:r>
-            <a:endParaRPr lang="en-US" dirty="0"/>
           </a:p>
         </p:txBody>
       </p:sp>
     </p:spTree>
     <p:extLst>
       <p:ext uri="{BB962C8B-B14F-4D97-AF65-F5344CB8AC3E}">
-        <p14:creationId xmlns:p14="http://schemas.microsoft.com/office/powerpoint/2010/main" val="3325534854"/>
+        <p14:creationId xmlns:p14="http://schemas.microsoft.com/office/powerpoint/2010/main" val="3673902846"/>
       </p:ext>
     </p:extLst>
   </p:cSld>
@@ -12537,25 +12889,28 @@
           </p:nvPr>
         </p:nvPicPr>
         <p:blipFill>
-          <a:blip r:embed="rId2"/>
+          <a:blip r:embed="rId2">
+            <a:extLst>
+              <a:ext uri="{28A0092B-C50C-407E-A947-70E740481C1C}">
+                <a14:useLocalDpi xmlns:a14="http://schemas.microsoft.com/office/drawing/2010/main" val="0"/>
+              </a:ext>
+            </a:extLst>
+          </a:blip>
           <a:stretch>
             <a:fillRect/>
           </a:stretch>
         </p:blipFill>
         <p:spPr>
           <a:xfrm>
-            <a:off x="1879187" y="1752600"/>
-            <a:ext cx="7950613" cy="2667000"/>
+            <a:off x="1779883" y="1799500"/>
+            <a:ext cx="6986314" cy="4351338"/>
           </a:xfrm>
-          <a:prstGeom prst="rect">
-            <a:avLst/>
-          </a:prstGeom>
         </p:spPr>
       </p:pic>
     </p:spTree>
     <p:extLst>
       <p:ext uri="{BB962C8B-B14F-4D97-AF65-F5344CB8AC3E}">
-        <p14:creationId xmlns:p14="http://schemas.microsoft.com/office/powerpoint/2010/main" val="1414739251"/>
+        <p14:creationId xmlns:p14="http://schemas.microsoft.com/office/powerpoint/2010/main" val="1500978792"/>
       </p:ext>
     </p:extLst>
   </p:cSld>
@@ -12597,55 +12952,41 @@
           <a:bodyPr/>
           <a:lstStyle/>
           <a:p>
+            <a:r>
+              <a:rPr lang="en-US" smtClean="0"/>
+              <a:t>Code </a:t>
+            </a:r>
+            <a:r>
+              <a:rPr lang="en-US" dirty="0" smtClean="0"/>
+              <a:t>Coverage</a:t>
+            </a:r>
+            <a:endParaRPr lang="en-US" dirty="0"/>
+          </a:p>
+        </p:txBody>
+      </p:sp>
+      <p:sp>
+        <p:nvSpPr>
+          <p:cNvPr id="3" name="Content Placeholder 2"/>
+          <p:cNvSpPr>
+            <a:spLocks noGrp="1"/>
+          </p:cNvSpPr>
+          <p:nvPr>
+            <p:ph idx="1"/>
+          </p:nvPr>
+        </p:nvSpPr>
+        <p:spPr/>
+        <p:txBody>
+          <a:bodyPr/>
+          <a:lstStyle/>
+          <a:p>
             <a:endParaRPr lang="en-US"/>
-          </a:p>
-        </p:txBody>
-      </p:sp>
-      <p:sp>
-        <p:nvSpPr>
-          <p:cNvPr id="3" name="Content Placeholder 2"/>
-          <p:cNvSpPr>
-            <a:spLocks noGrp="1"/>
-          </p:cNvSpPr>
-          <p:nvPr>
-            <p:ph idx="1"/>
-          </p:nvPr>
-        </p:nvSpPr>
-        <p:spPr/>
-        <p:txBody>
-          <a:bodyPr/>
-          <a:lstStyle/>
-          <a:p>
-            <a:pPr marL="0" indent="0">
-              <a:buNone/>
-            </a:pPr>
-            <a:r>
-              <a:rPr lang="en-US" dirty="0" smtClean="0"/>
-              <a:t>These names can be as long as we like because they’re only called through reflection—we never have to type them in to call them. </a:t>
-            </a:r>
-          </a:p>
-          <a:p>
-            <a:pPr marL="0" indent="0">
-              <a:buNone/>
-            </a:pPr>
-            <a:endParaRPr lang="en-US" dirty="0"/>
-          </a:p>
-          <a:p>
-            <a:pPr marL="0" indent="0">
-              <a:buNone/>
-            </a:pPr>
-            <a:r>
-              <a:rPr lang="en-US" dirty="0" smtClean="0"/>
-              <a:t>The point of the convention is to encourage the developer to think in terms of what the target object does, not what it is.</a:t>
-            </a:r>
-            <a:endParaRPr lang="en-US" dirty="0"/>
           </a:p>
         </p:txBody>
       </p:sp>
     </p:spTree>
     <p:extLst>
       <p:ext uri="{BB962C8B-B14F-4D97-AF65-F5344CB8AC3E}">
-        <p14:creationId xmlns:p14="http://schemas.microsoft.com/office/powerpoint/2010/main" val="3659549063"/>
+        <p14:creationId xmlns:p14="http://schemas.microsoft.com/office/powerpoint/2010/main" val="157663459"/>
       </p:ext>
     </p:extLst>
   </p:cSld>
@@ -12689,7 +13030,7 @@
           <a:p>
             <a:r>
               <a:rPr lang="en-US" dirty="0" smtClean="0"/>
-              <a:t>Use Structure to share</a:t>
+              <a:t>More TDD….</a:t>
             </a:r>
             <a:endParaRPr lang="en-US" dirty="0"/>
           </a:p>
@@ -12710,940 +13051,14 @@
           <a:bodyPr/>
           <a:lstStyle/>
           <a:p>
-            <a:pPr marL="0" indent="0">
-              <a:buNone/>
-            </a:pPr>
-            <a:r>
-              <a:rPr lang="en-US" dirty="0" smtClean="0"/>
-              <a:t>We also extract common features into methods that can be shared between tests for setting up values, tearing down state, making assertions, and occasionally triggering the event.</a:t>
-            </a:r>
-          </a:p>
-          <a:p>
-            <a:pPr marL="0" indent="0">
-              <a:buNone/>
-            </a:pPr>
-            <a:endParaRPr lang="en-US" dirty="0"/>
+            <a:endParaRPr lang="en-US"/>
           </a:p>
         </p:txBody>
       </p:sp>
     </p:spTree>
     <p:extLst>
       <p:ext uri="{BB962C8B-B14F-4D97-AF65-F5344CB8AC3E}">
-        <p14:creationId xmlns:p14="http://schemas.microsoft.com/office/powerpoint/2010/main" val="3724229343"/>
-      </p:ext>
-    </p:extLst>
-  </p:cSld>
-  <p:clrMapOvr>
-    <a:masterClrMapping/>
-  </p:clrMapOvr>
-</p:sld>
-</file>
-
-<file path=ppt/slides/slide34.xml><?xml version="1.0" encoding="utf-8"?>
-<p:sld xmlns:a="http://schemas.openxmlformats.org/drawingml/2006/main" xmlns:r="http://schemas.openxmlformats.org/officeDocument/2006/relationships" xmlns:p="http://schemas.openxmlformats.org/presentationml/2006/main">
-  <p:cSld>
-    <p:spTree>
-      <p:nvGrpSpPr>
-        <p:cNvPr id="1" name=""/>
-        <p:cNvGrpSpPr/>
-        <p:nvPr/>
-      </p:nvGrpSpPr>
-      <p:grpSpPr>
-        <a:xfrm>
-          <a:off x="0" y="0"/>
-          <a:ext cx="0" cy="0"/>
-          <a:chOff x="0" y="0"/>
-          <a:chExt cx="0" cy="0"/>
-        </a:xfrm>
-      </p:grpSpPr>
-      <p:sp>
-        <p:nvSpPr>
-          <p:cNvPr id="2" name="Title 1"/>
-          <p:cNvSpPr>
-            <a:spLocks noGrp="1"/>
-          </p:cNvSpPr>
-          <p:nvPr>
-            <p:ph type="title"/>
-          </p:nvPr>
-        </p:nvSpPr>
-        <p:spPr/>
-        <p:txBody>
-          <a:bodyPr/>
-          <a:lstStyle/>
-          <a:p>
-            <a:r>
-              <a:rPr lang="en-US" dirty="0" smtClean="0"/>
-              <a:t>Test Structure</a:t>
-            </a:r>
-            <a:endParaRPr lang="en-US" dirty="0"/>
-          </a:p>
-        </p:txBody>
-      </p:sp>
-      <p:sp>
-        <p:nvSpPr>
-          <p:cNvPr id="3" name="Content Placeholder 2"/>
-          <p:cNvSpPr>
-            <a:spLocks noGrp="1"/>
-          </p:cNvSpPr>
-          <p:nvPr>
-            <p:ph idx="1"/>
-          </p:nvPr>
-        </p:nvSpPr>
-        <p:spPr/>
-        <p:txBody>
-          <a:bodyPr>
-            <a:normAutofit/>
-          </a:bodyPr>
-          <a:lstStyle/>
-          <a:p>
-            <a:pPr marL="0" indent="0">
-              <a:buNone/>
-            </a:pPr>
-            <a:r>
-              <a:rPr lang="en-US" dirty="0" smtClean="0"/>
-              <a:t>1. Setup: prepare the context of the test, the environment in which the target code will run; </a:t>
-            </a:r>
-          </a:p>
-          <a:p>
-            <a:pPr marL="0" indent="0">
-              <a:buNone/>
-            </a:pPr>
-            <a:r>
-              <a:rPr lang="en-US" dirty="0" smtClean="0"/>
-              <a:t>2. Execute: call the target code, triggering the tested behavior; </a:t>
-            </a:r>
-          </a:p>
-          <a:p>
-            <a:pPr marL="0" indent="0">
-              <a:buNone/>
-            </a:pPr>
-            <a:r>
-              <a:rPr lang="en-US" dirty="0" smtClean="0"/>
-              <a:t>3. Verify: check for a visible effect that we expect from the behavior; and, </a:t>
-            </a:r>
-          </a:p>
-          <a:p>
-            <a:pPr marL="0" indent="0">
-              <a:buNone/>
-            </a:pPr>
-            <a:r>
-              <a:rPr lang="en-US" dirty="0" smtClean="0"/>
-              <a:t>4. Teardown: clean up any leftover state that might corrupt other tests.</a:t>
-            </a:r>
-          </a:p>
-        </p:txBody>
-      </p:sp>
-    </p:spTree>
-    <p:extLst>
-      <p:ext uri="{BB962C8B-B14F-4D97-AF65-F5344CB8AC3E}">
-        <p14:creationId xmlns:p14="http://schemas.microsoft.com/office/powerpoint/2010/main" val="3488577802"/>
-      </p:ext>
-    </p:extLst>
-  </p:cSld>
-  <p:clrMapOvr>
-    <a:masterClrMapping/>
-  </p:clrMapOvr>
-</p:sld>
-</file>
-
-<file path=ppt/slides/slide35.xml><?xml version="1.0" encoding="utf-8"?>
-<p:sld xmlns:a="http://schemas.openxmlformats.org/drawingml/2006/main" xmlns:r="http://schemas.openxmlformats.org/officeDocument/2006/relationships" xmlns:p="http://schemas.openxmlformats.org/presentationml/2006/main">
-  <p:cSld>
-    <p:spTree>
-      <p:nvGrpSpPr>
-        <p:cNvPr id="1" name=""/>
-        <p:cNvGrpSpPr/>
-        <p:nvPr/>
-      </p:nvGrpSpPr>
-      <p:grpSpPr>
-        <a:xfrm>
-          <a:off x="0" y="0"/>
-          <a:ext cx="0" cy="0"/>
-          <a:chOff x="0" y="0"/>
-          <a:chExt cx="0" cy="0"/>
-        </a:xfrm>
-      </p:grpSpPr>
-      <p:sp>
-        <p:nvSpPr>
-          <p:cNvPr id="2" name="Title 1"/>
-          <p:cNvSpPr>
-            <a:spLocks noGrp="1"/>
-          </p:cNvSpPr>
-          <p:nvPr>
-            <p:ph type="title"/>
-          </p:nvPr>
-        </p:nvSpPr>
-        <p:spPr/>
-        <p:txBody>
-          <a:bodyPr>
-            <a:normAutofit/>
-          </a:bodyPr>
-          <a:lstStyle/>
-          <a:p>
-            <a:r>
-              <a:rPr lang="en-US" dirty="0" smtClean="0"/>
-              <a:t>Keeping Test Clean</a:t>
-            </a:r>
-            <a:br>
-              <a:rPr lang="en-US" dirty="0" smtClean="0"/>
-            </a:br>
-            <a:endParaRPr lang="en-US" dirty="0"/>
-          </a:p>
-        </p:txBody>
-      </p:sp>
-      <p:sp>
-        <p:nvSpPr>
-          <p:cNvPr id="3" name="Content Placeholder 2"/>
-          <p:cNvSpPr>
-            <a:spLocks noGrp="1"/>
-          </p:cNvSpPr>
-          <p:nvPr>
-            <p:ph idx="1"/>
-          </p:nvPr>
-        </p:nvSpPr>
-        <p:spPr/>
-        <p:txBody>
-          <a:bodyPr>
-            <a:normAutofit/>
-          </a:bodyPr>
-          <a:lstStyle/>
-          <a:p>
-            <a:pPr marL="0" lvl="1" indent="0">
-              <a:buNone/>
-            </a:pPr>
-            <a:r>
-              <a:rPr lang="en-US" dirty="0" smtClean="0"/>
-              <a:t>Test code is just as important as production code. It is not second class citizen.</a:t>
-            </a:r>
-          </a:p>
-          <a:p>
-            <a:pPr marL="0" lvl="1" indent="0">
-              <a:buNone/>
-            </a:pPr>
-            <a:endParaRPr lang="en-US" dirty="0" smtClean="0"/>
-          </a:p>
-          <a:p>
-            <a:pPr marL="0" lvl="1" indent="0">
-              <a:buNone/>
-            </a:pPr>
-            <a:r>
-              <a:rPr lang="en-US" sz="3200" b="1" u="sng" dirty="0"/>
-              <a:t>What makes test clean </a:t>
-            </a:r>
-          </a:p>
-          <a:p>
-            <a:pPr marL="0" lvl="1" indent="0">
-              <a:buNone/>
-            </a:pPr>
-            <a:endParaRPr lang="en-US" dirty="0" smtClean="0"/>
-          </a:p>
-          <a:p>
-            <a:pPr marL="0" lvl="1" indent="0">
-              <a:buNone/>
-            </a:pPr>
-            <a:r>
-              <a:rPr lang="en-US" dirty="0" smtClean="0"/>
-              <a:t>Readability ,  Clarity , simplicity and density of                  expression</a:t>
-            </a:r>
-          </a:p>
-          <a:p>
-            <a:endParaRPr lang="en-US" dirty="0"/>
-          </a:p>
-        </p:txBody>
-      </p:sp>
-      <p:sp>
-        <p:nvSpPr>
-          <p:cNvPr id="4" name="Slide Number Placeholder 3"/>
-          <p:cNvSpPr>
-            <a:spLocks noGrp="1"/>
-          </p:cNvSpPr>
-          <p:nvPr>
-            <p:ph type="sldNum" sz="quarter" idx="12"/>
-          </p:nvPr>
-        </p:nvSpPr>
-        <p:spPr/>
-        <p:txBody>
-          <a:bodyPr/>
-          <a:lstStyle/>
-          <a:p>
-            <a:fld id="{2387B7E2-7538-4163-9310-D5E6EE1BC12A}" type="slidenum">
-              <a:rPr lang="en-US" smtClean="0"/>
-              <a:pPr/>
-              <a:t>35</a:t>
-            </a:fld>
-            <a:endParaRPr lang="en-US"/>
-          </a:p>
-        </p:txBody>
-      </p:sp>
-    </p:spTree>
-    <p:extLst>
-      <p:ext uri="{BB962C8B-B14F-4D97-AF65-F5344CB8AC3E}">
-        <p14:creationId xmlns:p14="http://schemas.microsoft.com/office/powerpoint/2010/main" val="1102234437"/>
-      </p:ext>
-    </p:extLst>
-  </p:cSld>
-  <p:clrMapOvr>
-    <a:masterClrMapping/>
-  </p:clrMapOvr>
-  <p:timing>
-    <p:tnLst>
-      <p:par>
-        <p:cTn id="1" dur="indefinite" restart="never" nodeType="tmRoot"/>
-      </p:par>
-    </p:tnLst>
-  </p:timing>
-</p:sld>
-</file>
-
-<file path=ppt/slides/slide36.xml><?xml version="1.0" encoding="utf-8"?>
-<p:sld xmlns:a="http://schemas.openxmlformats.org/drawingml/2006/main" xmlns:r="http://schemas.openxmlformats.org/officeDocument/2006/relationships" xmlns:p="http://schemas.openxmlformats.org/presentationml/2006/main">
-  <p:cSld>
-    <p:spTree>
-      <p:nvGrpSpPr>
-        <p:cNvPr id="1" name=""/>
-        <p:cNvGrpSpPr/>
-        <p:nvPr/>
-      </p:nvGrpSpPr>
-      <p:grpSpPr>
-        <a:xfrm>
-          <a:off x="0" y="0"/>
-          <a:ext cx="0" cy="0"/>
-          <a:chOff x="0" y="0"/>
-          <a:chExt cx="0" cy="0"/>
-        </a:xfrm>
-      </p:grpSpPr>
-      <p:sp>
-        <p:nvSpPr>
-          <p:cNvPr id="2" name="Title 1"/>
-          <p:cNvSpPr>
-            <a:spLocks noGrp="1"/>
-          </p:cNvSpPr>
-          <p:nvPr>
-            <p:ph type="title"/>
-          </p:nvPr>
-        </p:nvSpPr>
-        <p:spPr>
-          <a:xfrm>
-            <a:off x="1981200" y="274638"/>
-            <a:ext cx="8229600" cy="792162"/>
-          </a:xfrm>
-        </p:spPr>
-        <p:txBody>
-          <a:bodyPr>
-            <a:normAutofit fontScale="90000"/>
-          </a:bodyPr>
-          <a:lstStyle/>
-          <a:p>
-            <a:r>
-              <a:rPr lang="en-US" dirty="0" smtClean="0"/>
-              <a:t>F.I.R.S.T</a:t>
-            </a:r>
-            <a:br>
-              <a:rPr lang="en-US" dirty="0" smtClean="0"/>
-            </a:br>
-            <a:endParaRPr lang="en-US" dirty="0"/>
-          </a:p>
-        </p:txBody>
-      </p:sp>
-      <p:sp>
-        <p:nvSpPr>
-          <p:cNvPr id="3" name="Content Placeholder 2"/>
-          <p:cNvSpPr>
-            <a:spLocks noGrp="1"/>
-          </p:cNvSpPr>
-          <p:nvPr>
-            <p:ph idx="1"/>
-          </p:nvPr>
-        </p:nvSpPr>
-        <p:spPr>
-          <a:xfrm>
-            <a:off x="1905000" y="1219200"/>
-            <a:ext cx="8229600" cy="5638800"/>
-          </a:xfrm>
-        </p:spPr>
-        <p:txBody>
-          <a:bodyPr>
-            <a:noAutofit/>
-          </a:bodyPr>
-          <a:lstStyle/>
-          <a:p>
-            <a:pPr>
-              <a:buNone/>
-            </a:pPr>
-            <a:r>
-              <a:rPr lang="en-US" sz="1900" b="1" i="1" u="sng" dirty="0"/>
-              <a:t>Fast </a:t>
-            </a:r>
-          </a:p>
-          <a:p>
-            <a:pPr>
-              <a:buNone/>
-            </a:pPr>
-            <a:r>
-              <a:rPr lang="en-US" sz="1900" b="1" dirty="0"/>
-              <a:t>    </a:t>
-            </a:r>
-            <a:r>
-              <a:rPr lang="en-US" sz="1900" dirty="0"/>
-              <a:t>Tests should be fast. They should run quickly. </a:t>
-            </a:r>
-          </a:p>
-          <a:p>
-            <a:pPr>
-              <a:buNone/>
-            </a:pPr>
-            <a:endParaRPr lang="en-US" sz="1900" dirty="0"/>
-          </a:p>
-          <a:p>
-            <a:pPr>
-              <a:buNone/>
-            </a:pPr>
-            <a:r>
-              <a:rPr lang="en-US" sz="1900" dirty="0"/>
-              <a:t>	When tests run slow, you won’t want to run them frequently. If you don’t run them frequently, you won’t find problems early enough to fix them easily. You won’t feel as free to clean up the code. Eventually the code will begin to rot.</a:t>
-            </a:r>
-          </a:p>
-          <a:p>
-            <a:pPr>
-              <a:buNone/>
-            </a:pPr>
-            <a:endParaRPr lang="en-US" sz="1900" dirty="0"/>
-          </a:p>
-          <a:p>
-            <a:pPr>
-              <a:buNone/>
-            </a:pPr>
-            <a:r>
-              <a:rPr lang="en-US" sz="1900" b="1" i="1" u="sng" dirty="0"/>
-              <a:t>Independent </a:t>
-            </a:r>
-          </a:p>
-          <a:p>
-            <a:pPr>
-              <a:buNone/>
-            </a:pPr>
-            <a:r>
-              <a:rPr lang="en-US" sz="1900" b="1" dirty="0"/>
-              <a:t>     </a:t>
-            </a:r>
-            <a:r>
-              <a:rPr lang="en-US" sz="1900" dirty="0"/>
-              <a:t>Tests should not depend on each other. </a:t>
-            </a:r>
-          </a:p>
-          <a:p>
-            <a:pPr>
-              <a:buNone/>
-            </a:pPr>
-            <a:r>
-              <a:rPr lang="en-US" sz="1900" dirty="0"/>
-              <a:t>	</a:t>
-            </a:r>
-          </a:p>
-          <a:p>
-            <a:pPr>
-              <a:buNone/>
-            </a:pPr>
-            <a:r>
-              <a:rPr lang="en-US" sz="1900" dirty="0"/>
-              <a:t>	One test should not set up the conditions for the next test. You should be able to run each test independently and run the tests in any order you like. </a:t>
-            </a:r>
-          </a:p>
-          <a:p>
-            <a:pPr>
-              <a:buNone/>
-            </a:pPr>
-            <a:endParaRPr lang="en-US" sz="1900" dirty="0"/>
-          </a:p>
-          <a:p>
-            <a:pPr>
-              <a:buNone/>
-            </a:pPr>
-            <a:r>
-              <a:rPr lang="en-US" sz="1900" dirty="0"/>
-              <a:t>	When tests depend on each other, then the first one to fail causes a cascade of downstream failures, making diagnosis difficult and hiding downstream defects.</a:t>
-            </a:r>
-          </a:p>
-        </p:txBody>
-      </p:sp>
-      <p:sp>
-        <p:nvSpPr>
-          <p:cNvPr id="4" name="Slide Number Placeholder 3"/>
-          <p:cNvSpPr>
-            <a:spLocks noGrp="1"/>
-          </p:cNvSpPr>
-          <p:nvPr>
-            <p:ph type="sldNum" sz="quarter" idx="12"/>
-          </p:nvPr>
-        </p:nvSpPr>
-        <p:spPr/>
-        <p:txBody>
-          <a:bodyPr/>
-          <a:lstStyle/>
-          <a:p>
-            <a:fld id="{2387B7E2-7538-4163-9310-D5E6EE1BC12A}" type="slidenum">
-              <a:rPr lang="en-US" smtClean="0"/>
-              <a:pPr/>
-              <a:t>36</a:t>
-            </a:fld>
-            <a:endParaRPr lang="en-US"/>
-          </a:p>
-        </p:txBody>
-      </p:sp>
-    </p:spTree>
-    <p:extLst>
-      <p:ext uri="{BB962C8B-B14F-4D97-AF65-F5344CB8AC3E}">
-        <p14:creationId xmlns:p14="http://schemas.microsoft.com/office/powerpoint/2010/main" val="2311367233"/>
-      </p:ext>
-    </p:extLst>
-  </p:cSld>
-  <p:clrMapOvr>
-    <a:masterClrMapping/>
-  </p:clrMapOvr>
-  <p:timing>
-    <p:tnLst>
-      <p:par>
-        <p:cTn id="1" dur="indefinite" restart="never" nodeType="tmRoot"/>
-      </p:par>
-    </p:tnLst>
-  </p:timing>
-</p:sld>
-</file>
-
-<file path=ppt/slides/slide37.xml><?xml version="1.0" encoding="utf-8"?>
-<p:sld xmlns:a="http://schemas.openxmlformats.org/drawingml/2006/main" xmlns:r="http://schemas.openxmlformats.org/officeDocument/2006/relationships" xmlns:p="http://schemas.openxmlformats.org/presentationml/2006/main">
-  <p:cSld>
-    <p:spTree>
-      <p:nvGrpSpPr>
-        <p:cNvPr id="1" name=""/>
-        <p:cNvGrpSpPr/>
-        <p:nvPr/>
-      </p:nvGrpSpPr>
-      <p:grpSpPr>
-        <a:xfrm>
-          <a:off x="0" y="0"/>
-          <a:ext cx="0" cy="0"/>
-          <a:chOff x="0" y="0"/>
-          <a:chExt cx="0" cy="0"/>
-        </a:xfrm>
-      </p:grpSpPr>
-      <p:sp>
-        <p:nvSpPr>
-          <p:cNvPr id="3" name="Content Placeholder 2"/>
-          <p:cNvSpPr>
-            <a:spLocks noGrp="1"/>
-          </p:cNvSpPr>
-          <p:nvPr>
-            <p:ph idx="1"/>
-          </p:nvPr>
-        </p:nvSpPr>
-        <p:spPr>
-          <a:xfrm>
-            <a:off x="2133600" y="228600"/>
-            <a:ext cx="7772400" cy="6248400"/>
-          </a:xfrm>
-        </p:spPr>
-        <p:txBody>
-          <a:bodyPr>
-            <a:noAutofit/>
-          </a:bodyPr>
-          <a:lstStyle/>
-          <a:p>
-            <a:pPr>
-              <a:lnSpc>
-                <a:spcPct val="80000"/>
-              </a:lnSpc>
-              <a:buNone/>
-            </a:pPr>
-            <a:r>
-              <a:rPr lang="en-US" sz="1900" b="1" i="1" u="sng" dirty="0"/>
-              <a:t>Repeatable </a:t>
-            </a:r>
-            <a:endParaRPr lang="en-US" sz="1900" dirty="0"/>
-          </a:p>
-          <a:p>
-            <a:pPr marL="0" indent="0">
-              <a:buNone/>
-            </a:pPr>
-            <a:r>
-              <a:rPr lang="en-US" sz="1900" dirty="0"/>
-              <a:t>Tests should be repeatable in any environment. You should be able to run the tests in the production environment, in the QA environment, without a network.</a:t>
-            </a:r>
-          </a:p>
-          <a:p>
-            <a:pPr marL="0" indent="0">
-              <a:buNone/>
-            </a:pPr>
-            <a:endParaRPr lang="en-US" sz="1900" dirty="0"/>
-          </a:p>
-          <a:p>
-            <a:pPr marL="0" indent="0">
-              <a:buNone/>
-            </a:pPr>
-            <a:r>
-              <a:rPr lang="en-US" sz="1900" dirty="0"/>
-              <a:t> If your tests aren’t repeatable in any environment, then you’ll always have an excuse for why they fail. You’ll also find yourself unable  to run the tests when the environment isn’t available.</a:t>
-            </a:r>
-          </a:p>
-          <a:p>
-            <a:pPr>
-              <a:lnSpc>
-                <a:spcPct val="80000"/>
-              </a:lnSpc>
-              <a:buNone/>
-            </a:pPr>
-            <a:endParaRPr lang="en-US" sz="1900" b="1" i="1" u="sng" dirty="0"/>
-          </a:p>
-          <a:p>
-            <a:pPr>
-              <a:lnSpc>
-                <a:spcPct val="80000"/>
-              </a:lnSpc>
-              <a:buNone/>
-            </a:pPr>
-            <a:r>
-              <a:rPr lang="en-US" sz="1900" b="1" i="1" u="sng" dirty="0"/>
-              <a:t>Self-Validating </a:t>
-            </a:r>
-          </a:p>
-          <a:p>
-            <a:pPr marL="0" indent="0">
-              <a:buNone/>
-            </a:pPr>
-            <a:r>
-              <a:rPr lang="en-US" sz="1900" dirty="0"/>
-              <a:t>The tests should have a </a:t>
-            </a:r>
-            <a:r>
-              <a:rPr lang="en-US" sz="1900" dirty="0" err="1"/>
-              <a:t>boolean</a:t>
-            </a:r>
-            <a:r>
-              <a:rPr lang="en-US" sz="1900" dirty="0"/>
-              <a:t> output. Either they pass or fail. </a:t>
-            </a:r>
-          </a:p>
-          <a:p>
-            <a:pPr marL="0" indent="0">
-              <a:buNone/>
-            </a:pPr>
-            <a:endParaRPr lang="en-US" sz="1900" dirty="0"/>
-          </a:p>
-          <a:p>
-            <a:pPr marL="0" indent="0">
-              <a:buNone/>
-            </a:pPr>
-            <a:r>
-              <a:rPr lang="en-US" sz="1900" dirty="0"/>
-              <a:t>You should not have to read through a log file to tell whether the tests pass. If the tests aren’t self-validating, then failure can become subjective and running the tests can require a long manual evaluation.</a:t>
-            </a:r>
-          </a:p>
-        </p:txBody>
-      </p:sp>
-      <p:sp>
-        <p:nvSpPr>
-          <p:cNvPr id="4" name="Slide Number Placeholder 3"/>
-          <p:cNvSpPr>
-            <a:spLocks noGrp="1"/>
-          </p:cNvSpPr>
-          <p:nvPr>
-            <p:ph type="sldNum" sz="quarter" idx="12"/>
-          </p:nvPr>
-        </p:nvSpPr>
-        <p:spPr/>
-        <p:txBody>
-          <a:bodyPr/>
-          <a:lstStyle/>
-          <a:p>
-            <a:fld id="{2387B7E2-7538-4163-9310-D5E6EE1BC12A}" type="slidenum">
-              <a:rPr lang="en-US" smtClean="0"/>
-              <a:pPr/>
-              <a:t>37</a:t>
-            </a:fld>
-            <a:endParaRPr lang="en-US"/>
-          </a:p>
-        </p:txBody>
-      </p:sp>
-    </p:spTree>
-    <p:extLst>
-      <p:ext uri="{BB962C8B-B14F-4D97-AF65-F5344CB8AC3E}">
-        <p14:creationId xmlns:p14="http://schemas.microsoft.com/office/powerpoint/2010/main" val="2315951557"/>
-      </p:ext>
-    </p:extLst>
-  </p:cSld>
-  <p:clrMapOvr>
-    <a:masterClrMapping/>
-  </p:clrMapOvr>
-  <p:timing>
-    <p:tnLst>
-      <p:par>
-        <p:cTn id="1" dur="indefinite" restart="never" nodeType="tmRoot"/>
-      </p:par>
-    </p:tnLst>
-  </p:timing>
-</p:sld>
-</file>
-
-<file path=ppt/slides/slide38.xml><?xml version="1.0" encoding="utf-8"?>
-<p:sld xmlns:a="http://schemas.openxmlformats.org/drawingml/2006/main" xmlns:r="http://schemas.openxmlformats.org/officeDocument/2006/relationships" xmlns:p="http://schemas.openxmlformats.org/presentationml/2006/main">
-  <p:cSld>
-    <p:spTree>
-      <p:nvGrpSpPr>
-        <p:cNvPr id="1" name=""/>
-        <p:cNvGrpSpPr/>
-        <p:nvPr/>
-      </p:nvGrpSpPr>
-      <p:grpSpPr>
-        <a:xfrm>
-          <a:off x="0" y="0"/>
-          <a:ext cx="0" cy="0"/>
-          <a:chOff x="0" y="0"/>
-          <a:chExt cx="0" cy="0"/>
-        </a:xfrm>
-      </p:grpSpPr>
-      <p:sp>
-        <p:nvSpPr>
-          <p:cNvPr id="3" name="Content Placeholder 2"/>
-          <p:cNvSpPr>
-            <a:spLocks noGrp="1"/>
-          </p:cNvSpPr>
-          <p:nvPr>
-            <p:ph idx="1"/>
-          </p:nvPr>
-        </p:nvSpPr>
-        <p:spPr>
-          <a:xfrm>
-            <a:off x="1981200" y="1066800"/>
-            <a:ext cx="8229600" cy="5257800"/>
-          </a:xfrm>
-        </p:spPr>
-        <p:txBody>
-          <a:bodyPr/>
-          <a:lstStyle/>
-          <a:p>
-            <a:pPr>
-              <a:buNone/>
-            </a:pPr>
-            <a:r>
-              <a:rPr lang="en-US" sz="2500" b="1" i="1" u="sng" dirty="0"/>
-              <a:t>Timely </a:t>
-            </a:r>
-          </a:p>
-          <a:p>
-            <a:pPr>
-              <a:buNone/>
-            </a:pPr>
-            <a:r>
-              <a:rPr lang="en-US" dirty="0" smtClean="0"/>
-              <a:t>	</a:t>
-            </a:r>
-            <a:r>
-              <a:rPr lang="en-US" sz="2500" dirty="0"/>
-              <a:t>The tests need to be written in a timely fashion. Unit tests should be written just before the production code that makes them pass.</a:t>
-            </a:r>
-          </a:p>
-          <a:p>
-            <a:pPr>
-              <a:buNone/>
-            </a:pPr>
-            <a:endParaRPr lang="en-US" sz="2500" dirty="0"/>
-          </a:p>
-          <a:p>
-            <a:pPr>
-              <a:buNone/>
-            </a:pPr>
-            <a:r>
-              <a:rPr lang="en-US" sz="2500" dirty="0"/>
-              <a:t>	 If you write tests after the production code, then you may find the production code to be hard to test. You may decide that some production code is too hard to test. You may not design the production code to be testable.</a:t>
-            </a:r>
-          </a:p>
-          <a:p>
-            <a:endParaRPr lang="en-GB" dirty="0"/>
-          </a:p>
-        </p:txBody>
-      </p:sp>
-      <p:sp>
-        <p:nvSpPr>
-          <p:cNvPr id="4" name="Slide Number Placeholder 3"/>
-          <p:cNvSpPr>
-            <a:spLocks noGrp="1"/>
-          </p:cNvSpPr>
-          <p:nvPr>
-            <p:ph type="sldNum" sz="quarter" idx="12"/>
-          </p:nvPr>
-        </p:nvSpPr>
-        <p:spPr/>
-        <p:txBody>
-          <a:bodyPr/>
-          <a:lstStyle/>
-          <a:p>
-            <a:fld id="{2387B7E2-7538-4163-9310-D5E6EE1BC12A}" type="slidenum">
-              <a:rPr lang="en-US" smtClean="0"/>
-              <a:pPr/>
-              <a:t>38</a:t>
-            </a:fld>
-            <a:endParaRPr lang="en-US"/>
-          </a:p>
-        </p:txBody>
-      </p:sp>
-    </p:spTree>
-    <p:extLst>
-      <p:ext uri="{BB962C8B-B14F-4D97-AF65-F5344CB8AC3E}">
-        <p14:creationId xmlns:p14="http://schemas.microsoft.com/office/powerpoint/2010/main" val="2506654821"/>
-      </p:ext>
-    </p:extLst>
-  </p:cSld>
-  <p:clrMapOvr>
-    <a:masterClrMapping/>
-  </p:clrMapOvr>
-  <p:timing>
-    <p:tnLst>
-      <p:par>
-        <p:cTn id="1" dur="indefinite" restart="never" nodeType="tmRoot"/>
-      </p:par>
-    </p:tnLst>
-  </p:timing>
-</p:sld>
-</file>
-
-<file path=ppt/slides/slide39.xml><?xml version="1.0" encoding="utf-8"?>
-<p:sld xmlns:a="http://schemas.openxmlformats.org/drawingml/2006/main" xmlns:r="http://schemas.openxmlformats.org/officeDocument/2006/relationships" xmlns:p="http://schemas.openxmlformats.org/presentationml/2006/main">
-  <p:cSld>
-    <p:spTree>
-      <p:nvGrpSpPr>
-        <p:cNvPr id="1" name=""/>
-        <p:cNvGrpSpPr/>
-        <p:nvPr/>
-      </p:nvGrpSpPr>
-      <p:grpSpPr>
-        <a:xfrm>
-          <a:off x="0" y="0"/>
-          <a:ext cx="0" cy="0"/>
-          <a:chOff x="0" y="0"/>
-          <a:chExt cx="0" cy="0"/>
-        </a:xfrm>
-      </p:grpSpPr>
-      <p:sp>
-        <p:nvSpPr>
-          <p:cNvPr id="2" name="Title 1"/>
-          <p:cNvSpPr>
-            <a:spLocks noGrp="1"/>
-          </p:cNvSpPr>
-          <p:nvPr>
-            <p:ph type="title"/>
-          </p:nvPr>
-        </p:nvSpPr>
-        <p:spPr/>
-        <p:txBody>
-          <a:bodyPr/>
-          <a:lstStyle/>
-          <a:p>
-            <a:r>
-              <a:rPr lang="en-US" dirty="0" smtClean="0"/>
-              <a:t>Common test smells</a:t>
-            </a:r>
-            <a:endParaRPr lang="en-US" dirty="0"/>
-          </a:p>
-        </p:txBody>
-      </p:sp>
-      <p:sp>
-        <p:nvSpPr>
-          <p:cNvPr id="3" name="Content Placeholder 2"/>
-          <p:cNvSpPr>
-            <a:spLocks noGrp="1"/>
-          </p:cNvSpPr>
-          <p:nvPr>
-            <p:ph idx="1"/>
-          </p:nvPr>
-        </p:nvSpPr>
-        <p:spPr/>
-        <p:txBody>
-          <a:bodyPr/>
-          <a:lstStyle/>
-          <a:p>
-            <a:r>
-              <a:rPr lang="en-US" b="1" dirty="0" smtClean="0"/>
-              <a:t>Hard-to-Test Code</a:t>
-            </a:r>
-          </a:p>
-          <a:p>
-            <a:r>
-              <a:rPr lang="en-US" b="1" dirty="0"/>
-              <a:t>Fragile Test</a:t>
-            </a:r>
-          </a:p>
-          <a:p>
-            <a:r>
-              <a:rPr lang="en-US" b="1" dirty="0"/>
-              <a:t>Test Code </a:t>
-            </a:r>
-            <a:r>
-              <a:rPr lang="en-US" b="1" dirty="0" smtClean="0"/>
-              <a:t>Duplication</a:t>
-            </a:r>
-          </a:p>
-          <a:p>
-            <a:r>
-              <a:rPr lang="en-US" b="1" dirty="0"/>
-              <a:t>Slow </a:t>
-            </a:r>
-            <a:r>
-              <a:rPr lang="en-US" b="1" dirty="0" smtClean="0"/>
-              <a:t>Tests</a:t>
-            </a:r>
-          </a:p>
-          <a:p>
-            <a:r>
-              <a:rPr lang="en-US" b="1" smtClean="0"/>
-              <a:t>Conditional </a:t>
-            </a:r>
-            <a:r>
-              <a:rPr lang="en-US" b="1" dirty="0"/>
-              <a:t>Test Logic</a:t>
-            </a:r>
-          </a:p>
-          <a:p>
-            <a:endParaRPr lang="en-US" b="1" dirty="0" smtClean="0"/>
-          </a:p>
-          <a:p>
-            <a:endParaRPr lang="en-US" b="1" dirty="0" smtClean="0"/>
-          </a:p>
-          <a:p>
-            <a:endParaRPr lang="en-US" b="1" dirty="0" smtClean="0"/>
-          </a:p>
-          <a:p>
-            <a:endParaRPr lang="en-US" dirty="0"/>
-          </a:p>
-        </p:txBody>
-      </p:sp>
-      <p:sp>
-        <p:nvSpPr>
-          <p:cNvPr id="4" name="Slide Number Placeholder 3"/>
-          <p:cNvSpPr>
-            <a:spLocks noGrp="1"/>
-          </p:cNvSpPr>
-          <p:nvPr>
-            <p:ph type="sldNum" sz="quarter" idx="12"/>
-          </p:nvPr>
-        </p:nvSpPr>
-        <p:spPr/>
-        <p:txBody>
-          <a:bodyPr/>
-          <a:lstStyle/>
-          <a:p>
-            <a:fld id="{2387B7E2-7538-4163-9310-D5E6EE1BC12A}" type="slidenum">
-              <a:rPr lang="en-US" smtClean="0"/>
-              <a:pPr/>
-              <a:t>39</a:t>
-            </a:fld>
-            <a:endParaRPr lang="en-US"/>
-          </a:p>
-        </p:txBody>
-      </p:sp>
-    </p:spTree>
-    <p:extLst>
-      <p:ext uri="{BB962C8B-B14F-4D97-AF65-F5344CB8AC3E}">
-        <p14:creationId xmlns:p14="http://schemas.microsoft.com/office/powerpoint/2010/main" val="3673902846"/>
+        <p14:creationId xmlns:p14="http://schemas.microsoft.com/office/powerpoint/2010/main" val="2160071212"/>
       </p:ext>
     </p:extLst>
   </p:cSld>
@@ -13672,6 +13087,220 @@
       </p:grpSpPr>
       <p:sp>
         <p:nvSpPr>
+          <p:cNvPr id="4" name="Title 3"/>
+          <p:cNvSpPr>
+            <a:spLocks noGrp="1"/>
+          </p:cNvSpPr>
+          <p:nvPr>
+            <p:ph type="ctrTitle"/>
+          </p:nvPr>
+        </p:nvSpPr>
+        <p:spPr>
+          <a:xfrm>
+            <a:off x="1350264" y="610299"/>
+            <a:ext cx="9144000" cy="2387600"/>
+          </a:xfrm>
+        </p:spPr>
+        <p:txBody>
+          <a:bodyPr>
+            <a:normAutofit/>
+          </a:bodyPr>
+          <a:lstStyle/>
+          <a:p>
+            <a:r>
+              <a:rPr lang="en-US" sz="4400" dirty="0"/>
+              <a:t>“If it's worth building, it's worth testing. </a:t>
+            </a:r>
+            <a:br>
+              <a:rPr lang="en-US" sz="4400" dirty="0"/>
+            </a:br>
+            <a:r>
+              <a:rPr lang="en-US" sz="4400" dirty="0"/>
+              <a:t>If it's not worth testing, why are you wasting your time working on it</a:t>
+            </a:r>
+            <a:r>
+              <a:rPr lang="en-US" sz="4400" dirty="0" smtClean="0"/>
+              <a:t>?“</a:t>
+            </a:r>
+            <a:endParaRPr lang="en-US" sz="4400" dirty="0"/>
+          </a:p>
+        </p:txBody>
+      </p:sp>
+      <p:sp>
+        <p:nvSpPr>
+          <p:cNvPr id="3" name="Content Placeholder 2"/>
+          <p:cNvSpPr>
+            <a:spLocks noGrp="1"/>
+          </p:cNvSpPr>
+          <p:nvPr>
+            <p:ph type="subTitle" idx="1"/>
+          </p:nvPr>
+        </p:nvSpPr>
+        <p:spPr/>
+        <p:txBody>
+          <a:bodyPr/>
+          <a:lstStyle/>
+          <a:p>
+            <a:pPr marL="0" indent="0">
+              <a:buNone/>
+            </a:pPr>
+            <a:endParaRPr lang="en-US" dirty="0" smtClean="0"/>
+          </a:p>
+          <a:p>
+            <a:endParaRPr lang="en-US" dirty="0"/>
+          </a:p>
+        </p:txBody>
+      </p:sp>
+    </p:spTree>
+    <p:extLst>
+      <p:ext uri="{BB962C8B-B14F-4D97-AF65-F5344CB8AC3E}">
+        <p14:creationId xmlns:p14="http://schemas.microsoft.com/office/powerpoint/2010/main" val="3781444933"/>
+      </p:ext>
+    </p:extLst>
+  </p:cSld>
+  <p:clrMapOvr>
+    <a:masterClrMapping/>
+  </p:clrMapOvr>
+</p:sld>
+</file>
+
+<file path=ppt/slides/slide5.xml><?xml version="1.0" encoding="utf-8"?>
+<p:sld xmlns:a="http://schemas.openxmlformats.org/drawingml/2006/main" xmlns:r="http://schemas.openxmlformats.org/officeDocument/2006/relationships" xmlns:p="http://schemas.openxmlformats.org/presentationml/2006/main">
+  <p:cSld>
+    <p:spTree>
+      <p:nvGrpSpPr>
+        <p:cNvPr id="1" name=""/>
+        <p:cNvGrpSpPr/>
+        <p:nvPr/>
+      </p:nvGrpSpPr>
+      <p:grpSpPr>
+        <a:xfrm>
+          <a:off x="0" y="0"/>
+          <a:ext cx="0" cy="0"/>
+          <a:chOff x="0" y="0"/>
+          <a:chExt cx="0" cy="0"/>
+        </a:xfrm>
+      </p:grpSpPr>
+      <p:sp>
+        <p:nvSpPr>
+          <p:cNvPr id="2" name="Title 1"/>
+          <p:cNvSpPr>
+            <a:spLocks noGrp="1"/>
+          </p:cNvSpPr>
+          <p:nvPr>
+            <p:ph type="title"/>
+          </p:nvPr>
+        </p:nvSpPr>
+        <p:spPr/>
+        <p:txBody>
+          <a:bodyPr/>
+          <a:lstStyle/>
+          <a:p>
+            <a:r>
+              <a:rPr lang="en-US" dirty="0" smtClean="0"/>
+              <a:t>Building the right feedback loop</a:t>
+            </a:r>
+            <a:endParaRPr lang="en-US" dirty="0"/>
+          </a:p>
+        </p:txBody>
+      </p:sp>
+      <p:sp>
+        <p:nvSpPr>
+          <p:cNvPr id="3" name="Content Placeholder 2"/>
+          <p:cNvSpPr>
+            <a:spLocks noGrp="1"/>
+          </p:cNvSpPr>
+          <p:nvPr>
+            <p:ph idx="1"/>
+          </p:nvPr>
+        </p:nvSpPr>
+        <p:spPr/>
+        <p:txBody>
+          <a:bodyPr>
+            <a:normAutofit/>
+          </a:bodyPr>
+          <a:lstStyle/>
+          <a:p>
+            <a:pPr marL="0" indent="0">
+              <a:buNone/>
+            </a:pPr>
+            <a:r>
+              <a:rPr lang="en-US" dirty="0"/>
+              <a:t>Tests create a feedback loop that informs the developer whether the product is working or not. </a:t>
+            </a:r>
+            <a:endParaRPr lang="en-US" dirty="0" smtClean="0"/>
+          </a:p>
+          <a:p>
+            <a:pPr marL="0" indent="0">
+              <a:buNone/>
+            </a:pPr>
+            <a:endParaRPr lang="en-US" dirty="0"/>
+          </a:p>
+        </p:txBody>
+      </p:sp>
+      <p:sp>
+        <p:nvSpPr>
+          <p:cNvPr id="4" name="Slide Number Placeholder 3"/>
+          <p:cNvSpPr>
+            <a:spLocks noGrp="1"/>
+          </p:cNvSpPr>
+          <p:nvPr>
+            <p:ph type="sldNum" sz="quarter" idx="12"/>
+          </p:nvPr>
+        </p:nvSpPr>
+        <p:spPr/>
+        <p:txBody>
+          <a:bodyPr/>
+          <a:lstStyle/>
+          <a:p>
+            <a:fld id="{2387B7E2-7538-4163-9310-D5E6EE1BC12A}" type="slidenum">
+              <a:rPr lang="en-US" smtClean="0"/>
+              <a:pPr/>
+              <a:t>5</a:t>
+            </a:fld>
+            <a:endParaRPr lang="en-US"/>
+          </a:p>
+        </p:txBody>
+      </p:sp>
+    </p:spTree>
+    <p:extLst>
+      <p:ext uri="{BB962C8B-B14F-4D97-AF65-F5344CB8AC3E}">
+        <p14:creationId xmlns:p14="http://schemas.microsoft.com/office/powerpoint/2010/main" val="1093903941"/>
+      </p:ext>
+    </p:extLst>
+  </p:cSld>
+  <p:clrMapOvr>
+    <a:masterClrMapping/>
+  </p:clrMapOvr>
+  <p:timing>
+    <p:tnLst>
+      <p:par>
+        <p:cTn id="1" dur="indefinite" restart="never" nodeType="tmRoot"/>
+      </p:par>
+    </p:tnLst>
+  </p:timing>
+</p:sld>
+</file>
+
+<file path=ppt/slides/slide6.xml><?xml version="1.0" encoding="utf-8"?>
+<p:sld xmlns:a="http://schemas.openxmlformats.org/drawingml/2006/main" xmlns:r="http://schemas.openxmlformats.org/officeDocument/2006/relationships" xmlns:p="http://schemas.openxmlformats.org/presentationml/2006/main">
+  <p:cSld>
+    <p:spTree>
+      <p:nvGrpSpPr>
+        <p:cNvPr id="1" name=""/>
+        <p:cNvGrpSpPr/>
+        <p:nvPr/>
+      </p:nvGrpSpPr>
+      <p:grpSpPr>
+        <a:xfrm>
+          <a:off x="0" y="0"/>
+          <a:ext cx="0" cy="0"/>
+          <a:chOff x="0" y="0"/>
+          <a:chExt cx="0" cy="0"/>
+        </a:xfrm>
+      </p:grpSpPr>
+      <p:sp>
+        <p:nvSpPr>
           <p:cNvPr id="2" name="Titel 1"/>
           <p:cNvSpPr>
             <a:spLocks noGrp="1"/>
@@ -13793,13 +13422,8 @@
             </a:pPr>
             <a:r>
               <a:rPr lang="en-US" sz="2667" dirty="0"/>
-              <a:t>Andrew </a:t>
-            </a:r>
-            <a:r>
-              <a:rPr lang="en-US" sz="2667" dirty="0"/>
-              <a:t>Hunt and David Thomas </a:t>
-            </a:r>
-            <a:endParaRPr lang="en-US" sz="2667" dirty="0"/>
+              <a:t>Andrew Hunt and David Thomas </a:t>
+            </a:r>
           </a:p>
           <a:p>
             <a:pPr marL="0" indent="0" algn="r">
@@ -13807,15 +13431,7 @@
             </a:pPr>
             <a:r>
               <a:rPr lang="en-US" sz="2667" dirty="0"/>
-              <a:t>The </a:t>
-            </a:r>
-            <a:r>
-              <a:rPr lang="en-US" sz="2667" dirty="0"/>
-              <a:t>Pragmatic </a:t>
-            </a:r>
-            <a:r>
-              <a:rPr lang="en-US" sz="2667" dirty="0"/>
-              <a:t>Programmer</a:t>
+              <a:t>The Pragmatic Programmer</a:t>
             </a:r>
             <a:endParaRPr lang="de-DE" sz="2667" dirty="0"/>
           </a:p>
@@ -13849,362 +13465,6 @@
 </p:sld>
 </file>
 
-<file path=ppt/slides/slide40.xml><?xml version="1.0" encoding="utf-8"?>
-<p:sld xmlns:a="http://schemas.openxmlformats.org/drawingml/2006/main" xmlns:r="http://schemas.openxmlformats.org/officeDocument/2006/relationships" xmlns:p="http://schemas.openxmlformats.org/presentationml/2006/main">
-  <p:cSld>
-    <p:spTree>
-      <p:nvGrpSpPr>
-        <p:cNvPr id="1" name=""/>
-        <p:cNvGrpSpPr/>
-        <p:nvPr/>
-      </p:nvGrpSpPr>
-      <p:grpSpPr>
-        <a:xfrm>
-          <a:off x="0" y="0"/>
-          <a:ext cx="0" cy="0"/>
-          <a:chOff x="0" y="0"/>
-          <a:chExt cx="0" cy="0"/>
-        </a:xfrm>
-      </p:grpSpPr>
-      <p:sp>
-        <p:nvSpPr>
-          <p:cNvPr id="2" name="Title 1"/>
-          <p:cNvSpPr>
-            <a:spLocks noGrp="1"/>
-          </p:cNvSpPr>
-          <p:nvPr>
-            <p:ph type="title"/>
-          </p:nvPr>
-        </p:nvSpPr>
-        <p:spPr/>
-        <p:txBody>
-          <a:bodyPr/>
-          <a:lstStyle/>
-          <a:p>
-            <a:r>
-              <a:rPr lang="en-US" dirty="0" smtClean="0"/>
-              <a:t>Testable design</a:t>
-            </a:r>
-            <a:endParaRPr lang="en-US" dirty="0"/>
-          </a:p>
-        </p:txBody>
-      </p:sp>
-      <p:sp>
-        <p:nvSpPr>
-          <p:cNvPr id="3" name="Content Placeholder 2"/>
-          <p:cNvSpPr>
-            <a:spLocks noGrp="1"/>
-          </p:cNvSpPr>
-          <p:nvPr>
-            <p:ph idx="1"/>
-          </p:nvPr>
-        </p:nvSpPr>
-        <p:spPr/>
-        <p:txBody>
-          <a:bodyPr/>
-          <a:lstStyle/>
-          <a:p>
-            <a:r>
-              <a:rPr lang="en-US" dirty="0" smtClean="0"/>
-              <a:t>Dependency injection</a:t>
-            </a:r>
-          </a:p>
-          <a:p>
-            <a:r>
-              <a:rPr lang="en-US" dirty="0" smtClean="0"/>
-              <a:t>Programming to interface</a:t>
-            </a:r>
-          </a:p>
-          <a:p>
-            <a:r>
-              <a:rPr lang="en-US" dirty="0" smtClean="0"/>
-              <a:t>Simple Code : SOLID</a:t>
-            </a:r>
-          </a:p>
-          <a:p>
-            <a:r>
-              <a:rPr lang="en-US" dirty="0" smtClean="0"/>
-              <a:t>Adapter</a:t>
-            </a:r>
-            <a:endParaRPr lang="en-US" dirty="0"/>
-          </a:p>
-        </p:txBody>
-      </p:sp>
-    </p:spTree>
-    <p:extLst>
-      <p:ext uri="{BB962C8B-B14F-4D97-AF65-F5344CB8AC3E}">
-        <p14:creationId xmlns:p14="http://schemas.microsoft.com/office/powerpoint/2010/main" val="2809479746"/>
-      </p:ext>
-    </p:extLst>
-  </p:cSld>
-  <p:clrMapOvr>
-    <a:masterClrMapping/>
-  </p:clrMapOvr>
-</p:sld>
-</file>
-
-<file path=ppt/slides/slide41.xml><?xml version="1.0" encoding="utf-8"?>
-<p:sld xmlns:a="http://schemas.openxmlformats.org/drawingml/2006/main" xmlns:r="http://schemas.openxmlformats.org/officeDocument/2006/relationships" xmlns:p="http://schemas.openxmlformats.org/presentationml/2006/main">
-  <p:cSld>
-    <p:spTree>
-      <p:nvGrpSpPr>
-        <p:cNvPr id="1" name=""/>
-        <p:cNvGrpSpPr/>
-        <p:nvPr/>
-      </p:nvGrpSpPr>
-      <p:grpSpPr>
-        <a:xfrm>
-          <a:off x="0" y="0"/>
-          <a:ext cx="0" cy="0"/>
-          <a:chOff x="0" y="0"/>
-          <a:chExt cx="0" cy="0"/>
-        </a:xfrm>
-      </p:grpSpPr>
-      <p:sp>
-        <p:nvSpPr>
-          <p:cNvPr id="2" name="Title 1"/>
-          <p:cNvSpPr>
-            <a:spLocks noGrp="1"/>
-          </p:cNvSpPr>
-          <p:nvPr>
-            <p:ph type="title"/>
-          </p:nvPr>
-        </p:nvSpPr>
-        <p:spPr/>
-        <p:txBody>
-          <a:bodyPr/>
-          <a:lstStyle/>
-          <a:p>
-            <a:r>
-              <a:rPr lang="en-US" dirty="0" smtClean="0"/>
-              <a:t>More TDD….</a:t>
-            </a:r>
-            <a:endParaRPr lang="en-US" dirty="0"/>
-          </a:p>
-        </p:txBody>
-      </p:sp>
-      <p:sp>
-        <p:nvSpPr>
-          <p:cNvPr id="3" name="Content Placeholder 2"/>
-          <p:cNvSpPr>
-            <a:spLocks noGrp="1"/>
-          </p:cNvSpPr>
-          <p:nvPr>
-            <p:ph idx="1"/>
-          </p:nvPr>
-        </p:nvSpPr>
-        <p:spPr/>
-        <p:txBody>
-          <a:bodyPr/>
-          <a:lstStyle/>
-          <a:p>
-            <a:endParaRPr lang="en-US"/>
-          </a:p>
-        </p:txBody>
-      </p:sp>
-    </p:spTree>
-    <p:extLst>
-      <p:ext uri="{BB962C8B-B14F-4D97-AF65-F5344CB8AC3E}">
-        <p14:creationId xmlns:p14="http://schemas.microsoft.com/office/powerpoint/2010/main" val="2160071212"/>
-      </p:ext>
-    </p:extLst>
-  </p:cSld>
-  <p:clrMapOvr>
-    <a:masterClrMapping/>
-  </p:clrMapOvr>
-</p:sld>
-</file>
-
-<file path=ppt/slides/slide5.xml><?xml version="1.0" encoding="utf-8"?>
-<p:sld xmlns:a="http://schemas.openxmlformats.org/drawingml/2006/main" xmlns:r="http://schemas.openxmlformats.org/officeDocument/2006/relationships" xmlns:p="http://schemas.openxmlformats.org/presentationml/2006/main">
-  <p:cSld>
-    <p:spTree>
-      <p:nvGrpSpPr>
-        <p:cNvPr id="1" name=""/>
-        <p:cNvGrpSpPr/>
-        <p:nvPr/>
-      </p:nvGrpSpPr>
-      <p:grpSpPr>
-        <a:xfrm>
-          <a:off x="0" y="0"/>
-          <a:ext cx="0" cy="0"/>
-          <a:chOff x="0" y="0"/>
-          <a:chExt cx="0" cy="0"/>
-        </a:xfrm>
-      </p:grpSpPr>
-      <p:sp>
-        <p:nvSpPr>
-          <p:cNvPr id="2" name="Title 1"/>
-          <p:cNvSpPr>
-            <a:spLocks noGrp="1"/>
-          </p:cNvSpPr>
-          <p:nvPr>
-            <p:ph type="title"/>
-          </p:nvPr>
-        </p:nvSpPr>
-        <p:spPr/>
-        <p:txBody>
-          <a:bodyPr/>
-          <a:lstStyle/>
-          <a:p>
-            <a:r>
-              <a:rPr lang="en-US" dirty="0" smtClean="0"/>
-              <a:t>Why Tests</a:t>
-            </a:r>
-            <a:endParaRPr lang="en-US" dirty="0"/>
-          </a:p>
-        </p:txBody>
-      </p:sp>
-      <p:sp>
-        <p:nvSpPr>
-          <p:cNvPr id="3" name="Content Placeholder 2"/>
-          <p:cNvSpPr>
-            <a:spLocks noGrp="1"/>
-          </p:cNvSpPr>
-          <p:nvPr>
-            <p:ph idx="1"/>
-          </p:nvPr>
-        </p:nvSpPr>
-        <p:spPr/>
-        <p:txBody>
-          <a:bodyPr/>
-          <a:lstStyle/>
-          <a:p>
-            <a:endParaRPr lang="en-US" dirty="0"/>
-          </a:p>
-        </p:txBody>
-      </p:sp>
-    </p:spTree>
-    <p:extLst>
-      <p:ext uri="{BB962C8B-B14F-4D97-AF65-F5344CB8AC3E}">
-        <p14:creationId xmlns:p14="http://schemas.microsoft.com/office/powerpoint/2010/main" val="394585407"/>
-      </p:ext>
-    </p:extLst>
-  </p:cSld>
-  <p:clrMapOvr>
-    <a:masterClrMapping/>
-  </p:clrMapOvr>
-</p:sld>
-</file>
-
-<file path=ppt/slides/slide6.xml><?xml version="1.0" encoding="utf-8"?>
-<p:sld xmlns:a="http://schemas.openxmlformats.org/drawingml/2006/main" xmlns:r="http://schemas.openxmlformats.org/officeDocument/2006/relationships" xmlns:p="http://schemas.openxmlformats.org/presentationml/2006/main">
-  <p:cSld>
-    <p:spTree>
-      <p:nvGrpSpPr>
-        <p:cNvPr id="1" name=""/>
-        <p:cNvGrpSpPr/>
-        <p:nvPr/>
-      </p:nvGrpSpPr>
-      <p:grpSpPr>
-        <a:xfrm>
-          <a:off x="0" y="0"/>
-          <a:ext cx="0" cy="0"/>
-          <a:chOff x="0" y="0"/>
-          <a:chExt cx="0" cy="0"/>
-        </a:xfrm>
-      </p:grpSpPr>
-      <p:sp>
-        <p:nvSpPr>
-          <p:cNvPr id="2" name="Title 1"/>
-          <p:cNvSpPr>
-            <a:spLocks noGrp="1"/>
-          </p:cNvSpPr>
-          <p:nvPr>
-            <p:ph type="title"/>
-          </p:nvPr>
-        </p:nvSpPr>
-        <p:spPr/>
-        <p:txBody>
-          <a:bodyPr/>
-          <a:lstStyle/>
-          <a:p>
-            <a:r>
-              <a:rPr lang="en-US" dirty="0" smtClean="0"/>
-              <a:t>Building the right feedback loop</a:t>
-            </a:r>
-            <a:endParaRPr lang="en-US" dirty="0"/>
-          </a:p>
-        </p:txBody>
-      </p:sp>
-      <p:sp>
-        <p:nvSpPr>
-          <p:cNvPr id="3" name="Content Placeholder 2"/>
-          <p:cNvSpPr>
-            <a:spLocks noGrp="1"/>
-          </p:cNvSpPr>
-          <p:nvPr>
-            <p:ph idx="1"/>
-          </p:nvPr>
-        </p:nvSpPr>
-        <p:spPr/>
-        <p:txBody>
-          <a:bodyPr>
-            <a:normAutofit/>
-          </a:bodyPr>
-          <a:lstStyle/>
-          <a:p>
-            <a:pPr marL="0" indent="0">
-              <a:buNone/>
-            </a:pPr>
-            <a:r>
-              <a:rPr lang="en-US" dirty="0"/>
-              <a:t>Tests create a feedback loop that informs the developer whether the product is working or not. </a:t>
-            </a:r>
-            <a:endParaRPr lang="en-US" dirty="0" smtClean="0"/>
-          </a:p>
-          <a:p>
-            <a:pPr marL="0" indent="0">
-              <a:buNone/>
-            </a:pPr>
-            <a:endParaRPr lang="en-US" dirty="0"/>
-          </a:p>
-        </p:txBody>
-      </p:sp>
-      <p:sp>
-        <p:nvSpPr>
-          <p:cNvPr id="4" name="Slide Number Placeholder 3"/>
-          <p:cNvSpPr>
-            <a:spLocks noGrp="1"/>
-          </p:cNvSpPr>
-          <p:nvPr>
-            <p:ph type="sldNum" sz="quarter" idx="12"/>
-          </p:nvPr>
-        </p:nvSpPr>
-        <p:spPr/>
-        <p:txBody>
-          <a:bodyPr/>
-          <a:lstStyle/>
-          <a:p>
-            <a:fld id="{2387B7E2-7538-4163-9310-D5E6EE1BC12A}" type="slidenum">
-              <a:rPr lang="en-US" smtClean="0"/>
-              <a:pPr/>
-              <a:t>6</a:t>
-            </a:fld>
-            <a:endParaRPr lang="en-US"/>
-          </a:p>
-        </p:txBody>
-      </p:sp>
-    </p:spTree>
-    <p:extLst>
-      <p:ext uri="{BB962C8B-B14F-4D97-AF65-F5344CB8AC3E}">
-        <p14:creationId xmlns:p14="http://schemas.microsoft.com/office/powerpoint/2010/main" val="1093903941"/>
-      </p:ext>
-    </p:extLst>
-  </p:cSld>
-  <p:clrMapOvr>
-    <a:masterClrMapping/>
-  </p:clrMapOvr>
-  <p:timing>
-    <p:tnLst>
-      <p:par>
-        <p:cTn id="1" dur="indefinite" restart="never" nodeType="tmRoot"/>
-      </p:par>
-    </p:tnLst>
-  </p:timing>
-</p:sld>
-</file>
-
 <file path=ppt/slides/slide7.xml><?xml version="1.0" encoding="utf-8"?>
 <p:sld xmlns:a="http://schemas.openxmlformats.org/drawingml/2006/main" xmlns:r="http://schemas.openxmlformats.org/officeDocument/2006/relationships" xmlns:p="http://schemas.openxmlformats.org/presentationml/2006/main">
   <p:cSld>
@@ -14234,18 +13494,13 @@
         </p:nvSpPr>
         <p:spPr/>
         <p:txBody>
-          <a:bodyPr>
-            <a:normAutofit/>
-          </a:bodyPr>
-          <a:lstStyle/>
-          <a:p>
-            <a:r>
-              <a:rPr lang="en-US" dirty="0"/>
-              <a:t/>
-            </a:r>
-            <a:br>
-              <a:rPr lang="en-US" dirty="0"/>
-            </a:br>
+          <a:bodyPr/>
+          <a:lstStyle/>
+          <a:p>
+            <a:r>
+              <a:rPr lang="en-US" dirty="0" smtClean="0"/>
+              <a:t>Fear of making change</a:t>
+            </a:r>
             <a:endParaRPr lang="en-US" dirty="0"/>
           </a:p>
         </p:txBody>
@@ -14260,116 +13515,67 @@
             <p:ph idx="1"/>
           </p:nvPr>
         </p:nvSpPr>
-        <p:spPr>
-          <a:xfrm>
-            <a:off x="1981200" y="838201"/>
-            <a:ext cx="8229600" cy="5287963"/>
-          </a:xfrm>
-        </p:spPr>
-        <p:txBody>
-          <a:bodyPr>
-            <a:normAutofit fontScale="85000" lnSpcReduction="10000"/>
-          </a:bodyPr>
-          <a:lstStyle/>
-          <a:p>
-            <a:pPr marL="0" indent="0">
+        <p:spPr/>
+        <p:txBody>
+          <a:bodyPr/>
+          <a:lstStyle/>
+          <a:p>
+            <a:pPr>
               <a:buNone/>
             </a:pPr>
             <a:r>
               <a:rPr lang="en-US" dirty="0"/>
-              <a:t>The ideal feedback loop has several properties</a:t>
+              <a:t> </a:t>
             </a:r>
             <a:r>
               <a:rPr lang="en-US" dirty="0" smtClean="0"/>
-              <a:t>:</a:t>
-            </a:r>
-          </a:p>
-          <a:p>
-            <a:pPr marL="0" indent="0">
+              <a:t>	</a:t>
+            </a:r>
+            <a:r>
+              <a:rPr lang="en-US" i="1" dirty="0" smtClean="0"/>
+              <a:t>Unit </a:t>
+            </a:r>
+            <a:r>
+              <a:rPr lang="en-US" i="1" dirty="0"/>
+              <a:t>tests enable to gain confidence in code over time . As </a:t>
+            </a:r>
+            <a:r>
+              <a:rPr lang="en-US" i="1" dirty="0" smtClean="0"/>
+              <a:t>test accumulate </a:t>
+            </a:r>
+            <a:r>
+              <a:rPr lang="en-US" i="1" dirty="0"/>
+              <a:t>, we gain confidence in the behavior of the system.</a:t>
+            </a:r>
+          </a:p>
+          <a:p>
+            <a:pPr>
               <a:buNone/>
             </a:pPr>
-            <a:endParaRPr lang="en-US" u="sng" dirty="0" smtClean="0"/>
-          </a:p>
-          <a:p>
-            <a:r>
-              <a:rPr lang="en-US" u="sng" dirty="0" smtClean="0"/>
-              <a:t>It's </a:t>
-            </a:r>
-            <a:r>
-              <a:rPr lang="en-US" u="sng" dirty="0"/>
-              <a:t>fast</a:t>
-            </a:r>
-            <a:r>
-              <a:rPr lang="en-US" dirty="0"/>
-              <a:t>. No developer wants to wait hours or days to find out if their change works. Sometimes the change does not work - nobody is perfect - and the feedback loop needs to run multiple times. A faster feedback loop leads to faster fixes. If the loop is fast enough, developers may even run tests before checking in a change. </a:t>
-            </a:r>
-          </a:p>
-          <a:p>
-            <a:r>
-              <a:rPr lang="en-US" u="sng" dirty="0"/>
-              <a:t>It's reliable</a:t>
-            </a:r>
-            <a:r>
-              <a:rPr lang="en-US" dirty="0"/>
-              <a:t>. No developer wants to spend hours debugging a test, only to find out it was a flaky test. Flaky tests reduce the developer's trust in the test, and as a result flaky tests are often ignored, even when they find real product issues. </a:t>
-            </a:r>
-          </a:p>
-          <a:p>
-            <a:r>
-              <a:rPr lang="en-US" u="sng" dirty="0"/>
-              <a:t>It isolates failures</a:t>
-            </a:r>
-            <a:r>
-              <a:rPr lang="en-US" dirty="0"/>
-              <a:t>. To fix a bug, developers need to find the specific lines of code causing the bug. When a product contains millions of lines of codes, and the bug could be anywhere, it's like trying to find a needle in a haystack. </a:t>
-            </a:r>
-          </a:p>
-          <a:p>
+            <a:endParaRPr lang="en-US" i="1" dirty="0"/>
+          </a:p>
+          <a:p>
+            <a:pPr>
+              <a:buNone/>
+            </a:pPr>
+            <a:r>
+              <a:rPr lang="en-GB" dirty="0"/>
+              <a:t>	Fear of making change disappear</a:t>
+            </a:r>
             <a:endParaRPr lang="en-US" dirty="0"/>
-          </a:p>
-        </p:txBody>
-      </p:sp>
-      <p:sp>
-        <p:nvSpPr>
-          <p:cNvPr id="4" name="Slide Number Placeholder 3"/>
-          <p:cNvSpPr>
-            <a:spLocks noGrp="1"/>
-          </p:cNvSpPr>
-          <p:nvPr>
-            <p:ph type="sldNum" sz="quarter" idx="12"/>
-          </p:nvPr>
-        </p:nvSpPr>
-        <p:spPr/>
-        <p:txBody>
-          <a:bodyPr/>
-          <a:lstStyle/>
-          <a:p>
-            <a:fld id="{2387B7E2-7538-4163-9310-D5E6EE1BC12A}" type="slidenum">
-              <a:rPr lang="en-US" smtClean="0"/>
-              <a:pPr/>
-              <a:t>7</a:t>
-            </a:fld>
-            <a:endParaRPr lang="en-US"/>
           </a:p>
         </p:txBody>
       </p:sp>
     </p:spTree>
     <p:extLst>
       <p:ext uri="{BB962C8B-B14F-4D97-AF65-F5344CB8AC3E}">
-        <p14:creationId xmlns:p14="http://schemas.microsoft.com/office/powerpoint/2010/main" val="1741496948"/>
+        <p14:creationId xmlns:p14="http://schemas.microsoft.com/office/powerpoint/2010/main" val="2068347357"/>
       </p:ext>
     </p:extLst>
   </p:cSld>
   <p:clrMapOvr>
     <a:masterClrMapping/>
   </p:clrMapOvr>
-  <p:timing>
-    <p:tnLst>
-      <p:par>
-        <p:cTn id="1" dur="indefinite" restart="never" nodeType="tmRoot"/>
-      </p:par>
-    </p:tnLst>
-  </p:timing>
 </p:sld>
 </file>
 
@@ -14405,10 +13611,6 @@
           <a:bodyPr/>
           <a:lstStyle/>
           <a:p>
-            <a:r>
-              <a:rPr lang="en-US" dirty="0" smtClean="0"/>
-              <a:t>Fear of making change</a:t>
-            </a:r>
             <a:endParaRPr lang="en-US" dirty="0"/>
           </a:p>
         </p:txBody>
@@ -14428,32 +13630,18 @@
           <a:bodyPr/>
           <a:lstStyle/>
           <a:p>
-            <a:pPr>
+            <a:pPr marL="0" indent="0">
               <a:buNone/>
             </a:pPr>
             <a:r>
               <a:rPr lang="en-US" dirty="0"/>
-              <a:t> </a:t>
-            </a:r>
-            <a:r>
-              <a:rPr lang="en-US" i="1" dirty="0"/>
-              <a:t>Unit tests enable to gain confidence in code over time . As test accumulate , we gain confidence in the behavior of the system.</a:t>
-            </a:r>
-          </a:p>
-          <a:p>
-            <a:pPr>
+              <a:t>Executable Documentation</a:t>
+            </a:r>
+          </a:p>
+          <a:p>
+            <a:pPr marL="0" indent="0">
               <a:buNone/>
             </a:pPr>
-            <a:endParaRPr lang="en-US" i="1" dirty="0"/>
-          </a:p>
-          <a:p>
-            <a:pPr>
-              <a:buNone/>
-            </a:pPr>
-            <a:r>
-              <a:rPr lang="en-GB" dirty="0"/>
-              <a:t>	Fear of making change disappear</a:t>
-            </a:r>
             <a:endParaRPr lang="en-US" dirty="0"/>
           </a:p>
         </p:txBody>
@@ -14461,7 +13649,7 @@
     </p:spTree>
     <p:extLst>
       <p:ext uri="{BB962C8B-B14F-4D97-AF65-F5344CB8AC3E}">
-        <p14:creationId xmlns:p14="http://schemas.microsoft.com/office/powerpoint/2010/main" val="2068347357"/>
+        <p14:creationId xmlns:p14="http://schemas.microsoft.com/office/powerpoint/2010/main" val="2698778266"/>
       </p:ext>
     </p:extLst>
   </p:cSld>
@@ -14505,7 +13693,7 @@
           <a:p>
             <a:r>
               <a:rPr lang="en-US" dirty="0" smtClean="0"/>
-              <a:t>Continuous integration and Continuous delivery</a:t>
+              <a:t>Test Readability</a:t>
             </a:r>
             <a:endParaRPr lang="en-US" dirty="0"/>
           </a:p>
@@ -14523,17 +13711,44 @@
         </p:nvSpPr>
         <p:spPr/>
         <p:txBody>
-          <a:bodyPr/>
-          <a:lstStyle/>
-          <a:p>
-            <a:endParaRPr lang="en-US"/>
+          <a:bodyPr>
+            <a:normAutofit fontScale="92500" lnSpcReduction="10000"/>
+          </a:bodyPr>
+          <a:lstStyle/>
+          <a:p>
+            <a:r>
+              <a:rPr lang="en-US" dirty="0" smtClean="0"/>
+              <a:t>Teams that adopt TDD usually see an early boost in productivity because the tests let them add features with confidence and catch errors immediately. </a:t>
+            </a:r>
+          </a:p>
+          <a:p>
+            <a:endParaRPr lang="en-US" dirty="0"/>
+          </a:p>
+          <a:p>
+            <a:r>
+              <a:rPr lang="en-US" dirty="0" smtClean="0"/>
+              <a:t>For some teams, the pace then slows down as the tests themselves become a maintenance burden. For TDD to be sustainable, the tests must do more than verify the behavior of the code; they must also express that behavior clearly—they must be readable</a:t>
+            </a:r>
+          </a:p>
+          <a:p>
+            <a:endParaRPr lang="en-US" dirty="0"/>
+          </a:p>
+          <a:p>
+            <a:r>
+              <a:rPr lang="en-US" dirty="0" smtClean="0"/>
+              <a:t>We should take as much care about writing our test code as about production code</a:t>
+            </a:r>
+            <a:r>
+              <a:rPr lang="en-US" dirty="0"/>
+              <a:t>.</a:t>
+            </a:r>
           </a:p>
         </p:txBody>
       </p:sp>
     </p:spTree>
     <p:extLst>
       <p:ext uri="{BB962C8B-B14F-4D97-AF65-F5344CB8AC3E}">
-        <p14:creationId xmlns:p14="http://schemas.microsoft.com/office/powerpoint/2010/main" val="4007826864"/>
+        <p14:creationId xmlns:p14="http://schemas.microsoft.com/office/powerpoint/2010/main" val="3936313787"/>
       </p:ext>
     </p:extLst>
   </p:cSld>

--- a/TDDExamples/Persentation/TDD.pptx
+++ b/TDDExamples/Persentation/TDD.pptx
@@ -5,7 +5,7 @@
     <p:sldMasterId id="2147483648" r:id="rId1"/>
   </p:sldMasterIdLst>
   <p:notesMasterIdLst>
-    <p:notesMasterId r:id="rId35"/>
+    <p:notesMasterId r:id="rId36"/>
   </p:notesMasterIdLst>
   <p:sldIdLst>
     <p:sldId id="256" r:id="rId2"/>
@@ -14,33 +14,34 @@
     <p:sldId id="298" r:id="rId5"/>
     <p:sldId id="272" r:id="rId6"/>
     <p:sldId id="264" r:id="rId7"/>
-    <p:sldId id="275" r:id="rId8"/>
-    <p:sldId id="300" r:id="rId9"/>
-    <p:sldId id="301" r:id="rId10"/>
-    <p:sldId id="302" r:id="rId11"/>
-    <p:sldId id="303" r:id="rId12"/>
-    <p:sldId id="304" r:id="rId13"/>
-    <p:sldId id="305" r:id="rId14"/>
-    <p:sldId id="306" r:id="rId15"/>
-    <p:sldId id="307" r:id="rId16"/>
-    <p:sldId id="276" r:id="rId17"/>
-    <p:sldId id="277" r:id="rId18"/>
-    <p:sldId id="278" r:id="rId19"/>
-    <p:sldId id="267" r:id="rId20"/>
-    <p:sldId id="268" r:id="rId21"/>
-    <p:sldId id="270" r:id="rId22"/>
-    <p:sldId id="308" r:id="rId23"/>
-    <p:sldId id="309" r:id="rId24"/>
-    <p:sldId id="310" r:id="rId25"/>
-    <p:sldId id="269" r:id="rId26"/>
-    <p:sldId id="279" r:id="rId27"/>
-    <p:sldId id="266" r:id="rId28"/>
-    <p:sldId id="281" r:id="rId29"/>
-    <p:sldId id="282" r:id="rId30"/>
-    <p:sldId id="280" r:id="rId31"/>
+    <p:sldId id="313" r:id="rId8"/>
+    <p:sldId id="275" r:id="rId9"/>
+    <p:sldId id="300" r:id="rId10"/>
+    <p:sldId id="301" r:id="rId11"/>
+    <p:sldId id="302" r:id="rId12"/>
+    <p:sldId id="303" r:id="rId13"/>
+    <p:sldId id="304" r:id="rId14"/>
+    <p:sldId id="305" r:id="rId15"/>
+    <p:sldId id="306" r:id="rId16"/>
+    <p:sldId id="307" r:id="rId17"/>
+    <p:sldId id="276" r:id="rId18"/>
+    <p:sldId id="277" r:id="rId19"/>
+    <p:sldId id="278" r:id="rId20"/>
+    <p:sldId id="267" r:id="rId21"/>
+    <p:sldId id="268" r:id="rId22"/>
+    <p:sldId id="270" r:id="rId23"/>
+    <p:sldId id="308" r:id="rId24"/>
+    <p:sldId id="309" r:id="rId25"/>
+    <p:sldId id="310" r:id="rId26"/>
+    <p:sldId id="269" r:id="rId27"/>
+    <p:sldId id="279" r:id="rId28"/>
+    <p:sldId id="266" r:id="rId29"/>
+    <p:sldId id="281" r:id="rId30"/>
+    <p:sldId id="282" r:id="rId31"/>
     <p:sldId id="311" r:id="rId32"/>
-    <p:sldId id="312" r:id="rId33"/>
-    <p:sldId id="262" r:id="rId34"/>
+    <p:sldId id="280" r:id="rId33"/>
+    <p:sldId id="312" r:id="rId34"/>
+    <p:sldId id="262" r:id="rId35"/>
   </p:sldIdLst>
   <p:sldSz cx="12192000" cy="6858000"/>
   <p:notesSz cx="6858000" cy="9144000"/>
@@ -1219,6 +1220,373 @@
       <dsp:cNvGrpSpPr/>
     </dsp:nvGrpSpPr>
     <dsp:grpSpPr/>
+    <dsp:sp modelId="{D4F671A0-009C-4A65-AC3A-14063918E045}">
+      <dsp:nvSpPr>
+        <dsp:cNvPr id="0" name=""/>
+        <dsp:cNvSpPr/>
+      </dsp:nvSpPr>
+      <dsp:spPr>
+        <a:xfrm>
+          <a:off x="1364379" y="255354"/>
+          <a:ext cx="3299967" cy="3299967"/>
+        </a:xfrm>
+        <a:prstGeom prst="pie">
+          <a:avLst>
+            <a:gd name="adj1" fmla="val 16200000"/>
+            <a:gd name="adj2" fmla="val 1800000"/>
+          </a:avLst>
+        </a:prstGeom>
+        <a:solidFill>
+          <a:schemeClr val="accent6">
+            <a:lumMod val="75000"/>
+          </a:schemeClr>
+        </a:solidFill>
+        <a:ln>
+          <a:noFill/>
+        </a:ln>
+        <a:effectLst>
+          <a:outerShdw blurRad="57150" dist="19050" dir="5400000" algn="ctr" rotWithShape="0">
+            <a:srgbClr val="000000">
+              <a:alpha val="63000"/>
+            </a:srgbClr>
+          </a:outerShdw>
+        </a:effectLst>
+      </dsp:spPr>
+      <dsp:style>
+        <a:lnRef idx="0">
+          <a:scrgbClr r="0" g="0" b="0"/>
+        </a:lnRef>
+        <a:fillRef idx="3">
+          <a:scrgbClr r="0" g="0" b="0"/>
+        </a:fillRef>
+        <a:effectRef idx="3">
+          <a:scrgbClr r="0" g="0" b="0"/>
+        </a:effectRef>
+        <a:fontRef idx="minor">
+          <a:schemeClr val="lt1"/>
+        </a:fontRef>
+      </dsp:style>
+      <dsp:txBody>
+        <a:bodyPr spcFirstLastPara="0" vert="horz" wrap="square" lIns="43180" tIns="43180" rIns="43180" bIns="43180" numCol="1" spcCol="1270" anchor="ctr" anchorCtr="0">
+          <a:noAutofit/>
+        </a:bodyPr>
+        <a:lstStyle/>
+        <a:p>
+          <a:pPr lvl="0" algn="ctr" defTabSz="1511300">
+            <a:lnSpc>
+              <a:spcPct val="90000"/>
+            </a:lnSpc>
+            <a:spcBef>
+              <a:spcPct val="0"/>
+            </a:spcBef>
+            <a:spcAft>
+              <a:spcPct val="35000"/>
+            </a:spcAft>
+          </a:pPr>
+          <a:r>
+            <a:rPr lang="en-US" sz="3400" kern="1200" dirty="0" smtClean="0"/>
+            <a:t>Green</a:t>
+          </a:r>
+          <a:endParaRPr lang="en-US" sz="3400" kern="1200" dirty="0"/>
+        </a:p>
+      </dsp:txBody>
+      <dsp:txXfrm>
+        <a:off x="3103541" y="954633"/>
+        <a:ext cx="1178559" cy="982133"/>
+      </dsp:txXfrm>
+    </dsp:sp>
+    <dsp:sp modelId="{5B50B858-5013-4D50-B4AF-133E7F0F35C5}">
+      <dsp:nvSpPr>
+        <dsp:cNvPr id="0" name=""/>
+        <dsp:cNvSpPr/>
+      </dsp:nvSpPr>
+      <dsp:spPr>
+        <a:xfrm>
+          <a:off x="1296416" y="373210"/>
+          <a:ext cx="3299967" cy="3299967"/>
+        </a:xfrm>
+        <a:prstGeom prst="pie">
+          <a:avLst>
+            <a:gd name="adj1" fmla="val 1800000"/>
+            <a:gd name="adj2" fmla="val 9000000"/>
+          </a:avLst>
+        </a:prstGeom>
+        <a:solidFill>
+          <a:schemeClr val="accent1">
+            <a:lumMod val="50000"/>
+          </a:schemeClr>
+        </a:solidFill>
+        <a:ln>
+          <a:noFill/>
+        </a:ln>
+        <a:effectLst>
+          <a:outerShdw blurRad="57150" dist="19050" dir="5400000" algn="ctr" rotWithShape="0">
+            <a:srgbClr val="000000">
+              <a:alpha val="63000"/>
+            </a:srgbClr>
+          </a:outerShdw>
+        </a:effectLst>
+      </dsp:spPr>
+      <dsp:style>
+        <a:lnRef idx="0">
+          <a:scrgbClr r="0" g="0" b="0"/>
+        </a:lnRef>
+        <a:fillRef idx="3">
+          <a:scrgbClr r="0" g="0" b="0"/>
+        </a:fillRef>
+        <a:effectRef idx="3">
+          <a:scrgbClr r="0" g="0" b="0"/>
+        </a:effectRef>
+        <a:fontRef idx="minor">
+          <a:schemeClr val="lt1"/>
+        </a:fontRef>
+      </dsp:style>
+      <dsp:txBody>
+        <a:bodyPr spcFirstLastPara="0" vert="horz" wrap="square" lIns="43180" tIns="43180" rIns="43180" bIns="43180" numCol="1" spcCol="1270" anchor="ctr" anchorCtr="0">
+          <a:noAutofit/>
+        </a:bodyPr>
+        <a:lstStyle/>
+        <a:p>
+          <a:pPr lvl="0" algn="ctr" defTabSz="1511300">
+            <a:lnSpc>
+              <a:spcPct val="90000"/>
+            </a:lnSpc>
+            <a:spcBef>
+              <a:spcPct val="0"/>
+            </a:spcBef>
+            <a:spcAft>
+              <a:spcPct val="35000"/>
+            </a:spcAft>
+          </a:pPr>
+          <a:r>
+            <a:rPr lang="en-US" sz="3400" kern="1200" dirty="0" smtClean="0"/>
+            <a:t>Refactor</a:t>
+          </a:r>
+          <a:endParaRPr lang="en-US" sz="3400" kern="1200" dirty="0"/>
+        </a:p>
+      </dsp:txBody>
+      <dsp:txXfrm>
+        <a:off x="2082122" y="2514261"/>
+        <a:ext cx="1767839" cy="864277"/>
+      </dsp:txXfrm>
+    </dsp:sp>
+    <dsp:sp modelId="{9F2647CE-CE71-47CD-AA69-7E85CD6D13E9}">
+      <dsp:nvSpPr>
+        <dsp:cNvPr id="0" name=""/>
+        <dsp:cNvSpPr/>
+      </dsp:nvSpPr>
+      <dsp:spPr>
+        <a:xfrm>
+          <a:off x="1228452" y="255354"/>
+          <a:ext cx="3299967" cy="3299967"/>
+        </a:xfrm>
+        <a:prstGeom prst="pie">
+          <a:avLst>
+            <a:gd name="adj1" fmla="val 9000000"/>
+            <a:gd name="adj2" fmla="val 16200000"/>
+          </a:avLst>
+        </a:prstGeom>
+        <a:solidFill>
+          <a:srgbClr val="C00000"/>
+        </a:solidFill>
+        <a:ln>
+          <a:noFill/>
+        </a:ln>
+        <a:effectLst>
+          <a:outerShdw blurRad="57150" dist="19050" dir="5400000" algn="ctr" rotWithShape="0">
+            <a:srgbClr val="000000">
+              <a:alpha val="63000"/>
+            </a:srgbClr>
+          </a:outerShdw>
+        </a:effectLst>
+      </dsp:spPr>
+      <dsp:style>
+        <a:lnRef idx="0">
+          <a:scrgbClr r="0" g="0" b="0"/>
+        </a:lnRef>
+        <a:fillRef idx="3">
+          <a:scrgbClr r="0" g="0" b="0"/>
+        </a:fillRef>
+        <a:effectRef idx="3">
+          <a:scrgbClr r="0" g="0" b="0"/>
+        </a:effectRef>
+        <a:fontRef idx="minor">
+          <a:schemeClr val="lt1"/>
+        </a:fontRef>
+      </dsp:style>
+      <dsp:txBody>
+        <a:bodyPr spcFirstLastPara="0" vert="horz" wrap="square" lIns="43180" tIns="43180" rIns="43180" bIns="43180" numCol="1" spcCol="1270" anchor="ctr" anchorCtr="0">
+          <a:noAutofit/>
+        </a:bodyPr>
+        <a:lstStyle/>
+        <a:p>
+          <a:pPr lvl="0" algn="ctr" defTabSz="1511300">
+            <a:lnSpc>
+              <a:spcPct val="90000"/>
+            </a:lnSpc>
+            <a:spcBef>
+              <a:spcPct val="0"/>
+            </a:spcBef>
+            <a:spcAft>
+              <a:spcPct val="35000"/>
+            </a:spcAft>
+          </a:pPr>
+          <a:r>
+            <a:rPr lang="en-US" sz="3400" kern="1200" dirty="0" smtClean="0"/>
+            <a:t>Red</a:t>
+          </a:r>
+          <a:endParaRPr lang="en-US" sz="3400" kern="1200" dirty="0"/>
+        </a:p>
+      </dsp:txBody>
+      <dsp:txXfrm>
+        <a:off x="1610698" y="954633"/>
+        <a:ext cx="1178559" cy="982133"/>
+      </dsp:txXfrm>
+    </dsp:sp>
+    <dsp:sp modelId="{CB9D437E-F7C8-41BD-9470-7D6391F80B05}">
+      <dsp:nvSpPr>
+        <dsp:cNvPr id="0" name=""/>
+        <dsp:cNvSpPr/>
+      </dsp:nvSpPr>
+      <dsp:spPr>
+        <a:xfrm>
+          <a:off x="1160368" y="51070"/>
+          <a:ext cx="3708535" cy="3708535"/>
+        </a:xfrm>
+        <a:prstGeom prst="circularArrow">
+          <a:avLst>
+            <a:gd name="adj1" fmla="val 5085"/>
+            <a:gd name="adj2" fmla="val 327528"/>
+            <a:gd name="adj3" fmla="val 1472472"/>
+            <a:gd name="adj4" fmla="val 16199432"/>
+            <a:gd name="adj5" fmla="val 5932"/>
+          </a:avLst>
+        </a:prstGeom>
+        <a:solidFill>
+          <a:srgbClr val="92D050"/>
+        </a:solidFill>
+        <a:ln>
+          <a:noFill/>
+        </a:ln>
+        <a:effectLst>
+          <a:outerShdw blurRad="57150" dist="19050" dir="5400000" algn="ctr" rotWithShape="0">
+            <a:srgbClr val="000000">
+              <a:alpha val="63000"/>
+            </a:srgbClr>
+          </a:outerShdw>
+        </a:effectLst>
+      </dsp:spPr>
+      <dsp:style>
+        <a:lnRef idx="0">
+          <a:scrgbClr r="0" g="0" b="0"/>
+        </a:lnRef>
+        <a:fillRef idx="3">
+          <a:scrgbClr r="0" g="0" b="0"/>
+        </a:fillRef>
+        <a:effectRef idx="3">
+          <a:scrgbClr r="0" g="0" b="0"/>
+        </a:effectRef>
+        <a:fontRef idx="minor">
+          <a:schemeClr val="lt1"/>
+        </a:fontRef>
+      </dsp:style>
+    </dsp:sp>
+    <dsp:sp modelId="{24820461-3287-4E66-BA24-94C63396FC69}">
+      <dsp:nvSpPr>
+        <dsp:cNvPr id="0" name=""/>
+        <dsp:cNvSpPr/>
+      </dsp:nvSpPr>
+      <dsp:spPr>
+        <a:xfrm>
+          <a:off x="1092132" y="168718"/>
+          <a:ext cx="3708535" cy="3708535"/>
+        </a:xfrm>
+        <a:prstGeom prst="circularArrow">
+          <a:avLst>
+            <a:gd name="adj1" fmla="val 5085"/>
+            <a:gd name="adj2" fmla="val 327528"/>
+            <a:gd name="adj3" fmla="val 8671970"/>
+            <a:gd name="adj4" fmla="val 1800502"/>
+            <a:gd name="adj5" fmla="val 5932"/>
+          </a:avLst>
+        </a:prstGeom>
+        <a:solidFill>
+          <a:srgbClr val="0070C0"/>
+        </a:solidFill>
+        <a:ln>
+          <a:noFill/>
+        </a:ln>
+        <a:effectLst>
+          <a:outerShdw blurRad="57150" dist="19050" dir="5400000" algn="ctr" rotWithShape="0">
+            <a:srgbClr val="000000">
+              <a:alpha val="63000"/>
+            </a:srgbClr>
+          </a:outerShdw>
+        </a:effectLst>
+      </dsp:spPr>
+      <dsp:style>
+        <a:lnRef idx="0">
+          <a:scrgbClr r="0" g="0" b="0"/>
+        </a:lnRef>
+        <a:fillRef idx="3">
+          <a:scrgbClr r="0" g="0" b="0"/>
+        </a:fillRef>
+        <a:effectRef idx="3">
+          <a:scrgbClr r="0" g="0" b="0"/>
+        </a:effectRef>
+        <a:fontRef idx="minor">
+          <a:schemeClr val="lt1"/>
+        </a:fontRef>
+      </dsp:style>
+    </dsp:sp>
+    <dsp:sp modelId="{7304B2EA-FA59-4299-B7D5-7DDEA726B87F}">
+      <dsp:nvSpPr>
+        <dsp:cNvPr id="0" name=""/>
+        <dsp:cNvSpPr/>
+      </dsp:nvSpPr>
+      <dsp:spPr>
+        <a:xfrm>
+          <a:off x="1023896" y="51070"/>
+          <a:ext cx="3708535" cy="3708535"/>
+        </a:xfrm>
+        <a:prstGeom prst="circularArrow">
+          <a:avLst>
+            <a:gd name="adj1" fmla="val 5085"/>
+            <a:gd name="adj2" fmla="val 327528"/>
+            <a:gd name="adj3" fmla="val 15873039"/>
+            <a:gd name="adj4" fmla="val 9000000"/>
+            <a:gd name="adj5" fmla="val 5932"/>
+          </a:avLst>
+        </a:prstGeom>
+        <a:solidFill>
+          <a:srgbClr val="FF0000"/>
+        </a:solidFill>
+        <a:ln>
+          <a:noFill/>
+        </a:ln>
+        <a:effectLst>
+          <a:outerShdw blurRad="57150" dist="19050" dir="5400000" algn="ctr" rotWithShape="0">
+            <a:srgbClr val="000000">
+              <a:alpha val="63000"/>
+            </a:srgbClr>
+          </a:outerShdw>
+        </a:effectLst>
+      </dsp:spPr>
+      <dsp:style>
+        <a:lnRef idx="0">
+          <a:scrgbClr r="0" g="0" b="0"/>
+        </a:lnRef>
+        <a:fillRef idx="3">
+          <a:scrgbClr r="0" g="0" b="0"/>
+        </a:fillRef>
+        <a:effectRef idx="3">
+          <a:scrgbClr r="0" g="0" b="0"/>
+        </a:effectRef>
+        <a:fontRef idx="minor">
+          <a:schemeClr val="lt1"/>
+        </a:fontRef>
+      </dsp:style>
+    </dsp:sp>
   </dsp:spTree>
 </dsp:drawing>
 </file>
@@ -4099,7 +4467,7 @@
           <a:p>
             <a:fld id="{4F7E7F73-5EFF-46DD-A427-B77AFDF8D1FD}" type="datetimeFigureOut">
               <a:rPr lang="en-US" smtClean="0"/>
-              <a:t>5/22/2018</a:t>
+              <a:t>5/23/2018</a:t>
             </a:fld>
             <a:endParaRPr lang="en-US"/>
           </a:p>
@@ -4551,7 +4919,7 @@
           <a:p>
             <a:fld id="{6047A338-E989-4FB8-9E79-C7D1C907295C}" type="slidenum">
               <a:rPr lang="de-DE" smtClean="0"/>
-              <a:t>25</a:t>
+              <a:t>26</a:t>
             </a:fld>
             <a:endParaRPr lang="de-DE"/>
           </a:p>
@@ -4635,7 +5003,7 @@
           <a:p>
             <a:fld id="{6047A338-E989-4FB8-9E79-C7D1C907295C}" type="slidenum">
               <a:rPr lang="de-DE" smtClean="0"/>
-              <a:t>26</a:t>
+              <a:t>27</a:t>
             </a:fld>
             <a:endParaRPr lang="de-DE"/>
           </a:p>
@@ -4719,7 +5087,7 @@
           <a:p>
             <a:fld id="{6047A338-E989-4FB8-9E79-C7D1C907295C}" type="slidenum">
               <a:rPr lang="de-DE" smtClean="0"/>
-              <a:t>27</a:t>
+              <a:t>28</a:t>
             </a:fld>
             <a:endParaRPr lang="de-DE"/>
           </a:p>
@@ -4819,7 +5187,7 @@
           <a:p>
             <a:fld id="{3F54E12A-92D0-47AC-AF21-2897E92B62D5}" type="slidenum">
               <a:rPr lang="en-US" smtClean="0"/>
-              <a:t>28</a:t>
+              <a:t>29</a:t>
             </a:fld>
             <a:endParaRPr lang="en-US"/>
           </a:p>
@@ -4926,7 +5294,7 @@
           <a:p>
             <a:fld id="{3F54E12A-92D0-47AC-AF21-2897E92B62D5}" type="slidenum">
               <a:rPr lang="en-US" smtClean="0"/>
-              <a:t>29</a:t>
+              <a:t>30</a:t>
             </a:fld>
             <a:endParaRPr lang="en-US"/>
           </a:p>
@@ -5704,7 +6072,7 @@
           <a:p>
             <a:fld id="{3F54E12A-92D0-47AC-AF21-2897E92B62D5}" type="slidenum">
               <a:rPr lang="en-US" smtClean="0"/>
-              <a:t>32</a:t>
+              <a:t>33</a:t>
             </a:fld>
             <a:endParaRPr lang="en-US"/>
           </a:p>
@@ -6204,7 +6572,7 @@
           <a:p>
             <a:fld id="{3F54E12A-92D0-47AC-AF21-2897E92B62D5}" type="slidenum">
               <a:rPr lang="en-US" smtClean="0"/>
-              <a:t>7</a:t>
+              <a:t>8</a:t>
             </a:fld>
             <a:endParaRPr lang="en-US"/>
           </a:p>
@@ -6296,7 +6664,7 @@
           <a:p>
             <a:fld id="{3F54E12A-92D0-47AC-AF21-2897E92B62D5}" type="slidenum">
               <a:rPr lang="en-US" smtClean="0"/>
-              <a:t>8</a:t>
+              <a:t>9</a:t>
             </a:fld>
             <a:endParaRPr lang="en-US"/>
           </a:p>
@@ -6363,16 +6731,11 @@
               <a:rPr lang="en-US" dirty="0" smtClean="0"/>
               <a:t>but with differences in style since the two types of code serve different purposes. Test code should describe what the production code does. </a:t>
             </a:r>
-            <a:endParaRPr lang="en-US" dirty="0" smtClean="0"/>
           </a:p>
           <a:p>
             <a:r>
               <a:rPr lang="en-US" dirty="0" smtClean="0"/>
-              <a:t>That </a:t>
-            </a:r>
-            <a:r>
-              <a:rPr lang="en-US" dirty="0" smtClean="0"/>
-              <a:t>means that it tends to be concrete about the values it uses as examples of what results to expect, but abstract about how the code works</a:t>
+              <a:t>That means that it tends to be concrete about the values it uses as examples of what results to expect, but abstract about how the code works</a:t>
             </a:r>
             <a:endParaRPr lang="en-US" dirty="0"/>
           </a:p>
@@ -6396,7 +6759,7 @@
             <a:fld id="{5783D7AA-6A74-42C9-8D9C-C1060C84B8E4}" type="slidenum">
               <a:rPr lang="en-US" smtClean="0"/>
               <a:pPr/>
-              <a:t>9</a:t>
+              <a:t>10</a:t>
             </a:fld>
             <a:endParaRPr lang="en-US"/>
           </a:p>
@@ -6496,7 +6859,7 @@
             <a:fld id="{5783D7AA-6A74-42C9-8D9C-C1060C84B8E4}" type="slidenum">
               <a:rPr lang="en-US" smtClean="0"/>
               <a:pPr/>
-              <a:t>15</a:t>
+              <a:t>16</a:t>
             </a:fld>
             <a:endParaRPr lang="en-US"/>
           </a:p>
@@ -6953,7 +7316,7 @@
             <a:fld id="{5783D7AA-6A74-42C9-8D9C-C1060C84B8E4}" type="slidenum">
               <a:rPr lang="en-US" smtClean="0"/>
               <a:pPr/>
-              <a:t>20</a:t>
+              <a:t>21</a:t>
             </a:fld>
             <a:endParaRPr lang="en-US"/>
           </a:p>
@@ -7037,7 +7400,7 @@
           <a:p>
             <a:fld id="{6047A338-E989-4FB8-9E79-C7D1C907295C}" type="slidenum">
               <a:rPr lang="de-DE" smtClean="0"/>
-              <a:t>21</a:t>
+              <a:t>22</a:t>
             </a:fld>
             <a:endParaRPr lang="de-DE"/>
           </a:p>
@@ -7187,7 +7550,7 @@
           <a:p>
             <a:fld id="{3E2A1FAC-2E91-4528-8096-544E336C46C0}" type="datetimeFigureOut">
               <a:rPr lang="en-US" smtClean="0"/>
-              <a:t>5/22/2018</a:t>
+              <a:t>5/23/2018</a:t>
             </a:fld>
             <a:endParaRPr lang="en-US"/>
           </a:p>
@@ -7357,7 +7720,7 @@
           <a:p>
             <a:fld id="{3E2A1FAC-2E91-4528-8096-544E336C46C0}" type="datetimeFigureOut">
               <a:rPr lang="en-US" smtClean="0"/>
-              <a:t>5/22/2018</a:t>
+              <a:t>5/23/2018</a:t>
             </a:fld>
             <a:endParaRPr lang="en-US"/>
           </a:p>
@@ -7537,7 +7900,7 @@
           <a:p>
             <a:fld id="{3E2A1FAC-2E91-4528-8096-544E336C46C0}" type="datetimeFigureOut">
               <a:rPr lang="en-US" smtClean="0"/>
-              <a:t>5/22/2018</a:t>
+              <a:t>5/23/2018</a:t>
             </a:fld>
             <a:endParaRPr lang="en-US"/>
           </a:p>
@@ -7707,7 +8070,7 @@
           <a:p>
             <a:fld id="{3E2A1FAC-2E91-4528-8096-544E336C46C0}" type="datetimeFigureOut">
               <a:rPr lang="en-US" smtClean="0"/>
-              <a:t>5/22/2018</a:t>
+              <a:t>5/23/2018</a:t>
             </a:fld>
             <a:endParaRPr lang="en-US"/>
           </a:p>
@@ -7953,7 +8316,7 @@
           <a:p>
             <a:fld id="{3E2A1FAC-2E91-4528-8096-544E336C46C0}" type="datetimeFigureOut">
               <a:rPr lang="en-US" smtClean="0"/>
-              <a:t>5/22/2018</a:t>
+              <a:t>5/23/2018</a:t>
             </a:fld>
             <a:endParaRPr lang="en-US"/>
           </a:p>
@@ -8185,7 +8548,7 @@
           <a:p>
             <a:fld id="{3E2A1FAC-2E91-4528-8096-544E336C46C0}" type="datetimeFigureOut">
               <a:rPr lang="en-US" smtClean="0"/>
-              <a:t>5/22/2018</a:t>
+              <a:t>5/23/2018</a:t>
             </a:fld>
             <a:endParaRPr lang="en-US"/>
           </a:p>
@@ -8552,7 +8915,7 @@
           <a:p>
             <a:fld id="{3E2A1FAC-2E91-4528-8096-544E336C46C0}" type="datetimeFigureOut">
               <a:rPr lang="en-US" smtClean="0"/>
-              <a:t>5/22/2018</a:t>
+              <a:t>5/23/2018</a:t>
             </a:fld>
             <a:endParaRPr lang="en-US"/>
           </a:p>
@@ -8670,7 +9033,7 @@
           <a:p>
             <a:fld id="{3E2A1FAC-2E91-4528-8096-544E336C46C0}" type="datetimeFigureOut">
               <a:rPr lang="en-US" smtClean="0"/>
-              <a:t>5/22/2018</a:t>
+              <a:t>5/23/2018</a:t>
             </a:fld>
             <a:endParaRPr lang="en-US"/>
           </a:p>
@@ -8765,7 +9128,7 @@
           <a:p>
             <a:fld id="{3E2A1FAC-2E91-4528-8096-544E336C46C0}" type="datetimeFigureOut">
               <a:rPr lang="en-US" smtClean="0"/>
-              <a:t>5/22/2018</a:t>
+              <a:t>5/23/2018</a:t>
             </a:fld>
             <a:endParaRPr lang="en-US"/>
           </a:p>
@@ -9042,7 +9405,7 @@
           <a:p>
             <a:fld id="{3E2A1FAC-2E91-4528-8096-544E336C46C0}" type="datetimeFigureOut">
               <a:rPr lang="en-US" smtClean="0"/>
-              <a:t>5/22/2018</a:t>
+              <a:t>5/23/2018</a:t>
             </a:fld>
             <a:endParaRPr lang="en-US"/>
           </a:p>
@@ -9295,7 +9658,7 @@
           <a:p>
             <a:fld id="{3E2A1FAC-2E91-4528-8096-544E336C46C0}" type="datetimeFigureOut">
               <a:rPr lang="en-US" smtClean="0"/>
-              <a:t>5/22/2018</a:t>
+              <a:t>5/23/2018</a:t>
             </a:fld>
             <a:endParaRPr lang="en-US"/>
           </a:p>
@@ -9508,7 +9871,7 @@
           <a:p>
             <a:fld id="{3E2A1FAC-2E91-4528-8096-544E336C46C0}" type="datetimeFigureOut">
               <a:rPr lang="en-US" smtClean="0"/>
-              <a:t>5/22/2018</a:t>
+              <a:t>5/23/2018</a:t>
             </a:fld>
             <a:endParaRPr lang="en-US"/>
           </a:p>
@@ -10085,6 +10448,105 @@
           <a:p>
             <a:r>
               <a:rPr lang="en-US" dirty="0" smtClean="0"/>
+              <a:t>Test Readability</a:t>
+            </a:r>
+            <a:endParaRPr lang="en-US" dirty="0"/>
+          </a:p>
+        </p:txBody>
+      </p:sp>
+      <p:sp>
+        <p:nvSpPr>
+          <p:cNvPr id="3" name="Content Placeholder 2"/>
+          <p:cNvSpPr>
+            <a:spLocks noGrp="1"/>
+          </p:cNvSpPr>
+          <p:nvPr>
+            <p:ph idx="1"/>
+          </p:nvPr>
+        </p:nvSpPr>
+        <p:spPr/>
+        <p:txBody>
+          <a:bodyPr>
+            <a:normAutofit fontScale="92500" lnSpcReduction="10000"/>
+          </a:bodyPr>
+          <a:lstStyle/>
+          <a:p>
+            <a:r>
+              <a:rPr lang="en-US" dirty="0" smtClean="0"/>
+              <a:t>Teams that adopt TDD usually see an early boost in productivity because the tests let them add features with confidence and catch errors immediately. </a:t>
+            </a:r>
+          </a:p>
+          <a:p>
+            <a:endParaRPr lang="en-US" dirty="0"/>
+          </a:p>
+          <a:p>
+            <a:r>
+              <a:rPr lang="en-US" dirty="0" smtClean="0"/>
+              <a:t>For some teams, the pace then slows down as the tests themselves become a maintenance burden. For TDD to be sustainable, the tests must do more than verify the behavior of the code; they must also express that behavior clearly—they must be readable</a:t>
+            </a:r>
+          </a:p>
+          <a:p>
+            <a:endParaRPr lang="en-US" dirty="0"/>
+          </a:p>
+          <a:p>
+            <a:r>
+              <a:rPr lang="en-US" dirty="0" smtClean="0"/>
+              <a:t>We should take as much care about writing our test code as about production code</a:t>
+            </a:r>
+            <a:r>
+              <a:rPr lang="en-US" dirty="0"/>
+              <a:t>.</a:t>
+            </a:r>
+          </a:p>
+        </p:txBody>
+      </p:sp>
+    </p:spTree>
+    <p:extLst>
+      <p:ext uri="{BB962C8B-B14F-4D97-AF65-F5344CB8AC3E}">
+        <p14:creationId xmlns:p14="http://schemas.microsoft.com/office/powerpoint/2010/main" val="3936313787"/>
+      </p:ext>
+    </p:extLst>
+  </p:cSld>
+  <p:clrMapOvr>
+    <a:masterClrMapping/>
+  </p:clrMapOvr>
+</p:sld>
+</file>
+
+<file path=ppt/slides/slide11.xml><?xml version="1.0" encoding="utf-8"?>
+<p:sld xmlns:a="http://schemas.openxmlformats.org/drawingml/2006/main" xmlns:r="http://schemas.openxmlformats.org/officeDocument/2006/relationships" xmlns:p="http://schemas.openxmlformats.org/presentationml/2006/main">
+  <p:cSld>
+    <p:spTree>
+      <p:nvGrpSpPr>
+        <p:cNvPr id="1" name=""/>
+        <p:cNvGrpSpPr/>
+        <p:nvPr/>
+      </p:nvGrpSpPr>
+      <p:grpSpPr>
+        <a:xfrm>
+          <a:off x="0" y="0"/>
+          <a:ext cx="0" cy="0"/>
+          <a:chOff x="0" y="0"/>
+          <a:chExt cx="0" cy="0"/>
+        </a:xfrm>
+      </p:grpSpPr>
+      <p:sp>
+        <p:nvSpPr>
+          <p:cNvPr id="2" name="Title 1"/>
+          <p:cNvSpPr>
+            <a:spLocks noGrp="1"/>
+          </p:cNvSpPr>
+          <p:nvPr>
+            <p:ph type="title"/>
+          </p:nvPr>
+        </p:nvSpPr>
+        <p:spPr/>
+        <p:txBody>
+          <a:bodyPr/>
+          <a:lstStyle/>
+          <a:p>
+            <a:r>
+              <a:rPr lang="en-US" dirty="0" smtClean="0"/>
               <a:t>Code Example</a:t>
             </a:r>
             <a:endParaRPr lang="en-US" dirty="0"/>
@@ -10130,106 +10592,6 @@
 </p:sld>
 </file>
 
-<file path=ppt/slides/slide11.xml><?xml version="1.0" encoding="utf-8"?>
-<p:sld xmlns:a="http://schemas.openxmlformats.org/drawingml/2006/main" xmlns:r="http://schemas.openxmlformats.org/officeDocument/2006/relationships" xmlns:p="http://schemas.openxmlformats.org/presentationml/2006/main">
-  <p:cSld>
-    <p:spTree>
-      <p:nvGrpSpPr>
-        <p:cNvPr id="1" name=""/>
-        <p:cNvGrpSpPr/>
-        <p:nvPr/>
-      </p:nvGrpSpPr>
-      <p:grpSpPr>
-        <a:xfrm>
-          <a:off x="0" y="0"/>
-          <a:ext cx="0" cy="0"/>
-          <a:chOff x="0" y="0"/>
-          <a:chExt cx="0" cy="0"/>
-        </a:xfrm>
-      </p:grpSpPr>
-      <p:sp>
-        <p:nvSpPr>
-          <p:cNvPr id="2" name="Title 1"/>
-          <p:cNvSpPr>
-            <a:spLocks noGrp="1"/>
-          </p:cNvSpPr>
-          <p:nvPr>
-            <p:ph type="title"/>
-          </p:nvPr>
-        </p:nvSpPr>
-        <p:spPr/>
-        <p:txBody>
-          <a:bodyPr/>
-          <a:lstStyle/>
-          <a:p>
-            <a:endParaRPr lang="en-US"/>
-          </a:p>
-        </p:txBody>
-      </p:sp>
-      <p:sp>
-        <p:nvSpPr>
-          <p:cNvPr id="3" name="Content Placeholder 2"/>
-          <p:cNvSpPr>
-            <a:spLocks noGrp="1"/>
-          </p:cNvSpPr>
-          <p:nvPr>
-            <p:ph idx="1"/>
-          </p:nvPr>
-        </p:nvSpPr>
-        <p:spPr/>
-        <p:txBody>
-          <a:bodyPr>
-            <a:normAutofit/>
-          </a:bodyPr>
-          <a:lstStyle/>
-          <a:p>
-            <a:pPr marL="0" indent="0">
-              <a:buNone/>
-            </a:pPr>
-            <a:r>
-              <a:rPr lang="en-US" dirty="0" smtClean="0"/>
-              <a:t>such names duplicate the information a developer could get just by looking at the target class; they break the “Don’t Repeat Yourself” principle [Hunt99]. </a:t>
-            </a:r>
-          </a:p>
-          <a:p>
-            <a:pPr marL="0" indent="0">
-              <a:buNone/>
-            </a:pPr>
-            <a:endParaRPr lang="en-US" dirty="0"/>
-          </a:p>
-          <a:p>
-            <a:pPr marL="0" indent="0">
-              <a:buNone/>
-            </a:pPr>
-            <a:r>
-              <a:rPr lang="en-US" dirty="0" smtClean="0"/>
-              <a:t>We don’t need to know that </a:t>
-            </a:r>
-            <a:r>
-              <a:rPr lang="en-US" dirty="0" err="1" smtClean="0"/>
-              <a:t>TargetObject</a:t>
-            </a:r>
-            <a:r>
-              <a:rPr lang="en-US" dirty="0" smtClean="0"/>
-              <a:t> has a choose() method—we need to know what the object does in different situations, what the method is for.</a:t>
-            </a:r>
-            <a:endParaRPr lang="en-US" dirty="0"/>
-          </a:p>
-        </p:txBody>
-      </p:sp>
-    </p:spTree>
-    <p:extLst>
-      <p:ext uri="{BB962C8B-B14F-4D97-AF65-F5344CB8AC3E}">
-        <p14:creationId xmlns:p14="http://schemas.microsoft.com/office/powerpoint/2010/main" val="2810859202"/>
-      </p:ext>
-    </p:extLst>
-  </p:cSld>
-  <p:clrMapOvr>
-    <a:masterClrMapping/>
-  </p:clrMapOvr>
-</p:sld>
-</file>
-
 <file path=ppt/slides/slide12.xml><?xml version="1.0" encoding="utf-8"?>
 <p:sld xmlns:a="http://schemas.openxmlformats.org/drawingml/2006/main" xmlns:r="http://schemas.openxmlformats.org/officeDocument/2006/relationships" xmlns:p="http://schemas.openxmlformats.org/presentationml/2006/main">
   <p:cSld>
@@ -10279,6 +10641,106 @@
         <p:spPr/>
         <p:txBody>
           <a:bodyPr>
+            <a:normAutofit/>
+          </a:bodyPr>
+          <a:lstStyle/>
+          <a:p>
+            <a:pPr marL="0" indent="0">
+              <a:buNone/>
+            </a:pPr>
+            <a:r>
+              <a:rPr lang="en-US" dirty="0" smtClean="0"/>
+              <a:t>such names duplicate the information a developer could get just by looking at the target class; they break the “Don’t Repeat Yourself” principle [Hunt99]. </a:t>
+            </a:r>
+          </a:p>
+          <a:p>
+            <a:pPr marL="0" indent="0">
+              <a:buNone/>
+            </a:pPr>
+            <a:endParaRPr lang="en-US" dirty="0"/>
+          </a:p>
+          <a:p>
+            <a:pPr marL="0" indent="0">
+              <a:buNone/>
+            </a:pPr>
+            <a:r>
+              <a:rPr lang="en-US" dirty="0" smtClean="0"/>
+              <a:t>We don’t need to know that </a:t>
+            </a:r>
+            <a:r>
+              <a:rPr lang="en-US" dirty="0" err="1" smtClean="0"/>
+              <a:t>TargetObject</a:t>
+            </a:r>
+            <a:r>
+              <a:rPr lang="en-US" dirty="0" smtClean="0"/>
+              <a:t> has a choose() method—we need to know what the object does in different situations, what the method is for.</a:t>
+            </a:r>
+            <a:endParaRPr lang="en-US" dirty="0"/>
+          </a:p>
+        </p:txBody>
+      </p:sp>
+    </p:spTree>
+    <p:extLst>
+      <p:ext uri="{BB962C8B-B14F-4D97-AF65-F5344CB8AC3E}">
+        <p14:creationId xmlns:p14="http://schemas.microsoft.com/office/powerpoint/2010/main" val="2810859202"/>
+      </p:ext>
+    </p:extLst>
+  </p:cSld>
+  <p:clrMapOvr>
+    <a:masterClrMapping/>
+  </p:clrMapOvr>
+</p:sld>
+</file>
+
+<file path=ppt/slides/slide13.xml><?xml version="1.0" encoding="utf-8"?>
+<p:sld xmlns:a="http://schemas.openxmlformats.org/drawingml/2006/main" xmlns:r="http://schemas.openxmlformats.org/officeDocument/2006/relationships" xmlns:p="http://schemas.openxmlformats.org/presentationml/2006/main">
+  <p:cSld>
+    <p:spTree>
+      <p:nvGrpSpPr>
+        <p:cNvPr id="1" name=""/>
+        <p:cNvGrpSpPr/>
+        <p:nvPr/>
+      </p:nvGrpSpPr>
+      <p:grpSpPr>
+        <a:xfrm>
+          <a:off x="0" y="0"/>
+          <a:ext cx="0" cy="0"/>
+          <a:chOff x="0" y="0"/>
+          <a:chExt cx="0" cy="0"/>
+        </a:xfrm>
+      </p:grpSpPr>
+      <p:sp>
+        <p:nvSpPr>
+          <p:cNvPr id="2" name="Title 1"/>
+          <p:cNvSpPr>
+            <a:spLocks noGrp="1"/>
+          </p:cNvSpPr>
+          <p:nvPr>
+            <p:ph type="title"/>
+          </p:nvPr>
+        </p:nvSpPr>
+        <p:spPr/>
+        <p:txBody>
+          <a:bodyPr/>
+          <a:lstStyle/>
+          <a:p>
+            <a:endParaRPr lang="en-US"/>
+          </a:p>
+        </p:txBody>
+      </p:sp>
+      <p:sp>
+        <p:nvSpPr>
+          <p:cNvPr id="3" name="Content Placeholder 2"/>
+          <p:cNvSpPr>
+            <a:spLocks noGrp="1"/>
+          </p:cNvSpPr>
+          <p:nvPr>
+            <p:ph idx="1"/>
+          </p:nvPr>
+        </p:nvSpPr>
+        <p:spPr/>
+        <p:txBody>
+          <a:bodyPr>
             <a:normAutofit lnSpcReduction="10000"/>
           </a:bodyPr>
           <a:lstStyle/>
@@ -10355,7 +10817,7 @@
 </p:sld>
 </file>
 
-<file path=ppt/slides/slide13.xml><?xml version="1.0" encoding="utf-8"?>
+<file path=ppt/slides/slide14.xml><?xml version="1.0" encoding="utf-8"?>
 <p:sld xmlns:a="http://schemas.openxmlformats.org/drawingml/2006/main" xmlns:r="http://schemas.openxmlformats.org/officeDocument/2006/relationships" xmlns:p="http://schemas.openxmlformats.org/presentationml/2006/main">
   <p:cSld>
     <p:spTree>
@@ -10430,96 +10892,6 @@
 </p:sld>
 </file>
 
-<file path=ppt/slides/slide14.xml><?xml version="1.0" encoding="utf-8"?>
-<p:sld xmlns:a="http://schemas.openxmlformats.org/drawingml/2006/main" xmlns:r="http://schemas.openxmlformats.org/officeDocument/2006/relationships" xmlns:p="http://schemas.openxmlformats.org/presentationml/2006/main">
-  <p:cSld>
-    <p:spTree>
-      <p:nvGrpSpPr>
-        <p:cNvPr id="1" name=""/>
-        <p:cNvGrpSpPr/>
-        <p:nvPr/>
-      </p:nvGrpSpPr>
-      <p:grpSpPr>
-        <a:xfrm>
-          <a:off x="0" y="0"/>
-          <a:ext cx="0" cy="0"/>
-          <a:chOff x="0" y="0"/>
-          <a:chExt cx="0" cy="0"/>
-        </a:xfrm>
-      </p:grpSpPr>
-      <p:sp>
-        <p:nvSpPr>
-          <p:cNvPr id="2" name="Title 1"/>
-          <p:cNvSpPr>
-            <a:spLocks noGrp="1"/>
-          </p:cNvSpPr>
-          <p:nvPr>
-            <p:ph type="title"/>
-          </p:nvPr>
-        </p:nvSpPr>
-        <p:spPr/>
-        <p:txBody>
-          <a:bodyPr/>
-          <a:lstStyle/>
-          <a:p>
-            <a:endParaRPr lang="en-US"/>
-          </a:p>
-        </p:txBody>
-      </p:sp>
-      <p:sp>
-        <p:nvSpPr>
-          <p:cNvPr id="3" name="Content Placeholder 2"/>
-          <p:cNvSpPr>
-            <a:spLocks noGrp="1"/>
-          </p:cNvSpPr>
-          <p:nvPr>
-            <p:ph idx="1"/>
-          </p:nvPr>
-        </p:nvSpPr>
-        <p:spPr/>
-        <p:txBody>
-          <a:bodyPr/>
-          <a:lstStyle/>
-          <a:p>
-            <a:pPr marL="0" indent="0">
-              <a:buNone/>
-            </a:pPr>
-            <a:r>
-              <a:rPr lang="en-US" dirty="0" smtClean="0"/>
-              <a:t>These names can be as long as we like because they’re only called through reflection—we never have to type them in to call them. </a:t>
-            </a:r>
-          </a:p>
-          <a:p>
-            <a:pPr marL="0" indent="0">
-              <a:buNone/>
-            </a:pPr>
-            <a:endParaRPr lang="en-US" dirty="0"/>
-          </a:p>
-          <a:p>
-            <a:pPr marL="0" indent="0">
-              <a:buNone/>
-            </a:pPr>
-            <a:r>
-              <a:rPr lang="en-US" dirty="0" smtClean="0"/>
-              <a:t>The point of the convention is to encourage the developer to think in terms of what the target object does, not what it is.</a:t>
-            </a:r>
-            <a:endParaRPr lang="en-US" dirty="0"/>
-          </a:p>
-        </p:txBody>
-      </p:sp>
-    </p:spTree>
-    <p:extLst>
-      <p:ext uri="{BB962C8B-B14F-4D97-AF65-F5344CB8AC3E}">
-        <p14:creationId xmlns:p14="http://schemas.microsoft.com/office/powerpoint/2010/main" val="3047531515"/>
-      </p:ext>
-    </p:extLst>
-  </p:cSld>
-  <p:clrMapOvr>
-    <a:masterClrMapping/>
-  </p:clrMapOvr>
-</p:sld>
-</file>
-
 <file path=ppt/slides/slide15.xml><?xml version="1.0" encoding="utf-8"?>
 <p:sld xmlns:a="http://schemas.openxmlformats.org/drawingml/2006/main" xmlns:r="http://schemas.openxmlformats.org/officeDocument/2006/relationships" xmlns:p="http://schemas.openxmlformats.org/presentationml/2006/main">
   <p:cSld>
@@ -10549,6 +10921,96 @@
         </p:nvSpPr>
         <p:spPr/>
         <p:txBody>
+          <a:bodyPr/>
+          <a:lstStyle/>
+          <a:p>
+            <a:endParaRPr lang="en-US"/>
+          </a:p>
+        </p:txBody>
+      </p:sp>
+      <p:sp>
+        <p:nvSpPr>
+          <p:cNvPr id="3" name="Content Placeholder 2"/>
+          <p:cNvSpPr>
+            <a:spLocks noGrp="1"/>
+          </p:cNvSpPr>
+          <p:nvPr>
+            <p:ph idx="1"/>
+          </p:nvPr>
+        </p:nvSpPr>
+        <p:spPr/>
+        <p:txBody>
+          <a:bodyPr/>
+          <a:lstStyle/>
+          <a:p>
+            <a:pPr marL="0" indent="0">
+              <a:buNone/>
+            </a:pPr>
+            <a:r>
+              <a:rPr lang="en-US" dirty="0" smtClean="0"/>
+              <a:t>These names can be as long as we like because they’re only called through reflection—we never have to type them in to call them. </a:t>
+            </a:r>
+          </a:p>
+          <a:p>
+            <a:pPr marL="0" indent="0">
+              <a:buNone/>
+            </a:pPr>
+            <a:endParaRPr lang="en-US" dirty="0"/>
+          </a:p>
+          <a:p>
+            <a:pPr marL="0" indent="0">
+              <a:buNone/>
+            </a:pPr>
+            <a:r>
+              <a:rPr lang="en-US" dirty="0" smtClean="0"/>
+              <a:t>The point of the convention is to encourage the developer to think in terms of what the target object does, not what it is.</a:t>
+            </a:r>
+            <a:endParaRPr lang="en-US" dirty="0"/>
+          </a:p>
+        </p:txBody>
+      </p:sp>
+    </p:spTree>
+    <p:extLst>
+      <p:ext uri="{BB962C8B-B14F-4D97-AF65-F5344CB8AC3E}">
+        <p14:creationId xmlns:p14="http://schemas.microsoft.com/office/powerpoint/2010/main" val="3047531515"/>
+      </p:ext>
+    </p:extLst>
+  </p:cSld>
+  <p:clrMapOvr>
+    <a:masterClrMapping/>
+  </p:clrMapOvr>
+</p:sld>
+</file>
+
+<file path=ppt/slides/slide16.xml><?xml version="1.0" encoding="utf-8"?>
+<p:sld xmlns:a="http://schemas.openxmlformats.org/drawingml/2006/main" xmlns:r="http://schemas.openxmlformats.org/officeDocument/2006/relationships" xmlns:p="http://schemas.openxmlformats.org/presentationml/2006/main">
+  <p:cSld>
+    <p:spTree>
+      <p:nvGrpSpPr>
+        <p:cNvPr id="1" name=""/>
+        <p:cNvGrpSpPr/>
+        <p:nvPr/>
+      </p:nvGrpSpPr>
+      <p:grpSpPr>
+        <a:xfrm>
+          <a:off x="0" y="0"/>
+          <a:ext cx="0" cy="0"/>
+          <a:chOff x="0" y="0"/>
+          <a:chExt cx="0" cy="0"/>
+        </a:xfrm>
+      </p:grpSpPr>
+      <p:sp>
+        <p:nvSpPr>
+          <p:cNvPr id="2" name="Title 1"/>
+          <p:cNvSpPr>
+            <a:spLocks noGrp="1"/>
+          </p:cNvSpPr>
+          <p:nvPr>
+            <p:ph type="title"/>
+          </p:nvPr>
+        </p:nvSpPr>
+        <p:spPr/>
+        <p:txBody>
           <a:bodyPr>
             <a:normAutofit/>
           </a:bodyPr>
@@ -10643,7 +11105,7 @@
             <a:fld id="{2387B7E2-7538-4163-9310-D5E6EE1BC12A}" type="slidenum">
               <a:rPr lang="en-US" smtClean="0"/>
               <a:pPr/>
-              <a:t>15</a:t>
+              <a:t>16</a:t>
             </a:fld>
             <a:endParaRPr lang="en-US"/>
           </a:p>
@@ -10669,78 +11131,6 @@
 </p:sld>
 </file>
 
-<file path=ppt/slides/slide16.xml><?xml version="1.0" encoding="utf-8"?>
-<p:sld xmlns:a="http://schemas.openxmlformats.org/drawingml/2006/main" xmlns:r="http://schemas.openxmlformats.org/officeDocument/2006/relationships" xmlns:p="http://schemas.openxmlformats.org/presentationml/2006/main">
-  <p:cSld>
-    <p:spTree>
-      <p:nvGrpSpPr>
-        <p:cNvPr id="1" name=""/>
-        <p:cNvGrpSpPr/>
-        <p:nvPr/>
-      </p:nvGrpSpPr>
-      <p:grpSpPr>
-        <a:xfrm>
-          <a:off x="0" y="0"/>
-          <a:ext cx="0" cy="0"/>
-          <a:chOff x="0" y="0"/>
-          <a:chExt cx="0" cy="0"/>
-        </a:xfrm>
-      </p:grpSpPr>
-      <p:sp>
-        <p:nvSpPr>
-          <p:cNvPr id="2" name="Title 1"/>
-          <p:cNvSpPr>
-            <a:spLocks noGrp="1"/>
-          </p:cNvSpPr>
-          <p:nvPr>
-            <p:ph type="title"/>
-          </p:nvPr>
-        </p:nvSpPr>
-        <p:spPr/>
-        <p:txBody>
-          <a:bodyPr/>
-          <a:lstStyle/>
-          <a:p>
-            <a:r>
-              <a:rPr lang="en-US" dirty="0" smtClean="0"/>
-              <a:t>Continuous integration and Continuous delivery</a:t>
-            </a:r>
-            <a:endParaRPr lang="en-US" dirty="0"/>
-          </a:p>
-        </p:txBody>
-      </p:sp>
-      <p:sp>
-        <p:nvSpPr>
-          <p:cNvPr id="3" name="Content Placeholder 2"/>
-          <p:cNvSpPr>
-            <a:spLocks noGrp="1"/>
-          </p:cNvSpPr>
-          <p:nvPr>
-            <p:ph idx="1"/>
-          </p:nvPr>
-        </p:nvSpPr>
-        <p:spPr/>
-        <p:txBody>
-          <a:bodyPr/>
-          <a:lstStyle/>
-          <a:p>
-            <a:endParaRPr lang="en-US"/>
-          </a:p>
-        </p:txBody>
-      </p:sp>
-    </p:spTree>
-    <p:extLst>
-      <p:ext uri="{BB962C8B-B14F-4D97-AF65-F5344CB8AC3E}">
-        <p14:creationId xmlns:p14="http://schemas.microsoft.com/office/powerpoint/2010/main" val="4007826864"/>
-      </p:ext>
-    </p:extLst>
-  </p:cSld>
-  <p:clrMapOvr>
-    <a:masterClrMapping/>
-  </p:clrMapOvr>
-</p:sld>
-</file>
-
 <file path=ppt/slides/slide17.xml><?xml version="1.0" encoding="utf-8"?>
 <p:sld xmlns:a="http://schemas.openxmlformats.org/drawingml/2006/main" xmlns:r="http://schemas.openxmlformats.org/officeDocument/2006/relationships" xmlns:p="http://schemas.openxmlformats.org/presentationml/2006/main">
   <p:cSld>
@@ -10774,6 +11164,78 @@
           <a:lstStyle/>
           <a:p>
             <a:r>
+              <a:rPr lang="en-US" dirty="0" smtClean="0"/>
+              <a:t>Continuous integration and Continuous delivery</a:t>
+            </a:r>
+            <a:endParaRPr lang="en-US" dirty="0"/>
+          </a:p>
+        </p:txBody>
+      </p:sp>
+      <p:sp>
+        <p:nvSpPr>
+          <p:cNvPr id="3" name="Content Placeholder 2"/>
+          <p:cNvSpPr>
+            <a:spLocks noGrp="1"/>
+          </p:cNvSpPr>
+          <p:nvPr>
+            <p:ph idx="1"/>
+          </p:nvPr>
+        </p:nvSpPr>
+        <p:spPr/>
+        <p:txBody>
+          <a:bodyPr/>
+          <a:lstStyle/>
+          <a:p>
+            <a:endParaRPr lang="en-US"/>
+          </a:p>
+        </p:txBody>
+      </p:sp>
+    </p:spTree>
+    <p:extLst>
+      <p:ext uri="{BB962C8B-B14F-4D97-AF65-F5344CB8AC3E}">
+        <p14:creationId xmlns:p14="http://schemas.microsoft.com/office/powerpoint/2010/main" val="4007826864"/>
+      </p:ext>
+    </p:extLst>
+  </p:cSld>
+  <p:clrMapOvr>
+    <a:masterClrMapping/>
+  </p:clrMapOvr>
+</p:sld>
+</file>
+
+<file path=ppt/slides/slide18.xml><?xml version="1.0" encoding="utf-8"?>
+<p:sld xmlns:a="http://schemas.openxmlformats.org/drawingml/2006/main" xmlns:r="http://schemas.openxmlformats.org/officeDocument/2006/relationships" xmlns:p="http://schemas.openxmlformats.org/presentationml/2006/main">
+  <p:cSld>
+    <p:spTree>
+      <p:nvGrpSpPr>
+        <p:cNvPr id="1" name=""/>
+        <p:cNvGrpSpPr/>
+        <p:nvPr/>
+      </p:nvGrpSpPr>
+      <p:grpSpPr>
+        <a:xfrm>
+          <a:off x="0" y="0"/>
+          <a:ext cx="0" cy="0"/>
+          <a:chOff x="0" y="0"/>
+          <a:chExt cx="0" cy="0"/>
+        </a:xfrm>
+      </p:grpSpPr>
+      <p:sp>
+        <p:nvSpPr>
+          <p:cNvPr id="2" name="Title 1"/>
+          <p:cNvSpPr>
+            <a:spLocks noGrp="1"/>
+          </p:cNvSpPr>
+          <p:nvPr>
+            <p:ph type="title"/>
+          </p:nvPr>
+        </p:nvSpPr>
+        <p:spPr/>
+        <p:txBody>
+          <a:bodyPr/>
+          <a:lstStyle/>
+          <a:p>
+            <a:r>
               <a:rPr lang="en-US" dirty="0"/>
               <a:t>Continuous integration</a:t>
             </a:r>
@@ -10862,7 +11324,7 @@
             <a:fld id="{2387B7E2-7538-4163-9310-D5E6EE1BC12A}" type="slidenum">
               <a:rPr lang="en-US" smtClean="0"/>
               <a:pPr/>
-              <a:t>17</a:t>
+              <a:t>18</a:t>
             </a:fld>
             <a:endParaRPr lang="en-US"/>
           </a:p>
@@ -10888,159 +11350,6 @@
 </p:sld>
 </file>
 
-<file path=ppt/slides/slide18.xml><?xml version="1.0" encoding="utf-8"?>
-<p:sld xmlns:a="http://schemas.openxmlformats.org/drawingml/2006/main" xmlns:r="http://schemas.openxmlformats.org/officeDocument/2006/relationships" xmlns:p="http://schemas.openxmlformats.org/presentationml/2006/main">
-  <p:cSld>
-    <p:spTree>
-      <p:nvGrpSpPr>
-        <p:cNvPr id="1" name=""/>
-        <p:cNvGrpSpPr/>
-        <p:nvPr/>
-      </p:nvGrpSpPr>
-      <p:grpSpPr>
-        <a:xfrm>
-          <a:off x="0" y="0"/>
-          <a:ext cx="0" cy="0"/>
-          <a:chOff x="0" y="0"/>
-          <a:chExt cx="0" cy="0"/>
-        </a:xfrm>
-      </p:grpSpPr>
-      <p:sp>
-        <p:nvSpPr>
-          <p:cNvPr id="2" name="Title 1"/>
-          <p:cNvSpPr>
-            <a:spLocks noGrp="1"/>
-          </p:cNvSpPr>
-          <p:nvPr>
-            <p:ph type="title"/>
-          </p:nvPr>
-        </p:nvSpPr>
-        <p:spPr/>
-        <p:txBody>
-          <a:bodyPr/>
-          <a:lstStyle/>
-          <a:p>
-            <a:r>
-              <a:rPr lang="en-US" dirty="0"/>
-              <a:t>continuous delivery</a:t>
-            </a:r>
-          </a:p>
-        </p:txBody>
-      </p:sp>
-      <p:sp>
-        <p:nvSpPr>
-          <p:cNvPr id="3" name="Content Placeholder 2"/>
-          <p:cNvSpPr>
-            <a:spLocks noGrp="1"/>
-          </p:cNvSpPr>
-          <p:nvPr>
-            <p:ph idx="1"/>
-          </p:nvPr>
-        </p:nvSpPr>
-        <p:spPr/>
-        <p:txBody>
-          <a:bodyPr/>
-          <a:lstStyle/>
-          <a:p>
-            <a:pPr>
-              <a:buNone/>
-            </a:pPr>
-            <a:r>
-              <a:rPr lang="en-US" dirty="0"/>
-              <a:t> </a:t>
-            </a:r>
-            <a:r>
-              <a:rPr lang="en-US" b="1" dirty="0"/>
-              <a:t>reduce</a:t>
-            </a:r>
-            <a:r>
-              <a:rPr lang="en-US" dirty="0"/>
-              <a:t> the </a:t>
-            </a:r>
-            <a:r>
-              <a:rPr lang="en-US" b="1" dirty="0"/>
-              <a:t>cost</a:t>
-            </a:r>
-            <a:r>
-              <a:rPr lang="en-US" dirty="0"/>
-              <a:t> , </a:t>
-            </a:r>
-            <a:r>
-              <a:rPr lang="en-US" b="1" dirty="0"/>
-              <a:t>time</a:t>
-            </a:r>
-            <a:r>
-              <a:rPr lang="en-US" dirty="0"/>
-              <a:t> , </a:t>
-            </a:r>
-            <a:r>
-              <a:rPr lang="en-US" b="1" dirty="0"/>
-              <a:t>and risk </a:t>
-            </a:r>
-            <a:r>
-              <a:rPr lang="en-US" dirty="0"/>
-              <a:t>of </a:t>
-            </a:r>
-          </a:p>
-          <a:p>
-            <a:pPr>
-              <a:buNone/>
-            </a:pPr>
-            <a:r>
-              <a:rPr lang="en-US" dirty="0"/>
-              <a:t>   delivering </a:t>
-            </a:r>
-            <a:r>
-              <a:rPr lang="en-US" b="1" dirty="0"/>
-              <a:t>incremental changes </a:t>
-            </a:r>
-          </a:p>
-          <a:p>
-            <a:pPr>
-              <a:buNone/>
-            </a:pPr>
-            <a:r>
-              <a:rPr lang="en-US" b="1" dirty="0"/>
-              <a:t>   </a:t>
-            </a:r>
-            <a:r>
-              <a:rPr lang="en-US" dirty="0"/>
-              <a:t>to users</a:t>
-            </a:r>
-          </a:p>
-          <a:p>
-            <a:pPr>
-              <a:buNone/>
-            </a:pPr>
-            <a:r>
-              <a:rPr lang="en-US" dirty="0"/>
-              <a:t>	</a:t>
-            </a:r>
-          </a:p>
-          <a:p>
-            <a:pPr>
-              <a:buNone/>
-            </a:pPr>
-            <a:r>
-              <a:rPr lang="en-US" dirty="0"/>
-              <a:t>	every requirement is a hypothesis</a:t>
-            </a:r>
-          </a:p>
-        </p:txBody>
-      </p:sp>
-    </p:spTree>
-    <p:extLst>
-      <p:ext uri="{BB962C8B-B14F-4D97-AF65-F5344CB8AC3E}">
-        <p14:creationId xmlns:p14="http://schemas.microsoft.com/office/powerpoint/2010/main" val="436287599"/>
-      </p:ext>
-    </p:extLst>
-  </p:cSld>
-  <p:clrMapOvr>
-    <a:masterClrMapping/>
-  </p:clrMapOvr>
-</p:sld>
-</file>
-
 <file path=ppt/slides/slide19.xml><?xml version="1.0" encoding="utf-8"?>
 <p:sld xmlns:a="http://schemas.openxmlformats.org/drawingml/2006/main" xmlns:r="http://schemas.openxmlformats.org/officeDocument/2006/relationships" xmlns:p="http://schemas.openxmlformats.org/presentationml/2006/main">
   <p:cSld>
@@ -11074,6 +11383,235 @@
           <a:lstStyle/>
           <a:p>
             <a:r>
+              <a:rPr lang="en-US" dirty="0"/>
+              <a:t>continuous delivery</a:t>
+            </a:r>
+          </a:p>
+        </p:txBody>
+      </p:sp>
+      <p:sp>
+        <p:nvSpPr>
+          <p:cNvPr id="3" name="Content Placeholder 2"/>
+          <p:cNvSpPr>
+            <a:spLocks noGrp="1"/>
+          </p:cNvSpPr>
+          <p:nvPr>
+            <p:ph idx="1"/>
+          </p:nvPr>
+        </p:nvSpPr>
+        <p:spPr/>
+        <p:txBody>
+          <a:bodyPr/>
+          <a:lstStyle/>
+          <a:p>
+            <a:pPr>
+              <a:buNone/>
+            </a:pPr>
+            <a:r>
+              <a:rPr lang="en-US" dirty="0"/>
+              <a:t> </a:t>
+            </a:r>
+            <a:r>
+              <a:rPr lang="en-US" b="1" dirty="0"/>
+              <a:t>reduce</a:t>
+            </a:r>
+            <a:r>
+              <a:rPr lang="en-US" dirty="0"/>
+              <a:t> the </a:t>
+            </a:r>
+            <a:r>
+              <a:rPr lang="en-US" b="1" dirty="0"/>
+              <a:t>cost</a:t>
+            </a:r>
+            <a:r>
+              <a:rPr lang="en-US" dirty="0"/>
+              <a:t> , </a:t>
+            </a:r>
+            <a:r>
+              <a:rPr lang="en-US" b="1" dirty="0"/>
+              <a:t>time</a:t>
+            </a:r>
+            <a:r>
+              <a:rPr lang="en-US" dirty="0"/>
+              <a:t> , </a:t>
+            </a:r>
+            <a:r>
+              <a:rPr lang="en-US" b="1" dirty="0"/>
+              <a:t>and risk </a:t>
+            </a:r>
+            <a:r>
+              <a:rPr lang="en-US" dirty="0"/>
+              <a:t>of </a:t>
+            </a:r>
+          </a:p>
+          <a:p>
+            <a:pPr>
+              <a:buNone/>
+            </a:pPr>
+            <a:r>
+              <a:rPr lang="en-US" dirty="0"/>
+              <a:t>   delivering </a:t>
+            </a:r>
+            <a:r>
+              <a:rPr lang="en-US" b="1" dirty="0"/>
+              <a:t>incremental changes </a:t>
+            </a:r>
+          </a:p>
+          <a:p>
+            <a:pPr>
+              <a:buNone/>
+            </a:pPr>
+            <a:r>
+              <a:rPr lang="en-US" b="1" dirty="0"/>
+              <a:t>   </a:t>
+            </a:r>
+            <a:r>
+              <a:rPr lang="en-US" dirty="0"/>
+              <a:t>to users</a:t>
+            </a:r>
+          </a:p>
+          <a:p>
+            <a:pPr>
+              <a:buNone/>
+            </a:pPr>
+            <a:r>
+              <a:rPr lang="en-US" dirty="0"/>
+              <a:t>	</a:t>
+            </a:r>
+          </a:p>
+          <a:p>
+            <a:pPr>
+              <a:buNone/>
+            </a:pPr>
+            <a:r>
+              <a:rPr lang="en-US" dirty="0"/>
+              <a:t>	every requirement is a hypothesis</a:t>
+            </a:r>
+          </a:p>
+        </p:txBody>
+      </p:sp>
+    </p:spTree>
+    <p:extLst>
+      <p:ext uri="{BB962C8B-B14F-4D97-AF65-F5344CB8AC3E}">
+        <p14:creationId xmlns:p14="http://schemas.microsoft.com/office/powerpoint/2010/main" val="436287599"/>
+      </p:ext>
+    </p:extLst>
+  </p:cSld>
+  <p:clrMapOvr>
+    <a:masterClrMapping/>
+  </p:clrMapOvr>
+</p:sld>
+</file>
+
+<file path=ppt/slides/slide2.xml><?xml version="1.0" encoding="utf-8"?>
+<p:sld xmlns:a="http://schemas.openxmlformats.org/drawingml/2006/main" xmlns:r="http://schemas.openxmlformats.org/officeDocument/2006/relationships" xmlns:p="http://schemas.openxmlformats.org/presentationml/2006/main">
+  <p:cSld>
+    <p:spTree>
+      <p:nvGrpSpPr>
+        <p:cNvPr id="1" name=""/>
+        <p:cNvGrpSpPr/>
+        <p:nvPr/>
+      </p:nvGrpSpPr>
+      <p:grpSpPr>
+        <a:xfrm>
+          <a:off x="0" y="0"/>
+          <a:ext cx="0" cy="0"/>
+          <a:chOff x="0" y="0"/>
+          <a:chExt cx="0" cy="0"/>
+        </a:xfrm>
+      </p:grpSpPr>
+      <p:sp>
+        <p:nvSpPr>
+          <p:cNvPr id="2" name="Title 1"/>
+          <p:cNvSpPr>
+            <a:spLocks noGrp="1"/>
+          </p:cNvSpPr>
+          <p:nvPr>
+            <p:ph type="title"/>
+          </p:nvPr>
+        </p:nvSpPr>
+        <p:spPr/>
+        <p:txBody>
+          <a:bodyPr/>
+          <a:lstStyle/>
+          <a:p>
+            <a:r>
+              <a:rPr lang="en-US" dirty="0" smtClean="0"/>
+              <a:t>Agenda</a:t>
+            </a:r>
+            <a:endParaRPr lang="en-US" dirty="0"/>
+          </a:p>
+        </p:txBody>
+      </p:sp>
+      <p:sp>
+        <p:nvSpPr>
+          <p:cNvPr id="3" name="Content Placeholder 2"/>
+          <p:cNvSpPr>
+            <a:spLocks noGrp="1"/>
+          </p:cNvSpPr>
+          <p:nvPr>
+            <p:ph idx="1"/>
+          </p:nvPr>
+        </p:nvSpPr>
+        <p:spPr/>
+        <p:txBody>
+          <a:bodyPr/>
+          <a:lstStyle/>
+          <a:p>
+            <a:r>
+              <a:rPr lang="en-US" dirty="0" smtClean="0"/>
+              <a:t>Why test</a:t>
+            </a:r>
+            <a:endParaRPr lang="en-US" dirty="0"/>
+          </a:p>
+        </p:txBody>
+      </p:sp>
+    </p:spTree>
+    <p:extLst>
+      <p:ext uri="{BB962C8B-B14F-4D97-AF65-F5344CB8AC3E}">
+        <p14:creationId xmlns:p14="http://schemas.microsoft.com/office/powerpoint/2010/main" val="1039031001"/>
+      </p:ext>
+    </p:extLst>
+  </p:cSld>
+  <p:clrMapOvr>
+    <a:masterClrMapping/>
+  </p:clrMapOvr>
+</p:sld>
+</file>
+
+<file path=ppt/slides/slide20.xml><?xml version="1.0" encoding="utf-8"?>
+<p:sld xmlns:a="http://schemas.openxmlformats.org/drawingml/2006/main" xmlns:r="http://schemas.openxmlformats.org/officeDocument/2006/relationships" xmlns:p="http://schemas.openxmlformats.org/presentationml/2006/main">
+  <p:cSld>
+    <p:spTree>
+      <p:nvGrpSpPr>
+        <p:cNvPr id="1" name=""/>
+        <p:cNvGrpSpPr/>
+        <p:nvPr/>
+      </p:nvGrpSpPr>
+      <p:grpSpPr>
+        <a:xfrm>
+          <a:off x="0" y="0"/>
+          <a:ext cx="0" cy="0"/>
+          <a:chOff x="0" y="0"/>
+          <a:chExt cx="0" cy="0"/>
+        </a:xfrm>
+      </p:grpSpPr>
+      <p:sp>
+        <p:nvSpPr>
+          <p:cNvPr id="2" name="Title 1"/>
+          <p:cNvSpPr>
+            <a:spLocks noGrp="1"/>
+          </p:cNvSpPr>
+          <p:nvPr>
+            <p:ph type="title"/>
+          </p:nvPr>
+        </p:nvSpPr>
+        <p:spPr/>
+        <p:txBody>
+          <a:bodyPr/>
+          <a:lstStyle/>
+          <a:p>
+            <a:r>
               <a:rPr lang="en-US" dirty="0" smtClean="0"/>
               <a:t>Different type of Test</a:t>
             </a:r>
@@ -11151,7 +11689,7 @@
             <a:fld id="{2387B7E2-7538-4163-9310-D5E6EE1BC12A}" type="slidenum">
               <a:rPr lang="en-US" smtClean="0"/>
               <a:pPr/>
-              <a:t>19</a:t>
+              <a:t>20</a:t>
             </a:fld>
             <a:endParaRPr lang="en-US"/>
           </a:p>
@@ -11177,83 +11715,7 @@
 </p:sld>
 </file>
 
-<file path=ppt/slides/slide2.xml><?xml version="1.0" encoding="utf-8"?>
-<p:sld xmlns:a="http://schemas.openxmlformats.org/drawingml/2006/main" xmlns:r="http://schemas.openxmlformats.org/officeDocument/2006/relationships" xmlns:p="http://schemas.openxmlformats.org/presentationml/2006/main">
-  <p:cSld>
-    <p:spTree>
-      <p:nvGrpSpPr>
-        <p:cNvPr id="1" name=""/>
-        <p:cNvGrpSpPr/>
-        <p:nvPr/>
-      </p:nvGrpSpPr>
-      <p:grpSpPr>
-        <a:xfrm>
-          <a:off x="0" y="0"/>
-          <a:ext cx="0" cy="0"/>
-          <a:chOff x="0" y="0"/>
-          <a:chExt cx="0" cy="0"/>
-        </a:xfrm>
-      </p:grpSpPr>
-      <p:sp>
-        <p:nvSpPr>
-          <p:cNvPr id="2" name="Title 1"/>
-          <p:cNvSpPr>
-            <a:spLocks noGrp="1"/>
-          </p:cNvSpPr>
-          <p:nvPr>
-            <p:ph type="title"/>
-          </p:nvPr>
-        </p:nvSpPr>
-        <p:spPr/>
-        <p:txBody>
-          <a:bodyPr/>
-          <a:lstStyle/>
-          <a:p>
-            <a:r>
-              <a:rPr lang="en-US" dirty="0" smtClean="0"/>
-              <a:t>Agenda</a:t>
-            </a:r>
-            <a:endParaRPr lang="en-US" dirty="0"/>
-          </a:p>
-        </p:txBody>
-      </p:sp>
-      <p:sp>
-        <p:nvSpPr>
-          <p:cNvPr id="3" name="Content Placeholder 2"/>
-          <p:cNvSpPr>
-            <a:spLocks noGrp="1"/>
-          </p:cNvSpPr>
-          <p:nvPr>
-            <p:ph idx="1"/>
-          </p:nvPr>
-        </p:nvSpPr>
-        <p:spPr/>
-        <p:txBody>
-          <a:bodyPr/>
-          <a:lstStyle/>
-          <a:p>
-            <a:r>
-              <a:rPr lang="en-US" dirty="0" smtClean="0"/>
-              <a:t>Why test</a:t>
-            </a:r>
-            <a:endParaRPr lang="en-US" dirty="0"/>
-          </a:p>
-        </p:txBody>
-      </p:sp>
-    </p:spTree>
-    <p:extLst>
-      <p:ext uri="{BB962C8B-B14F-4D97-AF65-F5344CB8AC3E}">
-        <p14:creationId xmlns:p14="http://schemas.microsoft.com/office/powerpoint/2010/main" val="1039031001"/>
-      </p:ext>
-    </p:extLst>
-  </p:cSld>
-  <p:clrMapOvr>
-    <a:masterClrMapping/>
-  </p:clrMapOvr>
-</p:sld>
-</file>
-
-<file path=ppt/slides/slide20.xml><?xml version="1.0" encoding="utf-8"?>
+<file path=ppt/slides/slide21.xml><?xml version="1.0" encoding="utf-8"?>
 <p:sld xmlns:a="http://schemas.openxmlformats.org/drawingml/2006/main" xmlns:r="http://schemas.openxmlformats.org/officeDocument/2006/relationships" xmlns:p="http://schemas.openxmlformats.org/presentationml/2006/main">
   <p:cSld>
     <p:spTree>
@@ -11346,7 +11808,7 @@
             <a:fld id="{2387B7E2-7538-4163-9310-D5E6EE1BC12A}" type="slidenum">
               <a:rPr lang="en-US" smtClean="0"/>
               <a:pPr/>
-              <a:t>20</a:t>
+              <a:t>21</a:t>
             </a:fld>
             <a:endParaRPr lang="en-US"/>
           </a:p>
@@ -11396,7 +11858,7 @@
 </p:sld>
 </file>
 
-<file path=ppt/slides/slide21.xml><?xml version="1.0" encoding="utf-8"?>
+<file path=ppt/slides/slide22.xml><?xml version="1.0" encoding="utf-8"?>
 <p:sld xmlns:a="http://schemas.openxmlformats.org/drawingml/2006/main" xmlns:r="http://schemas.openxmlformats.org/officeDocument/2006/relationships" xmlns:p="http://schemas.openxmlformats.org/presentationml/2006/main">
   <p:cSld>
     <p:spTree>
@@ -11549,221 +12011,6 @@
 </p:sld>
 </file>
 
-<file path=ppt/slides/slide22.xml><?xml version="1.0" encoding="utf-8"?>
-<p:sld xmlns:a="http://schemas.openxmlformats.org/drawingml/2006/main" xmlns:r="http://schemas.openxmlformats.org/officeDocument/2006/relationships" xmlns:p="http://schemas.openxmlformats.org/presentationml/2006/main">
-  <p:cSld>
-    <p:spTree>
-      <p:nvGrpSpPr>
-        <p:cNvPr id="1" name=""/>
-        <p:cNvGrpSpPr/>
-        <p:nvPr/>
-      </p:nvGrpSpPr>
-      <p:grpSpPr>
-        <a:xfrm>
-          <a:off x="0" y="0"/>
-          <a:ext cx="0" cy="0"/>
-          <a:chOff x="0" y="0"/>
-          <a:chExt cx="0" cy="0"/>
-        </a:xfrm>
-      </p:grpSpPr>
-      <p:sp>
-        <p:nvSpPr>
-          <p:cNvPr id="2" name="Title 1"/>
-          <p:cNvSpPr>
-            <a:spLocks noGrp="1"/>
-          </p:cNvSpPr>
-          <p:nvPr>
-            <p:ph type="title"/>
-          </p:nvPr>
-        </p:nvSpPr>
-        <p:spPr>
-          <a:xfrm>
-            <a:off x="1981200" y="274638"/>
-            <a:ext cx="8229600" cy="792162"/>
-          </a:xfrm>
-        </p:spPr>
-        <p:txBody>
-          <a:bodyPr>
-            <a:normAutofit fontScale="90000"/>
-          </a:bodyPr>
-          <a:lstStyle/>
-          <a:p>
-            <a:r>
-              <a:rPr lang="en-US" dirty="0" smtClean="0"/>
-              <a:t>F.I.R.S.T</a:t>
-            </a:r>
-            <a:br>
-              <a:rPr lang="en-US" dirty="0" smtClean="0"/>
-            </a:br>
-            <a:endParaRPr lang="en-US" dirty="0"/>
-          </a:p>
-        </p:txBody>
-      </p:sp>
-      <p:sp>
-        <p:nvSpPr>
-          <p:cNvPr id="3" name="Content Placeholder 2"/>
-          <p:cNvSpPr>
-            <a:spLocks noGrp="1"/>
-          </p:cNvSpPr>
-          <p:nvPr>
-            <p:ph idx="1"/>
-          </p:nvPr>
-        </p:nvSpPr>
-        <p:spPr>
-          <a:xfrm>
-            <a:off x="1905000" y="1219200"/>
-            <a:ext cx="8229600" cy="5638800"/>
-          </a:xfrm>
-        </p:spPr>
-        <p:txBody>
-          <a:bodyPr>
-            <a:noAutofit/>
-          </a:bodyPr>
-          <a:lstStyle/>
-          <a:p>
-            <a:pPr>
-              <a:buNone/>
-            </a:pPr>
-            <a:r>
-              <a:rPr lang="en-US" sz="1900" b="1" i="1" u="sng" dirty="0"/>
-              <a:t>Fast </a:t>
-            </a:r>
-          </a:p>
-          <a:p>
-            <a:pPr>
-              <a:buNone/>
-            </a:pPr>
-            <a:r>
-              <a:rPr lang="en-US" sz="1900" b="1" dirty="0"/>
-              <a:t>    </a:t>
-            </a:r>
-            <a:r>
-              <a:rPr lang="en-US" sz="1900" dirty="0"/>
-              <a:t>Tests should be fast. They should run quickly. </a:t>
-            </a:r>
-          </a:p>
-          <a:p>
-            <a:pPr>
-              <a:buNone/>
-            </a:pPr>
-            <a:endParaRPr lang="en-US" sz="1900" dirty="0"/>
-          </a:p>
-          <a:p>
-            <a:pPr>
-              <a:buNone/>
-            </a:pPr>
-            <a:r>
-              <a:rPr lang="en-US" sz="1900" dirty="0"/>
-              <a:t>	When tests run slow, you won’t want to run them frequently. If you don’t run them frequently, you won’t find problems early enough to fix them easily. You won’t feel as free to clean up the code. Eventually the code will begin to rot.</a:t>
-            </a:r>
-          </a:p>
-          <a:p>
-            <a:pPr>
-              <a:buNone/>
-            </a:pPr>
-            <a:endParaRPr lang="en-US" sz="1900" dirty="0"/>
-          </a:p>
-          <a:p>
-            <a:pPr>
-              <a:buNone/>
-            </a:pPr>
-            <a:r>
-              <a:rPr lang="en-US" sz="1900" b="1" i="1" u="sng" dirty="0"/>
-              <a:t>Independent </a:t>
-            </a:r>
-          </a:p>
-          <a:p>
-            <a:pPr>
-              <a:buNone/>
-            </a:pPr>
-            <a:r>
-              <a:rPr lang="en-US" sz="1900" b="1" dirty="0"/>
-              <a:t>     </a:t>
-            </a:r>
-            <a:r>
-              <a:rPr lang="en-US" sz="1900" dirty="0"/>
-              <a:t>Tests should not depend on each other. </a:t>
-            </a:r>
-          </a:p>
-          <a:p>
-            <a:pPr>
-              <a:buNone/>
-            </a:pPr>
-            <a:r>
-              <a:rPr lang="en-US" sz="1900" dirty="0"/>
-              <a:t>	</a:t>
-            </a:r>
-          </a:p>
-          <a:p>
-            <a:pPr>
-              <a:buNone/>
-            </a:pPr>
-            <a:r>
-              <a:rPr lang="en-US" sz="1900" dirty="0"/>
-              <a:t>	One test should not set up the conditions for the next test. You should be able to run each test independently and run the tests in any order you like. </a:t>
-            </a:r>
-          </a:p>
-          <a:p>
-            <a:pPr>
-              <a:buNone/>
-            </a:pPr>
-            <a:endParaRPr lang="en-US" sz="1900" dirty="0"/>
-          </a:p>
-          <a:p>
-            <a:pPr>
-              <a:buNone/>
-            </a:pPr>
-            <a:r>
-              <a:rPr lang="en-US" sz="1900" dirty="0"/>
-              <a:t>	When tests depend on each other, then the first one to fail causes a cascade of downstream failures, making diagnosis difficult and hiding downstream defects.</a:t>
-            </a:r>
-          </a:p>
-        </p:txBody>
-      </p:sp>
-      <p:sp>
-        <p:nvSpPr>
-          <p:cNvPr id="4" name="Slide Number Placeholder 3"/>
-          <p:cNvSpPr>
-            <a:spLocks noGrp="1"/>
-          </p:cNvSpPr>
-          <p:nvPr>
-            <p:ph type="sldNum" sz="quarter" idx="12"/>
-          </p:nvPr>
-        </p:nvSpPr>
-        <p:spPr/>
-        <p:txBody>
-          <a:bodyPr/>
-          <a:lstStyle/>
-          <a:p>
-            <a:fld id="{2387B7E2-7538-4163-9310-D5E6EE1BC12A}" type="slidenum">
-              <a:rPr lang="en-US" smtClean="0"/>
-              <a:pPr/>
-              <a:t>22</a:t>
-            </a:fld>
-            <a:endParaRPr lang="en-US"/>
-          </a:p>
-        </p:txBody>
-      </p:sp>
-    </p:spTree>
-    <p:extLst>
-      <p:ext uri="{BB962C8B-B14F-4D97-AF65-F5344CB8AC3E}">
-        <p14:creationId xmlns:p14="http://schemas.microsoft.com/office/powerpoint/2010/main" val="2219544754"/>
-      </p:ext>
-    </p:extLst>
-  </p:cSld>
-  <p:clrMapOvr>
-    <a:masterClrMapping/>
-  </p:clrMapOvr>
-  <p:timing>
-    <p:tnLst>
-      <p:par>
-        <p:cTn id="1" dur="indefinite" restart="never" nodeType="tmRoot"/>
-      </p:par>
-    </p:tnLst>
-  </p:timing>
-</p:sld>
-</file>
-
 <file path=ppt/slides/slide23.xml><?xml version="1.0" encoding="utf-8"?>
 <p:sld xmlns:a="http://schemas.openxmlformats.org/drawingml/2006/main" xmlns:r="http://schemas.openxmlformats.org/officeDocument/2006/relationships" xmlns:p="http://schemas.openxmlformats.org/presentationml/2006/main">
   <p:cSld>
@@ -11783,18 +12030,51 @@
       </p:grpSpPr>
       <p:sp>
         <p:nvSpPr>
-          <p:cNvPr id="3" name="Content Placeholder 2"/>
-          <p:cNvSpPr>
-            <a:spLocks noGrp="1"/>
-          </p:cNvSpPr>
-          <p:nvPr>
-            <p:ph idx="1"/>
+          <p:cNvPr id="2" name="Title 1"/>
+          <p:cNvSpPr>
+            <a:spLocks noGrp="1"/>
+          </p:cNvSpPr>
+          <p:nvPr>
+            <p:ph type="title"/>
           </p:nvPr>
         </p:nvSpPr>
         <p:spPr>
           <a:xfrm>
-            <a:off x="2133600" y="228600"/>
-            <a:ext cx="7772400" cy="6248400"/>
+            <a:off x="1981200" y="274638"/>
+            <a:ext cx="8229600" cy="792162"/>
+          </a:xfrm>
+        </p:spPr>
+        <p:txBody>
+          <a:bodyPr>
+            <a:normAutofit fontScale="90000"/>
+          </a:bodyPr>
+          <a:lstStyle/>
+          <a:p>
+            <a:r>
+              <a:rPr lang="en-US" dirty="0" smtClean="0"/>
+              <a:t>F.I.R.S.T</a:t>
+            </a:r>
+            <a:br>
+              <a:rPr lang="en-US" dirty="0" smtClean="0"/>
+            </a:br>
+            <a:endParaRPr lang="en-US" dirty="0"/>
+          </a:p>
+        </p:txBody>
+      </p:sp>
+      <p:sp>
+        <p:nvSpPr>
+          <p:cNvPr id="3" name="Content Placeholder 2"/>
+          <p:cNvSpPr>
+            <a:spLocks noGrp="1"/>
+          </p:cNvSpPr>
+          <p:nvPr>
+            <p:ph idx="1"/>
+          </p:nvPr>
+        </p:nvSpPr>
+        <p:spPr>
+          <a:xfrm>
+            <a:off x="1905000" y="1219200"/>
+            <a:ext cx="8229600" cy="5638800"/>
           </a:xfrm>
         </p:spPr>
         <p:txBody>
@@ -11804,92 +12084,100 @@
           <a:lstStyle/>
           <a:p>
             <a:pPr>
-              <a:lnSpc>
-                <a:spcPct val="80000"/>
-              </a:lnSpc>
               <a:buNone/>
             </a:pPr>
             <a:r>
               <a:rPr lang="en-US" sz="1900" b="1" i="1" u="sng" dirty="0"/>
-              <a:t>Repeatable </a:t>
-            </a:r>
-            <a:endParaRPr lang="en-US" sz="1900" dirty="0"/>
-          </a:p>
-          <a:p>
-            <a:pPr marL="0" indent="0">
+              <a:t>Fast </a:t>
+            </a:r>
+          </a:p>
+          <a:p>
+            <a:pPr>
               <a:buNone/>
             </a:pPr>
             <a:r>
+              <a:rPr lang="en-US" sz="1900" b="1" dirty="0"/>
+              <a:t>    </a:t>
+            </a:r>
+            <a:r>
               <a:rPr lang="en-US" sz="1900" dirty="0"/>
-              <a:t>Tests should be repeatable in any environment. You should be able to run the tests in the production environment, in the QA environment, without a network.</a:t>
-            </a:r>
-          </a:p>
-          <a:p>
-            <a:pPr marL="0" indent="0">
+              <a:t>Tests should be fast. They should run quickly. </a:t>
+            </a:r>
+          </a:p>
+          <a:p>
+            <a:pPr>
               <a:buNone/>
             </a:pPr>
             <a:endParaRPr lang="en-US" sz="1900" dirty="0"/>
           </a:p>
           <a:p>
-            <a:pPr marL="0" indent="0">
+            <a:pPr>
               <a:buNone/>
             </a:pPr>
             <a:r>
               <a:rPr lang="en-US" sz="1900" dirty="0"/>
-              <a:t> If your tests aren’t repeatable in any environment, then you’ll always have an excuse for why they fail. You’ll also find yourself unable  to run the tests when the environment isn’t available.</a:t>
+              <a:t>	When tests run slow, you won’t want to run them frequently. If you don’t run them frequently, you won’t find problems early enough to fix them easily. You won’t feel as free to clean up the code. Eventually the code will begin to rot.</a:t>
             </a:r>
           </a:p>
           <a:p>
             <a:pPr>
-              <a:lnSpc>
-                <a:spcPct val="80000"/>
-              </a:lnSpc>
-              <a:buNone/>
-            </a:pPr>
-            <a:endParaRPr lang="en-US" sz="1900" b="1" i="1" u="sng" dirty="0"/>
-          </a:p>
-          <a:p>
-            <a:pPr>
-              <a:lnSpc>
-                <a:spcPct val="80000"/>
-              </a:lnSpc>
-              <a:buNone/>
-            </a:pPr>
-            <a:r>
-              <a:rPr lang="en-US" sz="1900" b="1" i="1" u="sng" dirty="0"/>
-              <a:t>Self-Validating </a:t>
-            </a:r>
-          </a:p>
-          <a:p>
-            <a:pPr marL="0" indent="0">
-              <a:buNone/>
-            </a:pPr>
-            <a:r>
-              <a:rPr lang="en-US" sz="1900" dirty="0"/>
-              <a:t>The tests should have a </a:t>
-            </a:r>
-            <a:r>
-              <a:rPr lang="en-US" sz="1900" dirty="0" err="1"/>
-              <a:t>boolean</a:t>
-            </a:r>
-            <a:r>
-              <a:rPr lang="en-US" sz="1900" dirty="0"/>
-              <a:t> output. Either they pass or fail. </a:t>
-            </a:r>
-          </a:p>
-          <a:p>
-            <a:pPr marL="0" indent="0">
               <a:buNone/>
             </a:pPr>
             <a:endParaRPr lang="en-US" sz="1900" dirty="0"/>
           </a:p>
           <a:p>
-            <a:pPr marL="0" indent="0">
+            <a:pPr>
               <a:buNone/>
             </a:pPr>
             <a:r>
+              <a:rPr lang="en-US" sz="1900" b="1" i="1" u="sng" dirty="0"/>
+              <a:t>Independent </a:t>
+            </a:r>
+          </a:p>
+          <a:p>
+            <a:pPr>
+              <a:buNone/>
+            </a:pPr>
+            <a:r>
+              <a:rPr lang="en-US" sz="1900" b="1" dirty="0"/>
+              <a:t>     </a:t>
+            </a:r>
+            <a:r>
               <a:rPr lang="en-US" sz="1900" dirty="0"/>
-              <a:t>You should not have to read through a log file to tell whether the tests pass. If the tests aren’t self-validating, then failure can become subjective and running the tests can require a long manual evaluation.</a:t>
+              <a:t>Tests should not depend on each other. </a:t>
+            </a:r>
+          </a:p>
+          <a:p>
+            <a:pPr>
+              <a:buNone/>
+            </a:pPr>
+            <a:r>
+              <a:rPr lang="en-US" sz="1900" dirty="0"/>
+              <a:t>	</a:t>
+            </a:r>
+          </a:p>
+          <a:p>
+            <a:pPr>
+              <a:buNone/>
+            </a:pPr>
+            <a:r>
+              <a:rPr lang="en-US" sz="1900" dirty="0"/>
+              <a:t>	One test should not set up the conditions for the next test. You should be able to run each test independently and run the tests in any order you like. </a:t>
+            </a:r>
+          </a:p>
+          <a:p>
+            <a:pPr>
+              <a:buNone/>
+            </a:pPr>
+            <a:endParaRPr lang="en-US" sz="1900" dirty="0"/>
+          </a:p>
+          <a:p>
+            <a:pPr>
+              <a:buNone/>
+            </a:pPr>
+            <a:r>
+              <a:rPr lang="en-US" sz="1900" dirty="0"/>
+              <a:t>	When tests depend on each other, then the first one to fail causes a cascade of downstream failures, making diagnosis difficult and hiding downstream defects.</a:t>
             </a:r>
           </a:p>
         </p:txBody>
@@ -11921,7 +12209,7 @@
     </p:spTree>
     <p:extLst>
       <p:ext uri="{BB962C8B-B14F-4D97-AF65-F5344CB8AC3E}">
-        <p14:creationId xmlns:p14="http://schemas.microsoft.com/office/powerpoint/2010/main" val="377192542"/>
+        <p14:creationId xmlns:p14="http://schemas.microsoft.com/office/powerpoint/2010/main" val="2219544754"/>
       </p:ext>
     </p:extLst>
   </p:cSld>
@@ -11967,52 +12255,104 @@
         </p:nvSpPr>
         <p:spPr>
           <a:xfrm>
-            <a:off x="1981200" y="1066800"/>
-            <a:ext cx="8229600" cy="5257800"/>
+            <a:off x="2133600" y="228600"/>
+            <a:ext cx="7772400" cy="6248400"/>
           </a:xfrm>
         </p:spPr>
         <p:txBody>
-          <a:bodyPr/>
+          <a:bodyPr>
+            <a:noAutofit/>
+          </a:bodyPr>
           <a:lstStyle/>
           <a:p>
             <a:pPr>
+              <a:lnSpc>
+                <a:spcPct val="80000"/>
+              </a:lnSpc>
               <a:buNone/>
             </a:pPr>
             <a:r>
-              <a:rPr lang="en-US" sz="2500" b="1" i="1" u="sng" dirty="0"/>
-              <a:t>Timely </a:t>
-            </a:r>
-          </a:p>
-          <a:p>
-            <a:pPr>
+              <a:rPr lang="en-US" sz="1900" b="1" i="1" u="sng" dirty="0"/>
+              <a:t>Repeatable </a:t>
+            </a:r>
+            <a:endParaRPr lang="en-US" sz="1900" dirty="0"/>
+          </a:p>
+          <a:p>
+            <a:pPr marL="0" indent="0">
               <a:buNone/>
             </a:pPr>
             <a:r>
-              <a:rPr lang="en-US" dirty="0" smtClean="0"/>
-              <a:t>	</a:t>
-            </a:r>
-            <a:r>
-              <a:rPr lang="en-US" sz="2500" dirty="0"/>
-              <a:t>The tests need to be written in a timely fashion. Unit tests should be written just before the production code that makes them pass.</a:t>
-            </a:r>
-          </a:p>
-          <a:p>
-            <a:pPr>
+              <a:rPr lang="en-US" sz="1900" dirty="0"/>
+              <a:t>Tests should be repeatable in any environment. You should be able to run the tests in the production environment, in the QA environment, without a network.</a:t>
+            </a:r>
+          </a:p>
+          <a:p>
+            <a:pPr marL="0" indent="0">
               <a:buNone/>
             </a:pPr>
-            <a:endParaRPr lang="en-US" sz="2500" dirty="0"/>
-          </a:p>
-          <a:p>
-            <a:pPr>
+            <a:endParaRPr lang="en-US" sz="1900" dirty="0"/>
+          </a:p>
+          <a:p>
+            <a:pPr marL="0" indent="0">
               <a:buNone/>
             </a:pPr>
             <a:r>
-              <a:rPr lang="en-US" sz="2500" dirty="0"/>
-              <a:t>	 If you write tests after the production code, then you may find the production code to be hard to test. You may decide that some production code is too hard to test. You may not design the production code to be testable.</a:t>
-            </a:r>
-          </a:p>
-          <a:p>
-            <a:endParaRPr lang="en-GB" dirty="0"/>
+              <a:rPr lang="en-US" sz="1900" dirty="0"/>
+              <a:t> If your tests aren’t repeatable in any environment, then you’ll always have an excuse for why they fail. You’ll also find yourself unable  to run the tests when the environment isn’t available.</a:t>
+            </a:r>
+          </a:p>
+          <a:p>
+            <a:pPr>
+              <a:lnSpc>
+                <a:spcPct val="80000"/>
+              </a:lnSpc>
+              <a:buNone/>
+            </a:pPr>
+            <a:endParaRPr lang="en-US" sz="1900" b="1" i="1" u="sng" dirty="0"/>
+          </a:p>
+          <a:p>
+            <a:pPr>
+              <a:lnSpc>
+                <a:spcPct val="80000"/>
+              </a:lnSpc>
+              <a:buNone/>
+            </a:pPr>
+            <a:r>
+              <a:rPr lang="en-US" sz="1900" b="1" i="1" u="sng" dirty="0"/>
+              <a:t>Self-Validating </a:t>
+            </a:r>
+          </a:p>
+          <a:p>
+            <a:pPr marL="0" indent="0">
+              <a:buNone/>
+            </a:pPr>
+            <a:r>
+              <a:rPr lang="en-US" sz="1900" dirty="0"/>
+              <a:t>The tests should have a </a:t>
+            </a:r>
+            <a:r>
+              <a:rPr lang="en-US" sz="1900" dirty="0" err="1"/>
+              <a:t>boolean</a:t>
+            </a:r>
+            <a:r>
+              <a:rPr lang="en-US" sz="1900" dirty="0"/>
+              <a:t> output. Either they pass or fail. </a:t>
+            </a:r>
+          </a:p>
+          <a:p>
+            <a:pPr marL="0" indent="0">
+              <a:buNone/>
+            </a:pPr>
+            <a:endParaRPr lang="en-US" sz="1900" dirty="0"/>
+          </a:p>
+          <a:p>
+            <a:pPr marL="0" indent="0">
+              <a:buNone/>
+            </a:pPr>
+            <a:r>
+              <a:rPr lang="en-US" sz="1900" dirty="0"/>
+              <a:t>You should not have to read through a log file to tell whether the tests pass. If the tests aren’t self-validating, then failure can become subjective and running the tests can require a long manual evaluation.</a:t>
+            </a:r>
           </a:p>
         </p:txBody>
       </p:sp>
@@ -12043,7 +12383,7 @@
     </p:spTree>
     <p:extLst>
       <p:ext uri="{BB962C8B-B14F-4D97-AF65-F5344CB8AC3E}">
-        <p14:creationId xmlns:p14="http://schemas.microsoft.com/office/powerpoint/2010/main" val="841361684"/>
+        <p14:creationId xmlns:p14="http://schemas.microsoft.com/office/powerpoint/2010/main" val="377192542"/>
       </p:ext>
     </p:extLst>
   </p:cSld>
@@ -12079,150 +12419,99 @@
       </p:grpSpPr>
       <p:sp>
         <p:nvSpPr>
-          <p:cNvPr id="2" name="Titel 1"/>
-          <p:cNvSpPr>
-            <a:spLocks noGrp="1"/>
-          </p:cNvSpPr>
-          <p:nvPr>
-            <p:ph type="title"/>
-          </p:nvPr>
-        </p:nvSpPr>
-        <p:spPr/>
-        <p:txBody>
-          <a:bodyPr/>
-          <a:lstStyle/>
-          <a:p>
-            <a:r>
-              <a:rPr lang="en-US" dirty="0" smtClean="0"/>
-              <a:t>The TDD mantra</a:t>
-            </a:r>
-            <a:endParaRPr lang="en-US" dirty="0"/>
-          </a:p>
-        </p:txBody>
-      </p:sp>
-      <p:graphicFrame>
-        <p:nvGraphicFramePr>
-          <p:cNvPr id="3" name="Diagram 2"/>
-          <p:cNvGraphicFramePr/>
-          <p:nvPr>
-            <p:extLst/>
-          </p:nvPr>
-        </p:nvGraphicFramePr>
-        <p:xfrm>
-          <a:off x="3149600" y="1295400"/>
-          <a:ext cx="5892800" cy="3928533"/>
-        </p:xfrm>
-        <a:graphic>
-          <a:graphicData uri="http://schemas.openxmlformats.org/drawingml/2006/diagram">
-            <dgm:relIds xmlns:dgm="http://schemas.openxmlformats.org/drawingml/2006/diagram" xmlns:r="http://schemas.openxmlformats.org/officeDocument/2006/relationships" r:dm="rId3" r:lo="rId4" r:qs="rId5" r:cs="rId6"/>
-          </a:graphicData>
-        </a:graphic>
-      </p:graphicFrame>
-      <p:sp>
-        <p:nvSpPr>
-          <p:cNvPr id="4" name="TextBox 3"/>
-          <p:cNvSpPr txBox="1"/>
-          <p:nvPr/>
+          <p:cNvPr id="3" name="Content Placeholder 2"/>
+          <p:cNvSpPr>
+            <a:spLocks noGrp="1"/>
+          </p:cNvSpPr>
+          <p:nvPr>
+            <p:ph idx="1"/>
+          </p:nvPr>
         </p:nvSpPr>
         <p:spPr>
           <a:xfrm>
-            <a:off x="1828800" y="1625361"/>
-            <a:ext cx="2743200" cy="1569660"/>
+            <a:off x="1981200" y="1066800"/>
+            <a:ext cx="8229600" cy="5257800"/>
           </a:xfrm>
-          <a:prstGeom prst="rect">
-            <a:avLst/>
-          </a:prstGeom>
-          <a:noFill/>
         </p:spPr>
         <p:txBody>
-          <a:bodyPr wrap="square" rtlCol="0">
-            <a:spAutoFit/>
-          </a:bodyPr>
-          <a:lstStyle/>
-          <a:p>
-            <a:r>
-              <a:rPr lang="en-US" sz="2400" dirty="0"/>
-              <a:t>Write a failing test for a new feature, i.e., specify a new behavior</a:t>
-            </a:r>
-          </a:p>
-        </p:txBody>
-      </p:sp>
-      <p:sp>
-        <p:nvSpPr>
-          <p:cNvPr id="6" name="TextBox 5"/>
-          <p:cNvSpPr txBox="1"/>
-          <p:nvPr/>
-        </p:nvSpPr>
-        <p:spPr>
-          <a:xfrm>
-            <a:off x="7924800" y="2441995"/>
-            <a:ext cx="2743200" cy="830997"/>
-          </a:xfrm>
-          <a:prstGeom prst="rect">
-            <a:avLst/>
-          </a:prstGeom>
-          <a:noFill/>
-        </p:spPr>
-        <p:txBody>
-          <a:bodyPr wrap="square" rtlCol="0">
-            <a:spAutoFit/>
-          </a:bodyPr>
-          <a:lstStyle/>
-          <a:p>
-            <a:r>
-              <a:rPr lang="en-US" sz="2400" dirty="0"/>
-              <a:t>Write enough code to pass the test</a:t>
-            </a:r>
-          </a:p>
-        </p:txBody>
-      </p:sp>
-      <p:sp>
-        <p:nvSpPr>
-          <p:cNvPr id="7" name="TextBox 6"/>
-          <p:cNvSpPr txBox="1"/>
-          <p:nvPr/>
-        </p:nvSpPr>
-        <p:spPr>
-          <a:xfrm>
-            <a:off x="4292600" y="5054600"/>
-            <a:ext cx="3606800" cy="830997"/>
-          </a:xfrm>
-          <a:prstGeom prst="rect">
-            <a:avLst/>
-          </a:prstGeom>
-          <a:noFill/>
-        </p:spPr>
-        <p:txBody>
-          <a:bodyPr wrap="square" rtlCol="0">
-            <a:spAutoFit/>
-          </a:bodyPr>
-          <a:lstStyle/>
-          <a:p>
-            <a:r>
-              <a:rPr lang="en-US" sz="2400" dirty="0"/>
-              <a:t>Simplify, consolidate and generalize code and tests </a:t>
-            </a:r>
+          <a:bodyPr/>
+          <a:lstStyle/>
+          <a:p>
+            <a:pPr>
+              <a:buNone/>
+            </a:pPr>
+            <a:r>
+              <a:rPr lang="en-US" sz="2500" b="1" i="1" u="sng" dirty="0"/>
+              <a:t>Timely </a:t>
+            </a:r>
+          </a:p>
+          <a:p>
+            <a:pPr>
+              <a:buNone/>
+            </a:pPr>
+            <a:r>
+              <a:rPr lang="en-US" dirty="0" smtClean="0"/>
+              <a:t>	</a:t>
+            </a:r>
+            <a:r>
+              <a:rPr lang="en-US" sz="2500" dirty="0"/>
+              <a:t>The tests need to be written in a timely fashion. Unit tests should be written just before the production code that makes them pass.</a:t>
+            </a:r>
+          </a:p>
+          <a:p>
+            <a:pPr>
+              <a:buNone/>
+            </a:pPr>
+            <a:endParaRPr lang="en-US" sz="2500" dirty="0"/>
+          </a:p>
+          <a:p>
+            <a:pPr>
+              <a:buNone/>
+            </a:pPr>
+            <a:r>
+              <a:rPr lang="en-US" sz="2500" dirty="0"/>
+              <a:t>	 If you write tests after the production code, then you may find the production code to be hard to test. You may decide that some production code is too hard to test. You may not design the production code to be testable.</a:t>
+            </a:r>
+          </a:p>
+          <a:p>
+            <a:endParaRPr lang="en-GB" dirty="0"/>
+          </a:p>
+        </p:txBody>
+      </p:sp>
+      <p:sp>
+        <p:nvSpPr>
+          <p:cNvPr id="4" name="Slide Number Placeholder 3"/>
+          <p:cNvSpPr>
+            <a:spLocks noGrp="1"/>
+          </p:cNvSpPr>
+          <p:nvPr>
+            <p:ph type="sldNum" sz="quarter" idx="12"/>
+          </p:nvPr>
+        </p:nvSpPr>
+        <p:spPr/>
+        <p:txBody>
+          <a:bodyPr/>
+          <a:lstStyle/>
+          <a:p>
+            <a:fld id="{2387B7E2-7538-4163-9310-D5E6EE1BC12A}" type="slidenum">
+              <a:rPr lang="en-US" smtClean="0"/>
+              <a:pPr/>
+              <a:t>25</a:t>
+            </a:fld>
+            <a:endParaRPr lang="en-US"/>
           </a:p>
         </p:txBody>
       </p:sp>
     </p:spTree>
     <p:extLst>
       <p:ext uri="{BB962C8B-B14F-4D97-AF65-F5344CB8AC3E}">
-        <p14:creationId xmlns:p14="http://schemas.microsoft.com/office/powerpoint/2010/main" val="2111518073"/>
+        <p14:creationId xmlns:p14="http://schemas.microsoft.com/office/powerpoint/2010/main" val="841361684"/>
       </p:ext>
     </p:extLst>
   </p:cSld>
   <p:clrMapOvr>
     <a:masterClrMapping/>
   </p:clrMapOvr>
-  <mc:AlternateContent xmlns:mc="http://schemas.openxmlformats.org/markup-compatibility/2006" xmlns:p14="http://schemas.microsoft.com/office/powerpoint/2010/main">
-    <mc:Choice Requires="p14">
-      <p:transition p14:dur="0"/>
-    </mc:Choice>
-    <mc:Fallback xmlns="">
-      <p:transition/>
-    </mc:Fallback>
-  </mc:AlternateContent>
   <p:timing>
     <p:tnLst>
       <p:par>
@@ -12267,56 +12556,121 @@
           <a:p>
             <a:r>
               <a:rPr lang="en-US" dirty="0" smtClean="0"/>
-              <a:t>TDD step size</a:t>
+              <a:t>The TDD mantra</a:t>
             </a:r>
             <a:endParaRPr lang="en-US" dirty="0"/>
           </a:p>
         </p:txBody>
       </p:sp>
-      <p:sp>
-        <p:nvSpPr>
-          <p:cNvPr id="3" name="Inhaltsplatzhalter 2"/>
-          <p:cNvSpPr>
-            <a:spLocks noGrp="1"/>
-          </p:cNvSpPr>
-          <p:nvPr>
-            <p:ph idx="1"/>
-          </p:nvPr>
-        </p:nvSpPr>
-        <p:spPr/>
-        <p:txBody>
-          <a:bodyPr/>
-          <a:lstStyle/>
-          <a:p>
-            <a:r>
-              <a:rPr lang="en-US" dirty="0" smtClean="0"/>
-              <a:t>Do not write more code than you need</a:t>
-            </a:r>
-          </a:p>
-          <a:p>
-            <a:r>
-              <a:rPr lang="en-US" dirty="0" smtClean="0"/>
-              <a:t>Write tests that test small portions of functionality</a:t>
-            </a:r>
-          </a:p>
-          <a:p>
-            <a:r>
-              <a:rPr lang="en-US" dirty="0" smtClean="0"/>
-              <a:t>Step “size“ can be adjusted according to convenience</a:t>
-            </a:r>
-          </a:p>
-          <a:p>
-            <a:pPr marL="0" indent="0">
-              <a:buNone/>
-            </a:pPr>
-            <a:endParaRPr lang="en-US" b="1" dirty="0"/>
+      <p:graphicFrame>
+        <p:nvGraphicFramePr>
+          <p:cNvPr id="3" name="Diagram 2"/>
+          <p:cNvGraphicFramePr/>
+          <p:nvPr>
+            <p:extLst/>
+          </p:nvPr>
+        </p:nvGraphicFramePr>
+        <p:xfrm>
+          <a:off x="3149600" y="1295400"/>
+          <a:ext cx="5892800" cy="3928533"/>
+        </p:xfrm>
+        <a:graphic>
+          <a:graphicData uri="http://schemas.openxmlformats.org/drawingml/2006/diagram">
+            <dgm:relIds xmlns:dgm="http://schemas.openxmlformats.org/drawingml/2006/diagram" xmlns:r="http://schemas.openxmlformats.org/officeDocument/2006/relationships" r:dm="rId3" r:lo="rId4" r:qs="rId5" r:cs="rId6"/>
+          </a:graphicData>
+        </a:graphic>
+      </p:graphicFrame>
+      <p:sp>
+        <p:nvSpPr>
+          <p:cNvPr id="4" name="TextBox 3"/>
+          <p:cNvSpPr txBox="1"/>
+          <p:nvPr/>
+        </p:nvSpPr>
+        <p:spPr>
+          <a:xfrm>
+            <a:off x="1828800" y="1625361"/>
+            <a:ext cx="2743200" cy="1569660"/>
+          </a:xfrm>
+          <a:prstGeom prst="rect">
+            <a:avLst/>
+          </a:prstGeom>
+          <a:noFill/>
+        </p:spPr>
+        <p:txBody>
+          <a:bodyPr wrap="square" rtlCol="0">
+            <a:spAutoFit/>
+          </a:bodyPr>
+          <a:lstStyle/>
+          <a:p>
+            <a:r>
+              <a:rPr lang="en-US" sz="2400" dirty="0"/>
+              <a:t>Write a failing test for a new feature, i.e., specify a new behavior</a:t>
+            </a:r>
+          </a:p>
+        </p:txBody>
+      </p:sp>
+      <p:sp>
+        <p:nvSpPr>
+          <p:cNvPr id="6" name="TextBox 5"/>
+          <p:cNvSpPr txBox="1"/>
+          <p:nvPr/>
+        </p:nvSpPr>
+        <p:spPr>
+          <a:xfrm>
+            <a:off x="7924800" y="2441995"/>
+            <a:ext cx="2743200" cy="830997"/>
+          </a:xfrm>
+          <a:prstGeom prst="rect">
+            <a:avLst/>
+          </a:prstGeom>
+          <a:noFill/>
+        </p:spPr>
+        <p:txBody>
+          <a:bodyPr wrap="square" rtlCol="0">
+            <a:spAutoFit/>
+          </a:bodyPr>
+          <a:lstStyle/>
+          <a:p>
+            <a:r>
+              <a:rPr lang="en-US" sz="2400" dirty="0"/>
+              <a:t>Write enough code to pass the test</a:t>
+            </a:r>
+          </a:p>
+        </p:txBody>
+      </p:sp>
+      <p:sp>
+        <p:nvSpPr>
+          <p:cNvPr id="7" name="TextBox 6"/>
+          <p:cNvSpPr txBox="1"/>
+          <p:nvPr/>
+        </p:nvSpPr>
+        <p:spPr>
+          <a:xfrm>
+            <a:off x="4292600" y="5054600"/>
+            <a:ext cx="3606800" cy="830997"/>
+          </a:xfrm>
+          <a:prstGeom prst="rect">
+            <a:avLst/>
+          </a:prstGeom>
+          <a:noFill/>
+        </p:spPr>
+        <p:txBody>
+          <a:bodyPr wrap="square" rtlCol="0">
+            <a:spAutoFit/>
+          </a:bodyPr>
+          <a:lstStyle/>
+          <a:p>
+            <a:r>
+              <a:rPr lang="en-US" sz="2400" dirty="0"/>
+              <a:t>Simplify, consolidate and generalize code and tests </a:t>
+            </a:r>
           </a:p>
         </p:txBody>
       </p:sp>
     </p:spTree>
     <p:extLst>
       <p:ext uri="{BB962C8B-B14F-4D97-AF65-F5344CB8AC3E}">
-        <p14:creationId xmlns:p14="http://schemas.microsoft.com/office/powerpoint/2010/main" val="1352476767"/>
+        <p14:creationId xmlns:p14="http://schemas.microsoft.com/office/powerpoint/2010/main" val="2111518073"/>
       </p:ext>
     </p:extLst>
   </p:cSld>
@@ -12374,10 +12728,10 @@
           <a:lstStyle/>
           <a:p>
             <a:r>
-              <a:rPr lang="de-DE" dirty="0" smtClean="0"/>
-              <a:t>Unit Tests != TDD</a:t>
-            </a:r>
-            <a:endParaRPr lang="de-DE" dirty="0"/>
+              <a:rPr lang="en-US" dirty="0" smtClean="0"/>
+              <a:t>TDD step size</a:t>
+            </a:r>
+            <a:endParaRPr lang="en-US" dirty="0"/>
           </a:p>
         </p:txBody>
       </p:sp>
@@ -12397,25 +12751,34 @@
           <a:lstStyle/>
           <a:p>
             <a:r>
-              <a:rPr lang="en-US" dirty="0"/>
-              <a:t>Code can also be driven by automated integration tests (UI tests, DB tests, …)</a:t>
-            </a:r>
-          </a:p>
-          <a:p>
-            <a:endParaRPr lang="en-US" dirty="0" smtClean="0"/>
-          </a:p>
-          <a:p>
-            <a:r>
               <a:rPr lang="en-US" dirty="0" smtClean="0"/>
-              <a:t>TDD is a practice, unit tests are automated tests with specific properties</a:t>
-            </a:r>
+              <a:t>Do not write more code than you need</a:t>
+            </a:r>
+          </a:p>
+          <a:p>
+            <a:r>
+              <a:rPr lang="en-US" dirty="0" smtClean="0"/>
+              <a:t>Write tests that test small portions of functionality</a:t>
+            </a:r>
+          </a:p>
+          <a:p>
+            <a:r>
+              <a:rPr lang="en-US" dirty="0" smtClean="0"/>
+              <a:t>Step “size“ can be adjusted according to convenience</a:t>
+            </a:r>
+          </a:p>
+          <a:p>
+            <a:pPr marL="0" indent="0">
+              <a:buNone/>
+            </a:pPr>
+            <a:endParaRPr lang="en-US" b="1" dirty="0"/>
           </a:p>
         </p:txBody>
       </p:sp>
     </p:spTree>
     <p:extLst>
       <p:ext uri="{BB962C8B-B14F-4D97-AF65-F5344CB8AC3E}">
-        <p14:creationId xmlns:p14="http://schemas.microsoft.com/office/powerpoint/2010/main" val="3842647369"/>
+        <p14:creationId xmlns:p14="http://schemas.microsoft.com/office/powerpoint/2010/main" val="1352476767"/>
       </p:ext>
     </p:extLst>
   </p:cSld>
@@ -12459,7 +12822,7 @@
       </p:grpSpPr>
       <p:sp>
         <p:nvSpPr>
-          <p:cNvPr id="2" name="Title 1"/>
+          <p:cNvPr id="2" name="Titel 1"/>
           <p:cNvSpPr>
             <a:spLocks noGrp="1"/>
           </p:cNvSpPr>
@@ -12473,45 +12836,40 @@
           <a:lstStyle/>
           <a:p>
             <a:r>
+              <a:rPr lang="de-DE" dirty="0" smtClean="0"/>
+              <a:t>Unit Tests != TDD</a:t>
+            </a:r>
+            <a:endParaRPr lang="de-DE" dirty="0"/>
+          </a:p>
+        </p:txBody>
+      </p:sp>
+      <p:sp>
+        <p:nvSpPr>
+          <p:cNvPr id="3" name="Inhaltsplatzhalter 2"/>
+          <p:cNvSpPr>
+            <a:spLocks noGrp="1"/>
+          </p:cNvSpPr>
+          <p:nvPr>
+            <p:ph idx="1"/>
+          </p:nvPr>
+        </p:nvSpPr>
+        <p:spPr/>
+        <p:txBody>
+          <a:bodyPr/>
+          <a:lstStyle/>
+          <a:p>
+            <a:r>
+              <a:rPr lang="en-US" dirty="0"/>
+              <a:t>Code can also be driven by automated integration tests (UI tests, DB tests, …)</a:t>
+            </a:r>
+          </a:p>
+          <a:p>
+            <a:endParaRPr lang="en-US" dirty="0" smtClean="0"/>
+          </a:p>
+          <a:p>
+            <a:r>
               <a:rPr lang="en-US" dirty="0" smtClean="0"/>
-              <a:t>Why TDD</a:t>
-            </a:r>
-            <a:endParaRPr lang="en-US" dirty="0"/>
-          </a:p>
-        </p:txBody>
-      </p:sp>
-      <p:sp>
-        <p:nvSpPr>
-          <p:cNvPr id="3" name="Content Placeholder 2"/>
-          <p:cNvSpPr>
-            <a:spLocks noGrp="1"/>
-          </p:cNvSpPr>
-          <p:nvPr>
-            <p:ph idx="1"/>
-          </p:nvPr>
-        </p:nvSpPr>
-        <p:spPr/>
-        <p:txBody>
-          <a:bodyPr/>
-          <a:lstStyle/>
-          <a:p>
-            <a:r>
-              <a:rPr lang="en-US" dirty="0" smtClean="0"/>
-              <a:t>TDD sets </a:t>
-            </a:r>
-            <a:r>
-              <a:rPr lang="en-US" b="1" dirty="0" smtClean="0"/>
-              <a:t>priority</a:t>
-            </a:r>
-            <a:r>
-              <a:rPr lang="en-US" dirty="0" smtClean="0"/>
-              <a:t> for tests</a:t>
-            </a:r>
-          </a:p>
-          <a:p>
-            <a:r>
-              <a:rPr lang="en-US" dirty="0" smtClean="0"/>
-              <a:t>Deign feedback</a:t>
+              <a:t>TDD is a practice, unit tests are automated tests with specific properties</a:t>
             </a:r>
           </a:p>
         </p:txBody>
@@ -12519,13 +12877,28 @@
     </p:spTree>
     <p:extLst>
       <p:ext uri="{BB962C8B-B14F-4D97-AF65-F5344CB8AC3E}">
-        <p14:creationId xmlns:p14="http://schemas.microsoft.com/office/powerpoint/2010/main" val="2804702029"/>
+        <p14:creationId xmlns:p14="http://schemas.microsoft.com/office/powerpoint/2010/main" val="3842647369"/>
       </p:ext>
     </p:extLst>
   </p:cSld>
   <p:clrMapOvr>
     <a:masterClrMapping/>
   </p:clrMapOvr>
+  <mc:AlternateContent xmlns:mc="http://schemas.openxmlformats.org/markup-compatibility/2006" xmlns:p14="http://schemas.microsoft.com/office/powerpoint/2010/main">
+    <mc:Choice Requires="p14">
+      <p:transition p14:dur="0"/>
+    </mc:Choice>
+    <mc:Fallback xmlns="">
+      <p:transition/>
+    </mc:Fallback>
+  </mc:AlternateContent>
+  <p:timing>
+    <p:tnLst>
+      <p:par>
+        <p:cTn id="1" dur="indefinite" restart="never" nodeType="tmRoot"/>
+      </p:par>
+    </p:tnLst>
+  </p:timing>
 </p:sld>
 </file>
 
@@ -12563,7 +12936,7 @@
           <a:p>
             <a:r>
               <a:rPr lang="en-US" dirty="0" smtClean="0"/>
-              <a:t>Testable design</a:t>
+              <a:t>Why TDD</a:t>
             </a:r>
             <a:endParaRPr lang="en-US" dirty="0"/>
           </a:p>
@@ -12586,34 +12959,29 @@
           <a:p>
             <a:r>
               <a:rPr lang="en-US" dirty="0" smtClean="0"/>
-              <a:t>Dependency injection</a:t>
-            </a:r>
-          </a:p>
-          <a:p>
+              <a:t>TDD sets </a:t>
+            </a:r>
+            <a:r>
+              <a:rPr lang="en-US" b="1" dirty="0" smtClean="0"/>
+              <a:t>priority</a:t>
+            </a:r>
             <a:r>
               <a:rPr lang="en-US" dirty="0" smtClean="0"/>
-              <a:t>Programming to interface</a:t>
+              <a:t> for tests</a:t>
             </a:r>
           </a:p>
           <a:p>
             <a:r>
               <a:rPr lang="en-US" dirty="0" smtClean="0"/>
-              <a:t>Simple Code : SOLID</a:t>
-            </a:r>
-          </a:p>
-          <a:p>
-            <a:r>
-              <a:rPr lang="en-US" dirty="0" smtClean="0"/>
-              <a:t>Adapter</a:t>
-            </a:r>
-            <a:endParaRPr lang="en-US" dirty="0"/>
+              <a:t>Deign feedback</a:t>
+            </a:r>
           </a:p>
         </p:txBody>
       </p:sp>
     </p:spTree>
     <p:extLst>
       <p:ext uri="{BB962C8B-B14F-4D97-AF65-F5344CB8AC3E}">
-        <p14:creationId xmlns:p14="http://schemas.microsoft.com/office/powerpoint/2010/main" val="2809479746"/>
+        <p14:creationId xmlns:p14="http://schemas.microsoft.com/office/powerpoint/2010/main" val="2804702029"/>
       </p:ext>
     </p:extLst>
   </p:cSld>
@@ -12729,7 +13097,7 @@
           <a:p>
             <a:r>
               <a:rPr lang="en-US" dirty="0" smtClean="0"/>
-              <a:t>Common test smells</a:t>
+              <a:t>Testable design</a:t>
             </a:r>
             <a:endParaRPr lang="en-US" dirty="0"/>
           </a:p>
@@ -12751,88 +13119,47 @@
           <a:lstStyle/>
           <a:p>
             <a:r>
-              <a:rPr lang="en-US" b="1" dirty="0" smtClean="0"/>
-              <a:t>Hard-to-Test Code</a:t>
-            </a:r>
-          </a:p>
-          <a:p>
-            <a:r>
-              <a:rPr lang="en-US" b="1" dirty="0"/>
-              <a:t>Fragile Test</a:t>
-            </a:r>
-          </a:p>
-          <a:p>
-            <a:r>
-              <a:rPr lang="en-US" b="1" dirty="0"/>
-              <a:t>Test Code </a:t>
-            </a:r>
-            <a:r>
-              <a:rPr lang="en-US" b="1" dirty="0" smtClean="0"/>
-              <a:t>Duplication</a:t>
-            </a:r>
-          </a:p>
-          <a:p>
-            <a:r>
-              <a:rPr lang="en-US" b="1" dirty="0"/>
-              <a:t>Slow </a:t>
-            </a:r>
-            <a:r>
-              <a:rPr lang="en-US" b="1" dirty="0" smtClean="0"/>
-              <a:t>Tests</a:t>
-            </a:r>
-          </a:p>
-          <a:p>
-            <a:r>
-              <a:rPr lang="en-US" b="1" dirty="0" smtClean="0"/>
-              <a:t>Conditional </a:t>
-            </a:r>
-            <a:r>
-              <a:rPr lang="en-US" b="1" dirty="0"/>
-              <a:t>Test Logic</a:t>
-            </a:r>
-          </a:p>
-          <a:p>
-            <a:endParaRPr lang="en-US" b="1" dirty="0" smtClean="0"/>
-          </a:p>
-          <a:p>
-            <a:endParaRPr lang="en-US" b="1" dirty="0" smtClean="0"/>
-          </a:p>
-          <a:p>
-            <a:endParaRPr lang="en-US" b="1" dirty="0" smtClean="0"/>
-          </a:p>
-          <a:p>
+              <a:rPr lang="en-US" dirty="0" smtClean="0"/>
+              <a:t>Dependency injection</a:t>
+            </a:r>
+          </a:p>
+          <a:p>
+            <a:r>
+              <a:rPr lang="en-US" dirty="0" smtClean="0"/>
+              <a:t>Programming to </a:t>
+            </a:r>
+            <a:r>
+              <a:rPr lang="en-US" dirty="0" smtClean="0"/>
+              <a:t>interface </a:t>
+            </a:r>
+          </a:p>
+          <a:p>
+            <a:r>
+              <a:rPr lang="en-US" dirty="0" smtClean="0"/>
+              <a:t>LSP – mock *</a:t>
+            </a:r>
+            <a:endParaRPr lang="en-US" dirty="0" smtClean="0"/>
+          </a:p>
+          <a:p>
+            <a:r>
+              <a:rPr lang="en-US" dirty="0" smtClean="0"/>
+              <a:t>SRP</a:t>
+            </a:r>
+            <a:endParaRPr lang="en-US" dirty="0" smtClean="0"/>
+          </a:p>
+          <a:p>
+            <a:r>
+              <a:rPr lang="en-US" dirty="0" smtClean="0"/>
+              <a:t>Adapter</a:t>
+            </a:r>
             <a:endParaRPr lang="en-US" dirty="0"/>
-          </a:p>
-        </p:txBody>
-      </p:sp>
-      <p:sp>
-        <p:nvSpPr>
-          <p:cNvPr id="4" name="Slide Number Placeholder 3"/>
-          <p:cNvSpPr>
-            <a:spLocks noGrp="1"/>
-          </p:cNvSpPr>
-          <p:nvPr>
-            <p:ph type="sldNum" sz="quarter" idx="12"/>
-          </p:nvPr>
-        </p:nvSpPr>
-        <p:spPr/>
-        <p:txBody>
-          <a:bodyPr/>
-          <a:lstStyle/>
-          <a:p>
-            <a:fld id="{2387B7E2-7538-4163-9310-D5E6EE1BC12A}" type="slidenum">
-              <a:rPr lang="en-US" smtClean="0"/>
-              <a:pPr/>
-              <a:t>30</a:t>
-            </a:fld>
-            <a:endParaRPr lang="en-US"/>
           </a:p>
         </p:txBody>
       </p:sp>
     </p:spTree>
     <p:extLst>
       <p:ext uri="{BB962C8B-B14F-4D97-AF65-F5344CB8AC3E}">
-        <p14:creationId xmlns:p14="http://schemas.microsoft.com/office/powerpoint/2010/main" val="3673902846"/>
+        <p14:creationId xmlns:p14="http://schemas.microsoft.com/office/powerpoint/2010/main" val="2809479746"/>
       </p:ext>
     </p:extLst>
   </p:cSld>
@@ -12953,6 +13280,153 @@
           <a:lstStyle/>
           <a:p>
             <a:r>
+              <a:rPr lang="en-US" dirty="0" smtClean="0"/>
+              <a:t>Common test smells</a:t>
+            </a:r>
+            <a:endParaRPr lang="en-US" dirty="0"/>
+          </a:p>
+        </p:txBody>
+      </p:sp>
+      <p:sp>
+        <p:nvSpPr>
+          <p:cNvPr id="3" name="Content Placeholder 2"/>
+          <p:cNvSpPr>
+            <a:spLocks noGrp="1"/>
+          </p:cNvSpPr>
+          <p:nvPr>
+            <p:ph idx="1"/>
+          </p:nvPr>
+        </p:nvSpPr>
+        <p:spPr/>
+        <p:txBody>
+          <a:bodyPr/>
+          <a:lstStyle/>
+          <a:p>
+            <a:r>
+              <a:rPr lang="en-US" b="1" dirty="0" smtClean="0"/>
+              <a:t>Hard-to-Test Code</a:t>
+            </a:r>
+          </a:p>
+          <a:p>
+            <a:r>
+              <a:rPr lang="en-US" b="1" dirty="0"/>
+              <a:t>Fragile Test</a:t>
+            </a:r>
+          </a:p>
+          <a:p>
+            <a:r>
+              <a:rPr lang="en-US" b="1" dirty="0"/>
+              <a:t>Test Code </a:t>
+            </a:r>
+            <a:r>
+              <a:rPr lang="en-US" b="1" dirty="0" smtClean="0"/>
+              <a:t>Duplication</a:t>
+            </a:r>
+          </a:p>
+          <a:p>
+            <a:r>
+              <a:rPr lang="en-US" b="1" dirty="0"/>
+              <a:t>Slow </a:t>
+            </a:r>
+            <a:r>
+              <a:rPr lang="en-US" b="1" dirty="0" smtClean="0"/>
+              <a:t>Tests</a:t>
+            </a:r>
+          </a:p>
+          <a:p>
+            <a:r>
+              <a:rPr lang="en-US" b="1" dirty="0" smtClean="0"/>
+              <a:t>Conditional </a:t>
+            </a:r>
+            <a:r>
+              <a:rPr lang="en-US" b="1" dirty="0"/>
+              <a:t>Test Logic</a:t>
+            </a:r>
+          </a:p>
+          <a:p>
+            <a:endParaRPr lang="en-US" b="1" dirty="0" smtClean="0"/>
+          </a:p>
+          <a:p>
+            <a:endParaRPr lang="en-US" b="1" dirty="0" smtClean="0"/>
+          </a:p>
+          <a:p>
+            <a:endParaRPr lang="en-US" b="1" dirty="0" smtClean="0"/>
+          </a:p>
+          <a:p>
+            <a:endParaRPr lang="en-US" dirty="0"/>
+          </a:p>
+        </p:txBody>
+      </p:sp>
+      <p:sp>
+        <p:nvSpPr>
+          <p:cNvPr id="4" name="Slide Number Placeholder 3"/>
+          <p:cNvSpPr>
+            <a:spLocks noGrp="1"/>
+          </p:cNvSpPr>
+          <p:nvPr>
+            <p:ph type="sldNum" sz="quarter" idx="12"/>
+          </p:nvPr>
+        </p:nvSpPr>
+        <p:spPr/>
+        <p:txBody>
+          <a:bodyPr/>
+          <a:lstStyle/>
+          <a:p>
+            <a:fld id="{2387B7E2-7538-4163-9310-D5E6EE1BC12A}" type="slidenum">
+              <a:rPr lang="en-US" smtClean="0"/>
+              <a:pPr/>
+              <a:t>32</a:t>
+            </a:fld>
+            <a:endParaRPr lang="en-US"/>
+          </a:p>
+        </p:txBody>
+      </p:sp>
+    </p:spTree>
+    <p:extLst>
+      <p:ext uri="{BB962C8B-B14F-4D97-AF65-F5344CB8AC3E}">
+        <p14:creationId xmlns:p14="http://schemas.microsoft.com/office/powerpoint/2010/main" val="3673902846"/>
+      </p:ext>
+    </p:extLst>
+  </p:cSld>
+  <p:clrMapOvr>
+    <a:masterClrMapping/>
+  </p:clrMapOvr>
+</p:sld>
+</file>
+
+<file path=ppt/slides/slide33.xml><?xml version="1.0" encoding="utf-8"?>
+<p:sld xmlns:a="http://schemas.openxmlformats.org/drawingml/2006/main" xmlns:r="http://schemas.openxmlformats.org/officeDocument/2006/relationships" xmlns:p="http://schemas.openxmlformats.org/presentationml/2006/main">
+  <p:cSld>
+    <p:spTree>
+      <p:nvGrpSpPr>
+        <p:cNvPr id="1" name=""/>
+        <p:cNvGrpSpPr/>
+        <p:nvPr/>
+      </p:nvGrpSpPr>
+      <p:grpSpPr>
+        <a:xfrm>
+          <a:off x="0" y="0"/>
+          <a:ext cx="0" cy="0"/>
+          <a:chOff x="0" y="0"/>
+          <a:chExt cx="0" cy="0"/>
+        </a:xfrm>
+      </p:grpSpPr>
+      <p:sp>
+        <p:nvSpPr>
+          <p:cNvPr id="2" name="Title 1"/>
+          <p:cNvSpPr>
+            <a:spLocks noGrp="1"/>
+          </p:cNvSpPr>
+          <p:nvPr>
+            <p:ph type="title"/>
+          </p:nvPr>
+        </p:nvSpPr>
+        <p:spPr/>
+        <p:txBody>
+          <a:bodyPr/>
+          <a:lstStyle/>
+          <a:p>
+            <a:r>
               <a:rPr lang="en-US" smtClean="0"/>
               <a:t>Code </a:t>
             </a:r>
@@ -12996,7 +13470,7 @@
 </p:sld>
 </file>
 
-<file path=ppt/slides/slide33.xml><?xml version="1.0" encoding="utf-8"?>
+<file path=ppt/slides/slide34.xml><?xml version="1.0" encoding="utf-8"?>
 <p:sld xmlns:a="http://schemas.openxmlformats.org/drawingml/2006/main" xmlns:r="http://schemas.openxmlformats.org/officeDocument/2006/relationships" xmlns:p="http://schemas.openxmlformats.org/presentationml/2006/main">
   <p:cSld>
     <p:spTree>
@@ -13499,7 +13973,7 @@
           <a:p>
             <a:r>
               <a:rPr lang="en-US" dirty="0" smtClean="0"/>
-              <a:t>Fear of making change</a:t>
+              <a:t>Why Automated test</a:t>
             </a:r>
             <a:endParaRPr lang="en-US" dirty="0"/>
           </a:p>
@@ -13520,48 +13994,30 @@
           <a:bodyPr/>
           <a:lstStyle/>
           <a:p>
-            <a:pPr>
-              <a:buNone/>
-            </a:pPr>
             <a:r>
               <a:rPr lang="en-US" dirty="0"/>
-              <a:t> </a:t>
-            </a:r>
-            <a:r>
-              <a:rPr lang="en-US" dirty="0" smtClean="0"/>
-              <a:t>	</a:t>
-            </a:r>
-            <a:r>
-              <a:rPr lang="en-US" i="1" dirty="0" smtClean="0"/>
-              <a:t>Unit </a:t>
-            </a:r>
-            <a:r>
-              <a:rPr lang="en-US" i="1" dirty="0"/>
-              <a:t>tests enable to gain confidence in code over time . As </a:t>
-            </a:r>
-            <a:r>
-              <a:rPr lang="en-US" i="1" dirty="0" smtClean="0"/>
-              <a:t>test accumulate </a:t>
-            </a:r>
-            <a:r>
-              <a:rPr lang="en-US" i="1" dirty="0"/>
-              <a:t>, we gain confidence in the behavior of the system.</a:t>
-            </a:r>
-          </a:p>
-          <a:p>
-            <a:pPr>
-              <a:buNone/>
-            </a:pPr>
-            <a:endParaRPr lang="en-US" i="1" dirty="0"/>
-          </a:p>
-          <a:p>
-            <a:pPr>
-              <a:buNone/>
-            </a:pPr>
-            <a:r>
-              <a:rPr lang="en-GB" dirty="0"/>
-              <a:t>	Fear of making change disappear</a:t>
-            </a:r>
+              <a:t>Humans are bad in repetitive tasks</a:t>
+            </a:r>
+          </a:p>
+          <a:p>
+            <a:r>
+              <a:rPr lang="en-US" dirty="0"/>
+              <a:t>Tests document behavior of SW</a:t>
+            </a:r>
+          </a:p>
+          <a:p>
+            <a:r>
+              <a:rPr lang="en-US" dirty="0"/>
+              <a:t>Unit tests lead to more testable code which usually is less coupled and cleaner</a:t>
+            </a:r>
+          </a:p>
+          <a:p>
+            <a:r>
+              <a:rPr lang="en-US" dirty="0"/>
+              <a:t>Tests save from breaking code, i.e. when refactoring</a:t>
+            </a:r>
+          </a:p>
+          <a:p>
             <a:endParaRPr lang="en-US" dirty="0"/>
           </a:p>
         </p:txBody>
@@ -13569,7 +14025,7 @@
     </p:spTree>
     <p:extLst>
       <p:ext uri="{BB962C8B-B14F-4D97-AF65-F5344CB8AC3E}">
-        <p14:creationId xmlns:p14="http://schemas.microsoft.com/office/powerpoint/2010/main" val="2068347357"/>
+        <p14:creationId xmlns:p14="http://schemas.microsoft.com/office/powerpoint/2010/main" val="4000738388"/>
       </p:ext>
     </p:extLst>
   </p:cSld>
@@ -13611,6 +14067,10 @@
           <a:bodyPr/>
           <a:lstStyle/>
           <a:p>
+            <a:r>
+              <a:rPr lang="en-US" dirty="0" smtClean="0"/>
+              <a:t>Fear of making change</a:t>
+            </a:r>
             <a:endParaRPr lang="en-US" dirty="0"/>
           </a:p>
         </p:txBody>
@@ -13630,18 +14090,48 @@
           <a:bodyPr/>
           <a:lstStyle/>
           <a:p>
-            <a:pPr marL="0" indent="0">
+            <a:pPr>
               <a:buNone/>
             </a:pPr>
             <a:r>
               <a:rPr lang="en-US" dirty="0"/>
-              <a:t>Executable Documentation</a:t>
-            </a:r>
-          </a:p>
-          <a:p>
-            <a:pPr marL="0" indent="0">
+              <a:t> </a:t>
+            </a:r>
+            <a:r>
+              <a:rPr lang="en-US" dirty="0" smtClean="0"/>
+              <a:t>	</a:t>
+            </a:r>
+            <a:r>
+              <a:rPr lang="en-US" i="1" dirty="0" smtClean="0"/>
+              <a:t>Unit </a:t>
+            </a:r>
+            <a:r>
+              <a:rPr lang="en-US" i="1" dirty="0"/>
+              <a:t>tests enable to gain confidence in code over time . As </a:t>
+            </a:r>
+            <a:r>
+              <a:rPr lang="en-US" i="1" dirty="0" smtClean="0"/>
+              <a:t>test accumulate </a:t>
+            </a:r>
+            <a:r>
+              <a:rPr lang="en-US" i="1" dirty="0"/>
+              <a:t>, we gain confidence in the behavior of the system.</a:t>
+            </a:r>
+          </a:p>
+          <a:p>
+            <a:pPr>
               <a:buNone/>
             </a:pPr>
+            <a:endParaRPr lang="en-US" i="1" dirty="0"/>
+          </a:p>
+          <a:p>
+            <a:pPr>
+              <a:buNone/>
+            </a:pPr>
+            <a:r>
+              <a:rPr lang="en-GB" dirty="0"/>
+              <a:t>	Fear of making change disappear</a:t>
+            </a:r>
             <a:endParaRPr lang="en-US" dirty="0"/>
           </a:p>
         </p:txBody>
@@ -13649,7 +14139,7 @@
     </p:spTree>
     <p:extLst>
       <p:ext uri="{BB962C8B-B14F-4D97-AF65-F5344CB8AC3E}">
-        <p14:creationId xmlns:p14="http://schemas.microsoft.com/office/powerpoint/2010/main" val="2698778266"/>
+        <p14:creationId xmlns:p14="http://schemas.microsoft.com/office/powerpoint/2010/main" val="2068347357"/>
       </p:ext>
     </p:extLst>
   </p:cSld>
@@ -13692,8 +14182,12 @@
           <a:lstStyle/>
           <a:p>
             <a:r>
+              <a:rPr lang="en-US" dirty="0"/>
+              <a:t>Executable </a:t>
+            </a:r>
+            <a:r>
               <a:rPr lang="en-US" dirty="0" smtClean="0"/>
-              <a:t>Test Readability</a:t>
+              <a:t>Documentation</a:t>
             </a:r>
             <a:endParaRPr lang="en-US" dirty="0"/>
           </a:p>
@@ -13711,44 +14205,20 @@
         </p:nvSpPr>
         <p:spPr/>
         <p:txBody>
-          <a:bodyPr>
-            <a:normAutofit fontScale="92500" lnSpcReduction="10000"/>
-          </a:bodyPr>
-          <a:lstStyle/>
-          <a:p>
-            <a:r>
-              <a:rPr lang="en-US" dirty="0" smtClean="0"/>
-              <a:t>Teams that adopt TDD usually see an early boost in productivity because the tests let them add features with confidence and catch errors immediately. </a:t>
-            </a:r>
-          </a:p>
-          <a:p>
+          <a:bodyPr/>
+          <a:lstStyle/>
+          <a:p>
+            <a:pPr marL="0" indent="0">
+              <a:buNone/>
+            </a:pPr>
             <a:endParaRPr lang="en-US" dirty="0"/>
-          </a:p>
-          <a:p>
-            <a:r>
-              <a:rPr lang="en-US" dirty="0" smtClean="0"/>
-              <a:t>For some teams, the pace then slows down as the tests themselves become a maintenance burden. For TDD to be sustainable, the tests must do more than verify the behavior of the code; they must also express that behavior clearly—they must be readable</a:t>
-            </a:r>
-          </a:p>
-          <a:p>
-            <a:endParaRPr lang="en-US" dirty="0"/>
-          </a:p>
-          <a:p>
-            <a:r>
-              <a:rPr lang="en-US" dirty="0" smtClean="0"/>
-              <a:t>We should take as much care about writing our test code as about production code</a:t>
-            </a:r>
-            <a:r>
-              <a:rPr lang="en-US" dirty="0"/>
-              <a:t>.</a:t>
-            </a:r>
           </a:p>
         </p:txBody>
       </p:sp>
     </p:spTree>
     <p:extLst>
       <p:ext uri="{BB962C8B-B14F-4D97-AF65-F5344CB8AC3E}">
-        <p14:creationId xmlns:p14="http://schemas.microsoft.com/office/powerpoint/2010/main" val="3936313787"/>
+        <p14:creationId xmlns:p14="http://schemas.microsoft.com/office/powerpoint/2010/main" val="2698778266"/>
       </p:ext>
     </p:extLst>
   </p:cSld>

--- a/TDDExamples/Persentation/TDD.pptx
+++ b/TDDExamples/Persentation/TDD.pptx
@@ -10,9 +10,9 @@
   <p:sldIdLst>
     <p:sldId id="256" r:id="rId2"/>
     <p:sldId id="299" r:id="rId3"/>
-    <p:sldId id="257" r:id="rId4"/>
-    <p:sldId id="298" r:id="rId5"/>
-    <p:sldId id="272" r:id="rId6"/>
+    <p:sldId id="298" r:id="rId4"/>
+    <p:sldId id="272" r:id="rId5"/>
+    <p:sldId id="314" r:id="rId6"/>
     <p:sldId id="264" r:id="rId7"/>
     <p:sldId id="313" r:id="rId8"/>
     <p:sldId id="275" r:id="rId9"/>
@@ -20,8 +20,8 @@
     <p:sldId id="301" r:id="rId11"/>
     <p:sldId id="302" r:id="rId12"/>
     <p:sldId id="303" r:id="rId13"/>
-    <p:sldId id="304" r:id="rId14"/>
-    <p:sldId id="305" r:id="rId15"/>
+    <p:sldId id="315" r:id="rId14"/>
+    <p:sldId id="316" r:id="rId15"/>
     <p:sldId id="306" r:id="rId16"/>
     <p:sldId id="307" r:id="rId17"/>
     <p:sldId id="276" r:id="rId18"/>
@@ -1220,373 +1220,6 @@
       <dsp:cNvGrpSpPr/>
     </dsp:nvGrpSpPr>
     <dsp:grpSpPr/>
-    <dsp:sp modelId="{D4F671A0-009C-4A65-AC3A-14063918E045}">
-      <dsp:nvSpPr>
-        <dsp:cNvPr id="0" name=""/>
-        <dsp:cNvSpPr/>
-      </dsp:nvSpPr>
-      <dsp:spPr>
-        <a:xfrm>
-          <a:off x="1364379" y="255354"/>
-          <a:ext cx="3299967" cy="3299967"/>
-        </a:xfrm>
-        <a:prstGeom prst="pie">
-          <a:avLst>
-            <a:gd name="adj1" fmla="val 16200000"/>
-            <a:gd name="adj2" fmla="val 1800000"/>
-          </a:avLst>
-        </a:prstGeom>
-        <a:solidFill>
-          <a:schemeClr val="accent6">
-            <a:lumMod val="75000"/>
-          </a:schemeClr>
-        </a:solidFill>
-        <a:ln>
-          <a:noFill/>
-        </a:ln>
-        <a:effectLst>
-          <a:outerShdw blurRad="57150" dist="19050" dir="5400000" algn="ctr" rotWithShape="0">
-            <a:srgbClr val="000000">
-              <a:alpha val="63000"/>
-            </a:srgbClr>
-          </a:outerShdw>
-        </a:effectLst>
-      </dsp:spPr>
-      <dsp:style>
-        <a:lnRef idx="0">
-          <a:scrgbClr r="0" g="0" b="0"/>
-        </a:lnRef>
-        <a:fillRef idx="3">
-          <a:scrgbClr r="0" g="0" b="0"/>
-        </a:fillRef>
-        <a:effectRef idx="3">
-          <a:scrgbClr r="0" g="0" b="0"/>
-        </a:effectRef>
-        <a:fontRef idx="minor">
-          <a:schemeClr val="lt1"/>
-        </a:fontRef>
-      </dsp:style>
-      <dsp:txBody>
-        <a:bodyPr spcFirstLastPara="0" vert="horz" wrap="square" lIns="43180" tIns="43180" rIns="43180" bIns="43180" numCol="1" spcCol="1270" anchor="ctr" anchorCtr="0">
-          <a:noAutofit/>
-        </a:bodyPr>
-        <a:lstStyle/>
-        <a:p>
-          <a:pPr lvl="0" algn="ctr" defTabSz="1511300">
-            <a:lnSpc>
-              <a:spcPct val="90000"/>
-            </a:lnSpc>
-            <a:spcBef>
-              <a:spcPct val="0"/>
-            </a:spcBef>
-            <a:spcAft>
-              <a:spcPct val="35000"/>
-            </a:spcAft>
-          </a:pPr>
-          <a:r>
-            <a:rPr lang="en-US" sz="3400" kern="1200" dirty="0" smtClean="0"/>
-            <a:t>Green</a:t>
-          </a:r>
-          <a:endParaRPr lang="en-US" sz="3400" kern="1200" dirty="0"/>
-        </a:p>
-      </dsp:txBody>
-      <dsp:txXfrm>
-        <a:off x="3103541" y="954633"/>
-        <a:ext cx="1178559" cy="982133"/>
-      </dsp:txXfrm>
-    </dsp:sp>
-    <dsp:sp modelId="{5B50B858-5013-4D50-B4AF-133E7F0F35C5}">
-      <dsp:nvSpPr>
-        <dsp:cNvPr id="0" name=""/>
-        <dsp:cNvSpPr/>
-      </dsp:nvSpPr>
-      <dsp:spPr>
-        <a:xfrm>
-          <a:off x="1296416" y="373210"/>
-          <a:ext cx="3299967" cy="3299967"/>
-        </a:xfrm>
-        <a:prstGeom prst="pie">
-          <a:avLst>
-            <a:gd name="adj1" fmla="val 1800000"/>
-            <a:gd name="adj2" fmla="val 9000000"/>
-          </a:avLst>
-        </a:prstGeom>
-        <a:solidFill>
-          <a:schemeClr val="accent1">
-            <a:lumMod val="50000"/>
-          </a:schemeClr>
-        </a:solidFill>
-        <a:ln>
-          <a:noFill/>
-        </a:ln>
-        <a:effectLst>
-          <a:outerShdw blurRad="57150" dist="19050" dir="5400000" algn="ctr" rotWithShape="0">
-            <a:srgbClr val="000000">
-              <a:alpha val="63000"/>
-            </a:srgbClr>
-          </a:outerShdw>
-        </a:effectLst>
-      </dsp:spPr>
-      <dsp:style>
-        <a:lnRef idx="0">
-          <a:scrgbClr r="0" g="0" b="0"/>
-        </a:lnRef>
-        <a:fillRef idx="3">
-          <a:scrgbClr r="0" g="0" b="0"/>
-        </a:fillRef>
-        <a:effectRef idx="3">
-          <a:scrgbClr r="0" g="0" b="0"/>
-        </a:effectRef>
-        <a:fontRef idx="minor">
-          <a:schemeClr val="lt1"/>
-        </a:fontRef>
-      </dsp:style>
-      <dsp:txBody>
-        <a:bodyPr spcFirstLastPara="0" vert="horz" wrap="square" lIns="43180" tIns="43180" rIns="43180" bIns="43180" numCol="1" spcCol="1270" anchor="ctr" anchorCtr="0">
-          <a:noAutofit/>
-        </a:bodyPr>
-        <a:lstStyle/>
-        <a:p>
-          <a:pPr lvl="0" algn="ctr" defTabSz="1511300">
-            <a:lnSpc>
-              <a:spcPct val="90000"/>
-            </a:lnSpc>
-            <a:spcBef>
-              <a:spcPct val="0"/>
-            </a:spcBef>
-            <a:spcAft>
-              <a:spcPct val="35000"/>
-            </a:spcAft>
-          </a:pPr>
-          <a:r>
-            <a:rPr lang="en-US" sz="3400" kern="1200" dirty="0" smtClean="0"/>
-            <a:t>Refactor</a:t>
-          </a:r>
-          <a:endParaRPr lang="en-US" sz="3400" kern="1200" dirty="0"/>
-        </a:p>
-      </dsp:txBody>
-      <dsp:txXfrm>
-        <a:off x="2082122" y="2514261"/>
-        <a:ext cx="1767839" cy="864277"/>
-      </dsp:txXfrm>
-    </dsp:sp>
-    <dsp:sp modelId="{9F2647CE-CE71-47CD-AA69-7E85CD6D13E9}">
-      <dsp:nvSpPr>
-        <dsp:cNvPr id="0" name=""/>
-        <dsp:cNvSpPr/>
-      </dsp:nvSpPr>
-      <dsp:spPr>
-        <a:xfrm>
-          <a:off x="1228452" y="255354"/>
-          <a:ext cx="3299967" cy="3299967"/>
-        </a:xfrm>
-        <a:prstGeom prst="pie">
-          <a:avLst>
-            <a:gd name="adj1" fmla="val 9000000"/>
-            <a:gd name="adj2" fmla="val 16200000"/>
-          </a:avLst>
-        </a:prstGeom>
-        <a:solidFill>
-          <a:srgbClr val="C00000"/>
-        </a:solidFill>
-        <a:ln>
-          <a:noFill/>
-        </a:ln>
-        <a:effectLst>
-          <a:outerShdw blurRad="57150" dist="19050" dir="5400000" algn="ctr" rotWithShape="0">
-            <a:srgbClr val="000000">
-              <a:alpha val="63000"/>
-            </a:srgbClr>
-          </a:outerShdw>
-        </a:effectLst>
-      </dsp:spPr>
-      <dsp:style>
-        <a:lnRef idx="0">
-          <a:scrgbClr r="0" g="0" b="0"/>
-        </a:lnRef>
-        <a:fillRef idx="3">
-          <a:scrgbClr r="0" g="0" b="0"/>
-        </a:fillRef>
-        <a:effectRef idx="3">
-          <a:scrgbClr r="0" g="0" b="0"/>
-        </a:effectRef>
-        <a:fontRef idx="minor">
-          <a:schemeClr val="lt1"/>
-        </a:fontRef>
-      </dsp:style>
-      <dsp:txBody>
-        <a:bodyPr spcFirstLastPara="0" vert="horz" wrap="square" lIns="43180" tIns="43180" rIns="43180" bIns="43180" numCol="1" spcCol="1270" anchor="ctr" anchorCtr="0">
-          <a:noAutofit/>
-        </a:bodyPr>
-        <a:lstStyle/>
-        <a:p>
-          <a:pPr lvl="0" algn="ctr" defTabSz="1511300">
-            <a:lnSpc>
-              <a:spcPct val="90000"/>
-            </a:lnSpc>
-            <a:spcBef>
-              <a:spcPct val="0"/>
-            </a:spcBef>
-            <a:spcAft>
-              <a:spcPct val="35000"/>
-            </a:spcAft>
-          </a:pPr>
-          <a:r>
-            <a:rPr lang="en-US" sz="3400" kern="1200" dirty="0" smtClean="0"/>
-            <a:t>Red</a:t>
-          </a:r>
-          <a:endParaRPr lang="en-US" sz="3400" kern="1200" dirty="0"/>
-        </a:p>
-      </dsp:txBody>
-      <dsp:txXfrm>
-        <a:off x="1610698" y="954633"/>
-        <a:ext cx="1178559" cy="982133"/>
-      </dsp:txXfrm>
-    </dsp:sp>
-    <dsp:sp modelId="{CB9D437E-F7C8-41BD-9470-7D6391F80B05}">
-      <dsp:nvSpPr>
-        <dsp:cNvPr id="0" name=""/>
-        <dsp:cNvSpPr/>
-      </dsp:nvSpPr>
-      <dsp:spPr>
-        <a:xfrm>
-          <a:off x="1160368" y="51070"/>
-          <a:ext cx="3708535" cy="3708535"/>
-        </a:xfrm>
-        <a:prstGeom prst="circularArrow">
-          <a:avLst>
-            <a:gd name="adj1" fmla="val 5085"/>
-            <a:gd name="adj2" fmla="val 327528"/>
-            <a:gd name="adj3" fmla="val 1472472"/>
-            <a:gd name="adj4" fmla="val 16199432"/>
-            <a:gd name="adj5" fmla="val 5932"/>
-          </a:avLst>
-        </a:prstGeom>
-        <a:solidFill>
-          <a:srgbClr val="92D050"/>
-        </a:solidFill>
-        <a:ln>
-          <a:noFill/>
-        </a:ln>
-        <a:effectLst>
-          <a:outerShdw blurRad="57150" dist="19050" dir="5400000" algn="ctr" rotWithShape="0">
-            <a:srgbClr val="000000">
-              <a:alpha val="63000"/>
-            </a:srgbClr>
-          </a:outerShdw>
-        </a:effectLst>
-      </dsp:spPr>
-      <dsp:style>
-        <a:lnRef idx="0">
-          <a:scrgbClr r="0" g="0" b="0"/>
-        </a:lnRef>
-        <a:fillRef idx="3">
-          <a:scrgbClr r="0" g="0" b="0"/>
-        </a:fillRef>
-        <a:effectRef idx="3">
-          <a:scrgbClr r="0" g="0" b="0"/>
-        </a:effectRef>
-        <a:fontRef idx="minor">
-          <a:schemeClr val="lt1"/>
-        </a:fontRef>
-      </dsp:style>
-    </dsp:sp>
-    <dsp:sp modelId="{24820461-3287-4E66-BA24-94C63396FC69}">
-      <dsp:nvSpPr>
-        <dsp:cNvPr id="0" name=""/>
-        <dsp:cNvSpPr/>
-      </dsp:nvSpPr>
-      <dsp:spPr>
-        <a:xfrm>
-          <a:off x="1092132" y="168718"/>
-          <a:ext cx="3708535" cy="3708535"/>
-        </a:xfrm>
-        <a:prstGeom prst="circularArrow">
-          <a:avLst>
-            <a:gd name="adj1" fmla="val 5085"/>
-            <a:gd name="adj2" fmla="val 327528"/>
-            <a:gd name="adj3" fmla="val 8671970"/>
-            <a:gd name="adj4" fmla="val 1800502"/>
-            <a:gd name="adj5" fmla="val 5932"/>
-          </a:avLst>
-        </a:prstGeom>
-        <a:solidFill>
-          <a:srgbClr val="0070C0"/>
-        </a:solidFill>
-        <a:ln>
-          <a:noFill/>
-        </a:ln>
-        <a:effectLst>
-          <a:outerShdw blurRad="57150" dist="19050" dir="5400000" algn="ctr" rotWithShape="0">
-            <a:srgbClr val="000000">
-              <a:alpha val="63000"/>
-            </a:srgbClr>
-          </a:outerShdw>
-        </a:effectLst>
-      </dsp:spPr>
-      <dsp:style>
-        <a:lnRef idx="0">
-          <a:scrgbClr r="0" g="0" b="0"/>
-        </a:lnRef>
-        <a:fillRef idx="3">
-          <a:scrgbClr r="0" g="0" b="0"/>
-        </a:fillRef>
-        <a:effectRef idx="3">
-          <a:scrgbClr r="0" g="0" b="0"/>
-        </a:effectRef>
-        <a:fontRef idx="minor">
-          <a:schemeClr val="lt1"/>
-        </a:fontRef>
-      </dsp:style>
-    </dsp:sp>
-    <dsp:sp modelId="{7304B2EA-FA59-4299-B7D5-7DDEA726B87F}">
-      <dsp:nvSpPr>
-        <dsp:cNvPr id="0" name=""/>
-        <dsp:cNvSpPr/>
-      </dsp:nvSpPr>
-      <dsp:spPr>
-        <a:xfrm>
-          <a:off x="1023896" y="51070"/>
-          <a:ext cx="3708535" cy="3708535"/>
-        </a:xfrm>
-        <a:prstGeom prst="circularArrow">
-          <a:avLst>
-            <a:gd name="adj1" fmla="val 5085"/>
-            <a:gd name="adj2" fmla="val 327528"/>
-            <a:gd name="adj3" fmla="val 15873039"/>
-            <a:gd name="adj4" fmla="val 9000000"/>
-            <a:gd name="adj5" fmla="val 5932"/>
-          </a:avLst>
-        </a:prstGeom>
-        <a:solidFill>
-          <a:srgbClr val="FF0000"/>
-        </a:solidFill>
-        <a:ln>
-          <a:noFill/>
-        </a:ln>
-        <a:effectLst>
-          <a:outerShdw blurRad="57150" dist="19050" dir="5400000" algn="ctr" rotWithShape="0">
-            <a:srgbClr val="000000">
-              <a:alpha val="63000"/>
-            </a:srgbClr>
-          </a:outerShdw>
-        </a:effectLst>
-      </dsp:spPr>
-      <dsp:style>
-        <a:lnRef idx="0">
-          <a:scrgbClr r="0" g="0" b="0"/>
-        </a:lnRef>
-        <a:fillRef idx="3">
-          <a:scrgbClr r="0" g="0" b="0"/>
-        </a:fillRef>
-        <a:effectRef idx="3">
-          <a:scrgbClr r="0" g="0" b="0"/>
-        </a:effectRef>
-        <a:fontRef idx="minor">
-          <a:schemeClr val="lt1"/>
-        </a:fontRef>
-      </dsp:style>
-    </dsp:sp>
   </dsp:spTree>
 </dsp:drawing>
 </file>
@@ -4826,7 +4459,7 @@
           <a:p>
             <a:fld id="{3F54E12A-92D0-47AC-AF21-2897E92B62D5}" type="slidenum">
               <a:rPr lang="en-US" smtClean="0"/>
-              <a:t>4</a:t>
+              <a:t>3</a:t>
             </a:fld>
             <a:endParaRPr lang="en-US"/>
           </a:p>
@@ -4864,7 +4497,7 @@
       </p:grpSpPr>
       <p:sp>
         <p:nvSpPr>
-          <p:cNvPr id="2" name="Folienbildplatzhalter 1"/>
+          <p:cNvPr id="2" name="Slide Image Placeholder 1"/>
           <p:cNvSpPr>
             <a:spLocks noGrp="1" noRot="1" noChangeAspect="1"/>
           </p:cNvSpPr>
@@ -4876,7 +4509,7 @@
       </p:sp>
       <p:sp>
         <p:nvSpPr>
-          <p:cNvPr id="3" name="Notizenplatzhalter 2"/>
+          <p:cNvPr id="3" name="Notes Placeholder 2"/>
           <p:cNvSpPr>
             <a:spLocks noGrp="1"/>
           </p:cNvSpPr>
@@ -4886,49 +4519,56 @@
         </p:nvSpPr>
         <p:spPr/>
         <p:txBody>
+          <a:bodyPr>
+            <a:normAutofit/>
+          </a:bodyPr>
+          <a:lstStyle/>
+          <a:p>
+            <a:r>
+              <a:rPr lang="en-US" dirty="0" smtClean="0"/>
+              <a:t>If test is not readable , it’s difficult to understand for new developer . We write test so that it fail in the future when something goes wrong so readability is very important  so that we can fix it easily</a:t>
+            </a:r>
+          </a:p>
+          <a:p>
+            <a:endParaRPr lang="en-US" dirty="0" smtClean="0"/>
+          </a:p>
+          <a:p>
+            <a:r>
+              <a:rPr lang="en-US" dirty="0" smtClean="0"/>
+              <a:t>Follow “Arrange , Act , Assert”</a:t>
+            </a:r>
+            <a:endParaRPr lang="en-GB" dirty="0"/>
+          </a:p>
+        </p:txBody>
+      </p:sp>
+      <p:sp>
+        <p:nvSpPr>
+          <p:cNvPr id="4" name="Slide Number Placeholder 3"/>
+          <p:cNvSpPr>
+            <a:spLocks noGrp="1"/>
+          </p:cNvSpPr>
+          <p:nvPr>
+            <p:ph type="sldNum" sz="quarter" idx="10"/>
+          </p:nvPr>
+        </p:nvSpPr>
+        <p:spPr/>
+        <p:txBody>
           <a:bodyPr/>
           <a:lstStyle/>
           <a:p>
-            <a:endParaRPr lang="de-DE" dirty="0" smtClean="0"/>
-          </a:p>
-          <a:p>
-            <a:r>
-              <a:rPr lang="de-DE" dirty="0" smtClean="0"/>
-              <a:t>Discuss about feedback loop</a:t>
-            </a:r>
-          </a:p>
-          <a:p>
-            <a:endParaRPr lang="de-DE" dirty="0"/>
-          </a:p>
-        </p:txBody>
-      </p:sp>
-      <p:sp>
-        <p:nvSpPr>
-          <p:cNvPr id="4" name="Foliennummernplatzhalter 3"/>
-          <p:cNvSpPr>
-            <a:spLocks noGrp="1"/>
-          </p:cNvSpPr>
-          <p:nvPr>
-            <p:ph type="sldNum" sz="quarter" idx="10"/>
-          </p:nvPr>
-        </p:nvSpPr>
-        <p:spPr/>
-        <p:txBody>
-          <a:bodyPr/>
-          <a:lstStyle/>
-          <a:p>
-            <a:fld id="{6047A338-E989-4FB8-9E79-C7D1C907295C}" type="slidenum">
-              <a:rPr lang="de-DE" smtClean="0"/>
-              <a:t>26</a:t>
+            <a:fld id="{5783D7AA-6A74-42C9-8D9C-C1060C84B8E4}" type="slidenum">
+              <a:rPr lang="en-US" smtClean="0"/>
+              <a:pPr/>
+              <a:t>16</a:t>
             </a:fld>
-            <a:endParaRPr lang="de-DE"/>
+            <a:endParaRPr lang="en-US"/>
           </a:p>
         </p:txBody>
       </p:sp>
     </p:spTree>
     <p:extLst>
       <p:ext uri="{BB962C8B-B14F-4D97-AF65-F5344CB8AC3E}">
-        <p14:creationId xmlns:p14="http://schemas.microsoft.com/office/powerpoint/2010/main" val="3132763107"/>
+        <p14:creationId xmlns:p14="http://schemas.microsoft.com/office/powerpoint/2010/main" val="593884257"/>
       </p:ext>
     </p:extLst>
   </p:cSld>
@@ -4957,7 +4597,7 @@
       </p:grpSpPr>
       <p:sp>
         <p:nvSpPr>
-          <p:cNvPr id="2" name="Folienbildplatzhalter 1"/>
+          <p:cNvPr id="2" name="Slide Image Placeholder 1"/>
           <p:cNvSpPr>
             <a:spLocks noGrp="1" noRot="1" noChangeAspect="1"/>
           </p:cNvSpPr>
@@ -4969,7 +4609,7 @@
       </p:sp>
       <p:sp>
         <p:nvSpPr>
-          <p:cNvPr id="3" name="Notizenplatzhalter 2"/>
+          <p:cNvPr id="3" name="Notes Placeholder 2"/>
           <p:cNvSpPr>
             <a:spLocks noGrp="1"/>
           </p:cNvSpPr>
@@ -4979,40 +4619,413 @@
         </p:nvSpPr>
         <p:spPr/>
         <p:txBody>
+          <a:bodyPr>
+            <a:normAutofit fontScale="77500" lnSpcReduction="20000"/>
+          </a:bodyPr>
+          <a:lstStyle/>
+          <a:p>
+            <a:pPr fontAlgn="base"/>
+            <a:r>
+              <a:rPr lang="en-US" sz="1200" b="0" i="0" kern="1200" dirty="0" smtClean="0">
+                <a:solidFill>
+                  <a:schemeClr val="tx1"/>
+                </a:solidFill>
+                <a:effectLst/>
+                <a:latin typeface="+mn-lt"/>
+                <a:ea typeface="+mn-ea"/>
+                <a:cs typeface="+mn-cs"/>
+              </a:rPr>
+              <a:t>For much of my career test automation meant tests that drove an application through its user-interface. Such tools would often provide the facility to record an interaction with the application and then allow you to play back that interaction, checking that the application returned the same results. Such an approach works well initially. It's easy to record tests, and the tests can be recorded by people with no knowledge of programming.</a:t>
+            </a:r>
+          </a:p>
+          <a:p>
+            <a:pPr fontAlgn="base"/>
+            <a:r>
+              <a:rPr lang="en-US" sz="1200" b="0" i="0" kern="1200" dirty="0" smtClean="0">
+                <a:solidFill>
+                  <a:schemeClr val="tx1"/>
+                </a:solidFill>
+                <a:effectLst/>
+                <a:latin typeface="+mn-lt"/>
+                <a:ea typeface="+mn-ea"/>
+                <a:cs typeface="+mn-cs"/>
+              </a:rPr>
+              <a:t>But this kind of approach quickly runs into trouble, becoming an </a:t>
+            </a:r>
+            <a:r>
+              <a:rPr lang="en-US" sz="1200" b="0" i="0" u="none" strike="noStrike" kern="1200" dirty="0" smtClean="0">
+                <a:solidFill>
+                  <a:schemeClr val="tx1"/>
+                </a:solidFill>
+                <a:effectLst/>
+                <a:latin typeface="+mn-lt"/>
+                <a:ea typeface="+mn-ea"/>
+                <a:cs typeface="+mn-cs"/>
+                <a:hlinkClick r:id="rId3"/>
+              </a:rPr>
+              <a:t>ice-cream cone</a:t>
+            </a:r>
+            <a:r>
+              <a:rPr lang="en-US" sz="1200" b="0" i="0" kern="1200" dirty="0" smtClean="0">
+                <a:solidFill>
+                  <a:schemeClr val="tx1"/>
+                </a:solidFill>
+                <a:effectLst/>
+                <a:latin typeface="+mn-lt"/>
+                <a:ea typeface="+mn-ea"/>
+                <a:cs typeface="+mn-cs"/>
+              </a:rPr>
+              <a:t>. Testing through the UI like this is slow, increasing build times. Often it requires installed </a:t>
+            </a:r>
+            <a:r>
+              <a:rPr lang="en-US" sz="1200" b="0" i="0" kern="1200" dirty="0" err="1" smtClean="0">
+                <a:solidFill>
+                  <a:schemeClr val="tx1"/>
+                </a:solidFill>
+                <a:effectLst/>
+                <a:latin typeface="+mn-lt"/>
+                <a:ea typeface="+mn-ea"/>
+                <a:cs typeface="+mn-cs"/>
+              </a:rPr>
+              <a:t>licences</a:t>
+            </a:r>
+            <a:r>
+              <a:rPr lang="en-US" sz="1200" b="0" i="0" kern="1200" dirty="0" smtClean="0">
+                <a:solidFill>
+                  <a:schemeClr val="tx1"/>
+                </a:solidFill>
+                <a:effectLst/>
+                <a:latin typeface="+mn-lt"/>
+                <a:ea typeface="+mn-ea"/>
+                <a:cs typeface="+mn-cs"/>
+              </a:rPr>
+              <a:t> for the test automation software, which means it can only be done on particular machines. Usually these cannot easily be run in a "headless" mode, monitored by scripts to put in a proper deployment pipeline.</a:t>
+            </a:r>
+          </a:p>
+          <a:p>
+            <a:pPr fontAlgn="base"/>
+            <a:r>
+              <a:rPr lang="en-US" sz="1200" b="0" i="0" kern="1200" dirty="0" smtClean="0">
+                <a:solidFill>
+                  <a:schemeClr val="tx1"/>
+                </a:solidFill>
+                <a:effectLst/>
+                <a:latin typeface="+mn-lt"/>
+                <a:ea typeface="+mn-ea"/>
+                <a:cs typeface="+mn-cs"/>
+              </a:rPr>
+              <a:t>Most importantly such tests are very brittle. An enhancement to the system can easily end up breaking lots of such tests, which then have to be re-recorded. You can reduce this problem by abandoning record-playback tools, but that makes the tests harder to write. </a:t>
+            </a:r>
+            <a:r>
+              <a:rPr lang="en-US" sz="1200" b="0" i="0" u="none" strike="noStrike" kern="1200" dirty="0" smtClean="0">
+                <a:solidFill>
+                  <a:schemeClr val="tx1"/>
+                </a:solidFill>
+                <a:effectLst/>
+                <a:latin typeface="+mn-lt"/>
+                <a:ea typeface="+mn-ea"/>
+                <a:cs typeface="+mn-cs"/>
+                <a:hlinkClick r:id="rId4"/>
+              </a:rPr>
+              <a:t>[1]</a:t>
+            </a:r>
+            <a:r>
+              <a:rPr lang="en-US" sz="1200" b="0" i="0" kern="1200" dirty="0" smtClean="0">
+                <a:solidFill>
+                  <a:schemeClr val="tx1"/>
+                </a:solidFill>
+                <a:effectLst/>
+                <a:latin typeface="+mn-lt"/>
+                <a:ea typeface="+mn-ea"/>
+                <a:cs typeface="+mn-cs"/>
+              </a:rPr>
+              <a:t> Even with good practices on writing them, end-to-end tests are more prone to </a:t>
+            </a:r>
+            <a:r>
+              <a:rPr lang="en-US" sz="1200" b="0" i="0" u="none" strike="noStrike" kern="1200" dirty="0" smtClean="0">
+                <a:solidFill>
+                  <a:schemeClr val="tx1"/>
+                </a:solidFill>
+                <a:effectLst/>
+                <a:latin typeface="+mn-lt"/>
+                <a:ea typeface="+mn-ea"/>
+                <a:cs typeface="+mn-cs"/>
+                <a:hlinkClick r:id="rId5"/>
+              </a:rPr>
+              <a:t>non-determinism problems</a:t>
+            </a:r>
+            <a:r>
+              <a:rPr lang="en-US" sz="1200" b="0" i="0" kern="1200" dirty="0" smtClean="0">
+                <a:solidFill>
+                  <a:schemeClr val="tx1"/>
+                </a:solidFill>
+                <a:effectLst/>
+                <a:latin typeface="+mn-lt"/>
+                <a:ea typeface="+mn-ea"/>
+                <a:cs typeface="+mn-cs"/>
+              </a:rPr>
+              <a:t>, which can undermine trust in them. In short, tests that run end-to-end through the UI are: brittle, expensive to write, and time consuming to run. So the pyramid argues that you should do much more automated testing through unit tests than you should through traditional GUI based testing. </a:t>
+            </a:r>
+            <a:r>
+              <a:rPr lang="en-US" sz="1200" b="0" i="0" u="none" strike="noStrike" kern="1200" dirty="0" smtClean="0">
+                <a:solidFill>
+                  <a:schemeClr val="tx1"/>
+                </a:solidFill>
+                <a:effectLst/>
+                <a:latin typeface="+mn-lt"/>
+                <a:ea typeface="+mn-ea"/>
+                <a:cs typeface="+mn-cs"/>
+                <a:hlinkClick r:id="rId6"/>
+              </a:rPr>
+              <a:t>[2]</a:t>
+            </a:r>
+            <a:endParaRPr lang="en-US" sz="1200" b="0" i="0" kern="1200" dirty="0" smtClean="0">
+              <a:solidFill>
+                <a:schemeClr val="tx1"/>
+              </a:solidFill>
+              <a:effectLst/>
+              <a:latin typeface="+mn-lt"/>
+              <a:ea typeface="+mn-ea"/>
+              <a:cs typeface="+mn-cs"/>
+            </a:endParaRPr>
+          </a:p>
+          <a:p>
+            <a:pPr fontAlgn="base"/>
+            <a:r>
+              <a:rPr lang="en-US" sz="1200" b="0" i="0" kern="1200" dirty="0" smtClean="0">
+                <a:solidFill>
+                  <a:schemeClr val="tx1"/>
+                </a:solidFill>
+                <a:effectLst/>
+                <a:latin typeface="+mn-lt"/>
+                <a:ea typeface="+mn-ea"/>
+                <a:cs typeface="+mn-cs"/>
+              </a:rPr>
+              <a:t>The pyramid also argues for an intermediate layer of tests that act through a service layer of an application, what I refer to </a:t>
+            </a:r>
+            <a:r>
+              <a:rPr lang="en-US" sz="1200" b="0" i="0" kern="1200" dirty="0" err="1" smtClean="0">
+                <a:solidFill>
+                  <a:schemeClr val="tx1"/>
+                </a:solidFill>
+                <a:effectLst/>
+                <a:latin typeface="+mn-lt"/>
+                <a:ea typeface="+mn-ea"/>
+                <a:cs typeface="+mn-cs"/>
+              </a:rPr>
+              <a:t>as</a:t>
+            </a:r>
+            <a:r>
+              <a:rPr lang="en-US" sz="1200" b="0" i="0" u="none" strike="noStrike" kern="1200" dirty="0" err="1" smtClean="0">
+                <a:solidFill>
+                  <a:schemeClr val="tx1"/>
+                </a:solidFill>
+                <a:effectLst/>
+                <a:latin typeface="+mn-lt"/>
+                <a:ea typeface="+mn-ea"/>
+                <a:cs typeface="+mn-cs"/>
+                <a:hlinkClick r:id="rId7"/>
+              </a:rPr>
+              <a:t>SubcutaneousTests</a:t>
+            </a:r>
+            <a:r>
+              <a:rPr lang="en-US" sz="1200" b="0" i="0" kern="1200" dirty="0" smtClean="0">
+                <a:solidFill>
+                  <a:schemeClr val="tx1"/>
+                </a:solidFill>
+                <a:effectLst/>
+                <a:latin typeface="+mn-lt"/>
+                <a:ea typeface="+mn-ea"/>
+                <a:cs typeface="+mn-cs"/>
+              </a:rPr>
+              <a:t>. These can provide many of the advantages of end-to-end tests but avoid many of the complexities of dealing with UI frameworks. In web applications this would correspond to testing through an API layer while the top UI part of the pyramid would correspond to tests using something like </a:t>
+            </a:r>
+            <a:r>
+              <a:rPr lang="en-US" sz="1200" b="0" i="0" u="none" strike="noStrike" kern="1200" dirty="0" smtClean="0">
+                <a:solidFill>
+                  <a:schemeClr val="tx1"/>
+                </a:solidFill>
+                <a:effectLst/>
+                <a:latin typeface="+mn-lt"/>
+                <a:ea typeface="+mn-ea"/>
+                <a:cs typeface="+mn-cs"/>
+                <a:hlinkClick r:id="rId8"/>
+              </a:rPr>
+              <a:t>Selenium</a:t>
+            </a:r>
+            <a:r>
+              <a:rPr lang="en-US" sz="1200" b="0" i="0" kern="1200" dirty="0" smtClean="0">
+                <a:solidFill>
+                  <a:schemeClr val="tx1"/>
+                </a:solidFill>
+                <a:effectLst/>
+                <a:latin typeface="+mn-lt"/>
+                <a:ea typeface="+mn-ea"/>
+                <a:cs typeface="+mn-cs"/>
+              </a:rPr>
+              <a:t> or </a:t>
+            </a:r>
+            <a:r>
+              <a:rPr lang="en-US" sz="1200" b="0" i="0" kern="1200" dirty="0" err="1" smtClean="0">
+                <a:solidFill>
+                  <a:schemeClr val="tx1"/>
+                </a:solidFill>
+                <a:effectLst/>
+                <a:latin typeface="+mn-lt"/>
+                <a:ea typeface="+mn-ea"/>
+                <a:cs typeface="+mn-cs"/>
+              </a:rPr>
+              <a:t>Sahi</a:t>
+            </a:r>
+            <a:r>
+              <a:rPr lang="en-US" sz="1200" b="0" i="0" kern="1200" dirty="0" smtClean="0">
+                <a:solidFill>
+                  <a:schemeClr val="tx1"/>
+                </a:solidFill>
+                <a:effectLst/>
+                <a:latin typeface="+mn-lt"/>
+                <a:ea typeface="+mn-ea"/>
+                <a:cs typeface="+mn-cs"/>
+              </a:rPr>
+              <a:t>.</a:t>
+            </a:r>
+          </a:p>
+          <a:p>
+            <a:pPr fontAlgn="base"/>
+            <a:r>
+              <a:rPr lang="en-US" sz="1200" b="0" i="0" kern="1200" dirty="0" smtClean="0">
+                <a:solidFill>
+                  <a:schemeClr val="tx1"/>
+                </a:solidFill>
+                <a:effectLst/>
+                <a:latin typeface="+mn-lt"/>
+                <a:ea typeface="+mn-ea"/>
+                <a:cs typeface="+mn-cs"/>
+              </a:rPr>
+              <a:t>The test pyramid comes up a lot in Agile testing circles and while its core message is sound, there is much more to say about building a well-balanced test portfolio. A common problem is that teams conflate the concepts of end-to-end tests, UI tests, and customer facing tests. These are all orthogonal characteristics. For example a rich </a:t>
+            </a:r>
+            <a:r>
+              <a:rPr lang="en-US" sz="1200" b="0" i="0" kern="1200" dirty="0" err="1" smtClean="0">
+                <a:solidFill>
+                  <a:schemeClr val="tx1"/>
+                </a:solidFill>
+                <a:effectLst/>
+                <a:latin typeface="+mn-lt"/>
+                <a:ea typeface="+mn-ea"/>
+                <a:cs typeface="+mn-cs"/>
+              </a:rPr>
+              <a:t>javascript</a:t>
+            </a:r>
+            <a:r>
+              <a:rPr lang="en-US" sz="1200" b="0" i="0" kern="1200" dirty="0" smtClean="0">
+                <a:solidFill>
+                  <a:schemeClr val="tx1"/>
+                </a:solidFill>
+                <a:effectLst/>
+                <a:latin typeface="+mn-lt"/>
+                <a:ea typeface="+mn-ea"/>
+                <a:cs typeface="+mn-cs"/>
+              </a:rPr>
+              <a:t> UI should have most of its UI behavior tested with </a:t>
+            </a:r>
+            <a:r>
+              <a:rPr lang="en-US" sz="1200" b="0" i="0" kern="1200" dirty="0" err="1" smtClean="0">
+                <a:solidFill>
+                  <a:schemeClr val="tx1"/>
+                </a:solidFill>
+                <a:effectLst/>
+                <a:latin typeface="+mn-lt"/>
+                <a:ea typeface="+mn-ea"/>
+                <a:cs typeface="+mn-cs"/>
+              </a:rPr>
+              <a:t>javascript</a:t>
+            </a:r>
+            <a:r>
+              <a:rPr lang="en-US" sz="1200" b="0" i="0" kern="1200" dirty="0" smtClean="0">
+                <a:solidFill>
+                  <a:schemeClr val="tx1"/>
+                </a:solidFill>
+                <a:effectLst/>
+                <a:latin typeface="+mn-lt"/>
+                <a:ea typeface="+mn-ea"/>
+                <a:cs typeface="+mn-cs"/>
+              </a:rPr>
+              <a:t> unit tests using something like </a:t>
+            </a:r>
+            <a:r>
+              <a:rPr lang="en-US" sz="1200" b="0" i="0" u="none" strike="noStrike" kern="1200" dirty="0" smtClean="0">
+                <a:solidFill>
+                  <a:schemeClr val="tx1"/>
+                </a:solidFill>
+                <a:effectLst/>
+                <a:latin typeface="+mn-lt"/>
+                <a:ea typeface="+mn-ea"/>
+                <a:cs typeface="+mn-cs"/>
+                <a:hlinkClick r:id="rId9"/>
+              </a:rPr>
+              <a:t>Jasmine</a:t>
+            </a:r>
+            <a:r>
+              <a:rPr lang="en-US" sz="1200" b="0" i="0" kern="1200" dirty="0" smtClean="0">
+                <a:solidFill>
+                  <a:schemeClr val="tx1"/>
+                </a:solidFill>
+                <a:effectLst/>
+                <a:latin typeface="+mn-lt"/>
+                <a:ea typeface="+mn-ea"/>
+                <a:cs typeface="+mn-cs"/>
+              </a:rPr>
+              <a:t>. A complex set of business rules could have tests captured in a customer-facing form, but run just on the relevant module much as unit tests are.</a:t>
+            </a:r>
+          </a:p>
+          <a:p>
+            <a:pPr fontAlgn="base"/>
+            <a:r>
+              <a:rPr lang="en-US" sz="1200" b="0" i="0" kern="1200" dirty="0" smtClean="0">
+                <a:solidFill>
+                  <a:schemeClr val="tx1"/>
+                </a:solidFill>
+                <a:effectLst/>
+                <a:latin typeface="+mn-lt"/>
+                <a:ea typeface="+mn-ea"/>
+                <a:cs typeface="+mn-cs"/>
+              </a:rPr>
+              <a:t>I always argue that high-level tests are there as a second line of test defense. If you get a failure in a high level test, not just do you have a bug in your functional code, you also have a missing or incorrect unit test. Thus I advise that before fixing a bug exposed by a high level test, you should replicate the bug with a unit test. Then the unit test ensures the bug stays dead</a:t>
+            </a:r>
+          </a:p>
+          <a:p>
+            <a:endParaRPr lang="en-US" dirty="0"/>
+          </a:p>
+        </p:txBody>
+      </p:sp>
+      <p:sp>
+        <p:nvSpPr>
+          <p:cNvPr id="4" name="Slide Number Placeholder 3"/>
+          <p:cNvSpPr>
+            <a:spLocks noGrp="1"/>
+          </p:cNvSpPr>
+          <p:nvPr>
+            <p:ph type="sldNum" sz="quarter" idx="10"/>
+          </p:nvPr>
+        </p:nvSpPr>
+        <p:spPr/>
+        <p:txBody>
           <a:bodyPr/>
           <a:lstStyle/>
           <a:p>
-            <a:endParaRPr lang="de-DE" dirty="0"/>
-          </a:p>
-        </p:txBody>
-      </p:sp>
-      <p:sp>
-        <p:nvSpPr>
-          <p:cNvPr id="4" name="Foliennummernplatzhalter 3"/>
-          <p:cNvSpPr>
-            <a:spLocks noGrp="1"/>
-          </p:cNvSpPr>
-          <p:nvPr>
-            <p:ph type="sldNum" sz="quarter" idx="10"/>
-          </p:nvPr>
-        </p:nvSpPr>
-        <p:spPr/>
-        <p:txBody>
-          <a:bodyPr/>
-          <a:lstStyle/>
-          <a:p>
-            <a:fld id="{6047A338-E989-4FB8-9E79-C7D1C907295C}" type="slidenum">
-              <a:rPr lang="de-DE" smtClean="0"/>
-              <a:t>27</a:t>
+            <a:fld id="{5783D7AA-6A74-42C9-8D9C-C1060C84B8E4}" type="slidenum">
+              <a:rPr lang="en-US" smtClean="0"/>
+              <a:pPr/>
+              <a:t>21</a:t>
             </a:fld>
-            <a:endParaRPr lang="de-DE"/>
+            <a:endParaRPr lang="en-US"/>
           </a:p>
         </p:txBody>
       </p:sp>
     </p:spTree>
     <p:extLst>
       <p:ext uri="{BB962C8B-B14F-4D97-AF65-F5344CB8AC3E}">
-        <p14:creationId xmlns:p14="http://schemas.microsoft.com/office/powerpoint/2010/main" val="1342595930"/>
+        <p14:creationId xmlns:p14="http://schemas.microsoft.com/office/powerpoint/2010/main" val="4164075983"/>
       </p:ext>
     </p:extLst>
   </p:cSld>
@@ -5041,7 +5054,7 @@
       </p:grpSpPr>
       <p:sp>
         <p:nvSpPr>
-          <p:cNvPr id="2" name="Slide Image Placeholder 1"/>
+          <p:cNvPr id="2" name="Folienbildplatzhalter 1"/>
           <p:cNvSpPr>
             <a:spLocks noGrp="1" noRot="1" noChangeAspect="1"/>
           </p:cNvSpPr>
@@ -5053,7 +5066,7 @@
       </p:sp>
       <p:sp>
         <p:nvSpPr>
-          <p:cNvPr id="3" name="Notes Placeholder 2"/>
+          <p:cNvPr id="3" name="Notizenplatzhalter 2"/>
           <p:cNvSpPr>
             <a:spLocks noGrp="1"/>
           </p:cNvSpPr>
@@ -5066,13 +5079,13 @@
           <a:bodyPr/>
           <a:lstStyle/>
           <a:p>
-            <a:endParaRPr lang="en-US" dirty="0"/>
-          </a:p>
-        </p:txBody>
-      </p:sp>
-      <p:sp>
-        <p:nvSpPr>
-          <p:cNvPr id="4" name="Slide Number Placeholder 3"/>
+            <a:endParaRPr lang="de-DE" dirty="0"/>
+          </a:p>
+        </p:txBody>
+      </p:sp>
+      <p:sp>
+        <p:nvSpPr>
+          <p:cNvPr id="4" name="Foliennummernplatzhalter 3"/>
           <p:cNvSpPr>
             <a:spLocks noGrp="1"/>
           </p:cNvSpPr>
@@ -5087,7 +5100,7 @@
           <a:p>
             <a:fld id="{6047A338-E989-4FB8-9E79-C7D1C907295C}" type="slidenum">
               <a:rPr lang="de-DE" smtClean="0"/>
-              <a:t>28</a:t>
+              <a:t>22</a:t>
             </a:fld>
             <a:endParaRPr lang="de-DE"/>
           </a:p>
@@ -5096,7 +5109,7 @@
     </p:spTree>
     <p:extLst>
       <p:ext uri="{BB962C8B-B14F-4D97-AF65-F5344CB8AC3E}">
-        <p14:creationId xmlns:p14="http://schemas.microsoft.com/office/powerpoint/2010/main" val="3816378359"/>
+        <p14:creationId xmlns:p14="http://schemas.microsoft.com/office/powerpoint/2010/main" val="3892738945"/>
       </p:ext>
     </p:extLst>
   </p:cSld>
@@ -5125,7 +5138,7 @@
       </p:grpSpPr>
       <p:sp>
         <p:nvSpPr>
-          <p:cNvPr id="2" name="Slide Image Placeholder 1"/>
+          <p:cNvPr id="2" name="Folienbildplatzhalter 1"/>
           <p:cNvSpPr>
             <a:spLocks noGrp="1" noRot="1" noChangeAspect="1"/>
           </p:cNvSpPr>
@@ -5137,7 +5150,7 @@
       </p:sp>
       <p:sp>
         <p:nvSpPr>
-          <p:cNvPr id="3" name="Notes Placeholder 2"/>
+          <p:cNvPr id="3" name="Notizenplatzhalter 2"/>
           <p:cNvSpPr>
             <a:spLocks noGrp="1"/>
           </p:cNvSpPr>
@@ -5150,29 +5163,22 @@
           <a:bodyPr/>
           <a:lstStyle/>
           <a:p>
-            <a:r>
-              <a:rPr lang="en-US" dirty="0" smtClean="0"/>
-              <a:t>Feedback</a:t>
-            </a:r>
-            <a:r>
-              <a:rPr lang="en-US" baseline="0" dirty="0" smtClean="0"/>
-              <a:t> about architecture</a:t>
-            </a:r>
-          </a:p>
-          <a:p>
-            <a:r>
-              <a:rPr lang="en-US" baseline="0" dirty="0" smtClean="0"/>
-              <a:t>Unit test takes too long to execute which indicates that tests Is not unit test </a:t>
-            </a:r>
-          </a:p>
-          <a:p>
-            <a:endParaRPr lang="en-US" dirty="0"/>
-          </a:p>
-        </p:txBody>
-      </p:sp>
-      <p:sp>
-        <p:nvSpPr>
-          <p:cNvPr id="4" name="Slide Number Placeholder 3"/>
+            <a:endParaRPr lang="de-DE" dirty="0" smtClean="0"/>
+          </a:p>
+          <a:p>
+            <a:r>
+              <a:rPr lang="de-DE" dirty="0" smtClean="0"/>
+              <a:t>Discuss about feedback loop</a:t>
+            </a:r>
+          </a:p>
+          <a:p>
+            <a:endParaRPr lang="de-DE" dirty="0"/>
+          </a:p>
+        </p:txBody>
+      </p:sp>
+      <p:sp>
+        <p:nvSpPr>
+          <p:cNvPr id="4" name="Foliennummernplatzhalter 3"/>
           <p:cNvSpPr>
             <a:spLocks noGrp="1"/>
           </p:cNvSpPr>
@@ -5185,18 +5191,18 @@
           <a:bodyPr/>
           <a:lstStyle/>
           <a:p>
-            <a:fld id="{3F54E12A-92D0-47AC-AF21-2897E92B62D5}" type="slidenum">
-              <a:rPr lang="en-US" smtClean="0"/>
-              <a:t>29</a:t>
+            <a:fld id="{6047A338-E989-4FB8-9E79-C7D1C907295C}" type="slidenum">
+              <a:rPr lang="de-DE" smtClean="0"/>
+              <a:t>26</a:t>
             </a:fld>
-            <a:endParaRPr lang="en-US"/>
+            <a:endParaRPr lang="de-DE"/>
           </a:p>
         </p:txBody>
       </p:sp>
     </p:spTree>
     <p:extLst>
       <p:ext uri="{BB962C8B-B14F-4D97-AF65-F5344CB8AC3E}">
-        <p14:creationId xmlns:p14="http://schemas.microsoft.com/office/powerpoint/2010/main" val="4245845182"/>
+        <p14:creationId xmlns:p14="http://schemas.microsoft.com/office/powerpoint/2010/main" val="3132763107"/>
       </p:ext>
     </p:extLst>
   </p:cSld>
@@ -5225,6 +5231,274 @@
       </p:grpSpPr>
       <p:sp>
         <p:nvSpPr>
+          <p:cNvPr id="2" name="Folienbildplatzhalter 1"/>
+          <p:cNvSpPr>
+            <a:spLocks noGrp="1" noRot="1" noChangeAspect="1"/>
+          </p:cNvSpPr>
+          <p:nvPr>
+            <p:ph type="sldImg"/>
+          </p:nvPr>
+        </p:nvSpPr>
+        <p:spPr/>
+      </p:sp>
+      <p:sp>
+        <p:nvSpPr>
+          <p:cNvPr id="3" name="Notizenplatzhalter 2"/>
+          <p:cNvSpPr>
+            <a:spLocks noGrp="1"/>
+          </p:cNvSpPr>
+          <p:nvPr>
+            <p:ph type="body" idx="1"/>
+          </p:nvPr>
+        </p:nvSpPr>
+        <p:spPr/>
+        <p:txBody>
+          <a:bodyPr/>
+          <a:lstStyle/>
+          <a:p>
+            <a:endParaRPr lang="de-DE" dirty="0"/>
+          </a:p>
+        </p:txBody>
+      </p:sp>
+      <p:sp>
+        <p:nvSpPr>
+          <p:cNvPr id="4" name="Foliennummernplatzhalter 3"/>
+          <p:cNvSpPr>
+            <a:spLocks noGrp="1"/>
+          </p:cNvSpPr>
+          <p:nvPr>
+            <p:ph type="sldNum" sz="quarter" idx="10"/>
+          </p:nvPr>
+        </p:nvSpPr>
+        <p:spPr/>
+        <p:txBody>
+          <a:bodyPr/>
+          <a:lstStyle/>
+          <a:p>
+            <a:fld id="{6047A338-E989-4FB8-9E79-C7D1C907295C}" type="slidenum">
+              <a:rPr lang="de-DE" smtClean="0"/>
+              <a:t>27</a:t>
+            </a:fld>
+            <a:endParaRPr lang="de-DE"/>
+          </a:p>
+        </p:txBody>
+      </p:sp>
+    </p:spTree>
+    <p:extLst>
+      <p:ext uri="{BB962C8B-B14F-4D97-AF65-F5344CB8AC3E}">
+        <p14:creationId xmlns:p14="http://schemas.microsoft.com/office/powerpoint/2010/main" val="1342595930"/>
+      </p:ext>
+    </p:extLst>
+  </p:cSld>
+  <p:clrMapOvr>
+    <a:masterClrMapping/>
+  </p:clrMapOvr>
+</p:notes>
+</file>
+
+<file path=ppt/notesSlides/notesSlide15.xml><?xml version="1.0" encoding="utf-8"?>
+<p:notes xmlns:a="http://schemas.openxmlformats.org/drawingml/2006/main" xmlns:r="http://schemas.openxmlformats.org/officeDocument/2006/relationships" xmlns:p="http://schemas.openxmlformats.org/presentationml/2006/main">
+  <p:cSld>
+    <p:spTree>
+      <p:nvGrpSpPr>
+        <p:cNvPr id="1" name=""/>
+        <p:cNvGrpSpPr/>
+        <p:nvPr/>
+      </p:nvGrpSpPr>
+      <p:grpSpPr>
+        <a:xfrm>
+          <a:off x="0" y="0"/>
+          <a:ext cx="0" cy="0"/>
+          <a:chOff x="0" y="0"/>
+          <a:chExt cx="0" cy="0"/>
+        </a:xfrm>
+      </p:grpSpPr>
+      <p:sp>
+        <p:nvSpPr>
+          <p:cNvPr id="2" name="Slide Image Placeholder 1"/>
+          <p:cNvSpPr>
+            <a:spLocks noGrp="1" noRot="1" noChangeAspect="1"/>
+          </p:cNvSpPr>
+          <p:nvPr>
+            <p:ph type="sldImg"/>
+          </p:nvPr>
+        </p:nvSpPr>
+        <p:spPr/>
+      </p:sp>
+      <p:sp>
+        <p:nvSpPr>
+          <p:cNvPr id="3" name="Notes Placeholder 2"/>
+          <p:cNvSpPr>
+            <a:spLocks noGrp="1"/>
+          </p:cNvSpPr>
+          <p:nvPr>
+            <p:ph type="body" idx="1"/>
+          </p:nvPr>
+        </p:nvSpPr>
+        <p:spPr/>
+        <p:txBody>
+          <a:bodyPr/>
+          <a:lstStyle/>
+          <a:p>
+            <a:endParaRPr lang="en-US" dirty="0"/>
+          </a:p>
+        </p:txBody>
+      </p:sp>
+      <p:sp>
+        <p:nvSpPr>
+          <p:cNvPr id="4" name="Slide Number Placeholder 3"/>
+          <p:cNvSpPr>
+            <a:spLocks noGrp="1"/>
+          </p:cNvSpPr>
+          <p:nvPr>
+            <p:ph type="sldNum" sz="quarter" idx="10"/>
+          </p:nvPr>
+        </p:nvSpPr>
+        <p:spPr/>
+        <p:txBody>
+          <a:bodyPr/>
+          <a:lstStyle/>
+          <a:p>
+            <a:fld id="{6047A338-E989-4FB8-9E79-C7D1C907295C}" type="slidenum">
+              <a:rPr lang="de-DE" smtClean="0"/>
+              <a:t>28</a:t>
+            </a:fld>
+            <a:endParaRPr lang="de-DE"/>
+          </a:p>
+        </p:txBody>
+      </p:sp>
+    </p:spTree>
+    <p:extLst>
+      <p:ext uri="{BB962C8B-B14F-4D97-AF65-F5344CB8AC3E}">
+        <p14:creationId xmlns:p14="http://schemas.microsoft.com/office/powerpoint/2010/main" val="3816378359"/>
+      </p:ext>
+    </p:extLst>
+  </p:cSld>
+  <p:clrMapOvr>
+    <a:masterClrMapping/>
+  </p:clrMapOvr>
+</p:notes>
+</file>
+
+<file path=ppt/notesSlides/notesSlide16.xml><?xml version="1.0" encoding="utf-8"?>
+<p:notes xmlns:a="http://schemas.openxmlformats.org/drawingml/2006/main" xmlns:r="http://schemas.openxmlformats.org/officeDocument/2006/relationships" xmlns:p="http://schemas.openxmlformats.org/presentationml/2006/main">
+  <p:cSld>
+    <p:spTree>
+      <p:nvGrpSpPr>
+        <p:cNvPr id="1" name=""/>
+        <p:cNvGrpSpPr/>
+        <p:nvPr/>
+      </p:nvGrpSpPr>
+      <p:grpSpPr>
+        <a:xfrm>
+          <a:off x="0" y="0"/>
+          <a:ext cx="0" cy="0"/>
+          <a:chOff x="0" y="0"/>
+          <a:chExt cx="0" cy="0"/>
+        </a:xfrm>
+      </p:grpSpPr>
+      <p:sp>
+        <p:nvSpPr>
+          <p:cNvPr id="2" name="Slide Image Placeholder 1"/>
+          <p:cNvSpPr>
+            <a:spLocks noGrp="1" noRot="1" noChangeAspect="1"/>
+          </p:cNvSpPr>
+          <p:nvPr>
+            <p:ph type="sldImg"/>
+          </p:nvPr>
+        </p:nvSpPr>
+        <p:spPr/>
+      </p:sp>
+      <p:sp>
+        <p:nvSpPr>
+          <p:cNvPr id="3" name="Notes Placeholder 2"/>
+          <p:cNvSpPr>
+            <a:spLocks noGrp="1"/>
+          </p:cNvSpPr>
+          <p:nvPr>
+            <p:ph type="body" idx="1"/>
+          </p:nvPr>
+        </p:nvSpPr>
+        <p:spPr/>
+        <p:txBody>
+          <a:bodyPr/>
+          <a:lstStyle/>
+          <a:p>
+            <a:r>
+              <a:rPr lang="en-US" dirty="0" smtClean="0"/>
+              <a:t>Feedback</a:t>
+            </a:r>
+            <a:r>
+              <a:rPr lang="en-US" baseline="0" dirty="0" smtClean="0"/>
+              <a:t> about architecture</a:t>
+            </a:r>
+          </a:p>
+          <a:p>
+            <a:r>
+              <a:rPr lang="en-US" baseline="0" dirty="0" smtClean="0"/>
+              <a:t>Unit test takes too long to execute which indicates that tests Is not unit test </a:t>
+            </a:r>
+          </a:p>
+          <a:p>
+            <a:endParaRPr lang="en-US" dirty="0"/>
+          </a:p>
+        </p:txBody>
+      </p:sp>
+      <p:sp>
+        <p:nvSpPr>
+          <p:cNvPr id="4" name="Slide Number Placeholder 3"/>
+          <p:cNvSpPr>
+            <a:spLocks noGrp="1"/>
+          </p:cNvSpPr>
+          <p:nvPr>
+            <p:ph type="sldNum" sz="quarter" idx="10"/>
+          </p:nvPr>
+        </p:nvSpPr>
+        <p:spPr/>
+        <p:txBody>
+          <a:bodyPr/>
+          <a:lstStyle/>
+          <a:p>
+            <a:fld id="{3F54E12A-92D0-47AC-AF21-2897E92B62D5}" type="slidenum">
+              <a:rPr lang="en-US" smtClean="0"/>
+              <a:t>29</a:t>
+            </a:fld>
+            <a:endParaRPr lang="en-US"/>
+          </a:p>
+        </p:txBody>
+      </p:sp>
+    </p:spTree>
+    <p:extLst>
+      <p:ext uri="{BB962C8B-B14F-4D97-AF65-F5344CB8AC3E}">
+        <p14:creationId xmlns:p14="http://schemas.microsoft.com/office/powerpoint/2010/main" val="4245845182"/>
+      </p:ext>
+    </p:extLst>
+  </p:cSld>
+  <p:clrMapOvr>
+    <a:masterClrMapping/>
+  </p:clrMapOvr>
+</p:notes>
+</file>
+
+<file path=ppt/notesSlides/notesSlide17.xml><?xml version="1.0" encoding="utf-8"?>
+<p:notes xmlns:a="http://schemas.openxmlformats.org/drawingml/2006/main" xmlns:r="http://schemas.openxmlformats.org/officeDocument/2006/relationships" xmlns:p="http://schemas.openxmlformats.org/presentationml/2006/main">
+  <p:cSld>
+    <p:spTree>
+      <p:nvGrpSpPr>
+        <p:cNvPr id="1" name=""/>
+        <p:cNvGrpSpPr/>
+        <p:nvPr/>
+      </p:nvGrpSpPr>
+      <p:grpSpPr>
+        <a:xfrm>
+          <a:off x="0" y="0"/>
+          <a:ext cx="0" cy="0"/>
+          <a:chOff x="0" y="0"/>
+          <a:chExt cx="0" cy="0"/>
+        </a:xfrm>
+      </p:grpSpPr>
+      <p:sp>
+        <p:nvSpPr>
           <p:cNvPr id="2" name="Slide Image Placeholder 1"/>
           <p:cNvSpPr>
             <a:spLocks noGrp="1" noRot="1" noChangeAspect="1"/>
@@ -5313,7 +5587,7 @@
 </p:notes>
 </file>
 
-<file path=ppt/notesSlides/notesSlide15.xml><?xml version="1.0" encoding="utf-8"?>
+<file path=ppt/notesSlides/notesSlide18.xml><?xml version="1.0" encoding="utf-8"?>
 <p:notes xmlns:a="http://schemas.openxmlformats.org/drawingml/2006/main" xmlns:r="http://schemas.openxmlformats.org/officeDocument/2006/relationships" xmlns:p="http://schemas.openxmlformats.org/presentationml/2006/main">
   <p:cSld>
     <p:spTree>
@@ -6214,7 +6488,7 @@
           <a:p>
             <a:fld id="{3F54E12A-92D0-47AC-AF21-2897E92B62D5}" type="slidenum">
               <a:rPr lang="en-US" smtClean="0"/>
-              <a:t>5</a:t>
+              <a:t>4</a:t>
             </a:fld>
             <a:endParaRPr lang="en-US"/>
           </a:p>
@@ -6252,7 +6526,7 @@
       </p:grpSpPr>
       <p:sp>
         <p:nvSpPr>
-          <p:cNvPr id="2" name="Folienbildplatzhalter 1"/>
+          <p:cNvPr id="2" name="Slide Image Placeholder 1"/>
           <p:cNvSpPr>
             <a:spLocks noGrp="1" noRot="1" noChangeAspect="1"/>
           </p:cNvSpPr>
@@ -6264,7 +6538,7 @@
       </p:sp>
       <p:sp>
         <p:nvSpPr>
-          <p:cNvPr id="3" name="Notizenplatzhalter 2"/>
+          <p:cNvPr id="3" name="Notes Placeholder 2"/>
           <p:cNvSpPr>
             <a:spLocks noGrp="1"/>
           </p:cNvSpPr>
@@ -6278,39 +6552,32 @@
           <a:lstStyle/>
           <a:p>
             <a:r>
-              <a:rPr lang="en-US" baseline="0" dirty="0" smtClean="0"/>
-              <a:t>Why automated tests</a:t>
-            </a:r>
-          </a:p>
-          <a:p>
-            <a:r>
-              <a:rPr lang="en-US" baseline="0" dirty="0" smtClean="0"/>
-              <a:t/>
-            </a:r>
-            <a:br>
-              <a:rPr lang="en-US" baseline="0" dirty="0" smtClean="0"/>
-            </a:br>
+              <a:rPr lang="en-US" u="sng" dirty="0" smtClean="0"/>
+              <a:t>It's fast</a:t>
+            </a:r>
             <a:r>
               <a:rPr lang="en-US" dirty="0" smtClean="0"/>
-              <a:t>Humans are bad in repetitive tasks</a:t>
-            </a:r>
-          </a:p>
-          <a:p>
+              <a:t>. No developer wants to wait hours or days to find out if their change works. Sometimes the change does not work - nobody is perfect - and the feedback loop needs to run multiple times. A faster feedback loop leads to faster fixes. If the loop is fast enough, developers may even run tests before checking in a change. </a:t>
+            </a:r>
+          </a:p>
+          <a:p>
+            <a:r>
+              <a:rPr lang="en-US" u="sng" dirty="0" smtClean="0"/>
+              <a:t>It's reliable</a:t>
+            </a:r>
             <a:r>
               <a:rPr lang="en-US" dirty="0" smtClean="0"/>
-              <a:t>Tests document behavior of SW</a:t>
-            </a:r>
-          </a:p>
-          <a:p>
+              <a:t>. No developer wants to spend hours debugging a test, only to find out it was a flaky test. Flaky tests reduce the developer's trust in the test, and as a result flaky tests are often ignored, even when they find real product issues. </a:t>
+            </a:r>
+          </a:p>
+          <a:p>
+            <a:r>
+              <a:rPr lang="en-US" u="sng" dirty="0" smtClean="0"/>
+              <a:t>It isolates failures</a:t>
+            </a:r>
             <a:r>
               <a:rPr lang="en-US" dirty="0" smtClean="0"/>
-              <a:t>Unit tests lead to more testable code which usually is less coupled and cleaner</a:t>
-            </a:r>
-          </a:p>
-          <a:p>
-            <a:r>
-              <a:rPr lang="en-US" dirty="0" smtClean="0"/>
-              <a:t>Tests save from breaking code, i.e. when refactoring</a:t>
+              <a:t>. To fix a bug, developers need to find the specific lines of code causing the bug. When a product contains millions of lines of codes, and the bug could be anywhere, it's like trying to find a needle in a haystack. </a:t>
             </a:r>
           </a:p>
           <a:p>
@@ -6320,7 +6587,7 @@
       </p:sp>
       <p:sp>
         <p:nvSpPr>
-          <p:cNvPr id="4" name="Foliennummernplatzhalter 3"/>
+          <p:cNvPr id="4" name="Slide Number Placeholder 3"/>
           <p:cNvSpPr>
             <a:spLocks noGrp="1"/>
           </p:cNvSpPr>
@@ -6333,18 +6600,18 @@
           <a:bodyPr/>
           <a:lstStyle/>
           <a:p>
-            <a:fld id="{6047A338-E989-4FB8-9E79-C7D1C907295C}" type="slidenum">
-              <a:rPr lang="de-DE" smtClean="0"/>
-              <a:t>6</a:t>
+            <a:fld id="{3F54E12A-92D0-47AC-AF21-2897E92B62D5}" type="slidenum">
+              <a:rPr lang="en-US" smtClean="0"/>
+              <a:t>5</a:t>
             </a:fld>
-            <a:endParaRPr lang="de-DE"/>
+            <a:endParaRPr lang="en-US"/>
           </a:p>
         </p:txBody>
       </p:sp>
     </p:spTree>
     <p:extLst>
       <p:ext uri="{BB962C8B-B14F-4D97-AF65-F5344CB8AC3E}">
-        <p14:creationId xmlns:p14="http://schemas.microsoft.com/office/powerpoint/2010/main" val="613361642"/>
+        <p14:creationId xmlns:p14="http://schemas.microsoft.com/office/powerpoint/2010/main" val="280303809"/>
       </p:ext>
     </p:extLst>
   </p:cSld>
@@ -6373,7 +6640,7 @@
       </p:grpSpPr>
       <p:sp>
         <p:nvSpPr>
-          <p:cNvPr id="2" name="Slide Image Placeholder 1"/>
+          <p:cNvPr id="2" name="Folienbildplatzhalter 1"/>
           <p:cNvSpPr>
             <a:spLocks noGrp="1" noRot="1" noChangeAspect="1"/>
           </p:cNvSpPr>
@@ -6385,7 +6652,7 @@
       </p:sp>
       <p:sp>
         <p:nvSpPr>
-          <p:cNvPr id="3" name="Notes Placeholder 2"/>
+          <p:cNvPr id="3" name="Notizenplatzhalter 2"/>
           <p:cNvSpPr>
             <a:spLocks noGrp="1"/>
           </p:cNvSpPr>
@@ -6399,156 +6666,40 @@
           <a:lstStyle/>
           <a:p>
             <a:r>
-              <a:rPr lang="en-GB" sz="1200" b="0" i="0" kern="1200" dirty="0" smtClean="0">
-                <a:solidFill>
-                  <a:schemeClr val="tx1"/>
-                </a:solidFill>
-                <a:latin typeface="+mn-lt"/>
-                <a:ea typeface="+mn-ea"/>
-                <a:cs typeface="+mn-cs"/>
-              </a:rPr>
-              <a:t>Why don’t you fix bad code when you see it? Your first reaction upon seeing a messy function is “This is a mess, it needs to be cleaned.” Your second reaction is “I’m not touching it!” Why? Because you know that if you touch it you risk breaking it; and if you break it, it becomes yours.</a:t>
-            </a:r>
-          </a:p>
-          <a:p>
-            <a:r>
-              <a:rPr lang="en-GB" sz="1200" b="0" i="0" kern="1200" dirty="0" smtClean="0">
-                <a:solidFill>
-                  <a:schemeClr val="tx1"/>
-                </a:solidFill>
-                <a:latin typeface="+mn-lt"/>
-                <a:ea typeface="+mn-ea"/>
-                <a:cs typeface="+mn-cs"/>
-              </a:rPr>
-              <a:t>But what if you could be </a:t>
-            </a:r>
-            <a:r>
-              <a:rPr lang="en-GB" sz="1200" b="0" i="1" kern="1200" dirty="0" smtClean="0">
-                <a:solidFill>
-                  <a:schemeClr val="tx1"/>
-                </a:solidFill>
-                <a:latin typeface="+mn-lt"/>
-                <a:ea typeface="+mn-ea"/>
-                <a:cs typeface="+mn-cs"/>
-              </a:rPr>
-              <a:t>sure</a:t>
-            </a:r>
-            <a:r>
-              <a:rPr lang="en-GB" sz="1200" b="0" i="0" kern="1200" dirty="0" smtClean="0">
-                <a:solidFill>
-                  <a:schemeClr val="tx1"/>
-                </a:solidFill>
-                <a:latin typeface="+mn-lt"/>
-                <a:ea typeface="+mn-ea"/>
-                <a:cs typeface="+mn-cs"/>
-              </a:rPr>
-              <a:t> that your cleaning did not break anything? What if you had the kind of certainty that I just mentioned? What if you could click a button and </a:t>
-            </a:r>
-            <a:r>
-              <a:rPr lang="en-GB" sz="1200" b="0" i="1" kern="1200" dirty="0" smtClean="0">
-                <a:solidFill>
-                  <a:schemeClr val="tx1"/>
-                </a:solidFill>
-                <a:latin typeface="+mn-lt"/>
-                <a:ea typeface="+mn-ea"/>
-                <a:cs typeface="+mn-cs"/>
-              </a:rPr>
-              <a:t>know</a:t>
-            </a:r>
-            <a:r>
-              <a:rPr lang="en-GB" sz="1200" b="0" i="0" kern="1200" dirty="0" smtClean="0">
-                <a:solidFill>
-                  <a:schemeClr val="tx1"/>
-                </a:solidFill>
-                <a:latin typeface="+mn-lt"/>
-                <a:ea typeface="+mn-ea"/>
-                <a:cs typeface="+mn-cs"/>
-              </a:rPr>
-              <a:t> within 90 seconds that your changes had broken nothing, </a:t>
-            </a:r>
-            <a:r>
-              <a:rPr lang="en-GB" sz="1200" b="0" i="1" kern="1200" dirty="0" smtClean="0">
-                <a:solidFill>
-                  <a:schemeClr val="tx1"/>
-                </a:solidFill>
-                <a:latin typeface="+mn-lt"/>
-                <a:ea typeface="+mn-ea"/>
-                <a:cs typeface="+mn-cs"/>
-              </a:rPr>
-              <a:t>and had only done good?</a:t>
-            </a:r>
-            <a:endParaRPr lang="en-GB" sz="1200" b="0" i="0" kern="1200" dirty="0" smtClean="0">
-              <a:solidFill>
-                <a:schemeClr val="tx1"/>
-              </a:solidFill>
-              <a:latin typeface="+mn-lt"/>
-              <a:ea typeface="+mn-ea"/>
-              <a:cs typeface="+mn-cs"/>
-            </a:endParaRPr>
-          </a:p>
-          <a:p>
-            <a:r>
-              <a:rPr lang="en-GB" sz="1200" b="0" i="0" kern="1200" dirty="0" smtClean="0">
-                <a:solidFill>
-                  <a:schemeClr val="tx1"/>
-                </a:solidFill>
-                <a:latin typeface="+mn-lt"/>
-                <a:ea typeface="+mn-ea"/>
-                <a:cs typeface="+mn-cs"/>
-              </a:rPr>
-              <a:t>This is one of the most powerful benefits of TDD. When you have a suite of tests that you trust, then you lose all fear of making changes. When you see bad code, you simply clean it on the spot. The code becomes clay that you can safely sculpt into simple and pleasing structures.</a:t>
-            </a:r>
-          </a:p>
-          <a:p>
-            <a:r>
-              <a:rPr lang="en-GB" sz="1200" b="0" i="0" kern="1200" dirty="0" smtClean="0">
-                <a:solidFill>
-                  <a:schemeClr val="tx1"/>
-                </a:solidFill>
-                <a:latin typeface="+mn-lt"/>
-                <a:ea typeface="+mn-ea"/>
-                <a:cs typeface="+mn-cs"/>
-              </a:rPr>
-              <a:t>When programmers lose the fear of cleaning, they clean! And clean code is easier to understand, easier to change, and easier to extend. Defects become even less likely because the code gets simpler. And the code base steadily </a:t>
-            </a:r>
-            <a:r>
-              <a:rPr lang="en-GB" sz="1200" b="0" i="1" kern="1200" dirty="0" smtClean="0">
-                <a:solidFill>
-                  <a:schemeClr val="tx1"/>
-                </a:solidFill>
-                <a:latin typeface="+mn-lt"/>
-                <a:ea typeface="+mn-ea"/>
-                <a:cs typeface="+mn-cs"/>
-              </a:rPr>
-              <a:t>improves</a:t>
-            </a:r>
-            <a:r>
-              <a:rPr lang="en-GB" sz="1200" b="0" i="0" kern="1200" dirty="0" smtClean="0">
-                <a:solidFill>
-                  <a:schemeClr val="tx1"/>
-                </a:solidFill>
-                <a:latin typeface="+mn-lt"/>
-                <a:ea typeface="+mn-ea"/>
-                <a:cs typeface="+mn-cs"/>
-              </a:rPr>
-              <a:t> instead of the normal rotting that our industry has become used to.</a:t>
-            </a:r>
-          </a:p>
-          <a:p>
-            <a:r>
-              <a:rPr lang="en-GB" sz="1200" b="0" i="0" kern="1200" dirty="0" smtClean="0">
-                <a:solidFill>
-                  <a:schemeClr val="tx1"/>
-                </a:solidFill>
-                <a:latin typeface="+mn-lt"/>
-                <a:ea typeface="+mn-ea"/>
-                <a:cs typeface="+mn-cs"/>
-              </a:rPr>
-              <a:t>What professional programmer would allow the rotting to continue?</a:t>
-            </a:r>
-          </a:p>
-          <a:p>
-            <a:endParaRPr lang="en-GB" dirty="0" smtClean="0"/>
+              <a:rPr lang="en-US" baseline="0" dirty="0" smtClean="0"/>
+              <a:t>Why automated tests</a:t>
+            </a:r>
+          </a:p>
+          <a:p>
+            <a:r>
+              <a:rPr lang="en-US" baseline="0" dirty="0" smtClean="0"/>
+              <a:t/>
+            </a:r>
+            <a:br>
+              <a:rPr lang="en-US" baseline="0" dirty="0" smtClean="0"/>
+            </a:br>
+            <a:r>
+              <a:rPr lang="en-US" dirty="0" smtClean="0"/>
+              <a:t>Humans are bad in repetitive tasks</a:t>
+            </a:r>
+          </a:p>
+          <a:p>
+            <a:r>
+              <a:rPr lang="en-US" dirty="0" smtClean="0"/>
+              <a:t>Tests document behavior of SW</a:t>
+            </a:r>
+          </a:p>
+          <a:p>
+            <a:r>
+              <a:rPr lang="en-US" dirty="0" smtClean="0"/>
+              <a:t>Unit tests lead to more testable code which usually is less coupled and cleaner</a:t>
+            </a:r>
+          </a:p>
+          <a:p>
+            <a:r>
+              <a:rPr lang="en-US" dirty="0" smtClean="0"/>
+              <a:t>Tests save from breaking code, i.e. when refactoring</a:t>
+            </a:r>
           </a:p>
           <a:p>
             <a:endParaRPr lang="en-US" dirty="0"/>
@@ -6557,7 +6708,7 @@
       </p:sp>
       <p:sp>
         <p:nvSpPr>
-          <p:cNvPr id="4" name="Slide Number Placeholder 3"/>
+          <p:cNvPr id="4" name="Foliennummernplatzhalter 3"/>
           <p:cNvSpPr>
             <a:spLocks noGrp="1"/>
           </p:cNvSpPr>
@@ -6570,18 +6721,18 @@
           <a:bodyPr/>
           <a:lstStyle/>
           <a:p>
-            <a:fld id="{3F54E12A-92D0-47AC-AF21-2897E92B62D5}" type="slidenum">
-              <a:rPr lang="en-US" smtClean="0"/>
-              <a:t>8</a:t>
+            <a:fld id="{6047A338-E989-4FB8-9E79-C7D1C907295C}" type="slidenum">
+              <a:rPr lang="de-DE" smtClean="0"/>
+              <a:t>6</a:t>
             </a:fld>
-            <a:endParaRPr lang="en-US"/>
+            <a:endParaRPr lang="de-DE"/>
           </a:p>
         </p:txBody>
       </p:sp>
     </p:spTree>
     <p:extLst>
       <p:ext uri="{BB962C8B-B14F-4D97-AF65-F5344CB8AC3E}">
-        <p14:creationId xmlns:p14="http://schemas.microsoft.com/office/powerpoint/2010/main" val="1064045778"/>
+        <p14:creationId xmlns:p14="http://schemas.microsoft.com/office/powerpoint/2010/main" val="613361642"/>
       </p:ext>
     </p:extLst>
   </p:cSld>
@@ -6636,13 +6787,158 @@
           <a:lstStyle/>
           <a:p>
             <a:r>
-              <a:rPr lang="en-US" dirty="0" smtClean="0"/>
-              <a:t>You should be able to delete all your code and rebuild it using</a:t>
-            </a:r>
-            <a:r>
-              <a:rPr lang="en-US" baseline="0" dirty="0" smtClean="0"/>
-              <a:t> understanding of your tests .</a:t>
-            </a:r>
+              <a:rPr lang="en-GB" sz="1200" b="0" i="0" kern="1200" dirty="0" smtClean="0">
+                <a:solidFill>
+                  <a:schemeClr val="tx1"/>
+                </a:solidFill>
+                <a:latin typeface="+mn-lt"/>
+                <a:ea typeface="+mn-ea"/>
+                <a:cs typeface="+mn-cs"/>
+              </a:rPr>
+              <a:t>Why don’t you fix bad code when you see it? Your first reaction upon seeing a messy function is “This is a mess, it needs to be cleaned.” Your second reaction is “I’m not touching it!” Why? Because you know that if you touch it you risk breaking it; and if you break it, it becomes yours.</a:t>
+            </a:r>
+          </a:p>
+          <a:p>
+            <a:r>
+              <a:rPr lang="en-GB" sz="1200" b="0" i="0" kern="1200" dirty="0" smtClean="0">
+                <a:solidFill>
+                  <a:schemeClr val="tx1"/>
+                </a:solidFill>
+                <a:latin typeface="+mn-lt"/>
+                <a:ea typeface="+mn-ea"/>
+                <a:cs typeface="+mn-cs"/>
+              </a:rPr>
+              <a:t>But what if you could be </a:t>
+            </a:r>
+            <a:r>
+              <a:rPr lang="en-GB" sz="1200" b="0" i="1" kern="1200" dirty="0" smtClean="0">
+                <a:solidFill>
+                  <a:schemeClr val="tx1"/>
+                </a:solidFill>
+                <a:latin typeface="+mn-lt"/>
+                <a:ea typeface="+mn-ea"/>
+                <a:cs typeface="+mn-cs"/>
+              </a:rPr>
+              <a:t>sure</a:t>
+            </a:r>
+            <a:r>
+              <a:rPr lang="en-GB" sz="1200" b="0" i="0" kern="1200" dirty="0" smtClean="0">
+                <a:solidFill>
+                  <a:schemeClr val="tx1"/>
+                </a:solidFill>
+                <a:latin typeface="+mn-lt"/>
+                <a:ea typeface="+mn-ea"/>
+                <a:cs typeface="+mn-cs"/>
+              </a:rPr>
+              <a:t> that your cleaning did not break anything? What if you had the kind of certainty that I just mentioned? What if you could click a button and </a:t>
+            </a:r>
+            <a:r>
+              <a:rPr lang="en-GB" sz="1200" b="0" i="1" kern="1200" dirty="0" smtClean="0">
+                <a:solidFill>
+                  <a:schemeClr val="tx1"/>
+                </a:solidFill>
+                <a:latin typeface="+mn-lt"/>
+                <a:ea typeface="+mn-ea"/>
+                <a:cs typeface="+mn-cs"/>
+              </a:rPr>
+              <a:t>know</a:t>
+            </a:r>
+            <a:r>
+              <a:rPr lang="en-GB" sz="1200" b="0" i="0" kern="1200" dirty="0" smtClean="0">
+                <a:solidFill>
+                  <a:schemeClr val="tx1"/>
+                </a:solidFill>
+                <a:latin typeface="+mn-lt"/>
+                <a:ea typeface="+mn-ea"/>
+                <a:cs typeface="+mn-cs"/>
+              </a:rPr>
+              <a:t> within 90 seconds that your changes had broken nothing, </a:t>
+            </a:r>
+            <a:r>
+              <a:rPr lang="en-GB" sz="1200" b="0" i="1" kern="1200" dirty="0" smtClean="0">
+                <a:solidFill>
+                  <a:schemeClr val="tx1"/>
+                </a:solidFill>
+                <a:latin typeface="+mn-lt"/>
+                <a:ea typeface="+mn-ea"/>
+                <a:cs typeface="+mn-cs"/>
+              </a:rPr>
+              <a:t>and had only done good?</a:t>
+            </a:r>
+            <a:endParaRPr lang="en-GB" sz="1200" b="0" i="0" kern="1200" dirty="0" smtClean="0">
+              <a:solidFill>
+                <a:schemeClr val="tx1"/>
+              </a:solidFill>
+              <a:latin typeface="+mn-lt"/>
+              <a:ea typeface="+mn-ea"/>
+              <a:cs typeface="+mn-cs"/>
+            </a:endParaRPr>
+          </a:p>
+          <a:p>
+            <a:r>
+              <a:rPr lang="en-GB" sz="1200" b="0" i="0" kern="1200" dirty="0" smtClean="0">
+                <a:solidFill>
+                  <a:schemeClr val="tx1"/>
+                </a:solidFill>
+                <a:latin typeface="+mn-lt"/>
+                <a:ea typeface="+mn-ea"/>
+                <a:cs typeface="+mn-cs"/>
+              </a:rPr>
+              <a:t>This is one of the most powerful benefits of TDD. When you have a suite of tests that you trust, then you lose all fear of making changes. When you see bad code, you simply clean it on the spot. The code becomes clay that you can safely sculpt into simple and pleasing structures.</a:t>
+            </a:r>
+          </a:p>
+          <a:p>
+            <a:r>
+              <a:rPr lang="en-GB" sz="1200" b="0" i="0" kern="1200" dirty="0" smtClean="0">
+                <a:solidFill>
+                  <a:schemeClr val="tx1"/>
+                </a:solidFill>
+                <a:latin typeface="+mn-lt"/>
+                <a:ea typeface="+mn-ea"/>
+                <a:cs typeface="+mn-cs"/>
+              </a:rPr>
+              <a:t>When programmers lose the fear of cleaning, they clean! And clean code is easier to understand, easier to change, and easier to extend. Defects become even less likely because the code gets simpler. And the code base steadily </a:t>
+            </a:r>
+            <a:r>
+              <a:rPr lang="en-GB" sz="1200" b="0" i="1" kern="1200" dirty="0" smtClean="0">
+                <a:solidFill>
+                  <a:schemeClr val="tx1"/>
+                </a:solidFill>
+                <a:latin typeface="+mn-lt"/>
+                <a:ea typeface="+mn-ea"/>
+                <a:cs typeface="+mn-cs"/>
+              </a:rPr>
+              <a:t>improves</a:t>
+            </a:r>
+            <a:r>
+              <a:rPr lang="en-GB" sz="1200" b="0" i="0" kern="1200" dirty="0" smtClean="0">
+                <a:solidFill>
+                  <a:schemeClr val="tx1"/>
+                </a:solidFill>
+                <a:latin typeface="+mn-lt"/>
+                <a:ea typeface="+mn-ea"/>
+                <a:cs typeface="+mn-cs"/>
+              </a:rPr>
+              <a:t> instead of the normal rotting that our industry has become used to.</a:t>
+            </a:r>
+          </a:p>
+          <a:p>
+            <a:r>
+              <a:rPr lang="en-GB" sz="1200" b="0" i="0" kern="1200" dirty="0" smtClean="0">
+                <a:solidFill>
+                  <a:schemeClr val="tx1"/>
+                </a:solidFill>
+                <a:latin typeface="+mn-lt"/>
+                <a:ea typeface="+mn-ea"/>
+                <a:cs typeface="+mn-cs"/>
+              </a:rPr>
+              <a:t>What professional programmer would allow the rotting to continue?</a:t>
+            </a:r>
+          </a:p>
+          <a:p>
+            <a:endParaRPr lang="en-GB" dirty="0" smtClean="0"/>
+          </a:p>
+          <a:p>
             <a:endParaRPr lang="en-US" dirty="0"/>
           </a:p>
         </p:txBody>
@@ -6664,7 +6960,7 @@
           <a:p>
             <a:fld id="{3F54E12A-92D0-47AC-AF21-2897E92B62D5}" type="slidenum">
               <a:rPr lang="en-US" smtClean="0"/>
-              <a:t>9</a:t>
+              <a:t>8</a:t>
             </a:fld>
             <a:endParaRPr lang="en-US"/>
           </a:p>
@@ -6673,7 +6969,7 @@
     </p:spTree>
     <p:extLst>
       <p:ext uri="{BB962C8B-B14F-4D97-AF65-F5344CB8AC3E}">
-        <p14:creationId xmlns:p14="http://schemas.microsoft.com/office/powerpoint/2010/main" val="2161750148"/>
+        <p14:creationId xmlns:p14="http://schemas.microsoft.com/office/powerpoint/2010/main" val="1064045778"/>
       </p:ext>
     </p:extLst>
   </p:cSld>
@@ -6729,14 +7025,144 @@
           <a:p>
             <a:r>
               <a:rPr lang="en-US" dirty="0" smtClean="0"/>
-              <a:t>but with differences in style since the two types of code serve different purposes. Test code should describe what the production code does. </a:t>
-            </a:r>
-          </a:p>
-          <a:p>
-            <a:r>
-              <a:rPr lang="en-US" dirty="0" smtClean="0"/>
-              <a:t>That means that it tends to be concrete about the values it uses as examples of what results to expect, but abstract about how the code works</a:t>
-            </a:r>
+              <a:t>You should be able to delete all your code and rebuild it using</a:t>
+            </a:r>
+            <a:r>
+              <a:rPr lang="en-US" baseline="0" dirty="0" smtClean="0"/>
+              <a:t> </a:t>
+            </a:r>
+            <a:r>
+              <a:rPr lang="en-US" baseline="0" dirty="0" smtClean="0"/>
+              <a:t>understanding </a:t>
+            </a:r>
+            <a:r>
+              <a:rPr lang="en-US" baseline="0" dirty="0" smtClean="0"/>
+              <a:t>of your tests </a:t>
+            </a:r>
+            <a:r>
+              <a:rPr lang="en-US" baseline="0" dirty="0" smtClean="0"/>
+              <a:t>.  </a:t>
+            </a:r>
+          </a:p>
+          <a:p>
+            <a:endParaRPr lang="en-US" baseline="0" dirty="0" smtClean="0"/>
+          </a:p>
+          <a:p>
+            <a:endParaRPr lang="en-US" baseline="0" dirty="0" smtClean="0"/>
+          </a:p>
+          <a:p>
+            <a:r>
+              <a:rPr lang="en-GB" sz="1200" b="0" i="0" kern="1200" dirty="0" smtClean="0">
+                <a:solidFill>
+                  <a:schemeClr val="tx1"/>
+                </a:solidFill>
+                <a:latin typeface="+mn-lt"/>
+                <a:ea typeface="+mn-ea"/>
+                <a:cs typeface="+mn-cs"/>
+              </a:rPr>
+              <a:t>Have you ever used a third-party framework? Often the third party will send you a nicely formatted manual written by tech writers. The typical manual employs 27 eight-by-ten </a:t>
+            </a:r>
+            <a:r>
+              <a:rPr lang="en-GB" sz="1200" b="0" i="0" kern="1200" dirty="0" err="1" smtClean="0">
+                <a:solidFill>
+                  <a:schemeClr val="tx1"/>
+                </a:solidFill>
+                <a:latin typeface="+mn-lt"/>
+                <a:ea typeface="+mn-ea"/>
+                <a:cs typeface="+mn-cs"/>
+              </a:rPr>
+              <a:t>color</a:t>
+            </a:r>
+            <a:r>
+              <a:rPr lang="en-GB" sz="1200" b="0" i="0" kern="1200" dirty="0" smtClean="0">
+                <a:solidFill>
+                  <a:schemeClr val="tx1"/>
+                </a:solidFill>
+                <a:latin typeface="+mn-lt"/>
+                <a:ea typeface="+mn-ea"/>
+                <a:cs typeface="+mn-cs"/>
+              </a:rPr>
+              <a:t> glossy photographs with circles and arrows and a paragraph on the back of each one explaining how to configure, deploy, manipulate, and otherwise use that framework. At the back, in the appendix, there’s often an ugly little section that contains all the code examples.</a:t>
+            </a:r>
+          </a:p>
+          <a:p>
+            <a:r>
+              <a:rPr lang="en-GB" sz="1200" b="0" i="0" kern="1200" dirty="0" smtClean="0">
+                <a:solidFill>
+                  <a:schemeClr val="tx1"/>
+                </a:solidFill>
+                <a:latin typeface="+mn-lt"/>
+                <a:ea typeface="+mn-ea"/>
+                <a:cs typeface="+mn-cs"/>
+              </a:rPr>
+              <a:t>Where’s the first place you go in that manual? If you are a programmer, you go to the code examples. You go to the code because you know the code will tell you the truth. The 27 eight-by-ten </a:t>
+            </a:r>
+            <a:r>
+              <a:rPr lang="en-GB" sz="1200" b="0" i="0" kern="1200" dirty="0" err="1" smtClean="0">
+                <a:solidFill>
+                  <a:schemeClr val="tx1"/>
+                </a:solidFill>
+                <a:latin typeface="+mn-lt"/>
+                <a:ea typeface="+mn-ea"/>
+                <a:cs typeface="+mn-cs"/>
+              </a:rPr>
+              <a:t>color</a:t>
+            </a:r>
+            <a:r>
+              <a:rPr lang="en-GB" sz="1200" b="0" i="0" kern="1200" dirty="0" smtClean="0">
+                <a:solidFill>
+                  <a:schemeClr val="tx1"/>
+                </a:solidFill>
+                <a:latin typeface="+mn-lt"/>
+                <a:ea typeface="+mn-ea"/>
+                <a:cs typeface="+mn-cs"/>
+              </a:rPr>
+              <a:t> glossy photographs with circles and arrows and a paragraph on the back might be pretty, but if you want to know how to use code you need to read code.</a:t>
+            </a:r>
+          </a:p>
+          <a:p>
+            <a:r>
+              <a:rPr lang="en-GB" sz="1200" b="0" i="0" kern="1200" dirty="0" smtClean="0">
+                <a:solidFill>
+                  <a:schemeClr val="tx1"/>
+                </a:solidFill>
+                <a:latin typeface="+mn-lt"/>
+                <a:ea typeface="+mn-ea"/>
+                <a:cs typeface="+mn-cs"/>
+              </a:rPr>
+              <a:t>Each of the unit tests you write when you follow the three laws is an example, written in code, describing how the system should be used. If you follow the three laws, then there will be a unit test that describes how to create every object in the system, every way that those objects can be created. </a:t>
+            </a:r>
+          </a:p>
+          <a:p>
+            <a:r>
+              <a:rPr lang="en-GB" sz="1200" b="0" i="0" kern="1200" dirty="0" smtClean="0">
+                <a:solidFill>
+                  <a:schemeClr val="tx1"/>
+                </a:solidFill>
+                <a:latin typeface="+mn-lt"/>
+                <a:ea typeface="+mn-ea"/>
+                <a:cs typeface="+mn-cs"/>
+              </a:rPr>
+              <a:t>There will be a unit test that describes how to call every function in the system every way that those functions can meaningfully be called. For anything you need to know how to do, there will be a unit test that describes it in detail.</a:t>
+            </a:r>
+          </a:p>
+          <a:p>
+            <a:r>
+              <a:rPr lang="en-GB" sz="1200" b="0" i="0" kern="1200" dirty="0" smtClean="0">
+                <a:solidFill>
+                  <a:schemeClr val="tx1"/>
+                </a:solidFill>
+                <a:latin typeface="+mn-lt"/>
+                <a:ea typeface="+mn-ea"/>
+                <a:cs typeface="+mn-cs"/>
+              </a:rPr>
+              <a:t>The unit tests are documents. They describe the lowest-level design of the system. They are unambiguous, accurate, written in a language that the audience understands, and are so formal that they execute. They are the best kind of low-level documentation that can exist. What professional would not provide such documentation?</a:t>
+            </a:r>
+          </a:p>
+          <a:p>
+            <a:endParaRPr lang="en-GB" dirty="0" smtClean="0"/>
+          </a:p>
+          <a:p>
             <a:endParaRPr lang="en-US" dirty="0"/>
           </a:p>
         </p:txBody>
@@ -6756,10 +7182,9 @@
           <a:bodyPr/>
           <a:lstStyle/>
           <a:p>
-            <a:fld id="{5783D7AA-6A74-42C9-8D9C-C1060C84B8E4}" type="slidenum">
+            <a:fld id="{3F54E12A-92D0-47AC-AF21-2897E92B62D5}" type="slidenum">
               <a:rPr lang="en-US" smtClean="0"/>
-              <a:pPr/>
-              <a:t>10</a:t>
+              <a:t>9</a:t>
             </a:fld>
             <a:endParaRPr lang="en-US"/>
           </a:p>
@@ -6768,7 +7193,7 @@
     </p:spTree>
     <p:extLst>
       <p:ext uri="{BB962C8B-B14F-4D97-AF65-F5344CB8AC3E}">
-        <p14:creationId xmlns:p14="http://schemas.microsoft.com/office/powerpoint/2010/main" val="2030991960"/>
+        <p14:creationId xmlns:p14="http://schemas.microsoft.com/office/powerpoint/2010/main" val="2161750148"/>
       </p:ext>
     </p:extLst>
   </p:cSld>
@@ -6819,25 +7244,20 @@
         </p:nvSpPr>
         <p:spPr/>
         <p:txBody>
-          <a:bodyPr>
-            <a:normAutofit/>
-          </a:bodyPr>
+          <a:bodyPr/>
           <a:lstStyle/>
           <a:p>
             <a:r>
               <a:rPr lang="en-US" dirty="0" smtClean="0"/>
-              <a:t>If test is not readable , it’s difficult to understand for new developer . We write test so that it fail in the future when something goes wrong so readability is very important  so that we can fix it easily</a:t>
-            </a:r>
-          </a:p>
-          <a:p>
-            <a:endParaRPr lang="en-US" dirty="0" smtClean="0"/>
+              <a:t>but with differences in style since the two types of code serve different purposes. Test code should describe what the production code does. </a:t>
+            </a:r>
           </a:p>
           <a:p>
             <a:r>
               <a:rPr lang="en-US" dirty="0" smtClean="0"/>
-              <a:t>Follow “Arrange , Act , Assert”</a:t>
-            </a:r>
-            <a:endParaRPr lang="en-GB" dirty="0"/>
+              <a:t>That means that it tends to be concrete about the values it uses as examples of what results to expect, but abstract about how the code works</a:t>
+            </a:r>
+            <a:endParaRPr lang="en-US" dirty="0"/>
           </a:p>
         </p:txBody>
       </p:sp>
@@ -6859,7 +7279,7 @@
             <a:fld id="{5783D7AA-6A74-42C9-8D9C-C1060C84B8E4}" type="slidenum">
               <a:rPr lang="en-US" smtClean="0"/>
               <a:pPr/>
-              <a:t>16</a:t>
+              <a:t>10</a:t>
             </a:fld>
             <a:endParaRPr lang="en-US"/>
           </a:p>
@@ -6868,7 +7288,7 @@
     </p:spTree>
     <p:extLst>
       <p:ext uri="{BB962C8B-B14F-4D97-AF65-F5344CB8AC3E}">
-        <p14:creationId xmlns:p14="http://schemas.microsoft.com/office/powerpoint/2010/main" val="593884257"/>
+        <p14:creationId xmlns:p14="http://schemas.microsoft.com/office/powerpoint/2010/main" val="2030991960"/>
       </p:ext>
     </p:extLst>
   </p:cSld>
@@ -6919,380 +7339,8 @@
         </p:nvSpPr>
         <p:spPr/>
         <p:txBody>
-          <a:bodyPr>
-            <a:normAutofit fontScale="77500" lnSpcReduction="20000"/>
-          </a:bodyPr>
-          <a:lstStyle/>
-          <a:p>
-            <a:pPr fontAlgn="base"/>
-            <a:r>
-              <a:rPr lang="en-US" sz="1200" b="0" i="0" kern="1200" dirty="0" smtClean="0">
-                <a:solidFill>
-                  <a:schemeClr val="tx1"/>
-                </a:solidFill>
-                <a:effectLst/>
-                <a:latin typeface="+mn-lt"/>
-                <a:ea typeface="+mn-ea"/>
-                <a:cs typeface="+mn-cs"/>
-              </a:rPr>
-              <a:t>For much of my career test automation meant tests that drove an application through its user-interface. Such tools would often provide the facility to record an interaction with the application and then allow you to play back that interaction, checking that the application returned the same results. Such an approach works well initially. It's easy to record tests, and the tests can be recorded by people with no knowledge of programming.</a:t>
-            </a:r>
-          </a:p>
-          <a:p>
-            <a:pPr fontAlgn="base"/>
-            <a:r>
-              <a:rPr lang="en-US" sz="1200" b="0" i="0" kern="1200" dirty="0" smtClean="0">
-                <a:solidFill>
-                  <a:schemeClr val="tx1"/>
-                </a:solidFill>
-                <a:effectLst/>
-                <a:latin typeface="+mn-lt"/>
-                <a:ea typeface="+mn-ea"/>
-                <a:cs typeface="+mn-cs"/>
-              </a:rPr>
-              <a:t>But this kind of approach quickly runs into trouble, becoming an </a:t>
-            </a:r>
-            <a:r>
-              <a:rPr lang="en-US" sz="1200" b="0" i="0" u="none" strike="noStrike" kern="1200" dirty="0" smtClean="0">
-                <a:solidFill>
-                  <a:schemeClr val="tx1"/>
-                </a:solidFill>
-                <a:effectLst/>
-                <a:latin typeface="+mn-lt"/>
-                <a:ea typeface="+mn-ea"/>
-                <a:cs typeface="+mn-cs"/>
-                <a:hlinkClick r:id="rId3"/>
-              </a:rPr>
-              <a:t>ice-cream cone</a:t>
-            </a:r>
-            <a:r>
-              <a:rPr lang="en-US" sz="1200" b="0" i="0" kern="1200" dirty="0" smtClean="0">
-                <a:solidFill>
-                  <a:schemeClr val="tx1"/>
-                </a:solidFill>
-                <a:effectLst/>
-                <a:latin typeface="+mn-lt"/>
-                <a:ea typeface="+mn-ea"/>
-                <a:cs typeface="+mn-cs"/>
-              </a:rPr>
-              <a:t>. Testing through the UI like this is slow, increasing build times. Often it requires installed </a:t>
-            </a:r>
-            <a:r>
-              <a:rPr lang="en-US" sz="1200" b="0" i="0" kern="1200" dirty="0" err="1" smtClean="0">
-                <a:solidFill>
-                  <a:schemeClr val="tx1"/>
-                </a:solidFill>
-                <a:effectLst/>
-                <a:latin typeface="+mn-lt"/>
-                <a:ea typeface="+mn-ea"/>
-                <a:cs typeface="+mn-cs"/>
-              </a:rPr>
-              <a:t>licences</a:t>
-            </a:r>
-            <a:r>
-              <a:rPr lang="en-US" sz="1200" b="0" i="0" kern="1200" dirty="0" smtClean="0">
-                <a:solidFill>
-                  <a:schemeClr val="tx1"/>
-                </a:solidFill>
-                <a:effectLst/>
-                <a:latin typeface="+mn-lt"/>
-                <a:ea typeface="+mn-ea"/>
-                <a:cs typeface="+mn-cs"/>
-              </a:rPr>
-              <a:t> for the test automation software, which means it can only be done on particular machines. Usually these cannot easily be run in a "headless" mode, monitored by scripts to put in a proper deployment pipeline.</a:t>
-            </a:r>
-          </a:p>
-          <a:p>
-            <a:pPr fontAlgn="base"/>
-            <a:r>
-              <a:rPr lang="en-US" sz="1200" b="0" i="0" kern="1200" dirty="0" smtClean="0">
-                <a:solidFill>
-                  <a:schemeClr val="tx1"/>
-                </a:solidFill>
-                <a:effectLst/>
-                <a:latin typeface="+mn-lt"/>
-                <a:ea typeface="+mn-ea"/>
-                <a:cs typeface="+mn-cs"/>
-              </a:rPr>
-              <a:t>Most importantly such tests are very brittle. An enhancement to the system can easily end up breaking lots of such tests, which then have to be re-recorded. You can reduce this problem by abandoning record-playback tools, but that makes the tests harder to write. </a:t>
-            </a:r>
-            <a:r>
-              <a:rPr lang="en-US" sz="1200" b="0" i="0" u="none" strike="noStrike" kern="1200" dirty="0" smtClean="0">
-                <a:solidFill>
-                  <a:schemeClr val="tx1"/>
-                </a:solidFill>
-                <a:effectLst/>
-                <a:latin typeface="+mn-lt"/>
-                <a:ea typeface="+mn-ea"/>
-                <a:cs typeface="+mn-cs"/>
-                <a:hlinkClick r:id="rId4"/>
-              </a:rPr>
-              <a:t>[1]</a:t>
-            </a:r>
-            <a:r>
-              <a:rPr lang="en-US" sz="1200" b="0" i="0" kern="1200" dirty="0" smtClean="0">
-                <a:solidFill>
-                  <a:schemeClr val="tx1"/>
-                </a:solidFill>
-                <a:effectLst/>
-                <a:latin typeface="+mn-lt"/>
-                <a:ea typeface="+mn-ea"/>
-                <a:cs typeface="+mn-cs"/>
-              </a:rPr>
-              <a:t> Even with good practices on writing them, end-to-end tests are more prone to </a:t>
-            </a:r>
-            <a:r>
-              <a:rPr lang="en-US" sz="1200" b="0" i="0" u="none" strike="noStrike" kern="1200" dirty="0" smtClean="0">
-                <a:solidFill>
-                  <a:schemeClr val="tx1"/>
-                </a:solidFill>
-                <a:effectLst/>
-                <a:latin typeface="+mn-lt"/>
-                <a:ea typeface="+mn-ea"/>
-                <a:cs typeface="+mn-cs"/>
-                <a:hlinkClick r:id="rId5"/>
-              </a:rPr>
-              <a:t>non-determinism problems</a:t>
-            </a:r>
-            <a:r>
-              <a:rPr lang="en-US" sz="1200" b="0" i="0" kern="1200" dirty="0" smtClean="0">
-                <a:solidFill>
-                  <a:schemeClr val="tx1"/>
-                </a:solidFill>
-                <a:effectLst/>
-                <a:latin typeface="+mn-lt"/>
-                <a:ea typeface="+mn-ea"/>
-                <a:cs typeface="+mn-cs"/>
-              </a:rPr>
-              <a:t>, which can undermine trust in them. In short, tests that run end-to-end through the UI are: brittle, expensive to write, and time consuming to run. So the pyramid argues that you should do much more automated testing through unit tests than you should through traditional GUI based testing. </a:t>
-            </a:r>
-            <a:r>
-              <a:rPr lang="en-US" sz="1200" b="0" i="0" u="none" strike="noStrike" kern="1200" dirty="0" smtClean="0">
-                <a:solidFill>
-                  <a:schemeClr val="tx1"/>
-                </a:solidFill>
-                <a:effectLst/>
-                <a:latin typeface="+mn-lt"/>
-                <a:ea typeface="+mn-ea"/>
-                <a:cs typeface="+mn-cs"/>
-                <a:hlinkClick r:id="rId6"/>
-              </a:rPr>
-              <a:t>[2]</a:t>
-            </a:r>
-            <a:endParaRPr lang="en-US" sz="1200" b="0" i="0" kern="1200" dirty="0" smtClean="0">
-              <a:solidFill>
-                <a:schemeClr val="tx1"/>
-              </a:solidFill>
-              <a:effectLst/>
-              <a:latin typeface="+mn-lt"/>
-              <a:ea typeface="+mn-ea"/>
-              <a:cs typeface="+mn-cs"/>
-            </a:endParaRPr>
-          </a:p>
-          <a:p>
-            <a:pPr fontAlgn="base"/>
-            <a:r>
-              <a:rPr lang="en-US" sz="1200" b="0" i="0" kern="1200" dirty="0" smtClean="0">
-                <a:solidFill>
-                  <a:schemeClr val="tx1"/>
-                </a:solidFill>
-                <a:effectLst/>
-                <a:latin typeface="+mn-lt"/>
-                <a:ea typeface="+mn-ea"/>
-                <a:cs typeface="+mn-cs"/>
-              </a:rPr>
-              <a:t>The pyramid also argues for an intermediate layer of tests that act through a service layer of an application, what I refer to </a:t>
-            </a:r>
-            <a:r>
-              <a:rPr lang="en-US" sz="1200" b="0" i="0" kern="1200" dirty="0" err="1" smtClean="0">
-                <a:solidFill>
-                  <a:schemeClr val="tx1"/>
-                </a:solidFill>
-                <a:effectLst/>
-                <a:latin typeface="+mn-lt"/>
-                <a:ea typeface="+mn-ea"/>
-                <a:cs typeface="+mn-cs"/>
-              </a:rPr>
-              <a:t>as</a:t>
-            </a:r>
-            <a:r>
-              <a:rPr lang="en-US" sz="1200" b="0" i="0" u="none" strike="noStrike" kern="1200" dirty="0" err="1" smtClean="0">
-                <a:solidFill>
-                  <a:schemeClr val="tx1"/>
-                </a:solidFill>
-                <a:effectLst/>
-                <a:latin typeface="+mn-lt"/>
-                <a:ea typeface="+mn-ea"/>
-                <a:cs typeface="+mn-cs"/>
-                <a:hlinkClick r:id="rId7"/>
-              </a:rPr>
-              <a:t>SubcutaneousTests</a:t>
-            </a:r>
-            <a:r>
-              <a:rPr lang="en-US" sz="1200" b="0" i="0" kern="1200" dirty="0" smtClean="0">
-                <a:solidFill>
-                  <a:schemeClr val="tx1"/>
-                </a:solidFill>
-                <a:effectLst/>
-                <a:latin typeface="+mn-lt"/>
-                <a:ea typeface="+mn-ea"/>
-                <a:cs typeface="+mn-cs"/>
-              </a:rPr>
-              <a:t>. These can provide many of the advantages of end-to-end tests but avoid many of the complexities of dealing with UI frameworks. In web applications this would correspond to testing through an API layer while the top UI part of the pyramid would correspond to tests using something like </a:t>
-            </a:r>
-            <a:r>
-              <a:rPr lang="en-US" sz="1200" b="0" i="0" u="none" strike="noStrike" kern="1200" dirty="0" smtClean="0">
-                <a:solidFill>
-                  <a:schemeClr val="tx1"/>
-                </a:solidFill>
-                <a:effectLst/>
-                <a:latin typeface="+mn-lt"/>
-                <a:ea typeface="+mn-ea"/>
-                <a:cs typeface="+mn-cs"/>
-                <a:hlinkClick r:id="rId8"/>
-              </a:rPr>
-              <a:t>Selenium</a:t>
-            </a:r>
-            <a:r>
-              <a:rPr lang="en-US" sz="1200" b="0" i="0" kern="1200" dirty="0" smtClean="0">
-                <a:solidFill>
-                  <a:schemeClr val="tx1"/>
-                </a:solidFill>
-                <a:effectLst/>
-                <a:latin typeface="+mn-lt"/>
-                <a:ea typeface="+mn-ea"/>
-                <a:cs typeface="+mn-cs"/>
-              </a:rPr>
-              <a:t> or </a:t>
-            </a:r>
-            <a:r>
-              <a:rPr lang="en-US" sz="1200" b="0" i="0" kern="1200" dirty="0" err="1" smtClean="0">
-                <a:solidFill>
-                  <a:schemeClr val="tx1"/>
-                </a:solidFill>
-                <a:effectLst/>
-                <a:latin typeface="+mn-lt"/>
-                <a:ea typeface="+mn-ea"/>
-                <a:cs typeface="+mn-cs"/>
-              </a:rPr>
-              <a:t>Sahi</a:t>
-            </a:r>
-            <a:r>
-              <a:rPr lang="en-US" sz="1200" b="0" i="0" kern="1200" dirty="0" smtClean="0">
-                <a:solidFill>
-                  <a:schemeClr val="tx1"/>
-                </a:solidFill>
-                <a:effectLst/>
-                <a:latin typeface="+mn-lt"/>
-                <a:ea typeface="+mn-ea"/>
-                <a:cs typeface="+mn-cs"/>
-              </a:rPr>
-              <a:t>.</a:t>
-            </a:r>
-          </a:p>
-          <a:p>
-            <a:pPr fontAlgn="base"/>
-            <a:r>
-              <a:rPr lang="en-US" sz="1200" b="0" i="0" kern="1200" dirty="0" smtClean="0">
-                <a:solidFill>
-                  <a:schemeClr val="tx1"/>
-                </a:solidFill>
-                <a:effectLst/>
-                <a:latin typeface="+mn-lt"/>
-                <a:ea typeface="+mn-ea"/>
-                <a:cs typeface="+mn-cs"/>
-              </a:rPr>
-              <a:t>The test pyramid comes up a lot in Agile testing circles and while its core message is sound, there is much more to say about building a well-balanced test portfolio. A common problem is that teams conflate the concepts of end-to-end tests, UI tests, and customer facing tests. These are all orthogonal characteristics. For example a rich </a:t>
-            </a:r>
-            <a:r>
-              <a:rPr lang="en-US" sz="1200" b="0" i="0" kern="1200" dirty="0" err="1" smtClean="0">
-                <a:solidFill>
-                  <a:schemeClr val="tx1"/>
-                </a:solidFill>
-                <a:effectLst/>
-                <a:latin typeface="+mn-lt"/>
-                <a:ea typeface="+mn-ea"/>
-                <a:cs typeface="+mn-cs"/>
-              </a:rPr>
-              <a:t>javascript</a:t>
-            </a:r>
-            <a:r>
-              <a:rPr lang="en-US" sz="1200" b="0" i="0" kern="1200" dirty="0" smtClean="0">
-                <a:solidFill>
-                  <a:schemeClr val="tx1"/>
-                </a:solidFill>
-                <a:effectLst/>
-                <a:latin typeface="+mn-lt"/>
-                <a:ea typeface="+mn-ea"/>
-                <a:cs typeface="+mn-cs"/>
-              </a:rPr>
-              <a:t> UI should have most of its UI behavior tested with </a:t>
-            </a:r>
-            <a:r>
-              <a:rPr lang="en-US" sz="1200" b="0" i="0" kern="1200" dirty="0" err="1" smtClean="0">
-                <a:solidFill>
-                  <a:schemeClr val="tx1"/>
-                </a:solidFill>
-                <a:effectLst/>
-                <a:latin typeface="+mn-lt"/>
-                <a:ea typeface="+mn-ea"/>
-                <a:cs typeface="+mn-cs"/>
-              </a:rPr>
-              <a:t>javascript</a:t>
-            </a:r>
-            <a:r>
-              <a:rPr lang="en-US" sz="1200" b="0" i="0" kern="1200" dirty="0" smtClean="0">
-                <a:solidFill>
-                  <a:schemeClr val="tx1"/>
-                </a:solidFill>
-                <a:effectLst/>
-                <a:latin typeface="+mn-lt"/>
-                <a:ea typeface="+mn-ea"/>
-                <a:cs typeface="+mn-cs"/>
-              </a:rPr>
-              <a:t> unit tests using something like </a:t>
-            </a:r>
-            <a:r>
-              <a:rPr lang="en-US" sz="1200" b="0" i="0" u="none" strike="noStrike" kern="1200" dirty="0" smtClean="0">
-                <a:solidFill>
-                  <a:schemeClr val="tx1"/>
-                </a:solidFill>
-                <a:effectLst/>
-                <a:latin typeface="+mn-lt"/>
-                <a:ea typeface="+mn-ea"/>
-                <a:cs typeface="+mn-cs"/>
-                <a:hlinkClick r:id="rId9"/>
-              </a:rPr>
-              <a:t>Jasmine</a:t>
-            </a:r>
-            <a:r>
-              <a:rPr lang="en-US" sz="1200" b="0" i="0" kern="1200" dirty="0" smtClean="0">
-                <a:solidFill>
-                  <a:schemeClr val="tx1"/>
-                </a:solidFill>
-                <a:effectLst/>
-                <a:latin typeface="+mn-lt"/>
-                <a:ea typeface="+mn-ea"/>
-                <a:cs typeface="+mn-cs"/>
-              </a:rPr>
-              <a:t>. A complex set of business rules could have tests captured in a customer-facing form, but run just on the relevant module much as unit tests are.</a:t>
-            </a:r>
-          </a:p>
-          <a:p>
-            <a:pPr fontAlgn="base"/>
-            <a:r>
-              <a:rPr lang="en-US" sz="1200" b="0" i="0" kern="1200" dirty="0" smtClean="0">
-                <a:solidFill>
-                  <a:schemeClr val="tx1"/>
-                </a:solidFill>
-                <a:effectLst/>
-                <a:latin typeface="+mn-lt"/>
-                <a:ea typeface="+mn-ea"/>
-                <a:cs typeface="+mn-cs"/>
-              </a:rPr>
-              <a:t>I always argue that high-level tests are there as a second line of test defense. If you get a failure in a high level test, not just do you have a bug in your functional code, you also have a missing or incorrect unit test. Thus I advise that before fixing a bug exposed by a high level test, you should replicate the bug with a unit test. Then the unit test ensures the bug stays dead</a:t>
-            </a:r>
-          </a:p>
+          <a:bodyPr/>
+          <a:lstStyle/>
           <a:p>
             <a:endParaRPr lang="en-US" dirty="0"/>
           </a:p>
@@ -7313,10 +7361,9 @@
           <a:bodyPr/>
           <a:lstStyle/>
           <a:p>
-            <a:fld id="{5783D7AA-6A74-42C9-8D9C-C1060C84B8E4}" type="slidenum">
+            <a:fld id="{3F54E12A-92D0-47AC-AF21-2897E92B62D5}" type="slidenum">
               <a:rPr lang="en-US" smtClean="0"/>
-              <a:pPr/>
-              <a:t>21</a:t>
+              <a:t>11</a:t>
             </a:fld>
             <a:endParaRPr lang="en-US"/>
           </a:p>
@@ -7325,7 +7372,7 @@
     </p:spTree>
     <p:extLst>
       <p:ext uri="{BB962C8B-B14F-4D97-AF65-F5344CB8AC3E}">
-        <p14:creationId xmlns:p14="http://schemas.microsoft.com/office/powerpoint/2010/main" val="4164075983"/>
+        <p14:creationId xmlns:p14="http://schemas.microsoft.com/office/powerpoint/2010/main" val="4293760421"/>
       </p:ext>
     </p:extLst>
   </p:cSld>
@@ -7354,7 +7401,7 @@
       </p:grpSpPr>
       <p:sp>
         <p:nvSpPr>
-          <p:cNvPr id="2" name="Folienbildplatzhalter 1"/>
+          <p:cNvPr id="2" name="Slide Image Placeholder 1"/>
           <p:cNvSpPr>
             <a:spLocks noGrp="1" noRot="1" noChangeAspect="1"/>
           </p:cNvSpPr>
@@ -7366,7 +7413,7 @@
       </p:sp>
       <p:sp>
         <p:nvSpPr>
-          <p:cNvPr id="3" name="Notizenplatzhalter 2"/>
+          <p:cNvPr id="3" name="Notes Placeholder 2"/>
           <p:cNvSpPr>
             <a:spLocks noGrp="1"/>
           </p:cNvSpPr>
@@ -7379,13 +7426,13 @@
           <a:bodyPr/>
           <a:lstStyle/>
           <a:p>
-            <a:endParaRPr lang="de-DE" dirty="0"/>
-          </a:p>
-        </p:txBody>
-      </p:sp>
-      <p:sp>
-        <p:nvSpPr>
-          <p:cNvPr id="4" name="Foliennummernplatzhalter 3"/>
+            <a:endParaRPr lang="en-US" dirty="0"/>
+          </a:p>
+        </p:txBody>
+      </p:sp>
+      <p:sp>
+        <p:nvSpPr>
+          <p:cNvPr id="4" name="Slide Number Placeholder 3"/>
           <p:cNvSpPr>
             <a:spLocks noGrp="1"/>
           </p:cNvSpPr>
@@ -7398,18 +7445,18 @@
           <a:bodyPr/>
           <a:lstStyle/>
           <a:p>
-            <a:fld id="{6047A338-E989-4FB8-9E79-C7D1C907295C}" type="slidenum">
-              <a:rPr lang="de-DE" smtClean="0"/>
-              <a:t>22</a:t>
+            <a:fld id="{3F54E12A-92D0-47AC-AF21-2897E92B62D5}" type="slidenum">
+              <a:rPr lang="en-US" smtClean="0"/>
+              <a:t>13</a:t>
             </a:fld>
-            <a:endParaRPr lang="de-DE"/>
+            <a:endParaRPr lang="en-US"/>
           </a:p>
         </p:txBody>
       </p:sp>
     </p:spTree>
     <p:extLst>
       <p:ext uri="{BB962C8B-B14F-4D97-AF65-F5344CB8AC3E}">
-        <p14:creationId xmlns:p14="http://schemas.microsoft.com/office/powerpoint/2010/main" val="3892738945"/>
+        <p14:creationId xmlns:p14="http://schemas.microsoft.com/office/powerpoint/2010/main" val="566918341"/>
       </p:ext>
     </p:extLst>
   </p:cSld>
@@ -10467,7 +10514,7 @@
         <p:spPr/>
         <p:txBody>
           <a:bodyPr>
-            <a:normAutofit fontScale="92500" lnSpcReduction="10000"/>
+            <a:normAutofit/>
           </a:bodyPr>
           <a:lstStyle/>
           <a:p>
@@ -10475,6 +10522,15 @@
               <a:rPr lang="en-US" dirty="0" smtClean="0"/>
               <a:t>Teams that adopt TDD usually see an early boost in productivity because the tests let them add features with confidence and catch errors immediately. </a:t>
             </a:r>
+            <a:r>
+              <a:rPr lang="en-US" dirty="0" smtClean="0"/>
+              <a:t> For </a:t>
+            </a:r>
+            <a:r>
+              <a:rPr lang="en-US" dirty="0" smtClean="0"/>
+              <a:t>some teams, the pace then slows down as the tests themselves become a maintenance burden. </a:t>
+            </a:r>
+            <a:endParaRPr lang="en-US" dirty="0" smtClean="0"/>
           </a:p>
           <a:p>
             <a:endParaRPr lang="en-US" dirty="0"/>
@@ -10482,21 +10538,15 @@
           <a:p>
             <a:r>
               <a:rPr lang="en-US" dirty="0" smtClean="0"/>
-              <a:t>For some teams, the pace then slows down as the tests themselves become a maintenance burden. For TDD to be sustainable, the tests must do more than verify the behavior of the code; they must also express that behavior clearly—they must be readable</a:t>
+              <a:t>For </a:t>
+            </a:r>
+            <a:r>
+              <a:rPr lang="en-US" dirty="0" smtClean="0"/>
+              <a:t>TDD to be sustainable, the tests must do more than verify the behavior of the code; they must also express that behavior clearly—they must be readable</a:t>
             </a:r>
           </a:p>
           <a:p>
             <a:endParaRPr lang="en-US" dirty="0"/>
-          </a:p>
-          <a:p>
-            <a:r>
-              <a:rPr lang="en-US" dirty="0" smtClean="0"/>
-              <a:t>We should take as much care about writing our test code as about production code</a:t>
-            </a:r>
-            <a:r>
-              <a:rPr lang="en-US" dirty="0"/>
-              <a:t>.</a:t>
-            </a:r>
           </a:p>
         </p:txBody>
       </p:sp>
@@ -10555,24 +10605,46 @@
       </p:sp>
       <p:pic>
         <p:nvPicPr>
-          <p:cNvPr id="4" name="Content Placeholder 3"/>
+          <p:cNvPr id="3" name="Picture 2"/>
           <p:cNvPicPr>
-            <a:picLocks noGrp="1" noChangeAspect="1"/>
+            <a:picLocks noChangeAspect="1"/>
           </p:cNvPicPr>
-          <p:nvPr>
-            <p:ph idx="1"/>
-          </p:nvPr>
+          <p:nvPr/>
         </p:nvPicPr>
         <p:blipFill>
-          <a:blip r:embed="rId2"/>
+          <a:blip r:embed="rId3"/>
           <a:stretch>
             <a:fillRect/>
           </a:stretch>
         </p:blipFill>
         <p:spPr>
           <a:xfrm>
-            <a:off x="2056494" y="2133600"/>
-            <a:ext cx="8154306" cy="3733800"/>
+            <a:off x="838200" y="2019481"/>
+            <a:ext cx="5086350" cy="2428875"/>
+          </a:xfrm>
+          <a:prstGeom prst="rect">
+            <a:avLst/>
+          </a:prstGeom>
+        </p:spPr>
+      </p:pic>
+      <p:pic>
+        <p:nvPicPr>
+          <p:cNvPr id="5" name="Picture 4"/>
+          <p:cNvPicPr>
+            <a:picLocks noChangeAspect="1"/>
+          </p:cNvPicPr>
+          <p:nvPr/>
+        </p:nvPicPr>
+        <p:blipFill>
+          <a:blip r:embed="rId4"/>
+          <a:stretch>
+            <a:fillRect/>
+          </a:stretch>
+        </p:blipFill>
+        <p:spPr>
+          <a:xfrm>
+            <a:off x="7029450" y="1982065"/>
+            <a:ext cx="4324350" cy="4057650"/>
           </a:xfrm>
           <a:prstGeom prst="rect">
             <a:avLst/>
@@ -10711,7 +10783,7 @@
       </p:grpSpPr>
       <p:sp>
         <p:nvSpPr>
-          <p:cNvPr id="2" name="Title 1"/>
+          <p:cNvPr id="2" name="Titel 1"/>
           <p:cNvSpPr>
             <a:spLocks noGrp="1"/>
           </p:cNvSpPr>
@@ -10724,96 +10796,69 @@
           <a:bodyPr/>
           <a:lstStyle/>
           <a:p>
-            <a:endParaRPr lang="en-US"/>
-          </a:p>
-        </p:txBody>
-      </p:sp>
-      <p:sp>
-        <p:nvSpPr>
-          <p:cNvPr id="3" name="Content Placeholder 2"/>
-          <p:cNvSpPr>
-            <a:spLocks noGrp="1"/>
-          </p:cNvSpPr>
-          <p:nvPr>
-            <p:ph idx="1"/>
-          </p:nvPr>
-        </p:nvSpPr>
-        <p:spPr/>
-        <p:txBody>
-          <a:bodyPr>
-            <a:normAutofit lnSpcReduction="10000"/>
-          </a:bodyPr>
-          <a:lstStyle/>
-          <a:p>
-            <a:pPr marL="0" indent="0">
-              <a:buNone/>
-            </a:pPr>
             <a:r>
               <a:rPr lang="en-US" dirty="0" smtClean="0"/>
-              <a:t>A better alternative is to name tests in terms of the features that the target object provides. </a:t>
-            </a:r>
-          </a:p>
-          <a:p>
-            <a:pPr marL="0" indent="0">
-              <a:buNone/>
-            </a:pPr>
+              <a:t>Test cases by states</a:t>
+            </a:r>
             <a:endParaRPr lang="en-US" dirty="0"/>
           </a:p>
-          <a:p>
-            <a:pPr marL="0" indent="0">
-              <a:buNone/>
-            </a:pPr>
-            <a:r>
-              <a:rPr lang="en-US" dirty="0" smtClean="0"/>
-              <a:t>For example, </a:t>
-            </a:r>
-          </a:p>
-          <a:p>
-            <a:r>
-              <a:rPr lang="en-US" dirty="0" smtClean="0"/>
-              <a:t>A List holds items in the order they were added.</a:t>
-            </a:r>
-          </a:p>
-          <a:p>
-            <a:r>
-              <a:rPr lang="en-US" dirty="0" smtClean="0"/>
-              <a:t>A List can hold multiple references to the same item. </a:t>
-            </a:r>
-          </a:p>
-          <a:p>
-            <a:r>
-              <a:rPr lang="en-US" dirty="0" smtClean="0"/>
-              <a:t>A List throws an exception when removing an item it doesn’t hold. </a:t>
-            </a:r>
-          </a:p>
-          <a:p>
-            <a:pPr marL="0" indent="0">
-              <a:buNone/>
-            </a:pPr>
-            <a:endParaRPr lang="en-US" dirty="0"/>
-          </a:p>
-          <a:p>
-            <a:pPr marL="0" indent="0">
-              <a:buNone/>
-            </a:pPr>
-            <a:r>
-              <a:rPr lang="en-US" dirty="0" smtClean="0"/>
-              <a:t>We can translate these directly to method names.</a:t>
-            </a:r>
-            <a:endParaRPr lang="en-US" dirty="0"/>
-          </a:p>
-        </p:txBody>
-      </p:sp>
+        </p:txBody>
+      </p:sp>
+      <p:pic>
+        <p:nvPicPr>
+          <p:cNvPr id="6" name="Grafik 5"/>
+          <p:cNvPicPr>
+            <a:picLocks noChangeAspect="1"/>
+          </p:cNvPicPr>
+          <p:nvPr/>
+        </p:nvPicPr>
+        <p:blipFill>
+          <a:blip r:embed="rId3">
+            <a:extLst>
+              <a:ext uri="{28A0092B-C50C-407E-A947-70E740481C1C}">
+                <a14:useLocalDpi xmlns:a14="http://schemas.microsoft.com/office/drawing/2010/main" val="0"/>
+              </a:ext>
+            </a:extLst>
+          </a:blip>
+          <a:stretch>
+            <a:fillRect/>
+          </a:stretch>
+        </p:blipFill>
+        <p:spPr>
+          <a:xfrm>
+            <a:off x="1708152" y="1397001"/>
+            <a:ext cx="2965449" cy="4920327"/>
+          </a:xfrm>
+          <a:prstGeom prst="rect">
+            <a:avLst/>
+          </a:prstGeom>
+        </p:spPr>
+      </p:pic>
     </p:spTree>
     <p:extLst>
       <p:ext uri="{BB962C8B-B14F-4D97-AF65-F5344CB8AC3E}">
-        <p14:creationId xmlns:p14="http://schemas.microsoft.com/office/powerpoint/2010/main" val="3121465668"/>
+        <p14:creationId xmlns:p14="http://schemas.microsoft.com/office/powerpoint/2010/main" val="725117997"/>
       </p:ext>
     </p:extLst>
   </p:cSld>
   <p:clrMapOvr>
     <a:masterClrMapping/>
   </p:clrMapOvr>
+  <mc:AlternateContent xmlns:mc="http://schemas.openxmlformats.org/markup-compatibility/2006" xmlns:p14="http://schemas.microsoft.com/office/powerpoint/2010/main">
+    <mc:Choice Requires="p14">
+      <p:transition p14:dur="0"/>
+    </mc:Choice>
+    <mc:Fallback xmlns="">
+      <p:transition/>
+    </mc:Fallback>
+  </mc:AlternateContent>
+  <p:timing>
+    <p:tnLst>
+      <p:par>
+        <p:cTn id="1" dur="indefinite" restart="never" nodeType="tmRoot"/>
+      </p:par>
+    </p:tnLst>
+  </p:timing>
 </p:sld>
 </file>
 
@@ -10834,34 +10879,13 @@
           <a:chExt cx="0" cy="0"/>
         </a:xfrm>
       </p:grpSpPr>
-      <p:sp>
-        <p:nvSpPr>
-          <p:cNvPr id="2" name="Title 1"/>
-          <p:cNvSpPr>
-            <a:spLocks noGrp="1"/>
-          </p:cNvSpPr>
-          <p:nvPr>
-            <p:ph type="title"/>
-          </p:nvPr>
-        </p:nvSpPr>
-        <p:spPr/>
-        <p:txBody>
-          <a:bodyPr/>
-          <a:lstStyle/>
-          <a:p>
-            <a:endParaRPr lang="en-US"/>
-          </a:p>
-        </p:txBody>
-      </p:sp>
       <p:pic>
         <p:nvPicPr>
-          <p:cNvPr id="4" name="Content Placeholder 3"/>
+          <p:cNvPr id="5" name="Picture 4"/>
           <p:cNvPicPr>
-            <a:picLocks noGrp="1" noChangeAspect="1"/>
+            <a:picLocks noChangeAspect="1"/>
           </p:cNvPicPr>
-          <p:nvPr>
-            <p:ph idx="1"/>
-          </p:nvPr>
+          <p:nvPr/>
         </p:nvPicPr>
         <p:blipFill>
           <a:blip r:embed="rId2"/>
@@ -10871,8 +10895,8 @@
         </p:blipFill>
         <p:spPr>
           <a:xfrm>
-            <a:off x="1879187" y="1752600"/>
-            <a:ext cx="7950613" cy="2667000"/>
+            <a:off x="2137757" y="0"/>
+            <a:ext cx="7661564" cy="6700058"/>
           </a:xfrm>
           <a:prstGeom prst="rect">
             <a:avLst/>
@@ -10882,7 +10906,7 @@
     </p:spTree>
     <p:extLst>
       <p:ext uri="{BB962C8B-B14F-4D97-AF65-F5344CB8AC3E}">
-        <p14:creationId xmlns:p14="http://schemas.microsoft.com/office/powerpoint/2010/main" val="4144184546"/>
+        <p14:creationId xmlns:p14="http://schemas.microsoft.com/office/powerpoint/2010/main" val="2138807300"/>
       </p:ext>
     </p:extLst>
   </p:cSld>
@@ -11560,7 +11584,49 @@
           <a:p>
             <a:r>
               <a:rPr lang="en-US" dirty="0" smtClean="0"/>
-              <a:t>Why test</a:t>
+              <a:t>Why </a:t>
+            </a:r>
+            <a:r>
+              <a:rPr lang="en-US" dirty="0" smtClean="0"/>
+              <a:t>test</a:t>
+            </a:r>
+          </a:p>
+          <a:p>
+            <a:r>
+              <a:rPr lang="en-US" dirty="0" smtClean="0"/>
+              <a:t>Why Automated test</a:t>
+            </a:r>
+          </a:p>
+          <a:p>
+            <a:r>
+              <a:rPr lang="en-US" dirty="0" smtClean="0"/>
+              <a:t>Test Driven Development</a:t>
+            </a:r>
+          </a:p>
+          <a:p>
+            <a:r>
+              <a:rPr lang="en-US" dirty="0" smtClean="0"/>
+              <a:t>Why test driven development</a:t>
+            </a:r>
+            <a:endParaRPr lang="en-US" dirty="0" smtClean="0"/>
+          </a:p>
+          <a:p>
+            <a:r>
+              <a:rPr lang="en-US" dirty="0" smtClean="0"/>
+              <a:t>Testable design</a:t>
+            </a:r>
+            <a:endParaRPr lang="en-US" dirty="0" smtClean="0"/>
+          </a:p>
+          <a:p>
+            <a:r>
+              <a:rPr lang="en-US" dirty="0" smtClean="0"/>
+              <a:t>Test Smells</a:t>
+            </a:r>
+          </a:p>
+          <a:p>
+            <a:r>
+              <a:rPr lang="en-US" dirty="0" smtClean="0"/>
+              <a:t>Code Coverage</a:t>
             </a:r>
             <a:endParaRPr lang="en-US" dirty="0"/>
           </a:p>
@@ -13010,12 +13076,53 @@
       </p:grpSpPr>
       <p:sp>
         <p:nvSpPr>
-          <p:cNvPr id="2" name="Title 1"/>
-          <p:cNvSpPr>
-            <a:spLocks noGrp="1"/>
-          </p:cNvSpPr>
-          <p:nvPr>
-            <p:ph type="title"/>
+          <p:cNvPr id="4" name="Title 3"/>
+          <p:cNvSpPr>
+            <a:spLocks noGrp="1"/>
+          </p:cNvSpPr>
+          <p:nvPr>
+            <p:ph type="ctrTitle"/>
+          </p:nvPr>
+        </p:nvSpPr>
+        <p:spPr>
+          <a:xfrm>
+            <a:off x="1350264" y="610299"/>
+            <a:ext cx="9144000" cy="2387600"/>
+          </a:xfrm>
+        </p:spPr>
+        <p:txBody>
+          <a:bodyPr>
+            <a:normAutofit/>
+          </a:bodyPr>
+          <a:lstStyle/>
+          <a:p>
+            <a:r>
+              <a:rPr lang="en-US" sz="4400" dirty="0"/>
+              <a:t>“If it's worth building, it's worth testing. </a:t>
+            </a:r>
+            <a:br>
+              <a:rPr lang="en-US" sz="4400" dirty="0"/>
+            </a:br>
+            <a:r>
+              <a:rPr lang="en-US" sz="4400" dirty="0"/>
+              <a:t>If it's not worth testing, why are you wasting your time working on it</a:t>
+            </a:r>
+            <a:r>
+              <a:rPr lang="en-US" sz="4400" dirty="0" smtClean="0"/>
+              <a:t>?“</a:t>
+            </a:r>
+            <a:endParaRPr lang="en-US" sz="4400" dirty="0"/>
+          </a:p>
+        </p:txBody>
+      </p:sp>
+      <p:sp>
+        <p:nvSpPr>
+          <p:cNvPr id="3" name="Content Placeholder 2"/>
+          <p:cNvSpPr>
+            <a:spLocks noGrp="1"/>
+          </p:cNvSpPr>
+          <p:nvPr>
+            <p:ph type="subTitle" idx="1"/>
           </p:nvPr>
         </p:nvSpPr>
         <p:spPr/>
@@ -13023,37 +13130,20 @@
           <a:bodyPr/>
           <a:lstStyle/>
           <a:p>
-            <a:r>
-              <a:rPr lang="en-US" dirty="0" smtClean="0"/>
-              <a:t>Why Tests</a:t>
-            </a:r>
+            <a:pPr marL="0" indent="0">
+              <a:buNone/>
+            </a:pPr>
+            <a:endParaRPr lang="en-US" dirty="0" smtClean="0"/>
+          </a:p>
+          <a:p>
             <a:endParaRPr lang="en-US" dirty="0"/>
-          </a:p>
-        </p:txBody>
-      </p:sp>
-      <p:sp>
-        <p:nvSpPr>
-          <p:cNvPr id="3" name="Content Placeholder 2"/>
-          <p:cNvSpPr>
-            <a:spLocks noGrp="1"/>
-          </p:cNvSpPr>
-          <p:nvPr>
-            <p:ph idx="1"/>
-          </p:nvPr>
-        </p:nvSpPr>
-        <p:spPr/>
-        <p:txBody>
-          <a:bodyPr/>
-          <a:lstStyle/>
-          <a:p>
-            <a:endParaRPr lang="en-US"/>
           </a:p>
         </p:txBody>
       </p:sp>
     </p:spTree>
     <p:extLst>
       <p:ext uri="{BB962C8B-B14F-4D97-AF65-F5344CB8AC3E}">
-        <p14:creationId xmlns:p14="http://schemas.microsoft.com/office/powerpoint/2010/main" val="2472922407"/>
+        <p14:creationId xmlns:p14="http://schemas.microsoft.com/office/powerpoint/2010/main" val="3781444933"/>
       </p:ext>
     </p:extLst>
   </p:cSld>
@@ -13126,11 +13216,7 @@
           <a:p>
             <a:r>
               <a:rPr lang="en-US" dirty="0" smtClean="0"/>
-              <a:t>Programming to </a:t>
-            </a:r>
-            <a:r>
-              <a:rPr lang="en-US" dirty="0" smtClean="0"/>
-              <a:t>interface </a:t>
+              <a:t>Programming to interface </a:t>
             </a:r>
           </a:p>
           <a:p>
@@ -13138,14 +13224,12 @@
               <a:rPr lang="en-US" dirty="0" smtClean="0"/>
               <a:t>LSP – mock *</a:t>
             </a:r>
-            <a:endParaRPr lang="en-US" dirty="0" smtClean="0"/>
           </a:p>
           <a:p>
             <a:r>
               <a:rPr lang="en-US" dirty="0" smtClean="0"/>
               <a:t>SRP</a:t>
             </a:r>
-            <a:endParaRPr lang="en-US" dirty="0" smtClean="0"/>
           </a:p>
           <a:p>
             <a:r>
@@ -13561,80 +13645,102 @@
       </p:grpSpPr>
       <p:sp>
         <p:nvSpPr>
-          <p:cNvPr id="4" name="Title 3"/>
-          <p:cNvSpPr>
-            <a:spLocks noGrp="1"/>
-          </p:cNvSpPr>
-          <p:nvPr>
-            <p:ph type="ctrTitle"/>
-          </p:nvPr>
-        </p:nvSpPr>
-        <p:spPr>
-          <a:xfrm>
-            <a:off x="1350264" y="610299"/>
-            <a:ext cx="9144000" cy="2387600"/>
-          </a:xfrm>
-        </p:spPr>
+          <p:cNvPr id="2" name="Title 1"/>
+          <p:cNvSpPr>
+            <a:spLocks noGrp="1"/>
+          </p:cNvSpPr>
+          <p:nvPr>
+            <p:ph type="title"/>
+          </p:nvPr>
+        </p:nvSpPr>
+        <p:spPr/>
+        <p:txBody>
+          <a:bodyPr/>
+          <a:lstStyle/>
+          <a:p>
+            <a:r>
+              <a:rPr lang="en-US" dirty="0" smtClean="0"/>
+              <a:t>Building the right feedback loop</a:t>
+            </a:r>
+            <a:endParaRPr lang="en-US" dirty="0"/>
+          </a:p>
+        </p:txBody>
+      </p:sp>
+      <p:sp>
+        <p:nvSpPr>
+          <p:cNvPr id="3" name="Content Placeholder 2"/>
+          <p:cNvSpPr>
+            <a:spLocks noGrp="1"/>
+          </p:cNvSpPr>
+          <p:nvPr>
+            <p:ph idx="1"/>
+          </p:nvPr>
+        </p:nvSpPr>
+        <p:spPr/>
         <p:txBody>
           <a:bodyPr>
             <a:normAutofit/>
           </a:bodyPr>
           <a:lstStyle/>
           <a:p>
-            <a:r>
-              <a:rPr lang="en-US" sz="4400" dirty="0"/>
-              <a:t>“If it's worth building, it's worth testing. </a:t>
-            </a:r>
-            <a:br>
-              <a:rPr lang="en-US" sz="4400" dirty="0"/>
-            </a:br>
-            <a:r>
-              <a:rPr lang="en-US" sz="4400" dirty="0"/>
-              <a:t>If it's not worth testing, why are you wasting your time working on it</a:t>
-            </a:r>
-            <a:r>
-              <a:rPr lang="en-US" sz="4400" dirty="0" smtClean="0"/>
-              <a:t>?“</a:t>
-            </a:r>
-            <a:endParaRPr lang="en-US" sz="4400" dirty="0"/>
-          </a:p>
-        </p:txBody>
-      </p:sp>
-      <p:sp>
-        <p:nvSpPr>
-          <p:cNvPr id="3" name="Content Placeholder 2"/>
-          <p:cNvSpPr>
-            <a:spLocks noGrp="1"/>
-          </p:cNvSpPr>
-          <p:nvPr>
-            <p:ph type="subTitle" idx="1"/>
-          </p:nvPr>
-        </p:nvSpPr>
-        <p:spPr/>
-        <p:txBody>
-          <a:bodyPr/>
-          <a:lstStyle/>
-          <a:p>
             <a:pPr marL="0" indent="0">
               <a:buNone/>
             </a:pPr>
+            <a:r>
+              <a:rPr lang="en-US" dirty="0"/>
+              <a:t>Tests create a feedback loop that informs the developer whether the product is working or not. </a:t>
+            </a:r>
             <a:endParaRPr lang="en-US" dirty="0" smtClean="0"/>
           </a:p>
           <a:p>
+            <a:pPr marL="0" indent="0">
+              <a:buNone/>
+            </a:pPr>
             <a:endParaRPr lang="en-US" dirty="0"/>
+          </a:p>
+        </p:txBody>
+      </p:sp>
+      <p:sp>
+        <p:nvSpPr>
+          <p:cNvPr id="4" name="Slide Number Placeholder 3"/>
+          <p:cNvSpPr>
+            <a:spLocks noGrp="1"/>
+          </p:cNvSpPr>
+          <p:nvPr>
+            <p:ph type="sldNum" sz="quarter" idx="12"/>
+          </p:nvPr>
+        </p:nvSpPr>
+        <p:spPr/>
+        <p:txBody>
+          <a:bodyPr/>
+          <a:lstStyle/>
+          <a:p>
+            <a:fld id="{2387B7E2-7538-4163-9310-D5E6EE1BC12A}" type="slidenum">
+              <a:rPr lang="en-US" smtClean="0"/>
+              <a:pPr/>
+              <a:t>4</a:t>
+            </a:fld>
+            <a:endParaRPr lang="en-US"/>
           </a:p>
         </p:txBody>
       </p:sp>
     </p:spTree>
     <p:extLst>
       <p:ext uri="{BB962C8B-B14F-4D97-AF65-F5344CB8AC3E}">
-        <p14:creationId xmlns:p14="http://schemas.microsoft.com/office/powerpoint/2010/main" val="3781444933"/>
+        <p14:creationId xmlns:p14="http://schemas.microsoft.com/office/powerpoint/2010/main" val="1093903941"/>
       </p:ext>
     </p:extLst>
   </p:cSld>
   <p:clrMapOvr>
     <a:masterClrMapping/>
   </p:clrMapOvr>
+  <p:timing>
+    <p:tnLst>
+      <p:par>
+        <p:cTn id="1" dur="indefinite" restart="never" nodeType="tmRoot"/>
+      </p:par>
+    </p:tnLst>
+  </p:timing>
 </p:sld>
 </file>
 
@@ -13672,7 +13778,15 @@
           <a:p>
             <a:r>
               <a:rPr lang="en-US" dirty="0" smtClean="0"/>
-              <a:t>Building the right feedback loop</a:t>
+              <a:t>Ideal </a:t>
+            </a:r>
+            <a:r>
+              <a:rPr lang="en-US" dirty="0"/>
+              <a:t>feedback loop </a:t>
+            </a:r>
+            <a:r>
+              <a:rPr lang="en-US" dirty="0" smtClean="0"/>
+              <a:t>properties</a:t>
             </a:r>
             <a:endParaRPr lang="en-US" dirty="0"/>
           </a:p>
@@ -13695,64 +13809,59 @@
           </a:bodyPr>
           <a:lstStyle/>
           <a:p>
-            <a:pPr marL="0" indent="0">
-              <a:buNone/>
-            </a:pPr>
+            <a:r>
+              <a:rPr lang="en-US" u="sng" dirty="0"/>
+              <a:t>It's fast</a:t>
+            </a:r>
             <a:r>
               <a:rPr lang="en-US" dirty="0"/>
-              <a:t>Tests create a feedback loop that informs the developer whether the product is working or not. </a:t>
+              <a:t>. </a:t>
+            </a:r>
+          </a:p>
+          <a:p>
+            <a:r>
+              <a:rPr lang="en-US" u="sng" dirty="0"/>
+              <a:t>It's reliable</a:t>
+            </a:r>
+            <a:r>
+              <a:rPr lang="en-US" dirty="0"/>
+              <a:t>. </a:t>
             </a:r>
             <a:endParaRPr lang="en-US" dirty="0" smtClean="0"/>
           </a:p>
           <a:p>
-            <a:pPr marL="0" indent="0">
-              <a:buNone/>
-            </a:pPr>
+            <a:r>
+              <a:rPr lang="en-US" u="sng" dirty="0" smtClean="0"/>
+              <a:t>It </a:t>
+            </a:r>
+            <a:r>
+              <a:rPr lang="en-US" u="sng" dirty="0"/>
+              <a:t>isolates failures</a:t>
+            </a:r>
+            <a:r>
+              <a:rPr lang="en-US" dirty="0" smtClean="0"/>
+              <a:t>..</a:t>
+            </a:r>
+            <a:r>
+              <a:rPr lang="en-US" dirty="0"/>
+              <a:t> </a:t>
+            </a:r>
+          </a:p>
+          <a:p>
             <a:endParaRPr lang="en-US" dirty="0"/>
-          </a:p>
-        </p:txBody>
-      </p:sp>
-      <p:sp>
-        <p:nvSpPr>
-          <p:cNvPr id="4" name="Slide Number Placeholder 3"/>
-          <p:cNvSpPr>
-            <a:spLocks noGrp="1"/>
-          </p:cNvSpPr>
-          <p:nvPr>
-            <p:ph type="sldNum" sz="quarter" idx="12"/>
-          </p:nvPr>
-        </p:nvSpPr>
-        <p:spPr/>
-        <p:txBody>
-          <a:bodyPr/>
-          <a:lstStyle/>
-          <a:p>
-            <a:fld id="{2387B7E2-7538-4163-9310-D5E6EE1BC12A}" type="slidenum">
-              <a:rPr lang="en-US" smtClean="0"/>
-              <a:pPr/>
-              <a:t>5</a:t>
-            </a:fld>
-            <a:endParaRPr lang="en-US"/>
           </a:p>
         </p:txBody>
       </p:sp>
     </p:spTree>
     <p:extLst>
       <p:ext uri="{BB962C8B-B14F-4D97-AF65-F5344CB8AC3E}">
-        <p14:creationId xmlns:p14="http://schemas.microsoft.com/office/powerpoint/2010/main" val="1093903941"/>
+        <p14:creationId xmlns:p14="http://schemas.microsoft.com/office/powerpoint/2010/main" val="2983205494"/>
       </p:ext>
     </p:extLst>
   </p:cSld>
   <p:clrMapOvr>
     <a:masterClrMapping/>
   </p:clrMapOvr>
-  <p:timing>
-    <p:tnLst>
-      <p:par>
-        <p:cTn id="1" dur="indefinite" restart="never" nodeType="tmRoot"/>
-      </p:par>
-    </p:tnLst>
-  </p:timing>
 </p:sld>
 </file>
 
@@ -13972,10 +14081,18 @@
           <a:lstStyle/>
           <a:p>
             <a:r>
-              <a:rPr lang="en-US" dirty="0" smtClean="0"/>
+              <a:rPr lang="en-US" dirty="0" smtClean="0">
+                <a:solidFill>
+                  <a:srgbClr val="FF0000"/>
+                </a:solidFill>
+              </a:rPr>
               <a:t>Why Automated test</a:t>
             </a:r>
-            <a:endParaRPr lang="en-US" dirty="0"/>
+            <a:endParaRPr lang="en-US" dirty="0">
+              <a:solidFill>
+                <a:srgbClr val="FF0000"/>
+              </a:solidFill>
+            </a:endParaRPr>
           </a:p>
         </p:txBody>
       </p:sp>
@@ -14208,9 +14325,39 @@
           <a:bodyPr/>
           <a:lstStyle/>
           <a:p>
-            <a:pPr marL="0" indent="0">
+            <a:pPr>
               <a:buNone/>
             </a:pPr>
+            <a:r>
+              <a:rPr lang="en-US" i="1" dirty="0"/>
+              <a:t> </a:t>
+            </a:r>
+            <a:r>
+              <a:rPr lang="en-US" i="1" dirty="0" smtClean="0"/>
+              <a:t>	Create </a:t>
+            </a:r>
+            <a:r>
+              <a:rPr lang="en-US" i="1" dirty="0"/>
+              <a:t>a suite of documents that fully describe the low level behavior of the system .</a:t>
+            </a:r>
+          </a:p>
+          <a:p>
+            <a:pPr>
+              <a:buNone/>
+            </a:pPr>
+            <a:r>
+              <a:rPr lang="en-US" i="1" dirty="0"/>
+              <a:t>   </a:t>
+            </a:r>
+          </a:p>
+          <a:p>
+            <a:pPr>
+              <a:buNone/>
+            </a:pPr>
+            <a:r>
+              <a:rPr lang="en-US" i="1" dirty="0"/>
+              <a:t>    Low level documentation that  executes</a:t>
+            </a:r>
             <a:endParaRPr lang="en-US" dirty="0"/>
           </a:p>
         </p:txBody>

--- a/TDDExamples/Persentation/TDD.pptx
+++ b/TDDExamples/Persentation/TDD.pptx
@@ -5,7 +5,7 @@
     <p:sldMasterId id="2147483648" r:id="rId1"/>
   </p:sldMasterIdLst>
   <p:notesMasterIdLst>
-    <p:notesMasterId r:id="rId36"/>
+    <p:notesMasterId r:id="rId39"/>
   </p:notesMasterIdLst>
   <p:sldIdLst>
     <p:sldId id="256" r:id="rId2"/>
@@ -16,32 +16,35 @@
     <p:sldId id="264" r:id="rId7"/>
     <p:sldId id="313" r:id="rId8"/>
     <p:sldId id="275" r:id="rId9"/>
-    <p:sldId id="300" r:id="rId10"/>
-    <p:sldId id="301" r:id="rId11"/>
-    <p:sldId id="302" r:id="rId12"/>
-    <p:sldId id="303" r:id="rId13"/>
-    <p:sldId id="315" r:id="rId14"/>
-    <p:sldId id="316" r:id="rId15"/>
-    <p:sldId id="306" r:id="rId16"/>
-    <p:sldId id="307" r:id="rId17"/>
-    <p:sldId id="276" r:id="rId18"/>
-    <p:sldId id="277" r:id="rId19"/>
-    <p:sldId id="278" r:id="rId20"/>
-    <p:sldId id="267" r:id="rId21"/>
-    <p:sldId id="268" r:id="rId22"/>
-    <p:sldId id="270" r:id="rId23"/>
-    <p:sldId id="308" r:id="rId24"/>
-    <p:sldId id="309" r:id="rId25"/>
-    <p:sldId id="310" r:id="rId26"/>
-    <p:sldId id="269" r:id="rId27"/>
-    <p:sldId id="279" r:id="rId28"/>
-    <p:sldId id="266" r:id="rId29"/>
-    <p:sldId id="281" r:id="rId30"/>
-    <p:sldId id="282" r:id="rId31"/>
-    <p:sldId id="311" r:id="rId32"/>
-    <p:sldId id="280" r:id="rId33"/>
-    <p:sldId id="312" r:id="rId34"/>
-    <p:sldId id="262" r:id="rId35"/>
+    <p:sldId id="317" r:id="rId10"/>
+    <p:sldId id="318" r:id="rId11"/>
+    <p:sldId id="319" r:id="rId12"/>
+    <p:sldId id="300" r:id="rId13"/>
+    <p:sldId id="320" r:id="rId14"/>
+    <p:sldId id="301" r:id="rId15"/>
+    <p:sldId id="302" r:id="rId16"/>
+    <p:sldId id="303" r:id="rId17"/>
+    <p:sldId id="315" r:id="rId18"/>
+    <p:sldId id="316" r:id="rId19"/>
+    <p:sldId id="306" r:id="rId20"/>
+    <p:sldId id="307" r:id="rId21"/>
+    <p:sldId id="267" r:id="rId22"/>
+    <p:sldId id="268" r:id="rId23"/>
+    <p:sldId id="270" r:id="rId24"/>
+    <p:sldId id="308" r:id="rId25"/>
+    <p:sldId id="309" r:id="rId26"/>
+    <p:sldId id="310" r:id="rId27"/>
+    <p:sldId id="269" r:id="rId28"/>
+    <p:sldId id="279" r:id="rId29"/>
+    <p:sldId id="266" r:id="rId30"/>
+    <p:sldId id="281" r:id="rId31"/>
+    <p:sldId id="321" r:id="rId32"/>
+    <p:sldId id="282" r:id="rId33"/>
+    <p:sldId id="322" r:id="rId34"/>
+    <p:sldId id="311" r:id="rId35"/>
+    <p:sldId id="280" r:id="rId36"/>
+    <p:sldId id="312" r:id="rId37"/>
+    <p:sldId id="262" r:id="rId38"/>
   </p:sldIdLst>
   <p:sldSz cx="12192000" cy="6858000"/>
   <p:notesSz cx="6858000" cy="9144000"/>
@@ -1220,6 +1223,373 @@
       <dsp:cNvGrpSpPr/>
     </dsp:nvGrpSpPr>
     <dsp:grpSpPr/>
+    <dsp:sp modelId="{D4F671A0-009C-4A65-AC3A-14063918E045}">
+      <dsp:nvSpPr>
+        <dsp:cNvPr id="0" name=""/>
+        <dsp:cNvSpPr/>
+      </dsp:nvSpPr>
+      <dsp:spPr>
+        <a:xfrm>
+          <a:off x="1364379" y="255354"/>
+          <a:ext cx="3299967" cy="3299967"/>
+        </a:xfrm>
+        <a:prstGeom prst="pie">
+          <a:avLst>
+            <a:gd name="adj1" fmla="val 16200000"/>
+            <a:gd name="adj2" fmla="val 1800000"/>
+          </a:avLst>
+        </a:prstGeom>
+        <a:solidFill>
+          <a:schemeClr val="accent6">
+            <a:lumMod val="75000"/>
+          </a:schemeClr>
+        </a:solidFill>
+        <a:ln>
+          <a:noFill/>
+        </a:ln>
+        <a:effectLst>
+          <a:outerShdw blurRad="57150" dist="19050" dir="5400000" algn="ctr" rotWithShape="0">
+            <a:srgbClr val="000000">
+              <a:alpha val="63000"/>
+            </a:srgbClr>
+          </a:outerShdw>
+        </a:effectLst>
+      </dsp:spPr>
+      <dsp:style>
+        <a:lnRef idx="0">
+          <a:scrgbClr r="0" g="0" b="0"/>
+        </a:lnRef>
+        <a:fillRef idx="3">
+          <a:scrgbClr r="0" g="0" b="0"/>
+        </a:fillRef>
+        <a:effectRef idx="3">
+          <a:scrgbClr r="0" g="0" b="0"/>
+        </a:effectRef>
+        <a:fontRef idx="minor">
+          <a:schemeClr val="lt1"/>
+        </a:fontRef>
+      </dsp:style>
+      <dsp:txBody>
+        <a:bodyPr spcFirstLastPara="0" vert="horz" wrap="square" lIns="43180" tIns="43180" rIns="43180" bIns="43180" numCol="1" spcCol="1270" anchor="ctr" anchorCtr="0">
+          <a:noAutofit/>
+        </a:bodyPr>
+        <a:lstStyle/>
+        <a:p>
+          <a:pPr lvl="0" algn="ctr" defTabSz="1511300">
+            <a:lnSpc>
+              <a:spcPct val="90000"/>
+            </a:lnSpc>
+            <a:spcBef>
+              <a:spcPct val="0"/>
+            </a:spcBef>
+            <a:spcAft>
+              <a:spcPct val="35000"/>
+            </a:spcAft>
+          </a:pPr>
+          <a:r>
+            <a:rPr lang="en-US" sz="3400" kern="1200" dirty="0" smtClean="0"/>
+            <a:t>Green</a:t>
+          </a:r>
+          <a:endParaRPr lang="en-US" sz="3400" kern="1200" dirty="0"/>
+        </a:p>
+      </dsp:txBody>
+      <dsp:txXfrm>
+        <a:off x="3103541" y="954633"/>
+        <a:ext cx="1178559" cy="982133"/>
+      </dsp:txXfrm>
+    </dsp:sp>
+    <dsp:sp modelId="{5B50B858-5013-4D50-B4AF-133E7F0F35C5}">
+      <dsp:nvSpPr>
+        <dsp:cNvPr id="0" name=""/>
+        <dsp:cNvSpPr/>
+      </dsp:nvSpPr>
+      <dsp:spPr>
+        <a:xfrm>
+          <a:off x="1296416" y="373210"/>
+          <a:ext cx="3299967" cy="3299967"/>
+        </a:xfrm>
+        <a:prstGeom prst="pie">
+          <a:avLst>
+            <a:gd name="adj1" fmla="val 1800000"/>
+            <a:gd name="adj2" fmla="val 9000000"/>
+          </a:avLst>
+        </a:prstGeom>
+        <a:solidFill>
+          <a:schemeClr val="accent1">
+            <a:lumMod val="50000"/>
+          </a:schemeClr>
+        </a:solidFill>
+        <a:ln>
+          <a:noFill/>
+        </a:ln>
+        <a:effectLst>
+          <a:outerShdw blurRad="57150" dist="19050" dir="5400000" algn="ctr" rotWithShape="0">
+            <a:srgbClr val="000000">
+              <a:alpha val="63000"/>
+            </a:srgbClr>
+          </a:outerShdw>
+        </a:effectLst>
+      </dsp:spPr>
+      <dsp:style>
+        <a:lnRef idx="0">
+          <a:scrgbClr r="0" g="0" b="0"/>
+        </a:lnRef>
+        <a:fillRef idx="3">
+          <a:scrgbClr r="0" g="0" b="0"/>
+        </a:fillRef>
+        <a:effectRef idx="3">
+          <a:scrgbClr r="0" g="0" b="0"/>
+        </a:effectRef>
+        <a:fontRef idx="minor">
+          <a:schemeClr val="lt1"/>
+        </a:fontRef>
+      </dsp:style>
+      <dsp:txBody>
+        <a:bodyPr spcFirstLastPara="0" vert="horz" wrap="square" lIns="43180" tIns="43180" rIns="43180" bIns="43180" numCol="1" spcCol="1270" anchor="ctr" anchorCtr="0">
+          <a:noAutofit/>
+        </a:bodyPr>
+        <a:lstStyle/>
+        <a:p>
+          <a:pPr lvl="0" algn="ctr" defTabSz="1511300">
+            <a:lnSpc>
+              <a:spcPct val="90000"/>
+            </a:lnSpc>
+            <a:spcBef>
+              <a:spcPct val="0"/>
+            </a:spcBef>
+            <a:spcAft>
+              <a:spcPct val="35000"/>
+            </a:spcAft>
+          </a:pPr>
+          <a:r>
+            <a:rPr lang="en-US" sz="3400" kern="1200" dirty="0" smtClean="0"/>
+            <a:t>Refactor</a:t>
+          </a:r>
+          <a:endParaRPr lang="en-US" sz="3400" kern="1200" dirty="0"/>
+        </a:p>
+      </dsp:txBody>
+      <dsp:txXfrm>
+        <a:off x="2082122" y="2514261"/>
+        <a:ext cx="1767839" cy="864277"/>
+      </dsp:txXfrm>
+    </dsp:sp>
+    <dsp:sp modelId="{9F2647CE-CE71-47CD-AA69-7E85CD6D13E9}">
+      <dsp:nvSpPr>
+        <dsp:cNvPr id="0" name=""/>
+        <dsp:cNvSpPr/>
+      </dsp:nvSpPr>
+      <dsp:spPr>
+        <a:xfrm>
+          <a:off x="1228452" y="255354"/>
+          <a:ext cx="3299967" cy="3299967"/>
+        </a:xfrm>
+        <a:prstGeom prst="pie">
+          <a:avLst>
+            <a:gd name="adj1" fmla="val 9000000"/>
+            <a:gd name="adj2" fmla="val 16200000"/>
+          </a:avLst>
+        </a:prstGeom>
+        <a:solidFill>
+          <a:srgbClr val="C00000"/>
+        </a:solidFill>
+        <a:ln>
+          <a:noFill/>
+        </a:ln>
+        <a:effectLst>
+          <a:outerShdw blurRad="57150" dist="19050" dir="5400000" algn="ctr" rotWithShape="0">
+            <a:srgbClr val="000000">
+              <a:alpha val="63000"/>
+            </a:srgbClr>
+          </a:outerShdw>
+        </a:effectLst>
+      </dsp:spPr>
+      <dsp:style>
+        <a:lnRef idx="0">
+          <a:scrgbClr r="0" g="0" b="0"/>
+        </a:lnRef>
+        <a:fillRef idx="3">
+          <a:scrgbClr r="0" g="0" b="0"/>
+        </a:fillRef>
+        <a:effectRef idx="3">
+          <a:scrgbClr r="0" g="0" b="0"/>
+        </a:effectRef>
+        <a:fontRef idx="minor">
+          <a:schemeClr val="lt1"/>
+        </a:fontRef>
+      </dsp:style>
+      <dsp:txBody>
+        <a:bodyPr spcFirstLastPara="0" vert="horz" wrap="square" lIns="43180" tIns="43180" rIns="43180" bIns="43180" numCol="1" spcCol="1270" anchor="ctr" anchorCtr="0">
+          <a:noAutofit/>
+        </a:bodyPr>
+        <a:lstStyle/>
+        <a:p>
+          <a:pPr lvl="0" algn="ctr" defTabSz="1511300">
+            <a:lnSpc>
+              <a:spcPct val="90000"/>
+            </a:lnSpc>
+            <a:spcBef>
+              <a:spcPct val="0"/>
+            </a:spcBef>
+            <a:spcAft>
+              <a:spcPct val="35000"/>
+            </a:spcAft>
+          </a:pPr>
+          <a:r>
+            <a:rPr lang="en-US" sz="3400" kern="1200" dirty="0" smtClean="0"/>
+            <a:t>Red</a:t>
+          </a:r>
+          <a:endParaRPr lang="en-US" sz="3400" kern="1200" dirty="0"/>
+        </a:p>
+      </dsp:txBody>
+      <dsp:txXfrm>
+        <a:off x="1610698" y="954633"/>
+        <a:ext cx="1178559" cy="982133"/>
+      </dsp:txXfrm>
+    </dsp:sp>
+    <dsp:sp modelId="{CB9D437E-F7C8-41BD-9470-7D6391F80B05}">
+      <dsp:nvSpPr>
+        <dsp:cNvPr id="0" name=""/>
+        <dsp:cNvSpPr/>
+      </dsp:nvSpPr>
+      <dsp:spPr>
+        <a:xfrm>
+          <a:off x="1160368" y="51070"/>
+          <a:ext cx="3708535" cy="3708535"/>
+        </a:xfrm>
+        <a:prstGeom prst="circularArrow">
+          <a:avLst>
+            <a:gd name="adj1" fmla="val 5085"/>
+            <a:gd name="adj2" fmla="val 327528"/>
+            <a:gd name="adj3" fmla="val 1472472"/>
+            <a:gd name="adj4" fmla="val 16199432"/>
+            <a:gd name="adj5" fmla="val 5932"/>
+          </a:avLst>
+        </a:prstGeom>
+        <a:solidFill>
+          <a:srgbClr val="92D050"/>
+        </a:solidFill>
+        <a:ln>
+          <a:noFill/>
+        </a:ln>
+        <a:effectLst>
+          <a:outerShdw blurRad="57150" dist="19050" dir="5400000" algn="ctr" rotWithShape="0">
+            <a:srgbClr val="000000">
+              <a:alpha val="63000"/>
+            </a:srgbClr>
+          </a:outerShdw>
+        </a:effectLst>
+      </dsp:spPr>
+      <dsp:style>
+        <a:lnRef idx="0">
+          <a:scrgbClr r="0" g="0" b="0"/>
+        </a:lnRef>
+        <a:fillRef idx="3">
+          <a:scrgbClr r="0" g="0" b="0"/>
+        </a:fillRef>
+        <a:effectRef idx="3">
+          <a:scrgbClr r="0" g="0" b="0"/>
+        </a:effectRef>
+        <a:fontRef idx="minor">
+          <a:schemeClr val="lt1"/>
+        </a:fontRef>
+      </dsp:style>
+    </dsp:sp>
+    <dsp:sp modelId="{24820461-3287-4E66-BA24-94C63396FC69}">
+      <dsp:nvSpPr>
+        <dsp:cNvPr id="0" name=""/>
+        <dsp:cNvSpPr/>
+      </dsp:nvSpPr>
+      <dsp:spPr>
+        <a:xfrm>
+          <a:off x="1092132" y="168718"/>
+          <a:ext cx="3708535" cy="3708535"/>
+        </a:xfrm>
+        <a:prstGeom prst="circularArrow">
+          <a:avLst>
+            <a:gd name="adj1" fmla="val 5085"/>
+            <a:gd name="adj2" fmla="val 327528"/>
+            <a:gd name="adj3" fmla="val 8671970"/>
+            <a:gd name="adj4" fmla="val 1800502"/>
+            <a:gd name="adj5" fmla="val 5932"/>
+          </a:avLst>
+        </a:prstGeom>
+        <a:solidFill>
+          <a:srgbClr val="0070C0"/>
+        </a:solidFill>
+        <a:ln>
+          <a:noFill/>
+        </a:ln>
+        <a:effectLst>
+          <a:outerShdw blurRad="57150" dist="19050" dir="5400000" algn="ctr" rotWithShape="0">
+            <a:srgbClr val="000000">
+              <a:alpha val="63000"/>
+            </a:srgbClr>
+          </a:outerShdw>
+        </a:effectLst>
+      </dsp:spPr>
+      <dsp:style>
+        <a:lnRef idx="0">
+          <a:scrgbClr r="0" g="0" b="0"/>
+        </a:lnRef>
+        <a:fillRef idx="3">
+          <a:scrgbClr r="0" g="0" b="0"/>
+        </a:fillRef>
+        <a:effectRef idx="3">
+          <a:scrgbClr r="0" g="0" b="0"/>
+        </a:effectRef>
+        <a:fontRef idx="minor">
+          <a:schemeClr val="lt1"/>
+        </a:fontRef>
+      </dsp:style>
+    </dsp:sp>
+    <dsp:sp modelId="{7304B2EA-FA59-4299-B7D5-7DDEA726B87F}">
+      <dsp:nvSpPr>
+        <dsp:cNvPr id="0" name=""/>
+        <dsp:cNvSpPr/>
+      </dsp:nvSpPr>
+      <dsp:spPr>
+        <a:xfrm>
+          <a:off x="1023896" y="51070"/>
+          <a:ext cx="3708535" cy="3708535"/>
+        </a:xfrm>
+        <a:prstGeom prst="circularArrow">
+          <a:avLst>
+            <a:gd name="adj1" fmla="val 5085"/>
+            <a:gd name="adj2" fmla="val 327528"/>
+            <a:gd name="adj3" fmla="val 15873039"/>
+            <a:gd name="adj4" fmla="val 9000000"/>
+            <a:gd name="adj5" fmla="val 5932"/>
+          </a:avLst>
+        </a:prstGeom>
+        <a:solidFill>
+          <a:srgbClr val="FF0000"/>
+        </a:solidFill>
+        <a:ln>
+          <a:noFill/>
+        </a:ln>
+        <a:effectLst>
+          <a:outerShdw blurRad="57150" dist="19050" dir="5400000" algn="ctr" rotWithShape="0">
+            <a:srgbClr val="000000">
+              <a:alpha val="63000"/>
+            </a:srgbClr>
+          </a:outerShdw>
+        </a:effectLst>
+      </dsp:spPr>
+      <dsp:style>
+        <a:lnRef idx="0">
+          <a:scrgbClr r="0" g="0" b="0"/>
+        </a:lnRef>
+        <a:fillRef idx="3">
+          <a:scrgbClr r="0" g="0" b="0"/>
+        </a:fillRef>
+        <a:effectRef idx="3">
+          <a:scrgbClr r="0" g="0" b="0"/>
+        </a:effectRef>
+        <a:fontRef idx="minor">
+          <a:schemeClr val="lt1"/>
+        </a:fontRef>
+      </dsp:style>
+    </dsp:sp>
   </dsp:spTree>
 </dsp:drawing>
 </file>
@@ -4559,7 +4929,7 @@
             <a:fld id="{5783D7AA-6A74-42C9-8D9C-C1060C84B8E4}" type="slidenum">
               <a:rPr lang="en-US" smtClean="0"/>
               <a:pPr/>
-              <a:t>16</a:t>
+              <a:t>20</a:t>
             </a:fld>
             <a:endParaRPr lang="en-US"/>
           </a:p>
@@ -5016,7 +5386,7 @@
             <a:fld id="{5783D7AA-6A74-42C9-8D9C-C1060C84B8E4}" type="slidenum">
               <a:rPr lang="en-US" smtClean="0"/>
               <a:pPr/>
-              <a:t>21</a:t>
+              <a:t>22</a:t>
             </a:fld>
             <a:endParaRPr lang="en-US"/>
           </a:p>
@@ -5100,7 +5470,7 @@
           <a:p>
             <a:fld id="{6047A338-E989-4FB8-9E79-C7D1C907295C}" type="slidenum">
               <a:rPr lang="de-DE" smtClean="0"/>
-              <a:t>22</a:t>
+              <a:t>23</a:t>
             </a:fld>
             <a:endParaRPr lang="de-DE"/>
           </a:p>
@@ -5193,7 +5563,7 @@
           <a:p>
             <a:fld id="{6047A338-E989-4FB8-9E79-C7D1C907295C}" type="slidenum">
               <a:rPr lang="de-DE" smtClean="0"/>
-              <a:t>26</a:t>
+              <a:t>27</a:t>
             </a:fld>
             <a:endParaRPr lang="de-DE"/>
           </a:p>
@@ -5277,7 +5647,7 @@
           <a:p>
             <a:fld id="{6047A338-E989-4FB8-9E79-C7D1C907295C}" type="slidenum">
               <a:rPr lang="de-DE" smtClean="0"/>
-              <a:t>27</a:t>
+              <a:t>28</a:t>
             </a:fld>
             <a:endParaRPr lang="de-DE"/>
           </a:p>
@@ -5361,7 +5731,7 @@
           <a:p>
             <a:fld id="{6047A338-E989-4FB8-9E79-C7D1C907295C}" type="slidenum">
               <a:rPr lang="de-DE" smtClean="0"/>
-              <a:t>28</a:t>
+              <a:t>29</a:t>
             </a:fld>
             <a:endParaRPr lang="de-DE"/>
           </a:p>
@@ -5438,6 +5808,68 @@
               <a:rPr lang="en-US" baseline="0" dirty="0" smtClean="0"/>
               <a:t>Unit test takes too long to execute which indicates that tests Is not unit test </a:t>
             </a:r>
+            <a:endParaRPr lang="en-US" baseline="0" dirty="0" smtClean="0"/>
+          </a:p>
+          <a:p>
+            <a:endParaRPr lang="en-US" baseline="0" dirty="0" smtClean="0"/>
+          </a:p>
+          <a:p>
+            <a:r>
+              <a:rPr lang="en-US" sz="1200" b="0" i="0" kern="1200" dirty="0" smtClean="0">
+                <a:solidFill>
+                  <a:schemeClr val="tx1"/>
+                </a:solidFill>
+                <a:effectLst/>
+                <a:latin typeface="+mn-lt"/>
+                <a:ea typeface="+mn-ea"/>
+                <a:cs typeface="+mn-cs"/>
+              </a:rPr>
+              <a:t>TDD is about feedback; if a test is painful to write, make the SUT easier to use.</a:t>
+            </a:r>
+            <a:r>
+              <a:rPr lang="en-US" dirty="0" smtClean="0"/>
+              <a:t/>
+            </a:r>
+            <a:br>
+              <a:rPr lang="en-US" dirty="0" smtClean="0"/>
+            </a:br>
+            <a:r>
+              <a:rPr lang="en-US" dirty="0" smtClean="0"/>
+              <a:t/>
+            </a:r>
+            <a:br>
+              <a:rPr lang="en-US" dirty="0" smtClean="0"/>
+            </a:br>
+            <a:r>
+              <a:rPr lang="en-US" sz="1200" b="0" i="0" kern="1200" dirty="0" smtClean="0">
+                <a:solidFill>
+                  <a:schemeClr val="tx1"/>
+                </a:solidFill>
+                <a:effectLst/>
+                <a:latin typeface="+mn-lt"/>
+                <a:ea typeface="+mn-ea"/>
+                <a:cs typeface="+mn-cs"/>
+              </a:rPr>
+              <a:t>Unfortunately, some people tolerate pain too well.</a:t>
+            </a:r>
+          </a:p>
+          <a:p>
+            <a:endParaRPr lang="en-US" sz="1200" b="0" i="0" kern="1200" baseline="0" dirty="0" smtClean="0">
+              <a:solidFill>
+                <a:schemeClr val="tx1"/>
+              </a:solidFill>
+              <a:effectLst/>
+              <a:latin typeface="+mn-lt"/>
+              <a:ea typeface="+mn-ea"/>
+              <a:cs typeface="+mn-cs"/>
+            </a:endParaRPr>
+          </a:p>
+          <a:p>
+            <a:r>
+              <a:rPr lang="en-US" dirty="0" smtClean="0"/>
+              <a:t>Writing a unit test first makes developers anticipate concerns. A simple unit test, as the one presented in Listing 1, makes developers think about the expected behavior from the class. Developers decide about its public interface, name, return types, or even exceptions thrown, before writing the actual class.</a:t>
+            </a:r>
+            <a:endParaRPr lang="en-US" baseline="0" dirty="0" smtClean="0"/>
           </a:p>
           <a:p>
             <a:endParaRPr lang="en-US" dirty="0"/>
@@ -5461,7 +5893,7 @@
           <a:p>
             <a:fld id="{3F54E12A-92D0-47AC-AF21-2897E92B62D5}" type="slidenum">
               <a:rPr lang="en-US" smtClean="0"/>
-              <a:t>29</a:t>
+              <a:t>30</a:t>
             </a:fld>
             <a:endParaRPr lang="en-US"/>
           </a:p>
@@ -5524,29 +5956,6 @@
           <a:bodyPr/>
           <a:lstStyle/>
           <a:p>
-            <a:pPr marL="0" marR="0" lvl="0" indent="0" algn="l" defTabSz="914400" rtl="0" eaLnBrk="1" fontAlgn="auto" latinLnBrk="0" hangingPunct="1">
-              <a:lnSpc>
-                <a:spcPct val="100000"/>
-              </a:lnSpc>
-              <a:spcBef>
-                <a:spcPts val="0"/>
-              </a:spcBef>
-              <a:spcAft>
-                <a:spcPts val="0"/>
-              </a:spcAft>
-              <a:buClrTx/>
-              <a:buSzTx/>
-              <a:buFontTx/>
-              <a:buNone/>
-              <a:tabLst/>
-              <a:defRPr/>
-            </a:pPr>
-            <a:r>
-              <a:rPr lang="en-US" b="1" dirty="0" smtClean="0"/>
-              <a:t>Hard-to-Test Code</a:t>
-            </a:r>
-          </a:p>
-          <a:p>
             <a:endParaRPr lang="en-US" dirty="0"/>
           </a:p>
         </p:txBody>
@@ -5568,7 +5977,7 @@
           <a:p>
             <a:fld id="{3F54E12A-92D0-47AC-AF21-2897E92B62D5}" type="slidenum">
               <a:rPr lang="en-US" smtClean="0"/>
-              <a:t>30</a:t>
+              <a:t>31</a:t>
             </a:fld>
             <a:endParaRPr lang="en-US"/>
           </a:p>
@@ -5577,7 +5986,7 @@
     </p:spTree>
     <p:extLst>
       <p:ext uri="{BB962C8B-B14F-4D97-AF65-F5344CB8AC3E}">
-        <p14:creationId xmlns:p14="http://schemas.microsoft.com/office/powerpoint/2010/main" val="1233668928"/>
+        <p14:creationId xmlns:p14="http://schemas.microsoft.com/office/powerpoint/2010/main" val="2624970673"/>
       </p:ext>
     </p:extLst>
   </p:cSld>
@@ -5631,95 +6040,6 @@
           <a:bodyPr/>
           <a:lstStyle/>
           <a:p>
-            <a:r>
-              <a:rPr lang="en-US" sz="1200" b="0" i="0" kern="1200" dirty="0" smtClean="0">
-                <a:solidFill>
-                  <a:schemeClr val="tx1"/>
-                </a:solidFill>
-                <a:effectLst/>
-                <a:latin typeface="+mn-lt"/>
-                <a:ea typeface="+mn-ea"/>
-                <a:cs typeface="+mn-cs"/>
-              </a:rPr>
-              <a:t>If you make a certain level of coverage a target, people will try to attain it. The trouble is that high coverage numbers are too easy to reach with low quality testing. At the most absurd level you have </a:t>
-            </a:r>
-            <a:r>
-              <a:rPr lang="en-US" sz="1200" b="0" i="0" u="none" strike="noStrike" kern="1200" dirty="0" err="1" smtClean="0">
-                <a:solidFill>
-                  <a:schemeClr val="tx1"/>
-                </a:solidFill>
-                <a:effectLst/>
-                <a:latin typeface="+mn-lt"/>
-                <a:ea typeface="+mn-ea"/>
-                <a:cs typeface="+mn-cs"/>
-                <a:hlinkClick r:id="rId3"/>
-              </a:rPr>
-              <a:t>AssertionFreeTesting</a:t>
-            </a:r>
-            <a:r>
-              <a:rPr lang="en-US" sz="1200" b="0" i="0" kern="1200" dirty="0" smtClean="0">
-                <a:solidFill>
-                  <a:schemeClr val="tx1"/>
-                </a:solidFill>
-                <a:effectLst/>
-                <a:latin typeface="+mn-lt"/>
-                <a:ea typeface="+mn-ea"/>
-                <a:cs typeface="+mn-cs"/>
-              </a:rPr>
-              <a:t>. But even without that you get lots of tests looking for things that rarely go wrong distracting you from testing the things that really matter.</a:t>
-            </a:r>
-          </a:p>
-          <a:p>
-            <a:r>
-              <a:rPr lang="en-US" sz="1200" b="0" i="0" kern="1200" dirty="0" smtClean="0">
-                <a:solidFill>
-                  <a:schemeClr val="tx1"/>
-                </a:solidFill>
-                <a:effectLst/>
-                <a:latin typeface="+mn-lt"/>
-                <a:ea typeface="+mn-ea"/>
-                <a:cs typeface="+mn-cs"/>
-              </a:rPr>
-              <a:t>TDD is a very useful, but certainly not sufficient, tool to help you get good tests</a:t>
-            </a:r>
-          </a:p>
-          <a:p>
-            <a:endParaRPr lang="en-US" sz="1200" b="0" i="0" kern="1200" dirty="0" smtClean="0">
-              <a:solidFill>
-                <a:schemeClr val="tx1"/>
-              </a:solidFill>
-              <a:effectLst/>
-              <a:latin typeface="+mn-lt"/>
-              <a:ea typeface="+mn-ea"/>
-              <a:cs typeface="+mn-cs"/>
-            </a:endParaRPr>
-          </a:p>
-          <a:p>
-            <a:r>
-              <a:rPr lang="en-US" sz="1200" b="0" i="0" kern="1200" dirty="0" smtClean="0">
-                <a:solidFill>
-                  <a:schemeClr val="tx1"/>
-                </a:solidFill>
-                <a:effectLst/>
-                <a:latin typeface="+mn-lt"/>
-                <a:ea typeface="+mn-ea"/>
-                <a:cs typeface="+mn-cs"/>
-              </a:rPr>
-              <a:t>I would say you are doing enough testing if the following is true:</a:t>
-            </a:r>
-          </a:p>
-          <a:p>
-            <a:endParaRPr lang="en-US" sz="1200" b="0" i="0" kern="1200" dirty="0" smtClean="0">
-              <a:solidFill>
-                <a:schemeClr val="tx1"/>
-              </a:solidFill>
-              <a:effectLst/>
-              <a:latin typeface="+mn-lt"/>
-              <a:ea typeface="+mn-ea"/>
-              <a:cs typeface="+mn-cs"/>
-            </a:endParaRPr>
-          </a:p>
-          <a:p>
             <a:pPr marL="0" marR="0" lvl="0" indent="0" algn="l" defTabSz="914400" rtl="0" eaLnBrk="1" fontAlgn="auto" latinLnBrk="0" hangingPunct="1">
               <a:lnSpc>
                 <a:spcPct val="100000"/>
@@ -5738,592 +6058,94 @@
               <a:defRPr/>
             </a:pPr>
             <a:r>
-              <a:rPr lang="en-US" sz="1200" b="0" i="0" kern="1200" dirty="0" smtClean="0">
-                <a:solidFill>
-                  <a:schemeClr val="tx1"/>
-                </a:solidFill>
-                <a:effectLst/>
-                <a:latin typeface="+mn-lt"/>
-                <a:ea typeface="+mn-ea"/>
-                <a:cs typeface="+mn-cs"/>
-              </a:rPr>
-              <a:t>You rarely get bugs that escape into production, </a:t>
-            </a:r>
-            <a:r>
-              <a:rPr lang="en-US" sz="1200" b="1" i="0" kern="1200" dirty="0" smtClean="0">
-                <a:solidFill>
-                  <a:schemeClr val="tx1"/>
-                </a:solidFill>
-                <a:effectLst/>
-                <a:latin typeface="+mn-lt"/>
-                <a:ea typeface="+mn-ea"/>
-                <a:cs typeface="+mn-cs"/>
-              </a:rPr>
-              <a:t>and</a:t>
-            </a:r>
-            <a:endParaRPr lang="en-US" sz="1200" b="0" i="0" kern="1200" dirty="0" smtClean="0">
-              <a:solidFill>
-                <a:schemeClr val="tx1"/>
-              </a:solidFill>
-              <a:effectLst/>
-              <a:latin typeface="+mn-lt"/>
-              <a:ea typeface="+mn-ea"/>
-              <a:cs typeface="+mn-cs"/>
-            </a:endParaRPr>
-          </a:p>
-          <a:p>
-            <a:pPr marL="0" marR="0" lvl="0" indent="0" algn="l" defTabSz="914400" rtl="0" eaLnBrk="1" fontAlgn="auto" latinLnBrk="0" hangingPunct="1">
-              <a:lnSpc>
-                <a:spcPct val="100000"/>
-              </a:lnSpc>
-              <a:spcBef>
-                <a:spcPts val="0"/>
-              </a:spcBef>
-              <a:spcAft>
-                <a:spcPts val="0"/>
-              </a:spcAft>
-              <a:buClrTx/>
-              <a:buSzTx/>
-              <a:buFontTx/>
-              <a:buNone/>
-              <a:tabLst/>
-              <a:defRPr/>
-            </a:pPr>
-            <a:r>
-              <a:rPr lang="en-US" sz="1200" b="0" i="0" kern="1200" dirty="0" smtClean="0">
-                <a:solidFill>
-                  <a:schemeClr val="tx1"/>
-                </a:solidFill>
-                <a:effectLst/>
-                <a:latin typeface="+mn-lt"/>
-                <a:ea typeface="+mn-ea"/>
-                <a:cs typeface="+mn-cs"/>
-              </a:rPr>
-              <a:t>You are rarely hesitant to change some code for fear it will cause production bugs.</a:t>
-            </a:r>
-          </a:p>
-          <a:p>
-            <a:endParaRPr lang="en-US" dirty="0" smtClean="0"/>
-          </a:p>
-          <a:p>
-            <a:r>
-              <a:rPr lang="en-US" dirty="0" smtClean="0"/>
-              <a:t>http://www.developertesting.com/archives/month200705/20070504-000425.html</a:t>
-            </a:r>
-          </a:p>
-          <a:p>
-            <a:endParaRPr lang="en-US" dirty="0" smtClean="0"/>
-          </a:p>
-          <a:p>
-            <a:r>
-              <a:rPr lang="en-US" sz="1200" b="1" i="0" kern="1200" dirty="0" err="1" smtClean="0">
-                <a:solidFill>
-                  <a:schemeClr val="tx1"/>
-                </a:solidFill>
-                <a:effectLst/>
-                <a:latin typeface="+mn-lt"/>
-                <a:ea typeface="+mn-ea"/>
-                <a:cs typeface="+mn-cs"/>
-              </a:rPr>
-              <a:t>Testivus</a:t>
-            </a:r>
-            <a:r>
-              <a:rPr lang="en-US" sz="1200" b="1" i="0" kern="1200" dirty="0" smtClean="0">
-                <a:solidFill>
-                  <a:schemeClr val="tx1"/>
-                </a:solidFill>
-                <a:effectLst/>
-                <a:latin typeface="+mn-lt"/>
-                <a:ea typeface="+mn-ea"/>
-                <a:cs typeface="+mn-cs"/>
-              </a:rPr>
-              <a:t> On Test Coverage</a:t>
-            </a:r>
-            <a:endParaRPr lang="en-US" sz="1200" b="0" i="0" kern="1200" dirty="0" smtClean="0">
-              <a:solidFill>
-                <a:schemeClr val="tx1"/>
-              </a:solidFill>
-              <a:effectLst/>
-              <a:latin typeface="+mn-lt"/>
-              <a:ea typeface="+mn-ea"/>
-              <a:cs typeface="+mn-cs"/>
-            </a:endParaRPr>
-          </a:p>
-          <a:p>
-            <a:r>
-              <a:rPr lang="en-US" sz="1200" b="0" i="0" kern="1200" dirty="0" smtClean="0">
-                <a:solidFill>
-                  <a:schemeClr val="tx1"/>
-                </a:solidFill>
-                <a:effectLst/>
-                <a:latin typeface="+mn-lt"/>
-                <a:ea typeface="+mn-ea"/>
-                <a:cs typeface="+mn-cs"/>
-              </a:rPr>
-              <a:t>Early one morning, a programmer asked the great master:</a:t>
-            </a:r>
-          </a:p>
-          <a:p>
-            <a:r>
-              <a:rPr lang="en-US" sz="1200" b="0" i="0" kern="1200" dirty="0" smtClean="0">
-                <a:solidFill>
-                  <a:schemeClr val="tx1"/>
-                </a:solidFill>
-                <a:effectLst/>
-                <a:latin typeface="+mn-lt"/>
-                <a:ea typeface="+mn-ea"/>
-                <a:cs typeface="+mn-cs"/>
-              </a:rPr>
-              <a:t/>
-            </a:r>
-            <a:br>
-              <a:rPr lang="en-US" sz="1200" b="0" i="0" kern="1200" dirty="0" smtClean="0">
-                <a:solidFill>
-                  <a:schemeClr val="tx1"/>
-                </a:solidFill>
-                <a:effectLst/>
-                <a:latin typeface="+mn-lt"/>
-                <a:ea typeface="+mn-ea"/>
-                <a:cs typeface="+mn-cs"/>
-              </a:rPr>
-            </a:br>
-            <a:r>
-              <a:rPr lang="en-US" sz="1200" b="0" i="0" kern="1200" dirty="0" smtClean="0">
-                <a:solidFill>
-                  <a:schemeClr val="tx1"/>
-                </a:solidFill>
-                <a:effectLst/>
-                <a:latin typeface="+mn-lt"/>
-                <a:ea typeface="+mn-ea"/>
-                <a:cs typeface="+mn-cs"/>
-              </a:rPr>
-              <a:t>“I am ready to write some unit tests. What code coverage should I aim for?”</a:t>
-            </a:r>
-          </a:p>
-          <a:p>
-            <a:r>
-              <a:rPr lang="en-US" sz="1200" b="0" i="0" kern="1200" dirty="0" smtClean="0">
-                <a:solidFill>
-                  <a:schemeClr val="tx1"/>
-                </a:solidFill>
-                <a:effectLst/>
-                <a:latin typeface="+mn-lt"/>
-                <a:ea typeface="+mn-ea"/>
-                <a:cs typeface="+mn-cs"/>
-              </a:rPr>
-              <a:t/>
-            </a:r>
-            <a:br>
-              <a:rPr lang="en-US" sz="1200" b="0" i="0" kern="1200" dirty="0" smtClean="0">
-                <a:solidFill>
-                  <a:schemeClr val="tx1"/>
-                </a:solidFill>
-                <a:effectLst/>
-                <a:latin typeface="+mn-lt"/>
-                <a:ea typeface="+mn-ea"/>
-                <a:cs typeface="+mn-cs"/>
-              </a:rPr>
-            </a:br>
-            <a:r>
-              <a:rPr lang="en-US" sz="1200" b="0" i="0" kern="1200" dirty="0" smtClean="0">
-                <a:solidFill>
-                  <a:schemeClr val="tx1"/>
-                </a:solidFill>
-                <a:effectLst/>
-                <a:latin typeface="+mn-lt"/>
-                <a:ea typeface="+mn-ea"/>
-                <a:cs typeface="+mn-cs"/>
-              </a:rPr>
-              <a:t>The great master replied:</a:t>
-            </a:r>
-          </a:p>
-          <a:p>
-            <a:r>
-              <a:rPr lang="en-US" sz="1200" b="0" i="0" kern="1200" dirty="0" smtClean="0">
-                <a:solidFill>
-                  <a:schemeClr val="tx1"/>
-                </a:solidFill>
-                <a:effectLst/>
-                <a:latin typeface="+mn-lt"/>
-                <a:ea typeface="+mn-ea"/>
-                <a:cs typeface="+mn-cs"/>
-              </a:rPr>
-              <a:t>“Don’t worry about coverage, just write some good tests.”</a:t>
-            </a:r>
-          </a:p>
-          <a:p>
-            <a:r>
-              <a:rPr lang="en-US" sz="1200" b="0" i="0" kern="1200" dirty="0" smtClean="0">
-                <a:solidFill>
-                  <a:schemeClr val="tx1"/>
-                </a:solidFill>
-                <a:effectLst/>
-                <a:latin typeface="+mn-lt"/>
-                <a:ea typeface="+mn-ea"/>
-                <a:cs typeface="+mn-cs"/>
-              </a:rPr>
-              <a:t>The programmer smiled, bowed, and left.</a:t>
-            </a:r>
-          </a:p>
-          <a:p>
-            <a:r>
-              <a:rPr lang="en-US" sz="1200" b="0" i="0" kern="1200" dirty="0" smtClean="0">
-                <a:solidFill>
-                  <a:schemeClr val="tx1"/>
-                </a:solidFill>
-                <a:effectLst/>
-                <a:latin typeface="+mn-lt"/>
-                <a:ea typeface="+mn-ea"/>
-                <a:cs typeface="+mn-cs"/>
-              </a:rPr>
-              <a:t>...</a:t>
-            </a:r>
-          </a:p>
-          <a:p>
-            <a:r>
-              <a:rPr lang="en-US" sz="1200" b="0" i="0" kern="1200" dirty="0" smtClean="0">
-                <a:solidFill>
-                  <a:schemeClr val="tx1"/>
-                </a:solidFill>
-                <a:effectLst/>
-                <a:latin typeface="+mn-lt"/>
-                <a:ea typeface="+mn-ea"/>
-                <a:cs typeface="+mn-cs"/>
-              </a:rPr>
-              <a:t/>
-            </a:r>
-            <a:br>
-              <a:rPr lang="en-US" sz="1200" b="0" i="0" kern="1200" dirty="0" smtClean="0">
-                <a:solidFill>
-                  <a:schemeClr val="tx1"/>
-                </a:solidFill>
-                <a:effectLst/>
-                <a:latin typeface="+mn-lt"/>
-                <a:ea typeface="+mn-ea"/>
-                <a:cs typeface="+mn-cs"/>
-              </a:rPr>
-            </a:br>
-            <a:r>
-              <a:rPr lang="en-US" sz="1200" b="0" i="0" kern="1200" dirty="0" smtClean="0">
-                <a:solidFill>
-                  <a:schemeClr val="tx1"/>
-                </a:solidFill>
-                <a:effectLst/>
-                <a:latin typeface="+mn-lt"/>
-                <a:ea typeface="+mn-ea"/>
-                <a:cs typeface="+mn-cs"/>
-              </a:rPr>
-              <a:t>Later that day, a second programmer asked the same question.</a:t>
-            </a:r>
-          </a:p>
-          <a:p>
-            <a:r>
-              <a:rPr lang="en-US" sz="1200" b="0" i="0" kern="1200" dirty="0" smtClean="0">
-                <a:solidFill>
-                  <a:schemeClr val="tx1"/>
-                </a:solidFill>
-                <a:effectLst/>
-                <a:latin typeface="+mn-lt"/>
-                <a:ea typeface="+mn-ea"/>
-                <a:cs typeface="+mn-cs"/>
-              </a:rPr>
-              <a:t>The great master pointed at a pot of boiling water and said:</a:t>
-            </a:r>
-          </a:p>
-          <a:p>
-            <a:r>
-              <a:rPr lang="en-US" sz="1200" b="0" i="0" kern="1200" dirty="0" smtClean="0">
-                <a:solidFill>
-                  <a:schemeClr val="tx1"/>
-                </a:solidFill>
-                <a:effectLst/>
-                <a:latin typeface="+mn-lt"/>
-                <a:ea typeface="+mn-ea"/>
-                <a:cs typeface="+mn-cs"/>
-              </a:rPr>
-              <a:t>“How many grains of rice should put in that pot?”</a:t>
-            </a:r>
-          </a:p>
-          <a:p>
-            <a:r>
-              <a:rPr lang="en-US" sz="1200" b="0" i="0" kern="1200" dirty="0" smtClean="0">
-                <a:solidFill>
-                  <a:schemeClr val="tx1"/>
-                </a:solidFill>
-                <a:effectLst/>
-                <a:latin typeface="+mn-lt"/>
-                <a:ea typeface="+mn-ea"/>
-                <a:cs typeface="+mn-cs"/>
-              </a:rPr>
-              <a:t>The programmer, looking puzzled, replied:</a:t>
-            </a:r>
-          </a:p>
-          <a:p>
-            <a:r>
-              <a:rPr lang="en-US" sz="1200" b="0" i="0" kern="1200" dirty="0" smtClean="0">
-                <a:solidFill>
-                  <a:schemeClr val="tx1"/>
-                </a:solidFill>
-                <a:effectLst/>
-                <a:latin typeface="+mn-lt"/>
-                <a:ea typeface="+mn-ea"/>
-                <a:cs typeface="+mn-cs"/>
-              </a:rPr>
-              <a:t>“How can I possibly tell you? It depends on how many people you need to feed, how hungry they are, what other food you are serving, how much rice you have available, and so on.”</a:t>
-            </a:r>
-          </a:p>
-          <a:p>
-            <a:r>
-              <a:rPr lang="en-US" sz="1200" b="0" i="0" kern="1200" dirty="0" smtClean="0">
-                <a:solidFill>
-                  <a:schemeClr val="tx1"/>
-                </a:solidFill>
-                <a:effectLst/>
-                <a:latin typeface="+mn-lt"/>
-                <a:ea typeface="+mn-ea"/>
-                <a:cs typeface="+mn-cs"/>
-              </a:rPr>
-              <a:t>“Exactly,” said the great master.</a:t>
-            </a:r>
-          </a:p>
-          <a:p>
-            <a:r>
-              <a:rPr lang="en-US" sz="1200" b="0" i="0" kern="1200" dirty="0" smtClean="0">
-                <a:solidFill>
-                  <a:schemeClr val="tx1"/>
-                </a:solidFill>
-                <a:effectLst/>
-                <a:latin typeface="+mn-lt"/>
-                <a:ea typeface="+mn-ea"/>
-                <a:cs typeface="+mn-cs"/>
-              </a:rPr>
-              <a:t>The second programmer smiled, bowed, and left.</a:t>
-            </a:r>
-          </a:p>
-          <a:p>
-            <a:r>
-              <a:rPr lang="en-US" sz="1200" b="0" i="0" kern="1200" dirty="0" smtClean="0">
-                <a:solidFill>
-                  <a:schemeClr val="tx1"/>
-                </a:solidFill>
-                <a:effectLst/>
-                <a:latin typeface="+mn-lt"/>
-                <a:ea typeface="+mn-ea"/>
-                <a:cs typeface="+mn-cs"/>
-              </a:rPr>
-              <a:t>...</a:t>
-            </a:r>
-          </a:p>
-          <a:p>
-            <a:r>
-              <a:rPr lang="en-US" sz="1200" b="0" i="0" kern="1200" dirty="0" smtClean="0">
-                <a:solidFill>
-                  <a:schemeClr val="tx1"/>
-                </a:solidFill>
-                <a:effectLst/>
-                <a:latin typeface="+mn-lt"/>
-                <a:ea typeface="+mn-ea"/>
-                <a:cs typeface="+mn-cs"/>
-              </a:rPr>
-              <a:t>Toward the end of the day, a third programmer came and asked the same question about code coverage.</a:t>
-            </a:r>
-          </a:p>
-          <a:p>
-            <a:r>
-              <a:rPr lang="en-US" sz="1200" b="0" i="0" kern="1200" dirty="0" smtClean="0">
-                <a:solidFill>
-                  <a:schemeClr val="tx1"/>
-                </a:solidFill>
-                <a:effectLst/>
-                <a:latin typeface="+mn-lt"/>
-                <a:ea typeface="+mn-ea"/>
-                <a:cs typeface="+mn-cs"/>
-              </a:rPr>
-              <a:t>“Eighty percent and no less!” Replied the master in a stern voice, pounding his fist on the table.</a:t>
-            </a:r>
-          </a:p>
-          <a:p>
-            <a:r>
-              <a:rPr lang="en-US" sz="1200" b="0" i="0" kern="1200" dirty="0" smtClean="0">
-                <a:solidFill>
-                  <a:schemeClr val="tx1"/>
-                </a:solidFill>
-                <a:effectLst/>
-                <a:latin typeface="+mn-lt"/>
-                <a:ea typeface="+mn-ea"/>
-                <a:cs typeface="+mn-cs"/>
-              </a:rPr>
-              <a:t>The third programmer smiled, bowed, and left.</a:t>
-            </a:r>
-          </a:p>
-          <a:p>
-            <a:r>
-              <a:rPr lang="en-US" sz="1200" b="0" i="0" kern="1200" dirty="0" smtClean="0">
-                <a:solidFill>
-                  <a:schemeClr val="tx1"/>
-                </a:solidFill>
-                <a:effectLst/>
-                <a:latin typeface="+mn-lt"/>
-                <a:ea typeface="+mn-ea"/>
-                <a:cs typeface="+mn-cs"/>
-              </a:rPr>
-              <a:t>...</a:t>
-            </a:r>
-          </a:p>
-          <a:p>
-            <a:r>
-              <a:rPr lang="en-US" sz="1200" b="0" i="0" kern="1200" dirty="0" smtClean="0">
-                <a:solidFill>
-                  <a:schemeClr val="tx1"/>
-                </a:solidFill>
-                <a:effectLst/>
-                <a:latin typeface="+mn-lt"/>
-                <a:ea typeface="+mn-ea"/>
-                <a:cs typeface="+mn-cs"/>
-              </a:rPr>
-              <a:t>After this last reply, a young apprentice approached the great master:</a:t>
-            </a:r>
-          </a:p>
-          <a:p>
-            <a:r>
-              <a:rPr lang="en-US" sz="1200" b="0" i="0" kern="1200" dirty="0" smtClean="0">
-                <a:solidFill>
-                  <a:schemeClr val="tx1"/>
-                </a:solidFill>
-                <a:effectLst/>
-                <a:latin typeface="+mn-lt"/>
-                <a:ea typeface="+mn-ea"/>
-                <a:cs typeface="+mn-cs"/>
-              </a:rPr>
-              <a:t>“Great master, today I overheard you answer the same question about code coverage with three different answers. Why?”</a:t>
-            </a:r>
-          </a:p>
-          <a:p>
-            <a:r>
-              <a:rPr lang="en-US" sz="1200" b="0" i="0" kern="1200" dirty="0" smtClean="0">
-                <a:solidFill>
-                  <a:schemeClr val="tx1"/>
-                </a:solidFill>
-                <a:effectLst/>
-                <a:latin typeface="+mn-lt"/>
-                <a:ea typeface="+mn-ea"/>
-                <a:cs typeface="+mn-cs"/>
-              </a:rPr>
-              <a:t>The great master stood up from his chair:</a:t>
-            </a:r>
-          </a:p>
-          <a:p>
-            <a:r>
-              <a:rPr lang="en-US" sz="1200" b="0" i="0" kern="1200" dirty="0" smtClean="0">
-                <a:solidFill>
-                  <a:schemeClr val="tx1"/>
-                </a:solidFill>
-                <a:effectLst/>
-                <a:latin typeface="+mn-lt"/>
-                <a:ea typeface="+mn-ea"/>
-                <a:cs typeface="+mn-cs"/>
-              </a:rPr>
-              <a:t>“Come get some fresh tea with me and let’s talk about it.”</a:t>
-            </a:r>
-          </a:p>
-          <a:p>
-            <a:r>
-              <a:rPr lang="en-US" sz="1200" b="0" i="0" kern="1200" dirty="0" smtClean="0">
-                <a:solidFill>
-                  <a:schemeClr val="tx1"/>
-                </a:solidFill>
-                <a:effectLst/>
-                <a:latin typeface="+mn-lt"/>
-                <a:ea typeface="+mn-ea"/>
-                <a:cs typeface="+mn-cs"/>
-              </a:rPr>
-              <a:t>After they filled their cups with smoking hot green tea, the great master began to answer:</a:t>
-            </a:r>
-          </a:p>
-          <a:p>
-            <a:r>
-              <a:rPr lang="en-US" sz="1200" b="0" i="0" kern="1200" dirty="0" smtClean="0">
-                <a:solidFill>
-                  <a:schemeClr val="tx1"/>
-                </a:solidFill>
-                <a:effectLst/>
-                <a:latin typeface="+mn-lt"/>
-                <a:ea typeface="+mn-ea"/>
-                <a:cs typeface="+mn-cs"/>
-              </a:rPr>
-              <a:t>“The first programmer is new and just getting started with testing. Right now he has a lot of code and no tests. He has a long way to go; focusing on code coverage at this time would be depressing and quite useless. He’s better off just getting used to writing and running some tests. He can worry about coverage later.”</a:t>
-            </a:r>
-          </a:p>
-          <a:p>
-            <a:r>
-              <a:rPr lang="en-US" sz="1200" b="0" i="0" kern="1200" dirty="0" smtClean="0">
-                <a:solidFill>
-                  <a:schemeClr val="tx1"/>
-                </a:solidFill>
-                <a:effectLst/>
-                <a:latin typeface="+mn-lt"/>
-                <a:ea typeface="+mn-ea"/>
-                <a:cs typeface="+mn-cs"/>
-              </a:rPr>
-              <a:t>“The second programmer, on the other hand, is quite experience both at programming and testing. When I replied by asking her how many grains of rice I should put in a pot, I helped her realize that the amount of testing necessary depends on a number of factors, and she knows those factors better than I do – it’s her code after all. There is no single, simple, answer, and she’s smart enough to handle the truth and work with that.”</a:t>
-            </a:r>
-          </a:p>
-          <a:p>
-            <a:r>
-              <a:rPr lang="en-US" sz="1200" b="0" i="0" kern="1200" dirty="0" smtClean="0">
-                <a:solidFill>
-                  <a:schemeClr val="tx1"/>
-                </a:solidFill>
-                <a:effectLst/>
-                <a:latin typeface="+mn-lt"/>
-                <a:ea typeface="+mn-ea"/>
-                <a:cs typeface="+mn-cs"/>
-              </a:rPr>
-              <a:t>“I see,” said the young apprentice, “but if there is no single simple answer, then why did you answer the third programmer ‘Eighty percent and no less’?”</a:t>
-            </a:r>
-          </a:p>
-          <a:p>
-            <a:r>
-              <a:rPr lang="en-US" sz="1200" b="0" i="0" kern="1200" dirty="0" smtClean="0">
-                <a:solidFill>
-                  <a:schemeClr val="tx1"/>
-                </a:solidFill>
-                <a:effectLst/>
-                <a:latin typeface="+mn-lt"/>
-                <a:ea typeface="+mn-ea"/>
-                <a:cs typeface="+mn-cs"/>
-              </a:rPr>
-              <a:t>The great master laughed so hard and loud that his belly, evidence that he drank more than just green tea, flopped up and down.</a:t>
-            </a:r>
-          </a:p>
-          <a:p>
-            <a:r>
-              <a:rPr lang="en-US" sz="1200" b="0" i="0" kern="1200" dirty="0" smtClean="0">
-                <a:solidFill>
-                  <a:schemeClr val="tx1"/>
-                </a:solidFill>
-                <a:effectLst/>
-                <a:latin typeface="+mn-lt"/>
-                <a:ea typeface="+mn-ea"/>
-                <a:cs typeface="+mn-cs"/>
-              </a:rPr>
-              <a:t>“The third programmer wants only simple answers – even when there are no simple answers … and then does not follow them anyway.”</a:t>
-            </a:r>
-          </a:p>
-          <a:p>
-            <a:r>
-              <a:rPr lang="en-US" sz="1200" b="0" i="0" kern="1200" dirty="0" smtClean="0">
-                <a:solidFill>
-                  <a:schemeClr val="tx1"/>
-                </a:solidFill>
-                <a:effectLst/>
-                <a:latin typeface="+mn-lt"/>
-                <a:ea typeface="+mn-ea"/>
-                <a:cs typeface="+mn-cs"/>
-              </a:rPr>
-              <a:t>The young apprentice and the grizzled great master finished drinking their tea in contemplative silence.</a:t>
-            </a:r>
-          </a:p>
+              <a:rPr lang="en-US" b="1" dirty="0" smtClean="0"/>
+              <a:t>Hard-to-Test Code</a:t>
+            </a:r>
+          </a:p>
+          <a:p>
+            <a:endParaRPr lang="en-US" dirty="0"/>
+          </a:p>
+        </p:txBody>
+      </p:sp>
+      <p:sp>
+        <p:nvSpPr>
+          <p:cNvPr id="4" name="Slide Number Placeholder 3"/>
+          <p:cNvSpPr>
+            <a:spLocks noGrp="1"/>
+          </p:cNvSpPr>
+          <p:nvPr>
+            <p:ph type="sldNum" sz="quarter" idx="10"/>
+          </p:nvPr>
+        </p:nvSpPr>
+        <p:spPr/>
+        <p:txBody>
+          <a:bodyPr/>
+          <a:lstStyle/>
+          <a:p>
+            <a:fld id="{3F54E12A-92D0-47AC-AF21-2897E92B62D5}" type="slidenum">
+              <a:rPr lang="en-US" smtClean="0"/>
+              <a:t>32</a:t>
+            </a:fld>
+            <a:endParaRPr lang="en-US"/>
+          </a:p>
+        </p:txBody>
+      </p:sp>
+    </p:spTree>
+    <p:extLst>
+      <p:ext uri="{BB962C8B-B14F-4D97-AF65-F5344CB8AC3E}">
+        <p14:creationId xmlns:p14="http://schemas.microsoft.com/office/powerpoint/2010/main" val="1233668928"/>
+      </p:ext>
+    </p:extLst>
+  </p:cSld>
+  <p:clrMapOvr>
+    <a:masterClrMapping/>
+  </p:clrMapOvr>
+</p:notes>
+</file>
+
+<file path=ppt/notesSlides/notesSlide19.xml><?xml version="1.0" encoding="utf-8"?>
+<p:notes xmlns:a="http://schemas.openxmlformats.org/drawingml/2006/main" xmlns:r="http://schemas.openxmlformats.org/officeDocument/2006/relationships" xmlns:p="http://schemas.openxmlformats.org/presentationml/2006/main">
+  <p:cSld>
+    <p:spTree>
+      <p:nvGrpSpPr>
+        <p:cNvPr id="1" name=""/>
+        <p:cNvGrpSpPr/>
+        <p:nvPr/>
+      </p:nvGrpSpPr>
+      <p:grpSpPr>
+        <a:xfrm>
+          <a:off x="0" y="0"/>
+          <a:ext cx="0" cy="0"/>
+          <a:chOff x="0" y="0"/>
+          <a:chExt cx="0" cy="0"/>
+        </a:xfrm>
+      </p:grpSpPr>
+      <p:sp>
+        <p:nvSpPr>
+          <p:cNvPr id="2" name="Slide Image Placeholder 1"/>
+          <p:cNvSpPr>
+            <a:spLocks noGrp="1" noRot="1" noChangeAspect="1"/>
+          </p:cNvSpPr>
+          <p:nvPr>
+            <p:ph type="sldImg"/>
+          </p:nvPr>
+        </p:nvSpPr>
+        <p:spPr/>
+      </p:sp>
+      <p:sp>
+        <p:nvSpPr>
+          <p:cNvPr id="3" name="Notes Placeholder 2"/>
+          <p:cNvSpPr>
+            <a:spLocks noGrp="1"/>
+          </p:cNvSpPr>
+          <p:nvPr>
+            <p:ph type="body" idx="1"/>
+          </p:nvPr>
+        </p:nvSpPr>
+        <p:spPr/>
+        <p:txBody>
+          <a:bodyPr/>
+          <a:lstStyle/>
           <a:p>
             <a:endParaRPr lang="en-US" dirty="0"/>
           </a:p>
@@ -6355,7 +6177,7 @@
     </p:spTree>
     <p:extLst>
       <p:ext uri="{BB962C8B-B14F-4D97-AF65-F5344CB8AC3E}">
-        <p14:creationId xmlns:p14="http://schemas.microsoft.com/office/powerpoint/2010/main" val="1167396142"/>
+        <p14:creationId xmlns:p14="http://schemas.microsoft.com/office/powerpoint/2010/main" val="3147656122"/>
       </p:ext>
     </p:extLst>
   </p:cSld>
@@ -6498,6 +6320,784 @@
     <p:extLst>
       <p:ext uri="{BB962C8B-B14F-4D97-AF65-F5344CB8AC3E}">
         <p14:creationId xmlns:p14="http://schemas.microsoft.com/office/powerpoint/2010/main" val="1782462670"/>
+      </p:ext>
+    </p:extLst>
+  </p:cSld>
+  <p:clrMapOvr>
+    <a:masterClrMapping/>
+  </p:clrMapOvr>
+</p:notes>
+</file>
+
+<file path=ppt/notesSlides/notesSlide20.xml><?xml version="1.0" encoding="utf-8"?>
+<p:notes xmlns:a="http://schemas.openxmlformats.org/drawingml/2006/main" xmlns:r="http://schemas.openxmlformats.org/officeDocument/2006/relationships" xmlns:p="http://schemas.openxmlformats.org/presentationml/2006/main">
+  <p:cSld>
+    <p:spTree>
+      <p:nvGrpSpPr>
+        <p:cNvPr id="1" name=""/>
+        <p:cNvGrpSpPr/>
+        <p:nvPr/>
+      </p:nvGrpSpPr>
+      <p:grpSpPr>
+        <a:xfrm>
+          <a:off x="0" y="0"/>
+          <a:ext cx="0" cy="0"/>
+          <a:chOff x="0" y="0"/>
+          <a:chExt cx="0" cy="0"/>
+        </a:xfrm>
+      </p:grpSpPr>
+      <p:sp>
+        <p:nvSpPr>
+          <p:cNvPr id="2" name="Slide Image Placeholder 1"/>
+          <p:cNvSpPr>
+            <a:spLocks noGrp="1" noRot="1" noChangeAspect="1"/>
+          </p:cNvSpPr>
+          <p:nvPr>
+            <p:ph type="sldImg"/>
+          </p:nvPr>
+        </p:nvSpPr>
+        <p:spPr/>
+      </p:sp>
+      <p:sp>
+        <p:nvSpPr>
+          <p:cNvPr id="3" name="Notes Placeholder 2"/>
+          <p:cNvSpPr>
+            <a:spLocks noGrp="1"/>
+          </p:cNvSpPr>
+          <p:nvPr>
+            <p:ph type="body" idx="1"/>
+          </p:nvPr>
+        </p:nvSpPr>
+        <p:spPr/>
+        <p:txBody>
+          <a:bodyPr/>
+          <a:lstStyle/>
+          <a:p>
+            <a:r>
+              <a:rPr lang="en-US" sz="1200" b="0" i="0" kern="1200" dirty="0" smtClean="0">
+                <a:solidFill>
+                  <a:schemeClr val="tx1"/>
+                </a:solidFill>
+                <a:effectLst/>
+                <a:latin typeface="+mn-lt"/>
+                <a:ea typeface="+mn-ea"/>
+                <a:cs typeface="+mn-cs"/>
+              </a:rPr>
+              <a:t>If you make a certain level of coverage a target, people will try to attain it. The trouble is that high coverage numbers are too easy to reach with low quality testing. At the most absurd level you have </a:t>
+            </a:r>
+            <a:r>
+              <a:rPr lang="en-US" sz="1200" b="0" i="0" u="none" strike="noStrike" kern="1200" dirty="0" err="1" smtClean="0">
+                <a:solidFill>
+                  <a:schemeClr val="tx1"/>
+                </a:solidFill>
+                <a:effectLst/>
+                <a:latin typeface="+mn-lt"/>
+                <a:ea typeface="+mn-ea"/>
+                <a:cs typeface="+mn-cs"/>
+                <a:hlinkClick r:id="rId3"/>
+              </a:rPr>
+              <a:t>AssertionFreeTesting</a:t>
+            </a:r>
+            <a:r>
+              <a:rPr lang="en-US" sz="1200" b="0" i="0" kern="1200" dirty="0" smtClean="0">
+                <a:solidFill>
+                  <a:schemeClr val="tx1"/>
+                </a:solidFill>
+                <a:effectLst/>
+                <a:latin typeface="+mn-lt"/>
+                <a:ea typeface="+mn-ea"/>
+                <a:cs typeface="+mn-cs"/>
+              </a:rPr>
+              <a:t>. But even without that you get lots of tests looking for things that rarely go wrong distracting you from testing the things that really matter.</a:t>
+            </a:r>
+          </a:p>
+          <a:p>
+            <a:r>
+              <a:rPr lang="en-US" sz="1200" b="0" i="0" kern="1200" dirty="0" smtClean="0">
+                <a:solidFill>
+                  <a:schemeClr val="tx1"/>
+                </a:solidFill>
+                <a:effectLst/>
+                <a:latin typeface="+mn-lt"/>
+                <a:ea typeface="+mn-ea"/>
+                <a:cs typeface="+mn-cs"/>
+              </a:rPr>
+              <a:t>TDD is a very useful, but certainly not sufficient, tool to help you get good tests</a:t>
+            </a:r>
+          </a:p>
+          <a:p>
+            <a:endParaRPr lang="en-US" sz="1200" b="0" i="0" kern="1200" dirty="0" smtClean="0">
+              <a:solidFill>
+                <a:schemeClr val="tx1"/>
+              </a:solidFill>
+              <a:effectLst/>
+              <a:latin typeface="+mn-lt"/>
+              <a:ea typeface="+mn-ea"/>
+              <a:cs typeface="+mn-cs"/>
+            </a:endParaRPr>
+          </a:p>
+          <a:p>
+            <a:r>
+              <a:rPr lang="en-US" sz="1200" b="0" i="0" kern="1200" dirty="0" smtClean="0">
+                <a:solidFill>
+                  <a:schemeClr val="tx1"/>
+                </a:solidFill>
+                <a:effectLst/>
+                <a:latin typeface="+mn-lt"/>
+                <a:ea typeface="+mn-ea"/>
+                <a:cs typeface="+mn-cs"/>
+              </a:rPr>
+              <a:t>I would say you are doing enough testing if the following is true:</a:t>
+            </a:r>
+          </a:p>
+          <a:p>
+            <a:endParaRPr lang="en-US" sz="1200" b="0" i="0" kern="1200" dirty="0" smtClean="0">
+              <a:solidFill>
+                <a:schemeClr val="tx1"/>
+              </a:solidFill>
+              <a:effectLst/>
+              <a:latin typeface="+mn-lt"/>
+              <a:ea typeface="+mn-ea"/>
+              <a:cs typeface="+mn-cs"/>
+            </a:endParaRPr>
+          </a:p>
+          <a:p>
+            <a:pPr marL="0" marR="0" lvl="0" indent="0" algn="l" defTabSz="914400" rtl="0" eaLnBrk="1" fontAlgn="auto" latinLnBrk="0" hangingPunct="1">
+              <a:lnSpc>
+                <a:spcPct val="100000"/>
+              </a:lnSpc>
+              <a:spcBef>
+                <a:spcPts val="0"/>
+              </a:spcBef>
+              <a:spcAft>
+                <a:spcPts val="0"/>
+              </a:spcAft>
+              <a:buClrTx/>
+              <a:buSzTx/>
+              <a:buFontTx/>
+              <a:buNone/>
+              <a:tabLst/>
+              <a:defRPr/>
+            </a:pPr>
+            <a:r>
+              <a:rPr lang="en-US" sz="1200" b="0" i="0" kern="1200" dirty="0" smtClean="0">
+                <a:solidFill>
+                  <a:schemeClr val="tx1"/>
+                </a:solidFill>
+                <a:effectLst/>
+                <a:latin typeface="+mn-lt"/>
+                <a:ea typeface="+mn-ea"/>
+                <a:cs typeface="+mn-cs"/>
+              </a:rPr>
+              <a:t>You rarely get bugs that escape into production, </a:t>
+            </a:r>
+            <a:r>
+              <a:rPr lang="en-US" sz="1200" b="1" i="0" kern="1200" dirty="0" smtClean="0">
+                <a:solidFill>
+                  <a:schemeClr val="tx1"/>
+                </a:solidFill>
+                <a:effectLst/>
+                <a:latin typeface="+mn-lt"/>
+                <a:ea typeface="+mn-ea"/>
+                <a:cs typeface="+mn-cs"/>
+              </a:rPr>
+              <a:t>and</a:t>
+            </a:r>
+            <a:endParaRPr lang="en-US" sz="1200" b="0" i="0" kern="1200" dirty="0" smtClean="0">
+              <a:solidFill>
+                <a:schemeClr val="tx1"/>
+              </a:solidFill>
+              <a:effectLst/>
+              <a:latin typeface="+mn-lt"/>
+              <a:ea typeface="+mn-ea"/>
+              <a:cs typeface="+mn-cs"/>
+            </a:endParaRPr>
+          </a:p>
+          <a:p>
+            <a:pPr marL="0" marR="0" lvl="0" indent="0" algn="l" defTabSz="914400" rtl="0" eaLnBrk="1" fontAlgn="auto" latinLnBrk="0" hangingPunct="1">
+              <a:lnSpc>
+                <a:spcPct val="100000"/>
+              </a:lnSpc>
+              <a:spcBef>
+                <a:spcPts val="0"/>
+              </a:spcBef>
+              <a:spcAft>
+                <a:spcPts val="0"/>
+              </a:spcAft>
+              <a:buClrTx/>
+              <a:buSzTx/>
+              <a:buFontTx/>
+              <a:buNone/>
+              <a:tabLst/>
+              <a:defRPr/>
+            </a:pPr>
+            <a:r>
+              <a:rPr lang="en-US" sz="1200" b="0" i="0" kern="1200" dirty="0" smtClean="0">
+                <a:solidFill>
+                  <a:schemeClr val="tx1"/>
+                </a:solidFill>
+                <a:effectLst/>
+                <a:latin typeface="+mn-lt"/>
+                <a:ea typeface="+mn-ea"/>
+                <a:cs typeface="+mn-cs"/>
+              </a:rPr>
+              <a:t>You are rarely hesitant to change some code for fear it will cause production bugs.</a:t>
+            </a:r>
+          </a:p>
+          <a:p>
+            <a:endParaRPr lang="en-US" dirty="0" smtClean="0"/>
+          </a:p>
+          <a:p>
+            <a:r>
+              <a:rPr lang="en-US" dirty="0" smtClean="0"/>
+              <a:t>http://www.developertesting.com/archives/month200705/20070504-000425.html</a:t>
+            </a:r>
+          </a:p>
+          <a:p>
+            <a:endParaRPr lang="en-US" dirty="0" smtClean="0"/>
+          </a:p>
+          <a:p>
+            <a:r>
+              <a:rPr lang="en-US" sz="1200" b="1" i="0" kern="1200" dirty="0" err="1" smtClean="0">
+                <a:solidFill>
+                  <a:schemeClr val="tx1"/>
+                </a:solidFill>
+                <a:effectLst/>
+                <a:latin typeface="+mn-lt"/>
+                <a:ea typeface="+mn-ea"/>
+                <a:cs typeface="+mn-cs"/>
+              </a:rPr>
+              <a:t>Testivus</a:t>
+            </a:r>
+            <a:r>
+              <a:rPr lang="en-US" sz="1200" b="1" i="0" kern="1200" dirty="0" smtClean="0">
+                <a:solidFill>
+                  <a:schemeClr val="tx1"/>
+                </a:solidFill>
+                <a:effectLst/>
+                <a:latin typeface="+mn-lt"/>
+                <a:ea typeface="+mn-ea"/>
+                <a:cs typeface="+mn-cs"/>
+              </a:rPr>
+              <a:t> On Test Coverage</a:t>
+            </a:r>
+            <a:endParaRPr lang="en-US" sz="1200" b="0" i="0" kern="1200" dirty="0" smtClean="0">
+              <a:solidFill>
+                <a:schemeClr val="tx1"/>
+              </a:solidFill>
+              <a:effectLst/>
+              <a:latin typeface="+mn-lt"/>
+              <a:ea typeface="+mn-ea"/>
+              <a:cs typeface="+mn-cs"/>
+            </a:endParaRPr>
+          </a:p>
+          <a:p>
+            <a:r>
+              <a:rPr lang="en-US" sz="1200" b="0" i="0" kern="1200" dirty="0" smtClean="0">
+                <a:solidFill>
+                  <a:schemeClr val="tx1"/>
+                </a:solidFill>
+                <a:effectLst/>
+                <a:latin typeface="+mn-lt"/>
+                <a:ea typeface="+mn-ea"/>
+                <a:cs typeface="+mn-cs"/>
+              </a:rPr>
+              <a:t>Early one morning, a programmer asked the great master:</a:t>
+            </a:r>
+          </a:p>
+          <a:p>
+            <a:r>
+              <a:rPr lang="en-US" sz="1200" b="0" i="0" kern="1200" dirty="0" smtClean="0">
+                <a:solidFill>
+                  <a:schemeClr val="tx1"/>
+                </a:solidFill>
+                <a:effectLst/>
+                <a:latin typeface="+mn-lt"/>
+                <a:ea typeface="+mn-ea"/>
+                <a:cs typeface="+mn-cs"/>
+              </a:rPr>
+              <a:t/>
+            </a:r>
+            <a:br>
+              <a:rPr lang="en-US" sz="1200" b="0" i="0" kern="1200" dirty="0" smtClean="0">
+                <a:solidFill>
+                  <a:schemeClr val="tx1"/>
+                </a:solidFill>
+                <a:effectLst/>
+                <a:latin typeface="+mn-lt"/>
+                <a:ea typeface="+mn-ea"/>
+                <a:cs typeface="+mn-cs"/>
+              </a:rPr>
+            </a:br>
+            <a:r>
+              <a:rPr lang="en-US" sz="1200" b="0" i="0" kern="1200" dirty="0" smtClean="0">
+                <a:solidFill>
+                  <a:schemeClr val="tx1"/>
+                </a:solidFill>
+                <a:effectLst/>
+                <a:latin typeface="+mn-lt"/>
+                <a:ea typeface="+mn-ea"/>
+                <a:cs typeface="+mn-cs"/>
+              </a:rPr>
+              <a:t>“I am ready to write some unit tests. What code coverage should I aim for?”</a:t>
+            </a:r>
+          </a:p>
+          <a:p>
+            <a:r>
+              <a:rPr lang="en-US" sz="1200" b="0" i="0" kern="1200" dirty="0" smtClean="0">
+                <a:solidFill>
+                  <a:schemeClr val="tx1"/>
+                </a:solidFill>
+                <a:effectLst/>
+                <a:latin typeface="+mn-lt"/>
+                <a:ea typeface="+mn-ea"/>
+                <a:cs typeface="+mn-cs"/>
+              </a:rPr>
+              <a:t/>
+            </a:r>
+            <a:br>
+              <a:rPr lang="en-US" sz="1200" b="0" i="0" kern="1200" dirty="0" smtClean="0">
+                <a:solidFill>
+                  <a:schemeClr val="tx1"/>
+                </a:solidFill>
+                <a:effectLst/>
+                <a:latin typeface="+mn-lt"/>
+                <a:ea typeface="+mn-ea"/>
+                <a:cs typeface="+mn-cs"/>
+              </a:rPr>
+            </a:br>
+            <a:r>
+              <a:rPr lang="en-US" sz="1200" b="0" i="0" kern="1200" dirty="0" smtClean="0">
+                <a:solidFill>
+                  <a:schemeClr val="tx1"/>
+                </a:solidFill>
+                <a:effectLst/>
+                <a:latin typeface="+mn-lt"/>
+                <a:ea typeface="+mn-ea"/>
+                <a:cs typeface="+mn-cs"/>
+              </a:rPr>
+              <a:t>The great master replied:</a:t>
+            </a:r>
+          </a:p>
+          <a:p>
+            <a:r>
+              <a:rPr lang="en-US" sz="1200" b="0" i="0" kern="1200" dirty="0" smtClean="0">
+                <a:solidFill>
+                  <a:schemeClr val="tx1"/>
+                </a:solidFill>
+                <a:effectLst/>
+                <a:latin typeface="+mn-lt"/>
+                <a:ea typeface="+mn-ea"/>
+                <a:cs typeface="+mn-cs"/>
+              </a:rPr>
+              <a:t>“Don’t worry about coverage, just write some good tests.”</a:t>
+            </a:r>
+          </a:p>
+          <a:p>
+            <a:r>
+              <a:rPr lang="en-US" sz="1200" b="0" i="0" kern="1200" dirty="0" smtClean="0">
+                <a:solidFill>
+                  <a:schemeClr val="tx1"/>
+                </a:solidFill>
+                <a:effectLst/>
+                <a:latin typeface="+mn-lt"/>
+                <a:ea typeface="+mn-ea"/>
+                <a:cs typeface="+mn-cs"/>
+              </a:rPr>
+              <a:t>The programmer smiled, bowed, and left.</a:t>
+            </a:r>
+          </a:p>
+          <a:p>
+            <a:r>
+              <a:rPr lang="en-US" sz="1200" b="0" i="0" kern="1200" dirty="0" smtClean="0">
+                <a:solidFill>
+                  <a:schemeClr val="tx1"/>
+                </a:solidFill>
+                <a:effectLst/>
+                <a:latin typeface="+mn-lt"/>
+                <a:ea typeface="+mn-ea"/>
+                <a:cs typeface="+mn-cs"/>
+              </a:rPr>
+              <a:t>...</a:t>
+            </a:r>
+          </a:p>
+          <a:p>
+            <a:r>
+              <a:rPr lang="en-US" sz="1200" b="0" i="0" kern="1200" dirty="0" smtClean="0">
+                <a:solidFill>
+                  <a:schemeClr val="tx1"/>
+                </a:solidFill>
+                <a:effectLst/>
+                <a:latin typeface="+mn-lt"/>
+                <a:ea typeface="+mn-ea"/>
+                <a:cs typeface="+mn-cs"/>
+              </a:rPr>
+              <a:t/>
+            </a:r>
+            <a:br>
+              <a:rPr lang="en-US" sz="1200" b="0" i="0" kern="1200" dirty="0" smtClean="0">
+                <a:solidFill>
+                  <a:schemeClr val="tx1"/>
+                </a:solidFill>
+                <a:effectLst/>
+                <a:latin typeface="+mn-lt"/>
+                <a:ea typeface="+mn-ea"/>
+                <a:cs typeface="+mn-cs"/>
+              </a:rPr>
+            </a:br>
+            <a:r>
+              <a:rPr lang="en-US" sz="1200" b="0" i="0" kern="1200" dirty="0" smtClean="0">
+                <a:solidFill>
+                  <a:schemeClr val="tx1"/>
+                </a:solidFill>
+                <a:effectLst/>
+                <a:latin typeface="+mn-lt"/>
+                <a:ea typeface="+mn-ea"/>
+                <a:cs typeface="+mn-cs"/>
+              </a:rPr>
+              <a:t>Later that day, a second programmer asked the same question.</a:t>
+            </a:r>
+          </a:p>
+          <a:p>
+            <a:r>
+              <a:rPr lang="en-US" sz="1200" b="0" i="0" kern="1200" dirty="0" smtClean="0">
+                <a:solidFill>
+                  <a:schemeClr val="tx1"/>
+                </a:solidFill>
+                <a:effectLst/>
+                <a:latin typeface="+mn-lt"/>
+                <a:ea typeface="+mn-ea"/>
+                <a:cs typeface="+mn-cs"/>
+              </a:rPr>
+              <a:t>The great master pointed at a pot of boiling water and said:</a:t>
+            </a:r>
+          </a:p>
+          <a:p>
+            <a:r>
+              <a:rPr lang="en-US" sz="1200" b="0" i="0" kern="1200" dirty="0" smtClean="0">
+                <a:solidFill>
+                  <a:schemeClr val="tx1"/>
+                </a:solidFill>
+                <a:effectLst/>
+                <a:latin typeface="+mn-lt"/>
+                <a:ea typeface="+mn-ea"/>
+                <a:cs typeface="+mn-cs"/>
+              </a:rPr>
+              <a:t>“How many grains of rice should put in that pot?”</a:t>
+            </a:r>
+          </a:p>
+          <a:p>
+            <a:r>
+              <a:rPr lang="en-US" sz="1200" b="0" i="0" kern="1200" dirty="0" smtClean="0">
+                <a:solidFill>
+                  <a:schemeClr val="tx1"/>
+                </a:solidFill>
+                <a:effectLst/>
+                <a:latin typeface="+mn-lt"/>
+                <a:ea typeface="+mn-ea"/>
+                <a:cs typeface="+mn-cs"/>
+              </a:rPr>
+              <a:t>The programmer, looking puzzled, replied:</a:t>
+            </a:r>
+          </a:p>
+          <a:p>
+            <a:r>
+              <a:rPr lang="en-US" sz="1200" b="0" i="0" kern="1200" dirty="0" smtClean="0">
+                <a:solidFill>
+                  <a:schemeClr val="tx1"/>
+                </a:solidFill>
+                <a:effectLst/>
+                <a:latin typeface="+mn-lt"/>
+                <a:ea typeface="+mn-ea"/>
+                <a:cs typeface="+mn-cs"/>
+              </a:rPr>
+              <a:t>“How can I possibly tell you? It depends on how many people you need to feed, how hungry they are, what other food you are serving, how much rice you have available, and so on.”</a:t>
+            </a:r>
+          </a:p>
+          <a:p>
+            <a:r>
+              <a:rPr lang="en-US" sz="1200" b="0" i="0" kern="1200" dirty="0" smtClean="0">
+                <a:solidFill>
+                  <a:schemeClr val="tx1"/>
+                </a:solidFill>
+                <a:effectLst/>
+                <a:latin typeface="+mn-lt"/>
+                <a:ea typeface="+mn-ea"/>
+                <a:cs typeface="+mn-cs"/>
+              </a:rPr>
+              <a:t>“Exactly,” said the great master.</a:t>
+            </a:r>
+          </a:p>
+          <a:p>
+            <a:r>
+              <a:rPr lang="en-US" sz="1200" b="0" i="0" kern="1200" dirty="0" smtClean="0">
+                <a:solidFill>
+                  <a:schemeClr val="tx1"/>
+                </a:solidFill>
+                <a:effectLst/>
+                <a:latin typeface="+mn-lt"/>
+                <a:ea typeface="+mn-ea"/>
+                <a:cs typeface="+mn-cs"/>
+              </a:rPr>
+              <a:t>The second programmer smiled, bowed, and left.</a:t>
+            </a:r>
+          </a:p>
+          <a:p>
+            <a:r>
+              <a:rPr lang="en-US" sz="1200" b="0" i="0" kern="1200" dirty="0" smtClean="0">
+                <a:solidFill>
+                  <a:schemeClr val="tx1"/>
+                </a:solidFill>
+                <a:effectLst/>
+                <a:latin typeface="+mn-lt"/>
+                <a:ea typeface="+mn-ea"/>
+                <a:cs typeface="+mn-cs"/>
+              </a:rPr>
+              <a:t>...</a:t>
+            </a:r>
+          </a:p>
+          <a:p>
+            <a:r>
+              <a:rPr lang="en-US" sz="1200" b="0" i="0" kern="1200" dirty="0" smtClean="0">
+                <a:solidFill>
+                  <a:schemeClr val="tx1"/>
+                </a:solidFill>
+                <a:effectLst/>
+                <a:latin typeface="+mn-lt"/>
+                <a:ea typeface="+mn-ea"/>
+                <a:cs typeface="+mn-cs"/>
+              </a:rPr>
+              <a:t>Toward the end of the day, a third programmer came and asked the same question about code coverage.</a:t>
+            </a:r>
+          </a:p>
+          <a:p>
+            <a:r>
+              <a:rPr lang="en-US" sz="1200" b="0" i="0" kern="1200" dirty="0" smtClean="0">
+                <a:solidFill>
+                  <a:schemeClr val="tx1"/>
+                </a:solidFill>
+                <a:effectLst/>
+                <a:latin typeface="+mn-lt"/>
+                <a:ea typeface="+mn-ea"/>
+                <a:cs typeface="+mn-cs"/>
+              </a:rPr>
+              <a:t>“Eighty percent and no less!” Replied the master in a stern voice, pounding his fist on the table.</a:t>
+            </a:r>
+          </a:p>
+          <a:p>
+            <a:r>
+              <a:rPr lang="en-US" sz="1200" b="0" i="0" kern="1200" dirty="0" smtClean="0">
+                <a:solidFill>
+                  <a:schemeClr val="tx1"/>
+                </a:solidFill>
+                <a:effectLst/>
+                <a:latin typeface="+mn-lt"/>
+                <a:ea typeface="+mn-ea"/>
+                <a:cs typeface="+mn-cs"/>
+              </a:rPr>
+              <a:t>The third programmer smiled, bowed, and left.</a:t>
+            </a:r>
+          </a:p>
+          <a:p>
+            <a:r>
+              <a:rPr lang="en-US" sz="1200" b="0" i="0" kern="1200" dirty="0" smtClean="0">
+                <a:solidFill>
+                  <a:schemeClr val="tx1"/>
+                </a:solidFill>
+                <a:effectLst/>
+                <a:latin typeface="+mn-lt"/>
+                <a:ea typeface="+mn-ea"/>
+                <a:cs typeface="+mn-cs"/>
+              </a:rPr>
+              <a:t>...</a:t>
+            </a:r>
+          </a:p>
+          <a:p>
+            <a:r>
+              <a:rPr lang="en-US" sz="1200" b="0" i="0" kern="1200" dirty="0" smtClean="0">
+                <a:solidFill>
+                  <a:schemeClr val="tx1"/>
+                </a:solidFill>
+                <a:effectLst/>
+                <a:latin typeface="+mn-lt"/>
+                <a:ea typeface="+mn-ea"/>
+                <a:cs typeface="+mn-cs"/>
+              </a:rPr>
+              <a:t>After this last reply, a young apprentice approached the great master:</a:t>
+            </a:r>
+          </a:p>
+          <a:p>
+            <a:r>
+              <a:rPr lang="en-US" sz="1200" b="0" i="0" kern="1200" dirty="0" smtClean="0">
+                <a:solidFill>
+                  <a:schemeClr val="tx1"/>
+                </a:solidFill>
+                <a:effectLst/>
+                <a:latin typeface="+mn-lt"/>
+                <a:ea typeface="+mn-ea"/>
+                <a:cs typeface="+mn-cs"/>
+              </a:rPr>
+              <a:t>“Great master, today I overheard you answer the same question about code coverage with three different answers. Why?”</a:t>
+            </a:r>
+          </a:p>
+          <a:p>
+            <a:r>
+              <a:rPr lang="en-US" sz="1200" b="0" i="0" kern="1200" dirty="0" smtClean="0">
+                <a:solidFill>
+                  <a:schemeClr val="tx1"/>
+                </a:solidFill>
+                <a:effectLst/>
+                <a:latin typeface="+mn-lt"/>
+                <a:ea typeface="+mn-ea"/>
+                <a:cs typeface="+mn-cs"/>
+              </a:rPr>
+              <a:t>The great master stood up from his chair:</a:t>
+            </a:r>
+          </a:p>
+          <a:p>
+            <a:r>
+              <a:rPr lang="en-US" sz="1200" b="0" i="0" kern="1200" dirty="0" smtClean="0">
+                <a:solidFill>
+                  <a:schemeClr val="tx1"/>
+                </a:solidFill>
+                <a:effectLst/>
+                <a:latin typeface="+mn-lt"/>
+                <a:ea typeface="+mn-ea"/>
+                <a:cs typeface="+mn-cs"/>
+              </a:rPr>
+              <a:t>“Come get some fresh tea with me and let’s talk about it.”</a:t>
+            </a:r>
+          </a:p>
+          <a:p>
+            <a:r>
+              <a:rPr lang="en-US" sz="1200" b="0" i="0" kern="1200" dirty="0" smtClean="0">
+                <a:solidFill>
+                  <a:schemeClr val="tx1"/>
+                </a:solidFill>
+                <a:effectLst/>
+                <a:latin typeface="+mn-lt"/>
+                <a:ea typeface="+mn-ea"/>
+                <a:cs typeface="+mn-cs"/>
+              </a:rPr>
+              <a:t>After they filled their cups with smoking hot green tea, the great master began to answer:</a:t>
+            </a:r>
+          </a:p>
+          <a:p>
+            <a:r>
+              <a:rPr lang="en-US" sz="1200" b="0" i="0" kern="1200" dirty="0" smtClean="0">
+                <a:solidFill>
+                  <a:schemeClr val="tx1"/>
+                </a:solidFill>
+                <a:effectLst/>
+                <a:latin typeface="+mn-lt"/>
+                <a:ea typeface="+mn-ea"/>
+                <a:cs typeface="+mn-cs"/>
+              </a:rPr>
+              <a:t>“The first programmer is new and just getting started with testing. Right now he has a lot of code and no tests. He has a long way to go; focusing on code coverage at this time would be depressing and quite useless. He’s better off just getting used to writing and running some tests. He can worry about coverage later.”</a:t>
+            </a:r>
+          </a:p>
+          <a:p>
+            <a:r>
+              <a:rPr lang="en-US" sz="1200" b="0" i="0" kern="1200" dirty="0" smtClean="0">
+                <a:solidFill>
+                  <a:schemeClr val="tx1"/>
+                </a:solidFill>
+                <a:effectLst/>
+                <a:latin typeface="+mn-lt"/>
+                <a:ea typeface="+mn-ea"/>
+                <a:cs typeface="+mn-cs"/>
+              </a:rPr>
+              <a:t>“The second programmer, on the other hand, is quite experience both at programming and testing. When I replied by asking her how many grains of rice I should put in a pot, I helped her realize that the amount of testing necessary depends on a number of factors, and she knows those factors better than I do – it’s her code after all. There is no single, simple, answer, and she’s smart enough to handle the truth and work with that.”</a:t>
+            </a:r>
+          </a:p>
+          <a:p>
+            <a:r>
+              <a:rPr lang="en-US" sz="1200" b="0" i="0" kern="1200" dirty="0" smtClean="0">
+                <a:solidFill>
+                  <a:schemeClr val="tx1"/>
+                </a:solidFill>
+                <a:effectLst/>
+                <a:latin typeface="+mn-lt"/>
+                <a:ea typeface="+mn-ea"/>
+                <a:cs typeface="+mn-cs"/>
+              </a:rPr>
+              <a:t>“I see,” said the young apprentice, “but if there is no single simple answer, then why did you answer the third programmer ‘Eighty percent and no less’?”</a:t>
+            </a:r>
+          </a:p>
+          <a:p>
+            <a:r>
+              <a:rPr lang="en-US" sz="1200" b="0" i="0" kern="1200" dirty="0" smtClean="0">
+                <a:solidFill>
+                  <a:schemeClr val="tx1"/>
+                </a:solidFill>
+                <a:effectLst/>
+                <a:latin typeface="+mn-lt"/>
+                <a:ea typeface="+mn-ea"/>
+                <a:cs typeface="+mn-cs"/>
+              </a:rPr>
+              <a:t>The great master laughed so hard and loud that his belly, evidence that he drank more than just green tea, flopped up and down.</a:t>
+            </a:r>
+          </a:p>
+          <a:p>
+            <a:r>
+              <a:rPr lang="en-US" sz="1200" b="0" i="0" kern="1200" dirty="0" smtClean="0">
+                <a:solidFill>
+                  <a:schemeClr val="tx1"/>
+                </a:solidFill>
+                <a:effectLst/>
+                <a:latin typeface="+mn-lt"/>
+                <a:ea typeface="+mn-ea"/>
+                <a:cs typeface="+mn-cs"/>
+              </a:rPr>
+              <a:t>“The third programmer wants only simple answers – even when there are no simple answers … and then does not follow them anyway.”</a:t>
+            </a:r>
+          </a:p>
+          <a:p>
+            <a:r>
+              <a:rPr lang="en-US" sz="1200" b="0" i="0" kern="1200" dirty="0" smtClean="0">
+                <a:solidFill>
+                  <a:schemeClr val="tx1"/>
+                </a:solidFill>
+                <a:effectLst/>
+                <a:latin typeface="+mn-lt"/>
+                <a:ea typeface="+mn-ea"/>
+                <a:cs typeface="+mn-cs"/>
+              </a:rPr>
+              <a:t>The young apprentice and the grizzled great master finished drinking their tea in contemplative silence.</a:t>
+            </a:r>
+          </a:p>
+          <a:p>
+            <a:endParaRPr lang="en-US" dirty="0"/>
+          </a:p>
+        </p:txBody>
+      </p:sp>
+      <p:sp>
+        <p:nvSpPr>
+          <p:cNvPr id="4" name="Slide Number Placeholder 3"/>
+          <p:cNvSpPr>
+            <a:spLocks noGrp="1"/>
+          </p:cNvSpPr>
+          <p:nvPr>
+            <p:ph type="sldNum" sz="quarter" idx="10"/>
+          </p:nvPr>
+        </p:nvSpPr>
+        <p:spPr/>
+        <p:txBody>
+          <a:bodyPr/>
+          <a:lstStyle/>
+          <a:p>
+            <a:fld id="{3F54E12A-92D0-47AC-AF21-2897E92B62D5}" type="slidenum">
+              <a:rPr lang="en-US" smtClean="0"/>
+              <a:t>36</a:t>
+            </a:fld>
+            <a:endParaRPr lang="en-US"/>
+          </a:p>
+        </p:txBody>
+      </p:sp>
+    </p:spTree>
+    <p:extLst>
+      <p:ext uri="{BB962C8B-B14F-4D97-AF65-F5344CB8AC3E}">
+        <p14:creationId xmlns:p14="http://schemas.microsoft.com/office/powerpoint/2010/main" val="1167396142"/>
       </p:ext>
     </p:extLst>
   </p:cSld>
@@ -7029,19 +7629,7 @@
             </a:r>
             <a:r>
               <a:rPr lang="en-US" baseline="0" dirty="0" smtClean="0"/>
-              <a:t> </a:t>
-            </a:r>
-            <a:r>
-              <a:rPr lang="en-US" baseline="0" dirty="0" smtClean="0"/>
-              <a:t>understanding </a:t>
-            </a:r>
-            <a:r>
-              <a:rPr lang="en-US" baseline="0" dirty="0" smtClean="0"/>
-              <a:t>of your tests </a:t>
-            </a:r>
-            <a:r>
-              <a:rPr lang="en-US" baseline="0" dirty="0" smtClean="0"/>
-              <a:t>.  </a:t>
+              <a:t> understanding of your tests .  </a:t>
             </a:r>
           </a:p>
           <a:p>
@@ -7184,7 +7772,7 @@
           <a:p>
             <a:fld id="{3F54E12A-92D0-47AC-AF21-2897E92B62D5}" type="slidenum">
               <a:rPr lang="en-US" smtClean="0"/>
-              <a:t>9</a:t>
+              <a:t>12</a:t>
             </a:fld>
             <a:endParaRPr lang="en-US"/>
           </a:p>
@@ -7279,7 +7867,7 @@
             <a:fld id="{5783D7AA-6A74-42C9-8D9C-C1060C84B8E4}" type="slidenum">
               <a:rPr lang="en-US" smtClean="0"/>
               <a:pPr/>
-              <a:t>10</a:t>
+              <a:t>14</a:t>
             </a:fld>
             <a:endParaRPr lang="en-US"/>
           </a:p>
@@ -7363,7 +7951,7 @@
           <a:p>
             <a:fld id="{3F54E12A-92D0-47AC-AF21-2897E92B62D5}" type="slidenum">
               <a:rPr lang="en-US" smtClean="0"/>
-              <a:t>11</a:t>
+              <a:t>15</a:t>
             </a:fld>
             <a:endParaRPr lang="en-US"/>
           </a:p>
@@ -7447,7 +8035,7 @@
           <a:p>
             <a:fld id="{3F54E12A-92D0-47AC-AF21-2897E92B62D5}" type="slidenum">
               <a:rPr lang="en-US" smtClean="0"/>
-              <a:t>13</a:t>
+              <a:t>17</a:t>
             </a:fld>
             <a:endParaRPr lang="en-US"/>
           </a:p>
@@ -10494,10 +11082,9 @@
           <a:lstStyle/>
           <a:p>
             <a:r>
-              <a:rPr lang="en-US" dirty="0" smtClean="0"/>
-              <a:t>Test Readability</a:t>
-            </a:r>
-            <a:endParaRPr lang="en-US" dirty="0"/>
+              <a:rPr lang="en-US" dirty="0"/>
+              <a:t>Continuous integration</a:t>
+            </a:r>
           </a:p>
         </p:txBody>
       </p:sp>
@@ -10518,31 +11105,499 @@
           </a:bodyPr>
           <a:lstStyle/>
           <a:p>
+            <a:pPr>
+              <a:buNone/>
+            </a:pPr>
+            <a:r>
+              <a:rPr lang="en-US" i="1" dirty="0" smtClean="0"/>
+              <a:t>	Continuous Integration is a software development practice where members of a team integrate their work frequently</a:t>
+            </a:r>
+          </a:p>
+          <a:p>
+            <a:pPr>
+              <a:buNone/>
+            </a:pPr>
+            <a:r>
+              <a:rPr lang="en-US" i="1" dirty="0" smtClean="0"/>
+              <a:t>	</a:t>
+            </a:r>
+          </a:p>
+          <a:p>
+            <a:pPr>
+              <a:buNone/>
+            </a:pPr>
+            <a:r>
+              <a:rPr lang="en-US" i="1" dirty="0" smtClean="0"/>
+              <a:t>	each person integrates at least daily - leading to multiple integrations per day. </a:t>
+            </a:r>
+          </a:p>
+          <a:p>
+            <a:pPr>
+              <a:buNone/>
+            </a:pPr>
+            <a:r>
+              <a:rPr lang="en-US" i="1" dirty="0" smtClean="0"/>
+              <a:t>	</a:t>
+            </a:r>
+          </a:p>
+          <a:p>
+            <a:pPr>
+              <a:buNone/>
+            </a:pPr>
+            <a:r>
+              <a:rPr lang="en-US" i="1" dirty="0" smtClean="0"/>
+              <a:t>	Each integration is verified by an automated build (including test) to detect integration errors as quickly as possible. 	</a:t>
+            </a:r>
+            <a:endParaRPr lang="en-US" dirty="0"/>
+          </a:p>
+        </p:txBody>
+      </p:sp>
+      <p:sp>
+        <p:nvSpPr>
+          <p:cNvPr id="4" name="Slide Number Placeholder 3"/>
+          <p:cNvSpPr>
+            <a:spLocks noGrp="1"/>
+          </p:cNvSpPr>
+          <p:nvPr>
+            <p:ph type="sldNum" sz="quarter" idx="12"/>
+          </p:nvPr>
+        </p:nvSpPr>
+        <p:spPr/>
+        <p:txBody>
+          <a:bodyPr/>
+          <a:lstStyle/>
+          <a:p>
+            <a:fld id="{2387B7E2-7538-4163-9310-D5E6EE1BC12A}" type="slidenum">
+              <a:rPr lang="en-US" smtClean="0"/>
+              <a:pPr/>
+              <a:t>10</a:t>
+            </a:fld>
+            <a:endParaRPr lang="en-US"/>
+          </a:p>
+        </p:txBody>
+      </p:sp>
+    </p:spTree>
+    <p:extLst>
+      <p:ext uri="{BB962C8B-B14F-4D97-AF65-F5344CB8AC3E}">
+        <p14:creationId xmlns:p14="http://schemas.microsoft.com/office/powerpoint/2010/main" val="2566127931"/>
+      </p:ext>
+    </p:extLst>
+  </p:cSld>
+  <p:clrMapOvr>
+    <a:masterClrMapping/>
+  </p:clrMapOvr>
+  <p:timing>
+    <p:tnLst>
+      <p:par>
+        <p:cTn id="1" dur="indefinite" restart="never" nodeType="tmRoot"/>
+      </p:par>
+    </p:tnLst>
+  </p:timing>
+</p:sld>
+</file>
+
+<file path=ppt/slides/slide11.xml><?xml version="1.0" encoding="utf-8"?>
+<p:sld xmlns:a="http://schemas.openxmlformats.org/drawingml/2006/main" xmlns:r="http://schemas.openxmlformats.org/officeDocument/2006/relationships" xmlns:p="http://schemas.openxmlformats.org/presentationml/2006/main">
+  <p:cSld>
+    <p:spTree>
+      <p:nvGrpSpPr>
+        <p:cNvPr id="1" name=""/>
+        <p:cNvGrpSpPr/>
+        <p:nvPr/>
+      </p:nvGrpSpPr>
+      <p:grpSpPr>
+        <a:xfrm>
+          <a:off x="0" y="0"/>
+          <a:ext cx="0" cy="0"/>
+          <a:chOff x="0" y="0"/>
+          <a:chExt cx="0" cy="0"/>
+        </a:xfrm>
+      </p:grpSpPr>
+      <p:sp>
+        <p:nvSpPr>
+          <p:cNvPr id="2" name="Title 1"/>
+          <p:cNvSpPr>
+            <a:spLocks noGrp="1"/>
+          </p:cNvSpPr>
+          <p:nvPr>
+            <p:ph type="title"/>
+          </p:nvPr>
+        </p:nvSpPr>
+        <p:spPr/>
+        <p:txBody>
+          <a:bodyPr/>
+          <a:lstStyle/>
+          <a:p>
+            <a:r>
+              <a:rPr lang="en-US" dirty="0"/>
+              <a:t>continuous delivery</a:t>
+            </a:r>
+          </a:p>
+        </p:txBody>
+      </p:sp>
+      <p:sp>
+        <p:nvSpPr>
+          <p:cNvPr id="3" name="Content Placeholder 2"/>
+          <p:cNvSpPr>
+            <a:spLocks noGrp="1"/>
+          </p:cNvSpPr>
+          <p:nvPr>
+            <p:ph idx="1"/>
+          </p:nvPr>
+        </p:nvSpPr>
+        <p:spPr/>
+        <p:txBody>
+          <a:bodyPr/>
+          <a:lstStyle/>
+          <a:p>
+            <a:pPr>
+              <a:buNone/>
+            </a:pPr>
+            <a:r>
+              <a:rPr lang="en-US" dirty="0"/>
+              <a:t> </a:t>
+            </a:r>
             <a:r>
               <a:rPr lang="en-US" dirty="0" smtClean="0"/>
-              <a:t>Teams that adopt TDD usually see an early boost in productivity because the tests let them add features with confidence and catch errors immediately. </a:t>
+              <a:t> </a:t>
+            </a:r>
+            <a:r>
+              <a:rPr lang="en-US" b="1" dirty="0" smtClean="0"/>
+              <a:t>reduce</a:t>
             </a:r>
             <a:r>
               <a:rPr lang="en-US" dirty="0" smtClean="0"/>
-              <a:t> For </a:t>
+              <a:t> </a:t>
+            </a:r>
+            <a:r>
+              <a:rPr lang="en-US" dirty="0"/>
+              <a:t>the </a:t>
+            </a:r>
+            <a:r>
+              <a:rPr lang="en-US" b="1" dirty="0"/>
+              <a:t>cost</a:t>
+            </a:r>
+            <a:r>
+              <a:rPr lang="en-US" dirty="0"/>
+              <a:t> , </a:t>
+            </a:r>
+            <a:r>
+              <a:rPr lang="en-US" b="1" dirty="0"/>
+              <a:t>time</a:t>
+            </a:r>
+            <a:r>
+              <a:rPr lang="en-US" dirty="0"/>
+              <a:t> , </a:t>
+            </a:r>
+            <a:r>
+              <a:rPr lang="en-US" b="1" dirty="0"/>
+              <a:t>and risk </a:t>
+            </a:r>
+            <a:r>
+              <a:rPr lang="en-US" dirty="0"/>
+              <a:t>of </a:t>
             </a:r>
             <a:r>
               <a:rPr lang="en-US" dirty="0" smtClean="0"/>
-              <a:t>some teams, the pace then slows down as the tests themselves become a maintenance burden. </a:t>
-            </a:r>
-            <a:endParaRPr lang="en-US" dirty="0" smtClean="0"/>
-          </a:p>
-          <a:p>
+              <a:t> delivering </a:t>
+            </a:r>
+            <a:r>
+              <a:rPr lang="en-US" b="1" dirty="0"/>
+              <a:t>incremental changes </a:t>
+            </a:r>
+          </a:p>
+          <a:p>
+            <a:pPr>
+              <a:buNone/>
+            </a:pPr>
+            <a:r>
+              <a:rPr lang="en-US" b="1" dirty="0"/>
+              <a:t>   </a:t>
+            </a:r>
+            <a:r>
+              <a:rPr lang="en-US" dirty="0"/>
+              <a:t>to users</a:t>
+            </a:r>
+          </a:p>
+          <a:p>
+            <a:pPr>
+              <a:buNone/>
+            </a:pPr>
+            <a:r>
+              <a:rPr lang="en-US" dirty="0"/>
+              <a:t>	</a:t>
+            </a:r>
+          </a:p>
+          <a:p>
+            <a:pPr>
+              <a:buNone/>
+            </a:pPr>
+            <a:r>
+              <a:rPr lang="en-US" dirty="0"/>
+              <a:t>	</a:t>
+            </a:r>
+          </a:p>
+        </p:txBody>
+      </p:sp>
+    </p:spTree>
+    <p:extLst>
+      <p:ext uri="{BB962C8B-B14F-4D97-AF65-F5344CB8AC3E}">
+        <p14:creationId xmlns:p14="http://schemas.microsoft.com/office/powerpoint/2010/main" val="3156832340"/>
+      </p:ext>
+    </p:extLst>
+  </p:cSld>
+  <p:clrMapOvr>
+    <a:masterClrMapping/>
+  </p:clrMapOvr>
+</p:sld>
+</file>
+
+<file path=ppt/slides/slide12.xml><?xml version="1.0" encoding="utf-8"?>
+<p:sld xmlns:a="http://schemas.openxmlformats.org/drawingml/2006/main" xmlns:r="http://schemas.openxmlformats.org/officeDocument/2006/relationships" xmlns:p="http://schemas.openxmlformats.org/presentationml/2006/main">
+  <p:cSld>
+    <p:spTree>
+      <p:nvGrpSpPr>
+        <p:cNvPr id="1" name=""/>
+        <p:cNvGrpSpPr/>
+        <p:nvPr/>
+      </p:nvGrpSpPr>
+      <p:grpSpPr>
+        <a:xfrm>
+          <a:off x="0" y="0"/>
+          <a:ext cx="0" cy="0"/>
+          <a:chOff x="0" y="0"/>
+          <a:chExt cx="0" cy="0"/>
+        </a:xfrm>
+      </p:grpSpPr>
+      <p:sp>
+        <p:nvSpPr>
+          <p:cNvPr id="2" name="Title 1"/>
+          <p:cNvSpPr>
+            <a:spLocks noGrp="1"/>
+          </p:cNvSpPr>
+          <p:nvPr>
+            <p:ph type="title"/>
+          </p:nvPr>
+        </p:nvSpPr>
+        <p:spPr/>
+        <p:txBody>
+          <a:bodyPr/>
+          <a:lstStyle/>
+          <a:p>
+            <a:r>
+              <a:rPr lang="en-US" dirty="0" smtClean="0"/>
+              <a:t>Executable </a:t>
+            </a:r>
+            <a:r>
+              <a:rPr lang="en-US" dirty="0" smtClean="0"/>
+              <a:t>Documentation</a:t>
+            </a:r>
             <a:endParaRPr lang="en-US" dirty="0"/>
           </a:p>
+        </p:txBody>
+      </p:sp>
+      <p:sp>
+        <p:nvSpPr>
+          <p:cNvPr id="3" name="Content Placeholder 2"/>
+          <p:cNvSpPr>
+            <a:spLocks noGrp="1"/>
+          </p:cNvSpPr>
+          <p:nvPr>
+            <p:ph idx="1"/>
+          </p:nvPr>
+        </p:nvSpPr>
+        <p:spPr/>
+        <p:txBody>
+          <a:bodyPr/>
+          <a:lstStyle/>
+          <a:p>
+            <a:pPr marL="0">
+              <a:buNone/>
+            </a:pPr>
+            <a:r>
+              <a:rPr lang="en-US" i="1" dirty="0" smtClean="0"/>
+              <a:t>Create </a:t>
+            </a:r>
+            <a:r>
+              <a:rPr lang="en-US" i="1" dirty="0"/>
+              <a:t>a suite of documents that fully describe the low level behavior of the system .</a:t>
+            </a:r>
+          </a:p>
+          <a:p>
+            <a:pPr marL="0">
+              <a:buNone/>
+            </a:pPr>
+            <a:r>
+              <a:rPr lang="en-US" i="1" dirty="0"/>
+              <a:t>   </a:t>
+            </a:r>
+          </a:p>
+          <a:p>
+            <a:pPr marL="0">
+              <a:buNone/>
+            </a:pPr>
+            <a:r>
+              <a:rPr lang="en-US" i="1" dirty="0" smtClean="0"/>
+              <a:t>Low </a:t>
+            </a:r>
+            <a:r>
+              <a:rPr lang="en-US" i="1" dirty="0"/>
+              <a:t>level documentation that  executes</a:t>
+            </a:r>
+            <a:endParaRPr lang="en-US" dirty="0"/>
+          </a:p>
+        </p:txBody>
+      </p:sp>
+    </p:spTree>
+    <p:extLst>
+      <p:ext uri="{BB962C8B-B14F-4D97-AF65-F5344CB8AC3E}">
+        <p14:creationId xmlns:p14="http://schemas.microsoft.com/office/powerpoint/2010/main" val="2698778266"/>
+      </p:ext>
+    </p:extLst>
+  </p:cSld>
+  <p:clrMapOvr>
+    <a:masterClrMapping/>
+  </p:clrMapOvr>
+</p:sld>
+</file>
+
+<file path=ppt/slides/slide13.xml><?xml version="1.0" encoding="utf-8"?>
+<p:sld xmlns:a="http://schemas.openxmlformats.org/drawingml/2006/main" xmlns:r="http://schemas.openxmlformats.org/officeDocument/2006/relationships" xmlns:p="http://schemas.openxmlformats.org/presentationml/2006/main">
+  <p:cSld>
+    <p:spTree>
+      <p:nvGrpSpPr>
+        <p:cNvPr id="1" name=""/>
+        <p:cNvGrpSpPr/>
+        <p:nvPr/>
+      </p:nvGrpSpPr>
+      <p:grpSpPr>
+        <a:xfrm>
+          <a:off x="0" y="0"/>
+          <a:ext cx="0" cy="0"/>
+          <a:chOff x="0" y="0"/>
+          <a:chExt cx="0" cy="0"/>
+        </a:xfrm>
+      </p:grpSpPr>
+      <p:sp>
+        <p:nvSpPr>
+          <p:cNvPr id="2" name="Title 1"/>
+          <p:cNvSpPr>
+            <a:spLocks noGrp="1"/>
+          </p:cNvSpPr>
+          <p:nvPr>
+            <p:ph type="title"/>
+          </p:nvPr>
+        </p:nvSpPr>
+        <p:spPr/>
+        <p:txBody>
+          <a:bodyPr/>
+          <a:lstStyle/>
           <a:p>
             <a:r>
               <a:rPr lang="en-US" dirty="0" smtClean="0"/>
-              <a:t>For </a:t>
-            </a:r>
+              <a:t>Test Readability</a:t>
+            </a:r>
+            <a:endParaRPr lang="en-US" dirty="0"/>
+          </a:p>
+        </p:txBody>
+      </p:sp>
+      <p:sp>
+        <p:nvSpPr>
+          <p:cNvPr id="3" name="Content Placeholder 2"/>
+          <p:cNvSpPr>
+            <a:spLocks noGrp="1"/>
+          </p:cNvSpPr>
+          <p:nvPr>
+            <p:ph idx="1"/>
+          </p:nvPr>
+        </p:nvSpPr>
+        <p:spPr/>
+        <p:txBody>
+          <a:bodyPr/>
+          <a:lstStyle/>
+          <a:p>
+            <a:endParaRPr lang="en-US"/>
+          </a:p>
+        </p:txBody>
+      </p:sp>
+    </p:spTree>
+    <p:extLst>
+      <p:ext uri="{BB962C8B-B14F-4D97-AF65-F5344CB8AC3E}">
+        <p14:creationId xmlns:p14="http://schemas.microsoft.com/office/powerpoint/2010/main" val="1641549763"/>
+      </p:ext>
+    </p:extLst>
+  </p:cSld>
+  <p:clrMapOvr>
+    <a:masterClrMapping/>
+  </p:clrMapOvr>
+</p:sld>
+</file>
+
+<file path=ppt/slides/slide14.xml><?xml version="1.0" encoding="utf-8"?>
+<p:sld xmlns:a="http://schemas.openxmlformats.org/drawingml/2006/main" xmlns:r="http://schemas.openxmlformats.org/officeDocument/2006/relationships" xmlns:p="http://schemas.openxmlformats.org/presentationml/2006/main">
+  <p:cSld>
+    <p:spTree>
+      <p:nvGrpSpPr>
+        <p:cNvPr id="1" name=""/>
+        <p:cNvGrpSpPr/>
+        <p:nvPr/>
+      </p:nvGrpSpPr>
+      <p:grpSpPr>
+        <a:xfrm>
+          <a:off x="0" y="0"/>
+          <a:ext cx="0" cy="0"/>
+          <a:chOff x="0" y="0"/>
+          <a:chExt cx="0" cy="0"/>
+        </a:xfrm>
+      </p:grpSpPr>
+      <p:sp>
+        <p:nvSpPr>
+          <p:cNvPr id="2" name="Title 1"/>
+          <p:cNvSpPr>
+            <a:spLocks noGrp="1"/>
+          </p:cNvSpPr>
+          <p:nvPr>
+            <p:ph type="title"/>
+          </p:nvPr>
+        </p:nvSpPr>
+        <p:spPr/>
+        <p:txBody>
+          <a:bodyPr/>
+          <a:lstStyle/>
+          <a:p>
+            <a:endParaRPr lang="en-US" dirty="0"/>
+          </a:p>
+        </p:txBody>
+      </p:sp>
+      <p:sp>
+        <p:nvSpPr>
+          <p:cNvPr id="3" name="Content Placeholder 2"/>
+          <p:cNvSpPr>
+            <a:spLocks noGrp="1"/>
+          </p:cNvSpPr>
+          <p:nvPr>
+            <p:ph idx="1"/>
+          </p:nvPr>
+        </p:nvSpPr>
+        <p:spPr/>
+        <p:txBody>
+          <a:bodyPr>
+            <a:normAutofit/>
+          </a:bodyPr>
+          <a:lstStyle/>
+          <a:p>
             <a:r>
               <a:rPr lang="en-US" dirty="0" smtClean="0"/>
-              <a:t>TDD to be sustainable, the tests must do more than verify the behavior of the code; they must also express that behavior clearly—they must be readable</a:t>
+              <a:t>Teams that adopt TDD usually see an early boost in productivity because the tests let them add features with confidence and catch errors immediately.  For some teams, the pace then slows down as the tests themselves become a maintenance burden. </a:t>
+            </a:r>
+          </a:p>
+          <a:p>
+            <a:endParaRPr lang="en-US" dirty="0"/>
+          </a:p>
+          <a:p>
+            <a:r>
+              <a:rPr lang="en-US" dirty="0" smtClean="0"/>
+              <a:t>For TDD to be sustainable, the tests must do more than verify the behavior of the code; they must also express that behavior clearly—they must be readable</a:t>
             </a:r>
           </a:p>
           <a:p>
@@ -10563,7 +11618,7 @@
 </p:sld>
 </file>
 
-<file path=ppt/slides/slide11.xml><?xml version="1.0" encoding="utf-8"?>
+<file path=ppt/slides/slide15.xml><?xml version="1.0" encoding="utf-8"?>
 <p:sld xmlns:a="http://schemas.openxmlformats.org/drawingml/2006/main" xmlns:r="http://schemas.openxmlformats.org/officeDocument/2006/relationships" xmlns:p="http://schemas.openxmlformats.org/presentationml/2006/main">
   <p:cSld>
     <p:spTree>
@@ -10664,7 +11719,7 @@
 </p:sld>
 </file>
 
-<file path=ppt/slides/slide12.xml><?xml version="1.0" encoding="utf-8"?>
+<file path=ppt/slides/slide16.xml><?xml version="1.0" encoding="utf-8"?>
 <p:sld xmlns:a="http://schemas.openxmlformats.org/drawingml/2006/main" xmlns:r="http://schemas.openxmlformats.org/officeDocument/2006/relationships" xmlns:p="http://schemas.openxmlformats.org/presentationml/2006/main">
   <p:cSld>
     <p:spTree>
@@ -10764,7 +11819,7 @@
 </p:sld>
 </file>
 
-<file path=ppt/slides/slide13.xml><?xml version="1.0" encoding="utf-8"?>
+<file path=ppt/slides/slide17.xml><?xml version="1.0" encoding="utf-8"?>
 <p:sld xmlns:a="http://schemas.openxmlformats.org/drawingml/2006/main" xmlns:r="http://schemas.openxmlformats.org/officeDocument/2006/relationships" xmlns:p="http://schemas.openxmlformats.org/presentationml/2006/main">
   <p:cSld>
     <p:spTree>
@@ -10791,7 +11846,12 @@
             <p:ph type="title"/>
           </p:nvPr>
         </p:nvSpPr>
-        <p:spPr/>
+        <p:spPr>
+          <a:xfrm>
+            <a:off x="868680" y="182245"/>
+            <a:ext cx="10515600" cy="1325563"/>
+          </a:xfrm>
+        </p:spPr>
         <p:txBody>
           <a:bodyPr/>
           <a:lstStyle/>
@@ -10826,8 +11886,8 @@
         </p:blipFill>
         <p:spPr>
           <a:xfrm>
-            <a:off x="1708152" y="1397001"/>
-            <a:ext cx="2965449" cy="4920327"/>
+            <a:off x="3750312" y="1752600"/>
+            <a:ext cx="2863847" cy="4549488"/>
           </a:xfrm>
           <a:prstGeom prst="rect">
             <a:avLst/>
@@ -10862,7 +11922,7 @@
 </p:sld>
 </file>
 
-<file path=ppt/slides/slide14.xml><?xml version="1.0" encoding="utf-8"?>
+<file path=ppt/slides/slide18.xml><?xml version="1.0" encoding="utf-8"?>
 <p:sld xmlns:a="http://schemas.openxmlformats.org/drawingml/2006/main" xmlns:r="http://schemas.openxmlformats.org/officeDocument/2006/relationships" xmlns:p="http://schemas.openxmlformats.org/presentationml/2006/main">
   <p:cSld>
     <p:spTree>
@@ -10916,464 +11976,6 @@
 </p:sld>
 </file>
 
-<file path=ppt/slides/slide15.xml><?xml version="1.0" encoding="utf-8"?>
-<p:sld xmlns:a="http://schemas.openxmlformats.org/drawingml/2006/main" xmlns:r="http://schemas.openxmlformats.org/officeDocument/2006/relationships" xmlns:p="http://schemas.openxmlformats.org/presentationml/2006/main">
-  <p:cSld>
-    <p:spTree>
-      <p:nvGrpSpPr>
-        <p:cNvPr id="1" name=""/>
-        <p:cNvGrpSpPr/>
-        <p:nvPr/>
-      </p:nvGrpSpPr>
-      <p:grpSpPr>
-        <a:xfrm>
-          <a:off x="0" y="0"/>
-          <a:ext cx="0" cy="0"/>
-          <a:chOff x="0" y="0"/>
-          <a:chExt cx="0" cy="0"/>
-        </a:xfrm>
-      </p:grpSpPr>
-      <p:sp>
-        <p:nvSpPr>
-          <p:cNvPr id="2" name="Title 1"/>
-          <p:cNvSpPr>
-            <a:spLocks noGrp="1"/>
-          </p:cNvSpPr>
-          <p:nvPr>
-            <p:ph type="title"/>
-          </p:nvPr>
-        </p:nvSpPr>
-        <p:spPr/>
-        <p:txBody>
-          <a:bodyPr/>
-          <a:lstStyle/>
-          <a:p>
-            <a:endParaRPr lang="en-US"/>
-          </a:p>
-        </p:txBody>
-      </p:sp>
-      <p:sp>
-        <p:nvSpPr>
-          <p:cNvPr id="3" name="Content Placeholder 2"/>
-          <p:cNvSpPr>
-            <a:spLocks noGrp="1"/>
-          </p:cNvSpPr>
-          <p:nvPr>
-            <p:ph idx="1"/>
-          </p:nvPr>
-        </p:nvSpPr>
-        <p:spPr/>
-        <p:txBody>
-          <a:bodyPr/>
-          <a:lstStyle/>
-          <a:p>
-            <a:pPr marL="0" indent="0">
-              <a:buNone/>
-            </a:pPr>
-            <a:r>
-              <a:rPr lang="en-US" dirty="0" smtClean="0"/>
-              <a:t>These names can be as long as we like because they’re only called through reflection—we never have to type them in to call them. </a:t>
-            </a:r>
-          </a:p>
-          <a:p>
-            <a:pPr marL="0" indent="0">
-              <a:buNone/>
-            </a:pPr>
-            <a:endParaRPr lang="en-US" dirty="0"/>
-          </a:p>
-          <a:p>
-            <a:pPr marL="0" indent="0">
-              <a:buNone/>
-            </a:pPr>
-            <a:r>
-              <a:rPr lang="en-US" dirty="0" smtClean="0"/>
-              <a:t>The point of the convention is to encourage the developer to think in terms of what the target object does, not what it is.</a:t>
-            </a:r>
-            <a:endParaRPr lang="en-US" dirty="0"/>
-          </a:p>
-        </p:txBody>
-      </p:sp>
-    </p:spTree>
-    <p:extLst>
-      <p:ext uri="{BB962C8B-B14F-4D97-AF65-F5344CB8AC3E}">
-        <p14:creationId xmlns:p14="http://schemas.microsoft.com/office/powerpoint/2010/main" val="3047531515"/>
-      </p:ext>
-    </p:extLst>
-  </p:cSld>
-  <p:clrMapOvr>
-    <a:masterClrMapping/>
-  </p:clrMapOvr>
-</p:sld>
-</file>
-
-<file path=ppt/slides/slide16.xml><?xml version="1.0" encoding="utf-8"?>
-<p:sld xmlns:a="http://schemas.openxmlformats.org/drawingml/2006/main" xmlns:r="http://schemas.openxmlformats.org/officeDocument/2006/relationships" xmlns:p="http://schemas.openxmlformats.org/presentationml/2006/main">
-  <p:cSld>
-    <p:spTree>
-      <p:nvGrpSpPr>
-        <p:cNvPr id="1" name=""/>
-        <p:cNvGrpSpPr/>
-        <p:nvPr/>
-      </p:nvGrpSpPr>
-      <p:grpSpPr>
-        <a:xfrm>
-          <a:off x="0" y="0"/>
-          <a:ext cx="0" cy="0"/>
-          <a:chOff x="0" y="0"/>
-          <a:chExt cx="0" cy="0"/>
-        </a:xfrm>
-      </p:grpSpPr>
-      <p:sp>
-        <p:nvSpPr>
-          <p:cNvPr id="2" name="Title 1"/>
-          <p:cNvSpPr>
-            <a:spLocks noGrp="1"/>
-          </p:cNvSpPr>
-          <p:nvPr>
-            <p:ph type="title"/>
-          </p:nvPr>
-        </p:nvSpPr>
-        <p:spPr/>
-        <p:txBody>
-          <a:bodyPr>
-            <a:normAutofit/>
-          </a:bodyPr>
-          <a:lstStyle/>
-          <a:p>
-            <a:r>
-              <a:rPr lang="en-US" dirty="0" smtClean="0"/>
-              <a:t>Keeping Test Clean</a:t>
-            </a:r>
-            <a:br>
-              <a:rPr lang="en-US" dirty="0" smtClean="0"/>
-            </a:br>
-            <a:endParaRPr lang="en-US" dirty="0"/>
-          </a:p>
-        </p:txBody>
-      </p:sp>
-      <p:sp>
-        <p:nvSpPr>
-          <p:cNvPr id="3" name="Content Placeholder 2"/>
-          <p:cNvSpPr>
-            <a:spLocks noGrp="1"/>
-          </p:cNvSpPr>
-          <p:nvPr>
-            <p:ph idx="1"/>
-          </p:nvPr>
-        </p:nvSpPr>
-        <p:spPr/>
-        <p:txBody>
-          <a:bodyPr>
-            <a:normAutofit/>
-          </a:bodyPr>
-          <a:lstStyle/>
-          <a:p>
-            <a:pPr marL="0" lvl="1" indent="0">
-              <a:buNone/>
-            </a:pPr>
-            <a:r>
-              <a:rPr lang="en-US" dirty="0" smtClean="0"/>
-              <a:t>Test code is just as important as production code. It is not second class citizen.</a:t>
-            </a:r>
-          </a:p>
-          <a:p>
-            <a:pPr marL="0" lvl="1" indent="0">
-              <a:buNone/>
-            </a:pPr>
-            <a:endParaRPr lang="en-US" dirty="0" smtClean="0"/>
-          </a:p>
-          <a:p>
-            <a:pPr marL="0" lvl="1" indent="0">
-              <a:buNone/>
-            </a:pPr>
-            <a:r>
-              <a:rPr lang="en-US" sz="3200" b="1" u="sng" dirty="0"/>
-              <a:t>What makes test clean </a:t>
-            </a:r>
-          </a:p>
-          <a:p>
-            <a:pPr marL="0" lvl="1" indent="0">
-              <a:buNone/>
-            </a:pPr>
-            <a:endParaRPr lang="en-US" dirty="0" smtClean="0"/>
-          </a:p>
-          <a:p>
-            <a:pPr marL="0" lvl="1" indent="0">
-              <a:buNone/>
-            </a:pPr>
-            <a:r>
-              <a:rPr lang="en-US" dirty="0" smtClean="0"/>
-              <a:t>Readability ,  Clarity , simplicity and density of  expression</a:t>
-            </a:r>
-          </a:p>
-          <a:p>
-            <a:endParaRPr lang="en-US" dirty="0"/>
-          </a:p>
-        </p:txBody>
-      </p:sp>
-      <p:sp>
-        <p:nvSpPr>
-          <p:cNvPr id="4" name="Slide Number Placeholder 3"/>
-          <p:cNvSpPr>
-            <a:spLocks noGrp="1"/>
-          </p:cNvSpPr>
-          <p:nvPr>
-            <p:ph type="sldNum" sz="quarter" idx="12"/>
-          </p:nvPr>
-        </p:nvSpPr>
-        <p:spPr/>
-        <p:txBody>
-          <a:bodyPr/>
-          <a:lstStyle/>
-          <a:p>
-            <a:fld id="{2387B7E2-7538-4163-9310-D5E6EE1BC12A}" type="slidenum">
-              <a:rPr lang="en-US" smtClean="0"/>
-              <a:pPr/>
-              <a:t>16</a:t>
-            </a:fld>
-            <a:endParaRPr lang="en-US"/>
-          </a:p>
-        </p:txBody>
-      </p:sp>
-    </p:spTree>
-    <p:extLst>
-      <p:ext uri="{BB962C8B-B14F-4D97-AF65-F5344CB8AC3E}">
-        <p14:creationId xmlns:p14="http://schemas.microsoft.com/office/powerpoint/2010/main" val="3023593956"/>
-      </p:ext>
-    </p:extLst>
-  </p:cSld>
-  <p:clrMapOvr>
-    <a:masterClrMapping/>
-  </p:clrMapOvr>
-  <p:timing>
-    <p:tnLst>
-      <p:par>
-        <p:cTn id="1" dur="indefinite" restart="never" nodeType="tmRoot"/>
-      </p:par>
-    </p:tnLst>
-  </p:timing>
-</p:sld>
-</file>
-
-<file path=ppt/slides/slide17.xml><?xml version="1.0" encoding="utf-8"?>
-<p:sld xmlns:a="http://schemas.openxmlformats.org/drawingml/2006/main" xmlns:r="http://schemas.openxmlformats.org/officeDocument/2006/relationships" xmlns:p="http://schemas.openxmlformats.org/presentationml/2006/main">
-  <p:cSld>
-    <p:spTree>
-      <p:nvGrpSpPr>
-        <p:cNvPr id="1" name=""/>
-        <p:cNvGrpSpPr/>
-        <p:nvPr/>
-      </p:nvGrpSpPr>
-      <p:grpSpPr>
-        <a:xfrm>
-          <a:off x="0" y="0"/>
-          <a:ext cx="0" cy="0"/>
-          <a:chOff x="0" y="0"/>
-          <a:chExt cx="0" cy="0"/>
-        </a:xfrm>
-      </p:grpSpPr>
-      <p:sp>
-        <p:nvSpPr>
-          <p:cNvPr id="2" name="Title 1"/>
-          <p:cNvSpPr>
-            <a:spLocks noGrp="1"/>
-          </p:cNvSpPr>
-          <p:nvPr>
-            <p:ph type="title"/>
-          </p:nvPr>
-        </p:nvSpPr>
-        <p:spPr/>
-        <p:txBody>
-          <a:bodyPr/>
-          <a:lstStyle/>
-          <a:p>
-            <a:r>
-              <a:rPr lang="en-US" dirty="0" smtClean="0"/>
-              <a:t>Continuous integration and Continuous delivery</a:t>
-            </a:r>
-            <a:endParaRPr lang="en-US" dirty="0"/>
-          </a:p>
-        </p:txBody>
-      </p:sp>
-      <p:sp>
-        <p:nvSpPr>
-          <p:cNvPr id="3" name="Content Placeholder 2"/>
-          <p:cNvSpPr>
-            <a:spLocks noGrp="1"/>
-          </p:cNvSpPr>
-          <p:nvPr>
-            <p:ph idx="1"/>
-          </p:nvPr>
-        </p:nvSpPr>
-        <p:spPr/>
-        <p:txBody>
-          <a:bodyPr/>
-          <a:lstStyle/>
-          <a:p>
-            <a:endParaRPr lang="en-US"/>
-          </a:p>
-        </p:txBody>
-      </p:sp>
-    </p:spTree>
-    <p:extLst>
-      <p:ext uri="{BB962C8B-B14F-4D97-AF65-F5344CB8AC3E}">
-        <p14:creationId xmlns:p14="http://schemas.microsoft.com/office/powerpoint/2010/main" val="4007826864"/>
-      </p:ext>
-    </p:extLst>
-  </p:cSld>
-  <p:clrMapOvr>
-    <a:masterClrMapping/>
-  </p:clrMapOvr>
-</p:sld>
-</file>
-
-<file path=ppt/slides/slide18.xml><?xml version="1.0" encoding="utf-8"?>
-<p:sld xmlns:a="http://schemas.openxmlformats.org/drawingml/2006/main" xmlns:r="http://schemas.openxmlformats.org/officeDocument/2006/relationships" xmlns:p="http://schemas.openxmlformats.org/presentationml/2006/main">
-  <p:cSld>
-    <p:spTree>
-      <p:nvGrpSpPr>
-        <p:cNvPr id="1" name=""/>
-        <p:cNvGrpSpPr/>
-        <p:nvPr/>
-      </p:nvGrpSpPr>
-      <p:grpSpPr>
-        <a:xfrm>
-          <a:off x="0" y="0"/>
-          <a:ext cx="0" cy="0"/>
-          <a:chOff x="0" y="0"/>
-          <a:chExt cx="0" cy="0"/>
-        </a:xfrm>
-      </p:grpSpPr>
-      <p:sp>
-        <p:nvSpPr>
-          <p:cNvPr id="2" name="Title 1"/>
-          <p:cNvSpPr>
-            <a:spLocks noGrp="1"/>
-          </p:cNvSpPr>
-          <p:nvPr>
-            <p:ph type="title"/>
-          </p:nvPr>
-        </p:nvSpPr>
-        <p:spPr/>
-        <p:txBody>
-          <a:bodyPr/>
-          <a:lstStyle/>
-          <a:p>
-            <a:r>
-              <a:rPr lang="en-US" dirty="0"/>
-              <a:t>Continuous integration</a:t>
-            </a:r>
-          </a:p>
-        </p:txBody>
-      </p:sp>
-      <p:sp>
-        <p:nvSpPr>
-          <p:cNvPr id="3" name="Content Placeholder 2"/>
-          <p:cNvSpPr>
-            <a:spLocks noGrp="1"/>
-          </p:cNvSpPr>
-          <p:nvPr>
-            <p:ph idx="1"/>
-          </p:nvPr>
-        </p:nvSpPr>
-        <p:spPr/>
-        <p:txBody>
-          <a:bodyPr>
-            <a:normAutofit/>
-          </a:bodyPr>
-          <a:lstStyle/>
-          <a:p>
-            <a:pPr>
-              <a:buNone/>
-            </a:pPr>
-            <a:r>
-              <a:rPr lang="en-US" i="1" dirty="0" smtClean="0"/>
-              <a:t>	Continuous Integration is a software development practice where members of a team integrate their work frequently</a:t>
-            </a:r>
-          </a:p>
-          <a:p>
-            <a:pPr>
-              <a:buNone/>
-            </a:pPr>
-            <a:r>
-              <a:rPr lang="en-US" i="1" dirty="0" smtClean="0"/>
-              <a:t>	</a:t>
-            </a:r>
-          </a:p>
-          <a:p>
-            <a:pPr>
-              <a:buNone/>
-            </a:pPr>
-            <a:r>
-              <a:rPr lang="en-US" i="1" dirty="0" smtClean="0"/>
-              <a:t>	each person integrates at least daily - leading to multiple integrations per day. </a:t>
-            </a:r>
-          </a:p>
-          <a:p>
-            <a:pPr>
-              <a:buNone/>
-            </a:pPr>
-            <a:r>
-              <a:rPr lang="en-US" i="1" dirty="0" smtClean="0"/>
-              <a:t>	</a:t>
-            </a:r>
-          </a:p>
-          <a:p>
-            <a:pPr>
-              <a:buNone/>
-            </a:pPr>
-            <a:r>
-              <a:rPr lang="en-US" i="1" dirty="0" smtClean="0"/>
-              <a:t>	Each integration is verified by an automated build (including test) to detect integration errors as quickly as possible. 	</a:t>
-            </a:r>
-            <a:endParaRPr lang="en-US" dirty="0"/>
-          </a:p>
-        </p:txBody>
-      </p:sp>
-      <p:sp>
-        <p:nvSpPr>
-          <p:cNvPr id="4" name="Slide Number Placeholder 3"/>
-          <p:cNvSpPr>
-            <a:spLocks noGrp="1"/>
-          </p:cNvSpPr>
-          <p:nvPr>
-            <p:ph type="sldNum" sz="quarter" idx="12"/>
-          </p:nvPr>
-        </p:nvSpPr>
-        <p:spPr/>
-        <p:txBody>
-          <a:bodyPr/>
-          <a:lstStyle/>
-          <a:p>
-            <a:fld id="{2387B7E2-7538-4163-9310-D5E6EE1BC12A}" type="slidenum">
-              <a:rPr lang="en-US" smtClean="0"/>
-              <a:pPr/>
-              <a:t>18</a:t>
-            </a:fld>
-            <a:endParaRPr lang="en-US"/>
-          </a:p>
-        </p:txBody>
-      </p:sp>
-    </p:spTree>
-    <p:extLst>
-      <p:ext uri="{BB962C8B-B14F-4D97-AF65-F5344CB8AC3E}">
-        <p14:creationId xmlns:p14="http://schemas.microsoft.com/office/powerpoint/2010/main" val="1460856270"/>
-      </p:ext>
-    </p:extLst>
-  </p:cSld>
-  <p:clrMapOvr>
-    <a:masterClrMapping/>
-  </p:clrMapOvr>
-  <p:timing>
-    <p:tnLst>
-      <p:par>
-        <p:cTn id="1" dur="indefinite" restart="never" nodeType="tmRoot"/>
-      </p:par>
-    </p:tnLst>
-  </p:timing>
-</p:sld>
-</file>
-
 <file path=ppt/slides/slide19.xml><?xml version="1.0" encoding="utf-8"?>
 <p:sld xmlns:a="http://schemas.openxmlformats.org/drawingml/2006/main" xmlns:r="http://schemas.openxmlformats.org/officeDocument/2006/relationships" xmlns:p="http://schemas.openxmlformats.org/presentationml/2006/main">
   <p:cSld>
@@ -11406,10 +12008,7 @@
           <a:bodyPr/>
           <a:lstStyle/>
           <a:p>
-            <a:r>
-              <a:rPr lang="en-US" dirty="0"/>
-              <a:t>continuous delivery</a:t>
-            </a:r>
+            <a:endParaRPr lang="en-US"/>
           </a:p>
         </p:txBody>
       </p:sp>
@@ -11428,96 +12027,36 @@
           <a:bodyPr/>
           <a:lstStyle/>
           <a:p>
-            <a:pPr>
+            <a:pPr marL="0" indent="0">
               <a:buNone/>
             </a:pPr>
             <a:r>
-              <a:rPr lang="en-US" dirty="0"/>
-              <a:t> </a:t>
-            </a:r>
-            <a:r>
-              <a:rPr lang="en-US" b="1" dirty="0"/>
-              <a:t>reduce</a:t>
-            </a:r>
-            <a:r>
-              <a:rPr lang="en-US" dirty="0"/>
-              <a:t> the </a:t>
-            </a:r>
-            <a:r>
-              <a:rPr lang="en-US" b="1" dirty="0"/>
-              <a:t>cost</a:t>
-            </a:r>
-            <a:r>
-              <a:rPr lang="en-US" dirty="0"/>
-              <a:t> , </a:t>
-            </a:r>
-            <a:r>
-              <a:rPr lang="en-US" b="1" dirty="0"/>
-              <a:t>time</a:t>
-            </a:r>
-            <a:r>
-              <a:rPr lang="en-US" dirty="0"/>
-              <a:t> , </a:t>
-            </a:r>
-            <a:r>
-              <a:rPr lang="en-US" b="1" dirty="0"/>
-              <a:t>and risk </a:t>
-            </a:r>
-            <a:r>
-              <a:rPr lang="en-US" dirty="0"/>
-              <a:t>of </a:t>
-            </a:r>
-          </a:p>
-          <a:p>
-            <a:pPr>
+              <a:rPr lang="en-US" dirty="0" smtClean="0"/>
+              <a:t>These names can be as long as we like because they’re only called through reflection—we never have to type them in to call them. </a:t>
+            </a:r>
+          </a:p>
+          <a:p>
+            <a:pPr marL="0" indent="0">
               <a:buNone/>
             </a:pPr>
-            <a:r>
-              <a:rPr lang="en-US" dirty="0"/>
-              <a:t>   delivering </a:t>
-            </a:r>
-            <a:r>
-              <a:rPr lang="en-US" b="1" dirty="0"/>
-              <a:t>incremental changes </a:t>
-            </a:r>
-          </a:p>
-          <a:p>
-            <a:pPr>
+            <a:endParaRPr lang="en-US" dirty="0"/>
+          </a:p>
+          <a:p>
+            <a:pPr marL="0" indent="0">
               <a:buNone/>
             </a:pPr>
             <a:r>
-              <a:rPr lang="en-US" b="1" dirty="0"/>
-              <a:t>   </a:t>
-            </a:r>
-            <a:r>
-              <a:rPr lang="en-US" dirty="0"/>
-              <a:t>to users</a:t>
-            </a:r>
-          </a:p>
-          <a:p>
-            <a:pPr>
-              <a:buNone/>
-            </a:pPr>
-            <a:r>
-              <a:rPr lang="en-US" dirty="0"/>
-              <a:t>	</a:t>
-            </a:r>
-          </a:p>
-          <a:p>
-            <a:pPr>
-              <a:buNone/>
-            </a:pPr>
-            <a:r>
-              <a:rPr lang="en-US" dirty="0"/>
-              <a:t>	every requirement is a hypothesis</a:t>
-            </a:r>
+              <a:rPr lang="en-US" dirty="0" smtClean="0"/>
+              <a:t>The point of the convention is to encourage the developer to think in terms of what the target object does, not what it is.</a:t>
+            </a:r>
+            <a:endParaRPr lang="en-US" dirty="0"/>
           </a:p>
         </p:txBody>
       </p:sp>
     </p:spTree>
     <p:extLst>
       <p:ext uri="{BB962C8B-B14F-4D97-AF65-F5344CB8AC3E}">
-        <p14:creationId xmlns:p14="http://schemas.microsoft.com/office/powerpoint/2010/main" val="436287599"/>
+        <p14:creationId xmlns:p14="http://schemas.microsoft.com/office/powerpoint/2010/main" val="3047531515"/>
       </p:ext>
     </p:extLst>
   </p:cSld>
@@ -11584,11 +12123,7 @@
           <a:p>
             <a:r>
               <a:rPr lang="en-US" dirty="0" smtClean="0"/>
-              <a:t>Why </a:t>
-            </a:r>
-            <a:r>
-              <a:rPr lang="en-US" dirty="0" smtClean="0"/>
-              <a:t>test</a:t>
+              <a:t>Why test</a:t>
             </a:r>
           </a:p>
           <a:p>
@@ -11608,14 +12143,12 @@
               <a:rPr lang="en-US" dirty="0" smtClean="0"/>
               <a:t>Why test driven development</a:t>
             </a:r>
-            <a:endParaRPr lang="en-US" dirty="0" smtClean="0"/>
           </a:p>
           <a:p>
             <a:r>
               <a:rPr lang="en-US" dirty="0" smtClean="0"/>
               <a:t>Testable design</a:t>
             </a:r>
-            <a:endParaRPr lang="en-US" dirty="0" smtClean="0"/>
           </a:p>
           <a:p>
             <a:r>
@@ -11674,6 +12207,155 @@
         </p:nvSpPr>
         <p:spPr/>
         <p:txBody>
+          <a:bodyPr>
+            <a:normAutofit/>
+          </a:bodyPr>
+          <a:lstStyle/>
+          <a:p>
+            <a:r>
+              <a:rPr lang="en-US" dirty="0" smtClean="0"/>
+              <a:t>Keeping Test Clean</a:t>
+            </a:r>
+            <a:br>
+              <a:rPr lang="en-US" dirty="0" smtClean="0"/>
+            </a:br>
+            <a:endParaRPr lang="en-US" dirty="0"/>
+          </a:p>
+        </p:txBody>
+      </p:sp>
+      <p:sp>
+        <p:nvSpPr>
+          <p:cNvPr id="3" name="Content Placeholder 2"/>
+          <p:cNvSpPr>
+            <a:spLocks noGrp="1"/>
+          </p:cNvSpPr>
+          <p:nvPr>
+            <p:ph idx="1"/>
+          </p:nvPr>
+        </p:nvSpPr>
+        <p:spPr/>
+        <p:txBody>
+          <a:bodyPr>
+            <a:normAutofit/>
+          </a:bodyPr>
+          <a:lstStyle/>
+          <a:p>
+            <a:pPr marL="0" lvl="1" indent="0">
+              <a:buNone/>
+            </a:pPr>
+            <a:r>
+              <a:rPr lang="en-US" dirty="0" smtClean="0"/>
+              <a:t>Test code is just as important as production code. It is not second class citizen.</a:t>
+            </a:r>
+          </a:p>
+          <a:p>
+            <a:pPr marL="0" lvl="1" indent="0">
+              <a:buNone/>
+            </a:pPr>
+            <a:endParaRPr lang="en-US" dirty="0" smtClean="0"/>
+          </a:p>
+          <a:p>
+            <a:pPr marL="0" lvl="1" indent="0">
+              <a:buNone/>
+            </a:pPr>
+            <a:r>
+              <a:rPr lang="en-US" sz="3200" b="1" u="sng" dirty="0"/>
+              <a:t>What makes test clean </a:t>
+            </a:r>
+          </a:p>
+          <a:p>
+            <a:pPr marL="0" lvl="1" indent="0">
+              <a:buNone/>
+            </a:pPr>
+            <a:endParaRPr lang="en-US" dirty="0" smtClean="0"/>
+          </a:p>
+          <a:p>
+            <a:pPr marL="0" lvl="1" indent="0">
+              <a:buNone/>
+            </a:pPr>
+            <a:r>
+              <a:rPr lang="en-US" dirty="0" smtClean="0"/>
+              <a:t>Readability ,  Clarity , simplicity and density of  expression</a:t>
+            </a:r>
+          </a:p>
+          <a:p>
+            <a:endParaRPr lang="en-US" dirty="0"/>
+          </a:p>
+        </p:txBody>
+      </p:sp>
+      <p:sp>
+        <p:nvSpPr>
+          <p:cNvPr id="4" name="Slide Number Placeholder 3"/>
+          <p:cNvSpPr>
+            <a:spLocks noGrp="1"/>
+          </p:cNvSpPr>
+          <p:nvPr>
+            <p:ph type="sldNum" sz="quarter" idx="12"/>
+          </p:nvPr>
+        </p:nvSpPr>
+        <p:spPr/>
+        <p:txBody>
+          <a:bodyPr/>
+          <a:lstStyle/>
+          <a:p>
+            <a:fld id="{2387B7E2-7538-4163-9310-D5E6EE1BC12A}" type="slidenum">
+              <a:rPr lang="en-US" smtClean="0"/>
+              <a:pPr/>
+              <a:t>20</a:t>
+            </a:fld>
+            <a:endParaRPr lang="en-US"/>
+          </a:p>
+        </p:txBody>
+      </p:sp>
+    </p:spTree>
+    <p:extLst>
+      <p:ext uri="{BB962C8B-B14F-4D97-AF65-F5344CB8AC3E}">
+        <p14:creationId xmlns:p14="http://schemas.microsoft.com/office/powerpoint/2010/main" val="3023593956"/>
+      </p:ext>
+    </p:extLst>
+  </p:cSld>
+  <p:clrMapOvr>
+    <a:masterClrMapping/>
+  </p:clrMapOvr>
+  <p:timing>
+    <p:tnLst>
+      <p:par>
+        <p:cTn id="1" dur="indefinite" restart="never" nodeType="tmRoot"/>
+      </p:par>
+    </p:tnLst>
+  </p:timing>
+</p:sld>
+</file>
+
+<file path=ppt/slides/slide21.xml><?xml version="1.0" encoding="utf-8"?>
+<p:sld xmlns:a="http://schemas.openxmlformats.org/drawingml/2006/main" xmlns:r="http://schemas.openxmlformats.org/officeDocument/2006/relationships" xmlns:p="http://schemas.openxmlformats.org/presentationml/2006/main">
+  <p:cSld>
+    <p:spTree>
+      <p:nvGrpSpPr>
+        <p:cNvPr id="1" name=""/>
+        <p:cNvGrpSpPr/>
+        <p:nvPr/>
+      </p:nvGrpSpPr>
+      <p:grpSpPr>
+        <a:xfrm>
+          <a:off x="0" y="0"/>
+          <a:ext cx="0" cy="0"/>
+          <a:chOff x="0" y="0"/>
+          <a:chExt cx="0" cy="0"/>
+        </a:xfrm>
+      </p:grpSpPr>
+      <p:sp>
+        <p:nvSpPr>
+          <p:cNvPr id="2" name="Title 1"/>
+          <p:cNvSpPr>
+            <a:spLocks noGrp="1"/>
+          </p:cNvSpPr>
+          <p:nvPr>
+            <p:ph type="title"/>
+          </p:nvPr>
+        </p:nvSpPr>
+        <p:spPr/>
+        <p:txBody>
           <a:bodyPr/>
           <a:lstStyle/>
           <a:p>
@@ -11755,7 +12437,7 @@
             <a:fld id="{2387B7E2-7538-4163-9310-D5E6EE1BC12A}" type="slidenum">
               <a:rPr lang="en-US" smtClean="0"/>
               <a:pPr/>
-              <a:t>20</a:t>
+              <a:t>21</a:t>
             </a:fld>
             <a:endParaRPr lang="en-US"/>
           </a:p>
@@ -11781,7 +12463,7 @@
 </p:sld>
 </file>
 
-<file path=ppt/slides/slide21.xml><?xml version="1.0" encoding="utf-8"?>
+<file path=ppt/slides/slide22.xml><?xml version="1.0" encoding="utf-8"?>
 <p:sld xmlns:a="http://schemas.openxmlformats.org/drawingml/2006/main" xmlns:r="http://schemas.openxmlformats.org/officeDocument/2006/relationships" xmlns:p="http://schemas.openxmlformats.org/presentationml/2006/main">
   <p:cSld>
     <p:spTree>
@@ -11874,7 +12556,7 @@
             <a:fld id="{2387B7E2-7538-4163-9310-D5E6EE1BC12A}" type="slidenum">
               <a:rPr lang="en-US" smtClean="0"/>
               <a:pPr/>
-              <a:t>21</a:t>
+              <a:t>22</a:t>
             </a:fld>
             <a:endParaRPr lang="en-US"/>
           </a:p>
@@ -11924,7 +12606,7 @@
 </p:sld>
 </file>
 
-<file path=ppt/slides/slide22.xml><?xml version="1.0" encoding="utf-8"?>
+<file path=ppt/slides/slide23.xml><?xml version="1.0" encoding="utf-8"?>
 <p:sld xmlns:a="http://schemas.openxmlformats.org/drawingml/2006/main" xmlns:r="http://schemas.openxmlformats.org/officeDocument/2006/relationships" xmlns:p="http://schemas.openxmlformats.org/presentationml/2006/main">
   <p:cSld>
     <p:spTree>
@@ -12077,221 +12759,6 @@
 </p:sld>
 </file>
 
-<file path=ppt/slides/slide23.xml><?xml version="1.0" encoding="utf-8"?>
-<p:sld xmlns:a="http://schemas.openxmlformats.org/drawingml/2006/main" xmlns:r="http://schemas.openxmlformats.org/officeDocument/2006/relationships" xmlns:p="http://schemas.openxmlformats.org/presentationml/2006/main">
-  <p:cSld>
-    <p:spTree>
-      <p:nvGrpSpPr>
-        <p:cNvPr id="1" name=""/>
-        <p:cNvGrpSpPr/>
-        <p:nvPr/>
-      </p:nvGrpSpPr>
-      <p:grpSpPr>
-        <a:xfrm>
-          <a:off x="0" y="0"/>
-          <a:ext cx="0" cy="0"/>
-          <a:chOff x="0" y="0"/>
-          <a:chExt cx="0" cy="0"/>
-        </a:xfrm>
-      </p:grpSpPr>
-      <p:sp>
-        <p:nvSpPr>
-          <p:cNvPr id="2" name="Title 1"/>
-          <p:cNvSpPr>
-            <a:spLocks noGrp="1"/>
-          </p:cNvSpPr>
-          <p:nvPr>
-            <p:ph type="title"/>
-          </p:nvPr>
-        </p:nvSpPr>
-        <p:spPr>
-          <a:xfrm>
-            <a:off x="1981200" y="274638"/>
-            <a:ext cx="8229600" cy="792162"/>
-          </a:xfrm>
-        </p:spPr>
-        <p:txBody>
-          <a:bodyPr>
-            <a:normAutofit fontScale="90000"/>
-          </a:bodyPr>
-          <a:lstStyle/>
-          <a:p>
-            <a:r>
-              <a:rPr lang="en-US" dirty="0" smtClean="0"/>
-              <a:t>F.I.R.S.T</a:t>
-            </a:r>
-            <a:br>
-              <a:rPr lang="en-US" dirty="0" smtClean="0"/>
-            </a:br>
-            <a:endParaRPr lang="en-US" dirty="0"/>
-          </a:p>
-        </p:txBody>
-      </p:sp>
-      <p:sp>
-        <p:nvSpPr>
-          <p:cNvPr id="3" name="Content Placeholder 2"/>
-          <p:cNvSpPr>
-            <a:spLocks noGrp="1"/>
-          </p:cNvSpPr>
-          <p:nvPr>
-            <p:ph idx="1"/>
-          </p:nvPr>
-        </p:nvSpPr>
-        <p:spPr>
-          <a:xfrm>
-            <a:off x="1905000" y="1219200"/>
-            <a:ext cx="8229600" cy="5638800"/>
-          </a:xfrm>
-        </p:spPr>
-        <p:txBody>
-          <a:bodyPr>
-            <a:noAutofit/>
-          </a:bodyPr>
-          <a:lstStyle/>
-          <a:p>
-            <a:pPr>
-              <a:buNone/>
-            </a:pPr>
-            <a:r>
-              <a:rPr lang="en-US" sz="1900" b="1" i="1" u="sng" dirty="0"/>
-              <a:t>Fast </a:t>
-            </a:r>
-          </a:p>
-          <a:p>
-            <a:pPr>
-              <a:buNone/>
-            </a:pPr>
-            <a:r>
-              <a:rPr lang="en-US" sz="1900" b="1" dirty="0"/>
-              <a:t>    </a:t>
-            </a:r>
-            <a:r>
-              <a:rPr lang="en-US" sz="1900" dirty="0"/>
-              <a:t>Tests should be fast. They should run quickly. </a:t>
-            </a:r>
-          </a:p>
-          <a:p>
-            <a:pPr>
-              <a:buNone/>
-            </a:pPr>
-            <a:endParaRPr lang="en-US" sz="1900" dirty="0"/>
-          </a:p>
-          <a:p>
-            <a:pPr>
-              <a:buNone/>
-            </a:pPr>
-            <a:r>
-              <a:rPr lang="en-US" sz="1900" dirty="0"/>
-              <a:t>	When tests run slow, you won’t want to run them frequently. If you don’t run them frequently, you won’t find problems early enough to fix them easily. You won’t feel as free to clean up the code. Eventually the code will begin to rot.</a:t>
-            </a:r>
-          </a:p>
-          <a:p>
-            <a:pPr>
-              <a:buNone/>
-            </a:pPr>
-            <a:endParaRPr lang="en-US" sz="1900" dirty="0"/>
-          </a:p>
-          <a:p>
-            <a:pPr>
-              <a:buNone/>
-            </a:pPr>
-            <a:r>
-              <a:rPr lang="en-US" sz="1900" b="1" i="1" u="sng" dirty="0"/>
-              <a:t>Independent </a:t>
-            </a:r>
-          </a:p>
-          <a:p>
-            <a:pPr>
-              <a:buNone/>
-            </a:pPr>
-            <a:r>
-              <a:rPr lang="en-US" sz="1900" b="1" dirty="0"/>
-              <a:t>     </a:t>
-            </a:r>
-            <a:r>
-              <a:rPr lang="en-US" sz="1900" dirty="0"/>
-              <a:t>Tests should not depend on each other. </a:t>
-            </a:r>
-          </a:p>
-          <a:p>
-            <a:pPr>
-              <a:buNone/>
-            </a:pPr>
-            <a:r>
-              <a:rPr lang="en-US" sz="1900" dirty="0"/>
-              <a:t>	</a:t>
-            </a:r>
-          </a:p>
-          <a:p>
-            <a:pPr>
-              <a:buNone/>
-            </a:pPr>
-            <a:r>
-              <a:rPr lang="en-US" sz="1900" dirty="0"/>
-              <a:t>	One test should not set up the conditions for the next test. You should be able to run each test independently and run the tests in any order you like. </a:t>
-            </a:r>
-          </a:p>
-          <a:p>
-            <a:pPr>
-              <a:buNone/>
-            </a:pPr>
-            <a:endParaRPr lang="en-US" sz="1900" dirty="0"/>
-          </a:p>
-          <a:p>
-            <a:pPr>
-              <a:buNone/>
-            </a:pPr>
-            <a:r>
-              <a:rPr lang="en-US" sz="1900" dirty="0"/>
-              <a:t>	When tests depend on each other, then the first one to fail causes a cascade of downstream failures, making diagnosis difficult and hiding downstream defects.</a:t>
-            </a:r>
-          </a:p>
-        </p:txBody>
-      </p:sp>
-      <p:sp>
-        <p:nvSpPr>
-          <p:cNvPr id="4" name="Slide Number Placeholder 3"/>
-          <p:cNvSpPr>
-            <a:spLocks noGrp="1"/>
-          </p:cNvSpPr>
-          <p:nvPr>
-            <p:ph type="sldNum" sz="quarter" idx="12"/>
-          </p:nvPr>
-        </p:nvSpPr>
-        <p:spPr/>
-        <p:txBody>
-          <a:bodyPr/>
-          <a:lstStyle/>
-          <a:p>
-            <a:fld id="{2387B7E2-7538-4163-9310-D5E6EE1BC12A}" type="slidenum">
-              <a:rPr lang="en-US" smtClean="0"/>
-              <a:pPr/>
-              <a:t>23</a:t>
-            </a:fld>
-            <a:endParaRPr lang="en-US"/>
-          </a:p>
-        </p:txBody>
-      </p:sp>
-    </p:spTree>
-    <p:extLst>
-      <p:ext uri="{BB962C8B-B14F-4D97-AF65-F5344CB8AC3E}">
-        <p14:creationId xmlns:p14="http://schemas.microsoft.com/office/powerpoint/2010/main" val="2219544754"/>
-      </p:ext>
-    </p:extLst>
-  </p:cSld>
-  <p:clrMapOvr>
-    <a:masterClrMapping/>
-  </p:clrMapOvr>
-  <p:timing>
-    <p:tnLst>
-      <p:par>
-        <p:cTn id="1" dur="indefinite" restart="never" nodeType="tmRoot"/>
-      </p:par>
-    </p:tnLst>
-  </p:timing>
-</p:sld>
-</file>
-
 <file path=ppt/slides/slide24.xml><?xml version="1.0" encoding="utf-8"?>
 <p:sld xmlns:a="http://schemas.openxmlformats.org/drawingml/2006/main" xmlns:r="http://schemas.openxmlformats.org/officeDocument/2006/relationships" xmlns:p="http://schemas.openxmlformats.org/presentationml/2006/main">
   <p:cSld>
@@ -12311,18 +12778,51 @@
       </p:grpSpPr>
       <p:sp>
         <p:nvSpPr>
-          <p:cNvPr id="3" name="Content Placeholder 2"/>
-          <p:cNvSpPr>
-            <a:spLocks noGrp="1"/>
-          </p:cNvSpPr>
-          <p:nvPr>
-            <p:ph idx="1"/>
+          <p:cNvPr id="2" name="Title 1"/>
+          <p:cNvSpPr>
+            <a:spLocks noGrp="1"/>
+          </p:cNvSpPr>
+          <p:nvPr>
+            <p:ph type="title"/>
           </p:nvPr>
         </p:nvSpPr>
         <p:spPr>
           <a:xfrm>
-            <a:off x="2133600" y="228600"/>
-            <a:ext cx="7772400" cy="6248400"/>
+            <a:off x="1981200" y="274638"/>
+            <a:ext cx="8229600" cy="792162"/>
+          </a:xfrm>
+        </p:spPr>
+        <p:txBody>
+          <a:bodyPr>
+            <a:normAutofit fontScale="90000"/>
+          </a:bodyPr>
+          <a:lstStyle/>
+          <a:p>
+            <a:r>
+              <a:rPr lang="en-US" dirty="0" smtClean="0"/>
+              <a:t>F.I.R.S.T</a:t>
+            </a:r>
+            <a:br>
+              <a:rPr lang="en-US" dirty="0" smtClean="0"/>
+            </a:br>
+            <a:endParaRPr lang="en-US" dirty="0"/>
+          </a:p>
+        </p:txBody>
+      </p:sp>
+      <p:sp>
+        <p:nvSpPr>
+          <p:cNvPr id="3" name="Content Placeholder 2"/>
+          <p:cNvSpPr>
+            <a:spLocks noGrp="1"/>
+          </p:cNvSpPr>
+          <p:nvPr>
+            <p:ph idx="1"/>
+          </p:nvPr>
+        </p:nvSpPr>
+        <p:spPr>
+          <a:xfrm>
+            <a:off x="1905000" y="1219200"/>
+            <a:ext cx="8229600" cy="5638800"/>
           </a:xfrm>
         </p:spPr>
         <p:txBody>
@@ -12332,92 +12832,100 @@
           <a:lstStyle/>
           <a:p>
             <a:pPr>
-              <a:lnSpc>
-                <a:spcPct val="80000"/>
-              </a:lnSpc>
               <a:buNone/>
             </a:pPr>
             <a:r>
               <a:rPr lang="en-US" sz="1900" b="1" i="1" u="sng" dirty="0"/>
-              <a:t>Repeatable </a:t>
-            </a:r>
-            <a:endParaRPr lang="en-US" sz="1900" dirty="0"/>
-          </a:p>
-          <a:p>
-            <a:pPr marL="0" indent="0">
+              <a:t>Fast </a:t>
+            </a:r>
+          </a:p>
+          <a:p>
+            <a:pPr>
               <a:buNone/>
             </a:pPr>
             <a:r>
+              <a:rPr lang="en-US" sz="1900" b="1" dirty="0"/>
+              <a:t>    </a:t>
+            </a:r>
+            <a:r>
               <a:rPr lang="en-US" sz="1900" dirty="0"/>
-              <a:t>Tests should be repeatable in any environment. You should be able to run the tests in the production environment, in the QA environment, without a network.</a:t>
-            </a:r>
-          </a:p>
-          <a:p>
-            <a:pPr marL="0" indent="0">
+              <a:t>Tests should be fast. They should run quickly. </a:t>
+            </a:r>
+          </a:p>
+          <a:p>
+            <a:pPr>
               <a:buNone/>
             </a:pPr>
             <a:endParaRPr lang="en-US" sz="1900" dirty="0"/>
           </a:p>
           <a:p>
-            <a:pPr marL="0" indent="0">
+            <a:pPr>
               <a:buNone/>
             </a:pPr>
             <a:r>
               <a:rPr lang="en-US" sz="1900" dirty="0"/>
-              <a:t> If your tests aren’t repeatable in any environment, then you’ll always have an excuse for why they fail. You’ll also find yourself unable  to run the tests when the environment isn’t available.</a:t>
+              <a:t>	When tests run slow, you won’t want to run them frequently. If you don’t run them frequently, you won’t find problems early enough to fix them easily. You won’t feel as free to clean up the code. Eventually the code will begin to rot.</a:t>
             </a:r>
           </a:p>
           <a:p>
             <a:pPr>
-              <a:lnSpc>
-                <a:spcPct val="80000"/>
-              </a:lnSpc>
-              <a:buNone/>
-            </a:pPr>
-            <a:endParaRPr lang="en-US" sz="1900" b="1" i="1" u="sng" dirty="0"/>
-          </a:p>
-          <a:p>
-            <a:pPr>
-              <a:lnSpc>
-                <a:spcPct val="80000"/>
-              </a:lnSpc>
-              <a:buNone/>
-            </a:pPr>
-            <a:r>
-              <a:rPr lang="en-US" sz="1900" b="1" i="1" u="sng" dirty="0"/>
-              <a:t>Self-Validating </a:t>
-            </a:r>
-          </a:p>
-          <a:p>
-            <a:pPr marL="0" indent="0">
-              <a:buNone/>
-            </a:pPr>
-            <a:r>
-              <a:rPr lang="en-US" sz="1900" dirty="0"/>
-              <a:t>The tests should have a </a:t>
-            </a:r>
-            <a:r>
-              <a:rPr lang="en-US" sz="1900" dirty="0" err="1"/>
-              <a:t>boolean</a:t>
-            </a:r>
-            <a:r>
-              <a:rPr lang="en-US" sz="1900" dirty="0"/>
-              <a:t> output. Either they pass or fail. </a:t>
-            </a:r>
-          </a:p>
-          <a:p>
-            <a:pPr marL="0" indent="0">
               <a:buNone/>
             </a:pPr>
             <a:endParaRPr lang="en-US" sz="1900" dirty="0"/>
           </a:p>
           <a:p>
-            <a:pPr marL="0" indent="0">
+            <a:pPr>
               <a:buNone/>
             </a:pPr>
             <a:r>
+              <a:rPr lang="en-US" sz="1900" b="1" i="1" u="sng" dirty="0"/>
+              <a:t>Independent </a:t>
+            </a:r>
+          </a:p>
+          <a:p>
+            <a:pPr>
+              <a:buNone/>
+            </a:pPr>
+            <a:r>
+              <a:rPr lang="en-US" sz="1900" b="1" dirty="0"/>
+              <a:t>     </a:t>
+            </a:r>
+            <a:r>
               <a:rPr lang="en-US" sz="1900" dirty="0"/>
-              <a:t>You should not have to read through a log file to tell whether the tests pass. If the tests aren’t self-validating, then failure can become subjective and running the tests can require a long manual evaluation.</a:t>
+              <a:t>Tests should not depend on each other. </a:t>
+            </a:r>
+          </a:p>
+          <a:p>
+            <a:pPr>
+              <a:buNone/>
+            </a:pPr>
+            <a:r>
+              <a:rPr lang="en-US" sz="1900" dirty="0"/>
+              <a:t>	</a:t>
+            </a:r>
+          </a:p>
+          <a:p>
+            <a:pPr>
+              <a:buNone/>
+            </a:pPr>
+            <a:r>
+              <a:rPr lang="en-US" sz="1900" dirty="0"/>
+              <a:t>	One test should not set up the conditions for the next test. You should be able to run each test independently and run the tests in any order you like. </a:t>
+            </a:r>
+          </a:p>
+          <a:p>
+            <a:pPr>
+              <a:buNone/>
+            </a:pPr>
+            <a:endParaRPr lang="en-US" sz="1900" dirty="0"/>
+          </a:p>
+          <a:p>
+            <a:pPr>
+              <a:buNone/>
+            </a:pPr>
+            <a:r>
+              <a:rPr lang="en-US" sz="1900" dirty="0"/>
+              <a:t>	When tests depend on each other, then the first one to fail causes a cascade of downstream failures, making diagnosis difficult and hiding downstream defects.</a:t>
             </a:r>
           </a:p>
         </p:txBody>
@@ -12449,7 +12957,7 @@
     </p:spTree>
     <p:extLst>
       <p:ext uri="{BB962C8B-B14F-4D97-AF65-F5344CB8AC3E}">
-        <p14:creationId xmlns:p14="http://schemas.microsoft.com/office/powerpoint/2010/main" val="377192542"/>
+        <p14:creationId xmlns:p14="http://schemas.microsoft.com/office/powerpoint/2010/main" val="2219544754"/>
       </p:ext>
     </p:extLst>
   </p:cSld>
@@ -12495,52 +13003,104 @@
         </p:nvSpPr>
         <p:spPr>
           <a:xfrm>
-            <a:off x="1981200" y="1066800"/>
-            <a:ext cx="8229600" cy="5257800"/>
+            <a:off x="2133600" y="228600"/>
+            <a:ext cx="7772400" cy="6248400"/>
           </a:xfrm>
         </p:spPr>
         <p:txBody>
-          <a:bodyPr/>
+          <a:bodyPr>
+            <a:noAutofit/>
+          </a:bodyPr>
           <a:lstStyle/>
           <a:p>
             <a:pPr>
+              <a:lnSpc>
+                <a:spcPct val="80000"/>
+              </a:lnSpc>
               <a:buNone/>
             </a:pPr>
             <a:r>
-              <a:rPr lang="en-US" sz="2500" b="1" i="1" u="sng" dirty="0"/>
-              <a:t>Timely </a:t>
-            </a:r>
-          </a:p>
-          <a:p>
-            <a:pPr>
+              <a:rPr lang="en-US" sz="1900" b="1" i="1" u="sng" dirty="0"/>
+              <a:t>Repeatable </a:t>
+            </a:r>
+            <a:endParaRPr lang="en-US" sz="1900" dirty="0"/>
+          </a:p>
+          <a:p>
+            <a:pPr marL="0" indent="0">
               <a:buNone/>
             </a:pPr>
             <a:r>
-              <a:rPr lang="en-US" dirty="0" smtClean="0"/>
-              <a:t>	</a:t>
-            </a:r>
-            <a:r>
-              <a:rPr lang="en-US" sz="2500" dirty="0"/>
-              <a:t>The tests need to be written in a timely fashion. Unit tests should be written just before the production code that makes them pass.</a:t>
-            </a:r>
-          </a:p>
-          <a:p>
-            <a:pPr>
+              <a:rPr lang="en-US" sz="1900" dirty="0"/>
+              <a:t>Tests should be repeatable in any environment. You should be able to run the tests in the production environment, in the QA environment, without a network.</a:t>
+            </a:r>
+          </a:p>
+          <a:p>
+            <a:pPr marL="0" indent="0">
               <a:buNone/>
             </a:pPr>
-            <a:endParaRPr lang="en-US" sz="2500" dirty="0"/>
-          </a:p>
-          <a:p>
-            <a:pPr>
+            <a:endParaRPr lang="en-US" sz="1900" dirty="0"/>
+          </a:p>
+          <a:p>
+            <a:pPr marL="0" indent="0">
               <a:buNone/>
             </a:pPr>
             <a:r>
-              <a:rPr lang="en-US" sz="2500" dirty="0"/>
-              <a:t>	 If you write tests after the production code, then you may find the production code to be hard to test. You may decide that some production code is too hard to test. You may not design the production code to be testable.</a:t>
-            </a:r>
-          </a:p>
-          <a:p>
-            <a:endParaRPr lang="en-GB" dirty="0"/>
+              <a:rPr lang="en-US" sz="1900" dirty="0"/>
+              <a:t> If your tests aren’t repeatable in any environment, then you’ll always have an excuse for why they fail. You’ll also find yourself unable  to run the tests when the environment isn’t available.</a:t>
+            </a:r>
+          </a:p>
+          <a:p>
+            <a:pPr>
+              <a:lnSpc>
+                <a:spcPct val="80000"/>
+              </a:lnSpc>
+              <a:buNone/>
+            </a:pPr>
+            <a:endParaRPr lang="en-US" sz="1900" b="1" i="1" u="sng" dirty="0"/>
+          </a:p>
+          <a:p>
+            <a:pPr>
+              <a:lnSpc>
+                <a:spcPct val="80000"/>
+              </a:lnSpc>
+              <a:buNone/>
+            </a:pPr>
+            <a:r>
+              <a:rPr lang="en-US" sz="1900" b="1" i="1" u="sng" dirty="0"/>
+              <a:t>Self-Validating </a:t>
+            </a:r>
+          </a:p>
+          <a:p>
+            <a:pPr marL="0" indent="0">
+              <a:buNone/>
+            </a:pPr>
+            <a:r>
+              <a:rPr lang="en-US" sz="1900" dirty="0"/>
+              <a:t>The tests should have a </a:t>
+            </a:r>
+            <a:r>
+              <a:rPr lang="en-US" sz="1900" dirty="0" err="1"/>
+              <a:t>boolean</a:t>
+            </a:r>
+            <a:r>
+              <a:rPr lang="en-US" sz="1900" dirty="0"/>
+              <a:t> output. Either they pass or fail. </a:t>
+            </a:r>
+          </a:p>
+          <a:p>
+            <a:pPr marL="0" indent="0">
+              <a:buNone/>
+            </a:pPr>
+            <a:endParaRPr lang="en-US" sz="1900" dirty="0"/>
+          </a:p>
+          <a:p>
+            <a:pPr marL="0" indent="0">
+              <a:buNone/>
+            </a:pPr>
+            <a:r>
+              <a:rPr lang="en-US" sz="1900" dirty="0"/>
+              <a:t>You should not have to read through a log file to tell whether the tests pass. If the tests aren’t self-validating, then failure can become subjective and running the tests can require a long manual evaluation.</a:t>
+            </a:r>
           </a:p>
         </p:txBody>
       </p:sp>
@@ -12571,7 +13131,7 @@
     </p:spTree>
     <p:extLst>
       <p:ext uri="{BB962C8B-B14F-4D97-AF65-F5344CB8AC3E}">
-        <p14:creationId xmlns:p14="http://schemas.microsoft.com/office/powerpoint/2010/main" val="841361684"/>
+        <p14:creationId xmlns:p14="http://schemas.microsoft.com/office/powerpoint/2010/main" val="377192542"/>
       </p:ext>
     </p:extLst>
   </p:cSld>
@@ -12607,150 +13167,99 @@
       </p:grpSpPr>
       <p:sp>
         <p:nvSpPr>
-          <p:cNvPr id="2" name="Titel 1"/>
-          <p:cNvSpPr>
-            <a:spLocks noGrp="1"/>
-          </p:cNvSpPr>
-          <p:nvPr>
-            <p:ph type="title"/>
-          </p:nvPr>
-        </p:nvSpPr>
-        <p:spPr/>
-        <p:txBody>
-          <a:bodyPr/>
-          <a:lstStyle/>
-          <a:p>
-            <a:r>
-              <a:rPr lang="en-US" dirty="0" smtClean="0"/>
-              <a:t>The TDD mantra</a:t>
-            </a:r>
-            <a:endParaRPr lang="en-US" dirty="0"/>
-          </a:p>
-        </p:txBody>
-      </p:sp>
-      <p:graphicFrame>
-        <p:nvGraphicFramePr>
-          <p:cNvPr id="3" name="Diagram 2"/>
-          <p:cNvGraphicFramePr/>
-          <p:nvPr>
-            <p:extLst/>
-          </p:nvPr>
-        </p:nvGraphicFramePr>
-        <p:xfrm>
-          <a:off x="3149600" y="1295400"/>
-          <a:ext cx="5892800" cy="3928533"/>
-        </p:xfrm>
-        <a:graphic>
-          <a:graphicData uri="http://schemas.openxmlformats.org/drawingml/2006/diagram">
-            <dgm:relIds xmlns:dgm="http://schemas.openxmlformats.org/drawingml/2006/diagram" xmlns:r="http://schemas.openxmlformats.org/officeDocument/2006/relationships" r:dm="rId3" r:lo="rId4" r:qs="rId5" r:cs="rId6"/>
-          </a:graphicData>
-        </a:graphic>
-      </p:graphicFrame>
-      <p:sp>
-        <p:nvSpPr>
-          <p:cNvPr id="4" name="TextBox 3"/>
-          <p:cNvSpPr txBox="1"/>
-          <p:nvPr/>
+          <p:cNvPr id="3" name="Content Placeholder 2"/>
+          <p:cNvSpPr>
+            <a:spLocks noGrp="1"/>
+          </p:cNvSpPr>
+          <p:nvPr>
+            <p:ph idx="1"/>
+          </p:nvPr>
         </p:nvSpPr>
         <p:spPr>
           <a:xfrm>
-            <a:off x="1828800" y="1625361"/>
-            <a:ext cx="2743200" cy="1569660"/>
+            <a:off x="1981200" y="1066800"/>
+            <a:ext cx="8229600" cy="5257800"/>
           </a:xfrm>
-          <a:prstGeom prst="rect">
-            <a:avLst/>
-          </a:prstGeom>
-          <a:noFill/>
         </p:spPr>
         <p:txBody>
-          <a:bodyPr wrap="square" rtlCol="0">
-            <a:spAutoFit/>
-          </a:bodyPr>
-          <a:lstStyle/>
-          <a:p>
-            <a:r>
-              <a:rPr lang="en-US" sz="2400" dirty="0"/>
-              <a:t>Write a failing test for a new feature, i.e., specify a new behavior</a:t>
-            </a:r>
-          </a:p>
-        </p:txBody>
-      </p:sp>
-      <p:sp>
-        <p:nvSpPr>
-          <p:cNvPr id="6" name="TextBox 5"/>
-          <p:cNvSpPr txBox="1"/>
-          <p:nvPr/>
-        </p:nvSpPr>
-        <p:spPr>
-          <a:xfrm>
-            <a:off x="7924800" y="2441995"/>
-            <a:ext cx="2743200" cy="830997"/>
-          </a:xfrm>
-          <a:prstGeom prst="rect">
-            <a:avLst/>
-          </a:prstGeom>
-          <a:noFill/>
-        </p:spPr>
-        <p:txBody>
-          <a:bodyPr wrap="square" rtlCol="0">
-            <a:spAutoFit/>
-          </a:bodyPr>
-          <a:lstStyle/>
-          <a:p>
-            <a:r>
-              <a:rPr lang="en-US" sz="2400" dirty="0"/>
-              <a:t>Write enough code to pass the test</a:t>
-            </a:r>
-          </a:p>
-        </p:txBody>
-      </p:sp>
-      <p:sp>
-        <p:nvSpPr>
-          <p:cNvPr id="7" name="TextBox 6"/>
-          <p:cNvSpPr txBox="1"/>
-          <p:nvPr/>
-        </p:nvSpPr>
-        <p:spPr>
-          <a:xfrm>
-            <a:off x="4292600" y="5054600"/>
-            <a:ext cx="3606800" cy="830997"/>
-          </a:xfrm>
-          <a:prstGeom prst="rect">
-            <a:avLst/>
-          </a:prstGeom>
-          <a:noFill/>
-        </p:spPr>
-        <p:txBody>
-          <a:bodyPr wrap="square" rtlCol="0">
-            <a:spAutoFit/>
-          </a:bodyPr>
-          <a:lstStyle/>
-          <a:p>
-            <a:r>
-              <a:rPr lang="en-US" sz="2400" dirty="0"/>
-              <a:t>Simplify, consolidate and generalize code and tests </a:t>
-            </a:r>
+          <a:bodyPr/>
+          <a:lstStyle/>
+          <a:p>
+            <a:pPr>
+              <a:buNone/>
+            </a:pPr>
+            <a:r>
+              <a:rPr lang="en-US" sz="2500" b="1" i="1" u="sng" dirty="0"/>
+              <a:t>Timely </a:t>
+            </a:r>
+          </a:p>
+          <a:p>
+            <a:pPr>
+              <a:buNone/>
+            </a:pPr>
+            <a:r>
+              <a:rPr lang="en-US" dirty="0" smtClean="0"/>
+              <a:t>	</a:t>
+            </a:r>
+            <a:r>
+              <a:rPr lang="en-US" sz="2500" dirty="0"/>
+              <a:t>The tests need to be written in a timely fashion. Unit tests should be written just before the production code that makes them pass.</a:t>
+            </a:r>
+          </a:p>
+          <a:p>
+            <a:pPr>
+              <a:buNone/>
+            </a:pPr>
+            <a:endParaRPr lang="en-US" sz="2500" dirty="0"/>
+          </a:p>
+          <a:p>
+            <a:pPr>
+              <a:buNone/>
+            </a:pPr>
+            <a:r>
+              <a:rPr lang="en-US" sz="2500" dirty="0"/>
+              <a:t>	 If you write tests after the production code, then you may find the production code to be hard to test. You may decide that some production code is too hard to test. You may not design the production code to be testable.</a:t>
+            </a:r>
+          </a:p>
+          <a:p>
+            <a:endParaRPr lang="en-GB" dirty="0"/>
+          </a:p>
+        </p:txBody>
+      </p:sp>
+      <p:sp>
+        <p:nvSpPr>
+          <p:cNvPr id="4" name="Slide Number Placeholder 3"/>
+          <p:cNvSpPr>
+            <a:spLocks noGrp="1"/>
+          </p:cNvSpPr>
+          <p:nvPr>
+            <p:ph type="sldNum" sz="quarter" idx="12"/>
+          </p:nvPr>
+        </p:nvSpPr>
+        <p:spPr/>
+        <p:txBody>
+          <a:bodyPr/>
+          <a:lstStyle/>
+          <a:p>
+            <a:fld id="{2387B7E2-7538-4163-9310-D5E6EE1BC12A}" type="slidenum">
+              <a:rPr lang="en-US" smtClean="0"/>
+              <a:pPr/>
+              <a:t>26</a:t>
+            </a:fld>
+            <a:endParaRPr lang="en-US"/>
           </a:p>
         </p:txBody>
       </p:sp>
     </p:spTree>
     <p:extLst>
       <p:ext uri="{BB962C8B-B14F-4D97-AF65-F5344CB8AC3E}">
-        <p14:creationId xmlns:p14="http://schemas.microsoft.com/office/powerpoint/2010/main" val="2111518073"/>
+        <p14:creationId xmlns:p14="http://schemas.microsoft.com/office/powerpoint/2010/main" val="841361684"/>
       </p:ext>
     </p:extLst>
   </p:cSld>
   <p:clrMapOvr>
     <a:masterClrMapping/>
   </p:clrMapOvr>
-  <mc:AlternateContent xmlns:mc="http://schemas.openxmlformats.org/markup-compatibility/2006" xmlns:p14="http://schemas.microsoft.com/office/powerpoint/2010/main">
-    <mc:Choice Requires="p14">
-      <p:transition p14:dur="0"/>
-    </mc:Choice>
-    <mc:Fallback xmlns="">
-      <p:transition/>
-    </mc:Fallback>
-  </mc:AlternateContent>
   <p:timing>
     <p:tnLst>
       <p:par>
@@ -12795,56 +13304,121 @@
           <a:p>
             <a:r>
               <a:rPr lang="en-US" dirty="0" smtClean="0"/>
-              <a:t>TDD step size</a:t>
+              <a:t>The TDD mantra</a:t>
             </a:r>
             <a:endParaRPr lang="en-US" dirty="0"/>
           </a:p>
         </p:txBody>
       </p:sp>
-      <p:sp>
-        <p:nvSpPr>
-          <p:cNvPr id="3" name="Inhaltsplatzhalter 2"/>
-          <p:cNvSpPr>
-            <a:spLocks noGrp="1"/>
-          </p:cNvSpPr>
-          <p:nvPr>
-            <p:ph idx="1"/>
-          </p:nvPr>
-        </p:nvSpPr>
-        <p:spPr/>
-        <p:txBody>
-          <a:bodyPr/>
-          <a:lstStyle/>
-          <a:p>
-            <a:r>
-              <a:rPr lang="en-US" dirty="0" smtClean="0"/>
-              <a:t>Do not write more code than you need</a:t>
-            </a:r>
-          </a:p>
-          <a:p>
-            <a:r>
-              <a:rPr lang="en-US" dirty="0" smtClean="0"/>
-              <a:t>Write tests that test small portions of functionality</a:t>
-            </a:r>
-          </a:p>
-          <a:p>
-            <a:r>
-              <a:rPr lang="en-US" dirty="0" smtClean="0"/>
-              <a:t>Step “size“ can be adjusted according to convenience</a:t>
-            </a:r>
-          </a:p>
-          <a:p>
-            <a:pPr marL="0" indent="0">
-              <a:buNone/>
-            </a:pPr>
-            <a:endParaRPr lang="en-US" b="1" dirty="0"/>
+      <p:graphicFrame>
+        <p:nvGraphicFramePr>
+          <p:cNvPr id="3" name="Diagram 2"/>
+          <p:cNvGraphicFramePr/>
+          <p:nvPr>
+            <p:extLst/>
+          </p:nvPr>
+        </p:nvGraphicFramePr>
+        <p:xfrm>
+          <a:off x="3149600" y="1295400"/>
+          <a:ext cx="5892800" cy="3928533"/>
+        </p:xfrm>
+        <a:graphic>
+          <a:graphicData uri="http://schemas.openxmlformats.org/drawingml/2006/diagram">
+            <dgm:relIds xmlns:dgm="http://schemas.openxmlformats.org/drawingml/2006/diagram" xmlns:r="http://schemas.openxmlformats.org/officeDocument/2006/relationships" r:dm="rId3" r:lo="rId4" r:qs="rId5" r:cs="rId6"/>
+          </a:graphicData>
+        </a:graphic>
+      </p:graphicFrame>
+      <p:sp>
+        <p:nvSpPr>
+          <p:cNvPr id="4" name="TextBox 3"/>
+          <p:cNvSpPr txBox="1"/>
+          <p:nvPr/>
+        </p:nvSpPr>
+        <p:spPr>
+          <a:xfrm>
+            <a:off x="1828800" y="1625361"/>
+            <a:ext cx="2743200" cy="1569660"/>
+          </a:xfrm>
+          <a:prstGeom prst="rect">
+            <a:avLst/>
+          </a:prstGeom>
+          <a:noFill/>
+        </p:spPr>
+        <p:txBody>
+          <a:bodyPr wrap="square" rtlCol="0">
+            <a:spAutoFit/>
+          </a:bodyPr>
+          <a:lstStyle/>
+          <a:p>
+            <a:r>
+              <a:rPr lang="en-US" sz="2400" dirty="0"/>
+              <a:t>Write a failing test for a new feature, i.e., specify a new behavior</a:t>
+            </a:r>
+          </a:p>
+        </p:txBody>
+      </p:sp>
+      <p:sp>
+        <p:nvSpPr>
+          <p:cNvPr id="6" name="TextBox 5"/>
+          <p:cNvSpPr txBox="1"/>
+          <p:nvPr/>
+        </p:nvSpPr>
+        <p:spPr>
+          <a:xfrm>
+            <a:off x="7924800" y="2441995"/>
+            <a:ext cx="2743200" cy="830997"/>
+          </a:xfrm>
+          <a:prstGeom prst="rect">
+            <a:avLst/>
+          </a:prstGeom>
+          <a:noFill/>
+        </p:spPr>
+        <p:txBody>
+          <a:bodyPr wrap="square" rtlCol="0">
+            <a:spAutoFit/>
+          </a:bodyPr>
+          <a:lstStyle/>
+          <a:p>
+            <a:r>
+              <a:rPr lang="en-US" sz="2400" dirty="0"/>
+              <a:t>Write enough code to pass the test</a:t>
+            </a:r>
+          </a:p>
+        </p:txBody>
+      </p:sp>
+      <p:sp>
+        <p:nvSpPr>
+          <p:cNvPr id="7" name="TextBox 6"/>
+          <p:cNvSpPr txBox="1"/>
+          <p:nvPr/>
+        </p:nvSpPr>
+        <p:spPr>
+          <a:xfrm>
+            <a:off x="4292600" y="5054600"/>
+            <a:ext cx="3606800" cy="830997"/>
+          </a:xfrm>
+          <a:prstGeom prst="rect">
+            <a:avLst/>
+          </a:prstGeom>
+          <a:noFill/>
+        </p:spPr>
+        <p:txBody>
+          <a:bodyPr wrap="square" rtlCol="0">
+            <a:spAutoFit/>
+          </a:bodyPr>
+          <a:lstStyle/>
+          <a:p>
+            <a:r>
+              <a:rPr lang="en-US" sz="2400" dirty="0"/>
+              <a:t>Simplify, consolidate and generalize code and tests </a:t>
+            </a:r>
           </a:p>
         </p:txBody>
       </p:sp>
     </p:spTree>
     <p:extLst>
       <p:ext uri="{BB962C8B-B14F-4D97-AF65-F5344CB8AC3E}">
-        <p14:creationId xmlns:p14="http://schemas.microsoft.com/office/powerpoint/2010/main" val="1352476767"/>
+        <p14:creationId xmlns:p14="http://schemas.microsoft.com/office/powerpoint/2010/main" val="2111518073"/>
       </p:ext>
     </p:extLst>
   </p:cSld>
@@ -12902,10 +13476,10 @@
           <a:lstStyle/>
           <a:p>
             <a:r>
-              <a:rPr lang="de-DE" dirty="0" smtClean="0"/>
-              <a:t>Unit Tests != TDD</a:t>
-            </a:r>
-            <a:endParaRPr lang="de-DE" dirty="0"/>
+              <a:rPr lang="en-US" dirty="0" smtClean="0"/>
+              <a:t>TDD step size</a:t>
+            </a:r>
+            <a:endParaRPr lang="en-US" dirty="0"/>
           </a:p>
         </p:txBody>
       </p:sp>
@@ -12925,25 +13499,34 @@
           <a:lstStyle/>
           <a:p>
             <a:r>
-              <a:rPr lang="en-US" dirty="0"/>
-              <a:t>Code can also be driven by automated integration tests (UI tests, DB tests, …)</a:t>
-            </a:r>
-          </a:p>
-          <a:p>
-            <a:endParaRPr lang="en-US" dirty="0" smtClean="0"/>
-          </a:p>
-          <a:p>
-            <a:r>
               <a:rPr lang="en-US" dirty="0" smtClean="0"/>
-              <a:t>TDD is a practice, unit tests are automated tests with specific properties</a:t>
-            </a:r>
+              <a:t>Do not write more code than you need</a:t>
+            </a:r>
+          </a:p>
+          <a:p>
+            <a:r>
+              <a:rPr lang="en-US" dirty="0" smtClean="0"/>
+              <a:t>Write tests that test small portions of functionality</a:t>
+            </a:r>
+          </a:p>
+          <a:p>
+            <a:r>
+              <a:rPr lang="en-US" dirty="0" smtClean="0"/>
+              <a:t>Step “size“ can be adjusted according to convenience</a:t>
+            </a:r>
+          </a:p>
+          <a:p>
+            <a:pPr marL="0" indent="0">
+              <a:buNone/>
+            </a:pPr>
+            <a:endParaRPr lang="en-US" b="1" dirty="0"/>
           </a:p>
         </p:txBody>
       </p:sp>
     </p:spTree>
     <p:extLst>
       <p:ext uri="{BB962C8B-B14F-4D97-AF65-F5344CB8AC3E}">
-        <p14:creationId xmlns:p14="http://schemas.microsoft.com/office/powerpoint/2010/main" val="3842647369"/>
+        <p14:creationId xmlns:p14="http://schemas.microsoft.com/office/powerpoint/2010/main" val="1352476767"/>
       </p:ext>
     </p:extLst>
   </p:cSld>
@@ -12987,7 +13570,7 @@
       </p:grpSpPr>
       <p:sp>
         <p:nvSpPr>
-          <p:cNvPr id="2" name="Title 1"/>
+          <p:cNvPr id="2" name="Titel 1"/>
           <p:cNvSpPr>
             <a:spLocks noGrp="1"/>
           </p:cNvSpPr>
@@ -13001,45 +13584,40 @@
           <a:lstStyle/>
           <a:p>
             <a:r>
+              <a:rPr lang="de-DE" dirty="0" smtClean="0"/>
+              <a:t>Unit Tests != TDD</a:t>
+            </a:r>
+            <a:endParaRPr lang="de-DE" dirty="0"/>
+          </a:p>
+        </p:txBody>
+      </p:sp>
+      <p:sp>
+        <p:nvSpPr>
+          <p:cNvPr id="3" name="Inhaltsplatzhalter 2"/>
+          <p:cNvSpPr>
+            <a:spLocks noGrp="1"/>
+          </p:cNvSpPr>
+          <p:nvPr>
+            <p:ph idx="1"/>
+          </p:nvPr>
+        </p:nvSpPr>
+        <p:spPr/>
+        <p:txBody>
+          <a:bodyPr/>
+          <a:lstStyle/>
+          <a:p>
+            <a:r>
+              <a:rPr lang="en-US" dirty="0"/>
+              <a:t>Code can also be driven by automated integration tests (UI tests, DB tests, …)</a:t>
+            </a:r>
+          </a:p>
+          <a:p>
+            <a:endParaRPr lang="en-US" dirty="0" smtClean="0"/>
+          </a:p>
+          <a:p>
+            <a:r>
               <a:rPr lang="en-US" dirty="0" smtClean="0"/>
-              <a:t>Why TDD</a:t>
-            </a:r>
-            <a:endParaRPr lang="en-US" dirty="0"/>
-          </a:p>
-        </p:txBody>
-      </p:sp>
-      <p:sp>
-        <p:nvSpPr>
-          <p:cNvPr id="3" name="Content Placeholder 2"/>
-          <p:cNvSpPr>
-            <a:spLocks noGrp="1"/>
-          </p:cNvSpPr>
-          <p:nvPr>
-            <p:ph idx="1"/>
-          </p:nvPr>
-        </p:nvSpPr>
-        <p:spPr/>
-        <p:txBody>
-          <a:bodyPr/>
-          <a:lstStyle/>
-          <a:p>
-            <a:r>
-              <a:rPr lang="en-US" dirty="0" smtClean="0"/>
-              <a:t>TDD sets </a:t>
-            </a:r>
-            <a:r>
-              <a:rPr lang="en-US" b="1" dirty="0" smtClean="0"/>
-              <a:t>priority</a:t>
-            </a:r>
-            <a:r>
-              <a:rPr lang="en-US" dirty="0" smtClean="0"/>
-              <a:t> for tests</a:t>
-            </a:r>
-          </a:p>
-          <a:p>
-            <a:r>
-              <a:rPr lang="en-US" dirty="0" smtClean="0"/>
-              <a:t>Deign feedback</a:t>
+              <a:t>TDD is a practice, unit tests are automated tests with specific properties</a:t>
             </a:r>
           </a:p>
         </p:txBody>
@@ -13047,13 +13625,28 @@
     </p:spTree>
     <p:extLst>
       <p:ext uri="{BB962C8B-B14F-4D97-AF65-F5344CB8AC3E}">
-        <p14:creationId xmlns:p14="http://schemas.microsoft.com/office/powerpoint/2010/main" val="2804702029"/>
+        <p14:creationId xmlns:p14="http://schemas.microsoft.com/office/powerpoint/2010/main" val="3842647369"/>
       </p:ext>
     </p:extLst>
   </p:cSld>
   <p:clrMapOvr>
     <a:masterClrMapping/>
   </p:clrMapOvr>
+  <mc:AlternateContent xmlns:mc="http://schemas.openxmlformats.org/markup-compatibility/2006" xmlns:p14="http://schemas.microsoft.com/office/powerpoint/2010/main">
+    <mc:Choice Requires="p14">
+      <p:transition p14:dur="0"/>
+    </mc:Choice>
+    <mc:Fallback xmlns="">
+      <p:transition/>
+    </mc:Fallback>
+  </mc:AlternateContent>
+  <p:timing>
+    <p:tnLst>
+      <p:par>
+        <p:cTn id="1" dur="indefinite" restart="never" nodeType="tmRoot"/>
+      </p:par>
+    </p:tnLst>
+  </p:timing>
 </p:sld>
 </file>
 
@@ -13187,6 +13780,180 @@
           <a:p>
             <a:r>
               <a:rPr lang="en-US" dirty="0" smtClean="0"/>
+              <a:t>Why TDD</a:t>
+            </a:r>
+            <a:endParaRPr lang="en-US" dirty="0"/>
+          </a:p>
+        </p:txBody>
+      </p:sp>
+      <p:sp>
+        <p:nvSpPr>
+          <p:cNvPr id="3" name="Content Placeholder 2"/>
+          <p:cNvSpPr>
+            <a:spLocks noGrp="1"/>
+          </p:cNvSpPr>
+          <p:nvPr>
+            <p:ph idx="1"/>
+          </p:nvPr>
+        </p:nvSpPr>
+        <p:spPr/>
+        <p:txBody>
+          <a:bodyPr/>
+          <a:lstStyle/>
+          <a:p>
+            <a:r>
+              <a:rPr lang="en-US" dirty="0" smtClean="0"/>
+              <a:t>TDD sets </a:t>
+            </a:r>
+            <a:r>
+              <a:rPr lang="en-US" b="1" dirty="0" smtClean="0"/>
+              <a:t>priority</a:t>
+            </a:r>
+            <a:r>
+              <a:rPr lang="en-US" dirty="0" smtClean="0"/>
+              <a:t> for tests</a:t>
+            </a:r>
+          </a:p>
+          <a:p>
+            <a:r>
+              <a:rPr lang="en-US" dirty="0" smtClean="0"/>
+              <a:t>Deign feedback</a:t>
+            </a:r>
+          </a:p>
+        </p:txBody>
+      </p:sp>
+    </p:spTree>
+    <p:extLst>
+      <p:ext uri="{BB962C8B-B14F-4D97-AF65-F5344CB8AC3E}">
+        <p14:creationId xmlns:p14="http://schemas.microsoft.com/office/powerpoint/2010/main" val="2804702029"/>
+      </p:ext>
+    </p:extLst>
+  </p:cSld>
+  <p:clrMapOvr>
+    <a:masterClrMapping/>
+  </p:clrMapOvr>
+</p:sld>
+</file>
+
+<file path=ppt/slides/slide31.xml><?xml version="1.0" encoding="utf-8"?>
+<p:sld xmlns:a="http://schemas.openxmlformats.org/drawingml/2006/main" xmlns:r="http://schemas.openxmlformats.org/officeDocument/2006/relationships" xmlns:p="http://schemas.openxmlformats.org/presentationml/2006/main">
+  <p:cSld>
+    <p:spTree>
+      <p:nvGrpSpPr>
+        <p:cNvPr id="1" name=""/>
+        <p:cNvGrpSpPr/>
+        <p:nvPr/>
+      </p:nvGrpSpPr>
+      <p:grpSpPr>
+        <a:xfrm>
+          <a:off x="0" y="0"/>
+          <a:ext cx="0" cy="0"/>
+          <a:chOff x="0" y="0"/>
+          <a:chExt cx="0" cy="0"/>
+        </a:xfrm>
+      </p:grpSpPr>
+      <p:sp>
+        <p:nvSpPr>
+          <p:cNvPr id="2" name="Title 1"/>
+          <p:cNvSpPr>
+            <a:spLocks noGrp="1"/>
+          </p:cNvSpPr>
+          <p:nvPr>
+            <p:ph type="title"/>
+          </p:nvPr>
+        </p:nvSpPr>
+        <p:spPr/>
+        <p:txBody>
+          <a:bodyPr/>
+          <a:lstStyle/>
+          <a:p>
+            <a:endParaRPr lang="en-US"/>
+          </a:p>
+        </p:txBody>
+      </p:sp>
+      <p:sp>
+        <p:nvSpPr>
+          <p:cNvPr id="3" name="Content Placeholder 2"/>
+          <p:cNvSpPr>
+            <a:spLocks noGrp="1"/>
+          </p:cNvSpPr>
+          <p:nvPr>
+            <p:ph idx="1"/>
+          </p:nvPr>
+        </p:nvSpPr>
+        <p:spPr/>
+        <p:txBody>
+          <a:bodyPr/>
+          <a:lstStyle/>
+          <a:p>
+            <a:r>
+              <a:rPr lang="en-US" dirty="0"/>
+              <a:t>Most of the tests feedback on design is based on the fact that if it is hard to test a class in an isolated way, then it may have a problem with its design. </a:t>
+            </a:r>
+            <a:endParaRPr lang="en-US" dirty="0" smtClean="0"/>
+          </a:p>
+          <a:p>
+            <a:endParaRPr lang="en-US" dirty="0"/>
+          </a:p>
+          <a:p>
+            <a:r>
+              <a:rPr lang="en-US" dirty="0" smtClean="0"/>
+              <a:t>The </a:t>
+            </a:r>
+            <a:r>
+              <a:rPr lang="en-US" dirty="0"/>
+              <a:t>harder to write a unit test, the bigger the possibility to find a design smell.</a:t>
+            </a:r>
+          </a:p>
+        </p:txBody>
+      </p:sp>
+    </p:spTree>
+    <p:extLst>
+      <p:ext uri="{BB962C8B-B14F-4D97-AF65-F5344CB8AC3E}">
+        <p14:creationId xmlns:p14="http://schemas.microsoft.com/office/powerpoint/2010/main" val="2562379310"/>
+      </p:ext>
+    </p:extLst>
+  </p:cSld>
+  <p:clrMapOvr>
+    <a:masterClrMapping/>
+  </p:clrMapOvr>
+</p:sld>
+</file>
+
+<file path=ppt/slides/slide32.xml><?xml version="1.0" encoding="utf-8"?>
+<p:sld xmlns:a="http://schemas.openxmlformats.org/drawingml/2006/main" xmlns:r="http://schemas.openxmlformats.org/officeDocument/2006/relationships" xmlns:p="http://schemas.openxmlformats.org/presentationml/2006/main">
+  <p:cSld>
+    <p:spTree>
+      <p:nvGrpSpPr>
+        <p:cNvPr id="1" name=""/>
+        <p:cNvGrpSpPr/>
+        <p:nvPr/>
+      </p:nvGrpSpPr>
+      <p:grpSpPr>
+        <a:xfrm>
+          <a:off x="0" y="0"/>
+          <a:ext cx="0" cy="0"/>
+          <a:chOff x="0" y="0"/>
+          <a:chExt cx="0" cy="0"/>
+        </a:xfrm>
+      </p:grpSpPr>
+      <p:sp>
+        <p:nvSpPr>
+          <p:cNvPr id="2" name="Title 1"/>
+          <p:cNvSpPr>
+            <a:spLocks noGrp="1"/>
+          </p:cNvSpPr>
+          <p:nvPr>
+            <p:ph type="title"/>
+          </p:nvPr>
+        </p:nvSpPr>
+        <p:spPr/>
+        <p:txBody>
+          <a:bodyPr/>
+          <a:lstStyle/>
+          <a:p>
+            <a:r>
+              <a:rPr lang="en-US" dirty="0" smtClean="0"/>
               <a:t>Testable design</a:t>
             </a:r>
             <a:endParaRPr lang="en-US" dirty="0"/>
@@ -13253,7 +14020,108 @@
 </p:sld>
 </file>
 
-<file path=ppt/slides/slide31.xml><?xml version="1.0" encoding="utf-8"?>
+<file path=ppt/slides/slide33.xml><?xml version="1.0" encoding="utf-8"?>
+<p:sld xmlns:a="http://schemas.openxmlformats.org/drawingml/2006/main" xmlns:r="http://schemas.openxmlformats.org/officeDocument/2006/relationships" xmlns:p="http://schemas.openxmlformats.org/presentationml/2006/main">
+  <p:cSld>
+    <p:spTree>
+      <p:nvGrpSpPr>
+        <p:cNvPr id="1" name=""/>
+        <p:cNvGrpSpPr/>
+        <p:nvPr/>
+      </p:nvGrpSpPr>
+      <p:grpSpPr>
+        <a:xfrm>
+          <a:off x="0" y="0"/>
+          <a:ext cx="0" cy="0"/>
+          <a:chOff x="0" y="0"/>
+          <a:chExt cx="0" cy="0"/>
+        </a:xfrm>
+      </p:grpSpPr>
+      <p:sp>
+        <p:nvSpPr>
+          <p:cNvPr id="2" name="Title 1"/>
+          <p:cNvSpPr>
+            <a:spLocks noGrp="1"/>
+          </p:cNvSpPr>
+          <p:nvPr>
+            <p:ph type="title"/>
+          </p:nvPr>
+        </p:nvSpPr>
+        <p:spPr/>
+        <p:txBody>
+          <a:bodyPr/>
+          <a:lstStyle/>
+          <a:p>
+            <a:r>
+              <a:rPr lang="en-US" dirty="0" smtClean="0"/>
+              <a:t>Dependency Injection</a:t>
+            </a:r>
+            <a:endParaRPr lang="en-US" dirty="0"/>
+          </a:p>
+        </p:txBody>
+      </p:sp>
+      <p:pic>
+        <p:nvPicPr>
+          <p:cNvPr id="4" name="Picture 3"/>
+          <p:cNvPicPr>
+            <a:picLocks noChangeAspect="1"/>
+          </p:cNvPicPr>
+          <p:nvPr/>
+        </p:nvPicPr>
+        <p:blipFill>
+          <a:blip r:embed="rId3"/>
+          <a:stretch>
+            <a:fillRect/>
+          </a:stretch>
+        </p:blipFill>
+        <p:spPr>
+          <a:xfrm>
+            <a:off x="6553200" y="1971674"/>
+            <a:ext cx="5463540" cy="3834766"/>
+          </a:xfrm>
+          <a:prstGeom prst="rect">
+            <a:avLst/>
+          </a:prstGeom>
+        </p:spPr>
+      </p:pic>
+      <p:pic>
+        <p:nvPicPr>
+          <p:cNvPr id="5" name="Picture 4"/>
+          <p:cNvPicPr>
+            <a:picLocks noChangeAspect="1"/>
+          </p:cNvPicPr>
+          <p:nvPr/>
+        </p:nvPicPr>
+        <p:blipFill>
+          <a:blip r:embed="rId4"/>
+          <a:stretch>
+            <a:fillRect/>
+          </a:stretch>
+        </p:blipFill>
+        <p:spPr>
+          <a:xfrm>
+            <a:off x="280987" y="1971674"/>
+            <a:ext cx="6013133" cy="4286250"/>
+          </a:xfrm>
+          <a:prstGeom prst="rect">
+            <a:avLst/>
+          </a:prstGeom>
+        </p:spPr>
+      </p:pic>
+    </p:spTree>
+    <p:extLst>
+      <p:ext uri="{BB962C8B-B14F-4D97-AF65-F5344CB8AC3E}">
+        <p14:creationId xmlns:p14="http://schemas.microsoft.com/office/powerpoint/2010/main" val="3739092641"/>
+      </p:ext>
+    </p:extLst>
+  </p:cSld>
+  <p:clrMapOvr>
+    <a:masterClrMapping/>
+  </p:clrMapOvr>
+</p:sld>
+</file>
+
+<file path=ppt/slides/slide34.xml><?xml version="1.0" encoding="utf-8"?>
 <p:sld xmlns:a="http://schemas.openxmlformats.org/drawingml/2006/main" xmlns:r="http://schemas.openxmlformats.org/officeDocument/2006/relationships" xmlns:p="http://schemas.openxmlformats.org/presentationml/2006/main">
   <p:cSld>
     <p:spTree>
@@ -13331,7 +14199,7 @@
 </p:sld>
 </file>
 
-<file path=ppt/slides/slide32.xml><?xml version="1.0" encoding="utf-8"?>
+<file path=ppt/slides/slide35.xml><?xml version="1.0" encoding="utf-8"?>
 <p:sld xmlns:a="http://schemas.openxmlformats.org/drawingml/2006/main" xmlns:r="http://schemas.openxmlformats.org/officeDocument/2006/relationships" xmlns:p="http://schemas.openxmlformats.org/presentationml/2006/main">
   <p:cSld>
     <p:spTree>
@@ -13459,7 +14327,7 @@
             <a:fld id="{2387B7E2-7538-4163-9310-D5E6EE1BC12A}" type="slidenum">
               <a:rPr lang="en-US" smtClean="0"/>
               <a:pPr/>
-              <a:t>32</a:t>
+              <a:t>35</a:t>
             </a:fld>
             <a:endParaRPr lang="en-US"/>
           </a:p>
@@ -13478,7 +14346,7 @@
 </p:sld>
 </file>
 
-<file path=ppt/slides/slide33.xml><?xml version="1.0" encoding="utf-8"?>
+<file path=ppt/slides/slide36.xml><?xml version="1.0" encoding="utf-8"?>
 <p:sld xmlns:a="http://schemas.openxmlformats.org/drawingml/2006/main" xmlns:r="http://schemas.openxmlformats.org/officeDocument/2006/relationships" xmlns:p="http://schemas.openxmlformats.org/presentationml/2006/main">
   <p:cSld>
     <p:spTree>
@@ -13554,7 +14422,7 @@
 </p:sld>
 </file>
 
-<file path=ppt/slides/slide34.xml><?xml version="1.0" encoding="utf-8"?>
+<file path=ppt/slides/slide37.xml><?xml version="1.0" encoding="utf-8"?>
 <p:sld xmlns:a="http://schemas.openxmlformats.org/drawingml/2006/main" xmlns:r="http://schemas.openxmlformats.org/officeDocument/2006/relationships" xmlns:p="http://schemas.openxmlformats.org/presentationml/2006/main">
   <p:cSld>
     <p:spTree>
@@ -13900,18 +14768,34 @@
           <a:lstStyle/>
           <a:p>
             <a:r>
-              <a:rPr lang="en-US" dirty="0" smtClean="0"/>
+              <a:rPr lang="en-US" dirty="0" smtClean="0">
+                <a:solidFill>
+                  <a:srgbClr val="FF0000"/>
+                </a:solidFill>
+              </a:rPr>
               <a:t>Testing</a:t>
             </a:r>
             <a:r>
-              <a:rPr lang="de-DE" dirty="0" smtClean="0"/>
+              <a:rPr lang="de-DE" dirty="0" smtClean="0">
+                <a:solidFill>
+                  <a:srgbClr val="FF0000"/>
+                </a:solidFill>
+              </a:rPr>
               <a:t> </a:t>
             </a:r>
             <a:r>
-              <a:rPr lang="en-US" dirty="0" smtClean="0"/>
+              <a:rPr lang="en-US" dirty="0" smtClean="0">
+                <a:solidFill>
+                  <a:srgbClr val="FF0000"/>
+                </a:solidFill>
+              </a:rPr>
               <a:t>principles</a:t>
             </a:r>
-            <a:endParaRPr lang="en-US" dirty="0"/>
+            <a:endParaRPr lang="en-US" dirty="0">
+              <a:solidFill>
+                <a:srgbClr val="FF0000"/>
+              </a:solidFill>
+            </a:endParaRPr>
           </a:p>
         </p:txBody>
       </p:sp>
@@ -14299,12 +15183,8 @@
           <a:lstStyle/>
           <a:p>
             <a:r>
-              <a:rPr lang="en-US" dirty="0"/>
-              <a:t>Executable </a:t>
-            </a:r>
-            <a:r>
               <a:rPr lang="en-US" dirty="0" smtClean="0"/>
-              <a:t>Documentation</a:t>
+              <a:t>Continuous integration and Continuous delivery</a:t>
             </a:r>
             <a:endParaRPr lang="en-US" dirty="0"/>
           </a:p>
@@ -14325,47 +15205,14 @@
           <a:bodyPr/>
           <a:lstStyle/>
           <a:p>
-            <a:pPr>
-              <a:buNone/>
-            </a:pPr>
-            <a:r>
-              <a:rPr lang="en-US" i="1" dirty="0"/>
-              <a:t> </a:t>
-            </a:r>
-            <a:r>
-              <a:rPr lang="en-US" i="1" dirty="0" smtClean="0"/>
-              <a:t>	Create </a:t>
-            </a:r>
-            <a:r>
-              <a:rPr lang="en-US" i="1" dirty="0"/>
-              <a:t>a suite of documents that fully describe the low level behavior of the system .</a:t>
-            </a:r>
-          </a:p>
-          <a:p>
-            <a:pPr>
-              <a:buNone/>
-            </a:pPr>
-            <a:r>
-              <a:rPr lang="en-US" i="1" dirty="0"/>
-              <a:t>   </a:t>
-            </a:r>
-          </a:p>
-          <a:p>
-            <a:pPr>
-              <a:buNone/>
-            </a:pPr>
-            <a:r>
-              <a:rPr lang="en-US" i="1" dirty="0"/>
-              <a:t>    Low level documentation that  executes</a:t>
-            </a:r>
-            <a:endParaRPr lang="en-US" dirty="0"/>
+            <a:endParaRPr lang="en-US"/>
           </a:p>
         </p:txBody>
       </p:sp>
     </p:spTree>
     <p:extLst>
       <p:ext uri="{BB962C8B-B14F-4D97-AF65-F5344CB8AC3E}">
-        <p14:creationId xmlns:p14="http://schemas.microsoft.com/office/powerpoint/2010/main" val="2698778266"/>
+        <p14:creationId xmlns:p14="http://schemas.microsoft.com/office/powerpoint/2010/main" val="3166855625"/>
       </p:ext>
     </p:extLst>
   </p:cSld>

--- a/TDDExamples/Persentation/TDD.pptx
+++ b/TDDExamples/Persentation/TDD.pptx
@@ -5,7 +5,7 @@
     <p:sldMasterId id="2147483648" r:id="rId1"/>
   </p:sldMasterIdLst>
   <p:notesMasterIdLst>
-    <p:notesMasterId r:id="rId39"/>
+    <p:notesMasterId r:id="rId38"/>
   </p:notesMasterIdLst>
   <p:sldIdLst>
     <p:sldId id="256" r:id="rId2"/>
@@ -14,37 +14,36 @@
     <p:sldId id="272" r:id="rId5"/>
     <p:sldId id="314" r:id="rId6"/>
     <p:sldId id="264" r:id="rId7"/>
-    <p:sldId id="313" r:id="rId8"/>
-    <p:sldId id="275" r:id="rId9"/>
-    <p:sldId id="317" r:id="rId10"/>
-    <p:sldId id="318" r:id="rId11"/>
-    <p:sldId id="319" r:id="rId12"/>
-    <p:sldId id="300" r:id="rId13"/>
-    <p:sldId id="320" r:id="rId14"/>
-    <p:sldId id="301" r:id="rId15"/>
-    <p:sldId id="302" r:id="rId16"/>
-    <p:sldId id="303" r:id="rId17"/>
-    <p:sldId id="315" r:id="rId18"/>
-    <p:sldId id="316" r:id="rId19"/>
-    <p:sldId id="306" r:id="rId20"/>
-    <p:sldId id="307" r:id="rId21"/>
-    <p:sldId id="267" r:id="rId22"/>
-    <p:sldId id="268" r:id="rId23"/>
-    <p:sldId id="270" r:id="rId24"/>
-    <p:sldId id="308" r:id="rId25"/>
-    <p:sldId id="309" r:id="rId26"/>
-    <p:sldId id="310" r:id="rId27"/>
-    <p:sldId id="269" r:id="rId28"/>
-    <p:sldId id="279" r:id="rId29"/>
-    <p:sldId id="266" r:id="rId30"/>
-    <p:sldId id="281" r:id="rId31"/>
-    <p:sldId id="321" r:id="rId32"/>
-    <p:sldId id="282" r:id="rId33"/>
-    <p:sldId id="322" r:id="rId34"/>
-    <p:sldId id="311" r:id="rId35"/>
-    <p:sldId id="280" r:id="rId36"/>
-    <p:sldId id="312" r:id="rId37"/>
-    <p:sldId id="262" r:id="rId38"/>
+    <p:sldId id="275" r:id="rId8"/>
+    <p:sldId id="317" r:id="rId9"/>
+    <p:sldId id="318" r:id="rId10"/>
+    <p:sldId id="319" r:id="rId11"/>
+    <p:sldId id="300" r:id="rId12"/>
+    <p:sldId id="320" r:id="rId13"/>
+    <p:sldId id="301" r:id="rId14"/>
+    <p:sldId id="302" r:id="rId15"/>
+    <p:sldId id="303" r:id="rId16"/>
+    <p:sldId id="315" r:id="rId17"/>
+    <p:sldId id="316" r:id="rId18"/>
+    <p:sldId id="306" r:id="rId19"/>
+    <p:sldId id="307" r:id="rId20"/>
+    <p:sldId id="267" r:id="rId21"/>
+    <p:sldId id="268" r:id="rId22"/>
+    <p:sldId id="270" r:id="rId23"/>
+    <p:sldId id="308" r:id="rId24"/>
+    <p:sldId id="309" r:id="rId25"/>
+    <p:sldId id="310" r:id="rId26"/>
+    <p:sldId id="269" r:id="rId27"/>
+    <p:sldId id="279" r:id="rId28"/>
+    <p:sldId id="266" r:id="rId29"/>
+    <p:sldId id="281" r:id="rId30"/>
+    <p:sldId id="321" r:id="rId31"/>
+    <p:sldId id="282" r:id="rId32"/>
+    <p:sldId id="322" r:id="rId33"/>
+    <p:sldId id="311" r:id="rId34"/>
+    <p:sldId id="280" r:id="rId35"/>
+    <p:sldId id="312" r:id="rId36"/>
+    <p:sldId id="262" r:id="rId37"/>
   </p:sldIdLst>
   <p:sldSz cx="12192000" cy="6858000"/>
   <p:notesSz cx="6858000" cy="9144000"/>
@@ -4470,7 +4469,7 @@
           <a:p>
             <a:fld id="{4F7E7F73-5EFF-46DD-A427-B77AFDF8D1FD}" type="datetimeFigureOut">
               <a:rPr lang="en-US" smtClean="0"/>
-              <a:t>5/23/2018</a:t>
+              <a:t>5/24/2018</a:t>
             </a:fld>
             <a:endParaRPr lang="en-US"/>
           </a:p>
@@ -4929,7 +4928,7 @@
             <a:fld id="{5783D7AA-6A74-42C9-8D9C-C1060C84B8E4}" type="slidenum">
               <a:rPr lang="en-US" smtClean="0"/>
               <a:pPr/>
-              <a:t>20</a:t>
+              <a:t>19</a:t>
             </a:fld>
             <a:endParaRPr lang="en-US"/>
           </a:p>
@@ -5386,7 +5385,7 @@
             <a:fld id="{5783D7AA-6A74-42C9-8D9C-C1060C84B8E4}" type="slidenum">
               <a:rPr lang="en-US" smtClean="0"/>
               <a:pPr/>
-              <a:t>22</a:t>
+              <a:t>21</a:t>
             </a:fld>
             <a:endParaRPr lang="en-US"/>
           </a:p>
@@ -5470,7 +5469,7 @@
           <a:p>
             <a:fld id="{6047A338-E989-4FB8-9E79-C7D1C907295C}" type="slidenum">
               <a:rPr lang="de-DE" smtClean="0"/>
-              <a:t>23</a:t>
+              <a:t>22</a:t>
             </a:fld>
             <a:endParaRPr lang="de-DE"/>
           </a:p>
@@ -5563,7 +5562,7 @@
           <a:p>
             <a:fld id="{6047A338-E989-4FB8-9E79-C7D1C907295C}" type="slidenum">
               <a:rPr lang="de-DE" smtClean="0"/>
-              <a:t>27</a:t>
+              <a:t>26</a:t>
             </a:fld>
             <a:endParaRPr lang="de-DE"/>
           </a:p>
@@ -5647,7 +5646,7 @@
           <a:p>
             <a:fld id="{6047A338-E989-4FB8-9E79-C7D1C907295C}" type="slidenum">
               <a:rPr lang="de-DE" smtClean="0"/>
-              <a:t>28</a:t>
+              <a:t>27</a:t>
             </a:fld>
             <a:endParaRPr lang="de-DE"/>
           </a:p>
@@ -5731,7 +5730,7 @@
           <a:p>
             <a:fld id="{6047A338-E989-4FB8-9E79-C7D1C907295C}" type="slidenum">
               <a:rPr lang="de-DE" smtClean="0"/>
-              <a:t>29</a:t>
+              <a:t>28</a:t>
             </a:fld>
             <a:endParaRPr lang="de-DE"/>
           </a:p>
@@ -5808,7 +5807,6 @@
               <a:rPr lang="en-US" baseline="0" dirty="0" smtClean="0"/>
               <a:t>Unit test takes too long to execute which indicates that tests Is not unit test </a:t>
             </a:r>
-            <a:endParaRPr lang="en-US" baseline="0" dirty="0" smtClean="0"/>
           </a:p>
           <a:p>
             <a:endParaRPr lang="en-US" baseline="0" dirty="0" smtClean="0"/>
@@ -5893,7 +5891,7 @@
           <a:p>
             <a:fld id="{3F54E12A-92D0-47AC-AF21-2897E92B62D5}" type="slidenum">
               <a:rPr lang="en-US" smtClean="0"/>
-              <a:t>30</a:t>
+              <a:t>29</a:t>
             </a:fld>
             <a:endParaRPr lang="en-US"/>
           </a:p>
@@ -5977,7 +5975,7 @@
           <a:p>
             <a:fld id="{3F54E12A-92D0-47AC-AF21-2897E92B62D5}" type="slidenum">
               <a:rPr lang="en-US" smtClean="0"/>
-              <a:t>31</a:t>
+              <a:t>30</a:t>
             </a:fld>
             <a:endParaRPr lang="en-US"/>
           </a:p>
@@ -6084,7 +6082,7 @@
           <a:p>
             <a:fld id="{3F54E12A-92D0-47AC-AF21-2897E92B62D5}" type="slidenum">
               <a:rPr lang="en-US" smtClean="0"/>
-              <a:t>32</a:t>
+              <a:t>31</a:t>
             </a:fld>
             <a:endParaRPr lang="en-US"/>
           </a:p>
@@ -6168,7 +6166,7 @@
           <a:p>
             <a:fld id="{3F54E12A-92D0-47AC-AF21-2897E92B62D5}" type="slidenum">
               <a:rPr lang="en-US" smtClean="0"/>
-              <a:t>33</a:t>
+              <a:t>32</a:t>
             </a:fld>
             <a:endParaRPr lang="en-US"/>
           </a:p>
@@ -6249,8 +6247,28 @@
             </a:pPr>
             <a:r>
               <a:rPr lang="en-US" dirty="0" smtClean="0"/>
-              <a:t>The ideal feedback loop has several properties:</a:t>
-            </a:r>
+              <a:t>The ideal feedback loop has several properties</a:t>
+            </a:r>
+            <a:r>
+              <a:rPr lang="en-US" dirty="0" smtClean="0"/>
+              <a:t>:</a:t>
+            </a:r>
+          </a:p>
+          <a:p>
+            <a:pPr marL="0" indent="0">
+              <a:buNone/>
+            </a:pPr>
+            <a:endParaRPr lang="en-US" dirty="0" smtClean="0"/>
+          </a:p>
+          <a:p>
+            <a:pPr marL="0" indent="0">
+              <a:buNone/>
+            </a:pPr>
+            <a:r>
+              <a:rPr lang="en-US" dirty="0" smtClean="0"/>
+              <a:t>Talk about Agile development</a:t>
+            </a:r>
+            <a:endParaRPr lang="en-US" dirty="0" smtClean="0"/>
           </a:p>
           <a:p>
             <a:pPr marL="0" indent="0">
@@ -7088,7 +7106,7 @@
           <a:p>
             <a:fld id="{3F54E12A-92D0-47AC-AF21-2897E92B62D5}" type="slidenum">
               <a:rPr lang="en-US" smtClean="0"/>
-              <a:t>36</a:t>
+              <a:t>35</a:t>
             </a:fld>
             <a:endParaRPr lang="en-US"/>
           </a:p>
@@ -7560,7 +7578,7 @@
           <a:p>
             <a:fld id="{3F54E12A-92D0-47AC-AF21-2897E92B62D5}" type="slidenum">
               <a:rPr lang="en-US" smtClean="0"/>
-              <a:t>8</a:t>
+              <a:t>7</a:t>
             </a:fld>
             <a:endParaRPr lang="en-US"/>
           </a:p>
@@ -7772,7 +7790,7 @@
           <a:p>
             <a:fld id="{3F54E12A-92D0-47AC-AF21-2897E92B62D5}" type="slidenum">
               <a:rPr lang="en-US" smtClean="0"/>
-              <a:t>12</a:t>
+              <a:t>11</a:t>
             </a:fld>
             <a:endParaRPr lang="en-US"/>
           </a:p>
@@ -7867,7 +7885,7 @@
             <a:fld id="{5783D7AA-6A74-42C9-8D9C-C1060C84B8E4}" type="slidenum">
               <a:rPr lang="en-US" smtClean="0"/>
               <a:pPr/>
-              <a:t>14</a:t>
+              <a:t>13</a:t>
             </a:fld>
             <a:endParaRPr lang="en-US"/>
           </a:p>
@@ -7951,7 +7969,7 @@
           <a:p>
             <a:fld id="{3F54E12A-92D0-47AC-AF21-2897E92B62D5}" type="slidenum">
               <a:rPr lang="en-US" smtClean="0"/>
-              <a:t>15</a:t>
+              <a:t>14</a:t>
             </a:fld>
             <a:endParaRPr lang="en-US"/>
           </a:p>
@@ -8035,7 +8053,7 @@
           <a:p>
             <a:fld id="{3F54E12A-92D0-47AC-AF21-2897E92B62D5}" type="slidenum">
               <a:rPr lang="en-US" smtClean="0"/>
-              <a:t>17</a:t>
+              <a:t>16</a:t>
             </a:fld>
             <a:endParaRPr lang="en-US"/>
           </a:p>
@@ -8185,7 +8203,7 @@
           <a:p>
             <a:fld id="{3E2A1FAC-2E91-4528-8096-544E336C46C0}" type="datetimeFigureOut">
               <a:rPr lang="en-US" smtClean="0"/>
-              <a:t>5/23/2018</a:t>
+              <a:t>5/24/2018</a:t>
             </a:fld>
             <a:endParaRPr lang="en-US"/>
           </a:p>
@@ -8355,7 +8373,7 @@
           <a:p>
             <a:fld id="{3E2A1FAC-2E91-4528-8096-544E336C46C0}" type="datetimeFigureOut">
               <a:rPr lang="en-US" smtClean="0"/>
-              <a:t>5/23/2018</a:t>
+              <a:t>5/24/2018</a:t>
             </a:fld>
             <a:endParaRPr lang="en-US"/>
           </a:p>
@@ -8535,7 +8553,7 @@
           <a:p>
             <a:fld id="{3E2A1FAC-2E91-4528-8096-544E336C46C0}" type="datetimeFigureOut">
               <a:rPr lang="en-US" smtClean="0"/>
-              <a:t>5/23/2018</a:t>
+              <a:t>5/24/2018</a:t>
             </a:fld>
             <a:endParaRPr lang="en-US"/>
           </a:p>
@@ -8705,7 +8723,7 @@
           <a:p>
             <a:fld id="{3E2A1FAC-2E91-4528-8096-544E336C46C0}" type="datetimeFigureOut">
               <a:rPr lang="en-US" smtClean="0"/>
-              <a:t>5/23/2018</a:t>
+              <a:t>5/24/2018</a:t>
             </a:fld>
             <a:endParaRPr lang="en-US"/>
           </a:p>
@@ -8951,7 +8969,7 @@
           <a:p>
             <a:fld id="{3E2A1FAC-2E91-4528-8096-544E336C46C0}" type="datetimeFigureOut">
               <a:rPr lang="en-US" smtClean="0"/>
-              <a:t>5/23/2018</a:t>
+              <a:t>5/24/2018</a:t>
             </a:fld>
             <a:endParaRPr lang="en-US"/>
           </a:p>
@@ -9183,7 +9201,7 @@
           <a:p>
             <a:fld id="{3E2A1FAC-2E91-4528-8096-544E336C46C0}" type="datetimeFigureOut">
               <a:rPr lang="en-US" smtClean="0"/>
-              <a:t>5/23/2018</a:t>
+              <a:t>5/24/2018</a:t>
             </a:fld>
             <a:endParaRPr lang="en-US"/>
           </a:p>
@@ -9550,7 +9568,7 @@
           <a:p>
             <a:fld id="{3E2A1FAC-2E91-4528-8096-544E336C46C0}" type="datetimeFigureOut">
               <a:rPr lang="en-US" smtClean="0"/>
-              <a:t>5/23/2018</a:t>
+              <a:t>5/24/2018</a:t>
             </a:fld>
             <a:endParaRPr lang="en-US"/>
           </a:p>
@@ -9668,7 +9686,7 @@
           <a:p>
             <a:fld id="{3E2A1FAC-2E91-4528-8096-544E336C46C0}" type="datetimeFigureOut">
               <a:rPr lang="en-US" smtClean="0"/>
-              <a:t>5/23/2018</a:t>
+              <a:t>5/24/2018</a:t>
             </a:fld>
             <a:endParaRPr lang="en-US"/>
           </a:p>
@@ -9763,7 +9781,7 @@
           <a:p>
             <a:fld id="{3E2A1FAC-2E91-4528-8096-544E336C46C0}" type="datetimeFigureOut">
               <a:rPr lang="en-US" smtClean="0"/>
-              <a:t>5/23/2018</a:t>
+              <a:t>5/24/2018</a:t>
             </a:fld>
             <a:endParaRPr lang="en-US"/>
           </a:p>
@@ -10040,7 +10058,7 @@
           <a:p>
             <a:fld id="{3E2A1FAC-2E91-4528-8096-544E336C46C0}" type="datetimeFigureOut">
               <a:rPr lang="en-US" smtClean="0"/>
-              <a:t>5/23/2018</a:t>
+              <a:t>5/24/2018</a:t>
             </a:fld>
             <a:endParaRPr lang="en-US"/>
           </a:p>
@@ -10293,7 +10311,7 @@
           <a:p>
             <a:fld id="{3E2A1FAC-2E91-4528-8096-544E336C46C0}" type="datetimeFigureOut">
               <a:rPr lang="en-US" smtClean="0"/>
-              <a:t>5/23/2018</a:t>
+              <a:t>5/24/2018</a:t>
             </a:fld>
             <a:endParaRPr lang="en-US"/>
           </a:p>
@@ -10506,7 +10524,7 @@
           <a:p>
             <a:fld id="{3E2A1FAC-2E91-4528-8096-544E336C46C0}" type="datetimeFigureOut">
               <a:rPr lang="en-US" smtClean="0"/>
-              <a:t>5/23/2018</a:t>
+              <a:t>5/24/2018</a:t>
             </a:fld>
             <a:endParaRPr lang="en-US"/>
           </a:p>
@@ -11083,7 +11101,7 @@
           <a:p>
             <a:r>
               <a:rPr lang="en-US" dirty="0"/>
-              <a:t>Continuous integration</a:t>
+              <a:t>continuous delivery</a:t>
             </a:r>
           </a:p>
         </p:txBody>
@@ -11100,17 +11118,63 @@
         </p:nvSpPr>
         <p:spPr/>
         <p:txBody>
-          <a:bodyPr>
-            <a:normAutofit/>
-          </a:bodyPr>
+          <a:bodyPr/>
           <a:lstStyle/>
           <a:p>
             <a:pPr>
               <a:buNone/>
             </a:pPr>
             <a:r>
-              <a:rPr lang="en-US" i="1" dirty="0" smtClean="0"/>
-              <a:t>	Continuous Integration is a software development practice where members of a team integrate their work frequently</a:t>
+              <a:rPr lang="en-US" dirty="0"/>
+              <a:t> </a:t>
+            </a:r>
+            <a:r>
+              <a:rPr lang="en-US" dirty="0" smtClean="0"/>
+              <a:t> </a:t>
+            </a:r>
+            <a:r>
+              <a:rPr lang="en-US" b="1" dirty="0" smtClean="0"/>
+              <a:t>reduce</a:t>
+            </a:r>
+            <a:r>
+              <a:rPr lang="en-US" dirty="0" smtClean="0"/>
+              <a:t> </a:t>
+            </a:r>
+            <a:r>
+              <a:rPr lang="en-US" dirty="0"/>
+              <a:t>the </a:t>
+            </a:r>
+            <a:r>
+              <a:rPr lang="en-US" b="1" dirty="0"/>
+              <a:t>cost</a:t>
+            </a:r>
+            <a:r>
+              <a:rPr lang="en-US" dirty="0"/>
+              <a:t> , </a:t>
+            </a:r>
+            <a:r>
+              <a:rPr lang="en-US" b="1" dirty="0"/>
+              <a:t>time</a:t>
+            </a:r>
+            <a:r>
+              <a:rPr lang="en-US" dirty="0"/>
+              <a:t> , </a:t>
+            </a:r>
+            <a:r>
+              <a:rPr lang="en-US" b="1" dirty="0"/>
+              <a:t>and risk </a:t>
+            </a:r>
+            <a:r>
+              <a:rPr lang="en-US" dirty="0"/>
+              <a:t>of </a:t>
+            </a:r>
+            <a:r>
+              <a:rPr lang="en-US" dirty="0" smtClean="0"/>
+              <a:t> delivering </a:t>
+            </a:r>
+            <a:r>
+              <a:rPr lang="en-US" b="1" dirty="0"/>
+              <a:t>incremental changes </a:t>
             </a:r>
           </a:p>
           <a:p>
@@ -11118,8 +11182,12 @@
               <a:buNone/>
             </a:pPr>
             <a:r>
-              <a:rPr lang="en-US" i="1" dirty="0" smtClean="0"/>
-              <a:t>	</a:t>
+              <a:rPr lang="en-US" b="1" dirty="0"/>
+              <a:t>   </a:t>
+            </a:r>
+            <a:r>
+              <a:rPr lang="en-US" dirty="0"/>
+              <a:t>to users</a:t>
             </a:r>
           </a:p>
           <a:p>
@@ -11127,8 +11195,8 @@
               <a:buNone/>
             </a:pPr>
             <a:r>
-              <a:rPr lang="en-US" i="1" dirty="0" smtClean="0"/>
-              <a:t>	each person integrates at least daily - leading to multiple integrations per day. </a:t>
+              <a:rPr lang="en-US" dirty="0"/>
+              <a:t>	</a:t>
             </a:r>
           </a:p>
           <a:p>
@@ -11136,63 +11204,22 @@
               <a:buNone/>
             </a:pPr>
             <a:r>
-              <a:rPr lang="en-US" i="1" dirty="0" smtClean="0"/>
+              <a:rPr lang="en-US" dirty="0"/>
               <a:t>	</a:t>
             </a:r>
-          </a:p>
-          <a:p>
-            <a:pPr>
-              <a:buNone/>
-            </a:pPr>
-            <a:r>
-              <a:rPr lang="en-US" i="1" dirty="0" smtClean="0"/>
-              <a:t>	Each integration is verified by an automated build (including test) to detect integration errors as quickly as possible. 	</a:t>
-            </a:r>
-            <a:endParaRPr lang="en-US" dirty="0"/>
-          </a:p>
-        </p:txBody>
-      </p:sp>
-      <p:sp>
-        <p:nvSpPr>
-          <p:cNvPr id="4" name="Slide Number Placeholder 3"/>
-          <p:cNvSpPr>
-            <a:spLocks noGrp="1"/>
-          </p:cNvSpPr>
-          <p:nvPr>
-            <p:ph type="sldNum" sz="quarter" idx="12"/>
-          </p:nvPr>
-        </p:nvSpPr>
-        <p:spPr/>
-        <p:txBody>
-          <a:bodyPr/>
-          <a:lstStyle/>
-          <a:p>
-            <a:fld id="{2387B7E2-7538-4163-9310-D5E6EE1BC12A}" type="slidenum">
-              <a:rPr lang="en-US" smtClean="0"/>
-              <a:pPr/>
-              <a:t>10</a:t>
-            </a:fld>
-            <a:endParaRPr lang="en-US"/>
           </a:p>
         </p:txBody>
       </p:sp>
     </p:spTree>
     <p:extLst>
       <p:ext uri="{BB962C8B-B14F-4D97-AF65-F5344CB8AC3E}">
-        <p14:creationId xmlns:p14="http://schemas.microsoft.com/office/powerpoint/2010/main" val="2566127931"/>
+        <p14:creationId xmlns:p14="http://schemas.microsoft.com/office/powerpoint/2010/main" val="3156832340"/>
       </p:ext>
     </p:extLst>
   </p:cSld>
   <p:clrMapOvr>
     <a:masterClrMapping/>
   </p:clrMapOvr>
-  <p:timing>
-    <p:tnLst>
-      <p:par>
-        <p:cTn id="1" dur="indefinite" restart="never" nodeType="tmRoot"/>
-      </p:par>
-    </p:tnLst>
-  </p:timing>
 </p:sld>
 </file>
 
@@ -11229,9 +11256,10 @@
           <a:lstStyle/>
           <a:p>
             <a:r>
-              <a:rPr lang="en-US" dirty="0"/>
-              <a:t>continuous delivery</a:t>
-            </a:r>
+              <a:rPr lang="en-US" dirty="0" smtClean="0"/>
+              <a:t>Executable Documentation</a:t>
+            </a:r>
+            <a:endParaRPr lang="en-US" dirty="0"/>
           </a:p>
         </p:txBody>
       </p:sp>
@@ -11250,99 +11278,47 @@
           <a:bodyPr/>
           <a:lstStyle/>
           <a:p>
-            <a:pPr>
+            <a:pPr marL="0">
               <a:buNone/>
             </a:pPr>
             <a:r>
-              <a:rPr lang="en-US" dirty="0"/>
-              <a:t> </a:t>
-            </a:r>
-            <a:r>
-              <a:rPr lang="en-US" dirty="0" smtClean="0"/>
-              <a:t> </a:t>
-            </a:r>
-            <a:r>
-              <a:rPr lang="en-US" b="1" dirty="0" smtClean="0"/>
-              <a:t>reduce</a:t>
-            </a:r>
-            <a:r>
-              <a:rPr lang="en-US" dirty="0" smtClean="0"/>
-              <a:t> </a:t>
-            </a:r>
-            <a:r>
-              <a:rPr lang="en-US" dirty="0"/>
-              <a:t>the </a:t>
-            </a:r>
-            <a:r>
-              <a:rPr lang="en-US" b="1" dirty="0"/>
-              <a:t>cost</a:t>
-            </a:r>
-            <a:r>
-              <a:rPr lang="en-US" dirty="0"/>
-              <a:t> , </a:t>
-            </a:r>
-            <a:r>
-              <a:rPr lang="en-US" b="1" dirty="0"/>
-              <a:t>time</a:t>
-            </a:r>
-            <a:r>
-              <a:rPr lang="en-US" dirty="0"/>
-              <a:t> , </a:t>
-            </a:r>
-            <a:r>
-              <a:rPr lang="en-US" b="1" dirty="0"/>
-              <a:t>and risk </a:t>
-            </a:r>
-            <a:r>
-              <a:rPr lang="en-US" dirty="0"/>
-              <a:t>of </a:t>
-            </a:r>
-            <a:r>
-              <a:rPr lang="en-US" dirty="0" smtClean="0"/>
-              <a:t> delivering </a:t>
-            </a:r>
-            <a:r>
-              <a:rPr lang="en-US" b="1" dirty="0"/>
-              <a:t>incremental changes </a:t>
-            </a:r>
-          </a:p>
-          <a:p>
-            <a:pPr>
+              <a:rPr lang="en-US" i="1" dirty="0" smtClean="0"/>
+              <a:t>Create </a:t>
+            </a:r>
+            <a:r>
+              <a:rPr lang="en-US" i="1" dirty="0"/>
+              <a:t>a suite of documents that fully describe the low level behavior of the system .</a:t>
+            </a:r>
+          </a:p>
+          <a:p>
+            <a:pPr marL="0">
               <a:buNone/>
             </a:pPr>
             <a:r>
-              <a:rPr lang="en-US" b="1" dirty="0"/>
+              <a:rPr lang="en-US" i="1" dirty="0"/>
               <a:t>   </a:t>
             </a:r>
-            <a:r>
-              <a:rPr lang="en-US" dirty="0"/>
-              <a:t>to users</a:t>
-            </a:r>
-          </a:p>
-          <a:p>
-            <a:pPr>
+          </a:p>
+          <a:p>
+            <a:pPr marL="0">
               <a:buNone/>
             </a:pPr>
             <a:r>
-              <a:rPr lang="en-US" dirty="0"/>
-              <a:t>	</a:t>
-            </a:r>
-          </a:p>
-          <a:p>
-            <a:pPr>
-              <a:buNone/>
-            </a:pPr>
-            <a:r>
-              <a:rPr lang="en-US" dirty="0"/>
-              <a:t>	</a:t>
-            </a:r>
+              <a:rPr lang="en-US" i="1" dirty="0" smtClean="0"/>
+              <a:t>Low </a:t>
+            </a:r>
+            <a:r>
+              <a:rPr lang="en-US" i="1" dirty="0"/>
+              <a:t>level documentation that  executes</a:t>
+            </a:r>
+            <a:endParaRPr lang="en-US" dirty="0"/>
           </a:p>
         </p:txBody>
       </p:sp>
     </p:spTree>
     <p:extLst>
       <p:ext uri="{BB962C8B-B14F-4D97-AF65-F5344CB8AC3E}">
-        <p14:creationId xmlns:p14="http://schemas.microsoft.com/office/powerpoint/2010/main" val="3156832340"/>
+        <p14:creationId xmlns:p14="http://schemas.microsoft.com/office/powerpoint/2010/main" val="2698778266"/>
       </p:ext>
     </p:extLst>
   </p:cSld>
@@ -11386,11 +11362,7 @@
           <a:p>
             <a:r>
               <a:rPr lang="en-US" dirty="0" smtClean="0"/>
-              <a:t>Executable </a:t>
-            </a:r>
-            <a:r>
-              <a:rPr lang="en-US" dirty="0" smtClean="0"/>
-              <a:t>Documentation</a:t>
+              <a:t>Test Readability</a:t>
             </a:r>
             <a:endParaRPr lang="en-US" dirty="0"/>
           </a:p>
@@ -11411,47 +11383,14 @@
           <a:bodyPr/>
           <a:lstStyle/>
           <a:p>
-            <a:pPr marL="0">
-              <a:buNone/>
-            </a:pPr>
-            <a:r>
-              <a:rPr lang="en-US" i="1" dirty="0" smtClean="0"/>
-              <a:t>Create </a:t>
-            </a:r>
-            <a:r>
-              <a:rPr lang="en-US" i="1" dirty="0"/>
-              <a:t>a suite of documents that fully describe the low level behavior of the system .</a:t>
-            </a:r>
-          </a:p>
-          <a:p>
-            <a:pPr marL="0">
-              <a:buNone/>
-            </a:pPr>
-            <a:r>
-              <a:rPr lang="en-US" i="1" dirty="0"/>
-              <a:t>   </a:t>
-            </a:r>
-          </a:p>
-          <a:p>
-            <a:pPr marL="0">
-              <a:buNone/>
-            </a:pPr>
-            <a:r>
-              <a:rPr lang="en-US" i="1" dirty="0" smtClean="0"/>
-              <a:t>Low </a:t>
-            </a:r>
-            <a:r>
-              <a:rPr lang="en-US" i="1" dirty="0"/>
-              <a:t>level documentation that  executes</a:t>
-            </a:r>
-            <a:endParaRPr lang="en-US" dirty="0"/>
+            <a:endParaRPr lang="en-US"/>
           </a:p>
         </p:txBody>
       </p:sp>
     </p:spTree>
     <p:extLst>
       <p:ext uri="{BB962C8B-B14F-4D97-AF65-F5344CB8AC3E}">
-        <p14:creationId xmlns:p14="http://schemas.microsoft.com/office/powerpoint/2010/main" val="2698778266"/>
+        <p14:creationId xmlns:p14="http://schemas.microsoft.com/office/powerpoint/2010/main" val="1641549763"/>
       </p:ext>
     </p:extLst>
   </p:cSld>
@@ -11493,78 +11432,6 @@
           <a:bodyPr/>
           <a:lstStyle/>
           <a:p>
-            <a:r>
-              <a:rPr lang="en-US" dirty="0" smtClean="0"/>
-              <a:t>Test Readability</a:t>
-            </a:r>
-            <a:endParaRPr lang="en-US" dirty="0"/>
-          </a:p>
-        </p:txBody>
-      </p:sp>
-      <p:sp>
-        <p:nvSpPr>
-          <p:cNvPr id="3" name="Content Placeholder 2"/>
-          <p:cNvSpPr>
-            <a:spLocks noGrp="1"/>
-          </p:cNvSpPr>
-          <p:nvPr>
-            <p:ph idx="1"/>
-          </p:nvPr>
-        </p:nvSpPr>
-        <p:spPr/>
-        <p:txBody>
-          <a:bodyPr/>
-          <a:lstStyle/>
-          <a:p>
-            <a:endParaRPr lang="en-US"/>
-          </a:p>
-        </p:txBody>
-      </p:sp>
-    </p:spTree>
-    <p:extLst>
-      <p:ext uri="{BB962C8B-B14F-4D97-AF65-F5344CB8AC3E}">
-        <p14:creationId xmlns:p14="http://schemas.microsoft.com/office/powerpoint/2010/main" val="1641549763"/>
-      </p:ext>
-    </p:extLst>
-  </p:cSld>
-  <p:clrMapOvr>
-    <a:masterClrMapping/>
-  </p:clrMapOvr>
-</p:sld>
-</file>
-
-<file path=ppt/slides/slide14.xml><?xml version="1.0" encoding="utf-8"?>
-<p:sld xmlns:a="http://schemas.openxmlformats.org/drawingml/2006/main" xmlns:r="http://schemas.openxmlformats.org/officeDocument/2006/relationships" xmlns:p="http://schemas.openxmlformats.org/presentationml/2006/main">
-  <p:cSld>
-    <p:spTree>
-      <p:nvGrpSpPr>
-        <p:cNvPr id="1" name=""/>
-        <p:cNvGrpSpPr/>
-        <p:nvPr/>
-      </p:nvGrpSpPr>
-      <p:grpSpPr>
-        <a:xfrm>
-          <a:off x="0" y="0"/>
-          <a:ext cx="0" cy="0"/>
-          <a:chOff x="0" y="0"/>
-          <a:chExt cx="0" cy="0"/>
-        </a:xfrm>
-      </p:grpSpPr>
-      <p:sp>
-        <p:nvSpPr>
-          <p:cNvPr id="2" name="Title 1"/>
-          <p:cNvSpPr>
-            <a:spLocks noGrp="1"/>
-          </p:cNvSpPr>
-          <p:nvPr>
-            <p:ph type="title"/>
-          </p:nvPr>
-        </p:nvSpPr>
-        <p:spPr/>
-        <p:txBody>
-          <a:bodyPr/>
-          <a:lstStyle/>
-          <a:p>
             <a:endParaRPr lang="en-US" dirty="0"/>
           </a:p>
         </p:txBody>
@@ -11618,7 +11485,7 @@
 </p:sld>
 </file>
 
-<file path=ppt/slides/slide15.xml><?xml version="1.0" encoding="utf-8"?>
+<file path=ppt/slides/slide14.xml><?xml version="1.0" encoding="utf-8"?>
 <p:sld xmlns:a="http://schemas.openxmlformats.org/drawingml/2006/main" xmlns:r="http://schemas.openxmlformats.org/officeDocument/2006/relationships" xmlns:p="http://schemas.openxmlformats.org/presentationml/2006/main">
   <p:cSld>
     <p:spTree>
@@ -11719,7 +11586,7 @@
 </p:sld>
 </file>
 
-<file path=ppt/slides/slide16.xml><?xml version="1.0" encoding="utf-8"?>
+<file path=ppt/slides/slide15.xml><?xml version="1.0" encoding="utf-8"?>
 <p:sld xmlns:a="http://schemas.openxmlformats.org/drawingml/2006/main" xmlns:r="http://schemas.openxmlformats.org/officeDocument/2006/relationships" xmlns:p="http://schemas.openxmlformats.org/presentationml/2006/main">
   <p:cSld>
     <p:spTree>
@@ -11819,7 +11686,7 @@
 </p:sld>
 </file>
 
-<file path=ppt/slides/slide17.xml><?xml version="1.0" encoding="utf-8"?>
+<file path=ppt/slides/slide16.xml><?xml version="1.0" encoding="utf-8"?>
 <p:sld xmlns:a="http://schemas.openxmlformats.org/drawingml/2006/main" xmlns:r="http://schemas.openxmlformats.org/officeDocument/2006/relationships" xmlns:p="http://schemas.openxmlformats.org/presentationml/2006/main">
   <p:cSld>
     <p:spTree>
@@ -11922,7 +11789,7 @@
 </p:sld>
 </file>
 
-<file path=ppt/slides/slide18.xml><?xml version="1.0" encoding="utf-8"?>
+<file path=ppt/slides/slide17.xml><?xml version="1.0" encoding="utf-8"?>
 <p:sld xmlns:a="http://schemas.openxmlformats.org/drawingml/2006/main" xmlns:r="http://schemas.openxmlformats.org/officeDocument/2006/relationships" xmlns:p="http://schemas.openxmlformats.org/presentationml/2006/main">
   <p:cSld>
     <p:spTree>
@@ -11976,6 +11843,96 @@
 </p:sld>
 </file>
 
+<file path=ppt/slides/slide18.xml><?xml version="1.0" encoding="utf-8"?>
+<p:sld xmlns:a="http://schemas.openxmlformats.org/drawingml/2006/main" xmlns:r="http://schemas.openxmlformats.org/officeDocument/2006/relationships" xmlns:p="http://schemas.openxmlformats.org/presentationml/2006/main">
+  <p:cSld>
+    <p:spTree>
+      <p:nvGrpSpPr>
+        <p:cNvPr id="1" name=""/>
+        <p:cNvGrpSpPr/>
+        <p:nvPr/>
+      </p:nvGrpSpPr>
+      <p:grpSpPr>
+        <a:xfrm>
+          <a:off x="0" y="0"/>
+          <a:ext cx="0" cy="0"/>
+          <a:chOff x="0" y="0"/>
+          <a:chExt cx="0" cy="0"/>
+        </a:xfrm>
+      </p:grpSpPr>
+      <p:sp>
+        <p:nvSpPr>
+          <p:cNvPr id="2" name="Title 1"/>
+          <p:cNvSpPr>
+            <a:spLocks noGrp="1"/>
+          </p:cNvSpPr>
+          <p:nvPr>
+            <p:ph type="title"/>
+          </p:nvPr>
+        </p:nvSpPr>
+        <p:spPr/>
+        <p:txBody>
+          <a:bodyPr/>
+          <a:lstStyle/>
+          <a:p>
+            <a:endParaRPr lang="en-US"/>
+          </a:p>
+        </p:txBody>
+      </p:sp>
+      <p:sp>
+        <p:nvSpPr>
+          <p:cNvPr id="3" name="Content Placeholder 2"/>
+          <p:cNvSpPr>
+            <a:spLocks noGrp="1"/>
+          </p:cNvSpPr>
+          <p:nvPr>
+            <p:ph idx="1"/>
+          </p:nvPr>
+        </p:nvSpPr>
+        <p:spPr/>
+        <p:txBody>
+          <a:bodyPr/>
+          <a:lstStyle/>
+          <a:p>
+            <a:pPr marL="0" indent="0">
+              <a:buNone/>
+            </a:pPr>
+            <a:r>
+              <a:rPr lang="en-US" dirty="0" smtClean="0"/>
+              <a:t>These names can be as long as we like because they’re only called through reflection—we never have to type them in to call them. </a:t>
+            </a:r>
+          </a:p>
+          <a:p>
+            <a:pPr marL="0" indent="0">
+              <a:buNone/>
+            </a:pPr>
+            <a:endParaRPr lang="en-US" dirty="0"/>
+          </a:p>
+          <a:p>
+            <a:pPr marL="0" indent="0">
+              <a:buNone/>
+            </a:pPr>
+            <a:r>
+              <a:rPr lang="en-US" dirty="0" smtClean="0"/>
+              <a:t>The point of the convention is to encourage the developer to think in terms of what the target object does, not what it is.</a:t>
+            </a:r>
+            <a:endParaRPr lang="en-US" dirty="0"/>
+          </a:p>
+        </p:txBody>
+      </p:sp>
+    </p:spTree>
+    <p:extLst>
+      <p:ext uri="{BB962C8B-B14F-4D97-AF65-F5344CB8AC3E}">
+        <p14:creationId xmlns:p14="http://schemas.microsoft.com/office/powerpoint/2010/main" val="3047531515"/>
+      </p:ext>
+    </p:extLst>
+  </p:cSld>
+  <p:clrMapOvr>
+    <a:masterClrMapping/>
+  </p:clrMapOvr>
+</p:sld>
+</file>
+
 <file path=ppt/slides/slide19.xml><?xml version="1.0" encoding="utf-8"?>
 <p:sld xmlns:a="http://schemas.openxmlformats.org/drawingml/2006/main" xmlns:r="http://schemas.openxmlformats.org/officeDocument/2006/relationships" xmlns:p="http://schemas.openxmlformats.org/presentationml/2006/main">
   <p:cSld>
@@ -12005,10 +11962,19 @@
         </p:nvSpPr>
         <p:spPr/>
         <p:txBody>
-          <a:bodyPr/>
-          <a:lstStyle/>
-          <a:p>
-            <a:endParaRPr lang="en-US"/>
+          <a:bodyPr>
+            <a:normAutofit/>
+          </a:bodyPr>
+          <a:lstStyle/>
+          <a:p>
+            <a:r>
+              <a:rPr lang="en-US" dirty="0" smtClean="0"/>
+              <a:t>Keeping Test Clean</a:t>
+            </a:r>
+            <a:br>
+              <a:rPr lang="en-US" dirty="0" smtClean="0"/>
+            </a:br>
+            <a:endParaRPr lang="en-US" dirty="0"/>
           </a:p>
         </p:txBody>
       </p:sp>
@@ -12024,45 +11990,95 @@
         </p:nvSpPr>
         <p:spPr/>
         <p:txBody>
-          <a:bodyPr/>
-          <a:lstStyle/>
-          <a:p>
-            <a:pPr marL="0" indent="0">
+          <a:bodyPr>
+            <a:normAutofit/>
+          </a:bodyPr>
+          <a:lstStyle/>
+          <a:p>
+            <a:pPr marL="0" lvl="1" indent="0">
               <a:buNone/>
             </a:pPr>
             <a:r>
               <a:rPr lang="en-US" dirty="0" smtClean="0"/>
-              <a:t>These names can be as long as we like because they’re only called through reflection—we never have to type them in to call them. </a:t>
-            </a:r>
-          </a:p>
-          <a:p>
-            <a:pPr marL="0" indent="0">
+              <a:t>Test code is just as important as production code. It is not second class citizen.</a:t>
+            </a:r>
+          </a:p>
+          <a:p>
+            <a:pPr marL="0" lvl="1" indent="0">
               <a:buNone/>
             </a:pPr>
-            <a:endParaRPr lang="en-US" dirty="0"/>
-          </a:p>
-          <a:p>
-            <a:pPr marL="0" indent="0">
+            <a:endParaRPr lang="en-US" dirty="0" smtClean="0"/>
+          </a:p>
+          <a:p>
+            <a:pPr marL="0" lvl="1" indent="0">
               <a:buNone/>
             </a:pPr>
             <a:r>
+              <a:rPr lang="en-US" sz="3200" b="1" u="sng" dirty="0"/>
+              <a:t>What makes test clean </a:t>
+            </a:r>
+          </a:p>
+          <a:p>
+            <a:pPr marL="0" lvl="1" indent="0">
+              <a:buNone/>
+            </a:pPr>
+            <a:endParaRPr lang="en-US" dirty="0" smtClean="0"/>
+          </a:p>
+          <a:p>
+            <a:pPr marL="0" lvl="1" indent="0">
+              <a:buNone/>
+            </a:pPr>
+            <a:r>
               <a:rPr lang="en-US" dirty="0" smtClean="0"/>
-              <a:t>The point of the convention is to encourage the developer to think in terms of what the target object does, not what it is.</a:t>
-            </a:r>
+              <a:t>Readability ,  Clarity , simplicity and density of  expression</a:t>
+            </a:r>
+          </a:p>
+          <a:p>
             <a:endParaRPr lang="en-US" dirty="0"/>
+          </a:p>
+        </p:txBody>
+      </p:sp>
+      <p:sp>
+        <p:nvSpPr>
+          <p:cNvPr id="4" name="Slide Number Placeholder 3"/>
+          <p:cNvSpPr>
+            <a:spLocks noGrp="1"/>
+          </p:cNvSpPr>
+          <p:nvPr>
+            <p:ph type="sldNum" sz="quarter" idx="12"/>
+          </p:nvPr>
+        </p:nvSpPr>
+        <p:spPr/>
+        <p:txBody>
+          <a:bodyPr/>
+          <a:lstStyle/>
+          <a:p>
+            <a:fld id="{2387B7E2-7538-4163-9310-D5E6EE1BC12A}" type="slidenum">
+              <a:rPr lang="en-US" smtClean="0"/>
+              <a:pPr/>
+              <a:t>19</a:t>
+            </a:fld>
+            <a:endParaRPr lang="en-US"/>
           </a:p>
         </p:txBody>
       </p:sp>
     </p:spTree>
     <p:extLst>
       <p:ext uri="{BB962C8B-B14F-4D97-AF65-F5344CB8AC3E}">
-        <p14:creationId xmlns:p14="http://schemas.microsoft.com/office/powerpoint/2010/main" val="3047531515"/>
+        <p14:creationId xmlns:p14="http://schemas.microsoft.com/office/powerpoint/2010/main" val="3023593956"/>
       </p:ext>
     </p:extLst>
   </p:cSld>
   <p:clrMapOvr>
     <a:masterClrMapping/>
   </p:clrMapOvr>
+  <p:timing>
+    <p:tnLst>
+      <p:par>
+        <p:cTn id="1" dur="indefinite" restart="never" nodeType="tmRoot"/>
+      </p:par>
+    </p:tnLst>
+  </p:timing>
 </p:sld>
 </file>
 
@@ -12135,31 +12151,39 @@
           <a:p>
             <a:r>
               <a:rPr lang="en-US" dirty="0" smtClean="0"/>
-              <a:t>Test Driven Development</a:t>
-            </a:r>
-          </a:p>
-          <a:p>
+              <a:t>Test Driven </a:t>
+            </a:r>
             <a:r>
               <a:rPr lang="en-US" dirty="0" smtClean="0"/>
-              <a:t>Why test driven development</a:t>
-            </a:r>
+              <a:t>Development</a:t>
+            </a:r>
+            <a:endParaRPr lang="en-US" dirty="0" smtClean="0"/>
           </a:p>
           <a:p>
             <a:r>
               <a:rPr lang="en-US" dirty="0" smtClean="0"/>
-              <a:t>Testable design</a:t>
-            </a:r>
-          </a:p>
-          <a:p>
+              <a:t>Testable </a:t>
+            </a:r>
             <a:r>
               <a:rPr lang="en-US" dirty="0" smtClean="0"/>
-              <a:t>Test Smells</a:t>
-            </a:r>
+              <a:t>design</a:t>
+            </a:r>
+            <a:endParaRPr lang="en-US" dirty="0" smtClean="0"/>
           </a:p>
           <a:p>
             <a:r>
               <a:rPr lang="en-US" dirty="0" smtClean="0"/>
-              <a:t>Code Coverage</a:t>
+              <a:t>Code </a:t>
+            </a:r>
+            <a:r>
+              <a:rPr lang="en-US" dirty="0" smtClean="0"/>
+              <a:t>Coverage</a:t>
+            </a:r>
+          </a:p>
+          <a:p>
+            <a:r>
+              <a:rPr lang="en-US" dirty="0" smtClean="0"/>
+              <a:t>Q &amp; A</a:t>
             </a:r>
             <a:endParaRPr lang="en-US" dirty="0"/>
           </a:p>
@@ -12207,18 +12231,13 @@
         </p:nvSpPr>
         <p:spPr/>
         <p:txBody>
-          <a:bodyPr>
-            <a:normAutofit/>
-          </a:bodyPr>
+          <a:bodyPr/>
           <a:lstStyle/>
           <a:p>
             <a:r>
               <a:rPr lang="en-US" dirty="0" smtClean="0"/>
-              <a:t>Keeping Test Clean</a:t>
-            </a:r>
-            <a:br>
-              <a:rPr lang="en-US" dirty="0" smtClean="0"/>
-            </a:br>
+              <a:t>Different type of Test</a:t>
+            </a:r>
             <a:endParaRPr lang="en-US" dirty="0"/>
           </a:p>
         </p:txBody>
@@ -12235,50 +12254,42 @@
         </p:nvSpPr>
         <p:spPr/>
         <p:txBody>
-          <a:bodyPr>
-            <a:normAutofit/>
-          </a:bodyPr>
-          <a:lstStyle/>
-          <a:p>
-            <a:pPr marL="0" lvl="1" indent="0">
+          <a:bodyPr/>
+          <a:lstStyle/>
+          <a:p>
+            <a:r>
+              <a:rPr lang="en-US" b="1" dirty="0"/>
+              <a:t>Acceptance: </a:t>
+            </a:r>
+            <a:r>
+              <a:rPr lang="en-US" dirty="0"/>
+              <a:t>Does the whole system work?</a:t>
+            </a:r>
+          </a:p>
+          <a:p>
+            <a:r>
+              <a:rPr lang="en-US" b="1" dirty="0"/>
+              <a:t>Integration: </a:t>
+            </a:r>
+            <a:r>
+              <a:rPr lang="en-US" dirty="0"/>
+              <a:t>Does our code work against the code we can't change?</a:t>
+            </a:r>
+          </a:p>
+          <a:p>
+            <a:r>
+              <a:rPr lang="en-US" b="1" dirty="0"/>
+              <a:t>Unit: </a:t>
+            </a:r>
+            <a:r>
+              <a:rPr lang="en-US" dirty="0"/>
+              <a:t>Do our objects do the right thing, are they convenient to work with?</a:t>
+            </a:r>
+          </a:p>
+          <a:p>
+            <a:pPr marL="0" indent="0">
               <a:buNone/>
             </a:pPr>
-            <a:r>
-              <a:rPr lang="en-US" dirty="0" smtClean="0"/>
-              <a:t>Test code is just as important as production code. It is not second class citizen.</a:t>
-            </a:r>
-          </a:p>
-          <a:p>
-            <a:pPr marL="0" lvl="1" indent="0">
-              <a:buNone/>
-            </a:pPr>
-            <a:endParaRPr lang="en-US" dirty="0" smtClean="0"/>
-          </a:p>
-          <a:p>
-            <a:pPr marL="0" lvl="1" indent="0">
-              <a:buNone/>
-            </a:pPr>
-            <a:r>
-              <a:rPr lang="en-US" sz="3200" b="1" u="sng" dirty="0"/>
-              <a:t>What makes test clean </a:t>
-            </a:r>
-          </a:p>
-          <a:p>
-            <a:pPr marL="0" lvl="1" indent="0">
-              <a:buNone/>
-            </a:pPr>
-            <a:endParaRPr lang="en-US" dirty="0" smtClean="0"/>
-          </a:p>
-          <a:p>
-            <a:pPr marL="0" lvl="1" indent="0">
-              <a:buNone/>
-            </a:pPr>
-            <a:r>
-              <a:rPr lang="en-US" dirty="0" smtClean="0"/>
-              <a:t>Readability ,  Clarity , simplicity and density of  expression</a:t>
-            </a:r>
-          </a:p>
-          <a:p>
             <a:endParaRPr lang="en-US" dirty="0"/>
           </a:p>
         </p:txBody>
@@ -12302,142 +12313,6 @@
               <a:rPr lang="en-US" smtClean="0"/>
               <a:pPr/>
               <a:t>20</a:t>
-            </a:fld>
-            <a:endParaRPr lang="en-US"/>
-          </a:p>
-        </p:txBody>
-      </p:sp>
-    </p:spTree>
-    <p:extLst>
-      <p:ext uri="{BB962C8B-B14F-4D97-AF65-F5344CB8AC3E}">
-        <p14:creationId xmlns:p14="http://schemas.microsoft.com/office/powerpoint/2010/main" val="3023593956"/>
-      </p:ext>
-    </p:extLst>
-  </p:cSld>
-  <p:clrMapOvr>
-    <a:masterClrMapping/>
-  </p:clrMapOvr>
-  <p:timing>
-    <p:tnLst>
-      <p:par>
-        <p:cTn id="1" dur="indefinite" restart="never" nodeType="tmRoot"/>
-      </p:par>
-    </p:tnLst>
-  </p:timing>
-</p:sld>
-</file>
-
-<file path=ppt/slides/slide21.xml><?xml version="1.0" encoding="utf-8"?>
-<p:sld xmlns:a="http://schemas.openxmlformats.org/drawingml/2006/main" xmlns:r="http://schemas.openxmlformats.org/officeDocument/2006/relationships" xmlns:p="http://schemas.openxmlformats.org/presentationml/2006/main">
-  <p:cSld>
-    <p:spTree>
-      <p:nvGrpSpPr>
-        <p:cNvPr id="1" name=""/>
-        <p:cNvGrpSpPr/>
-        <p:nvPr/>
-      </p:nvGrpSpPr>
-      <p:grpSpPr>
-        <a:xfrm>
-          <a:off x="0" y="0"/>
-          <a:ext cx="0" cy="0"/>
-          <a:chOff x="0" y="0"/>
-          <a:chExt cx="0" cy="0"/>
-        </a:xfrm>
-      </p:grpSpPr>
-      <p:sp>
-        <p:nvSpPr>
-          <p:cNvPr id="2" name="Title 1"/>
-          <p:cNvSpPr>
-            <a:spLocks noGrp="1"/>
-          </p:cNvSpPr>
-          <p:nvPr>
-            <p:ph type="title"/>
-          </p:nvPr>
-        </p:nvSpPr>
-        <p:spPr/>
-        <p:txBody>
-          <a:bodyPr/>
-          <a:lstStyle/>
-          <a:p>
-            <a:r>
-              <a:rPr lang="en-US" dirty="0" smtClean="0"/>
-              <a:t>Different type of Test</a:t>
-            </a:r>
-            <a:endParaRPr lang="en-US" dirty="0"/>
-          </a:p>
-        </p:txBody>
-      </p:sp>
-      <p:sp>
-        <p:nvSpPr>
-          <p:cNvPr id="3" name="Content Placeholder 2"/>
-          <p:cNvSpPr>
-            <a:spLocks noGrp="1"/>
-          </p:cNvSpPr>
-          <p:nvPr>
-            <p:ph idx="1"/>
-          </p:nvPr>
-        </p:nvSpPr>
-        <p:spPr/>
-        <p:txBody>
-          <a:bodyPr/>
-          <a:lstStyle/>
-          <a:p>
-            <a:r>
-              <a:rPr lang="en-US" b="1" dirty="0"/>
-              <a:t>Acceptance: </a:t>
-            </a:r>
-            <a:r>
-              <a:rPr lang="en-US" dirty="0"/>
-              <a:t>Does the whole system work?</a:t>
-            </a:r>
-          </a:p>
-          <a:p>
-            <a:r>
-              <a:rPr lang="en-US" b="1" dirty="0"/>
-              <a:t>Integration: </a:t>
-            </a:r>
-            <a:r>
-              <a:rPr lang="en-US" dirty="0"/>
-              <a:t>Does our code work against the code we can't change?</a:t>
-            </a:r>
-          </a:p>
-          <a:p>
-            <a:r>
-              <a:rPr lang="en-US" b="1" dirty="0"/>
-              <a:t>Unit: </a:t>
-            </a:r>
-            <a:r>
-              <a:rPr lang="en-US" dirty="0"/>
-              <a:t>Do our objects do the right thing, are they convenient to work with?</a:t>
-            </a:r>
-          </a:p>
-          <a:p>
-            <a:pPr marL="0" indent="0">
-              <a:buNone/>
-            </a:pPr>
-            <a:endParaRPr lang="en-US" dirty="0"/>
-          </a:p>
-        </p:txBody>
-      </p:sp>
-      <p:sp>
-        <p:nvSpPr>
-          <p:cNvPr id="4" name="Slide Number Placeholder 3"/>
-          <p:cNvSpPr>
-            <a:spLocks noGrp="1"/>
-          </p:cNvSpPr>
-          <p:nvPr>
-            <p:ph type="sldNum" sz="quarter" idx="12"/>
-          </p:nvPr>
-        </p:nvSpPr>
-        <p:spPr/>
-        <p:txBody>
-          <a:bodyPr/>
-          <a:lstStyle/>
-          <a:p>
-            <a:fld id="{2387B7E2-7538-4163-9310-D5E6EE1BC12A}" type="slidenum">
-              <a:rPr lang="en-US" smtClean="0"/>
-              <a:pPr/>
-              <a:t>21</a:t>
             </a:fld>
             <a:endParaRPr lang="en-US"/>
           </a:p>
@@ -12463,7 +12338,7 @@
 </p:sld>
 </file>
 
-<file path=ppt/slides/slide22.xml><?xml version="1.0" encoding="utf-8"?>
+<file path=ppt/slides/slide21.xml><?xml version="1.0" encoding="utf-8"?>
 <p:sld xmlns:a="http://schemas.openxmlformats.org/drawingml/2006/main" xmlns:r="http://schemas.openxmlformats.org/officeDocument/2006/relationships" xmlns:p="http://schemas.openxmlformats.org/presentationml/2006/main">
   <p:cSld>
     <p:spTree>
@@ -12556,7 +12431,7 @@
             <a:fld id="{2387B7E2-7538-4163-9310-D5E6EE1BC12A}" type="slidenum">
               <a:rPr lang="en-US" smtClean="0"/>
               <a:pPr/>
-              <a:t>22</a:t>
+              <a:t>21</a:t>
             </a:fld>
             <a:endParaRPr lang="en-US"/>
           </a:p>
@@ -12606,7 +12481,7 @@
 </p:sld>
 </file>
 
-<file path=ppt/slides/slide23.xml><?xml version="1.0" encoding="utf-8"?>
+<file path=ppt/slides/slide22.xml><?xml version="1.0" encoding="utf-8"?>
 <p:sld xmlns:a="http://schemas.openxmlformats.org/drawingml/2006/main" xmlns:r="http://schemas.openxmlformats.org/officeDocument/2006/relationships" xmlns:p="http://schemas.openxmlformats.org/presentationml/2006/main">
   <p:cSld>
     <p:spTree>
@@ -12759,6 +12634,221 @@
 </p:sld>
 </file>
 
+<file path=ppt/slides/slide23.xml><?xml version="1.0" encoding="utf-8"?>
+<p:sld xmlns:a="http://schemas.openxmlformats.org/drawingml/2006/main" xmlns:r="http://schemas.openxmlformats.org/officeDocument/2006/relationships" xmlns:p="http://schemas.openxmlformats.org/presentationml/2006/main">
+  <p:cSld>
+    <p:spTree>
+      <p:nvGrpSpPr>
+        <p:cNvPr id="1" name=""/>
+        <p:cNvGrpSpPr/>
+        <p:nvPr/>
+      </p:nvGrpSpPr>
+      <p:grpSpPr>
+        <a:xfrm>
+          <a:off x="0" y="0"/>
+          <a:ext cx="0" cy="0"/>
+          <a:chOff x="0" y="0"/>
+          <a:chExt cx="0" cy="0"/>
+        </a:xfrm>
+      </p:grpSpPr>
+      <p:sp>
+        <p:nvSpPr>
+          <p:cNvPr id="2" name="Title 1"/>
+          <p:cNvSpPr>
+            <a:spLocks noGrp="1"/>
+          </p:cNvSpPr>
+          <p:nvPr>
+            <p:ph type="title"/>
+          </p:nvPr>
+        </p:nvSpPr>
+        <p:spPr>
+          <a:xfrm>
+            <a:off x="1981200" y="274638"/>
+            <a:ext cx="8229600" cy="792162"/>
+          </a:xfrm>
+        </p:spPr>
+        <p:txBody>
+          <a:bodyPr>
+            <a:normAutofit fontScale="90000"/>
+          </a:bodyPr>
+          <a:lstStyle/>
+          <a:p>
+            <a:r>
+              <a:rPr lang="en-US" dirty="0" smtClean="0"/>
+              <a:t>F.I.R.S.T</a:t>
+            </a:r>
+            <a:br>
+              <a:rPr lang="en-US" dirty="0" smtClean="0"/>
+            </a:br>
+            <a:endParaRPr lang="en-US" dirty="0"/>
+          </a:p>
+        </p:txBody>
+      </p:sp>
+      <p:sp>
+        <p:nvSpPr>
+          <p:cNvPr id="3" name="Content Placeholder 2"/>
+          <p:cNvSpPr>
+            <a:spLocks noGrp="1"/>
+          </p:cNvSpPr>
+          <p:nvPr>
+            <p:ph idx="1"/>
+          </p:nvPr>
+        </p:nvSpPr>
+        <p:spPr>
+          <a:xfrm>
+            <a:off x="1905000" y="1219200"/>
+            <a:ext cx="8229600" cy="5638800"/>
+          </a:xfrm>
+        </p:spPr>
+        <p:txBody>
+          <a:bodyPr>
+            <a:noAutofit/>
+          </a:bodyPr>
+          <a:lstStyle/>
+          <a:p>
+            <a:pPr>
+              <a:buNone/>
+            </a:pPr>
+            <a:r>
+              <a:rPr lang="en-US" sz="1900" b="1" i="1" u="sng" dirty="0"/>
+              <a:t>Fast </a:t>
+            </a:r>
+          </a:p>
+          <a:p>
+            <a:pPr>
+              <a:buNone/>
+            </a:pPr>
+            <a:r>
+              <a:rPr lang="en-US" sz="1900" b="1" dirty="0"/>
+              <a:t>    </a:t>
+            </a:r>
+            <a:r>
+              <a:rPr lang="en-US" sz="1900" dirty="0"/>
+              <a:t>Tests should be fast. They should run quickly. </a:t>
+            </a:r>
+          </a:p>
+          <a:p>
+            <a:pPr>
+              <a:buNone/>
+            </a:pPr>
+            <a:endParaRPr lang="en-US" sz="1900" dirty="0"/>
+          </a:p>
+          <a:p>
+            <a:pPr>
+              <a:buNone/>
+            </a:pPr>
+            <a:r>
+              <a:rPr lang="en-US" sz="1900" dirty="0"/>
+              <a:t>	When tests run slow, you won’t want to run them frequently. If you don’t run them frequently, you won’t find problems early enough to fix them easily. You won’t feel as free to clean up the code. Eventually the code will begin to rot.</a:t>
+            </a:r>
+          </a:p>
+          <a:p>
+            <a:pPr>
+              <a:buNone/>
+            </a:pPr>
+            <a:endParaRPr lang="en-US" sz="1900" dirty="0"/>
+          </a:p>
+          <a:p>
+            <a:pPr>
+              <a:buNone/>
+            </a:pPr>
+            <a:r>
+              <a:rPr lang="en-US" sz="1900" b="1" i="1" u="sng" dirty="0"/>
+              <a:t>Independent </a:t>
+            </a:r>
+          </a:p>
+          <a:p>
+            <a:pPr>
+              <a:buNone/>
+            </a:pPr>
+            <a:r>
+              <a:rPr lang="en-US" sz="1900" b="1" dirty="0"/>
+              <a:t>     </a:t>
+            </a:r>
+            <a:r>
+              <a:rPr lang="en-US" sz="1900" dirty="0"/>
+              <a:t>Tests should not depend on each other. </a:t>
+            </a:r>
+          </a:p>
+          <a:p>
+            <a:pPr>
+              <a:buNone/>
+            </a:pPr>
+            <a:r>
+              <a:rPr lang="en-US" sz="1900" dirty="0"/>
+              <a:t>	</a:t>
+            </a:r>
+          </a:p>
+          <a:p>
+            <a:pPr>
+              <a:buNone/>
+            </a:pPr>
+            <a:r>
+              <a:rPr lang="en-US" sz="1900" dirty="0"/>
+              <a:t>	One test should not set up the conditions for the next test. You should be able to run each test independently and run the tests in any order you like. </a:t>
+            </a:r>
+          </a:p>
+          <a:p>
+            <a:pPr>
+              <a:buNone/>
+            </a:pPr>
+            <a:endParaRPr lang="en-US" sz="1900" dirty="0"/>
+          </a:p>
+          <a:p>
+            <a:pPr>
+              <a:buNone/>
+            </a:pPr>
+            <a:r>
+              <a:rPr lang="en-US" sz="1900" dirty="0"/>
+              <a:t>	When tests depend on each other, then the first one to fail causes a cascade of downstream failures, making diagnosis difficult and hiding downstream defects.</a:t>
+            </a:r>
+          </a:p>
+        </p:txBody>
+      </p:sp>
+      <p:sp>
+        <p:nvSpPr>
+          <p:cNvPr id="4" name="Slide Number Placeholder 3"/>
+          <p:cNvSpPr>
+            <a:spLocks noGrp="1"/>
+          </p:cNvSpPr>
+          <p:nvPr>
+            <p:ph type="sldNum" sz="quarter" idx="12"/>
+          </p:nvPr>
+        </p:nvSpPr>
+        <p:spPr/>
+        <p:txBody>
+          <a:bodyPr/>
+          <a:lstStyle/>
+          <a:p>
+            <a:fld id="{2387B7E2-7538-4163-9310-D5E6EE1BC12A}" type="slidenum">
+              <a:rPr lang="en-US" smtClean="0"/>
+              <a:pPr/>
+              <a:t>23</a:t>
+            </a:fld>
+            <a:endParaRPr lang="en-US"/>
+          </a:p>
+        </p:txBody>
+      </p:sp>
+    </p:spTree>
+    <p:extLst>
+      <p:ext uri="{BB962C8B-B14F-4D97-AF65-F5344CB8AC3E}">
+        <p14:creationId xmlns:p14="http://schemas.microsoft.com/office/powerpoint/2010/main" val="2219544754"/>
+      </p:ext>
+    </p:extLst>
+  </p:cSld>
+  <p:clrMapOvr>
+    <a:masterClrMapping/>
+  </p:clrMapOvr>
+  <p:timing>
+    <p:tnLst>
+      <p:par>
+        <p:cTn id="1" dur="indefinite" restart="never" nodeType="tmRoot"/>
+      </p:par>
+    </p:tnLst>
+  </p:timing>
+</p:sld>
+</file>
+
 <file path=ppt/slides/slide24.xml><?xml version="1.0" encoding="utf-8"?>
 <p:sld xmlns:a="http://schemas.openxmlformats.org/drawingml/2006/main" xmlns:r="http://schemas.openxmlformats.org/officeDocument/2006/relationships" xmlns:p="http://schemas.openxmlformats.org/presentationml/2006/main">
   <p:cSld>
@@ -12778,51 +12868,18 @@
       </p:grpSpPr>
       <p:sp>
         <p:nvSpPr>
-          <p:cNvPr id="2" name="Title 1"/>
-          <p:cNvSpPr>
-            <a:spLocks noGrp="1"/>
-          </p:cNvSpPr>
-          <p:nvPr>
-            <p:ph type="title"/>
+          <p:cNvPr id="3" name="Content Placeholder 2"/>
+          <p:cNvSpPr>
+            <a:spLocks noGrp="1"/>
+          </p:cNvSpPr>
+          <p:nvPr>
+            <p:ph idx="1"/>
           </p:nvPr>
         </p:nvSpPr>
         <p:spPr>
           <a:xfrm>
-            <a:off x="1981200" y="274638"/>
-            <a:ext cx="8229600" cy="792162"/>
-          </a:xfrm>
-        </p:spPr>
-        <p:txBody>
-          <a:bodyPr>
-            <a:normAutofit fontScale="90000"/>
-          </a:bodyPr>
-          <a:lstStyle/>
-          <a:p>
-            <a:r>
-              <a:rPr lang="en-US" dirty="0" smtClean="0"/>
-              <a:t>F.I.R.S.T</a:t>
-            </a:r>
-            <a:br>
-              <a:rPr lang="en-US" dirty="0" smtClean="0"/>
-            </a:br>
-            <a:endParaRPr lang="en-US" dirty="0"/>
-          </a:p>
-        </p:txBody>
-      </p:sp>
-      <p:sp>
-        <p:nvSpPr>
-          <p:cNvPr id="3" name="Content Placeholder 2"/>
-          <p:cNvSpPr>
-            <a:spLocks noGrp="1"/>
-          </p:cNvSpPr>
-          <p:nvPr>
-            <p:ph idx="1"/>
-          </p:nvPr>
-        </p:nvSpPr>
-        <p:spPr>
-          <a:xfrm>
-            <a:off x="1905000" y="1219200"/>
-            <a:ext cx="8229600" cy="5638800"/>
+            <a:off x="2133600" y="228600"/>
+            <a:ext cx="7772400" cy="6248400"/>
           </a:xfrm>
         </p:spPr>
         <p:txBody>
@@ -12832,100 +12889,92 @@
           <a:lstStyle/>
           <a:p>
             <a:pPr>
+              <a:lnSpc>
+                <a:spcPct val="80000"/>
+              </a:lnSpc>
               <a:buNone/>
             </a:pPr>
             <a:r>
               <a:rPr lang="en-US" sz="1900" b="1" i="1" u="sng" dirty="0"/>
-              <a:t>Fast </a:t>
-            </a:r>
-          </a:p>
-          <a:p>
-            <a:pPr>
+              <a:t>Repeatable </a:t>
+            </a:r>
+            <a:endParaRPr lang="en-US" sz="1900" dirty="0"/>
+          </a:p>
+          <a:p>
+            <a:pPr marL="0" indent="0">
               <a:buNone/>
             </a:pPr>
             <a:r>
-              <a:rPr lang="en-US" sz="1900" b="1" dirty="0"/>
-              <a:t>    </a:t>
-            </a:r>
-            <a:r>
               <a:rPr lang="en-US" sz="1900" dirty="0"/>
-              <a:t>Tests should be fast. They should run quickly. </a:t>
-            </a:r>
-          </a:p>
-          <a:p>
-            <a:pPr>
+              <a:t>Tests should be repeatable in any environment. You should be able to run the tests in the production environment, in the QA environment, without a network.</a:t>
+            </a:r>
+          </a:p>
+          <a:p>
+            <a:pPr marL="0" indent="0">
               <a:buNone/>
             </a:pPr>
             <a:endParaRPr lang="en-US" sz="1900" dirty="0"/>
           </a:p>
           <a:p>
-            <a:pPr>
+            <a:pPr marL="0" indent="0">
               <a:buNone/>
             </a:pPr>
             <a:r>
               <a:rPr lang="en-US" sz="1900" dirty="0"/>
-              <a:t>	When tests run slow, you won’t want to run them frequently. If you don’t run them frequently, you won’t find problems early enough to fix them easily. You won’t feel as free to clean up the code. Eventually the code will begin to rot.</a:t>
+              <a:t> If your tests aren’t repeatable in any environment, then you’ll always have an excuse for why they fail. You’ll also find yourself unable  to run the tests when the environment isn’t available.</a:t>
             </a:r>
           </a:p>
           <a:p>
             <a:pPr>
+              <a:lnSpc>
+                <a:spcPct val="80000"/>
+              </a:lnSpc>
+              <a:buNone/>
+            </a:pPr>
+            <a:endParaRPr lang="en-US" sz="1900" b="1" i="1" u="sng" dirty="0"/>
+          </a:p>
+          <a:p>
+            <a:pPr>
+              <a:lnSpc>
+                <a:spcPct val="80000"/>
+              </a:lnSpc>
+              <a:buNone/>
+            </a:pPr>
+            <a:r>
+              <a:rPr lang="en-US" sz="1900" b="1" i="1" u="sng" dirty="0"/>
+              <a:t>Self-Validating </a:t>
+            </a:r>
+          </a:p>
+          <a:p>
+            <a:pPr marL="0" indent="0">
+              <a:buNone/>
+            </a:pPr>
+            <a:r>
+              <a:rPr lang="en-US" sz="1900" dirty="0"/>
+              <a:t>The tests should have a </a:t>
+            </a:r>
+            <a:r>
+              <a:rPr lang="en-US" sz="1900" dirty="0" err="1"/>
+              <a:t>boolean</a:t>
+            </a:r>
+            <a:r>
+              <a:rPr lang="en-US" sz="1900" dirty="0"/>
+              <a:t> output. Either they pass or fail. </a:t>
+            </a:r>
+          </a:p>
+          <a:p>
+            <a:pPr marL="0" indent="0">
               <a:buNone/>
             </a:pPr>
             <a:endParaRPr lang="en-US" sz="1900" dirty="0"/>
           </a:p>
           <a:p>
-            <a:pPr>
+            <a:pPr marL="0" indent="0">
               <a:buNone/>
             </a:pPr>
             <a:r>
-              <a:rPr lang="en-US" sz="1900" b="1" i="1" u="sng" dirty="0"/>
-              <a:t>Independent </a:t>
-            </a:r>
-          </a:p>
-          <a:p>
-            <a:pPr>
-              <a:buNone/>
-            </a:pPr>
-            <a:r>
-              <a:rPr lang="en-US" sz="1900" b="1" dirty="0"/>
-              <a:t>     </a:t>
-            </a:r>
-            <a:r>
               <a:rPr lang="en-US" sz="1900" dirty="0"/>
-              <a:t>Tests should not depend on each other. </a:t>
-            </a:r>
-          </a:p>
-          <a:p>
-            <a:pPr>
-              <a:buNone/>
-            </a:pPr>
-            <a:r>
-              <a:rPr lang="en-US" sz="1900" dirty="0"/>
-              <a:t>	</a:t>
-            </a:r>
-          </a:p>
-          <a:p>
-            <a:pPr>
-              <a:buNone/>
-            </a:pPr>
-            <a:r>
-              <a:rPr lang="en-US" sz="1900" dirty="0"/>
-              <a:t>	One test should not set up the conditions for the next test. You should be able to run each test independently and run the tests in any order you like. </a:t>
-            </a:r>
-          </a:p>
-          <a:p>
-            <a:pPr>
-              <a:buNone/>
-            </a:pPr>
-            <a:endParaRPr lang="en-US" sz="1900" dirty="0"/>
-          </a:p>
-          <a:p>
-            <a:pPr>
-              <a:buNone/>
-            </a:pPr>
-            <a:r>
-              <a:rPr lang="en-US" sz="1900" dirty="0"/>
-              <a:t>	When tests depend on each other, then the first one to fail causes a cascade of downstream failures, making diagnosis difficult and hiding downstream defects.</a:t>
+              <a:t>You should not have to read through a log file to tell whether the tests pass. If the tests aren’t self-validating, then failure can become subjective and running the tests can require a long manual evaluation.</a:t>
             </a:r>
           </a:p>
         </p:txBody>
@@ -12957,7 +13006,7 @@
     </p:spTree>
     <p:extLst>
       <p:ext uri="{BB962C8B-B14F-4D97-AF65-F5344CB8AC3E}">
-        <p14:creationId xmlns:p14="http://schemas.microsoft.com/office/powerpoint/2010/main" val="2219544754"/>
+        <p14:creationId xmlns:p14="http://schemas.microsoft.com/office/powerpoint/2010/main" val="377192542"/>
       </p:ext>
     </p:extLst>
   </p:cSld>
@@ -13003,104 +13052,52 @@
         </p:nvSpPr>
         <p:spPr>
           <a:xfrm>
-            <a:off x="2133600" y="228600"/>
-            <a:ext cx="7772400" cy="6248400"/>
+            <a:off x="1981200" y="1066800"/>
+            <a:ext cx="8229600" cy="5257800"/>
           </a:xfrm>
         </p:spPr>
         <p:txBody>
-          <a:bodyPr>
-            <a:noAutofit/>
-          </a:bodyPr>
+          <a:bodyPr/>
           <a:lstStyle/>
           <a:p>
             <a:pPr>
-              <a:lnSpc>
-                <a:spcPct val="80000"/>
-              </a:lnSpc>
               <a:buNone/>
             </a:pPr>
             <a:r>
-              <a:rPr lang="en-US" sz="1900" b="1" i="1" u="sng" dirty="0"/>
-              <a:t>Repeatable </a:t>
-            </a:r>
-            <a:endParaRPr lang="en-US" sz="1900" dirty="0"/>
-          </a:p>
-          <a:p>
-            <a:pPr marL="0" indent="0">
+              <a:rPr lang="en-US" sz="2500" b="1" i="1" u="sng" dirty="0"/>
+              <a:t>Timely </a:t>
+            </a:r>
+          </a:p>
+          <a:p>
+            <a:pPr>
               <a:buNone/>
             </a:pPr>
             <a:r>
-              <a:rPr lang="en-US" sz="1900" dirty="0"/>
-              <a:t>Tests should be repeatable in any environment. You should be able to run the tests in the production environment, in the QA environment, without a network.</a:t>
-            </a:r>
-          </a:p>
-          <a:p>
-            <a:pPr marL="0" indent="0">
+              <a:rPr lang="en-US" dirty="0" smtClean="0"/>
+              <a:t>	</a:t>
+            </a:r>
+            <a:r>
+              <a:rPr lang="en-US" sz="2500" dirty="0"/>
+              <a:t>The tests need to be written in a timely fashion. Unit tests should be written just before the production code that makes them pass.</a:t>
+            </a:r>
+          </a:p>
+          <a:p>
+            <a:pPr>
               <a:buNone/>
             </a:pPr>
-            <a:endParaRPr lang="en-US" sz="1900" dirty="0"/>
-          </a:p>
-          <a:p>
-            <a:pPr marL="0" indent="0">
+            <a:endParaRPr lang="en-US" sz="2500" dirty="0"/>
+          </a:p>
+          <a:p>
+            <a:pPr>
               <a:buNone/>
             </a:pPr>
             <a:r>
-              <a:rPr lang="en-US" sz="1900" dirty="0"/>
-              <a:t> If your tests aren’t repeatable in any environment, then you’ll always have an excuse for why they fail. You’ll also find yourself unable  to run the tests when the environment isn’t available.</a:t>
-            </a:r>
-          </a:p>
-          <a:p>
-            <a:pPr>
-              <a:lnSpc>
-                <a:spcPct val="80000"/>
-              </a:lnSpc>
-              <a:buNone/>
-            </a:pPr>
-            <a:endParaRPr lang="en-US" sz="1900" b="1" i="1" u="sng" dirty="0"/>
-          </a:p>
-          <a:p>
-            <a:pPr>
-              <a:lnSpc>
-                <a:spcPct val="80000"/>
-              </a:lnSpc>
-              <a:buNone/>
-            </a:pPr>
-            <a:r>
-              <a:rPr lang="en-US" sz="1900" b="1" i="1" u="sng" dirty="0"/>
-              <a:t>Self-Validating </a:t>
-            </a:r>
-          </a:p>
-          <a:p>
-            <a:pPr marL="0" indent="0">
-              <a:buNone/>
-            </a:pPr>
-            <a:r>
-              <a:rPr lang="en-US" sz="1900" dirty="0"/>
-              <a:t>The tests should have a </a:t>
-            </a:r>
-            <a:r>
-              <a:rPr lang="en-US" sz="1900" dirty="0" err="1"/>
-              <a:t>boolean</a:t>
-            </a:r>
-            <a:r>
-              <a:rPr lang="en-US" sz="1900" dirty="0"/>
-              <a:t> output. Either they pass or fail. </a:t>
-            </a:r>
-          </a:p>
-          <a:p>
-            <a:pPr marL="0" indent="0">
-              <a:buNone/>
-            </a:pPr>
-            <a:endParaRPr lang="en-US" sz="1900" dirty="0"/>
-          </a:p>
-          <a:p>
-            <a:pPr marL="0" indent="0">
-              <a:buNone/>
-            </a:pPr>
-            <a:r>
-              <a:rPr lang="en-US" sz="1900" dirty="0"/>
-              <a:t>You should not have to read through a log file to tell whether the tests pass. If the tests aren’t self-validating, then failure can become subjective and running the tests can require a long manual evaluation.</a:t>
-            </a:r>
+              <a:rPr lang="en-US" sz="2500" dirty="0"/>
+              <a:t>	 If you write tests after the production code, then you may find the production code to be hard to test. You may decide that some production code is too hard to test. You may not design the production code to be testable.</a:t>
+            </a:r>
+          </a:p>
+          <a:p>
+            <a:endParaRPr lang="en-GB" dirty="0"/>
           </a:p>
         </p:txBody>
       </p:sp>
@@ -13131,7 +13128,7 @@
     </p:spTree>
     <p:extLst>
       <p:ext uri="{BB962C8B-B14F-4D97-AF65-F5344CB8AC3E}">
-        <p14:creationId xmlns:p14="http://schemas.microsoft.com/office/powerpoint/2010/main" val="377192542"/>
+        <p14:creationId xmlns:p14="http://schemas.microsoft.com/office/powerpoint/2010/main" val="841361684"/>
       </p:ext>
     </p:extLst>
   </p:cSld>
@@ -13167,99 +13164,150 @@
       </p:grpSpPr>
       <p:sp>
         <p:nvSpPr>
-          <p:cNvPr id="3" name="Content Placeholder 2"/>
-          <p:cNvSpPr>
-            <a:spLocks noGrp="1"/>
-          </p:cNvSpPr>
-          <p:nvPr>
-            <p:ph idx="1"/>
-          </p:nvPr>
+          <p:cNvPr id="2" name="Titel 1"/>
+          <p:cNvSpPr>
+            <a:spLocks noGrp="1"/>
+          </p:cNvSpPr>
+          <p:nvPr>
+            <p:ph type="title"/>
+          </p:nvPr>
+        </p:nvSpPr>
+        <p:spPr/>
+        <p:txBody>
+          <a:bodyPr/>
+          <a:lstStyle/>
+          <a:p>
+            <a:r>
+              <a:rPr lang="en-US" dirty="0" smtClean="0"/>
+              <a:t>The TDD mantra</a:t>
+            </a:r>
+            <a:endParaRPr lang="en-US" dirty="0"/>
+          </a:p>
+        </p:txBody>
+      </p:sp>
+      <p:graphicFrame>
+        <p:nvGraphicFramePr>
+          <p:cNvPr id="3" name="Diagram 2"/>
+          <p:cNvGraphicFramePr/>
+          <p:nvPr>
+            <p:extLst/>
+          </p:nvPr>
+        </p:nvGraphicFramePr>
+        <p:xfrm>
+          <a:off x="3149600" y="1295400"/>
+          <a:ext cx="5892800" cy="3928533"/>
+        </p:xfrm>
+        <a:graphic>
+          <a:graphicData uri="http://schemas.openxmlformats.org/drawingml/2006/diagram">
+            <dgm:relIds xmlns:dgm="http://schemas.openxmlformats.org/drawingml/2006/diagram" xmlns:r="http://schemas.openxmlformats.org/officeDocument/2006/relationships" r:dm="rId3" r:lo="rId4" r:qs="rId5" r:cs="rId6"/>
+          </a:graphicData>
+        </a:graphic>
+      </p:graphicFrame>
+      <p:sp>
+        <p:nvSpPr>
+          <p:cNvPr id="4" name="TextBox 3"/>
+          <p:cNvSpPr txBox="1"/>
+          <p:nvPr/>
         </p:nvSpPr>
         <p:spPr>
           <a:xfrm>
-            <a:off x="1981200" y="1066800"/>
-            <a:ext cx="8229600" cy="5257800"/>
+            <a:off x="1828800" y="1625361"/>
+            <a:ext cx="2743200" cy="1569660"/>
           </a:xfrm>
+          <a:prstGeom prst="rect">
+            <a:avLst/>
+          </a:prstGeom>
+          <a:noFill/>
         </p:spPr>
         <p:txBody>
-          <a:bodyPr/>
-          <a:lstStyle/>
-          <a:p>
-            <a:pPr>
-              <a:buNone/>
-            </a:pPr>
-            <a:r>
-              <a:rPr lang="en-US" sz="2500" b="1" i="1" u="sng" dirty="0"/>
-              <a:t>Timely </a:t>
-            </a:r>
-          </a:p>
-          <a:p>
-            <a:pPr>
-              <a:buNone/>
-            </a:pPr>
-            <a:r>
-              <a:rPr lang="en-US" dirty="0" smtClean="0"/>
-              <a:t>	</a:t>
-            </a:r>
-            <a:r>
-              <a:rPr lang="en-US" sz="2500" dirty="0"/>
-              <a:t>The tests need to be written in a timely fashion. Unit tests should be written just before the production code that makes them pass.</a:t>
-            </a:r>
-          </a:p>
-          <a:p>
-            <a:pPr>
-              <a:buNone/>
-            </a:pPr>
-            <a:endParaRPr lang="en-US" sz="2500" dirty="0"/>
-          </a:p>
-          <a:p>
-            <a:pPr>
-              <a:buNone/>
-            </a:pPr>
-            <a:r>
-              <a:rPr lang="en-US" sz="2500" dirty="0"/>
-              <a:t>	 If you write tests after the production code, then you may find the production code to be hard to test. You may decide that some production code is too hard to test. You may not design the production code to be testable.</a:t>
-            </a:r>
-          </a:p>
-          <a:p>
-            <a:endParaRPr lang="en-GB" dirty="0"/>
-          </a:p>
-        </p:txBody>
-      </p:sp>
-      <p:sp>
-        <p:nvSpPr>
-          <p:cNvPr id="4" name="Slide Number Placeholder 3"/>
-          <p:cNvSpPr>
-            <a:spLocks noGrp="1"/>
-          </p:cNvSpPr>
-          <p:nvPr>
-            <p:ph type="sldNum" sz="quarter" idx="12"/>
-          </p:nvPr>
-        </p:nvSpPr>
-        <p:spPr/>
-        <p:txBody>
-          <a:bodyPr/>
-          <a:lstStyle/>
-          <a:p>
-            <a:fld id="{2387B7E2-7538-4163-9310-D5E6EE1BC12A}" type="slidenum">
-              <a:rPr lang="en-US" smtClean="0"/>
-              <a:pPr/>
-              <a:t>26</a:t>
-            </a:fld>
-            <a:endParaRPr lang="en-US"/>
+          <a:bodyPr wrap="square" rtlCol="0">
+            <a:spAutoFit/>
+          </a:bodyPr>
+          <a:lstStyle/>
+          <a:p>
+            <a:r>
+              <a:rPr lang="en-US" sz="2400" dirty="0"/>
+              <a:t>Write a failing test for a new feature, i.e., specify a new behavior</a:t>
+            </a:r>
+          </a:p>
+        </p:txBody>
+      </p:sp>
+      <p:sp>
+        <p:nvSpPr>
+          <p:cNvPr id="6" name="TextBox 5"/>
+          <p:cNvSpPr txBox="1"/>
+          <p:nvPr/>
+        </p:nvSpPr>
+        <p:spPr>
+          <a:xfrm>
+            <a:off x="7924800" y="2441995"/>
+            <a:ext cx="2743200" cy="830997"/>
+          </a:xfrm>
+          <a:prstGeom prst="rect">
+            <a:avLst/>
+          </a:prstGeom>
+          <a:noFill/>
+        </p:spPr>
+        <p:txBody>
+          <a:bodyPr wrap="square" rtlCol="0">
+            <a:spAutoFit/>
+          </a:bodyPr>
+          <a:lstStyle/>
+          <a:p>
+            <a:r>
+              <a:rPr lang="en-US" sz="2400" dirty="0"/>
+              <a:t>Write enough code to pass the test</a:t>
+            </a:r>
+          </a:p>
+        </p:txBody>
+      </p:sp>
+      <p:sp>
+        <p:nvSpPr>
+          <p:cNvPr id="7" name="TextBox 6"/>
+          <p:cNvSpPr txBox="1"/>
+          <p:nvPr/>
+        </p:nvSpPr>
+        <p:spPr>
+          <a:xfrm>
+            <a:off x="4292600" y="5054600"/>
+            <a:ext cx="3606800" cy="830997"/>
+          </a:xfrm>
+          <a:prstGeom prst="rect">
+            <a:avLst/>
+          </a:prstGeom>
+          <a:noFill/>
+        </p:spPr>
+        <p:txBody>
+          <a:bodyPr wrap="square" rtlCol="0">
+            <a:spAutoFit/>
+          </a:bodyPr>
+          <a:lstStyle/>
+          <a:p>
+            <a:r>
+              <a:rPr lang="en-US" sz="2400" dirty="0"/>
+              <a:t>Simplify, consolidate and generalize code and tests </a:t>
+            </a:r>
           </a:p>
         </p:txBody>
       </p:sp>
     </p:spTree>
     <p:extLst>
       <p:ext uri="{BB962C8B-B14F-4D97-AF65-F5344CB8AC3E}">
-        <p14:creationId xmlns:p14="http://schemas.microsoft.com/office/powerpoint/2010/main" val="841361684"/>
+        <p14:creationId xmlns:p14="http://schemas.microsoft.com/office/powerpoint/2010/main" val="2111518073"/>
       </p:ext>
     </p:extLst>
   </p:cSld>
   <p:clrMapOvr>
     <a:masterClrMapping/>
   </p:clrMapOvr>
+  <mc:AlternateContent xmlns:mc="http://schemas.openxmlformats.org/markup-compatibility/2006" xmlns:p14="http://schemas.microsoft.com/office/powerpoint/2010/main">
+    <mc:Choice Requires="p14">
+      <p:transition p14:dur="0"/>
+    </mc:Choice>
+    <mc:Fallback xmlns="">
+      <p:transition/>
+    </mc:Fallback>
+  </mc:AlternateContent>
   <p:timing>
     <p:tnLst>
       <p:par>
@@ -13304,121 +13352,56 @@
           <a:p>
             <a:r>
               <a:rPr lang="en-US" dirty="0" smtClean="0"/>
-              <a:t>The TDD mantra</a:t>
+              <a:t>TDD step size</a:t>
             </a:r>
             <a:endParaRPr lang="en-US" dirty="0"/>
           </a:p>
         </p:txBody>
       </p:sp>
-      <p:graphicFrame>
-        <p:nvGraphicFramePr>
-          <p:cNvPr id="3" name="Diagram 2"/>
-          <p:cNvGraphicFramePr/>
-          <p:nvPr>
-            <p:extLst/>
-          </p:nvPr>
-        </p:nvGraphicFramePr>
-        <p:xfrm>
-          <a:off x="3149600" y="1295400"/>
-          <a:ext cx="5892800" cy="3928533"/>
-        </p:xfrm>
-        <a:graphic>
-          <a:graphicData uri="http://schemas.openxmlformats.org/drawingml/2006/diagram">
-            <dgm:relIds xmlns:dgm="http://schemas.openxmlformats.org/drawingml/2006/diagram" xmlns:r="http://schemas.openxmlformats.org/officeDocument/2006/relationships" r:dm="rId3" r:lo="rId4" r:qs="rId5" r:cs="rId6"/>
-          </a:graphicData>
-        </a:graphic>
-      </p:graphicFrame>
-      <p:sp>
-        <p:nvSpPr>
-          <p:cNvPr id="4" name="TextBox 3"/>
-          <p:cNvSpPr txBox="1"/>
-          <p:nvPr/>
-        </p:nvSpPr>
-        <p:spPr>
-          <a:xfrm>
-            <a:off x="1828800" y="1625361"/>
-            <a:ext cx="2743200" cy="1569660"/>
-          </a:xfrm>
-          <a:prstGeom prst="rect">
-            <a:avLst/>
-          </a:prstGeom>
-          <a:noFill/>
-        </p:spPr>
-        <p:txBody>
-          <a:bodyPr wrap="square" rtlCol="0">
-            <a:spAutoFit/>
-          </a:bodyPr>
-          <a:lstStyle/>
-          <a:p>
-            <a:r>
-              <a:rPr lang="en-US" sz="2400" dirty="0"/>
-              <a:t>Write a failing test for a new feature, i.e., specify a new behavior</a:t>
-            </a:r>
-          </a:p>
-        </p:txBody>
-      </p:sp>
-      <p:sp>
-        <p:nvSpPr>
-          <p:cNvPr id="6" name="TextBox 5"/>
-          <p:cNvSpPr txBox="1"/>
-          <p:nvPr/>
-        </p:nvSpPr>
-        <p:spPr>
-          <a:xfrm>
-            <a:off x="7924800" y="2441995"/>
-            <a:ext cx="2743200" cy="830997"/>
-          </a:xfrm>
-          <a:prstGeom prst="rect">
-            <a:avLst/>
-          </a:prstGeom>
-          <a:noFill/>
-        </p:spPr>
-        <p:txBody>
-          <a:bodyPr wrap="square" rtlCol="0">
-            <a:spAutoFit/>
-          </a:bodyPr>
-          <a:lstStyle/>
-          <a:p>
-            <a:r>
-              <a:rPr lang="en-US" sz="2400" dirty="0"/>
-              <a:t>Write enough code to pass the test</a:t>
-            </a:r>
-          </a:p>
-        </p:txBody>
-      </p:sp>
-      <p:sp>
-        <p:nvSpPr>
-          <p:cNvPr id="7" name="TextBox 6"/>
-          <p:cNvSpPr txBox="1"/>
-          <p:nvPr/>
-        </p:nvSpPr>
-        <p:spPr>
-          <a:xfrm>
-            <a:off x="4292600" y="5054600"/>
-            <a:ext cx="3606800" cy="830997"/>
-          </a:xfrm>
-          <a:prstGeom prst="rect">
-            <a:avLst/>
-          </a:prstGeom>
-          <a:noFill/>
-        </p:spPr>
-        <p:txBody>
-          <a:bodyPr wrap="square" rtlCol="0">
-            <a:spAutoFit/>
-          </a:bodyPr>
-          <a:lstStyle/>
-          <a:p>
-            <a:r>
-              <a:rPr lang="en-US" sz="2400" dirty="0"/>
-              <a:t>Simplify, consolidate and generalize code and tests </a:t>
-            </a:r>
+      <p:sp>
+        <p:nvSpPr>
+          <p:cNvPr id="3" name="Inhaltsplatzhalter 2"/>
+          <p:cNvSpPr>
+            <a:spLocks noGrp="1"/>
+          </p:cNvSpPr>
+          <p:nvPr>
+            <p:ph idx="1"/>
+          </p:nvPr>
+        </p:nvSpPr>
+        <p:spPr/>
+        <p:txBody>
+          <a:bodyPr/>
+          <a:lstStyle/>
+          <a:p>
+            <a:r>
+              <a:rPr lang="en-US" dirty="0" smtClean="0"/>
+              <a:t>Do not write more code than you need</a:t>
+            </a:r>
+          </a:p>
+          <a:p>
+            <a:r>
+              <a:rPr lang="en-US" dirty="0" smtClean="0"/>
+              <a:t>Write tests that test small portions of functionality</a:t>
+            </a:r>
+          </a:p>
+          <a:p>
+            <a:r>
+              <a:rPr lang="en-US" dirty="0" smtClean="0"/>
+              <a:t>Step “size“ can be adjusted according to convenience</a:t>
+            </a:r>
+          </a:p>
+          <a:p>
+            <a:pPr marL="0" indent="0">
+              <a:buNone/>
+            </a:pPr>
+            <a:endParaRPr lang="en-US" b="1" dirty="0"/>
           </a:p>
         </p:txBody>
       </p:sp>
     </p:spTree>
     <p:extLst>
       <p:ext uri="{BB962C8B-B14F-4D97-AF65-F5344CB8AC3E}">
-        <p14:creationId xmlns:p14="http://schemas.microsoft.com/office/powerpoint/2010/main" val="2111518073"/>
+        <p14:creationId xmlns:p14="http://schemas.microsoft.com/office/powerpoint/2010/main" val="1352476767"/>
       </p:ext>
     </p:extLst>
   </p:cSld>
@@ -13476,57 +13459,48 @@
           <a:lstStyle/>
           <a:p>
             <a:r>
+              <a:rPr lang="de-DE" dirty="0" smtClean="0"/>
+              <a:t>Unit Tests != TDD</a:t>
+            </a:r>
+            <a:endParaRPr lang="de-DE" dirty="0"/>
+          </a:p>
+        </p:txBody>
+      </p:sp>
+      <p:sp>
+        <p:nvSpPr>
+          <p:cNvPr id="3" name="Inhaltsplatzhalter 2"/>
+          <p:cNvSpPr>
+            <a:spLocks noGrp="1"/>
+          </p:cNvSpPr>
+          <p:nvPr>
+            <p:ph idx="1"/>
+          </p:nvPr>
+        </p:nvSpPr>
+        <p:spPr/>
+        <p:txBody>
+          <a:bodyPr/>
+          <a:lstStyle/>
+          <a:p>
+            <a:r>
+              <a:rPr lang="en-US" dirty="0"/>
+              <a:t>Code can also be driven by automated integration tests (UI tests, DB tests, …)</a:t>
+            </a:r>
+          </a:p>
+          <a:p>
+            <a:endParaRPr lang="en-US" dirty="0" smtClean="0"/>
+          </a:p>
+          <a:p>
+            <a:r>
               <a:rPr lang="en-US" dirty="0" smtClean="0"/>
-              <a:t>TDD step size</a:t>
-            </a:r>
-            <a:endParaRPr lang="en-US" dirty="0"/>
-          </a:p>
-        </p:txBody>
-      </p:sp>
-      <p:sp>
-        <p:nvSpPr>
-          <p:cNvPr id="3" name="Inhaltsplatzhalter 2"/>
-          <p:cNvSpPr>
-            <a:spLocks noGrp="1"/>
-          </p:cNvSpPr>
-          <p:nvPr>
-            <p:ph idx="1"/>
-          </p:nvPr>
-        </p:nvSpPr>
-        <p:spPr/>
-        <p:txBody>
-          <a:bodyPr/>
-          <a:lstStyle/>
-          <a:p>
-            <a:r>
-              <a:rPr lang="en-US" dirty="0" smtClean="0"/>
-              <a:t>Do not write more code than you need</a:t>
-            </a:r>
-          </a:p>
-          <a:p>
-            <a:r>
-              <a:rPr lang="en-US" dirty="0" smtClean="0"/>
-              <a:t>Write tests that test small portions of functionality</a:t>
-            </a:r>
-          </a:p>
-          <a:p>
-            <a:r>
-              <a:rPr lang="en-US" dirty="0" smtClean="0"/>
-              <a:t>Step “size“ can be adjusted according to convenience</a:t>
-            </a:r>
-          </a:p>
-          <a:p>
-            <a:pPr marL="0" indent="0">
-              <a:buNone/>
-            </a:pPr>
-            <a:endParaRPr lang="en-US" b="1" dirty="0"/>
+              <a:t>TDD is a practice, unit tests are automated tests with specific properties</a:t>
+            </a:r>
           </a:p>
         </p:txBody>
       </p:sp>
     </p:spTree>
     <p:extLst>
       <p:ext uri="{BB962C8B-B14F-4D97-AF65-F5344CB8AC3E}">
-        <p14:creationId xmlns:p14="http://schemas.microsoft.com/office/powerpoint/2010/main" val="1352476767"/>
+        <p14:creationId xmlns:p14="http://schemas.microsoft.com/office/powerpoint/2010/main" val="3842647369"/>
       </p:ext>
     </p:extLst>
   </p:cSld>
@@ -13570,7 +13544,7 @@
       </p:grpSpPr>
       <p:sp>
         <p:nvSpPr>
-          <p:cNvPr id="2" name="Titel 1"/>
+          <p:cNvPr id="2" name="Title 1"/>
           <p:cNvSpPr>
             <a:spLocks noGrp="1"/>
           </p:cNvSpPr>
@@ -13584,16 +13558,16 @@
           <a:lstStyle/>
           <a:p>
             <a:r>
-              <a:rPr lang="de-DE" dirty="0" smtClean="0"/>
-              <a:t>Unit Tests != TDD</a:t>
-            </a:r>
-            <a:endParaRPr lang="de-DE" dirty="0"/>
-          </a:p>
-        </p:txBody>
-      </p:sp>
-      <p:sp>
-        <p:nvSpPr>
-          <p:cNvPr id="3" name="Inhaltsplatzhalter 2"/>
+              <a:rPr lang="en-US" dirty="0" smtClean="0"/>
+              <a:t>Why TDD</a:t>
+            </a:r>
+            <a:endParaRPr lang="en-US" dirty="0"/>
+          </a:p>
+        </p:txBody>
+      </p:sp>
+      <p:sp>
+        <p:nvSpPr>
+          <p:cNvPr id="3" name="Content Placeholder 2"/>
           <p:cNvSpPr>
             <a:spLocks noGrp="1"/>
           </p:cNvSpPr>
@@ -13607,17 +13581,22 @@
           <a:lstStyle/>
           <a:p>
             <a:r>
-              <a:rPr lang="en-US" dirty="0"/>
-              <a:t>Code can also be driven by automated integration tests (UI tests, DB tests, …)</a:t>
-            </a:r>
-          </a:p>
-          <a:p>
-            <a:endParaRPr lang="en-US" dirty="0" smtClean="0"/>
-          </a:p>
-          <a:p>
-            <a:r>
               <a:rPr lang="en-US" dirty="0" smtClean="0"/>
-              <a:t>TDD is a practice, unit tests are automated tests with specific properties</a:t>
+              <a:t>TDD sets </a:t>
+            </a:r>
+            <a:r>
+              <a:rPr lang="en-US" b="1" dirty="0" smtClean="0"/>
+              <a:t>priority</a:t>
+            </a:r>
+            <a:r>
+              <a:rPr lang="en-US" dirty="0" smtClean="0"/>
+              <a:t> for tests</a:t>
+            </a:r>
+          </a:p>
+          <a:p>
+            <a:r>
+              <a:rPr lang="en-US" dirty="0" smtClean="0"/>
+              <a:t>Deign feedback</a:t>
             </a:r>
           </a:p>
         </p:txBody>
@@ -13625,28 +13604,13 @@
     </p:spTree>
     <p:extLst>
       <p:ext uri="{BB962C8B-B14F-4D97-AF65-F5344CB8AC3E}">
-        <p14:creationId xmlns:p14="http://schemas.microsoft.com/office/powerpoint/2010/main" val="3842647369"/>
+        <p14:creationId xmlns:p14="http://schemas.microsoft.com/office/powerpoint/2010/main" val="2804702029"/>
       </p:ext>
     </p:extLst>
   </p:cSld>
   <p:clrMapOvr>
     <a:masterClrMapping/>
   </p:clrMapOvr>
-  <mc:AlternateContent xmlns:mc="http://schemas.openxmlformats.org/markup-compatibility/2006" xmlns:p14="http://schemas.microsoft.com/office/powerpoint/2010/main">
-    <mc:Choice Requires="p14">
-      <p:transition p14:dur="0"/>
-    </mc:Choice>
-    <mc:Fallback xmlns="">
-      <p:transition/>
-    </mc:Fallback>
-  </mc:AlternateContent>
-  <p:timing>
-    <p:tnLst>
-      <p:par>
-        <p:cTn id="1" dur="indefinite" restart="never" nodeType="tmRoot"/>
-      </p:par>
-    </p:tnLst>
-  </p:timing>
 </p:sld>
 </file>
 
@@ -13778,46 +13742,42 @@
           <a:bodyPr/>
           <a:lstStyle/>
           <a:p>
+            <a:endParaRPr lang="en-US"/>
+          </a:p>
+        </p:txBody>
+      </p:sp>
+      <p:sp>
+        <p:nvSpPr>
+          <p:cNvPr id="3" name="Content Placeholder 2"/>
+          <p:cNvSpPr>
+            <a:spLocks noGrp="1"/>
+          </p:cNvSpPr>
+          <p:nvPr>
+            <p:ph idx="1"/>
+          </p:nvPr>
+        </p:nvSpPr>
+        <p:spPr/>
+        <p:txBody>
+          <a:bodyPr/>
+          <a:lstStyle/>
+          <a:p>
+            <a:r>
+              <a:rPr lang="en-US" dirty="0"/>
+              <a:t>Most of the tests feedback on design is based on the fact that if it is hard to test a class in an isolated way, then it may have a problem with its design. </a:t>
+            </a:r>
+            <a:endParaRPr lang="en-US" dirty="0" smtClean="0"/>
+          </a:p>
+          <a:p>
+            <a:endParaRPr lang="en-US" dirty="0"/>
+          </a:p>
+          <a:p>
             <a:r>
               <a:rPr lang="en-US" dirty="0" smtClean="0"/>
-              <a:t>Why TDD</a:t>
-            </a:r>
-            <a:endParaRPr lang="en-US" dirty="0"/>
-          </a:p>
-        </p:txBody>
-      </p:sp>
-      <p:sp>
-        <p:nvSpPr>
-          <p:cNvPr id="3" name="Content Placeholder 2"/>
-          <p:cNvSpPr>
-            <a:spLocks noGrp="1"/>
-          </p:cNvSpPr>
-          <p:nvPr>
-            <p:ph idx="1"/>
-          </p:nvPr>
-        </p:nvSpPr>
-        <p:spPr/>
-        <p:txBody>
-          <a:bodyPr/>
-          <a:lstStyle/>
-          <a:p>
-            <a:r>
-              <a:rPr lang="en-US" dirty="0" smtClean="0"/>
-              <a:t>TDD sets </a:t>
-            </a:r>
-            <a:r>
-              <a:rPr lang="en-US" b="1" dirty="0" smtClean="0"/>
-              <a:t>priority</a:t>
-            </a:r>
-            <a:r>
-              <a:rPr lang="en-US" dirty="0" smtClean="0"/>
-              <a:t> for tests</a:t>
-            </a:r>
-          </a:p>
-          <a:p>
-            <a:r>
-              <a:rPr lang="en-US" dirty="0" smtClean="0"/>
-              <a:t>Deign feedback</a:t>
+              <a:t>The </a:t>
+            </a:r>
+            <a:r>
+              <a:rPr lang="en-US" dirty="0"/>
+              <a:t>harder to write a unit test, the bigger the possibility to find a design smell.</a:t>
             </a:r>
           </a:p>
         </p:txBody>
@@ -13825,7 +13785,7 @@
     </p:spTree>
     <p:extLst>
       <p:ext uri="{BB962C8B-B14F-4D97-AF65-F5344CB8AC3E}">
-        <p14:creationId xmlns:p14="http://schemas.microsoft.com/office/powerpoint/2010/main" val="2804702029"/>
+        <p14:creationId xmlns:p14="http://schemas.microsoft.com/office/powerpoint/2010/main" val="2562379310"/>
       </p:ext>
     </p:extLst>
   </p:cSld>
@@ -13867,91 +13827,6 @@
           <a:bodyPr/>
           <a:lstStyle/>
           <a:p>
-            <a:endParaRPr lang="en-US"/>
-          </a:p>
-        </p:txBody>
-      </p:sp>
-      <p:sp>
-        <p:nvSpPr>
-          <p:cNvPr id="3" name="Content Placeholder 2"/>
-          <p:cNvSpPr>
-            <a:spLocks noGrp="1"/>
-          </p:cNvSpPr>
-          <p:nvPr>
-            <p:ph idx="1"/>
-          </p:nvPr>
-        </p:nvSpPr>
-        <p:spPr/>
-        <p:txBody>
-          <a:bodyPr/>
-          <a:lstStyle/>
-          <a:p>
-            <a:r>
-              <a:rPr lang="en-US" dirty="0"/>
-              <a:t>Most of the tests feedback on design is based on the fact that if it is hard to test a class in an isolated way, then it may have a problem with its design. </a:t>
-            </a:r>
-            <a:endParaRPr lang="en-US" dirty="0" smtClean="0"/>
-          </a:p>
-          <a:p>
-            <a:endParaRPr lang="en-US" dirty="0"/>
-          </a:p>
-          <a:p>
-            <a:r>
-              <a:rPr lang="en-US" dirty="0" smtClean="0"/>
-              <a:t>The </a:t>
-            </a:r>
-            <a:r>
-              <a:rPr lang="en-US" dirty="0"/>
-              <a:t>harder to write a unit test, the bigger the possibility to find a design smell.</a:t>
-            </a:r>
-          </a:p>
-        </p:txBody>
-      </p:sp>
-    </p:spTree>
-    <p:extLst>
-      <p:ext uri="{BB962C8B-B14F-4D97-AF65-F5344CB8AC3E}">
-        <p14:creationId xmlns:p14="http://schemas.microsoft.com/office/powerpoint/2010/main" val="2562379310"/>
-      </p:ext>
-    </p:extLst>
-  </p:cSld>
-  <p:clrMapOvr>
-    <a:masterClrMapping/>
-  </p:clrMapOvr>
-</p:sld>
-</file>
-
-<file path=ppt/slides/slide32.xml><?xml version="1.0" encoding="utf-8"?>
-<p:sld xmlns:a="http://schemas.openxmlformats.org/drawingml/2006/main" xmlns:r="http://schemas.openxmlformats.org/officeDocument/2006/relationships" xmlns:p="http://schemas.openxmlformats.org/presentationml/2006/main">
-  <p:cSld>
-    <p:spTree>
-      <p:nvGrpSpPr>
-        <p:cNvPr id="1" name=""/>
-        <p:cNvGrpSpPr/>
-        <p:nvPr/>
-      </p:nvGrpSpPr>
-      <p:grpSpPr>
-        <a:xfrm>
-          <a:off x="0" y="0"/>
-          <a:ext cx="0" cy="0"/>
-          <a:chOff x="0" y="0"/>
-          <a:chExt cx="0" cy="0"/>
-        </a:xfrm>
-      </p:grpSpPr>
-      <p:sp>
-        <p:nvSpPr>
-          <p:cNvPr id="2" name="Title 1"/>
-          <p:cNvSpPr>
-            <a:spLocks noGrp="1"/>
-          </p:cNvSpPr>
-          <p:nvPr>
-            <p:ph type="title"/>
-          </p:nvPr>
-        </p:nvSpPr>
-        <p:spPr/>
-        <p:txBody>
-          <a:bodyPr/>
-          <a:lstStyle/>
-          <a:p>
             <a:r>
               <a:rPr lang="en-US" dirty="0" smtClean="0"/>
               <a:t>Testable design</a:t>
@@ -13995,8 +13870,13 @@
           <a:p>
             <a:r>
               <a:rPr lang="en-US" dirty="0" smtClean="0"/>
-              <a:t>SRP</a:t>
-            </a:r>
+              <a:t>Single responsibility principl</a:t>
+            </a:r>
+            <a:r>
+              <a:rPr lang="en-US" dirty="0"/>
+              <a:t>e</a:t>
+            </a:r>
+            <a:endParaRPr lang="en-US" dirty="0" smtClean="0"/>
           </a:p>
           <a:p>
             <a:r>
@@ -14020,7 +13900,7 @@
 </p:sld>
 </file>
 
-<file path=ppt/slides/slide33.xml><?xml version="1.0" encoding="utf-8"?>
+<file path=ppt/slides/slide32.xml><?xml version="1.0" encoding="utf-8"?>
 <p:sld xmlns:a="http://schemas.openxmlformats.org/drawingml/2006/main" xmlns:r="http://schemas.openxmlformats.org/officeDocument/2006/relationships" xmlns:p="http://schemas.openxmlformats.org/presentationml/2006/main">
   <p:cSld>
     <p:spTree>
@@ -14121,7 +14001,7 @@
 </p:sld>
 </file>
 
-<file path=ppt/slides/slide34.xml><?xml version="1.0" encoding="utf-8"?>
+<file path=ppt/slides/slide33.xml><?xml version="1.0" encoding="utf-8"?>
 <p:sld xmlns:a="http://schemas.openxmlformats.org/drawingml/2006/main" xmlns:r="http://schemas.openxmlformats.org/officeDocument/2006/relationships" xmlns:p="http://schemas.openxmlformats.org/presentationml/2006/main">
   <p:cSld>
     <p:spTree>
@@ -14199,6 +14079,153 @@
 </p:sld>
 </file>
 
+<file path=ppt/slides/slide34.xml><?xml version="1.0" encoding="utf-8"?>
+<p:sld xmlns:a="http://schemas.openxmlformats.org/drawingml/2006/main" xmlns:r="http://schemas.openxmlformats.org/officeDocument/2006/relationships" xmlns:p="http://schemas.openxmlformats.org/presentationml/2006/main">
+  <p:cSld>
+    <p:spTree>
+      <p:nvGrpSpPr>
+        <p:cNvPr id="1" name=""/>
+        <p:cNvGrpSpPr/>
+        <p:nvPr/>
+      </p:nvGrpSpPr>
+      <p:grpSpPr>
+        <a:xfrm>
+          <a:off x="0" y="0"/>
+          <a:ext cx="0" cy="0"/>
+          <a:chOff x="0" y="0"/>
+          <a:chExt cx="0" cy="0"/>
+        </a:xfrm>
+      </p:grpSpPr>
+      <p:sp>
+        <p:nvSpPr>
+          <p:cNvPr id="2" name="Title 1"/>
+          <p:cNvSpPr>
+            <a:spLocks noGrp="1"/>
+          </p:cNvSpPr>
+          <p:nvPr>
+            <p:ph type="title"/>
+          </p:nvPr>
+        </p:nvSpPr>
+        <p:spPr/>
+        <p:txBody>
+          <a:bodyPr/>
+          <a:lstStyle/>
+          <a:p>
+            <a:r>
+              <a:rPr lang="en-US" dirty="0" smtClean="0"/>
+              <a:t>Common test smells</a:t>
+            </a:r>
+            <a:endParaRPr lang="en-US" dirty="0"/>
+          </a:p>
+        </p:txBody>
+      </p:sp>
+      <p:sp>
+        <p:nvSpPr>
+          <p:cNvPr id="3" name="Content Placeholder 2"/>
+          <p:cNvSpPr>
+            <a:spLocks noGrp="1"/>
+          </p:cNvSpPr>
+          <p:nvPr>
+            <p:ph idx="1"/>
+          </p:nvPr>
+        </p:nvSpPr>
+        <p:spPr/>
+        <p:txBody>
+          <a:bodyPr/>
+          <a:lstStyle/>
+          <a:p>
+            <a:r>
+              <a:rPr lang="en-US" b="1" dirty="0" smtClean="0"/>
+              <a:t>Hard-to-Test Code</a:t>
+            </a:r>
+          </a:p>
+          <a:p>
+            <a:r>
+              <a:rPr lang="en-US" b="1" dirty="0"/>
+              <a:t>Fragile Test</a:t>
+            </a:r>
+          </a:p>
+          <a:p>
+            <a:r>
+              <a:rPr lang="en-US" b="1" dirty="0"/>
+              <a:t>Test Code </a:t>
+            </a:r>
+            <a:r>
+              <a:rPr lang="en-US" b="1" dirty="0" smtClean="0"/>
+              <a:t>Duplication</a:t>
+            </a:r>
+          </a:p>
+          <a:p>
+            <a:r>
+              <a:rPr lang="en-US" b="1" dirty="0"/>
+              <a:t>Slow </a:t>
+            </a:r>
+            <a:r>
+              <a:rPr lang="en-US" b="1" dirty="0" smtClean="0"/>
+              <a:t>Tests</a:t>
+            </a:r>
+          </a:p>
+          <a:p>
+            <a:r>
+              <a:rPr lang="en-US" b="1" dirty="0" smtClean="0"/>
+              <a:t>Conditional </a:t>
+            </a:r>
+            <a:r>
+              <a:rPr lang="en-US" b="1" dirty="0"/>
+              <a:t>Test Logic</a:t>
+            </a:r>
+          </a:p>
+          <a:p>
+            <a:endParaRPr lang="en-US" b="1" dirty="0" smtClean="0"/>
+          </a:p>
+          <a:p>
+            <a:endParaRPr lang="en-US" b="1" dirty="0" smtClean="0"/>
+          </a:p>
+          <a:p>
+            <a:endParaRPr lang="en-US" b="1" dirty="0" smtClean="0"/>
+          </a:p>
+          <a:p>
+            <a:endParaRPr lang="en-US" dirty="0"/>
+          </a:p>
+        </p:txBody>
+      </p:sp>
+      <p:sp>
+        <p:nvSpPr>
+          <p:cNvPr id="4" name="Slide Number Placeholder 3"/>
+          <p:cNvSpPr>
+            <a:spLocks noGrp="1"/>
+          </p:cNvSpPr>
+          <p:nvPr>
+            <p:ph type="sldNum" sz="quarter" idx="12"/>
+          </p:nvPr>
+        </p:nvSpPr>
+        <p:spPr/>
+        <p:txBody>
+          <a:bodyPr/>
+          <a:lstStyle/>
+          <a:p>
+            <a:fld id="{2387B7E2-7538-4163-9310-D5E6EE1BC12A}" type="slidenum">
+              <a:rPr lang="en-US" smtClean="0"/>
+              <a:pPr/>
+              <a:t>34</a:t>
+            </a:fld>
+            <a:endParaRPr lang="en-US"/>
+          </a:p>
+        </p:txBody>
+      </p:sp>
+    </p:spTree>
+    <p:extLst>
+      <p:ext uri="{BB962C8B-B14F-4D97-AF65-F5344CB8AC3E}">
+        <p14:creationId xmlns:p14="http://schemas.microsoft.com/office/powerpoint/2010/main" val="3673902846"/>
+      </p:ext>
+    </p:extLst>
+  </p:cSld>
+  <p:clrMapOvr>
+    <a:masterClrMapping/>
+  </p:clrMapOvr>
+</p:sld>
+</file>
+
 <file path=ppt/slides/slide35.xml><?xml version="1.0" encoding="utf-8"?>
 <p:sld xmlns:a="http://schemas.openxmlformats.org/drawingml/2006/main" xmlns:r="http://schemas.openxmlformats.org/officeDocument/2006/relationships" xmlns:p="http://schemas.openxmlformats.org/presentationml/2006/main">
   <p:cSld>
@@ -14232,153 +14259,6 @@
           <a:lstStyle/>
           <a:p>
             <a:r>
-              <a:rPr lang="en-US" dirty="0" smtClean="0"/>
-              <a:t>Common test smells</a:t>
-            </a:r>
-            <a:endParaRPr lang="en-US" dirty="0"/>
-          </a:p>
-        </p:txBody>
-      </p:sp>
-      <p:sp>
-        <p:nvSpPr>
-          <p:cNvPr id="3" name="Content Placeholder 2"/>
-          <p:cNvSpPr>
-            <a:spLocks noGrp="1"/>
-          </p:cNvSpPr>
-          <p:nvPr>
-            <p:ph idx="1"/>
-          </p:nvPr>
-        </p:nvSpPr>
-        <p:spPr/>
-        <p:txBody>
-          <a:bodyPr/>
-          <a:lstStyle/>
-          <a:p>
-            <a:r>
-              <a:rPr lang="en-US" b="1" dirty="0" smtClean="0"/>
-              <a:t>Hard-to-Test Code</a:t>
-            </a:r>
-          </a:p>
-          <a:p>
-            <a:r>
-              <a:rPr lang="en-US" b="1" dirty="0"/>
-              <a:t>Fragile Test</a:t>
-            </a:r>
-          </a:p>
-          <a:p>
-            <a:r>
-              <a:rPr lang="en-US" b="1" dirty="0"/>
-              <a:t>Test Code </a:t>
-            </a:r>
-            <a:r>
-              <a:rPr lang="en-US" b="1" dirty="0" smtClean="0"/>
-              <a:t>Duplication</a:t>
-            </a:r>
-          </a:p>
-          <a:p>
-            <a:r>
-              <a:rPr lang="en-US" b="1" dirty="0"/>
-              <a:t>Slow </a:t>
-            </a:r>
-            <a:r>
-              <a:rPr lang="en-US" b="1" dirty="0" smtClean="0"/>
-              <a:t>Tests</a:t>
-            </a:r>
-          </a:p>
-          <a:p>
-            <a:r>
-              <a:rPr lang="en-US" b="1" dirty="0" smtClean="0"/>
-              <a:t>Conditional </a:t>
-            </a:r>
-            <a:r>
-              <a:rPr lang="en-US" b="1" dirty="0"/>
-              <a:t>Test Logic</a:t>
-            </a:r>
-          </a:p>
-          <a:p>
-            <a:endParaRPr lang="en-US" b="1" dirty="0" smtClean="0"/>
-          </a:p>
-          <a:p>
-            <a:endParaRPr lang="en-US" b="1" dirty="0" smtClean="0"/>
-          </a:p>
-          <a:p>
-            <a:endParaRPr lang="en-US" b="1" dirty="0" smtClean="0"/>
-          </a:p>
-          <a:p>
-            <a:endParaRPr lang="en-US" dirty="0"/>
-          </a:p>
-        </p:txBody>
-      </p:sp>
-      <p:sp>
-        <p:nvSpPr>
-          <p:cNvPr id="4" name="Slide Number Placeholder 3"/>
-          <p:cNvSpPr>
-            <a:spLocks noGrp="1"/>
-          </p:cNvSpPr>
-          <p:nvPr>
-            <p:ph type="sldNum" sz="quarter" idx="12"/>
-          </p:nvPr>
-        </p:nvSpPr>
-        <p:spPr/>
-        <p:txBody>
-          <a:bodyPr/>
-          <a:lstStyle/>
-          <a:p>
-            <a:fld id="{2387B7E2-7538-4163-9310-D5E6EE1BC12A}" type="slidenum">
-              <a:rPr lang="en-US" smtClean="0"/>
-              <a:pPr/>
-              <a:t>35</a:t>
-            </a:fld>
-            <a:endParaRPr lang="en-US"/>
-          </a:p>
-        </p:txBody>
-      </p:sp>
-    </p:spTree>
-    <p:extLst>
-      <p:ext uri="{BB962C8B-B14F-4D97-AF65-F5344CB8AC3E}">
-        <p14:creationId xmlns:p14="http://schemas.microsoft.com/office/powerpoint/2010/main" val="3673902846"/>
-      </p:ext>
-    </p:extLst>
-  </p:cSld>
-  <p:clrMapOvr>
-    <a:masterClrMapping/>
-  </p:clrMapOvr>
-</p:sld>
-</file>
-
-<file path=ppt/slides/slide36.xml><?xml version="1.0" encoding="utf-8"?>
-<p:sld xmlns:a="http://schemas.openxmlformats.org/drawingml/2006/main" xmlns:r="http://schemas.openxmlformats.org/officeDocument/2006/relationships" xmlns:p="http://schemas.openxmlformats.org/presentationml/2006/main">
-  <p:cSld>
-    <p:spTree>
-      <p:nvGrpSpPr>
-        <p:cNvPr id="1" name=""/>
-        <p:cNvGrpSpPr/>
-        <p:nvPr/>
-      </p:nvGrpSpPr>
-      <p:grpSpPr>
-        <a:xfrm>
-          <a:off x="0" y="0"/>
-          <a:ext cx="0" cy="0"/>
-          <a:chOff x="0" y="0"/>
-          <a:chExt cx="0" cy="0"/>
-        </a:xfrm>
-      </p:grpSpPr>
-      <p:sp>
-        <p:nvSpPr>
-          <p:cNvPr id="2" name="Title 1"/>
-          <p:cNvSpPr>
-            <a:spLocks noGrp="1"/>
-          </p:cNvSpPr>
-          <p:nvPr>
-            <p:ph type="title"/>
-          </p:nvPr>
-        </p:nvSpPr>
-        <p:spPr/>
-        <p:txBody>
-          <a:bodyPr/>
-          <a:lstStyle/>
-          <a:p>
-            <a:r>
               <a:rPr lang="en-US" smtClean="0"/>
               <a:t>Code </a:t>
             </a:r>
@@ -14422,7 +14302,7 @@
 </p:sld>
 </file>
 
-<file path=ppt/slides/slide37.xml><?xml version="1.0" encoding="utf-8"?>
+<file path=ppt/slides/slide36.xml><?xml version="1.0" encoding="utf-8"?>
 <p:sld xmlns:a="http://schemas.openxmlformats.org/drawingml/2006/main" xmlns:r="http://schemas.openxmlformats.org/officeDocument/2006/relationships" xmlns:p="http://schemas.openxmlformats.org/presentationml/2006/main">
   <p:cSld>
     <p:spTree>
@@ -14768,34 +14648,10 @@
           <a:lstStyle/>
           <a:p>
             <a:r>
-              <a:rPr lang="en-US" dirty="0" smtClean="0">
-                <a:solidFill>
-                  <a:srgbClr val="FF0000"/>
-                </a:solidFill>
-              </a:rPr>
-              <a:t>Testing</a:t>
-            </a:r>
-            <a:r>
-              <a:rPr lang="de-DE" dirty="0" smtClean="0">
-                <a:solidFill>
-                  <a:srgbClr val="FF0000"/>
-                </a:solidFill>
-              </a:rPr>
-              <a:t> </a:t>
-            </a:r>
-            <a:r>
-              <a:rPr lang="en-US" dirty="0" smtClean="0">
-                <a:solidFill>
-                  <a:srgbClr val="FF0000"/>
-                </a:solidFill>
-              </a:rPr>
-              <a:t>principles</a:t>
-            </a:r>
-            <a:endParaRPr lang="en-US" dirty="0">
-              <a:solidFill>
-                <a:srgbClr val="FF0000"/>
-              </a:solidFill>
-            </a:endParaRPr>
+              <a:rPr lang="en-US" dirty="0" smtClean="0"/>
+              <a:t>Why automated test</a:t>
+            </a:r>
+            <a:endParaRPr lang="en-US" dirty="0"/>
           </a:p>
         </p:txBody>
       </p:sp>
@@ -14965,18 +14821,10 @@
           <a:lstStyle/>
           <a:p>
             <a:r>
-              <a:rPr lang="en-US" dirty="0" smtClean="0">
-                <a:solidFill>
-                  <a:srgbClr val="FF0000"/>
-                </a:solidFill>
-              </a:rPr>
-              <a:t>Why Automated test</a:t>
-            </a:r>
-            <a:endParaRPr lang="en-US" dirty="0">
-              <a:solidFill>
-                <a:srgbClr val="FF0000"/>
-              </a:solidFill>
-            </a:endParaRPr>
+              <a:rPr lang="en-US" dirty="0" smtClean="0"/>
+              <a:t>Fear of making change</a:t>
+            </a:r>
+            <a:endParaRPr lang="en-US" dirty="0"/>
           </a:p>
         </p:txBody>
       </p:sp>
@@ -14995,30 +14843,48 @@
           <a:bodyPr/>
           <a:lstStyle/>
           <a:p>
+            <a:pPr>
+              <a:buNone/>
+            </a:pPr>
             <a:r>
               <a:rPr lang="en-US" dirty="0"/>
-              <a:t>Humans are bad in repetitive tasks</a:t>
-            </a:r>
-          </a:p>
-          <a:p>
-            <a:r>
-              <a:rPr lang="en-US" dirty="0"/>
-              <a:t>Tests document behavior of SW</a:t>
-            </a:r>
-          </a:p>
-          <a:p>
-            <a:r>
-              <a:rPr lang="en-US" dirty="0"/>
-              <a:t>Unit tests lead to more testable code which usually is less coupled and cleaner</a:t>
-            </a:r>
-          </a:p>
-          <a:p>
-            <a:r>
-              <a:rPr lang="en-US" dirty="0"/>
-              <a:t>Tests save from breaking code, i.e. when refactoring</a:t>
-            </a:r>
-          </a:p>
-          <a:p>
+              <a:t> </a:t>
+            </a:r>
+            <a:r>
+              <a:rPr lang="en-US" dirty="0" smtClean="0"/>
+              <a:t>	</a:t>
+            </a:r>
+            <a:r>
+              <a:rPr lang="en-US" i="1" dirty="0" smtClean="0"/>
+              <a:t>Unit </a:t>
+            </a:r>
+            <a:r>
+              <a:rPr lang="en-US" i="1" dirty="0"/>
+              <a:t>tests enable to gain confidence in code over time . As </a:t>
+            </a:r>
+            <a:r>
+              <a:rPr lang="en-US" i="1" dirty="0" smtClean="0"/>
+              <a:t>test accumulate </a:t>
+            </a:r>
+            <a:r>
+              <a:rPr lang="en-US" i="1" dirty="0"/>
+              <a:t>, we gain confidence in the behavior of the system.</a:t>
+            </a:r>
+          </a:p>
+          <a:p>
+            <a:pPr>
+              <a:buNone/>
+            </a:pPr>
+            <a:endParaRPr lang="en-US" i="1" dirty="0"/>
+          </a:p>
+          <a:p>
+            <a:pPr>
+              <a:buNone/>
+            </a:pPr>
+            <a:r>
+              <a:rPr lang="en-GB" dirty="0"/>
+              <a:t>	Fear of making change disappear</a:t>
+            </a:r>
             <a:endParaRPr lang="en-US" dirty="0"/>
           </a:p>
         </p:txBody>
@@ -15026,7 +14892,7 @@
     </p:spTree>
     <p:extLst>
       <p:ext uri="{BB962C8B-B14F-4D97-AF65-F5344CB8AC3E}">
-        <p14:creationId xmlns:p14="http://schemas.microsoft.com/office/powerpoint/2010/main" val="4000738388"/>
+        <p14:creationId xmlns:p14="http://schemas.microsoft.com/office/powerpoint/2010/main" val="2068347357"/>
       </p:ext>
     </p:extLst>
   </p:cSld>
@@ -15070,7 +14936,7 @@
           <a:p>
             <a:r>
               <a:rPr lang="en-US" dirty="0" smtClean="0"/>
-              <a:t>Fear of making change</a:t>
+              <a:t>Continuous integration and Continuous delivery</a:t>
             </a:r>
             <a:endParaRPr lang="en-US" dirty="0"/>
           </a:p>
@@ -15091,56 +14957,14 @@
           <a:bodyPr/>
           <a:lstStyle/>
           <a:p>
-            <a:pPr>
-              <a:buNone/>
-            </a:pPr>
-            <a:r>
-              <a:rPr lang="en-US" dirty="0"/>
-              <a:t> </a:t>
-            </a:r>
-            <a:r>
-              <a:rPr lang="en-US" dirty="0" smtClean="0"/>
-              <a:t>	</a:t>
-            </a:r>
-            <a:r>
-              <a:rPr lang="en-US" i="1" dirty="0" smtClean="0"/>
-              <a:t>Unit </a:t>
-            </a:r>
-            <a:r>
-              <a:rPr lang="en-US" i="1" dirty="0"/>
-              <a:t>tests enable to gain confidence in code over time . As </a:t>
-            </a:r>
-            <a:r>
-              <a:rPr lang="en-US" i="1" dirty="0" smtClean="0"/>
-              <a:t>test accumulate </a:t>
-            </a:r>
-            <a:r>
-              <a:rPr lang="en-US" i="1" dirty="0"/>
-              <a:t>, we gain confidence in the behavior of the system.</a:t>
-            </a:r>
-          </a:p>
-          <a:p>
-            <a:pPr>
-              <a:buNone/>
-            </a:pPr>
-            <a:endParaRPr lang="en-US" i="1" dirty="0"/>
-          </a:p>
-          <a:p>
-            <a:pPr>
-              <a:buNone/>
-            </a:pPr>
-            <a:r>
-              <a:rPr lang="en-GB" dirty="0"/>
-              <a:t>	Fear of making change disappear</a:t>
-            </a:r>
-            <a:endParaRPr lang="en-US" dirty="0"/>
+            <a:endParaRPr lang="en-US"/>
           </a:p>
         </p:txBody>
       </p:sp>
     </p:spTree>
     <p:extLst>
       <p:ext uri="{BB962C8B-B14F-4D97-AF65-F5344CB8AC3E}">
-        <p14:creationId xmlns:p14="http://schemas.microsoft.com/office/powerpoint/2010/main" val="2068347357"/>
+        <p14:creationId xmlns:p14="http://schemas.microsoft.com/office/powerpoint/2010/main" val="3166855625"/>
       </p:ext>
     </p:extLst>
   </p:cSld>
@@ -15183,8 +15007,71 @@
           <a:lstStyle/>
           <a:p>
             <a:r>
-              <a:rPr lang="en-US" dirty="0" smtClean="0"/>
-              <a:t>Continuous integration and Continuous delivery</a:t>
+              <a:rPr lang="en-US" dirty="0"/>
+              <a:t>Continuous integration</a:t>
+            </a:r>
+          </a:p>
+        </p:txBody>
+      </p:sp>
+      <p:sp>
+        <p:nvSpPr>
+          <p:cNvPr id="3" name="Content Placeholder 2"/>
+          <p:cNvSpPr>
+            <a:spLocks noGrp="1"/>
+          </p:cNvSpPr>
+          <p:nvPr>
+            <p:ph idx="1"/>
+          </p:nvPr>
+        </p:nvSpPr>
+        <p:spPr/>
+        <p:txBody>
+          <a:bodyPr>
+            <a:normAutofit/>
+          </a:bodyPr>
+          <a:lstStyle/>
+          <a:p>
+            <a:pPr>
+              <a:buNone/>
+            </a:pPr>
+            <a:r>
+              <a:rPr lang="en-US" i="1" dirty="0" smtClean="0"/>
+              <a:t>	Continuous Integration is a software development practice where members of a team integrate their work frequently</a:t>
+            </a:r>
+          </a:p>
+          <a:p>
+            <a:pPr>
+              <a:buNone/>
+            </a:pPr>
+            <a:r>
+              <a:rPr lang="en-US" i="1" dirty="0" smtClean="0"/>
+              <a:t>	</a:t>
+            </a:r>
+          </a:p>
+          <a:p>
+            <a:pPr>
+              <a:buNone/>
+            </a:pPr>
+            <a:r>
+              <a:rPr lang="en-US" i="1" dirty="0" smtClean="0"/>
+              <a:t>	each person integrates at least daily - leading to multiple integrations per day. </a:t>
+            </a:r>
+          </a:p>
+          <a:p>
+            <a:pPr>
+              <a:buNone/>
+            </a:pPr>
+            <a:r>
+              <a:rPr lang="en-US" i="1" dirty="0" smtClean="0"/>
+              <a:t>	</a:t>
+            </a:r>
+          </a:p>
+          <a:p>
+            <a:pPr>
+              <a:buNone/>
+            </a:pPr>
+            <a:r>
+              <a:rPr lang="en-US" i="1" dirty="0" smtClean="0"/>
+              <a:t>	Each integration is verified by an automated build (including test) to detect integration errors as quickly as possible. 	</a:t>
             </a:r>
             <a:endParaRPr lang="en-US" dirty="0"/>
           </a:p>
@@ -15192,12 +15079,12 @@
       </p:sp>
       <p:sp>
         <p:nvSpPr>
-          <p:cNvPr id="3" name="Content Placeholder 2"/>
-          <p:cNvSpPr>
-            <a:spLocks noGrp="1"/>
-          </p:cNvSpPr>
-          <p:nvPr>
-            <p:ph idx="1"/>
+          <p:cNvPr id="4" name="Slide Number Placeholder 3"/>
+          <p:cNvSpPr>
+            <a:spLocks noGrp="1"/>
+          </p:cNvSpPr>
+          <p:nvPr>
+            <p:ph type="sldNum" sz="quarter" idx="12"/>
           </p:nvPr>
         </p:nvSpPr>
         <p:spPr/>
@@ -15205,6 +15092,11 @@
           <a:bodyPr/>
           <a:lstStyle/>
           <a:p>
+            <a:fld id="{2387B7E2-7538-4163-9310-D5E6EE1BC12A}" type="slidenum">
+              <a:rPr lang="en-US" smtClean="0"/>
+              <a:pPr/>
+              <a:t>9</a:t>
+            </a:fld>
             <a:endParaRPr lang="en-US"/>
           </a:p>
         </p:txBody>
@@ -15212,13 +15104,20 @@
     </p:spTree>
     <p:extLst>
       <p:ext uri="{BB962C8B-B14F-4D97-AF65-F5344CB8AC3E}">
-        <p14:creationId xmlns:p14="http://schemas.microsoft.com/office/powerpoint/2010/main" val="3166855625"/>
+        <p14:creationId xmlns:p14="http://schemas.microsoft.com/office/powerpoint/2010/main" val="2566127931"/>
       </p:ext>
     </p:extLst>
   </p:cSld>
   <p:clrMapOvr>
     <a:masterClrMapping/>
   </p:clrMapOvr>
+  <p:timing>
+    <p:tnLst>
+      <p:par>
+        <p:cTn id="1" dur="indefinite" restart="never" nodeType="tmRoot"/>
+      </p:par>
+    </p:tnLst>
+  </p:timing>
 </p:sld>
 </file>
 
